--- a/slides/slides.pptx
+++ b/slides/slides.pptx
@@ -310,7 +310,7 @@
           <a:p>
             <a:fld id="{DC661A4A-D0C3-4623-84C2-FD4286BDBB96}" type="datetimeFigureOut">
               <a:rPr lang="it-IT" smtClean="0"/>
-              <a:t>11/03/2015</a:t>
+              <a:t>12/03/2015</a:t>
             </a:fld>
             <a:endParaRPr lang="it-IT"/>
           </a:p>
@@ -5048,13 +5048,8 @@
             </a:pPr>
             <a:r>
               <a:rPr lang="en-US" sz="2000" dirty="0" smtClean="0"/>
-              <a:t>Introduction to </a:t>
-            </a:r>
-            <a:r>
-              <a:rPr lang="en-US" sz="2000" dirty="0" smtClean="0"/>
-              <a:t>development of multiplayer HTML5 games (with Socket.io)</a:t>
-            </a:r>
-            <a:endParaRPr lang="en-US" sz="2000" dirty="0" smtClean="0"/>
+              <a:t>Introduction to development of multiplayer HTML5 games (with Socket.io)</a:t>
+            </a:r>
           </a:p>
         </p:txBody>
       </p:sp>
@@ -8981,13 +8976,8 @@
           <a:p>
             <a:r>
               <a:rPr lang="en-US" dirty="0" smtClean="0"/>
-              <a:t>Web </a:t>
-            </a:r>
-            <a:r>
-              <a:rPr lang="en-US" dirty="0" smtClean="0"/>
-              <a:t>developer</a:t>
-            </a:r>
-            <a:endParaRPr lang="en-US" dirty="0" smtClean="0"/>
+              <a:t>Web developer</a:t>
+            </a:r>
           </a:p>
           <a:p>
             <a:r>
@@ -9027,11 +9017,7 @@
             </a:r>
             <a:r>
               <a:rPr lang="en-US" dirty="0" smtClean="0"/>
-              <a:t>: crazy slot </a:t>
-            </a:r>
-            <a:r>
-              <a:rPr lang="en-US" dirty="0" smtClean="0"/>
-              <a:t>cars</a:t>
+              <a:t>: crazy slot cars</a:t>
             </a:r>
           </a:p>
           <a:p>
@@ -9102,31 +9088,7 @@
                   <a:schemeClr val="bg1"/>
                 </a:solidFill>
               </a:rPr>
-              <a:t>ROME  </a:t>
-            </a:r>
-            <a:r>
-              <a:rPr lang="en-US" b="1" i="1" dirty="0" smtClean="0">
-                <a:solidFill>
-                  <a:schemeClr val="bg1"/>
-                </a:solidFill>
-              </a:rPr>
-              <a:t>27</a:t>
-            </a:r>
-            <a:r>
-              <a:rPr lang="en-US" b="1" i="1" dirty="0" smtClean="0">
-                <a:solidFill>
-                  <a:schemeClr val="bg1"/>
-                </a:solidFill>
-              </a:rPr>
-              <a:t>-28 march 2015 </a:t>
-            </a:r>
-            <a:r>
-              <a:rPr lang="en-US" b="1" i="1" dirty="0" smtClean="0">
-                <a:solidFill>
-                  <a:schemeClr val="bg1"/>
-                </a:solidFill>
-              </a:rPr>
-              <a:t>– Valerio Riva</a:t>
+              <a:t>ROME  27-28 march 2015 – Valerio Riva</a:t>
             </a:r>
             <a:endParaRPr lang="it-IT" b="1" i="1" dirty="0">
               <a:solidFill>
@@ -13087,16 +13049,11 @@
               <a:rPr lang="en-US" dirty="0" smtClean="0"/>
               <a:t>Multiplayer games!</a:t>
             </a:r>
-            <a:endParaRPr lang="en-US" dirty="0" smtClean="0"/>
           </a:p>
           <a:p>
             <a:r>
               <a:rPr lang="en-US" dirty="0" smtClean="0"/>
-              <a:t>Multiplayer architectures</a:t>
-            </a:r>
-            <a:r>
-              <a:rPr lang="en-US" dirty="0" smtClean="0"/>
-              <a:t> &amp; technologies</a:t>
+              <a:t>Multiplayer architectures &amp; technologies</a:t>
             </a:r>
           </a:p>
           <a:p>
@@ -13104,7 +13061,6 @@
               <a:rPr lang="en-US" dirty="0" smtClean="0"/>
               <a:t>Multiplayer services</a:t>
             </a:r>
-            <a:endParaRPr lang="en-US" dirty="0" smtClean="0"/>
           </a:p>
           <a:p>
             <a:r>
@@ -14721,30 +14677,58 @@
           <a:p>
             <a:r>
               <a:rPr lang="en-US" dirty="0" smtClean="0"/>
-              <a:t>What multiplayer games means?</a:t>
-            </a:r>
-            <a:endParaRPr lang="en-US" dirty="0" smtClean="0"/>
-          </a:p>
-          <a:p>
+              <a:t>What </a:t>
+            </a:r>
             <a:r>
               <a:rPr lang="en-US" dirty="0" smtClean="0"/>
-              <a:t>First multiplayer game?</a:t>
+              <a:t>is a multiplayer games?</a:t>
+            </a:r>
+          </a:p>
+          <a:p>
+            <a:r>
+              <a:rPr lang="en-US" dirty="0" smtClean="0"/>
+              <a:t>What multiplayer </a:t>
+            </a:r>
+            <a:r>
+              <a:rPr lang="en-US" dirty="0" smtClean="0"/>
+              <a:t>means</a:t>
+            </a:r>
+            <a:r>
+              <a:rPr lang="en-US" dirty="0" smtClean="0"/>
+              <a:t>?</a:t>
+            </a:r>
+          </a:p>
+          <a:p>
+            <a:r>
+              <a:rPr lang="en-US" dirty="0" smtClean="0"/>
+              <a:t>Trivia Time</a:t>
+            </a:r>
+          </a:p>
+          <a:p>
+            <a:pPr lvl="1"/>
+            <a:r>
+              <a:rPr lang="en-US" dirty="0" smtClean="0"/>
+              <a:t>First </a:t>
+            </a:r>
+            <a:r>
+              <a:rPr lang="en-US" dirty="0" smtClean="0"/>
+              <a:t>multiplayer game?</a:t>
             </a:r>
             <a:endParaRPr lang="en-US" dirty="0"/>
           </a:p>
           <a:p>
+            <a:pPr lvl="1"/>
             <a:r>
               <a:rPr lang="en-US" dirty="0" smtClean="0"/>
               <a:t>Biggest (in terms of players) multiplayer game?</a:t>
             </a:r>
-            <a:endParaRPr lang="en-US" dirty="0" smtClean="0"/>
-          </a:p>
-          <a:p>
+          </a:p>
+          <a:p>
+            <a:pPr lvl="1"/>
             <a:r>
               <a:rPr lang="en-US" dirty="0" smtClean="0"/>
               <a:t>Pioneer multiplayer (as we know it) game?</a:t>
             </a:r>
-            <a:endParaRPr lang="en-US" dirty="0" smtClean="0"/>
           </a:p>
         </p:txBody>
       </p:sp>
@@ -14998,7 +14982,121 @@
   <p:timing>
     <p:tnLst>
       <p:par>
-        <p:cTn id="1" dur="indefinite" restart="never" nodeType="tmRoot"/>
+        <p:cTn id="1" dur="indefinite" restart="never" nodeType="tmRoot">
+          <p:childTnLst>
+            <p:seq concurrent="1" nextAc="seek">
+              <p:cTn id="2" dur="indefinite" nodeType="mainSeq">
+                <p:childTnLst>
+                  <p:par>
+                    <p:cTn id="3" fill="hold">
+                      <p:stCondLst>
+                        <p:cond delay="indefinite"/>
+                      </p:stCondLst>
+                      <p:childTnLst>
+                        <p:par>
+                          <p:cTn id="4" fill="hold">
+                            <p:stCondLst>
+                              <p:cond delay="0"/>
+                            </p:stCondLst>
+                            <p:childTnLst>
+                              <p:par>
+                                <p:cTn id="5" presetID="2" presetClass="entr" presetSubtype="4" fill="hold" nodeType="clickEffect">
+                                  <p:stCondLst>
+                                    <p:cond delay="0"/>
+                                  </p:stCondLst>
+                                  <p:childTnLst>
+                                    <p:set>
+                                      <p:cBhvr>
+                                        <p:cTn id="6" dur="1" fill="hold">
+                                          <p:stCondLst>
+                                            <p:cond delay="0"/>
+                                          </p:stCondLst>
+                                        </p:cTn>
+                                        <p:tgtEl>
+                                          <p:spTgt spid="6"/>
+                                        </p:tgtEl>
+                                        <p:attrNameLst>
+                                          <p:attrName>style.visibility</p:attrName>
+                                        </p:attrNameLst>
+                                      </p:cBhvr>
+                                      <p:to>
+                                        <p:strVal val="visible"/>
+                                      </p:to>
+                                    </p:set>
+                                    <p:anim calcmode="lin" valueType="num">
+                                      <p:cBhvr additive="base">
+                                        <p:cTn id="7" dur="500" fill="hold"/>
+                                        <p:tgtEl>
+                                          <p:spTgt spid="6"/>
+                                        </p:tgtEl>
+                                        <p:attrNameLst>
+                                          <p:attrName>ppt_x</p:attrName>
+                                        </p:attrNameLst>
+                                      </p:cBhvr>
+                                      <p:tavLst>
+                                        <p:tav tm="0">
+                                          <p:val>
+                                            <p:strVal val="#ppt_x"/>
+                                          </p:val>
+                                        </p:tav>
+                                        <p:tav tm="100000">
+                                          <p:val>
+                                            <p:strVal val="#ppt_x"/>
+                                          </p:val>
+                                        </p:tav>
+                                      </p:tavLst>
+                                    </p:anim>
+                                    <p:anim calcmode="lin" valueType="num">
+                                      <p:cBhvr additive="base">
+                                        <p:cTn id="8" dur="500" fill="hold"/>
+                                        <p:tgtEl>
+                                          <p:spTgt spid="6"/>
+                                        </p:tgtEl>
+                                        <p:attrNameLst>
+                                          <p:attrName>ppt_y</p:attrName>
+                                        </p:attrNameLst>
+                                      </p:cBhvr>
+                                      <p:tavLst>
+                                        <p:tav tm="0">
+                                          <p:val>
+                                            <p:strVal val="1+#ppt_h/2"/>
+                                          </p:val>
+                                        </p:tav>
+                                        <p:tav tm="100000">
+                                          <p:val>
+                                            <p:strVal val="#ppt_y"/>
+                                          </p:val>
+                                        </p:tav>
+                                      </p:tavLst>
+                                    </p:anim>
+                                  </p:childTnLst>
+                                </p:cTn>
+                              </p:par>
+                            </p:childTnLst>
+                          </p:cTn>
+                        </p:par>
+                      </p:childTnLst>
+                    </p:cTn>
+                  </p:par>
+                </p:childTnLst>
+              </p:cTn>
+              <p:prevCondLst>
+                <p:cond evt="onPrev" delay="0">
+                  <p:tgtEl>
+                    <p:sldTgt/>
+                  </p:tgtEl>
+                </p:cond>
+              </p:prevCondLst>
+              <p:nextCondLst>
+                <p:cond evt="onNext" delay="0">
+                  <p:tgtEl>
+                    <p:sldTgt/>
+                  </p:tgtEl>
+                </p:cond>
+              </p:nextCondLst>
+            </p:seq>
+          </p:childTnLst>
+        </p:cTn>
       </p:par>
     </p:tnLst>
   </p:timing>
@@ -15070,7 +15168,6 @@
               <a:rPr lang="en-US" dirty="0" smtClean="0"/>
               <a:t>Biggest (in terms of players) multiplayer game</a:t>
             </a:r>
-            <a:endParaRPr lang="en-US" dirty="0" smtClean="0"/>
           </a:p>
         </p:txBody>
       </p:sp>
@@ -15206,7 +15303,417 @@
   <p:timing>
     <p:tnLst>
       <p:par>
-        <p:cTn id="1" dur="indefinite" restart="never" nodeType="tmRoot"/>
+        <p:cTn id="1" dur="indefinite" restart="never" nodeType="tmRoot">
+          <p:childTnLst>
+            <p:seq concurrent="1" nextAc="seek">
+              <p:cTn id="2" dur="indefinite" nodeType="mainSeq">
+                <p:childTnLst>
+                  <p:par>
+                    <p:cTn id="3" fill="hold">
+                      <p:stCondLst>
+                        <p:cond delay="indefinite"/>
+                      </p:stCondLst>
+                      <p:childTnLst>
+                        <p:par>
+                          <p:cTn id="4" fill="hold">
+                            <p:stCondLst>
+                              <p:cond delay="0"/>
+                            </p:stCondLst>
+                            <p:childTnLst>
+                              <p:par>
+                                <p:cTn id="5" presetID="2" presetClass="entr" presetSubtype="4" fill="hold" nodeType="clickEffect">
+                                  <p:stCondLst>
+                                    <p:cond delay="0"/>
+                                  </p:stCondLst>
+                                  <p:childTnLst>
+                                    <p:set>
+                                      <p:cBhvr>
+                                        <p:cTn id="6" dur="1" fill="hold">
+                                          <p:stCondLst>
+                                            <p:cond delay="0"/>
+                                          </p:stCondLst>
+                                        </p:cTn>
+                                        <p:tgtEl>
+                                          <p:spTgt spid="6"/>
+                                        </p:tgtEl>
+                                        <p:attrNameLst>
+                                          <p:attrName>style.visibility</p:attrName>
+                                        </p:attrNameLst>
+                                      </p:cBhvr>
+                                      <p:to>
+                                        <p:strVal val="visible"/>
+                                      </p:to>
+                                    </p:set>
+                                    <p:anim calcmode="lin" valueType="num">
+                                      <p:cBhvr additive="base">
+                                        <p:cTn id="7" dur="500" fill="hold"/>
+                                        <p:tgtEl>
+                                          <p:spTgt spid="6"/>
+                                        </p:tgtEl>
+                                        <p:attrNameLst>
+                                          <p:attrName>ppt_x</p:attrName>
+                                        </p:attrNameLst>
+                                      </p:cBhvr>
+                                      <p:tavLst>
+                                        <p:tav tm="0">
+                                          <p:val>
+                                            <p:strVal val="#ppt_x"/>
+                                          </p:val>
+                                        </p:tav>
+                                        <p:tav tm="100000">
+                                          <p:val>
+                                            <p:strVal val="#ppt_x"/>
+                                          </p:val>
+                                        </p:tav>
+                                      </p:tavLst>
+                                    </p:anim>
+                                    <p:anim calcmode="lin" valueType="num">
+                                      <p:cBhvr additive="base">
+                                        <p:cTn id="8" dur="500" fill="hold"/>
+                                        <p:tgtEl>
+                                          <p:spTgt spid="6"/>
+                                        </p:tgtEl>
+                                        <p:attrNameLst>
+                                          <p:attrName>ppt_y</p:attrName>
+                                        </p:attrNameLst>
+                                      </p:cBhvr>
+                                      <p:tavLst>
+                                        <p:tav tm="0">
+                                          <p:val>
+                                            <p:strVal val="1+#ppt_h/2"/>
+                                          </p:val>
+                                        </p:tav>
+                                        <p:tav tm="100000">
+                                          <p:val>
+                                            <p:strVal val="#ppt_y"/>
+                                          </p:val>
+                                        </p:tav>
+                                      </p:tavLst>
+                                    </p:anim>
+                                  </p:childTnLst>
+                                </p:cTn>
+                              </p:par>
+                            </p:childTnLst>
+                          </p:cTn>
+                        </p:par>
+                      </p:childTnLst>
+                    </p:cTn>
+                  </p:par>
+                  <p:par>
+                    <p:cTn id="9" fill="hold">
+                      <p:stCondLst>
+                        <p:cond delay="indefinite"/>
+                      </p:stCondLst>
+                      <p:childTnLst>
+                        <p:par>
+                          <p:cTn id="10" fill="hold">
+                            <p:stCondLst>
+                              <p:cond delay="0"/>
+                            </p:stCondLst>
+                            <p:childTnLst>
+                              <p:par>
+                                <p:cTn id="11" presetID="26" presetClass="entr" presetSubtype="0" fill="hold" nodeType="clickEffect">
+                                  <p:stCondLst>
+                                    <p:cond delay="0"/>
+                                  </p:stCondLst>
+                                  <p:childTnLst>
+                                    <p:set>
+                                      <p:cBhvr>
+                                        <p:cTn id="12" dur="1" fill="hold">
+                                          <p:stCondLst>
+                                            <p:cond delay="0"/>
+                                          </p:stCondLst>
+                                        </p:cTn>
+                                        <p:tgtEl>
+                                          <p:spTgt spid="8"/>
+                                        </p:tgtEl>
+                                        <p:attrNameLst>
+                                          <p:attrName>style.visibility</p:attrName>
+                                        </p:attrNameLst>
+                                      </p:cBhvr>
+                                      <p:to>
+                                        <p:strVal val="visible"/>
+                                      </p:to>
+                                    </p:set>
+                                    <p:animEffect transition="in" filter="wipe(down)">
+                                      <p:cBhvr>
+                                        <p:cTn id="13" dur="580">
+                                          <p:stCondLst>
+                                            <p:cond delay="0"/>
+                                          </p:stCondLst>
+                                        </p:cTn>
+                                        <p:tgtEl>
+                                          <p:spTgt spid="8"/>
+                                        </p:tgtEl>
+                                      </p:cBhvr>
+                                    </p:animEffect>
+                                    <p:anim calcmode="lin" valueType="num">
+                                      <p:cBhvr>
+                                        <p:cTn id="14" dur="1822" tmFilter="0,0; 0.14,0.36; 0.43,0.73; 0.71,0.91; 1.0,1.0">
+                                          <p:stCondLst>
+                                            <p:cond delay="0"/>
+                                          </p:stCondLst>
+                                        </p:cTn>
+                                        <p:tgtEl>
+                                          <p:spTgt spid="8"/>
+                                        </p:tgtEl>
+                                        <p:attrNameLst>
+                                          <p:attrName>ppt_x</p:attrName>
+                                        </p:attrNameLst>
+                                      </p:cBhvr>
+                                      <p:tavLst>
+                                        <p:tav tm="0">
+                                          <p:val>
+                                            <p:strVal val="#ppt_x-0.25"/>
+                                          </p:val>
+                                        </p:tav>
+                                        <p:tav tm="100000">
+                                          <p:val>
+                                            <p:strVal val="#ppt_x"/>
+                                          </p:val>
+                                        </p:tav>
+                                      </p:tavLst>
+                                    </p:anim>
+                                    <p:anim calcmode="lin" valueType="num">
+                                      <p:cBhvr>
+                                        <p:cTn id="15" dur="664" tmFilter="0.0,0.0; 0.25,0.07; 0.50,0.2; 0.75,0.467; 1.0,1.0">
+                                          <p:stCondLst>
+                                            <p:cond delay="0"/>
+                                          </p:stCondLst>
+                                        </p:cTn>
+                                        <p:tgtEl>
+                                          <p:spTgt spid="8"/>
+                                        </p:tgtEl>
+                                        <p:attrNameLst>
+                                          <p:attrName>ppt_y</p:attrName>
+                                        </p:attrNameLst>
+                                      </p:cBhvr>
+                                      <p:tavLst>
+                                        <p:tav tm="0" fmla="#ppt_y-sin(pi*$)/3">
+                                          <p:val>
+                                            <p:fltVal val="0.5"/>
+                                          </p:val>
+                                        </p:tav>
+                                        <p:tav tm="100000">
+                                          <p:val>
+                                            <p:fltVal val="1"/>
+                                          </p:val>
+                                        </p:tav>
+                                      </p:tavLst>
+                                    </p:anim>
+                                    <p:anim calcmode="lin" valueType="num">
+                                      <p:cBhvr>
+                                        <p:cTn id="16" dur="664" tmFilter="0, 0; 0.125,0.2665; 0.25,0.4; 0.375,0.465; 0.5,0.5;  0.625,0.535; 0.75,0.6; 0.875,0.7335; 1,1">
+                                          <p:stCondLst>
+                                            <p:cond delay="664"/>
+                                          </p:stCondLst>
+                                        </p:cTn>
+                                        <p:tgtEl>
+                                          <p:spTgt spid="8"/>
+                                        </p:tgtEl>
+                                        <p:attrNameLst>
+                                          <p:attrName>ppt_y</p:attrName>
+                                        </p:attrNameLst>
+                                      </p:cBhvr>
+                                      <p:tavLst>
+                                        <p:tav tm="0" fmla="#ppt_y-sin(pi*$)/9">
+                                          <p:val>
+                                            <p:fltVal val="0"/>
+                                          </p:val>
+                                        </p:tav>
+                                        <p:tav tm="100000">
+                                          <p:val>
+                                            <p:fltVal val="1"/>
+                                          </p:val>
+                                        </p:tav>
+                                      </p:tavLst>
+                                    </p:anim>
+                                    <p:anim calcmode="lin" valueType="num">
+                                      <p:cBhvr>
+                                        <p:cTn id="17" dur="332" tmFilter="0, 0; 0.125,0.2665; 0.25,0.4; 0.375,0.465; 0.5,0.5;  0.625,0.535; 0.75,0.6; 0.875,0.7335; 1,1">
+                                          <p:stCondLst>
+                                            <p:cond delay="1324"/>
+                                          </p:stCondLst>
+                                        </p:cTn>
+                                        <p:tgtEl>
+                                          <p:spTgt spid="8"/>
+                                        </p:tgtEl>
+                                        <p:attrNameLst>
+                                          <p:attrName>ppt_y</p:attrName>
+                                        </p:attrNameLst>
+                                      </p:cBhvr>
+                                      <p:tavLst>
+                                        <p:tav tm="0" fmla="#ppt_y-sin(pi*$)/27">
+                                          <p:val>
+                                            <p:fltVal val="0"/>
+                                          </p:val>
+                                        </p:tav>
+                                        <p:tav tm="100000">
+                                          <p:val>
+                                            <p:fltVal val="1"/>
+                                          </p:val>
+                                        </p:tav>
+                                      </p:tavLst>
+                                    </p:anim>
+                                    <p:anim calcmode="lin" valueType="num">
+                                      <p:cBhvr>
+                                        <p:cTn id="18" dur="164" tmFilter="0, 0; 0.125,0.2665; 0.25,0.4; 0.375,0.465; 0.5,0.5;  0.625,0.535; 0.75,0.6; 0.875,0.7335; 1,1">
+                                          <p:stCondLst>
+                                            <p:cond delay="1656"/>
+                                          </p:stCondLst>
+                                        </p:cTn>
+                                        <p:tgtEl>
+                                          <p:spTgt spid="8"/>
+                                        </p:tgtEl>
+                                        <p:attrNameLst>
+                                          <p:attrName>ppt_y</p:attrName>
+                                        </p:attrNameLst>
+                                      </p:cBhvr>
+                                      <p:tavLst>
+                                        <p:tav tm="0" fmla="#ppt_y-sin(pi*$)/81">
+                                          <p:val>
+                                            <p:fltVal val="0"/>
+                                          </p:val>
+                                        </p:tav>
+                                        <p:tav tm="100000">
+                                          <p:val>
+                                            <p:fltVal val="1"/>
+                                          </p:val>
+                                        </p:tav>
+                                      </p:tavLst>
+                                    </p:anim>
+                                    <p:animScale>
+                                      <p:cBhvr>
+                                        <p:cTn id="19" dur="26">
+                                          <p:stCondLst>
+                                            <p:cond delay="650"/>
+                                          </p:stCondLst>
+                                        </p:cTn>
+                                        <p:tgtEl>
+                                          <p:spTgt spid="8"/>
+                                        </p:tgtEl>
+                                      </p:cBhvr>
+                                      <p:to x="100000" y="60000"/>
+                                    </p:animScale>
+                                    <p:animScale>
+                                      <p:cBhvr>
+                                        <p:cTn id="20" dur="166" decel="50000">
+                                          <p:stCondLst>
+                                            <p:cond delay="676"/>
+                                          </p:stCondLst>
+                                        </p:cTn>
+                                        <p:tgtEl>
+                                          <p:spTgt spid="8"/>
+                                        </p:tgtEl>
+                                      </p:cBhvr>
+                                      <p:to x="100000" y="100000"/>
+                                    </p:animScale>
+                                    <p:animScale>
+                                      <p:cBhvr>
+                                        <p:cTn id="21" dur="26">
+                                          <p:stCondLst>
+                                            <p:cond delay="1312"/>
+                                          </p:stCondLst>
+                                        </p:cTn>
+                                        <p:tgtEl>
+                                          <p:spTgt spid="8"/>
+                                        </p:tgtEl>
+                                      </p:cBhvr>
+                                      <p:to x="100000" y="80000"/>
+                                    </p:animScale>
+                                    <p:animScale>
+                                      <p:cBhvr>
+                                        <p:cTn id="22" dur="166" decel="50000">
+                                          <p:stCondLst>
+                                            <p:cond delay="1338"/>
+                                          </p:stCondLst>
+                                        </p:cTn>
+                                        <p:tgtEl>
+                                          <p:spTgt spid="8"/>
+                                        </p:tgtEl>
+                                      </p:cBhvr>
+                                      <p:to x="100000" y="100000"/>
+                                    </p:animScale>
+                                    <p:animScale>
+                                      <p:cBhvr>
+                                        <p:cTn id="23" dur="26">
+                                          <p:stCondLst>
+                                            <p:cond delay="1642"/>
+                                          </p:stCondLst>
+                                        </p:cTn>
+                                        <p:tgtEl>
+                                          <p:spTgt spid="8"/>
+                                        </p:tgtEl>
+                                      </p:cBhvr>
+                                      <p:to x="100000" y="90000"/>
+                                    </p:animScale>
+                                    <p:animScale>
+                                      <p:cBhvr>
+                                        <p:cTn id="24" dur="166" decel="50000">
+                                          <p:stCondLst>
+                                            <p:cond delay="1668"/>
+                                          </p:stCondLst>
+                                        </p:cTn>
+                                        <p:tgtEl>
+                                          <p:spTgt spid="8"/>
+                                        </p:tgtEl>
+                                      </p:cBhvr>
+                                      <p:to x="100000" y="100000"/>
+                                    </p:animScale>
+                                    <p:animScale>
+                                      <p:cBhvr>
+                                        <p:cTn id="25" dur="26">
+                                          <p:stCondLst>
+                                            <p:cond delay="1808"/>
+                                          </p:stCondLst>
+                                        </p:cTn>
+                                        <p:tgtEl>
+                                          <p:spTgt spid="8"/>
+                                        </p:tgtEl>
+                                      </p:cBhvr>
+                                      <p:to x="100000" y="95000"/>
+                                    </p:animScale>
+                                    <p:animScale>
+                                      <p:cBhvr>
+                                        <p:cTn id="26" dur="166" decel="50000">
+                                          <p:stCondLst>
+                                            <p:cond delay="1834"/>
+                                          </p:stCondLst>
+                                        </p:cTn>
+                                        <p:tgtEl>
+                                          <p:spTgt spid="8"/>
+                                        </p:tgtEl>
+                                      </p:cBhvr>
+                                      <p:to x="100000" y="100000"/>
+                                    </p:animScale>
+                                  </p:childTnLst>
+                                </p:cTn>
+                              </p:par>
+                            </p:childTnLst>
+                          </p:cTn>
+                        </p:par>
+                      </p:childTnLst>
+                    </p:cTn>
+                  </p:par>
+                </p:childTnLst>
+              </p:cTn>
+              <p:prevCondLst>
+                <p:cond evt="onPrev" delay="0">
+                  <p:tgtEl>
+                    <p:sldTgt/>
+                  </p:tgtEl>
+                </p:cond>
+              </p:prevCondLst>
+              <p:nextCondLst>
+                <p:cond evt="onNext" delay="0">
+                  <p:tgtEl>
+                    <p:sldTgt/>
+                  </p:tgtEl>
+                </p:cond>
+              </p:nextCondLst>
+            </p:seq>
+          </p:childTnLst>
+        </p:cTn>
       </p:par>
     </p:tnLst>
   </p:timing>
@@ -15387,7 +15894,129 @@
   <p:timing>
     <p:tnLst>
       <p:par>
-        <p:cTn id="1" dur="indefinite" restart="never" nodeType="tmRoot"/>
+        <p:cTn id="1" dur="indefinite" restart="never" nodeType="tmRoot">
+          <p:childTnLst>
+            <p:seq concurrent="1" nextAc="seek">
+              <p:cTn id="2" dur="indefinite" nodeType="mainSeq">
+                <p:childTnLst>
+                  <p:par>
+                    <p:cTn id="3" fill="hold">
+                      <p:stCondLst>
+                        <p:cond delay="indefinite"/>
+                      </p:stCondLst>
+                      <p:childTnLst>
+                        <p:par>
+                          <p:cTn id="4" fill="hold">
+                            <p:stCondLst>
+                              <p:cond delay="0"/>
+                            </p:stCondLst>
+                            <p:childTnLst>
+                              <p:par>
+                                <p:cTn id="5" presetID="42" presetClass="entr" presetSubtype="0" fill="hold" nodeType="clickEffect">
+                                  <p:stCondLst>
+                                    <p:cond delay="0"/>
+                                  </p:stCondLst>
+                                  <p:childTnLst>
+                                    <p:set>
+                                      <p:cBhvr>
+                                        <p:cTn id="6" dur="1" fill="hold">
+                                          <p:stCondLst>
+                                            <p:cond delay="0"/>
+                                          </p:stCondLst>
+                                        </p:cTn>
+                                        <p:tgtEl>
+                                          <p:spTgt spid="6"/>
+                                        </p:tgtEl>
+                                        <p:attrNameLst>
+                                          <p:attrName>style.visibility</p:attrName>
+                                        </p:attrNameLst>
+                                      </p:cBhvr>
+                                      <p:to>
+                                        <p:strVal val="visible"/>
+                                      </p:to>
+                                    </p:set>
+                                    <p:animEffect transition="in" filter="fade">
+                                      <p:cBhvr>
+                                        <p:cTn id="7" dur="1000"/>
+                                        <p:tgtEl>
+                                          <p:spTgt spid="6"/>
+                                        </p:tgtEl>
+                                      </p:cBhvr>
+                                    </p:animEffect>
+                                    <p:anim calcmode="lin" valueType="num">
+                                      <p:cBhvr>
+                                        <p:cTn id="8" dur="1000" fill="hold"/>
+                                        <p:tgtEl>
+                                          <p:spTgt spid="6"/>
+                                        </p:tgtEl>
+                                        <p:attrNameLst>
+                                          <p:attrName>ppt_x</p:attrName>
+                                        </p:attrNameLst>
+                                      </p:cBhvr>
+                                      <p:tavLst>
+                                        <p:tav tm="0">
+                                          <p:val>
+                                            <p:strVal val="#ppt_x"/>
+                                          </p:val>
+                                        </p:tav>
+                                        <p:tav tm="100000">
+                                          <p:val>
+                                            <p:strVal val="#ppt_x"/>
+                                          </p:val>
+                                        </p:tav>
+                                      </p:tavLst>
+                                    </p:anim>
+                                    <p:anim calcmode="lin" valueType="num">
+                                      <p:cBhvr>
+                                        <p:cTn id="9" dur="1000" fill="hold"/>
+                                        <p:tgtEl>
+                                          <p:spTgt spid="6"/>
+                                        </p:tgtEl>
+                                        <p:attrNameLst>
+                                          <p:attrName>ppt_y</p:attrName>
+                                        </p:attrNameLst>
+                                      </p:cBhvr>
+                                      <p:tavLst>
+                                        <p:tav tm="0">
+                                          <p:val>
+                                            <p:strVal val="#ppt_y+.1"/>
+                                          </p:val>
+                                        </p:tav>
+                                        <p:tav tm="100000">
+                                          <p:val>
+                                            <p:strVal val="#ppt_y"/>
+                                          </p:val>
+                                        </p:tav>
+                                      </p:tavLst>
+                                    </p:anim>
+                                  </p:childTnLst>
+                                </p:cTn>
+                              </p:par>
+                            </p:childTnLst>
+                          </p:cTn>
+                        </p:par>
+                      </p:childTnLst>
+                    </p:cTn>
+                  </p:par>
+                </p:childTnLst>
+              </p:cTn>
+              <p:prevCondLst>
+                <p:cond evt="onPrev" delay="0">
+                  <p:tgtEl>
+                    <p:sldTgt/>
+                  </p:tgtEl>
+                </p:cond>
+              </p:prevCondLst>
+              <p:nextCondLst>
+                <p:cond evt="onNext" delay="0">
+                  <p:tgtEl>
+                    <p:sldTgt/>
+                  </p:tgtEl>
+                </p:cond>
+              </p:nextCondLst>
+            </p:seq>
+          </p:childTnLst>
+        </p:cTn>
       </p:par>
     </p:tnLst>
   </p:timing>

--- a/slides/slides.pptx
+++ b/slides/slides.pptx
@@ -310,7 +310,7 @@
           <a:p>
             <a:fld id="{DC661A4A-D0C3-4623-84C2-FD4286BDBB96}" type="datetimeFigureOut">
               <a:rPr lang="it-IT" smtClean="0"/>
-              <a:t>12/03/2015</a:t>
+              <a:t>13/03/2015</a:t>
             </a:fld>
             <a:endParaRPr lang="it-IT"/>
           </a:p>
@@ -5543,7 +5543,7 @@
             <a:pPr algn="ctr"/>
             <a:r>
               <a:rPr lang="en-US" sz="4000" dirty="0" smtClean="0"/>
-              <a:t>Core Game Development Concepts</a:t>
+              <a:t>Peer 2 Peer Paradigm</a:t>
             </a:r>
             <a:endParaRPr lang="en-US" sz="4000" dirty="0"/>
           </a:p>
@@ -5559,41 +5559,45 @@
             <p:ph idx="1"/>
           </p:nvPr>
         </p:nvSpPr>
-        <p:spPr/>
+        <p:spPr>
+          <a:xfrm>
+            <a:off x="539552" y="1825625"/>
+            <a:ext cx="7975798" cy="4351338"/>
+          </a:xfrm>
+        </p:spPr>
         <p:txBody>
           <a:bodyPr/>
           <a:lstStyle/>
           <a:p>
             <a:r>
               <a:rPr lang="en-US" dirty="0" smtClean="0"/>
-              <a:t>Loop</a:t>
+              <a:t>Distributed logic and data</a:t>
             </a:r>
           </a:p>
           <a:p>
             <a:r>
               <a:rPr lang="en-US" dirty="0" smtClean="0"/>
-              <a:t>Sprite</a:t>
-            </a:r>
-          </a:p>
-          <a:p>
-            <a:r>
-              <a:rPr lang="en-US" dirty="0"/>
-              <a:t>Tilemap</a:t>
+              <a:t>Suitable for not persistent game world (</a:t>
+            </a:r>
+            <a:r>
+              <a:rPr lang="en-US" dirty="0" smtClean="0"/>
+              <a:t>fps, racing</a:t>
+            </a:r>
+            <a:r>
+              <a:rPr lang="en-US" dirty="0" smtClean="0"/>
+              <a:t>)</a:t>
+            </a:r>
+          </a:p>
+          <a:p>
+            <a:r>
+              <a:rPr lang="en-US" i="1" u="sng" dirty="0" smtClean="0"/>
+              <a:t>Hard</a:t>
+            </a:r>
+            <a:r>
+              <a:rPr lang="en-US" dirty="0" smtClean="0"/>
+              <a:t> to develop, easy to maintain, low costs</a:t>
             </a:r>
             <a:endParaRPr lang="en-US" dirty="0" smtClean="0"/>
-          </a:p>
-          <a:p>
-            <a:r>
-              <a:rPr lang="en-US" dirty="0" smtClean="0"/>
-              <a:t>Collision</a:t>
-            </a:r>
-          </a:p>
-          <a:p>
-            <a:r>
-              <a:rPr lang="en-US" dirty="0" smtClean="0"/>
-              <a:t>Input</a:t>
-            </a:r>
-            <a:endParaRPr lang="en-US" dirty="0"/>
           </a:p>
         </p:txBody>
       </p:sp>
@@ -5656,6 +5660,36 @@
           </a:p>
         </p:txBody>
       </p:sp>
+      <p:pic>
+        <p:nvPicPr>
+          <p:cNvPr id="8" name="Immagine 7"/>
+          <p:cNvPicPr>
+            <a:picLocks noChangeAspect="1"/>
+          </p:cNvPicPr>
+          <p:nvPr/>
+        </p:nvPicPr>
+        <p:blipFill>
+          <a:blip r:embed="rId2">
+            <a:extLst>
+              <a:ext uri="{28A0092B-C50C-407E-A947-70E740481C1C}">
+                <a14:useLocalDpi xmlns:a14="http://schemas.microsoft.com/office/drawing/2010/main" val="0"/>
+              </a:ext>
+            </a:extLst>
+          </a:blip>
+          <a:stretch>
+            <a:fillRect/>
+          </a:stretch>
+        </p:blipFill>
+        <p:spPr>
+          <a:xfrm>
+            <a:off x="2437794" y="2996952"/>
+            <a:ext cx="4268411" cy="4413538"/>
+          </a:xfrm>
+          <a:prstGeom prst="rect">
+            <a:avLst/>
+          </a:prstGeom>
+        </p:spPr>
+      </p:pic>
     </p:spTree>
     <p:extLst>
       <p:ext uri="{BB962C8B-B14F-4D97-AF65-F5344CB8AC3E}">
@@ -5712,20 +5746,8 @@
           <a:p>
             <a:pPr algn="ctr"/>
             <a:r>
-              <a:rPr lang="en-US" sz="4000" dirty="0"/>
-              <a:t>d</a:t>
-            </a:r>
-            <a:r>
               <a:rPr lang="en-US" sz="4000" dirty="0" smtClean="0"/>
-              <a:t>o { </a:t>
-            </a:r>
-            <a:r>
-              <a:rPr lang="en-US" sz="4000" i="1" dirty="0" smtClean="0"/>
-              <a:t>game</a:t>
-            </a:r>
-            <a:r>
-              <a:rPr lang="en-US" sz="4000" dirty="0" smtClean="0"/>
-              <a:t> } while (true);</a:t>
+              <a:t>Hybrid Paradigm</a:t>
             </a:r>
             <a:endParaRPr lang="en-US" sz="4000" dirty="0"/>
           </a:p>
@@ -5750,72 +5772,20 @@
           <a:p>
             <a:r>
               <a:rPr lang="en-US" dirty="0" smtClean="0"/>
-              <a:t>The hearth of the game</a:t>
-            </a:r>
-          </a:p>
-          <a:p>
-            <a:pPr lvl="1"/>
+              <a:t>Best of both worlds?</a:t>
+            </a:r>
+          </a:p>
+          <a:p>
             <a:r>
               <a:rPr lang="en-US" dirty="0" smtClean="0"/>
-              <a:t>update loop executes game logic</a:t>
-            </a:r>
-          </a:p>
-          <a:p>
-            <a:pPr lvl="2"/>
-            <a:r>
-              <a:rPr lang="en-US" dirty="0"/>
-              <a:t>Inputs, AI, </a:t>
-            </a:r>
+              <a:t>Easy to use in some aspect (matchmaking)</a:t>
+            </a:r>
+          </a:p>
+          <a:p>
             <a:r>
               <a:rPr lang="en-US" dirty="0" smtClean="0"/>
-              <a:t>collisions… </a:t>
-            </a:r>
-            <a:r>
-              <a:rPr lang="en-US" dirty="0"/>
-              <a:t>your game is computed here!</a:t>
-            </a:r>
-            <a:endParaRPr lang="en-US" dirty="0" smtClean="0"/>
-          </a:p>
-          <a:p>
-            <a:pPr lvl="1"/>
-            <a:r>
-              <a:rPr lang="en-US" dirty="0"/>
-              <a:t>r</a:t>
-            </a:r>
-            <a:r>
-              <a:rPr lang="en-US" dirty="0" smtClean="0"/>
-              <a:t>endering loop draws graphic elements to screen</a:t>
-            </a:r>
-          </a:p>
-          <a:p>
-            <a:r>
-              <a:rPr lang="en-US" dirty="0" smtClean="0"/>
-              <a:t>Phaser game implementation</a:t>
-            </a:r>
-          </a:p>
-          <a:p>
-            <a:pPr lvl="1"/>
-            <a:r>
-              <a:rPr lang="en-US" dirty="0" smtClean="0"/>
-              <a:t>Game is a set of states</a:t>
-            </a:r>
-          </a:p>
-          <a:p>
-            <a:pPr lvl="1"/>
-            <a:r>
-              <a:rPr lang="en-US" dirty="0" smtClean="0"/>
-              <a:t>Each state has its own loops</a:t>
-            </a:r>
-          </a:p>
-          <a:p>
-            <a:pPr lvl="1"/>
-            <a:r>
-              <a:rPr lang="en-US" dirty="0" smtClean="0"/>
-              <a:t>rendering loop is supplied by pixi.js</a:t>
-            </a:r>
-          </a:p>
-          <a:p>
-            <a:pPr lvl="1"/>
+              <a:t>Hard to use in some other aspect (world consistency)</a:t>
+            </a:r>
             <a:endParaRPr lang="en-US" dirty="0" smtClean="0"/>
           </a:p>
         </p:txBody>
@@ -5879,6 +5849,36 @@
           </a:p>
         </p:txBody>
       </p:sp>
+      <p:pic>
+        <p:nvPicPr>
+          <p:cNvPr id="7" name="Immagine 6"/>
+          <p:cNvPicPr>
+            <a:picLocks noChangeAspect="1"/>
+          </p:cNvPicPr>
+          <p:nvPr/>
+        </p:nvPicPr>
+        <p:blipFill>
+          <a:blip r:embed="rId2">
+            <a:extLst>
+              <a:ext uri="{28A0092B-C50C-407E-A947-70E740481C1C}">
+                <a14:useLocalDpi xmlns:a14="http://schemas.microsoft.com/office/drawing/2010/main" val="0"/>
+              </a:ext>
+            </a:extLst>
+          </a:blip>
+          <a:stretch>
+            <a:fillRect/>
+          </a:stretch>
+        </p:blipFill>
+        <p:spPr>
+          <a:xfrm>
+            <a:off x="2437794" y="2996952"/>
+            <a:ext cx="4268411" cy="4413537"/>
+          </a:xfrm>
+          <a:prstGeom prst="rect">
+            <a:avLst/>
+          </a:prstGeom>
+        </p:spPr>
+      </p:pic>
     </p:spTree>
     <p:extLst>
       <p:ext uri="{BB962C8B-B14F-4D97-AF65-F5344CB8AC3E}">
@@ -5936,7 +5936,7 @@
             <a:pPr algn="ctr"/>
             <a:r>
               <a:rPr lang="en-US" sz="4000" dirty="0" smtClean="0"/>
-              <a:t>Phaser game state</a:t>
+              <a:t>Multiplayer game types</a:t>
             </a:r>
             <a:endParaRPr lang="en-US" sz="4000" dirty="0"/>
           </a:p>
@@ -5959,114 +5959,81 @@
           </a:bodyPr>
           <a:lstStyle/>
           <a:p>
-            <a:pPr marL="0" indent="0">
-              <a:buNone/>
-            </a:pPr>
-            <a:r>
-              <a:rPr lang="en-US" dirty="0" smtClean="0"/>
-              <a:t>Main functions:</a:t>
-            </a:r>
-          </a:p>
-          <a:p>
-            <a:pPr lvl="1"/>
-            <a:r>
-              <a:rPr lang="en-US" b="1" dirty="0"/>
-              <a:t>preload</a:t>
-            </a:r>
-            <a:r>
-              <a:rPr lang="en-US" dirty="0"/>
-              <a:t>: </a:t>
-            </a:r>
-            <a:r>
-              <a:rPr lang="en-US" dirty="0" smtClean="0"/>
-              <a:t>used to load assets</a:t>
-            </a:r>
-            <a:endParaRPr lang="en-US" dirty="0"/>
-          </a:p>
-          <a:p>
-            <a:pPr lvl="1"/>
-            <a:r>
-              <a:rPr lang="en-US" b="1" dirty="0" smtClean="0"/>
-              <a:t>create</a:t>
-            </a:r>
-            <a:r>
-              <a:rPr lang="en-US" dirty="0" smtClean="0"/>
-              <a:t>: state initialization</a:t>
-            </a:r>
-          </a:p>
-          <a:p>
-            <a:pPr lvl="1"/>
-            <a:r>
-              <a:rPr lang="en-US" b="1" dirty="0" smtClean="0"/>
-              <a:t>update</a:t>
-            </a:r>
-            <a:r>
-              <a:rPr lang="en-US" dirty="0" smtClean="0"/>
-              <a:t>: the </a:t>
-            </a:r>
-            <a:r>
-              <a:rPr lang="en-US" i="1" dirty="0" smtClean="0"/>
-              <a:t>real</a:t>
-            </a:r>
-            <a:r>
-              <a:rPr lang="en-US" dirty="0" smtClean="0"/>
-              <a:t> game loop</a:t>
-            </a:r>
-          </a:p>
-          <a:p>
-            <a:pPr lvl="1"/>
-            <a:r>
-              <a:rPr lang="en-US" b="1" dirty="0" smtClean="0"/>
-              <a:t>render</a:t>
-            </a:r>
-            <a:r>
-              <a:rPr lang="en-US" dirty="0" smtClean="0"/>
-              <a:t>: called after rendering. Use it for debugging and post-rendering purposes</a:t>
-            </a:r>
-            <a:endParaRPr lang="en-US" b="1" dirty="0"/>
-          </a:p>
-          <a:p>
-            <a:r>
-              <a:rPr lang="en-US" dirty="0" smtClean="0"/>
-              <a:t>Other function:</a:t>
-            </a:r>
-          </a:p>
-          <a:p>
-            <a:pPr lvl="1"/>
-            <a:r>
-              <a:rPr lang="en-US" b="1" dirty="0"/>
-              <a:t>p</a:t>
-            </a:r>
-            <a:r>
-              <a:rPr lang="en-US" b="1" dirty="0" smtClean="0"/>
-              <a:t>ause</a:t>
-            </a:r>
-            <a:r>
-              <a:rPr lang="en-US" dirty="0" smtClean="0"/>
-              <a:t>: called when the game is paused (on focus loss)</a:t>
-            </a:r>
-          </a:p>
-          <a:p>
-            <a:pPr lvl="1"/>
-            <a:r>
-              <a:rPr lang="en-US" b="1" dirty="0"/>
-              <a:t>s</a:t>
-            </a:r>
-            <a:r>
-              <a:rPr lang="en-US" b="1" dirty="0" smtClean="0"/>
-              <a:t>hutdown</a:t>
-            </a:r>
-            <a:r>
-              <a:rPr lang="en-US" dirty="0" smtClean="0"/>
-              <a:t>: called when leaving a state</a:t>
-            </a:r>
-          </a:p>
-          <a:p>
-            <a:pPr lvl="1"/>
-            <a:r>
-              <a:rPr lang="en-US" dirty="0" smtClean="0"/>
-              <a:t>…</a:t>
-            </a:r>
+            <a:r>
+              <a:rPr lang="it-IT" dirty="0" err="1" smtClean="0"/>
+              <a:t>Asynchronous</a:t>
+            </a:r>
+            <a:r>
+              <a:rPr lang="it-IT" dirty="0" smtClean="0"/>
+              <a:t> (</a:t>
+            </a:r>
+            <a:r>
+              <a:rPr lang="it-IT" dirty="0" err="1" smtClean="0"/>
+              <a:t>Ruzzle</a:t>
+            </a:r>
+            <a:r>
+              <a:rPr lang="it-IT" dirty="0" smtClean="0"/>
+              <a:t>, Real Racing, </a:t>
+            </a:r>
+            <a:r>
+              <a:rPr lang="it-IT" dirty="0" err="1" smtClean="0"/>
+              <a:t>Clash</a:t>
+            </a:r>
+            <a:r>
+              <a:rPr lang="it-IT" dirty="0" smtClean="0"/>
+              <a:t> of </a:t>
+            </a:r>
+            <a:r>
+              <a:rPr lang="it-IT" dirty="0" err="1"/>
+              <a:t>C</a:t>
+            </a:r>
+            <a:r>
+              <a:rPr lang="it-IT" dirty="0" err="1" smtClean="0"/>
+              <a:t>lans</a:t>
+            </a:r>
+            <a:r>
+              <a:rPr lang="it-IT" dirty="0" smtClean="0"/>
+              <a:t>)</a:t>
+            </a:r>
+          </a:p>
+          <a:p>
+            <a:endParaRPr lang="it-IT" dirty="0" smtClean="0"/>
+          </a:p>
+          <a:p>
+            <a:r>
+              <a:rPr lang="it-IT" dirty="0" err="1" smtClean="0"/>
+              <a:t>Synchronous</a:t>
+            </a:r>
+            <a:r>
+              <a:rPr lang="it-IT" dirty="0" smtClean="0"/>
+              <a:t> (</a:t>
+            </a:r>
+            <a:r>
+              <a:rPr lang="it-IT" dirty="0" err="1" smtClean="0"/>
+              <a:t>CoD</a:t>
+            </a:r>
+            <a:r>
+              <a:rPr lang="it-IT" dirty="0" smtClean="0"/>
+              <a:t>, </a:t>
+            </a:r>
+            <a:r>
+              <a:rPr lang="it-IT" dirty="0" err="1" smtClean="0"/>
+              <a:t>LoL</a:t>
+            </a:r>
+            <a:r>
+              <a:rPr lang="it-IT" dirty="0" smtClean="0"/>
+              <a:t>, </a:t>
+            </a:r>
+            <a:r>
+              <a:rPr lang="it-IT" dirty="0" err="1" smtClean="0"/>
+              <a:t>WoW</a:t>
+            </a:r>
+            <a:r>
+              <a:rPr lang="it-IT" dirty="0" smtClean="0"/>
+              <a:t>)</a:t>
+            </a:r>
+          </a:p>
+          <a:p>
             <a:endParaRPr lang="en-US" dirty="0"/>
           </a:p>
         </p:txBody>
@@ -13040,7 +13007,12 @@
             <p:ph idx="1"/>
           </p:nvPr>
         </p:nvSpPr>
-        <p:spPr/>
+        <p:spPr>
+          <a:xfrm>
+            <a:off x="622551" y="1484784"/>
+            <a:ext cx="7886700" cy="4351338"/>
+          </a:xfrm>
+        </p:spPr>
         <p:txBody>
           <a:bodyPr/>
           <a:lstStyle/>
@@ -13107,81 +13079,6 @@
           </a:p>
         </p:txBody>
       </p:sp>
-      <p:grpSp>
-        <p:nvGrpSpPr>
-          <p:cNvPr id="5" name="Gruppo 4"/>
-          <p:cNvGrpSpPr/>
-          <p:nvPr/>
-        </p:nvGrpSpPr>
-        <p:grpSpPr>
-          <a:xfrm>
-            <a:off x="2156495" y="4231481"/>
-            <a:ext cx="4462545" cy="2124869"/>
-            <a:chOff x="299955" y="4581128"/>
-            <a:chExt cx="4462545" cy="2124869"/>
-          </a:xfrm>
-        </p:grpSpPr>
-        <p:pic>
-          <p:nvPicPr>
-            <p:cNvPr id="6" name="Immagine 5"/>
-            <p:cNvPicPr>
-              <a:picLocks noChangeAspect="1"/>
-            </p:cNvPicPr>
-            <p:nvPr/>
-          </p:nvPicPr>
-          <p:blipFill>
-            <a:blip r:embed="rId2">
-              <a:extLst>
-                <a:ext uri="{28A0092B-C50C-407E-A947-70E740481C1C}">
-                  <a14:useLocalDpi xmlns:a14="http://schemas.microsoft.com/office/drawing/2010/main" val="0"/>
-                </a:ext>
-              </a:extLst>
-            </a:blip>
-            <a:stretch>
-              <a:fillRect/>
-            </a:stretch>
-          </p:blipFill>
-          <p:spPr>
-            <a:xfrm>
-              <a:off x="2310235" y="4581128"/>
-              <a:ext cx="2452265" cy="2124869"/>
-            </a:xfrm>
-            <a:prstGeom prst="rect">
-              <a:avLst/>
-            </a:prstGeom>
-          </p:spPr>
-        </p:pic>
-        <p:pic>
-          <p:nvPicPr>
-            <p:cNvPr id="7" name="Immagine 6"/>
-            <p:cNvPicPr>
-              <a:picLocks noChangeAspect="1"/>
-            </p:cNvPicPr>
-            <p:nvPr/>
-          </p:nvPicPr>
-          <p:blipFill>
-            <a:blip r:embed="rId3">
-              <a:extLst>
-                <a:ext uri="{28A0092B-C50C-407E-A947-70E740481C1C}">
-                  <a14:useLocalDpi xmlns:a14="http://schemas.microsoft.com/office/drawing/2010/main" val="0"/>
-                </a:ext>
-              </a:extLst>
-            </a:blip>
-            <a:stretch>
-              <a:fillRect/>
-            </a:stretch>
-          </p:blipFill>
-          <p:spPr>
-            <a:xfrm>
-              <a:off x="299955" y="4581128"/>
-              <a:ext cx="1990889" cy="1990889"/>
-            </a:xfrm>
-            <a:prstGeom prst="rect">
-              <a:avLst/>
-            </a:prstGeom>
-          </p:spPr>
-        </p:pic>
-      </p:grpSp>
       <p:sp>
         <p:nvSpPr>
           <p:cNvPr id="8" name="Segnaposto numero diapositiva 7"/>
@@ -13205,6 +13102,36 @@
           </a:p>
         </p:txBody>
       </p:sp>
+      <p:pic>
+        <p:nvPicPr>
+          <p:cNvPr id="9" name="Immagine 8"/>
+          <p:cNvPicPr>
+            <a:picLocks noChangeAspect="1"/>
+          </p:cNvPicPr>
+          <p:nvPr/>
+        </p:nvPicPr>
+        <p:blipFill>
+          <a:blip r:embed="rId2">
+            <a:extLst>
+              <a:ext uri="{28A0092B-C50C-407E-A947-70E740481C1C}">
+                <a14:useLocalDpi xmlns:a14="http://schemas.microsoft.com/office/drawing/2010/main" val="0"/>
+              </a:ext>
+            </a:extLst>
+          </a:blip>
+          <a:stretch>
+            <a:fillRect/>
+          </a:stretch>
+        </p:blipFill>
+        <p:spPr>
+          <a:xfrm>
+            <a:off x="1834882" y="3645024"/>
+            <a:ext cx="5261049" cy="2893888"/>
+          </a:xfrm>
+          <a:prstGeom prst="rect">
+            <a:avLst/>
+          </a:prstGeom>
+        </p:spPr>
+      </p:pic>
     </p:spTree>
     <p:extLst>
       <p:ext uri="{BB962C8B-B14F-4D97-AF65-F5344CB8AC3E}">
@@ -14677,42 +14604,29 @@
           <a:p>
             <a:r>
               <a:rPr lang="en-US" dirty="0" smtClean="0"/>
-              <a:t>What </a:t>
+              <a:t>What is a multiplayer </a:t>
             </a:r>
             <a:r>
               <a:rPr lang="en-US" dirty="0" smtClean="0"/>
-              <a:t>is a multiplayer games?</a:t>
-            </a:r>
+              <a:t>game?</a:t>
+            </a:r>
+            <a:endParaRPr lang="en-US" dirty="0" smtClean="0"/>
           </a:p>
           <a:p>
             <a:r>
               <a:rPr lang="en-US" dirty="0" smtClean="0"/>
-              <a:t>What multiplayer </a:t>
+              <a:t>Trivia </a:t>
             </a:r>
             <a:r>
               <a:rPr lang="en-US" dirty="0" smtClean="0"/>
-              <a:t>means</a:t>
-            </a:r>
+              <a:t>Time</a:t>
+            </a:r>
+          </a:p>
+          <a:p>
+            <a:pPr lvl="1"/>
             <a:r>
               <a:rPr lang="en-US" dirty="0" smtClean="0"/>
-              <a:t>?</a:t>
-            </a:r>
-          </a:p>
-          <a:p>
-            <a:r>
-              <a:rPr lang="en-US" dirty="0" smtClean="0"/>
-              <a:t>Trivia Time</a:t>
-            </a:r>
-          </a:p>
-          <a:p>
-            <a:pPr lvl="1"/>
-            <a:r>
-              <a:rPr lang="en-US" dirty="0" smtClean="0"/>
-              <a:t>First </a:t>
-            </a:r>
-            <a:r>
-              <a:rPr lang="en-US" dirty="0" smtClean="0"/>
-              <a:t>multiplayer game?</a:t>
+              <a:t>First multiplayer game?</a:t>
             </a:r>
             <a:endParaRPr lang="en-US" dirty="0"/>
           </a:p>
@@ -14846,7 +14760,7 @@
             <a:pPr algn="ctr"/>
             <a:r>
               <a:rPr lang="en-US" dirty="0" smtClean="0"/>
-              <a:t>Multiplayer games</a:t>
+              <a:t>Trivia Time</a:t>
             </a:r>
             <a:endParaRPr lang="en-US" dirty="0"/>
           </a:p>
@@ -15138,7 +15052,7 @@
             <a:pPr algn="ctr"/>
             <a:r>
               <a:rPr lang="en-US" dirty="0" smtClean="0"/>
-              <a:t>Multiplayer games</a:t>
+              <a:t>Trivia Time</a:t>
             </a:r>
             <a:endParaRPr lang="en-US" dirty="0"/>
           </a:p>
@@ -15252,8 +15166,8 @@
         </p:blipFill>
         <p:spPr>
           <a:xfrm>
-            <a:off x="29537" y="2547707"/>
-            <a:ext cx="9080380" cy="3563668"/>
+            <a:off x="1043607" y="2945687"/>
+            <a:ext cx="6768753" cy="2656452"/>
           </a:xfrm>
           <a:prstGeom prst="rect">
             <a:avLst/>
@@ -15282,7 +15196,7 @@
         </p:blipFill>
         <p:spPr>
           <a:xfrm rot="973222">
-            <a:off x="1190378" y="2953616"/>
+            <a:off x="1048634" y="2917980"/>
             <a:ext cx="6758696" cy="2706117"/>
           </a:xfrm>
           <a:prstGeom prst="rect">
@@ -15755,7 +15669,7 @@
             <a:pPr algn="ctr"/>
             <a:r>
               <a:rPr lang="en-US" dirty="0" smtClean="0"/>
-              <a:t>Multiplayer games</a:t>
+              <a:t>Trivia Time</a:t>
             </a:r>
             <a:endParaRPr lang="en-US" dirty="0"/>
           </a:p>
@@ -15787,8 +15701,21 @@
             </a:r>
             <a:r>
               <a:rPr lang="en-US" dirty="0"/>
-              <a:t>multiplayer (as we know it) game?</a:t>
-            </a:r>
+              <a:t>multiplayer </a:t>
+            </a:r>
+            <a:r>
+              <a:rPr lang="en-US" dirty="0" smtClean="0"/>
+              <a:t>game (as </a:t>
+            </a:r>
+            <a:r>
+              <a:rPr lang="en-US" dirty="0"/>
+              <a:t>we know it</a:t>
+            </a:r>
+            <a:r>
+              <a:rPr lang="en-US" dirty="0" smtClean="0"/>
+              <a:t>)?</a:t>
+            </a:r>
+            <a:endParaRPr lang="en-US" dirty="0"/>
           </a:p>
         </p:txBody>
       </p:sp>
@@ -16059,8 +15986,12 @@
           <a:p>
             <a:pPr algn="ctr"/>
             <a:r>
+              <a:rPr lang="en-US" sz="3600" dirty="0"/>
+              <a:t>Multiplayer A</a:t>
+            </a:r>
+            <a:r>
               <a:rPr lang="en-US" sz="3600" dirty="0" smtClean="0"/>
-              <a:t>To develop an HTML5 game you need…</a:t>
+              <a:t>rchitectures</a:t>
             </a:r>
             <a:endParaRPr lang="en-US" sz="3600" dirty="0"/>
           </a:p>
@@ -16085,55 +16016,26 @@
           <a:p>
             <a:r>
               <a:rPr lang="en-US" dirty="0" smtClean="0"/>
-              <a:t>Any OS</a:t>
-            </a:r>
+              <a:t>Client - Server</a:t>
+            </a:r>
+            <a:endParaRPr lang="en-US" dirty="0"/>
           </a:p>
           <a:p>
             <a:r>
               <a:rPr lang="en-US" dirty="0" smtClean="0"/>
-              <a:t>Any editor</a:t>
-            </a:r>
+              <a:t>Peer 2 Peer</a:t>
+            </a:r>
+            <a:endParaRPr lang="en-US" dirty="0"/>
           </a:p>
           <a:p>
             <a:r>
               <a:rPr lang="en-US" dirty="0" smtClean="0"/>
-              <a:t>Any web server</a:t>
-            </a:r>
+              <a:t>Hybrid (a mix of both)</a:t>
+            </a:r>
+            <a:endParaRPr lang="en-US" dirty="0" smtClean="0"/>
           </a:p>
           <a:p>
             <a:endParaRPr lang="en-US" dirty="0"/>
-          </a:p>
-          <a:p>
-            <a:pPr marL="0" indent="0" algn="ctr">
-              <a:buNone/>
-            </a:pPr>
-            <a:r>
-              <a:rPr lang="en-US" dirty="0" smtClean="0"/>
-              <a:t>Or you can just use </a:t>
-            </a:r>
-            <a:r>
-              <a:rPr lang="en-US" dirty="0"/>
-              <a:t>Brackets! </a:t>
-            </a:r>
-            <a:r>
-              <a:rPr lang="en-US" dirty="0" smtClean="0">
-                <a:hlinkClick r:id="rId2"/>
-              </a:rPr>
-              <a:t>http</a:t>
-            </a:r>
-            <a:r>
-              <a:rPr lang="en-US" dirty="0">
-                <a:hlinkClick r:id="rId2"/>
-              </a:rPr>
-              <a:t>://brackets.io</a:t>
-            </a:r>
-            <a:r>
-              <a:rPr lang="en-US" dirty="0" smtClean="0">
-                <a:hlinkClick r:id="rId2"/>
-              </a:rPr>
-              <a:t>/</a:t>
-            </a:r>
-            <a:endParaRPr lang="en-US" dirty="0" smtClean="0"/>
           </a:p>
         </p:txBody>
       </p:sp>
@@ -16173,16 +16075,39 @@
           </a:p>
         </p:txBody>
       </p:sp>
+      <p:sp>
+        <p:nvSpPr>
+          <p:cNvPr id="6" name="Segnaposto numero diapositiva 5"/>
+          <p:cNvSpPr>
+            <a:spLocks noGrp="1"/>
+          </p:cNvSpPr>
+          <p:nvPr>
+            <p:ph type="sldNum" sz="quarter" idx="12"/>
+          </p:nvPr>
+        </p:nvSpPr>
+        <p:spPr/>
+        <p:txBody>
+          <a:bodyPr/>
+          <a:lstStyle/>
+          <a:p>
+            <a:fld id="{219C0E88-5C08-45F5-BD91-E93F425D2D58}" type="slidenum">
+              <a:rPr lang="it-IT" smtClean="0"/>
+              <a:t>8</a:t>
+            </a:fld>
+            <a:endParaRPr lang="it-IT"/>
+          </a:p>
+        </p:txBody>
+      </p:sp>
       <p:pic>
         <p:nvPicPr>
-          <p:cNvPr id="5" name="Immagine 4"/>
+          <p:cNvPr id="8" name="Immagine 7"/>
           <p:cNvPicPr>
             <a:picLocks noChangeAspect="1"/>
           </p:cNvPicPr>
           <p:nvPr/>
         </p:nvPicPr>
         <p:blipFill>
-          <a:blip r:embed="rId3">
+          <a:blip r:embed="rId2">
             <a:extLst>
               <a:ext uri="{28A0092B-C50C-407E-A947-70E740481C1C}">
                 <a14:useLocalDpi xmlns:a14="http://schemas.microsoft.com/office/drawing/2010/main" val="0"/>
@@ -16195,37 +16120,14 @@
         </p:blipFill>
         <p:spPr>
           <a:xfrm>
-            <a:off x="3807470" y="4509120"/>
-            <a:ext cx="1445146" cy="1445146"/>
+            <a:off x="2359025" y="3392924"/>
+            <a:ext cx="4425950" cy="3319463"/>
           </a:xfrm>
           <a:prstGeom prst="rect">
             <a:avLst/>
           </a:prstGeom>
         </p:spPr>
       </p:pic>
-      <p:sp>
-        <p:nvSpPr>
-          <p:cNvPr id="6" name="Segnaposto numero diapositiva 5"/>
-          <p:cNvSpPr>
-            <a:spLocks noGrp="1"/>
-          </p:cNvSpPr>
-          <p:nvPr>
-            <p:ph type="sldNum" sz="quarter" idx="12"/>
-          </p:nvPr>
-        </p:nvSpPr>
-        <p:spPr/>
-        <p:txBody>
-          <a:bodyPr/>
-          <a:lstStyle/>
-          <a:p>
-            <a:fld id="{219C0E88-5C08-45F5-BD91-E93F425D2D58}" type="slidenum">
-              <a:rPr lang="it-IT" smtClean="0"/>
-              <a:t>8</a:t>
-            </a:fld>
-            <a:endParaRPr lang="it-IT"/>
-          </a:p>
-        </p:txBody>
-      </p:sp>
     </p:spTree>
     <p:extLst>
       <p:ext uri="{BB962C8B-B14F-4D97-AF65-F5344CB8AC3E}">
@@ -16280,12 +16182,8 @@
           <a:p>
             <a:pPr algn="ctr"/>
             <a:r>
-              <a:rPr lang="en-US" dirty="0"/>
-              <a:t>Phaser (http://phaser.io</a:t>
-            </a:r>
-            <a:r>
               <a:rPr lang="en-US" dirty="0" smtClean="0"/>
-              <a:t>/)</a:t>
+              <a:t>Client - Server Paradigm</a:t>
             </a:r>
             <a:endParaRPr lang="en-US" dirty="0"/>
           </a:p>
@@ -16313,136 +16211,49 @@
           </a:bodyPr>
           <a:lstStyle/>
           <a:p>
-            <a:r>
-              <a:rPr lang="en-US" sz="2600" dirty="0" smtClean="0"/>
-              <a:t>Easy to use 2D game framework</a:t>
-            </a:r>
-          </a:p>
-          <a:p>
-            <a:r>
-              <a:rPr lang="en-US" sz="2600" dirty="0" smtClean="0"/>
-              <a:t>Focused on mobile</a:t>
-            </a:r>
-          </a:p>
-          <a:p>
-            <a:r>
-              <a:rPr lang="en-US" sz="2600" dirty="0" smtClean="0"/>
-              <a:t>Use pixi.js for </a:t>
-            </a:r>
-            <a:r>
-              <a:rPr lang="en-US" sz="2600" dirty="0" err="1" smtClean="0"/>
-              <a:t>WebGL</a:t>
-            </a:r>
-            <a:r>
-              <a:rPr lang="en-US" sz="2600" dirty="0" smtClean="0"/>
-              <a:t> &amp; Canvas rendering</a:t>
-            </a:r>
-            <a:br>
-              <a:rPr lang="en-US" sz="2600" dirty="0" smtClean="0"/>
-            </a:br>
-            <a:r>
-              <a:rPr lang="en-US" sz="2600" dirty="0" smtClean="0"/>
-              <a:t>(</a:t>
-            </a:r>
-            <a:r>
-              <a:rPr lang="en-US" sz="2600" dirty="0" smtClean="0">
-                <a:hlinkClick r:id="rId2"/>
-              </a:rPr>
-              <a:t>http://www.pixijs.com/</a:t>
-            </a:r>
-            <a:r>
-              <a:rPr lang="en-US" sz="2600" dirty="0" smtClean="0"/>
-              <a:t>)</a:t>
-            </a:r>
-          </a:p>
-          <a:p>
-            <a:r>
-              <a:rPr lang="en-US" sz="2600" smtClean="0"/>
-              <a:t>Supports WebAudio</a:t>
-            </a:r>
-            <a:r>
-              <a:rPr lang="en-US" sz="2600" dirty="0" smtClean="0"/>
-              <a:t> </a:t>
-            </a:r>
-            <a:r>
-              <a:rPr lang="en-US" sz="2600" dirty="0"/>
-              <a:t>&amp;</a:t>
-            </a:r>
-            <a:r>
-              <a:rPr lang="en-US" sz="2600" dirty="0" smtClean="0"/>
-              <a:t> </a:t>
-            </a:r>
-            <a:r>
-              <a:rPr lang="en-US" sz="2600" dirty="0"/>
-              <a:t>HTML </a:t>
-            </a:r>
-            <a:r>
-              <a:rPr lang="en-US" sz="2600" dirty="0" smtClean="0"/>
-              <a:t>Audio</a:t>
-            </a:r>
-          </a:p>
-          <a:p>
-            <a:r>
-              <a:rPr lang="en-US" sz="2600" dirty="0" smtClean="0"/>
-              <a:t>Various physics engine supported</a:t>
-            </a:r>
-          </a:p>
-          <a:p>
             <a:pPr lvl="1"/>
             <a:r>
-              <a:rPr lang="en-US" sz="2200" dirty="0" smtClean="0"/>
-              <a:t>“arcade”: simple AABB physics engine</a:t>
+              <a:rPr lang="en-US" sz="2800" dirty="0" smtClean="0"/>
+              <a:t>Most used architecture</a:t>
             </a:r>
           </a:p>
           <a:p>
             <a:pPr lvl="1"/>
             <a:r>
-              <a:rPr lang="en-US" sz="2200" dirty="0" smtClean="0"/>
-              <a:t>p2.js: complete physics engine</a:t>
-            </a:r>
-            <a:r>
-              <a:rPr lang="en-US" sz="2200" dirty="0"/>
-              <a:t/>
-            </a:r>
-            <a:br>
-              <a:rPr lang="en-US" sz="2200" dirty="0"/>
-            </a:br>
-            <a:r>
-              <a:rPr lang="en-US" sz="2200" dirty="0" smtClean="0"/>
-              <a:t>(</a:t>
-            </a:r>
-            <a:r>
-              <a:rPr lang="en-US" sz="2200" dirty="0" smtClean="0">
-                <a:hlinkClick r:id="rId3"/>
-              </a:rPr>
-              <a:t>http</a:t>
-            </a:r>
-            <a:r>
-              <a:rPr lang="en-US" sz="2200" dirty="0">
-                <a:hlinkClick r:id="rId3"/>
-              </a:rPr>
-              <a:t>://schteppe.github.io/p2.js</a:t>
-            </a:r>
-            <a:r>
-              <a:rPr lang="en-US" sz="2200" dirty="0" smtClean="0">
-                <a:hlinkClick r:id="rId3"/>
-              </a:rPr>
-              <a:t>/</a:t>
-            </a:r>
-            <a:r>
-              <a:rPr lang="en-US" sz="2200" dirty="0" smtClean="0"/>
-              <a:t>)</a:t>
+              <a:rPr lang="en-US" sz="2800" dirty="0" smtClean="0"/>
+              <a:t>“Server” is now a cluster of computer</a:t>
             </a:r>
           </a:p>
           <a:p>
             <a:pPr lvl="1"/>
-            <a:endParaRPr lang="en-US" dirty="0" smtClean="0"/>
-          </a:p>
-          <a:p>
-            <a:pPr marL="457200" lvl="1" indent="0">
-              <a:buNone/>
-            </a:pPr>
-            <a:endParaRPr lang="en-US" dirty="0" smtClean="0"/>
+            <a:r>
+              <a:rPr lang="en-US" sz="2800" dirty="0" smtClean="0"/>
+              <a:t>“Client” can be </a:t>
+            </a:r>
+            <a:r>
+              <a:rPr lang="en-US" sz="2800" i="1" dirty="0" smtClean="0"/>
+              <a:t>thin</a:t>
+            </a:r>
+            <a:r>
+              <a:rPr lang="en-US" sz="2800" dirty="0" smtClean="0"/>
+              <a:t> or </a:t>
+            </a:r>
+            <a:r>
+              <a:rPr lang="en-US" sz="2800" i="1" dirty="0" smtClean="0"/>
+              <a:t>fat</a:t>
+            </a:r>
+            <a:endParaRPr lang="en-US" sz="2800" i="1" dirty="0" smtClean="0"/>
+          </a:p>
+          <a:p>
+            <a:pPr lvl="1"/>
+            <a:r>
+              <a:rPr lang="en-US" sz="2800" i="1" u="sng" dirty="0" smtClean="0"/>
+              <a:t>Easy</a:t>
+            </a:r>
+            <a:r>
+              <a:rPr lang="en-US" sz="2800" dirty="0" smtClean="0"/>
+              <a:t> to develop, hard to maintain, high costs</a:t>
+            </a:r>
           </a:p>
         </p:txBody>
       </p:sp>
@@ -16507,14 +16318,14 @@
       </p:sp>
       <p:pic>
         <p:nvPicPr>
-          <p:cNvPr id="6" name="Immagine 5"/>
+          <p:cNvPr id="8" name="Immagine 7"/>
           <p:cNvPicPr>
             <a:picLocks noChangeAspect="1"/>
           </p:cNvPicPr>
           <p:nvPr/>
         </p:nvPicPr>
         <p:blipFill>
-          <a:blip r:embed="rId4">
+          <a:blip r:embed="rId2">
             <a:extLst>
               <a:ext uri="{28A0092B-C50C-407E-A947-70E740481C1C}">
                 <a14:useLocalDpi xmlns:a14="http://schemas.microsoft.com/office/drawing/2010/main" val="0"/>
@@ -16527,8 +16338,8 @@
         </p:blipFill>
         <p:spPr>
           <a:xfrm>
-            <a:off x="5957412" y="3526817"/>
-            <a:ext cx="3058475" cy="2650146"/>
+            <a:off x="2437794" y="2996952"/>
+            <a:ext cx="4268412" cy="4413538"/>
           </a:xfrm>
           <a:prstGeom prst="rect">
             <a:avLst/>

--- a/slides/slides.pptx
+++ b/slides/slides.pptx
@@ -310,7 +310,7 @@
           <a:p>
             <a:fld id="{DC661A4A-D0C3-4623-84C2-FD4286BDBB96}" type="datetimeFigureOut">
               <a:rPr lang="it-IT" smtClean="0"/>
-              <a:t>13/03/2015</a:t>
+              <a:t>20/03/2015</a:t>
             </a:fld>
             <a:endParaRPr lang="it-IT"/>
           </a:p>
@@ -5577,15 +5577,7 @@
           <a:p>
             <a:r>
               <a:rPr lang="en-US" dirty="0" smtClean="0"/>
-              <a:t>Suitable for not persistent game world (</a:t>
-            </a:r>
-            <a:r>
-              <a:rPr lang="en-US" dirty="0" smtClean="0"/>
-              <a:t>fps, racing</a:t>
-            </a:r>
-            <a:r>
-              <a:rPr lang="en-US" dirty="0" smtClean="0"/>
-              <a:t>)</a:t>
+              <a:t>Suitable for not persistent game world (fps, racing)</a:t>
             </a:r>
           </a:p>
           <a:p>
@@ -5597,7 +5589,6 @@
               <a:rPr lang="en-US" dirty="0" smtClean="0"/>
               <a:t> to develop, easy to maintain, low costs</a:t>
             </a:r>
-            <a:endParaRPr lang="en-US" dirty="0" smtClean="0"/>
           </a:p>
         </p:txBody>
       </p:sp>
@@ -5786,7 +5777,6 @@
               <a:rPr lang="en-US" dirty="0" smtClean="0"/>
               <a:t>Hard to use in some other aspect (world consistency)</a:t>
             </a:r>
-            <a:endParaRPr lang="en-US" dirty="0" smtClean="0"/>
           </a:p>
         </p:txBody>
       </p:sp>
@@ -8984,16 +8974,26 @@
             </a:r>
             <a:r>
               <a:rPr lang="en-US" dirty="0" smtClean="0"/>
-              <a:t>: crazy slot cars</a:t>
-            </a:r>
-          </a:p>
-          <a:p>
-            <a:pPr lvl="1"/>
+              <a:t>: crazy slot </a:t>
+            </a:r>
+            <a:r>
+              <a:rPr lang="en-US" dirty="0" smtClean="0"/>
+              <a:t>cars</a:t>
+            </a:r>
+            <a:br>
+              <a:rPr lang="en-US" dirty="0" smtClean="0"/>
+            </a:br>
             <a:r>
               <a:rPr lang="en-US" dirty="0" smtClean="0">
                 <a:hlinkClick r:id="rId2"/>
               </a:rPr>
-              <a:t>http://interactiveproject.com/</a:t>
+              <a:t>http</a:t>
+            </a:r>
+            <a:r>
+              <a:rPr lang="en-US" dirty="0" smtClean="0">
+                <a:hlinkClick r:id="rId2"/>
+              </a:rPr>
+              <a:t>://interactiveproject.com/</a:t>
             </a:r>
             <a:endParaRPr lang="en-US" dirty="0" smtClean="0"/>
           </a:p>
@@ -14604,22 +14604,13 @@
           <a:p>
             <a:r>
               <a:rPr lang="en-US" dirty="0" smtClean="0"/>
-              <a:t>What is a multiplayer </a:t>
-            </a:r>
+              <a:t>What is a multiplayer game?</a:t>
+            </a:r>
+          </a:p>
+          <a:p>
             <a:r>
               <a:rPr lang="en-US" dirty="0" smtClean="0"/>
-              <a:t>game?</a:t>
-            </a:r>
-            <a:endParaRPr lang="en-US" dirty="0" smtClean="0"/>
-          </a:p>
-          <a:p>
-            <a:r>
-              <a:rPr lang="en-US" dirty="0" smtClean="0"/>
-              <a:t>Trivia </a:t>
-            </a:r>
-            <a:r>
-              <a:rPr lang="en-US" dirty="0" smtClean="0"/>
-              <a:t>Time</a:t>
+              <a:t>Trivia Time</a:t>
             </a:r>
           </a:p>
           <a:p>
@@ -16032,7 +16023,6 @@
               <a:rPr lang="en-US" dirty="0" smtClean="0"/>
               <a:t>Hybrid (a mix of both)</a:t>
             </a:r>
-            <a:endParaRPr lang="en-US" dirty="0" smtClean="0"/>
           </a:p>
           <a:p>
             <a:endParaRPr lang="en-US" dirty="0"/>
@@ -16242,7 +16232,6 @@
               <a:rPr lang="en-US" sz="2800" i="1" dirty="0" smtClean="0"/>
               <a:t>fat</a:t>
             </a:r>
-            <a:endParaRPr lang="en-US" sz="2800" i="1" dirty="0" smtClean="0"/>
           </a:p>
           <a:p>
             <a:pPr lvl="1"/>

--- a/slides/slides.pptx
+++ b/slides/slides.pptx
@@ -17,8 +17,14 @@
     <p:sldId id="270" r:id="rId11"/>
     <p:sldId id="271" r:id="rId12"/>
     <p:sldId id="272" r:id="rId13"/>
-    <p:sldId id="273" r:id="rId14"/>
-    <p:sldId id="261" r:id="rId15"/>
+    <p:sldId id="279" r:id="rId14"/>
+    <p:sldId id="276" r:id="rId15"/>
+    <p:sldId id="277" r:id="rId16"/>
+    <p:sldId id="274" r:id="rId17"/>
+    <p:sldId id="280" r:id="rId18"/>
+    <p:sldId id="281" r:id="rId19"/>
+    <p:sldId id="282" r:id="rId20"/>
+    <p:sldId id="283" r:id="rId21"/>
   </p:sldIdLst>
   <p:sldSz cx="9144000" cy="6858000" type="screen4x3"/>
   <p:notesSz cx="6858000" cy="9144000"/>
@@ -2152,6 +2158,13 @@
   <p:clrMapOvr>
     <a:masterClrMapping/>
   </p:clrMapOvr>
+  <p:timing>
+    <p:tnLst>
+      <p:par>
+        <p:cTn id="1" dur="indefinite" restart="never" nodeType="tmRoot"/>
+      </p:par>
+    </p:tnLst>
+  </p:timing>
 </p:sld>
 </file>
 
@@ -2274,6 +2287,13 @@
   <p:clrMapOvr>
     <a:masterClrMapping/>
   </p:clrMapOvr>
+  <p:timing>
+    <p:tnLst>
+      <p:par>
+        <p:cTn id="1" dur="indefinite" restart="never" nodeType="tmRoot"/>
+      </p:par>
+    </p:tnLst>
+  </p:timing>
 </p:sld>
 </file>
 
@@ -2310,8 +2330,8 @@
           <a:lstStyle/>
           <a:p>
             <a:r>
-              <a:rPr lang="en-US" dirty="0"/>
-              <a:t>Multiplayer game types</a:t>
+              <a:rPr lang="en-US" dirty="0" smtClean="0"/>
+              <a:t>Networking technologies</a:t>
             </a:r>
             <a:endParaRPr lang="it-IT" dirty="0"/>
           </a:p>
@@ -2333,80 +2353,211 @@
           <a:lstStyle/>
           <a:p>
             <a:r>
-              <a:rPr lang="it-IT" dirty="0" err="1"/>
-              <a:t>Asynchronous</a:t>
-            </a:r>
-            <a:r>
               <a:rPr lang="it-IT" dirty="0"/>
-              <a:t> (</a:t>
-            </a:r>
-            <a:r>
-              <a:rPr lang="it-IT" dirty="0" err="1"/>
-              <a:t>Ruzzle</a:t>
-            </a:r>
-            <a:r>
-              <a:rPr lang="it-IT" dirty="0"/>
-              <a:t>, Real Racing, </a:t>
-            </a:r>
-            <a:r>
-              <a:rPr lang="it-IT" dirty="0" err="1"/>
-              <a:t>Clash</a:t>
-            </a:r>
-            <a:r>
-              <a:rPr lang="it-IT" dirty="0"/>
-              <a:t> of </a:t>
-            </a:r>
-            <a:r>
-              <a:rPr lang="it-IT" dirty="0" err="1"/>
-              <a:t>Clans</a:t>
-            </a:r>
-            <a:r>
-              <a:rPr lang="it-IT" dirty="0"/>
-              <a:t>)</a:t>
-            </a:r>
-          </a:p>
-          <a:p>
-            <a:endParaRPr lang="it-IT" dirty="0"/>
-          </a:p>
-          <a:p>
-            <a:r>
-              <a:rPr lang="it-IT" dirty="0" err="1"/>
-              <a:t>Synchronous</a:t>
-            </a:r>
-            <a:r>
-              <a:rPr lang="it-IT" dirty="0"/>
-              <a:t> (</a:t>
-            </a:r>
-            <a:r>
-              <a:rPr lang="it-IT" dirty="0" err="1"/>
-              <a:t>CoD</a:t>
-            </a:r>
-            <a:r>
-              <a:rPr lang="it-IT" dirty="0"/>
-              <a:t>, </a:t>
-            </a:r>
-            <a:r>
-              <a:rPr lang="it-IT" dirty="0" err="1"/>
-              <a:t>LoL</a:t>
-            </a:r>
-            <a:r>
-              <a:rPr lang="it-IT" dirty="0"/>
-              <a:t>, </a:t>
-            </a:r>
-            <a:r>
-              <a:rPr lang="it-IT" dirty="0" err="1"/>
-              <a:t>WoW</a:t>
-            </a:r>
-            <a:r>
-              <a:rPr lang="it-IT" dirty="0"/>
-              <a:t>)</a:t>
-            </a:r>
-          </a:p>
-          <a:p>
-            <a:endParaRPr lang="en-US" dirty="0"/>
-          </a:p>
-          <a:p>
-            <a:endParaRPr lang="it-IT" dirty="0"/>
+              <a:t>W</a:t>
+            </a:r>
+            <a:r>
+              <a:rPr lang="it-IT" dirty="0" smtClean="0"/>
+              <a:t>eb API</a:t>
+            </a:r>
+          </a:p>
+          <a:p>
+            <a:pPr lvl="1"/>
+            <a:r>
+              <a:rPr lang="it-IT" sz="2400" dirty="0" err="1" smtClean="0"/>
+              <a:t>Request-Response</a:t>
+            </a:r>
+            <a:r>
+              <a:rPr lang="it-IT" sz="2400" dirty="0" smtClean="0"/>
+              <a:t> </a:t>
+            </a:r>
+            <a:r>
+              <a:rPr lang="it-IT" sz="2400" dirty="0" err="1" smtClean="0"/>
+              <a:t>message</a:t>
+            </a:r>
+            <a:r>
+              <a:rPr lang="it-IT" sz="2400" dirty="0" smtClean="0"/>
+              <a:t> </a:t>
+            </a:r>
+            <a:r>
+              <a:rPr lang="it-IT" sz="2400" dirty="0" err="1" smtClean="0"/>
+              <a:t>system</a:t>
+            </a:r>
+            <a:endParaRPr lang="it-IT" sz="2400" dirty="0" smtClean="0"/>
+          </a:p>
+          <a:p>
+            <a:pPr lvl="1"/>
+            <a:r>
+              <a:rPr lang="it-IT" sz="2400" dirty="0" err="1" smtClean="0"/>
+              <a:t>Identified</a:t>
+            </a:r>
+            <a:r>
+              <a:rPr lang="it-IT" sz="2400" dirty="0" smtClean="0"/>
+              <a:t> by a </a:t>
+            </a:r>
+            <a:r>
+              <a:rPr lang="it-IT" sz="2400" dirty="0" err="1" smtClean="0"/>
+              <a:t>url</a:t>
+            </a:r>
+            <a:endParaRPr lang="it-IT" sz="2400" dirty="0" smtClean="0"/>
+          </a:p>
+          <a:p>
+            <a:pPr lvl="1"/>
+            <a:r>
+              <a:rPr lang="it-IT" sz="2400" dirty="0" err="1"/>
+              <a:t>Permanent</a:t>
+            </a:r>
+            <a:r>
+              <a:rPr lang="it-IT" sz="2400" dirty="0"/>
+              <a:t> connection </a:t>
+            </a:r>
+            <a:r>
+              <a:rPr lang="it-IT" sz="2400" dirty="0" err="1"/>
+              <a:t>not</a:t>
+            </a:r>
+            <a:r>
+              <a:rPr lang="it-IT" sz="2400" dirty="0"/>
+              <a:t> </a:t>
+            </a:r>
+            <a:r>
+              <a:rPr lang="it-IT" sz="2400" dirty="0" err="1"/>
+              <a:t>required</a:t>
+            </a:r>
+            <a:endParaRPr lang="it-IT" sz="2400" dirty="0"/>
+          </a:p>
+          <a:p>
+            <a:pPr lvl="1"/>
+            <a:r>
+              <a:rPr lang="it-IT" sz="2400" dirty="0" err="1"/>
+              <a:t>Suitable</a:t>
+            </a:r>
+            <a:r>
+              <a:rPr lang="it-IT" sz="2400" dirty="0"/>
+              <a:t> on </a:t>
+            </a:r>
+            <a:r>
+              <a:rPr lang="it-IT" sz="2400" dirty="0" err="1"/>
+              <a:t>asynchronous</a:t>
+            </a:r>
+            <a:r>
+              <a:rPr lang="it-IT" sz="2400" dirty="0"/>
+              <a:t> </a:t>
+            </a:r>
+            <a:r>
+              <a:rPr lang="it-IT" sz="2400" dirty="0" smtClean="0"/>
+              <a:t>games</a:t>
+            </a:r>
+            <a:endParaRPr lang="it-IT" sz="2400" dirty="0" smtClean="0"/>
+          </a:p>
+          <a:p>
+            <a:r>
+              <a:rPr lang="it-IT" dirty="0" err="1" smtClean="0"/>
+              <a:t>Socket</a:t>
+            </a:r>
+            <a:endParaRPr lang="it-IT" dirty="0" smtClean="0"/>
+          </a:p>
+          <a:p>
+            <a:pPr lvl="1"/>
+            <a:r>
+              <a:rPr lang="it-IT" sz="2400" dirty="0" err="1" smtClean="0"/>
+              <a:t>Bidirectional</a:t>
+            </a:r>
+            <a:r>
+              <a:rPr lang="it-IT" sz="2400" dirty="0" smtClean="0"/>
+              <a:t> </a:t>
+            </a:r>
+            <a:r>
+              <a:rPr lang="it-IT" sz="2400" dirty="0" err="1" smtClean="0"/>
+              <a:t>communication</a:t>
+            </a:r>
+            <a:r>
+              <a:rPr lang="it-IT" sz="2400" dirty="0" smtClean="0"/>
+              <a:t> </a:t>
+            </a:r>
+            <a:r>
+              <a:rPr lang="it-IT" sz="2400" dirty="0" err="1" smtClean="0"/>
+              <a:t>between</a:t>
+            </a:r>
+            <a:r>
+              <a:rPr lang="it-IT" sz="2400" dirty="0" smtClean="0"/>
+              <a:t> </a:t>
+            </a:r>
+            <a:r>
+              <a:rPr lang="it-IT" sz="2400" dirty="0" err="1" smtClean="0"/>
+              <a:t>softwares</a:t>
+            </a:r>
+            <a:endParaRPr lang="it-IT" sz="2400" dirty="0" smtClean="0"/>
+          </a:p>
+          <a:p>
+            <a:pPr lvl="1"/>
+            <a:r>
+              <a:rPr lang="it-IT" sz="2400" dirty="0" err="1" smtClean="0"/>
+              <a:t>Identified</a:t>
+            </a:r>
+            <a:r>
+              <a:rPr lang="it-IT" sz="2400" dirty="0" smtClean="0"/>
+              <a:t> by a </a:t>
+            </a:r>
+            <a:r>
+              <a:rPr lang="it-IT" sz="2400" dirty="0" err="1" smtClean="0"/>
+              <a:t>protocol</a:t>
+            </a:r>
+            <a:r>
+              <a:rPr lang="it-IT" sz="2400" dirty="0" smtClean="0"/>
+              <a:t>, an </a:t>
+            </a:r>
+            <a:r>
+              <a:rPr lang="it-IT" sz="2400" dirty="0" err="1" smtClean="0"/>
+              <a:t>address</a:t>
+            </a:r>
+            <a:r>
+              <a:rPr lang="it-IT" sz="2400" dirty="0" smtClean="0"/>
+              <a:t> and a </a:t>
+            </a:r>
+            <a:r>
+              <a:rPr lang="it-IT" sz="2400" dirty="0" err="1" smtClean="0"/>
+              <a:t>port</a:t>
+            </a:r>
+            <a:endParaRPr lang="it-IT" sz="2400" dirty="0" smtClean="0"/>
+          </a:p>
+          <a:p>
+            <a:pPr lvl="1"/>
+            <a:r>
+              <a:rPr lang="it-IT" sz="2400" dirty="0" err="1"/>
+              <a:t>Permanet</a:t>
+            </a:r>
+            <a:r>
+              <a:rPr lang="it-IT" sz="2400" dirty="0"/>
+              <a:t> connection </a:t>
+            </a:r>
+            <a:r>
+              <a:rPr lang="it-IT" sz="2400" dirty="0" err="1" smtClean="0"/>
+              <a:t>required</a:t>
+            </a:r>
+            <a:endParaRPr lang="it-IT" sz="2400" dirty="0" smtClean="0"/>
+          </a:p>
+          <a:p>
+            <a:pPr lvl="1"/>
+            <a:r>
+              <a:rPr lang="it-IT" sz="2400" dirty="0" err="1"/>
+              <a:t>Suitable</a:t>
+            </a:r>
+            <a:r>
+              <a:rPr lang="it-IT" sz="2400" dirty="0"/>
+              <a:t> on </a:t>
+            </a:r>
+            <a:r>
+              <a:rPr lang="it-IT" sz="2400" dirty="0" err="1"/>
+              <a:t>synchronous</a:t>
+            </a:r>
+            <a:r>
+              <a:rPr lang="it-IT" sz="2400" dirty="0"/>
+              <a:t> games</a:t>
+            </a:r>
+          </a:p>
+          <a:p>
+            <a:pPr lvl="1"/>
+            <a:endParaRPr lang="it-IT" dirty="0" smtClean="0"/>
           </a:p>
         </p:txBody>
       </p:sp>
@@ -2420,6 +2571,13 @@
   <p:clrMapOvr>
     <a:masterClrMapping/>
   </p:clrMapOvr>
+  <p:timing>
+    <p:tnLst>
+      <p:par>
+        <p:cTn id="1" dur="indefinite" restart="never" nodeType="tmRoot"/>
+      </p:par>
+    </p:tnLst>
+  </p:timing>
 </p:sld>
 </file>
 
@@ -2456,8 +2614,8 @@
           <a:lstStyle/>
           <a:p>
             <a:r>
-              <a:rPr lang="en-US" dirty="0"/>
-              <a:t>Thank you!</a:t>
+              <a:rPr lang="en-US" dirty="0" smtClean="0"/>
+              <a:t>Networking technologies</a:t>
             </a:r>
             <a:endParaRPr lang="it-IT" dirty="0"/>
           </a:p>
@@ -2478,397 +2636,152 @@
           <a:bodyPr/>
           <a:lstStyle/>
           <a:p>
-            <a:pPr marL="0" indent="0" algn="ctr">
-              <a:buNone/>
-            </a:pPr>
-            <a:r>
-              <a:rPr lang="en-GB" sz="5400" dirty="0">
-                <a:cs typeface="Consolas" panose="020B0609020204030204" pitchFamily="49" charset="0"/>
-              </a:rPr>
-              <a:t>Any </a:t>
-            </a:r>
-            <a:r>
-              <a:rPr lang="en-GB" sz="5400" dirty="0" smtClean="0">
-                <a:cs typeface="Consolas" panose="020B0609020204030204" pitchFamily="49" charset="0"/>
-              </a:rPr>
-              <a:t>Questions?</a:t>
-            </a:r>
-          </a:p>
-          <a:p>
-            <a:pPr marL="0" indent="0" algn="ctr">
-              <a:buNone/>
-            </a:pPr>
-            <a:endParaRPr lang="en-GB" sz="2400" dirty="0" smtClean="0">
-              <a:cs typeface="Consolas" panose="020B0609020204030204" pitchFamily="49" charset="0"/>
-            </a:endParaRPr>
-          </a:p>
-          <a:p>
-            <a:pPr marL="0" indent="0" algn="ctr" eaLnBrk="1" hangingPunct="1">
-              <a:buNone/>
-            </a:pPr>
-            <a:r>
-              <a:rPr lang="it-IT" altLang="it-IT" sz="2400" dirty="0" err="1">
-                <a:latin typeface="Arial Italic" charset="0"/>
-              </a:rPr>
-              <a:t>Leave</a:t>
-            </a:r>
-            <a:r>
-              <a:rPr lang="it-IT" altLang="it-IT" sz="2400" dirty="0">
-                <a:latin typeface="Arial Italic" charset="0"/>
-              </a:rPr>
-              <a:t> </a:t>
-            </a:r>
-            <a:r>
-              <a:rPr lang="it-IT" altLang="it-IT" sz="2400" dirty="0" err="1">
-                <a:latin typeface="Arial Italic" charset="0"/>
-              </a:rPr>
-              <a:t>your</a:t>
-            </a:r>
-            <a:r>
-              <a:rPr lang="it-IT" altLang="it-IT" sz="2400" dirty="0">
-                <a:latin typeface="Arial Italic" charset="0"/>
-              </a:rPr>
-              <a:t> feedback on </a:t>
-            </a:r>
-            <a:r>
-              <a:rPr lang="it-IT" altLang="it-IT" sz="2400" dirty="0" err="1">
-                <a:latin typeface="Arial Italic" charset="0"/>
-              </a:rPr>
-              <a:t>Joind.in</a:t>
-            </a:r>
-            <a:r>
-              <a:rPr lang="it-IT" altLang="it-IT" sz="2400" dirty="0">
-                <a:latin typeface="Arial Italic" charset="0"/>
-              </a:rPr>
-              <a:t>!</a:t>
-            </a:r>
-          </a:p>
-          <a:p>
-            <a:pPr marL="0" indent="0" algn="ctr" eaLnBrk="1" hangingPunct="1">
-              <a:buNone/>
-            </a:pPr>
-            <a:r>
-              <a:rPr lang="it-IT" altLang="it-IT" sz="2400" dirty="0">
-                <a:solidFill>
-                  <a:srgbClr val="262626"/>
-                </a:solidFill>
-                <a:latin typeface="Arial Italic" charset="0"/>
-                <a:hlinkClick r:id="rId2"/>
-              </a:rPr>
-              <a:t>https://</a:t>
-            </a:r>
-            <a:r>
-              <a:rPr lang="it-IT" altLang="it-IT" sz="2400" dirty="0" smtClean="0">
-                <a:solidFill>
-                  <a:srgbClr val="262626"/>
-                </a:solidFill>
-                <a:latin typeface="Arial Italic" charset="0"/>
-                <a:hlinkClick r:id="rId2"/>
-              </a:rPr>
-              <a:t>joind.in/event/view/3347</a:t>
-            </a:r>
-            <a:endParaRPr lang="it-IT" altLang="it-IT" sz="2400" dirty="0"/>
+            <a:r>
+              <a:rPr lang="it-IT" dirty="0" smtClean="0"/>
+              <a:t>Web API</a:t>
+            </a:r>
+          </a:p>
+          <a:p>
+            <a:endParaRPr lang="it-IT" dirty="0" smtClean="0"/>
+          </a:p>
+          <a:p>
+            <a:endParaRPr lang="it-IT" dirty="0" smtClean="0"/>
+          </a:p>
+          <a:p>
+            <a:endParaRPr lang="it-IT" dirty="0" smtClean="0"/>
+          </a:p>
+          <a:p>
+            <a:r>
+              <a:rPr lang="it-IT" dirty="0" err="1" smtClean="0"/>
+              <a:t>Socket</a:t>
+            </a:r>
+            <a:endParaRPr lang="it-IT" dirty="0" smtClean="0"/>
           </a:p>
         </p:txBody>
       </p:sp>
-      <p:sp>
-        <p:nvSpPr>
-          <p:cNvPr id="4" name="CasellaDiTesto 3"/>
-          <p:cNvSpPr txBox="1"/>
+      <p:pic>
+        <p:nvPicPr>
+          <p:cNvPr id="4" name="Immagine 3"/>
+          <p:cNvPicPr>
+            <a:picLocks noChangeAspect="1"/>
+          </p:cNvPicPr>
           <p:nvPr/>
-        </p:nvSpPr>
+        </p:nvPicPr>
+        <p:blipFill>
+          <a:blip r:embed="rId2">
+            <a:extLst>
+              <a:ext uri="{28A0092B-C50C-407E-A947-70E740481C1C}">
+                <a14:useLocalDpi xmlns:a14="http://schemas.microsoft.com/office/drawing/2010/main" val="0"/>
+              </a:ext>
+            </a:extLst>
+          </a:blip>
+          <a:stretch>
+            <a:fillRect/>
+          </a:stretch>
+        </p:blipFill>
         <p:spPr>
           <a:xfrm>
-            <a:off x="2575640" y="4232682"/>
-            <a:ext cx="6934200" cy="1754326"/>
+            <a:off x="1547664" y="2204864"/>
+            <a:ext cx="1296144" cy="1296144"/>
           </a:xfrm>
           <a:prstGeom prst="rect">
             <a:avLst/>
           </a:prstGeom>
-          <a:noFill/>
         </p:spPr>
-        <p:txBody>
-          <a:bodyPr>
-            <a:spAutoFit/>
-          </a:bodyPr>
-          <a:lstStyle/>
-          <a:p>
-            <a:pPr fontAlgn="auto">
-              <a:spcBef>
-                <a:spcPts val="0"/>
-              </a:spcBef>
-              <a:spcAft>
-                <a:spcPts val="0"/>
-              </a:spcAft>
-              <a:defRPr/>
-            </a:pPr>
-            <a:endParaRPr lang="it-IT" b="1" i="1" dirty="0" smtClean="0">
-              <a:latin typeface="Arial"/>
-              <a:ea typeface="+mn-ea"/>
-              <a:cs typeface="Arial"/>
-              <a:hlinkClick r:id="rId3"/>
-            </a:endParaRPr>
-          </a:p>
-          <a:p>
-            <a:pPr fontAlgn="auto">
-              <a:spcBef>
-                <a:spcPts val="0"/>
-              </a:spcBef>
-              <a:spcAft>
-                <a:spcPts val="0"/>
-              </a:spcAft>
-              <a:defRPr/>
-            </a:pPr>
-            <a:r>
-              <a:rPr lang="it-IT" b="1" i="1" dirty="0">
-                <a:latin typeface="Arial"/>
-                <a:ea typeface="+mn-ea"/>
-                <a:cs typeface="Arial"/>
-              </a:rPr>
-              <a:t> </a:t>
-            </a:r>
-            <a:r>
-              <a:rPr lang="it-IT" b="1" i="1" dirty="0" smtClean="0">
-                <a:latin typeface="Arial"/>
-                <a:ea typeface="+mn-ea"/>
-                <a:cs typeface="Arial"/>
-              </a:rPr>
-              <a:t>           </a:t>
-            </a:r>
-            <a:r>
-              <a:rPr lang="it-IT" b="1" i="1" dirty="0" smtClean="0">
-                <a:latin typeface="Arial"/>
-                <a:ea typeface="+mn-ea"/>
-                <a:cs typeface="Arial"/>
-                <a:hlinkClick r:id="rId3"/>
-              </a:rPr>
-              <a:t>valerio.riva@gmail.com</a:t>
-            </a:r>
-            <a:endParaRPr lang="it-IT" b="1" i="1" dirty="0" smtClean="0">
-              <a:solidFill>
-                <a:schemeClr val="tx1">
-                  <a:lumMod val="75000"/>
-                  <a:lumOff val="25000"/>
-                </a:schemeClr>
-              </a:solidFill>
-              <a:latin typeface="Arial"/>
-              <a:ea typeface="+mn-ea"/>
-              <a:cs typeface="Arial"/>
-            </a:endParaRPr>
-          </a:p>
-          <a:p>
-            <a:pPr fontAlgn="auto">
-              <a:spcBef>
-                <a:spcPts val="0"/>
-              </a:spcBef>
-              <a:spcAft>
-                <a:spcPts val="0"/>
-              </a:spcAft>
-              <a:defRPr/>
-            </a:pPr>
-            <a:r>
-              <a:rPr lang="it-IT" b="1" i="1" dirty="0" smtClean="0">
-                <a:solidFill>
-                  <a:schemeClr val="tx1">
-                    <a:lumMod val="75000"/>
-                    <a:lumOff val="25000"/>
-                  </a:schemeClr>
-                </a:solidFill>
-                <a:latin typeface="Arial"/>
-                <a:ea typeface="+mn-ea"/>
-                <a:cs typeface="Arial"/>
-              </a:rPr>
-              <a:t>           </a:t>
-            </a:r>
-          </a:p>
-          <a:p>
-            <a:pPr fontAlgn="auto">
-              <a:spcBef>
-                <a:spcPts val="0"/>
-              </a:spcBef>
-              <a:spcAft>
-                <a:spcPts val="0"/>
-              </a:spcAft>
-              <a:defRPr/>
-            </a:pPr>
-            <a:r>
-              <a:rPr lang="it-IT" b="1" i="1" dirty="0">
-                <a:solidFill>
-                  <a:schemeClr val="tx1">
-                    <a:lumMod val="75000"/>
-                    <a:lumOff val="25000"/>
-                  </a:schemeClr>
-                </a:solidFill>
-                <a:latin typeface="Arial"/>
-                <a:ea typeface="+mn-ea"/>
-                <a:cs typeface="Arial"/>
-              </a:rPr>
-              <a:t> </a:t>
-            </a:r>
-            <a:r>
-              <a:rPr lang="it-IT" b="1" i="1" dirty="0" smtClean="0">
-                <a:solidFill>
-                  <a:schemeClr val="tx1">
-                    <a:lumMod val="75000"/>
-                    <a:lumOff val="25000"/>
-                  </a:schemeClr>
-                </a:solidFill>
-                <a:latin typeface="Arial"/>
-                <a:ea typeface="+mn-ea"/>
-                <a:cs typeface="Arial"/>
-              </a:rPr>
-              <a:t>           </a:t>
-            </a:r>
-            <a:r>
-              <a:rPr lang="it-IT" b="1" i="1" dirty="0" smtClean="0">
-                <a:solidFill>
-                  <a:schemeClr val="tx1">
-                    <a:lumMod val="75000"/>
-                    <a:lumOff val="25000"/>
-                  </a:schemeClr>
-                </a:solidFill>
-                <a:latin typeface="Arial"/>
-                <a:ea typeface="+mn-ea"/>
-                <a:cs typeface="Arial"/>
-                <a:hlinkClick r:id="rId4"/>
-              </a:rPr>
-              <a:t>@</a:t>
-            </a:r>
-            <a:r>
-              <a:rPr lang="it-IT" b="1" i="1" dirty="0" err="1" smtClean="0">
-                <a:solidFill>
-                  <a:schemeClr val="tx1">
-                    <a:lumMod val="75000"/>
-                    <a:lumOff val="25000"/>
-                  </a:schemeClr>
-                </a:solidFill>
-                <a:latin typeface="Arial"/>
-                <a:ea typeface="+mn-ea"/>
-                <a:cs typeface="Arial"/>
-                <a:hlinkClick r:id="rId4"/>
-              </a:rPr>
-              <a:t>ValerioRiva</a:t>
-            </a:r>
-            <a:endParaRPr lang="it-IT" b="1" i="1" dirty="0" smtClean="0">
-              <a:solidFill>
-                <a:schemeClr val="tx1">
-                  <a:lumMod val="75000"/>
-                  <a:lumOff val="25000"/>
-                </a:schemeClr>
-              </a:solidFill>
-              <a:latin typeface="Arial"/>
-              <a:ea typeface="+mn-ea"/>
-              <a:cs typeface="Arial"/>
-            </a:endParaRPr>
-          </a:p>
-          <a:p>
-            <a:pPr fontAlgn="auto">
-              <a:spcBef>
-                <a:spcPts val="0"/>
-              </a:spcBef>
-              <a:spcAft>
-                <a:spcPts val="0"/>
-              </a:spcAft>
-              <a:defRPr/>
-            </a:pPr>
-            <a:endParaRPr lang="it-IT" b="1" i="1" dirty="0" smtClean="0">
-              <a:solidFill>
-                <a:schemeClr val="tx1">
-                  <a:lumMod val="75000"/>
-                  <a:lumOff val="25000"/>
-                </a:schemeClr>
-              </a:solidFill>
-              <a:latin typeface="Arial"/>
-              <a:ea typeface="+mn-ea"/>
-              <a:cs typeface="Arial"/>
-              <a:hlinkClick r:id="rId5"/>
-            </a:endParaRPr>
-          </a:p>
-          <a:p>
-            <a:pPr fontAlgn="auto">
-              <a:spcBef>
-                <a:spcPts val="0"/>
-              </a:spcBef>
-              <a:spcAft>
-                <a:spcPts val="0"/>
-              </a:spcAft>
-              <a:defRPr/>
-            </a:pPr>
-            <a:r>
-              <a:rPr lang="it-IT" b="1" i="1" dirty="0">
-                <a:solidFill>
-                  <a:schemeClr val="tx1">
-                    <a:lumMod val="75000"/>
-                    <a:lumOff val="25000"/>
-                  </a:schemeClr>
-                </a:solidFill>
-                <a:latin typeface="Arial"/>
-                <a:ea typeface="+mn-ea"/>
-                <a:cs typeface="Arial"/>
-              </a:rPr>
-              <a:t>	</a:t>
-            </a:r>
-            <a:r>
-              <a:rPr lang="it-IT" b="1" i="1" dirty="0" smtClean="0">
-                <a:solidFill>
-                  <a:schemeClr val="tx1">
-                    <a:lumMod val="75000"/>
-                    <a:lumOff val="25000"/>
-                  </a:schemeClr>
-                </a:solidFill>
-                <a:latin typeface="Arial"/>
-                <a:ea typeface="+mn-ea"/>
-                <a:cs typeface="Arial"/>
-              </a:rPr>
-              <a:t>    </a:t>
-            </a:r>
-            <a:r>
-              <a:rPr lang="it-IT" b="1" i="1" dirty="0" smtClean="0">
-                <a:solidFill>
-                  <a:schemeClr val="tx1">
-                    <a:lumMod val="75000"/>
-                    <a:lumOff val="25000"/>
-                  </a:schemeClr>
-                </a:solidFill>
-                <a:latin typeface="Arial"/>
-                <a:ea typeface="+mn-ea"/>
-                <a:cs typeface="Arial"/>
-                <a:hlinkClick r:id="rId5"/>
-              </a:rPr>
-              <a:t>http</a:t>
-            </a:r>
-            <a:r>
-              <a:rPr lang="it-IT" b="1" i="1" dirty="0">
-                <a:solidFill>
-                  <a:schemeClr val="tx1">
-                    <a:lumMod val="75000"/>
-                    <a:lumOff val="25000"/>
-                  </a:schemeClr>
-                </a:solidFill>
-                <a:latin typeface="Arial"/>
-                <a:ea typeface="+mn-ea"/>
-                <a:cs typeface="Arial"/>
-                <a:hlinkClick r:id="rId5"/>
-              </a:rPr>
-              <a:t>://it.linkedin.com/in/valerioriva/</a:t>
-            </a:r>
-            <a:endParaRPr lang="it-IT" b="1" i="1" dirty="0">
-              <a:solidFill>
-                <a:schemeClr val="tx1">
-                  <a:lumMod val="75000"/>
-                  <a:lumOff val="25000"/>
-                </a:schemeClr>
-              </a:solidFill>
-              <a:latin typeface="Arial"/>
-              <a:ea typeface="+mn-ea"/>
-              <a:cs typeface="Arial"/>
-            </a:endParaRPr>
-          </a:p>
-        </p:txBody>
-      </p:sp>
+      </p:pic>
       <p:pic>
         <p:nvPicPr>
           <p:cNvPr id="5" name="Immagine 4"/>
+          <p:cNvPicPr>
+            <a:picLocks noChangeAspect="1"/>
+          </p:cNvPicPr>
+          <p:nvPr/>
+        </p:nvPicPr>
+        <p:blipFill>
+          <a:blip r:embed="rId3">
+            <a:extLst>
+              <a:ext uri="{28A0092B-C50C-407E-A947-70E740481C1C}">
+                <a14:useLocalDpi xmlns:a14="http://schemas.microsoft.com/office/drawing/2010/main" val="0"/>
+              </a:ext>
+            </a:extLst>
+          </a:blip>
+          <a:stretch>
+            <a:fillRect/>
+          </a:stretch>
+        </p:blipFill>
+        <p:spPr>
+          <a:xfrm>
+            <a:off x="3696494" y="2204864"/>
+            <a:ext cx="1296144" cy="1296144"/>
+          </a:xfrm>
+          <a:prstGeom prst="rect">
+            <a:avLst/>
+          </a:prstGeom>
+        </p:spPr>
+      </p:pic>
+      <p:pic>
+        <p:nvPicPr>
+          <p:cNvPr id="7" name="Immagine 6"/>
+          <p:cNvPicPr>
+            <a:picLocks noChangeAspect="1"/>
+          </p:cNvPicPr>
+          <p:nvPr/>
+        </p:nvPicPr>
+        <p:blipFill>
+          <a:blip r:embed="rId4">
+            <a:extLst>
+              <a:ext uri="{28A0092B-C50C-407E-A947-70E740481C1C}">
+                <a14:useLocalDpi xmlns:a14="http://schemas.microsoft.com/office/drawing/2010/main" val="0"/>
+              </a:ext>
+            </a:extLst>
+          </a:blip>
+          <a:stretch>
+            <a:fillRect/>
+          </a:stretch>
+        </p:blipFill>
+        <p:spPr>
+          <a:xfrm>
+            <a:off x="1199220" y="4408602"/>
+            <a:ext cx="3289176" cy="849108"/>
+          </a:xfrm>
+          <a:prstGeom prst="rect">
+            <a:avLst/>
+          </a:prstGeom>
+        </p:spPr>
+      </p:pic>
+      <p:pic>
+        <p:nvPicPr>
+          <p:cNvPr id="8" name="Immagine 7"/>
+          <p:cNvPicPr>
+            <a:picLocks noChangeAspect="1"/>
+          </p:cNvPicPr>
+          <p:nvPr/>
+        </p:nvPicPr>
+        <p:blipFill>
+          <a:blip r:embed="rId5">
+            <a:extLst>
+              <a:ext uri="{28A0092B-C50C-407E-A947-70E740481C1C}">
+                <a14:useLocalDpi xmlns:a14="http://schemas.microsoft.com/office/drawing/2010/main" val="0"/>
+              </a:ext>
+            </a:extLst>
+          </a:blip>
+          <a:stretch>
+            <a:fillRect/>
+          </a:stretch>
+        </p:blipFill>
+        <p:spPr>
+          <a:xfrm>
+            <a:off x="5058966" y="3952400"/>
+            <a:ext cx="3260093" cy="1305310"/>
+          </a:xfrm>
+          <a:prstGeom prst="rect">
+            <a:avLst/>
+          </a:prstGeom>
+        </p:spPr>
+      </p:pic>
+      <p:pic>
+        <p:nvPicPr>
+          <p:cNvPr id="9" name="Immagine 8"/>
           <p:cNvPicPr>
             <a:picLocks noChangeAspect="1"/>
           </p:cNvPicPr>
@@ -2888,8 +2801,8 @@
         </p:blipFill>
         <p:spPr>
           <a:xfrm>
-            <a:off x="2648922" y="4923418"/>
-            <a:ext cx="643136" cy="643136"/>
+            <a:off x="3275856" y="5416644"/>
+            <a:ext cx="3116271" cy="1223006"/>
           </a:xfrm>
           <a:prstGeom prst="rect">
             <a:avLst/>
@@ -2898,7 +2811,7 @@
       </p:pic>
       <p:pic>
         <p:nvPicPr>
-          <p:cNvPr id="6" name="Immagine 5"/>
+          <p:cNvPr id="10" name="Immagine 9"/>
           <p:cNvPicPr>
             <a:picLocks noChangeAspect="1"/>
           </p:cNvPicPr>
@@ -2918,38 +2831,8 @@
         </p:blipFill>
         <p:spPr>
           <a:xfrm>
-            <a:off x="2680880" y="5571490"/>
-            <a:ext cx="556266" cy="557193"/>
-          </a:xfrm>
-          <a:prstGeom prst="rect">
-            <a:avLst/>
-          </a:prstGeom>
-        </p:spPr>
-      </p:pic>
-      <p:pic>
-        <p:nvPicPr>
-          <p:cNvPr id="7" name="Immagine 6"/>
-          <p:cNvPicPr>
-            <a:picLocks noChangeAspect="1"/>
-          </p:cNvPicPr>
-          <p:nvPr/>
-        </p:nvPicPr>
-        <p:blipFill>
-          <a:blip r:embed="rId8">
-            <a:extLst>
-              <a:ext uri="{28A0092B-C50C-407E-A947-70E740481C1C}">
-                <a14:useLocalDpi xmlns:a14="http://schemas.microsoft.com/office/drawing/2010/main" val="0"/>
-              </a:ext>
-            </a:extLst>
-          </a:blip>
-          <a:stretch>
-            <a:fillRect/>
-          </a:stretch>
-        </p:blipFill>
-        <p:spPr>
-          <a:xfrm>
-            <a:off x="2611880" y="4380792"/>
-            <a:ext cx="686642" cy="686642"/>
+            <a:off x="5845324" y="2051456"/>
+            <a:ext cx="2024547" cy="1473605"/>
           </a:xfrm>
           <a:prstGeom prst="rect">
             <a:avLst/>
@@ -2959,13 +2842,20 @@
     </p:spTree>
     <p:extLst>
       <p:ext uri="{BB962C8B-B14F-4D97-AF65-F5344CB8AC3E}">
-        <p14:creationId xmlns:p14="http://schemas.microsoft.com/office/powerpoint/2010/main" val="3897781689"/>
+        <p14:creationId xmlns:p14="http://schemas.microsoft.com/office/powerpoint/2010/main" val="301689125"/>
       </p:ext>
     </p:extLst>
   </p:cSld>
   <p:clrMapOvr>
     <a:masterClrMapping/>
   </p:clrMapOvr>
+  <p:timing>
+    <p:tnLst>
+      <p:par>
+        <p:cTn id="1" dur="indefinite" restart="never" nodeType="tmRoot"/>
+      </p:par>
+    </p:tnLst>
+  </p:timing>
 </p:sld>
 </file>
 
@@ -2988,233 +2878,1222 @@
       </p:grpSpPr>
       <p:sp>
         <p:nvSpPr>
-          <p:cNvPr id="7170" name="Rettangolo 2"/>
+          <p:cNvPr id="2" name="Titolo 1"/>
           <p:cNvSpPr>
-            <a:spLocks noChangeArrowheads="1"/>
+            <a:spLocks noGrp="1"/>
           </p:cNvSpPr>
+          <p:nvPr>
+            <p:ph type="title"/>
+          </p:nvPr>
+        </p:nvSpPr>
+        <p:spPr/>
+        <p:txBody>
+          <a:bodyPr/>
+          <a:lstStyle/>
+          <a:p>
+            <a:r>
+              <a:rPr lang="it-IT" dirty="0" err="1" smtClean="0"/>
+              <a:t>Socket</a:t>
+            </a:r>
+            <a:r>
+              <a:rPr lang="it-IT" dirty="0" smtClean="0"/>
+              <a:t> </a:t>
+            </a:r>
+            <a:r>
+              <a:rPr lang="it-IT" dirty="0" err="1" smtClean="0"/>
+              <a:t>instead</a:t>
+            </a:r>
+            <a:r>
+              <a:rPr lang="it-IT" dirty="0" smtClean="0"/>
+              <a:t> of </a:t>
+            </a:r>
+            <a:r>
+              <a:rPr lang="it-IT" dirty="0" err="1" smtClean="0"/>
+              <a:t>WebAPI</a:t>
+            </a:r>
+            <a:endParaRPr lang="it-IT" dirty="0"/>
+          </a:p>
+        </p:txBody>
+      </p:sp>
+      <p:sp>
+        <p:nvSpPr>
+          <p:cNvPr id="3" name="Segnaposto contenuto 2"/>
+          <p:cNvSpPr>
+            <a:spLocks noGrp="1"/>
+          </p:cNvSpPr>
+          <p:nvPr>
+            <p:ph sz="quarter" idx="10"/>
+          </p:nvPr>
+        </p:nvSpPr>
+        <p:spPr/>
+        <p:txBody>
+          <a:bodyPr/>
+          <a:lstStyle/>
+          <a:p>
+            <a:pPr>
+              <a:buBlip>
+                <a:blip r:embed="rId2"/>
+              </a:buBlip>
+            </a:pPr>
+            <a:r>
+              <a:rPr lang="it-IT" dirty="0" smtClean="0"/>
+              <a:t>Full-duplex </a:t>
+            </a:r>
+            <a:r>
+              <a:rPr lang="it-IT" dirty="0" err="1" smtClean="0"/>
+              <a:t>communication</a:t>
+            </a:r>
+            <a:endParaRPr lang="it-IT" dirty="0" smtClean="0"/>
+          </a:p>
+          <a:p>
+            <a:pPr>
+              <a:buBlip>
+                <a:blip r:embed="rId2"/>
+              </a:buBlip>
+            </a:pPr>
+            <a:r>
+              <a:rPr lang="it-IT" dirty="0" smtClean="0"/>
+              <a:t>Real time!</a:t>
+            </a:r>
+          </a:p>
+          <a:p>
+            <a:pPr>
+              <a:buBlip>
+                <a:blip r:embed="rId2"/>
+              </a:buBlip>
+            </a:pPr>
+            <a:r>
+              <a:rPr lang="it-IT" dirty="0" smtClean="0"/>
+              <a:t>Can use of UDP </a:t>
+            </a:r>
+            <a:r>
+              <a:rPr lang="it-IT" dirty="0" err="1" smtClean="0"/>
+              <a:t>protocol</a:t>
+            </a:r>
+            <a:endParaRPr lang="it-IT" dirty="0" smtClean="0"/>
+          </a:p>
+          <a:p>
+            <a:pPr>
+              <a:buBlip>
+                <a:blip r:embed="rId3"/>
+              </a:buBlip>
+            </a:pPr>
+            <a:r>
+              <a:rPr lang="it-IT" dirty="0" smtClean="0"/>
+              <a:t>A </a:t>
+            </a:r>
+            <a:r>
+              <a:rPr lang="it-IT" dirty="0" err="1" smtClean="0"/>
+              <a:t>stream</a:t>
+            </a:r>
+            <a:r>
+              <a:rPr lang="it-IT" dirty="0" smtClean="0"/>
+              <a:t> of byte</a:t>
+            </a:r>
+          </a:p>
+          <a:p>
+            <a:pPr>
+              <a:buBlip>
+                <a:blip r:embed="rId3"/>
+              </a:buBlip>
+            </a:pPr>
+            <a:r>
+              <a:rPr lang="it-IT" dirty="0" err="1" smtClean="0"/>
+              <a:t>Permanent</a:t>
+            </a:r>
+            <a:r>
+              <a:rPr lang="it-IT" dirty="0" smtClean="0"/>
+              <a:t> connection </a:t>
+            </a:r>
+            <a:r>
+              <a:rPr lang="it-IT" dirty="0" err="1" smtClean="0"/>
+              <a:t>required</a:t>
+            </a:r>
+            <a:endParaRPr lang="it-IT" dirty="0" smtClean="0"/>
+          </a:p>
+          <a:p>
+            <a:pPr>
+              <a:buBlip>
+                <a:blip r:embed="rId3"/>
+              </a:buBlip>
+            </a:pPr>
+            <a:r>
+              <a:rPr lang="it-IT" dirty="0" smtClean="0"/>
+              <a:t>Firewall :\</a:t>
+            </a:r>
+          </a:p>
+        </p:txBody>
+      </p:sp>
+    </p:spTree>
+    <p:extLst>
+      <p:ext uri="{BB962C8B-B14F-4D97-AF65-F5344CB8AC3E}">
+        <p14:creationId xmlns:p14="http://schemas.microsoft.com/office/powerpoint/2010/main" val="935806206"/>
+      </p:ext>
+    </p:extLst>
+  </p:cSld>
+  <p:clrMapOvr>
+    <a:masterClrMapping/>
+  </p:clrMapOvr>
+  <p:timing>
+    <p:tnLst>
+      <p:par>
+        <p:cTn id="1" dur="indefinite" restart="never" nodeType="tmRoot"/>
+      </p:par>
+    </p:tnLst>
+  </p:timing>
+</p:sld>
+</file>
+
+<file path=ppt/slides/slide15.xml><?xml version="1.0" encoding="utf-8"?>
+<p:sld xmlns:a="http://schemas.openxmlformats.org/drawingml/2006/main" xmlns:r="http://schemas.openxmlformats.org/officeDocument/2006/relationships" xmlns:p="http://schemas.openxmlformats.org/presentationml/2006/main">
+  <p:cSld>
+    <p:spTree>
+      <p:nvGrpSpPr>
+        <p:cNvPr id="1" name=""/>
+        <p:cNvGrpSpPr/>
+        <p:nvPr/>
+      </p:nvGrpSpPr>
+      <p:grpSpPr>
+        <a:xfrm>
+          <a:off x="0" y="0"/>
+          <a:ext cx="0" cy="0"/>
+          <a:chOff x="0" y="0"/>
+          <a:chExt cx="0" cy="0"/>
+        </a:xfrm>
+      </p:grpSpPr>
+      <p:sp>
+        <p:nvSpPr>
+          <p:cNvPr id="2" name="Titolo 1"/>
+          <p:cNvSpPr>
+            <a:spLocks noGrp="1"/>
+          </p:cNvSpPr>
+          <p:nvPr>
+            <p:ph type="title"/>
+          </p:nvPr>
+        </p:nvSpPr>
+        <p:spPr/>
+        <p:txBody>
+          <a:bodyPr/>
+          <a:lstStyle/>
+          <a:p>
+            <a:r>
+              <a:rPr lang="it-IT" dirty="0" err="1" smtClean="0"/>
+              <a:t>WebSocket</a:t>
+            </a:r>
+            <a:endParaRPr lang="it-IT" dirty="0"/>
+          </a:p>
+        </p:txBody>
+      </p:sp>
+      <p:sp>
+        <p:nvSpPr>
+          <p:cNvPr id="3" name="Segnaposto contenuto 2"/>
+          <p:cNvSpPr>
+            <a:spLocks noGrp="1"/>
+          </p:cNvSpPr>
+          <p:nvPr>
+            <p:ph sz="quarter" idx="10"/>
+          </p:nvPr>
+        </p:nvSpPr>
+        <p:spPr/>
+        <p:txBody>
+          <a:bodyPr/>
+          <a:lstStyle/>
+          <a:p>
+            <a:r>
+              <a:rPr lang="it-IT" dirty="0"/>
+              <a:t>Full-duplex </a:t>
+            </a:r>
+            <a:r>
+              <a:rPr lang="it-IT" dirty="0" err="1" smtClean="0"/>
+              <a:t>channel</a:t>
+            </a:r>
+            <a:r>
+              <a:rPr lang="it-IT" dirty="0" smtClean="0"/>
+              <a:t> </a:t>
+            </a:r>
+            <a:r>
+              <a:rPr lang="it-IT" dirty="0"/>
+              <a:t>over a single TCP connection</a:t>
+            </a:r>
+          </a:p>
+          <a:p>
+            <a:r>
+              <a:rPr lang="it-IT" dirty="0"/>
+              <a:t>Works </a:t>
+            </a:r>
+            <a:r>
+              <a:rPr lang="it-IT" dirty="0" err="1"/>
+              <a:t>as</a:t>
+            </a:r>
+            <a:r>
+              <a:rPr lang="it-IT" dirty="0"/>
+              <a:t> an upgrade of standard HTTP </a:t>
+            </a:r>
+            <a:r>
+              <a:rPr lang="it-IT" dirty="0" smtClean="0"/>
+              <a:t>connection</a:t>
+            </a:r>
+          </a:p>
+          <a:p>
+            <a:r>
+              <a:rPr lang="it-IT" dirty="0" err="1" smtClean="0"/>
+              <a:t>WebSocket</a:t>
+            </a:r>
+            <a:r>
+              <a:rPr lang="it-IT" dirty="0" smtClean="0"/>
+              <a:t> </a:t>
+            </a:r>
+            <a:r>
+              <a:rPr lang="it-IT" dirty="0" err="1" smtClean="0"/>
+              <a:t>instead</a:t>
+            </a:r>
+            <a:r>
+              <a:rPr lang="it-IT" dirty="0" smtClean="0"/>
+              <a:t> of </a:t>
+            </a:r>
+            <a:r>
+              <a:rPr lang="it-IT" dirty="0" err="1" smtClean="0"/>
+              <a:t>Socket</a:t>
+            </a:r>
+            <a:endParaRPr lang="it-IT" dirty="0"/>
+          </a:p>
+          <a:p>
+            <a:pPr lvl="1">
+              <a:buBlip>
+                <a:blip r:embed="rId2"/>
+              </a:buBlip>
+            </a:pPr>
+            <a:r>
+              <a:rPr lang="it-IT" dirty="0"/>
+              <a:t>Full-duplex</a:t>
+            </a:r>
+            <a:r>
+              <a:rPr lang="it-IT" dirty="0" smtClean="0"/>
+              <a:t> </a:t>
+            </a:r>
+            <a:r>
+              <a:rPr lang="it-IT" dirty="0" err="1"/>
+              <a:t>communication</a:t>
+            </a:r>
+            <a:endParaRPr lang="it-IT" dirty="0"/>
+          </a:p>
+          <a:p>
+            <a:pPr lvl="1">
+              <a:buBlip>
+                <a:blip r:embed="rId2"/>
+              </a:buBlip>
+            </a:pPr>
+            <a:r>
+              <a:rPr lang="it-IT" dirty="0"/>
+              <a:t>Real time!</a:t>
+            </a:r>
+          </a:p>
+          <a:p>
+            <a:pPr lvl="1">
+              <a:buBlip>
+                <a:blip r:embed="rId2"/>
+              </a:buBlip>
+            </a:pPr>
+            <a:r>
+              <a:rPr lang="it-IT" strike="sngStrike" dirty="0"/>
+              <a:t>Can use of UDP </a:t>
+            </a:r>
+            <a:r>
+              <a:rPr lang="it-IT" strike="sngStrike" dirty="0" err="1"/>
+              <a:t>protocol</a:t>
+            </a:r>
+            <a:endParaRPr lang="it-IT" strike="sngStrike" dirty="0"/>
+          </a:p>
+          <a:p>
+            <a:pPr lvl="1">
+              <a:buBlip>
+                <a:blip r:embed="rId3"/>
+              </a:buBlip>
+            </a:pPr>
+            <a:r>
+              <a:rPr lang="it-IT" dirty="0"/>
+              <a:t>A </a:t>
+            </a:r>
+            <a:r>
+              <a:rPr lang="it-IT" dirty="0" err="1"/>
+              <a:t>stream</a:t>
+            </a:r>
+            <a:r>
+              <a:rPr lang="it-IT" dirty="0"/>
+              <a:t> of byte</a:t>
+            </a:r>
+          </a:p>
+          <a:p>
+            <a:pPr lvl="1">
+              <a:buBlip>
+                <a:blip r:embed="rId3"/>
+              </a:buBlip>
+            </a:pPr>
+            <a:r>
+              <a:rPr lang="it-IT" dirty="0" err="1"/>
+              <a:t>Permanent</a:t>
+            </a:r>
+            <a:r>
+              <a:rPr lang="it-IT" dirty="0"/>
+              <a:t> connection </a:t>
+            </a:r>
+            <a:r>
+              <a:rPr lang="it-IT" dirty="0" err="1"/>
+              <a:t>required</a:t>
+            </a:r>
+            <a:endParaRPr lang="it-IT" dirty="0"/>
+          </a:p>
+          <a:p>
+            <a:pPr lvl="1">
+              <a:buBlip>
+                <a:blip r:embed="rId3"/>
+              </a:buBlip>
+            </a:pPr>
+            <a:r>
+              <a:rPr lang="it-IT" strike="sngStrike" dirty="0"/>
+              <a:t>Firewall :\</a:t>
+            </a:r>
+          </a:p>
+        </p:txBody>
+      </p:sp>
+    </p:spTree>
+    <p:extLst>
+      <p:ext uri="{BB962C8B-B14F-4D97-AF65-F5344CB8AC3E}">
+        <p14:creationId xmlns:p14="http://schemas.microsoft.com/office/powerpoint/2010/main" val="38529880"/>
+      </p:ext>
+    </p:extLst>
+  </p:cSld>
+  <p:clrMapOvr>
+    <a:masterClrMapping/>
+  </p:clrMapOvr>
+  <p:timing>
+    <p:tnLst>
+      <p:par>
+        <p:cTn id="1" dur="indefinite" restart="never" nodeType="tmRoot"/>
+      </p:par>
+    </p:tnLst>
+  </p:timing>
+</p:sld>
+</file>
+
+<file path=ppt/slides/slide16.xml><?xml version="1.0" encoding="utf-8"?>
+<p:sld xmlns:a="http://schemas.openxmlformats.org/drawingml/2006/main" xmlns:r="http://schemas.openxmlformats.org/officeDocument/2006/relationships" xmlns:p="http://schemas.openxmlformats.org/presentationml/2006/main">
+  <p:cSld>
+    <p:spTree>
+      <p:nvGrpSpPr>
+        <p:cNvPr id="1" name=""/>
+        <p:cNvGrpSpPr/>
+        <p:nvPr/>
+      </p:nvGrpSpPr>
+      <p:grpSpPr>
+        <a:xfrm>
+          <a:off x="0" y="0"/>
+          <a:ext cx="0" cy="0"/>
+          <a:chOff x="0" y="0"/>
+          <a:chExt cx="0" cy="0"/>
+        </a:xfrm>
+      </p:grpSpPr>
+      <p:sp>
+        <p:nvSpPr>
+          <p:cNvPr id="2" name="Titolo 1"/>
+          <p:cNvSpPr>
+            <a:spLocks noGrp="1"/>
+          </p:cNvSpPr>
+          <p:nvPr>
+            <p:ph type="title"/>
+          </p:nvPr>
+        </p:nvSpPr>
+        <p:spPr/>
+        <p:txBody>
+          <a:bodyPr/>
+          <a:lstStyle/>
+          <a:p>
+            <a:r>
+              <a:rPr lang="en-US" dirty="0" smtClean="0"/>
+              <a:t>Socket.io</a:t>
+            </a:r>
+            <a:endParaRPr lang="it-IT" dirty="0"/>
+          </a:p>
+        </p:txBody>
+      </p:sp>
+      <p:sp>
+        <p:nvSpPr>
+          <p:cNvPr id="3" name="Segnaposto contenuto 2"/>
+          <p:cNvSpPr>
+            <a:spLocks noGrp="1"/>
+          </p:cNvSpPr>
+          <p:nvPr>
+            <p:ph sz="quarter" idx="10"/>
+          </p:nvPr>
+        </p:nvSpPr>
+        <p:spPr/>
+        <p:txBody>
+          <a:bodyPr/>
+          <a:lstStyle/>
+          <a:p>
+            <a:r>
+              <a:rPr lang="it-IT" dirty="0" smtClean="0"/>
+              <a:t>A </a:t>
+            </a:r>
+            <a:r>
+              <a:rPr lang="it-IT" dirty="0" err="1" smtClean="0"/>
+              <a:t>Javascript</a:t>
+            </a:r>
+            <a:r>
+              <a:rPr lang="it-IT" dirty="0" smtClean="0"/>
+              <a:t> </a:t>
+            </a:r>
+            <a:r>
+              <a:rPr lang="it-IT" dirty="0" err="1" smtClean="0"/>
+              <a:t>library</a:t>
+            </a:r>
+            <a:r>
+              <a:rPr lang="it-IT" dirty="0" smtClean="0"/>
+              <a:t> </a:t>
+            </a:r>
+            <a:r>
+              <a:rPr lang="it-IT" dirty="0" err="1" smtClean="0"/>
+              <a:t>that</a:t>
+            </a:r>
+            <a:r>
+              <a:rPr lang="it-IT" dirty="0" smtClean="0"/>
+              <a:t> </a:t>
+            </a:r>
+            <a:r>
+              <a:rPr lang="it-IT" dirty="0" err="1" smtClean="0"/>
+              <a:t>enhances</a:t>
+            </a:r>
+            <a:r>
+              <a:rPr lang="it-IT" dirty="0" smtClean="0"/>
+              <a:t> </a:t>
+            </a:r>
+            <a:r>
+              <a:rPr lang="it-IT" dirty="0" err="1" smtClean="0"/>
+              <a:t>WebSocket</a:t>
+            </a:r>
+            <a:endParaRPr lang="it-IT" dirty="0" smtClean="0"/>
+          </a:p>
+          <a:p>
+            <a:r>
+              <a:rPr lang="it-IT" dirty="0" smtClean="0"/>
+              <a:t>Easy to use</a:t>
+            </a:r>
+          </a:p>
+          <a:p>
+            <a:r>
+              <a:rPr lang="it-IT" dirty="0" err="1" smtClean="0"/>
+              <a:t>Event-driven</a:t>
+            </a:r>
+            <a:endParaRPr lang="it-IT" dirty="0" smtClean="0"/>
+          </a:p>
+          <a:p>
+            <a:r>
+              <a:rPr lang="it-IT" dirty="0" smtClean="0"/>
+              <a:t>Falls back to </a:t>
+            </a:r>
+            <a:r>
+              <a:rPr lang="it-IT" dirty="0" err="1" smtClean="0"/>
+              <a:t>other</a:t>
+            </a:r>
+            <a:r>
+              <a:rPr lang="it-IT" dirty="0"/>
+              <a:t> </a:t>
+            </a:r>
+            <a:r>
+              <a:rPr lang="it-IT" dirty="0" err="1"/>
+              <a:t>technologies</a:t>
+            </a:r>
+            <a:r>
+              <a:rPr lang="it-IT" dirty="0"/>
+              <a:t> </a:t>
+            </a:r>
+            <a:r>
+              <a:rPr lang="it-IT" dirty="0" err="1"/>
+              <a:t>if</a:t>
+            </a:r>
+            <a:r>
+              <a:rPr lang="it-IT" dirty="0"/>
+              <a:t> </a:t>
+            </a:r>
+            <a:r>
+              <a:rPr lang="it-IT" dirty="0" err="1" smtClean="0"/>
+              <a:t>WebSocket</a:t>
+            </a:r>
+            <a:r>
+              <a:rPr lang="it-IT" dirty="0" smtClean="0"/>
+              <a:t> </a:t>
+            </a:r>
+            <a:r>
+              <a:rPr lang="it-IT" dirty="0" err="1" smtClean="0"/>
+              <a:t>is</a:t>
+            </a:r>
+            <a:r>
+              <a:rPr lang="it-IT" dirty="0" smtClean="0"/>
+              <a:t> </a:t>
+            </a:r>
+            <a:r>
+              <a:rPr lang="it-IT" dirty="0" err="1" smtClean="0"/>
+              <a:t>not</a:t>
+            </a:r>
+            <a:r>
+              <a:rPr lang="it-IT" dirty="0" smtClean="0"/>
+              <a:t> </a:t>
+            </a:r>
+            <a:r>
+              <a:rPr lang="it-IT" dirty="0" err="1" smtClean="0"/>
+              <a:t>available</a:t>
+            </a:r>
+            <a:endParaRPr lang="it-IT" dirty="0" smtClean="0"/>
+          </a:p>
+          <a:p>
+            <a:r>
+              <a:rPr lang="it-IT" dirty="0" err="1" smtClean="0"/>
+              <a:t>Adds</a:t>
+            </a:r>
+            <a:r>
+              <a:rPr lang="it-IT" dirty="0" smtClean="0"/>
+              <a:t> </a:t>
+            </a:r>
+            <a:r>
+              <a:rPr lang="it-IT" dirty="0" err="1" smtClean="0"/>
+              <a:t>broadcasting</a:t>
+            </a:r>
+            <a:endParaRPr lang="it-IT" dirty="0" smtClean="0"/>
+          </a:p>
+          <a:p>
+            <a:r>
+              <a:rPr lang="it-IT" dirty="0" err="1" smtClean="0"/>
+              <a:t>Adds</a:t>
+            </a:r>
+            <a:r>
+              <a:rPr lang="it-IT" dirty="0" smtClean="0"/>
+              <a:t> </a:t>
+            </a:r>
+            <a:r>
+              <a:rPr lang="it-IT" dirty="0" err="1"/>
+              <a:t>s</a:t>
+            </a:r>
+            <a:r>
+              <a:rPr lang="it-IT" dirty="0" err="1" smtClean="0"/>
+              <a:t>upport</a:t>
+            </a:r>
+            <a:r>
+              <a:rPr lang="it-IT" dirty="0" smtClean="0"/>
+              <a:t> </a:t>
+            </a:r>
+            <a:r>
+              <a:rPr lang="it-IT" dirty="0"/>
+              <a:t>for "</a:t>
+            </a:r>
+            <a:r>
+              <a:rPr lang="it-IT" dirty="0" err="1"/>
+              <a:t>namespace</a:t>
+            </a:r>
+            <a:r>
+              <a:rPr lang="it-IT" dirty="0"/>
+              <a:t>"</a:t>
+            </a:r>
+            <a:endParaRPr lang="it-IT" dirty="0" smtClean="0"/>
+          </a:p>
+          <a:p>
+            <a:r>
+              <a:rPr lang="it-IT" dirty="0" err="1" smtClean="0"/>
+              <a:t>Adds</a:t>
+            </a:r>
+            <a:r>
+              <a:rPr lang="it-IT" dirty="0" smtClean="0"/>
+              <a:t> </a:t>
+            </a:r>
+            <a:r>
+              <a:rPr lang="it-IT" dirty="0" err="1" smtClean="0"/>
+              <a:t>support</a:t>
+            </a:r>
+            <a:r>
+              <a:rPr lang="it-IT" dirty="0"/>
+              <a:t> </a:t>
+            </a:r>
+            <a:r>
+              <a:rPr lang="it-IT" dirty="0" smtClean="0"/>
+              <a:t>for rooms</a:t>
+            </a:r>
+          </a:p>
+        </p:txBody>
+      </p:sp>
+      <p:pic>
+        <p:nvPicPr>
+          <p:cNvPr id="5" name="Immagine 4"/>
+          <p:cNvPicPr>
+            <a:picLocks noChangeAspect="1"/>
+          </p:cNvPicPr>
           <p:nvPr/>
-        </p:nvSpPr>
-        <p:spPr bwMode="auto">
+        </p:nvPicPr>
+        <p:blipFill>
+          <a:blip r:embed="rId2">
+            <a:extLst>
+              <a:ext uri="{28A0092B-C50C-407E-A947-70E740481C1C}">
+                <a14:useLocalDpi xmlns:a14="http://schemas.microsoft.com/office/drawing/2010/main" val="0"/>
+              </a:ext>
+            </a:extLst>
+          </a:blip>
+          <a:stretch>
+            <a:fillRect/>
+          </a:stretch>
+        </p:blipFill>
+        <p:spPr>
           <a:xfrm>
-            <a:off x="1676400" y="2459038"/>
-            <a:ext cx="5943600" cy="831850"/>
+            <a:off x="5724128" y="5380335"/>
+            <a:ext cx="2791222" cy="828563"/>
           </a:xfrm>
           <a:prstGeom prst="rect">
             <a:avLst/>
           </a:prstGeom>
-          <a:noFill/>
-          <a:ln>
-            <a:noFill/>
-          </a:ln>
-          <a:extLst>
-            <a:ext uri="{909E8E84-426E-40DD-AFC4-6F175D3DCCD1}">
-              <a14:hiddenFill xmlns:a14="http://schemas.microsoft.com/office/drawing/2010/main">
-                <a:solidFill>
-                  <a:srgbClr val="FFFFFF"/>
-                </a:solidFill>
-              </a14:hiddenFill>
-            </a:ext>
-            <a:ext uri="{91240B29-F687-4F45-9708-019B960494DF}">
-              <a14:hiddenLine xmlns:a14="http://schemas.microsoft.com/office/drawing/2010/main" w="9525">
-                <a:solidFill>
-                  <a:srgbClr val="000000"/>
-                </a:solidFill>
-                <a:miter lim="800000"/>
-                <a:headEnd/>
-                <a:tailEnd/>
-              </a14:hiddenLine>
-            </a:ext>
-          </a:extLst>
         </p:spPr>
-        <p:txBody>
-          <a:bodyPr>
-            <a:spAutoFit/>
-          </a:bodyPr>
-          <a:lstStyle>
-            <a:lvl1pPr>
-              <a:defRPr>
-                <a:solidFill>
-                  <a:schemeClr val="tx1"/>
-                </a:solidFill>
-                <a:latin typeface="Arial" panose="020B0604020202020204" pitchFamily="34" charset="0"/>
-                <a:ea typeface="ヒラギノ角ゴ Pro W3" charset="-128"/>
-              </a:defRPr>
-            </a:lvl1pPr>
-            <a:lvl2pPr marL="37931725" indent="-37474525">
-              <a:defRPr>
-                <a:solidFill>
-                  <a:schemeClr val="tx1"/>
-                </a:solidFill>
-                <a:latin typeface="Arial" panose="020B0604020202020204" pitchFamily="34" charset="0"/>
-                <a:ea typeface="ヒラギノ角ゴ Pro W3" charset="-128"/>
-              </a:defRPr>
-            </a:lvl2pPr>
-            <a:lvl3pPr marL="1143000" indent="-228600">
-              <a:defRPr>
-                <a:solidFill>
-                  <a:schemeClr val="tx1"/>
-                </a:solidFill>
-                <a:latin typeface="Arial" panose="020B0604020202020204" pitchFamily="34" charset="0"/>
-                <a:ea typeface="ヒラギノ角ゴ Pro W3" charset="-128"/>
-              </a:defRPr>
-            </a:lvl3pPr>
-            <a:lvl4pPr marL="1600200" indent="-228600">
-              <a:defRPr>
-                <a:solidFill>
-                  <a:schemeClr val="tx1"/>
-                </a:solidFill>
-                <a:latin typeface="Arial" panose="020B0604020202020204" pitchFamily="34" charset="0"/>
-                <a:ea typeface="ヒラギノ角ゴ Pro W3" charset="-128"/>
-              </a:defRPr>
-            </a:lvl4pPr>
-            <a:lvl5pPr marL="2057400" indent="-228600">
-              <a:defRPr>
-                <a:solidFill>
-                  <a:schemeClr val="tx1"/>
-                </a:solidFill>
-                <a:latin typeface="Arial" panose="020B0604020202020204" pitchFamily="34" charset="0"/>
-                <a:ea typeface="ヒラギノ角ゴ Pro W3" charset="-128"/>
-              </a:defRPr>
-            </a:lvl5pPr>
-            <a:lvl6pPr marL="2514600" indent="-228600" defTabSz="457200" eaLnBrk="0" fontAlgn="base" hangingPunct="0">
-              <a:spcBef>
-                <a:spcPct val="0"/>
-              </a:spcBef>
-              <a:spcAft>
-                <a:spcPct val="0"/>
-              </a:spcAft>
-              <a:defRPr>
-                <a:solidFill>
-                  <a:schemeClr val="tx1"/>
-                </a:solidFill>
-                <a:latin typeface="Arial" panose="020B0604020202020204" pitchFamily="34" charset="0"/>
-                <a:ea typeface="ヒラギノ角ゴ Pro W3" charset="-128"/>
-              </a:defRPr>
-            </a:lvl6pPr>
-            <a:lvl7pPr marL="2971800" indent="-228600" defTabSz="457200" eaLnBrk="0" fontAlgn="base" hangingPunct="0">
-              <a:spcBef>
-                <a:spcPct val="0"/>
-              </a:spcBef>
-              <a:spcAft>
-                <a:spcPct val="0"/>
-              </a:spcAft>
-              <a:defRPr>
-                <a:solidFill>
-                  <a:schemeClr val="tx1"/>
-                </a:solidFill>
-                <a:latin typeface="Arial" panose="020B0604020202020204" pitchFamily="34" charset="0"/>
-                <a:ea typeface="ヒラギノ角ゴ Pro W3" charset="-128"/>
-              </a:defRPr>
-            </a:lvl7pPr>
-            <a:lvl8pPr marL="3429000" indent="-228600" defTabSz="457200" eaLnBrk="0" fontAlgn="base" hangingPunct="0">
-              <a:spcBef>
-                <a:spcPct val="0"/>
-              </a:spcBef>
-              <a:spcAft>
-                <a:spcPct val="0"/>
-              </a:spcAft>
-              <a:defRPr>
-                <a:solidFill>
-                  <a:schemeClr val="tx1"/>
-                </a:solidFill>
-                <a:latin typeface="Arial" panose="020B0604020202020204" pitchFamily="34" charset="0"/>
-                <a:ea typeface="ヒラギノ角ゴ Pro W3" charset="-128"/>
-              </a:defRPr>
-            </a:lvl8pPr>
-            <a:lvl9pPr marL="3886200" indent="-228600" defTabSz="457200" eaLnBrk="0" fontAlgn="base" hangingPunct="0">
-              <a:spcBef>
-                <a:spcPct val="0"/>
-              </a:spcBef>
-              <a:spcAft>
-                <a:spcPct val="0"/>
-              </a:spcAft>
-              <a:defRPr>
-                <a:solidFill>
-                  <a:schemeClr val="tx1"/>
-                </a:solidFill>
-                <a:latin typeface="Arial" panose="020B0604020202020204" pitchFamily="34" charset="0"/>
-                <a:ea typeface="ヒラギノ角ゴ Pro W3" charset="-128"/>
-              </a:defRPr>
-            </a:lvl9pPr>
-          </a:lstStyle>
-          <a:p>
-            <a:pPr eaLnBrk="1" hangingPunct="1"/>
-            <a:r>
-              <a:rPr lang="it-IT" altLang="it-IT" sz="2400" b="1" dirty="0" err="1">
-                <a:solidFill>
-                  <a:srgbClr val="404040"/>
-                </a:solidFill>
-                <a:latin typeface="Arial Italic" charset="0"/>
-              </a:rPr>
-              <a:t>Leave</a:t>
-            </a:r>
-            <a:r>
-              <a:rPr lang="it-IT" altLang="it-IT" sz="2400" b="1" dirty="0">
-                <a:solidFill>
-                  <a:srgbClr val="404040"/>
-                </a:solidFill>
-                <a:latin typeface="Arial Italic" charset="0"/>
-              </a:rPr>
-              <a:t> </a:t>
-            </a:r>
-            <a:r>
-              <a:rPr lang="it-IT" altLang="it-IT" sz="2400" b="1" dirty="0" err="1">
-                <a:solidFill>
-                  <a:srgbClr val="404040"/>
-                </a:solidFill>
-                <a:latin typeface="Arial Italic" charset="0"/>
-              </a:rPr>
-              <a:t>your</a:t>
-            </a:r>
-            <a:r>
-              <a:rPr lang="it-IT" altLang="it-IT" sz="2400" b="1" dirty="0">
-                <a:solidFill>
-                  <a:srgbClr val="404040"/>
-                </a:solidFill>
-                <a:latin typeface="Arial Italic" charset="0"/>
-              </a:rPr>
-              <a:t> feedback on </a:t>
-            </a:r>
-            <a:r>
-              <a:rPr lang="it-IT" altLang="it-IT" sz="2400" b="1" dirty="0" err="1">
-                <a:solidFill>
-                  <a:srgbClr val="404040"/>
-                </a:solidFill>
-                <a:latin typeface="Arial Italic" charset="0"/>
-              </a:rPr>
-              <a:t>Joind.in</a:t>
-            </a:r>
-            <a:r>
-              <a:rPr lang="it-IT" altLang="it-IT" sz="2400" b="1" dirty="0">
-                <a:solidFill>
-                  <a:srgbClr val="404040"/>
-                </a:solidFill>
-                <a:latin typeface="Arial Italic" charset="0"/>
-              </a:rPr>
-              <a:t>!</a:t>
-            </a:r>
-          </a:p>
-          <a:p>
-            <a:pPr eaLnBrk="1" hangingPunct="1"/>
-            <a:r>
-              <a:rPr lang="it-IT" altLang="it-IT" sz="2400" b="1" dirty="0">
-                <a:solidFill>
-                  <a:srgbClr val="262626"/>
-                </a:solidFill>
-                <a:latin typeface="Arial Italic" charset="0"/>
-                <a:hlinkClick r:id="rId2"/>
-              </a:rPr>
-              <a:t>https://joind.in/event/view/3347</a:t>
-            </a:r>
-            <a:endParaRPr lang="it-IT" altLang="it-IT" sz="2400" b="1" dirty="0"/>
-          </a:p>
-        </p:txBody>
-      </p:sp>
+      </p:pic>
     </p:spTree>
+    <p:extLst>
+      <p:ext uri="{BB962C8B-B14F-4D97-AF65-F5344CB8AC3E}">
+        <p14:creationId xmlns:p14="http://schemas.microsoft.com/office/powerpoint/2010/main" val="2312867638"/>
+      </p:ext>
+    </p:extLst>
   </p:cSld>
   <p:clrMapOvr>
     <a:masterClrMapping/>
   </p:clrMapOvr>
+  <p:timing>
+    <p:tnLst>
+      <p:par>
+        <p:cTn id="1" dur="indefinite" restart="never" nodeType="tmRoot"/>
+      </p:par>
+    </p:tnLst>
+  </p:timing>
+</p:sld>
+</file>
+
+<file path=ppt/slides/slide17.xml><?xml version="1.0" encoding="utf-8"?>
+<p:sld xmlns:a="http://schemas.openxmlformats.org/drawingml/2006/main" xmlns:r="http://schemas.openxmlformats.org/officeDocument/2006/relationships" xmlns:p="http://schemas.openxmlformats.org/presentationml/2006/main">
+  <p:cSld>
+    <p:spTree>
+      <p:nvGrpSpPr>
+        <p:cNvPr id="1" name=""/>
+        <p:cNvGrpSpPr/>
+        <p:nvPr/>
+      </p:nvGrpSpPr>
+      <p:grpSpPr>
+        <a:xfrm>
+          <a:off x="0" y="0"/>
+          <a:ext cx="0" cy="0"/>
+          <a:chOff x="0" y="0"/>
+          <a:chExt cx="0" cy="0"/>
+        </a:xfrm>
+      </p:grpSpPr>
+      <p:sp>
+        <p:nvSpPr>
+          <p:cNvPr id="2" name="Titolo 1"/>
+          <p:cNvSpPr>
+            <a:spLocks noGrp="1"/>
+          </p:cNvSpPr>
+          <p:nvPr>
+            <p:ph type="title"/>
+          </p:nvPr>
+        </p:nvSpPr>
+        <p:spPr/>
+        <p:txBody>
+          <a:bodyPr/>
+          <a:lstStyle/>
+          <a:p>
+            <a:r>
+              <a:rPr lang="it-IT" dirty="0" err="1"/>
+              <a:t>Socket.io</a:t>
+            </a:r>
+            <a:r>
+              <a:rPr lang="it-IT" dirty="0"/>
+              <a:t> </a:t>
+            </a:r>
+            <a:r>
+              <a:rPr lang="it-IT" dirty="0" err="1"/>
+              <a:t>instead</a:t>
+            </a:r>
+            <a:r>
+              <a:rPr lang="it-IT" dirty="0"/>
+              <a:t> of </a:t>
+            </a:r>
+            <a:r>
+              <a:rPr lang="it-IT" dirty="0" err="1"/>
+              <a:t>WebSocket</a:t>
+            </a:r>
+            <a:endParaRPr lang="it-IT" dirty="0"/>
+          </a:p>
+        </p:txBody>
+      </p:sp>
+      <p:sp>
+        <p:nvSpPr>
+          <p:cNvPr id="3" name="Segnaposto contenuto 2"/>
+          <p:cNvSpPr>
+            <a:spLocks noGrp="1"/>
+          </p:cNvSpPr>
+          <p:nvPr>
+            <p:ph sz="quarter" idx="10"/>
+          </p:nvPr>
+        </p:nvSpPr>
+        <p:spPr/>
+        <p:txBody>
+          <a:bodyPr/>
+          <a:lstStyle/>
+          <a:p>
+            <a:pPr>
+              <a:buBlip>
+                <a:blip r:embed="rId2"/>
+              </a:buBlip>
+            </a:pPr>
+            <a:r>
+              <a:rPr lang="it-IT" dirty="0" smtClean="0"/>
+              <a:t>Full-duplex </a:t>
+            </a:r>
+            <a:r>
+              <a:rPr lang="it-IT" dirty="0" err="1"/>
+              <a:t>communication</a:t>
+            </a:r>
+            <a:endParaRPr lang="it-IT" dirty="0"/>
+          </a:p>
+          <a:p>
+            <a:pPr>
+              <a:buBlip>
+                <a:blip r:embed="rId2"/>
+              </a:buBlip>
+            </a:pPr>
+            <a:r>
+              <a:rPr lang="it-IT" dirty="0"/>
+              <a:t>Real time!</a:t>
+            </a:r>
+          </a:p>
+          <a:p>
+            <a:pPr>
+              <a:buBlip>
+                <a:blip r:embed="rId2"/>
+              </a:buBlip>
+            </a:pPr>
+            <a:r>
+              <a:rPr lang="it-IT" strike="sngStrike" dirty="0"/>
+              <a:t>Can use of UDP </a:t>
+            </a:r>
+            <a:r>
+              <a:rPr lang="it-IT" strike="sngStrike" dirty="0" err="1" smtClean="0"/>
+              <a:t>protocol</a:t>
+            </a:r>
+            <a:endParaRPr lang="it-IT" strike="sngStrike" dirty="0" smtClean="0"/>
+          </a:p>
+          <a:p>
+            <a:pPr>
+              <a:buBlip>
+                <a:blip r:embed="rId2"/>
+              </a:buBlip>
+            </a:pPr>
+            <a:r>
+              <a:rPr lang="it-IT" dirty="0" err="1" smtClean="0"/>
+              <a:t>Events</a:t>
+            </a:r>
+            <a:r>
+              <a:rPr lang="it-IT" dirty="0" smtClean="0"/>
+              <a:t> </a:t>
+            </a:r>
+            <a:r>
+              <a:rPr lang="it-IT" dirty="0" err="1" smtClean="0"/>
+              <a:t>as</a:t>
+            </a:r>
+            <a:r>
+              <a:rPr lang="it-IT" dirty="0" smtClean="0"/>
+              <a:t> "</a:t>
+            </a:r>
+            <a:r>
+              <a:rPr lang="it-IT" dirty="0" err="1" smtClean="0"/>
+              <a:t>message</a:t>
+            </a:r>
+            <a:r>
+              <a:rPr lang="it-IT" dirty="0" smtClean="0"/>
+              <a:t> </a:t>
+            </a:r>
+            <a:r>
+              <a:rPr lang="it-IT" dirty="0" err="1" smtClean="0"/>
+              <a:t>system</a:t>
+            </a:r>
+            <a:r>
+              <a:rPr lang="it-IT" dirty="0"/>
+              <a:t> "</a:t>
+            </a:r>
+            <a:endParaRPr lang="it-IT" dirty="0" smtClean="0"/>
+          </a:p>
+          <a:p>
+            <a:pPr>
+              <a:buBlip>
+                <a:blip r:embed="rId2"/>
+              </a:buBlip>
+            </a:pPr>
+            <a:r>
+              <a:rPr lang="it-IT" dirty="0" smtClean="0"/>
+              <a:t>Rooms!</a:t>
+            </a:r>
+          </a:p>
+          <a:p>
+            <a:pPr>
+              <a:buBlip>
+                <a:blip r:embed="rId3"/>
+              </a:buBlip>
+            </a:pPr>
+            <a:r>
+              <a:rPr lang="it-IT" strike="sngStrike" dirty="0" smtClean="0"/>
+              <a:t>A </a:t>
+            </a:r>
+            <a:r>
+              <a:rPr lang="it-IT" strike="sngStrike" dirty="0" err="1"/>
+              <a:t>stream</a:t>
+            </a:r>
+            <a:r>
+              <a:rPr lang="it-IT" strike="sngStrike" dirty="0"/>
+              <a:t> of byte</a:t>
+            </a:r>
+          </a:p>
+          <a:p>
+            <a:pPr>
+              <a:buBlip>
+                <a:blip r:embed="rId3"/>
+              </a:buBlip>
+            </a:pPr>
+            <a:r>
+              <a:rPr lang="it-IT" dirty="0" err="1"/>
+              <a:t>Permanent</a:t>
+            </a:r>
+            <a:r>
+              <a:rPr lang="it-IT" dirty="0"/>
+              <a:t> connection </a:t>
+            </a:r>
+            <a:r>
+              <a:rPr lang="it-IT" dirty="0" err="1"/>
+              <a:t>required</a:t>
+            </a:r>
+            <a:endParaRPr lang="it-IT" dirty="0"/>
+          </a:p>
+          <a:p>
+            <a:pPr>
+              <a:buBlip>
+                <a:blip r:embed="rId3"/>
+              </a:buBlip>
+            </a:pPr>
+            <a:r>
+              <a:rPr lang="it-IT" strike="sngStrike" dirty="0"/>
+              <a:t>Firewall </a:t>
+            </a:r>
+            <a:r>
+              <a:rPr lang="it-IT" strike="sngStrike" dirty="0" smtClean="0"/>
+              <a:t>:\</a:t>
+            </a:r>
+          </a:p>
+        </p:txBody>
+      </p:sp>
+      <p:pic>
+        <p:nvPicPr>
+          <p:cNvPr id="5" name="Immagine 4"/>
+          <p:cNvPicPr>
+            <a:picLocks noChangeAspect="1"/>
+          </p:cNvPicPr>
+          <p:nvPr/>
+        </p:nvPicPr>
+        <p:blipFill>
+          <a:blip r:embed="rId4">
+            <a:extLst>
+              <a:ext uri="{28A0092B-C50C-407E-A947-70E740481C1C}">
+                <a14:useLocalDpi xmlns:a14="http://schemas.microsoft.com/office/drawing/2010/main" val="0"/>
+              </a:ext>
+            </a:extLst>
+          </a:blip>
+          <a:stretch>
+            <a:fillRect/>
+          </a:stretch>
+        </p:blipFill>
+        <p:spPr>
+          <a:xfrm>
+            <a:off x="3059832" y="5517232"/>
+            <a:ext cx="3216864" cy="954913"/>
+          </a:xfrm>
+          <a:prstGeom prst="rect">
+            <a:avLst/>
+          </a:prstGeom>
+        </p:spPr>
+      </p:pic>
+    </p:spTree>
+    <p:extLst>
+      <p:ext uri="{BB962C8B-B14F-4D97-AF65-F5344CB8AC3E}">
+        <p14:creationId xmlns:p14="http://schemas.microsoft.com/office/powerpoint/2010/main" val="674937935"/>
+      </p:ext>
+    </p:extLst>
+  </p:cSld>
+  <p:clrMapOvr>
+    <a:masterClrMapping/>
+  </p:clrMapOvr>
+  <p:timing>
+    <p:tnLst>
+      <p:par>
+        <p:cTn id="1" dur="indefinite" restart="never" nodeType="tmRoot"/>
+      </p:par>
+    </p:tnLst>
+  </p:timing>
+</p:sld>
+</file>
+
+<file path=ppt/slides/slide18.xml><?xml version="1.0" encoding="utf-8"?>
+<p:sld xmlns:a="http://schemas.openxmlformats.org/drawingml/2006/main" xmlns:r="http://schemas.openxmlformats.org/officeDocument/2006/relationships" xmlns:p="http://schemas.openxmlformats.org/presentationml/2006/main">
+  <p:cSld>
+    <p:spTree>
+      <p:nvGrpSpPr>
+        <p:cNvPr id="1" name=""/>
+        <p:cNvGrpSpPr/>
+        <p:nvPr/>
+      </p:nvGrpSpPr>
+      <p:grpSpPr>
+        <a:xfrm>
+          <a:off x="0" y="0"/>
+          <a:ext cx="0" cy="0"/>
+          <a:chOff x="0" y="0"/>
+          <a:chExt cx="0" cy="0"/>
+        </a:xfrm>
+      </p:grpSpPr>
+      <p:sp>
+        <p:nvSpPr>
+          <p:cNvPr id="2" name="Titolo 1"/>
+          <p:cNvSpPr>
+            <a:spLocks noGrp="1"/>
+          </p:cNvSpPr>
+          <p:nvPr>
+            <p:ph type="title"/>
+          </p:nvPr>
+        </p:nvSpPr>
+        <p:spPr/>
+        <p:txBody>
+          <a:bodyPr/>
+          <a:lstStyle/>
+          <a:p>
+            <a:r>
+              <a:rPr lang="it-IT" dirty="0" smtClean="0"/>
+              <a:t>Pong4</a:t>
+            </a:r>
+            <a:endParaRPr lang="it-IT" dirty="0"/>
+          </a:p>
+        </p:txBody>
+      </p:sp>
+      <p:pic>
+        <p:nvPicPr>
+          <p:cNvPr id="4" name="Segnaposto contenuto 3"/>
+          <p:cNvPicPr>
+            <a:picLocks noGrp="1" noChangeAspect="1"/>
+          </p:cNvPicPr>
+          <p:nvPr>
+            <p:ph sz="quarter" idx="10"/>
+          </p:nvPr>
+        </p:nvPicPr>
+        <p:blipFill>
+          <a:blip r:embed="rId2">
+            <a:extLst>
+              <a:ext uri="{28A0092B-C50C-407E-A947-70E740481C1C}">
+                <a14:useLocalDpi xmlns:a14="http://schemas.microsoft.com/office/drawing/2010/main" val="0"/>
+              </a:ext>
+            </a:extLst>
+          </a:blip>
+          <a:stretch>
+            <a:fillRect/>
+          </a:stretch>
+        </p:blipFill>
+        <p:spPr>
+          <a:xfrm>
+            <a:off x="2295505" y="1603375"/>
+            <a:ext cx="4552989" cy="4562475"/>
+          </a:xfrm>
+        </p:spPr>
+      </p:pic>
+    </p:spTree>
+    <p:extLst>
+      <p:ext uri="{BB962C8B-B14F-4D97-AF65-F5344CB8AC3E}">
+        <p14:creationId xmlns:p14="http://schemas.microsoft.com/office/powerpoint/2010/main" val="1812223893"/>
+      </p:ext>
+    </p:extLst>
+  </p:cSld>
+  <p:clrMapOvr>
+    <a:masterClrMapping/>
+  </p:clrMapOvr>
+  <p:timing>
+    <p:tnLst>
+      <p:par>
+        <p:cTn id="1" dur="indefinite" restart="never" nodeType="tmRoot"/>
+      </p:par>
+    </p:tnLst>
+  </p:timing>
+</p:sld>
+</file>
+
+<file path=ppt/slides/slide19.xml><?xml version="1.0" encoding="utf-8"?>
+<p:sld xmlns:a="http://schemas.openxmlformats.org/drawingml/2006/main" xmlns:r="http://schemas.openxmlformats.org/officeDocument/2006/relationships" xmlns:p="http://schemas.openxmlformats.org/presentationml/2006/main">
+  <p:cSld>
+    <p:spTree>
+      <p:nvGrpSpPr>
+        <p:cNvPr id="1" name=""/>
+        <p:cNvGrpSpPr/>
+        <p:nvPr/>
+      </p:nvGrpSpPr>
+      <p:grpSpPr>
+        <a:xfrm>
+          <a:off x="0" y="0"/>
+          <a:ext cx="0" cy="0"/>
+          <a:chOff x="0" y="0"/>
+          <a:chExt cx="0" cy="0"/>
+        </a:xfrm>
+      </p:grpSpPr>
+      <p:sp>
+        <p:nvSpPr>
+          <p:cNvPr id="2" name="Titolo 1"/>
+          <p:cNvSpPr>
+            <a:spLocks noGrp="1"/>
+          </p:cNvSpPr>
+          <p:nvPr>
+            <p:ph type="title"/>
+          </p:nvPr>
+        </p:nvSpPr>
+        <p:spPr/>
+        <p:txBody>
+          <a:bodyPr/>
+          <a:lstStyle/>
+          <a:p>
+            <a:r>
+              <a:rPr lang="it-IT" dirty="0" smtClean="0"/>
+              <a:t>Pong4 (2)</a:t>
+            </a:r>
+            <a:endParaRPr lang="it-IT" dirty="0"/>
+          </a:p>
+        </p:txBody>
+      </p:sp>
+      <p:sp>
+        <p:nvSpPr>
+          <p:cNvPr id="3" name="Segnaposto contenuto 2"/>
+          <p:cNvSpPr>
+            <a:spLocks noGrp="1"/>
+          </p:cNvSpPr>
+          <p:nvPr>
+            <p:ph sz="quarter" idx="10"/>
+          </p:nvPr>
+        </p:nvSpPr>
+        <p:spPr/>
+        <p:txBody>
+          <a:bodyPr/>
+          <a:lstStyle/>
+          <a:p>
+            <a:r>
+              <a:rPr lang="it-IT" dirty="0" smtClean="0"/>
+              <a:t>A </a:t>
+            </a:r>
+            <a:r>
+              <a:rPr lang="it-IT" dirty="0" err="1" smtClean="0"/>
+              <a:t>simple</a:t>
+            </a:r>
+            <a:r>
+              <a:rPr lang="it-IT" dirty="0" smtClean="0"/>
+              <a:t> real-time multiplayer "</a:t>
+            </a:r>
+            <a:r>
+              <a:rPr lang="it-IT" dirty="0" err="1" smtClean="0"/>
+              <a:t>Pong</a:t>
+            </a:r>
+            <a:r>
+              <a:rPr lang="it-IT" dirty="0" smtClean="0"/>
+              <a:t>" game</a:t>
+            </a:r>
+          </a:p>
+          <a:p>
+            <a:r>
+              <a:rPr lang="it-IT" dirty="0" err="1" smtClean="0"/>
+              <a:t>Built</a:t>
+            </a:r>
+            <a:r>
+              <a:rPr lang="it-IT" dirty="0" smtClean="0"/>
+              <a:t> with</a:t>
+            </a:r>
+          </a:p>
+          <a:p>
+            <a:pPr lvl="1"/>
+            <a:r>
+              <a:rPr lang="it-IT" dirty="0" err="1" smtClean="0"/>
+              <a:t>phaser.io</a:t>
+            </a:r>
+            <a:r>
+              <a:rPr lang="it-IT" dirty="0" smtClean="0"/>
+              <a:t> (game)</a:t>
+            </a:r>
+          </a:p>
+          <a:p>
+            <a:pPr lvl="1"/>
+            <a:r>
+              <a:rPr lang="it-IT" dirty="0" err="1" smtClean="0"/>
+              <a:t>socket.io</a:t>
+            </a:r>
+            <a:r>
+              <a:rPr lang="it-IT" dirty="0" smtClean="0"/>
+              <a:t> (networking)</a:t>
+            </a:r>
+            <a:endParaRPr lang="it-IT" dirty="0"/>
+          </a:p>
+          <a:p>
+            <a:pPr lvl="1"/>
+            <a:r>
+              <a:rPr lang="it-IT" dirty="0" err="1" smtClean="0"/>
+              <a:t>express.io</a:t>
+            </a:r>
+            <a:r>
+              <a:rPr lang="it-IT" dirty="0" smtClean="0"/>
+              <a:t> (</a:t>
+            </a:r>
+            <a:r>
+              <a:rPr lang="it-IT" dirty="0" err="1" smtClean="0"/>
+              <a:t>content</a:t>
+            </a:r>
+            <a:r>
+              <a:rPr lang="it-IT" dirty="0" smtClean="0"/>
+              <a:t>-delivery)</a:t>
+            </a:r>
+          </a:p>
+          <a:p>
+            <a:r>
+              <a:rPr lang="it-IT" dirty="0" err="1" smtClean="0"/>
+              <a:t>Runs</a:t>
+            </a:r>
+            <a:r>
+              <a:rPr lang="it-IT" dirty="0" smtClean="0"/>
+              <a:t> on node.js</a:t>
+            </a:r>
+          </a:p>
+          <a:p>
+            <a:r>
+              <a:rPr lang="it-IT" dirty="0" smtClean="0">
+                <a:hlinkClick r:id="rId2"/>
+              </a:rPr>
+              <a:t>http://pong4.eu-gb.mybluemix.net</a:t>
+            </a:r>
+            <a:endParaRPr lang="it-IT" dirty="0"/>
+          </a:p>
+        </p:txBody>
+      </p:sp>
+    </p:spTree>
+    <p:extLst>
+      <p:ext uri="{BB962C8B-B14F-4D97-AF65-F5344CB8AC3E}">
+        <p14:creationId xmlns:p14="http://schemas.microsoft.com/office/powerpoint/2010/main" val="3035390101"/>
+      </p:ext>
+    </p:extLst>
+  </p:cSld>
+  <p:clrMapOvr>
+    <a:masterClrMapping/>
+  </p:clrMapOvr>
+  <p:timing>
+    <p:tnLst>
+      <p:par>
+        <p:cTn id="1" dur="indefinite" restart="never" nodeType="tmRoot"/>
+      </p:par>
+    </p:tnLst>
+  </p:timing>
 </p:sld>
 </file>
 
@@ -3419,6 +4298,409 @@
   <p:clrMapOvr>
     <a:masterClrMapping/>
   </p:clrMapOvr>
+  <p:timing>
+    <p:tnLst>
+      <p:par>
+        <p:cTn id="1" dur="indefinite" restart="never" nodeType="tmRoot"/>
+      </p:par>
+    </p:tnLst>
+  </p:timing>
+</p:sld>
+</file>
+
+<file path=ppt/slides/slide20.xml><?xml version="1.0" encoding="utf-8"?>
+<p:sld xmlns:a="http://schemas.openxmlformats.org/drawingml/2006/main" xmlns:r="http://schemas.openxmlformats.org/officeDocument/2006/relationships" xmlns:p="http://schemas.openxmlformats.org/presentationml/2006/main">
+  <p:cSld>
+    <p:spTree>
+      <p:nvGrpSpPr>
+        <p:cNvPr id="1" name=""/>
+        <p:cNvGrpSpPr/>
+        <p:nvPr/>
+      </p:nvGrpSpPr>
+      <p:grpSpPr>
+        <a:xfrm>
+          <a:off x="0" y="0"/>
+          <a:ext cx="0" cy="0"/>
+          <a:chOff x="0" y="0"/>
+          <a:chExt cx="0" cy="0"/>
+        </a:xfrm>
+      </p:grpSpPr>
+      <p:sp>
+        <p:nvSpPr>
+          <p:cNvPr id="2" name="Titolo 1"/>
+          <p:cNvSpPr>
+            <a:spLocks noGrp="1"/>
+          </p:cNvSpPr>
+          <p:nvPr>
+            <p:ph type="title"/>
+          </p:nvPr>
+        </p:nvSpPr>
+        <p:spPr/>
+        <p:txBody>
+          <a:bodyPr/>
+          <a:lstStyle/>
+          <a:p>
+            <a:r>
+              <a:rPr lang="it-IT" dirty="0" smtClean="0"/>
+              <a:t>«Multiplayer </a:t>
+            </a:r>
+            <a:r>
+              <a:rPr lang="it-IT" dirty="0" err="1" smtClean="0"/>
+              <a:t>as</a:t>
+            </a:r>
+            <a:r>
+              <a:rPr lang="it-IT" dirty="0" smtClean="0"/>
+              <a:t> a Service»</a:t>
+            </a:r>
+            <a:endParaRPr lang="it-IT" dirty="0"/>
+          </a:p>
+        </p:txBody>
+      </p:sp>
+      <p:sp>
+        <p:nvSpPr>
+          <p:cNvPr id="6" name="Segnaposto contenuto 5"/>
+          <p:cNvSpPr>
+            <a:spLocks noGrp="1"/>
+          </p:cNvSpPr>
+          <p:nvPr>
+            <p:ph sz="quarter" idx="10"/>
+          </p:nvPr>
+        </p:nvSpPr>
+        <p:spPr/>
+        <p:txBody>
+          <a:bodyPr/>
+          <a:lstStyle/>
+          <a:p>
+            <a:r>
+              <a:rPr lang="it-IT" dirty="0" err="1" smtClean="0"/>
+              <a:t>Provides</a:t>
+            </a:r>
+            <a:r>
+              <a:rPr lang="it-IT" dirty="0" smtClean="0"/>
+              <a:t> </a:t>
+            </a:r>
+            <a:r>
+              <a:rPr lang="it-IT" dirty="0" err="1" smtClean="0"/>
+              <a:t>you</a:t>
+            </a:r>
+            <a:r>
+              <a:rPr lang="it-IT" dirty="0" smtClean="0"/>
+              <a:t> </a:t>
+            </a:r>
+            <a:r>
+              <a:rPr lang="it-IT" dirty="0" err="1" smtClean="0"/>
+              <a:t>infrastructure</a:t>
+            </a:r>
+            <a:r>
+              <a:rPr lang="it-IT" dirty="0" smtClean="0"/>
+              <a:t> </a:t>
+            </a:r>
+            <a:r>
+              <a:rPr lang="it-IT" dirty="0"/>
+              <a:t>and </a:t>
+            </a:r>
+            <a:r>
+              <a:rPr lang="it-IT" dirty="0" err="1" smtClean="0"/>
+              <a:t>algorithms</a:t>
+            </a:r>
+            <a:endParaRPr lang="it-IT" dirty="0" smtClean="0"/>
+          </a:p>
+          <a:p>
+            <a:r>
+              <a:rPr lang="it-IT" dirty="0" err="1" smtClean="0"/>
+              <a:t>Provides</a:t>
+            </a:r>
+            <a:r>
+              <a:rPr lang="it-IT" dirty="0" smtClean="0"/>
+              <a:t> SDK for </a:t>
+            </a:r>
+            <a:r>
+              <a:rPr lang="it-IT" dirty="0" err="1" smtClean="0"/>
+              <a:t>various</a:t>
+            </a:r>
+            <a:r>
+              <a:rPr lang="it-IT" dirty="0" smtClean="0"/>
+              <a:t> game </a:t>
+            </a:r>
+            <a:r>
+              <a:rPr lang="it-IT" dirty="0" err="1" smtClean="0"/>
+              <a:t>engines</a:t>
+            </a:r>
+            <a:endParaRPr lang="it-IT" dirty="0" smtClean="0"/>
+          </a:p>
+          <a:p>
+            <a:r>
+              <a:rPr lang="it-IT" dirty="0" smtClean="0"/>
+              <a:t>Reliability and Auto-</a:t>
+            </a:r>
+            <a:r>
+              <a:rPr lang="it-IT" dirty="0" err="1" smtClean="0"/>
+              <a:t>scaling</a:t>
+            </a:r>
+            <a:endParaRPr lang="it-IT" dirty="0" smtClean="0"/>
+          </a:p>
+          <a:p>
+            <a:r>
+              <a:rPr lang="it-IT" dirty="0" smtClean="0"/>
+              <a:t>Real-time / turn-</a:t>
+            </a:r>
+            <a:r>
+              <a:rPr lang="it-IT" dirty="0" err="1" smtClean="0"/>
+              <a:t>based</a:t>
+            </a:r>
+            <a:r>
+              <a:rPr lang="it-IT" dirty="0" smtClean="0"/>
+              <a:t> multiplayer</a:t>
+            </a:r>
+          </a:p>
+          <a:p>
+            <a:r>
+              <a:rPr lang="it-IT" dirty="0" smtClean="0"/>
+              <a:t>Match-</a:t>
+            </a:r>
+            <a:r>
+              <a:rPr lang="it-IT" dirty="0" err="1" smtClean="0"/>
+              <a:t>making</a:t>
+            </a:r>
+            <a:r>
+              <a:rPr lang="it-IT" dirty="0" smtClean="0"/>
+              <a:t>, </a:t>
+            </a:r>
+            <a:r>
+              <a:rPr lang="it-IT" dirty="0" err="1" smtClean="0"/>
+              <a:t>leaderboards</a:t>
+            </a:r>
+            <a:r>
+              <a:rPr lang="it-IT" dirty="0" smtClean="0"/>
+              <a:t>, </a:t>
+            </a:r>
+            <a:r>
+              <a:rPr lang="it-IT" dirty="0" err="1" smtClean="0"/>
+              <a:t>achievements</a:t>
+            </a:r>
+            <a:endParaRPr lang="it-IT" dirty="0" smtClean="0"/>
+          </a:p>
+          <a:p>
+            <a:r>
+              <a:rPr lang="it-IT" dirty="0" err="1" smtClean="0"/>
+              <a:t>Cloud</a:t>
+            </a:r>
+            <a:r>
+              <a:rPr lang="it-IT" dirty="0" smtClean="0"/>
+              <a:t> </a:t>
+            </a:r>
+            <a:r>
+              <a:rPr lang="it-IT" dirty="0" err="1" smtClean="0"/>
+              <a:t>storage</a:t>
+            </a:r>
+            <a:r>
+              <a:rPr lang="it-IT" dirty="0" smtClean="0"/>
+              <a:t> (</a:t>
+            </a:r>
+            <a:r>
+              <a:rPr lang="it-IT" dirty="0" err="1" smtClean="0"/>
+              <a:t>saved</a:t>
+            </a:r>
+            <a:r>
+              <a:rPr lang="it-IT" dirty="0"/>
+              <a:t> </a:t>
+            </a:r>
+            <a:r>
+              <a:rPr lang="it-IT" dirty="0" smtClean="0"/>
+              <a:t>games)</a:t>
+            </a:r>
+          </a:p>
+          <a:p>
+            <a:r>
+              <a:rPr lang="it-IT" dirty="0" smtClean="0"/>
+              <a:t>Free or </a:t>
+            </a:r>
+            <a:r>
+              <a:rPr lang="it-IT" dirty="0" err="1" smtClean="0"/>
+              <a:t>paid</a:t>
+            </a:r>
+            <a:r>
+              <a:rPr lang="it-IT" dirty="0" smtClean="0"/>
+              <a:t> </a:t>
+            </a:r>
+            <a:r>
+              <a:rPr lang="it-IT" dirty="0" err="1" smtClean="0"/>
+              <a:t>services</a:t>
+            </a:r>
+            <a:endParaRPr lang="it-IT" dirty="0" smtClean="0"/>
+          </a:p>
+          <a:p>
+            <a:endParaRPr lang="it-IT" dirty="0"/>
+          </a:p>
+        </p:txBody>
+      </p:sp>
+      <p:pic>
+        <p:nvPicPr>
+          <p:cNvPr id="7" name="Segnaposto contenuto 3"/>
+          <p:cNvPicPr>
+            <a:picLocks noChangeAspect="1"/>
+          </p:cNvPicPr>
+          <p:nvPr/>
+        </p:nvPicPr>
+        <p:blipFill>
+          <a:blip r:embed="rId2">
+            <a:extLst>
+              <a:ext uri="{28A0092B-C50C-407E-A947-70E740481C1C}">
+                <a14:useLocalDpi xmlns:a14="http://schemas.microsoft.com/office/drawing/2010/main" val="0"/>
+              </a:ext>
+            </a:extLst>
+          </a:blip>
+          <a:stretch>
+            <a:fillRect/>
+          </a:stretch>
+        </p:blipFill>
+        <p:spPr>
+          <a:xfrm>
+            <a:off x="303212" y="5566370"/>
+            <a:ext cx="1850552" cy="598934"/>
+          </a:xfrm>
+          <a:prstGeom prst="rect">
+            <a:avLst/>
+          </a:prstGeom>
+        </p:spPr>
+      </p:pic>
+      <p:pic>
+        <p:nvPicPr>
+          <p:cNvPr id="8" name="Immagine 7"/>
+          <p:cNvPicPr>
+            <a:picLocks noChangeAspect="1"/>
+          </p:cNvPicPr>
+          <p:nvPr/>
+        </p:nvPicPr>
+        <p:blipFill>
+          <a:blip r:embed="rId3">
+            <a:extLst>
+              <a:ext uri="{28A0092B-C50C-407E-A947-70E740481C1C}">
+                <a14:useLocalDpi xmlns:a14="http://schemas.microsoft.com/office/drawing/2010/main" val="0"/>
+              </a:ext>
+            </a:extLst>
+          </a:blip>
+          <a:stretch>
+            <a:fillRect/>
+          </a:stretch>
+        </p:blipFill>
+        <p:spPr>
+          <a:xfrm>
+            <a:off x="2405572" y="5354535"/>
+            <a:ext cx="1080120" cy="1080120"/>
+          </a:xfrm>
+          <a:prstGeom prst="rect">
+            <a:avLst/>
+          </a:prstGeom>
+        </p:spPr>
+      </p:pic>
+      <p:pic>
+        <p:nvPicPr>
+          <p:cNvPr id="9" name="Immagine 8"/>
+          <p:cNvPicPr>
+            <a:picLocks noChangeAspect="1"/>
+          </p:cNvPicPr>
+          <p:nvPr/>
+        </p:nvPicPr>
+        <p:blipFill>
+          <a:blip r:embed="rId4">
+            <a:extLst>
+              <a:ext uri="{28A0092B-C50C-407E-A947-70E740481C1C}">
+                <a14:useLocalDpi xmlns:a14="http://schemas.microsoft.com/office/drawing/2010/main" val="0"/>
+              </a:ext>
+            </a:extLst>
+          </a:blip>
+          <a:stretch>
+            <a:fillRect/>
+          </a:stretch>
+        </p:blipFill>
+        <p:spPr>
+          <a:xfrm>
+            <a:off x="5262614" y="5331376"/>
+            <a:ext cx="1080120" cy="1080120"/>
+          </a:xfrm>
+          <a:prstGeom prst="rect">
+            <a:avLst/>
+          </a:prstGeom>
+        </p:spPr>
+      </p:pic>
+      <p:pic>
+        <p:nvPicPr>
+          <p:cNvPr id="10" name="Immagine 9"/>
+          <p:cNvPicPr>
+            <a:picLocks noChangeAspect="1"/>
+          </p:cNvPicPr>
+          <p:nvPr/>
+        </p:nvPicPr>
+        <p:blipFill>
+          <a:blip r:embed="rId5">
+            <a:extLst>
+              <a:ext uri="{28A0092B-C50C-407E-A947-70E740481C1C}">
+                <a14:useLocalDpi xmlns:a14="http://schemas.microsoft.com/office/drawing/2010/main" val="0"/>
+              </a:ext>
+            </a:extLst>
+          </a:blip>
+          <a:stretch>
+            <a:fillRect/>
+          </a:stretch>
+        </p:blipFill>
+        <p:spPr>
+          <a:xfrm>
+            <a:off x="3613295" y="5458379"/>
+            <a:ext cx="1605138" cy="814916"/>
+          </a:xfrm>
+          <a:prstGeom prst="rect">
+            <a:avLst/>
+          </a:prstGeom>
+        </p:spPr>
+      </p:pic>
+      <p:pic>
+        <p:nvPicPr>
+          <p:cNvPr id="12" name="Immagine 11"/>
+          <p:cNvPicPr>
+            <a:picLocks noChangeAspect="1"/>
+          </p:cNvPicPr>
+          <p:nvPr/>
+        </p:nvPicPr>
+        <p:blipFill>
+          <a:blip r:embed="rId6">
+            <a:extLst>
+              <a:ext uri="{28A0092B-C50C-407E-A947-70E740481C1C}">
+                <a14:useLocalDpi xmlns:a14="http://schemas.microsoft.com/office/drawing/2010/main" val="0"/>
+              </a:ext>
+            </a:extLst>
+          </a:blip>
+          <a:stretch>
+            <a:fillRect/>
+          </a:stretch>
+        </p:blipFill>
+        <p:spPr>
+          <a:xfrm>
+            <a:off x="6462287" y="5516988"/>
+            <a:ext cx="2112840" cy="697698"/>
+          </a:xfrm>
+          <a:prstGeom prst="rect">
+            <a:avLst/>
+          </a:prstGeom>
+        </p:spPr>
+      </p:pic>
+    </p:spTree>
+    <p:extLst>
+      <p:ext uri="{BB962C8B-B14F-4D97-AF65-F5344CB8AC3E}">
+        <p14:creationId xmlns:p14="http://schemas.microsoft.com/office/powerpoint/2010/main" val="1129900863"/>
+      </p:ext>
+    </p:extLst>
+  </p:cSld>
+  <p:clrMapOvr>
+    <a:masterClrMapping/>
+  </p:clrMapOvr>
+  <p:timing>
+    <p:tnLst>
+      <p:par>
+        <p:cTn id="1" dur="indefinite" restart="never" nodeType="tmRoot"/>
+      </p:par>
+    </p:tnLst>
+  </p:timing>
 </p:sld>
 </file>
 
@@ -3536,26 +4818,44 @@
           <a:lstStyle/>
           <a:p>
             <a:r>
-              <a:rPr lang="en-US" altLang="it-IT" smtClean="0"/>
+              <a:rPr lang="en-US" altLang="it-IT" dirty="0" smtClean="0"/>
               <a:t>Multiplayer games!</a:t>
             </a:r>
           </a:p>
           <a:p>
             <a:r>
-              <a:rPr lang="en-US" altLang="it-IT" smtClean="0"/>
-              <a:t>Multiplayer architectures &amp; technologies</a:t>
-            </a:r>
-          </a:p>
-          <a:p>
-            <a:r>
-              <a:rPr lang="en-US" altLang="it-IT" smtClean="0"/>
-              <a:t>Multiplayer services</a:t>
-            </a:r>
-          </a:p>
-          <a:p>
-            <a:r>
-              <a:rPr lang="en-US" altLang="it-IT" smtClean="0"/>
-              <a:t>Implementation of a simple multiplayer game</a:t>
+              <a:rPr lang="en-US" altLang="it-IT" dirty="0" smtClean="0"/>
+              <a:t>Multiplayer </a:t>
+            </a:r>
+            <a:r>
+              <a:rPr lang="en-US" altLang="it-IT" dirty="0" smtClean="0"/>
+              <a:t>architectures &amp; technologies</a:t>
+            </a:r>
+            <a:endParaRPr lang="en-US" altLang="it-IT" dirty="0" smtClean="0"/>
+          </a:p>
+          <a:p>
+            <a:r>
+              <a:rPr lang="en-US" altLang="it-IT" dirty="0"/>
+              <a:t>Multiplayer </a:t>
+            </a:r>
+            <a:r>
+              <a:rPr lang="en-US" altLang="it-IT" dirty="0" smtClean="0"/>
+              <a:t>services</a:t>
+            </a:r>
+            <a:endParaRPr lang="en-US" altLang="it-IT" dirty="0" smtClean="0"/>
+          </a:p>
+          <a:p>
+            <a:r>
+              <a:rPr lang="en-US" altLang="it-IT" dirty="0" smtClean="0"/>
+              <a:t>Implementation </a:t>
+            </a:r>
+            <a:r>
+              <a:rPr lang="en-US" altLang="it-IT" dirty="0" smtClean="0"/>
+              <a:t>of a simple multiplayer </a:t>
+            </a:r>
+            <a:r>
+              <a:rPr lang="en-US" altLang="it-IT" dirty="0" smtClean="0"/>
+              <a:t>game</a:t>
             </a:r>
           </a:p>
         </p:txBody>
@@ -3619,6 +4919,13 @@
   <p:clrMapOvr>
     <a:masterClrMapping/>
   </p:clrMapOvr>
+  <p:timing>
+    <p:tnLst>
+      <p:par>
+        <p:cTn id="1" dur="indefinite" restart="never" nodeType="tmRoot"/>
+      </p:par>
+    </p:tnLst>
+  </p:timing>
 </p:sld>
 </file>
 
@@ -3770,6 +5077,13 @@
   <p:clrMapOvr>
     <a:masterClrMapping/>
   </p:clrMapOvr>
+  <p:timing>
+    <p:tnLst>
+      <p:par>
+        <p:cTn id="1" dur="indefinite" restart="never" nodeType="tmRoot"/>
+      </p:par>
+    </p:tnLst>
+  </p:timing>
 </p:sld>
 </file>
 
@@ -4913,6 +6227,13 @@
   <p:clrMapOvr>
     <a:masterClrMapping/>
   </p:clrMapOvr>
+  <p:timing>
+    <p:tnLst>
+      <p:par>
+        <p:cTn id="1" dur="indefinite" restart="never" nodeType="tmRoot"/>
+      </p:par>
+    </p:tnLst>
+  </p:timing>
 </p:sld>
 </file>
 
@@ -5065,6 +6386,13 @@
   <p:clrMapOvr>
     <a:masterClrMapping/>
   </p:clrMapOvr>
+  <p:timing>
+    <p:tnLst>
+      <p:par>
+        <p:cTn id="1" dur="indefinite" restart="never" nodeType="tmRoot"/>
+      </p:par>
+    </p:tnLst>
+  </p:timing>
 </p:sld>
 </file>
 

--- a/slides/slides.pptx
+++ b/slides/slides.pptx
@@ -25,6 +25,7 @@
     <p:sldId id="281" r:id="rId19"/>
     <p:sldId id="282" r:id="rId20"/>
     <p:sldId id="283" r:id="rId21"/>
+    <p:sldId id="284" r:id="rId22"/>
   </p:sldIdLst>
   <p:sldSz cx="9144000" cy="6858000" type="screen4x3"/>
   <p:notesSz cx="6858000" cy="9144000"/>
@@ -2447,7 +2448,6 @@
               <a:rPr lang="it-IT" sz="2400" dirty="0" smtClean="0"/>
               <a:t>games</a:t>
             </a:r>
-            <a:endParaRPr lang="it-IT" sz="2400" dirty="0" smtClean="0"/>
           </a:p>
           <a:p>
             <a:r>
@@ -4704,6 +4704,542 @@
 </p:sld>
 </file>
 
+<file path=ppt/slides/slide21.xml><?xml version="1.0" encoding="utf-8"?>
+<p:sld xmlns:a="http://schemas.openxmlformats.org/drawingml/2006/main" xmlns:r="http://schemas.openxmlformats.org/officeDocument/2006/relationships" xmlns:p="http://schemas.openxmlformats.org/presentationml/2006/main">
+  <p:cSld>
+    <p:spTree>
+      <p:nvGrpSpPr>
+        <p:cNvPr id="1" name=""/>
+        <p:cNvGrpSpPr/>
+        <p:nvPr/>
+      </p:nvGrpSpPr>
+      <p:grpSpPr>
+        <a:xfrm>
+          <a:off x="0" y="0"/>
+          <a:ext cx="0" cy="0"/>
+          <a:chOff x="0" y="0"/>
+          <a:chExt cx="0" cy="0"/>
+        </a:xfrm>
+      </p:grpSpPr>
+      <p:sp>
+        <p:nvSpPr>
+          <p:cNvPr id="2" name="Titolo 1"/>
+          <p:cNvSpPr>
+            <a:spLocks noGrp="1"/>
+          </p:cNvSpPr>
+          <p:nvPr>
+            <p:ph type="title"/>
+          </p:nvPr>
+        </p:nvSpPr>
+        <p:spPr/>
+        <p:txBody>
+          <a:bodyPr/>
+          <a:lstStyle/>
+          <a:p>
+            <a:r>
+              <a:rPr lang="en-US" dirty="0"/>
+              <a:t>Thank you!</a:t>
+            </a:r>
+            <a:endParaRPr lang="it-IT" dirty="0"/>
+          </a:p>
+        </p:txBody>
+      </p:sp>
+      <p:sp>
+        <p:nvSpPr>
+          <p:cNvPr id="3" name="Segnaposto contenuto 2"/>
+          <p:cNvSpPr>
+            <a:spLocks noGrp="1"/>
+          </p:cNvSpPr>
+          <p:nvPr>
+            <p:ph sz="quarter" idx="10"/>
+          </p:nvPr>
+        </p:nvSpPr>
+        <p:spPr/>
+        <p:txBody>
+          <a:bodyPr/>
+          <a:lstStyle/>
+          <a:p>
+            <a:pPr marL="0" indent="0" algn="ctr">
+              <a:buNone/>
+            </a:pPr>
+            <a:r>
+              <a:rPr lang="en-GB" sz="6000" dirty="0">
+                <a:cs typeface="Consolas" panose="020B0609020204030204" pitchFamily="49" charset="0"/>
+              </a:rPr>
+              <a:t>Any Questions?</a:t>
+            </a:r>
+          </a:p>
+          <a:p>
+            <a:pPr marL="0" indent="0" algn="ctr">
+              <a:buNone/>
+            </a:pPr>
+            <a:endParaRPr lang="en-GB" dirty="0">
+              <a:cs typeface="Consolas" panose="020B0609020204030204" pitchFamily="49" charset="0"/>
+            </a:endParaRPr>
+          </a:p>
+          <a:p>
+            <a:pPr marL="0" indent="0" algn="ctr" eaLnBrk="1" hangingPunct="1">
+              <a:buNone/>
+            </a:pPr>
+            <a:r>
+              <a:rPr lang="it-IT" altLang="it-IT" dirty="0" err="1">
+                <a:latin typeface="Arial Italic" charset="0"/>
+              </a:rPr>
+              <a:t>Leave</a:t>
+            </a:r>
+            <a:r>
+              <a:rPr lang="it-IT" altLang="it-IT" dirty="0">
+                <a:latin typeface="Arial Italic" charset="0"/>
+              </a:rPr>
+              <a:t> </a:t>
+            </a:r>
+            <a:r>
+              <a:rPr lang="it-IT" altLang="it-IT" dirty="0" err="1">
+                <a:latin typeface="Arial Italic" charset="0"/>
+              </a:rPr>
+              <a:t>your</a:t>
+            </a:r>
+            <a:r>
+              <a:rPr lang="it-IT" altLang="it-IT" dirty="0">
+                <a:latin typeface="Arial Italic" charset="0"/>
+              </a:rPr>
+              <a:t> feedback on </a:t>
+            </a:r>
+            <a:r>
+              <a:rPr lang="it-IT" altLang="it-IT" dirty="0" err="1">
+                <a:latin typeface="Arial Italic" charset="0"/>
+              </a:rPr>
+              <a:t>Joind.in</a:t>
+            </a:r>
+            <a:r>
+              <a:rPr lang="it-IT" altLang="it-IT" dirty="0">
+                <a:latin typeface="Arial Italic" charset="0"/>
+              </a:rPr>
+              <a:t>!</a:t>
+            </a:r>
+          </a:p>
+          <a:p>
+            <a:pPr marL="0" indent="0" algn="ctr" eaLnBrk="1" hangingPunct="1">
+              <a:buNone/>
+            </a:pPr>
+            <a:r>
+              <a:rPr lang="it-IT" altLang="it-IT" dirty="0">
+                <a:solidFill>
+                  <a:srgbClr val="262626"/>
+                </a:solidFill>
+                <a:latin typeface="Arial Italic" charset="0"/>
+                <a:hlinkClick r:id="rId2"/>
+              </a:rPr>
+              <a:t>https://joind.in/event/view/3347</a:t>
+            </a:r>
+            <a:endParaRPr lang="it-IT" altLang="it-IT" dirty="0"/>
+          </a:p>
+          <a:p>
+            <a:pPr marL="0" indent="0">
+              <a:buNone/>
+            </a:pPr>
+            <a:endParaRPr lang="it-IT" dirty="0"/>
+          </a:p>
+        </p:txBody>
+      </p:sp>
+      <p:sp>
+        <p:nvSpPr>
+          <p:cNvPr id="4" name="CasellaDiTesto 3"/>
+          <p:cNvSpPr txBox="1"/>
+          <p:nvPr/>
+        </p:nvSpPr>
+        <p:spPr>
+          <a:xfrm>
+            <a:off x="2575640" y="4232682"/>
+            <a:ext cx="6934200" cy="1754326"/>
+          </a:xfrm>
+          <a:prstGeom prst="rect">
+            <a:avLst/>
+          </a:prstGeom>
+          <a:noFill/>
+        </p:spPr>
+        <p:txBody>
+          <a:bodyPr>
+            <a:spAutoFit/>
+          </a:bodyPr>
+          <a:lstStyle/>
+          <a:p>
+            <a:pPr fontAlgn="auto">
+              <a:spcBef>
+                <a:spcPts val="0"/>
+              </a:spcBef>
+              <a:spcAft>
+                <a:spcPts val="0"/>
+              </a:spcAft>
+              <a:defRPr/>
+            </a:pPr>
+            <a:endParaRPr lang="it-IT" b="1" i="1" dirty="0" smtClean="0">
+              <a:latin typeface="Arial"/>
+              <a:ea typeface="+mn-ea"/>
+              <a:cs typeface="Arial"/>
+              <a:hlinkClick r:id="rId3"/>
+            </a:endParaRPr>
+          </a:p>
+          <a:p>
+            <a:pPr fontAlgn="auto">
+              <a:spcBef>
+                <a:spcPts val="0"/>
+              </a:spcBef>
+              <a:spcAft>
+                <a:spcPts val="0"/>
+              </a:spcAft>
+              <a:defRPr/>
+            </a:pPr>
+            <a:r>
+              <a:rPr lang="it-IT" b="1" i="1" dirty="0">
+                <a:latin typeface="Arial"/>
+                <a:ea typeface="+mn-ea"/>
+                <a:cs typeface="Arial"/>
+              </a:rPr>
+              <a:t> </a:t>
+            </a:r>
+            <a:r>
+              <a:rPr lang="it-IT" b="1" i="1" dirty="0" smtClean="0">
+                <a:latin typeface="Arial"/>
+                <a:ea typeface="+mn-ea"/>
+                <a:cs typeface="Arial"/>
+              </a:rPr>
+              <a:t>           </a:t>
+            </a:r>
+            <a:r>
+              <a:rPr lang="it-IT" b="1" i="1" dirty="0" smtClean="0">
+                <a:latin typeface="Arial"/>
+                <a:ea typeface="+mn-ea"/>
+                <a:cs typeface="Arial"/>
+                <a:hlinkClick r:id="rId3"/>
+              </a:rPr>
+              <a:t>valerio.riva@gmail.com</a:t>
+            </a:r>
+            <a:endParaRPr lang="it-IT" b="1" i="1" dirty="0" smtClean="0">
+              <a:solidFill>
+                <a:schemeClr val="tx1">
+                  <a:lumMod val="75000"/>
+                  <a:lumOff val="25000"/>
+                </a:schemeClr>
+              </a:solidFill>
+              <a:latin typeface="Arial"/>
+              <a:ea typeface="+mn-ea"/>
+              <a:cs typeface="Arial"/>
+            </a:endParaRPr>
+          </a:p>
+          <a:p>
+            <a:pPr fontAlgn="auto">
+              <a:spcBef>
+                <a:spcPts val="0"/>
+              </a:spcBef>
+              <a:spcAft>
+                <a:spcPts val="0"/>
+              </a:spcAft>
+              <a:defRPr/>
+            </a:pPr>
+            <a:r>
+              <a:rPr lang="it-IT" b="1" i="1" dirty="0" smtClean="0">
+                <a:solidFill>
+                  <a:schemeClr val="tx1">
+                    <a:lumMod val="75000"/>
+                    <a:lumOff val="25000"/>
+                  </a:schemeClr>
+                </a:solidFill>
+                <a:latin typeface="Arial"/>
+                <a:ea typeface="+mn-ea"/>
+                <a:cs typeface="Arial"/>
+              </a:rPr>
+              <a:t>           </a:t>
+            </a:r>
+          </a:p>
+          <a:p>
+            <a:pPr fontAlgn="auto">
+              <a:spcBef>
+                <a:spcPts val="0"/>
+              </a:spcBef>
+              <a:spcAft>
+                <a:spcPts val="0"/>
+              </a:spcAft>
+              <a:defRPr/>
+            </a:pPr>
+            <a:r>
+              <a:rPr lang="it-IT" b="1" i="1" dirty="0">
+                <a:solidFill>
+                  <a:schemeClr val="tx1">
+                    <a:lumMod val="75000"/>
+                    <a:lumOff val="25000"/>
+                  </a:schemeClr>
+                </a:solidFill>
+                <a:latin typeface="Arial"/>
+                <a:ea typeface="+mn-ea"/>
+                <a:cs typeface="Arial"/>
+              </a:rPr>
+              <a:t> </a:t>
+            </a:r>
+            <a:r>
+              <a:rPr lang="it-IT" b="1" i="1" dirty="0" smtClean="0">
+                <a:solidFill>
+                  <a:schemeClr val="tx1">
+                    <a:lumMod val="75000"/>
+                    <a:lumOff val="25000"/>
+                  </a:schemeClr>
+                </a:solidFill>
+                <a:latin typeface="Arial"/>
+                <a:ea typeface="+mn-ea"/>
+                <a:cs typeface="Arial"/>
+              </a:rPr>
+              <a:t>           </a:t>
+            </a:r>
+            <a:r>
+              <a:rPr lang="it-IT" b="1" i="1" dirty="0" smtClean="0">
+                <a:solidFill>
+                  <a:schemeClr val="tx1">
+                    <a:lumMod val="75000"/>
+                    <a:lumOff val="25000"/>
+                  </a:schemeClr>
+                </a:solidFill>
+                <a:latin typeface="Arial"/>
+                <a:ea typeface="+mn-ea"/>
+                <a:cs typeface="Arial"/>
+                <a:hlinkClick r:id="rId4"/>
+              </a:rPr>
+              <a:t>@</a:t>
+            </a:r>
+            <a:r>
+              <a:rPr lang="it-IT" b="1" i="1" dirty="0" err="1" smtClean="0">
+                <a:solidFill>
+                  <a:schemeClr val="tx1">
+                    <a:lumMod val="75000"/>
+                    <a:lumOff val="25000"/>
+                  </a:schemeClr>
+                </a:solidFill>
+                <a:latin typeface="Arial"/>
+                <a:ea typeface="+mn-ea"/>
+                <a:cs typeface="Arial"/>
+                <a:hlinkClick r:id="rId4"/>
+              </a:rPr>
+              <a:t>ValerioRiva</a:t>
+            </a:r>
+            <a:endParaRPr lang="it-IT" b="1" i="1" dirty="0" smtClean="0">
+              <a:solidFill>
+                <a:schemeClr val="tx1">
+                  <a:lumMod val="75000"/>
+                  <a:lumOff val="25000"/>
+                </a:schemeClr>
+              </a:solidFill>
+              <a:latin typeface="Arial"/>
+              <a:ea typeface="+mn-ea"/>
+              <a:cs typeface="Arial"/>
+            </a:endParaRPr>
+          </a:p>
+          <a:p>
+            <a:pPr fontAlgn="auto">
+              <a:spcBef>
+                <a:spcPts val="0"/>
+              </a:spcBef>
+              <a:spcAft>
+                <a:spcPts val="0"/>
+              </a:spcAft>
+              <a:defRPr/>
+            </a:pPr>
+            <a:endParaRPr lang="it-IT" b="1" i="1" dirty="0" smtClean="0">
+              <a:solidFill>
+                <a:schemeClr val="tx1">
+                  <a:lumMod val="75000"/>
+                  <a:lumOff val="25000"/>
+                </a:schemeClr>
+              </a:solidFill>
+              <a:latin typeface="Arial"/>
+              <a:ea typeface="+mn-ea"/>
+              <a:cs typeface="Arial"/>
+              <a:hlinkClick r:id="rId5"/>
+            </a:endParaRPr>
+          </a:p>
+          <a:p>
+            <a:pPr fontAlgn="auto">
+              <a:spcBef>
+                <a:spcPts val="0"/>
+              </a:spcBef>
+              <a:spcAft>
+                <a:spcPts val="0"/>
+              </a:spcAft>
+              <a:defRPr/>
+            </a:pPr>
+            <a:r>
+              <a:rPr lang="it-IT" b="1" i="1" dirty="0">
+                <a:solidFill>
+                  <a:schemeClr val="tx1">
+                    <a:lumMod val="75000"/>
+                    <a:lumOff val="25000"/>
+                  </a:schemeClr>
+                </a:solidFill>
+                <a:latin typeface="Arial"/>
+                <a:ea typeface="+mn-ea"/>
+                <a:cs typeface="Arial"/>
+              </a:rPr>
+              <a:t>	</a:t>
+            </a:r>
+            <a:r>
+              <a:rPr lang="it-IT" b="1" i="1" dirty="0" smtClean="0">
+                <a:solidFill>
+                  <a:schemeClr val="tx1">
+                    <a:lumMod val="75000"/>
+                    <a:lumOff val="25000"/>
+                  </a:schemeClr>
+                </a:solidFill>
+                <a:latin typeface="Arial"/>
+                <a:ea typeface="+mn-ea"/>
+                <a:cs typeface="Arial"/>
+              </a:rPr>
+              <a:t>    </a:t>
+            </a:r>
+            <a:r>
+              <a:rPr lang="it-IT" b="1" i="1" dirty="0" smtClean="0">
+                <a:solidFill>
+                  <a:schemeClr val="tx1">
+                    <a:lumMod val="75000"/>
+                    <a:lumOff val="25000"/>
+                  </a:schemeClr>
+                </a:solidFill>
+                <a:latin typeface="Arial"/>
+                <a:ea typeface="+mn-ea"/>
+                <a:cs typeface="Arial"/>
+                <a:hlinkClick r:id="rId5"/>
+              </a:rPr>
+              <a:t>http</a:t>
+            </a:r>
+            <a:r>
+              <a:rPr lang="it-IT" b="1" i="1" dirty="0">
+                <a:solidFill>
+                  <a:schemeClr val="tx1">
+                    <a:lumMod val="75000"/>
+                    <a:lumOff val="25000"/>
+                  </a:schemeClr>
+                </a:solidFill>
+                <a:latin typeface="Arial"/>
+                <a:ea typeface="+mn-ea"/>
+                <a:cs typeface="Arial"/>
+                <a:hlinkClick r:id="rId5"/>
+              </a:rPr>
+              <a:t>://it.linkedin.com/in/valerioriva/</a:t>
+            </a:r>
+            <a:endParaRPr lang="it-IT" b="1" i="1" dirty="0">
+              <a:solidFill>
+                <a:schemeClr val="tx1">
+                  <a:lumMod val="75000"/>
+                  <a:lumOff val="25000"/>
+                </a:schemeClr>
+              </a:solidFill>
+              <a:latin typeface="Arial"/>
+              <a:ea typeface="+mn-ea"/>
+              <a:cs typeface="Arial"/>
+            </a:endParaRPr>
+          </a:p>
+        </p:txBody>
+      </p:sp>
+      <p:pic>
+        <p:nvPicPr>
+          <p:cNvPr id="5" name="Immagine 4"/>
+          <p:cNvPicPr>
+            <a:picLocks noChangeAspect="1"/>
+          </p:cNvPicPr>
+          <p:nvPr/>
+        </p:nvPicPr>
+        <p:blipFill>
+          <a:blip r:embed="rId6">
+            <a:extLst>
+              <a:ext uri="{28A0092B-C50C-407E-A947-70E740481C1C}">
+                <a14:useLocalDpi xmlns:a14="http://schemas.microsoft.com/office/drawing/2010/main" val="0"/>
+              </a:ext>
+            </a:extLst>
+          </a:blip>
+          <a:stretch>
+            <a:fillRect/>
+          </a:stretch>
+        </p:blipFill>
+        <p:spPr>
+          <a:xfrm>
+            <a:off x="2648922" y="4923418"/>
+            <a:ext cx="643136" cy="643136"/>
+          </a:xfrm>
+          <a:prstGeom prst="rect">
+            <a:avLst/>
+          </a:prstGeom>
+        </p:spPr>
+      </p:pic>
+      <p:pic>
+        <p:nvPicPr>
+          <p:cNvPr id="6" name="Immagine 5"/>
+          <p:cNvPicPr>
+            <a:picLocks noChangeAspect="1"/>
+          </p:cNvPicPr>
+          <p:nvPr/>
+        </p:nvPicPr>
+        <p:blipFill>
+          <a:blip r:embed="rId7">
+            <a:extLst>
+              <a:ext uri="{28A0092B-C50C-407E-A947-70E740481C1C}">
+                <a14:useLocalDpi xmlns:a14="http://schemas.microsoft.com/office/drawing/2010/main" val="0"/>
+              </a:ext>
+            </a:extLst>
+          </a:blip>
+          <a:stretch>
+            <a:fillRect/>
+          </a:stretch>
+        </p:blipFill>
+        <p:spPr>
+          <a:xfrm>
+            <a:off x="2680880" y="5571490"/>
+            <a:ext cx="556266" cy="557193"/>
+          </a:xfrm>
+          <a:prstGeom prst="rect">
+            <a:avLst/>
+          </a:prstGeom>
+        </p:spPr>
+      </p:pic>
+      <p:pic>
+        <p:nvPicPr>
+          <p:cNvPr id="7" name="Immagine 6"/>
+          <p:cNvPicPr>
+            <a:picLocks noChangeAspect="1"/>
+          </p:cNvPicPr>
+          <p:nvPr/>
+        </p:nvPicPr>
+        <p:blipFill>
+          <a:blip r:embed="rId8">
+            <a:extLst>
+              <a:ext uri="{28A0092B-C50C-407E-A947-70E740481C1C}">
+                <a14:useLocalDpi xmlns:a14="http://schemas.microsoft.com/office/drawing/2010/main" val="0"/>
+              </a:ext>
+            </a:extLst>
+          </a:blip>
+          <a:stretch>
+            <a:fillRect/>
+          </a:stretch>
+        </p:blipFill>
+        <p:spPr>
+          <a:xfrm>
+            <a:off x="2611880" y="4380792"/>
+            <a:ext cx="686642" cy="686642"/>
+          </a:xfrm>
+          <a:prstGeom prst="rect">
+            <a:avLst/>
+          </a:prstGeom>
+        </p:spPr>
+      </p:pic>
+    </p:spTree>
+    <p:extLst>
+      <p:ext uri="{BB962C8B-B14F-4D97-AF65-F5344CB8AC3E}">
+        <p14:creationId xmlns:p14="http://schemas.microsoft.com/office/powerpoint/2010/main" val="3863215075"/>
+      </p:ext>
+    </p:extLst>
+  </p:cSld>
+  <p:clrMapOvr>
+    <a:masterClrMapping/>
+  </p:clrMapOvr>
+</p:sld>
+</file>
+
 <file path=ppt/slides/slide3.xml><?xml version="1.0" encoding="utf-8"?>
 <p:sld xmlns:a="http://schemas.openxmlformats.org/drawingml/2006/main" xmlns:r="http://schemas.openxmlformats.org/officeDocument/2006/relationships" xmlns:p="http://schemas.openxmlformats.org/presentationml/2006/main">
   <p:cSld>
@@ -4825,13 +5361,8 @@
           <a:p>
             <a:r>
               <a:rPr lang="en-US" altLang="it-IT" dirty="0" smtClean="0"/>
-              <a:t>Multiplayer </a:t>
-            </a:r>
-            <a:r>
-              <a:rPr lang="en-US" altLang="it-IT" dirty="0" smtClean="0"/>
-              <a:t>architectures &amp; technologies</a:t>
-            </a:r>
-            <a:endParaRPr lang="en-US" altLang="it-IT" dirty="0" smtClean="0"/>
+              <a:t>Multiplayer architectures &amp; technologies</a:t>
+            </a:r>
           </a:p>
           <a:p>
             <a:r>
@@ -4842,20 +5373,11 @@
               <a:rPr lang="en-US" altLang="it-IT" dirty="0" smtClean="0"/>
               <a:t>services</a:t>
             </a:r>
-            <a:endParaRPr lang="en-US" altLang="it-IT" dirty="0" smtClean="0"/>
           </a:p>
           <a:p>
             <a:r>
               <a:rPr lang="en-US" altLang="it-IT" dirty="0" smtClean="0"/>
-              <a:t>Implementation </a:t>
-            </a:r>
-            <a:r>
-              <a:rPr lang="en-US" altLang="it-IT" dirty="0" smtClean="0"/>
-              <a:t>of a simple multiplayer </a:t>
-            </a:r>
-            <a:r>
-              <a:rPr lang="en-US" altLang="it-IT" dirty="0" smtClean="0"/>
-              <a:t>game</a:t>
+              <a:t>Implementation of a simple multiplayer game</a:t>
             </a:r>
           </a:p>
         </p:txBody>

--- a/slides/slides.pptx
+++ b/slides/slides.pptx
@@ -2238,7 +2238,15 @@
           <a:p>
             <a:r>
               <a:rPr lang="en-US" dirty="0"/>
-              <a:t>Hard to use in some other aspect (world consistency</a:t>
+              <a:t>Hard to use in some </a:t>
+            </a:r>
+            <a:r>
+              <a:rPr lang="en-US" dirty="0" smtClean="0"/>
+              <a:t>aspect </a:t>
+            </a:r>
+            <a:r>
+              <a:rPr lang="en-US" dirty="0"/>
+              <a:t>(world consistency</a:t>
             </a:r>
             <a:r>
               <a:rPr lang="en-US" dirty="0" smtClean="0"/>
@@ -2964,11 +2972,15 @@
             </a:pPr>
             <a:r>
               <a:rPr lang="it-IT" dirty="0" smtClean="0"/>
-              <a:t>Can use of UDP </a:t>
+              <a:t>Can use UDP </a:t>
             </a:r>
             <a:r>
               <a:rPr lang="it-IT" dirty="0" err="1" smtClean="0"/>
-              <a:t>protocol</a:t>
+              <a:t>proto</a:t>
+            </a:r>
+            <a:r>
+              <a:rPr lang="it-IT" dirty="0" err="1" smtClean="0"/>
+              <a:t>col</a:t>
             </a:r>
             <a:endParaRPr lang="it-IT" dirty="0" smtClean="0"/>
           </a:p>
@@ -3195,8 +3207,8 @@
               </a:buBlip>
             </a:pPr>
             <a:r>
-              <a:rPr lang="it-IT" strike="sngStrike" dirty="0"/>
-              <a:t>Can use of UDP </a:t>
+              <a:rPr lang="it-IT" strike="sngStrike" dirty="0" smtClean="0"/>
+              <a:t>Can use UDP </a:t>
             </a:r>
             <a:r>
               <a:rPr lang="it-IT" strike="sngStrike" dirty="0" err="1"/>
@@ -3673,12 +3685,16 @@
               </a:buBlip>
             </a:pPr>
             <a:r>
+              <a:rPr lang="it-IT" strike="sngStrike" dirty="0" smtClean="0"/>
+              <a:t>Can use UDP </a:t>
+            </a:r>
+            <a:r>
+              <a:rPr lang="it-IT" strike="sngStrike" dirty="0" err="1"/>
+              <a:t>protocol</a:t>
+            </a:r>
+            <a:r>
               <a:rPr lang="it-IT" strike="sngStrike" dirty="0"/>
-              <a:t>Can use of UDP </a:t>
-            </a:r>
-            <a:r>
-              <a:rPr lang="it-IT" strike="sngStrike" dirty="0" err="1" smtClean="0"/>
-              <a:t>protocol</a:t>
+              <a:t> </a:t>
             </a:r>
             <a:endParaRPr lang="it-IT" strike="sngStrike" dirty="0" smtClean="0"/>
           </a:p>
@@ -3717,10 +3733,9 @@
               <a:t>system</a:t>
             </a:r>
             <a:r>
-              <a:rPr lang="it-IT" dirty="0"/>
+              <a:rPr lang="it-IT" dirty="0" smtClean="0"/>
               <a:t> "</a:t>
             </a:r>
-            <a:endParaRPr lang="it-IT" dirty="0" smtClean="0"/>
           </a:p>
           <a:p>
             <a:pPr>
@@ -3730,7 +3745,11 @@
             </a:pPr>
             <a:r>
               <a:rPr lang="it-IT" dirty="0" smtClean="0"/>
-              <a:t>Rooms!</a:t>
+              <a:t>Rooms</a:t>
+            </a:r>
+            <a:r>
+              <a:rPr lang="it-IT" dirty="0" smtClean="0"/>
+              <a:t>!</a:t>
             </a:r>
           </a:p>
           <a:p>
@@ -6821,7 +6840,7 @@
           </a:p>
           <a:p>
             <a:r>
-              <a:rPr lang="en-US" dirty="0"/>
+              <a:rPr lang="en-US" dirty="0" smtClean="0"/>
               <a:t>“</a:t>
             </a:r>
             <a:r>

--- a/slides/slides.pptx
+++ b/slides/slides.pptx
@@ -9831,11 +9831,7 @@
           <a:p>
             <a:r>
               <a:rPr lang="it-IT" smtClean="0"/>
-              <a:t>Pong</a:t>
-            </a:r>
-            <a:r>
-              <a:rPr lang="it-IT" smtClean="0"/>
-              <a:t>4 Server: broadcasting data</a:t>
+              <a:t>Pong4 Server: broadcasting data</a:t>
             </a:r>
             <a:endParaRPr lang="it-IT" dirty="0"/>
           </a:p>
@@ -15954,10 +15950,19 @@
               <a:rPr lang="it-IT" dirty="0" smtClean="0">
                 <a:hlinkClick r:id="rId2"/>
               </a:rPr>
-              <a:t>http://pong4.eu-gb.mybluemix.net/</a:t>
+              <a:t>http://socket.io/</a:t>
+            </a:r>
+            <a:endParaRPr lang="it-IT" dirty="0" smtClean="0"/>
+          </a:p>
+          <a:p>
+            <a:r>
+              <a:rPr lang="it-IT" dirty="0" smtClean="0">
+                <a:hlinkClick r:id="rId3"/>
+              </a:rPr>
+              <a:t>http://phaser.io/</a:t>
             </a:r>
             <a:endParaRPr lang="it-IT" dirty="0" smtClean="0">
-              <a:hlinkClick r:id="rId3"/>
+              <a:hlinkClick r:id="rId4"/>
             </a:endParaRPr>
           </a:p>
           <a:p>
@@ -15965,34 +15970,51 @@
               <a:rPr lang="it-IT" dirty="0" smtClean="0">
                 <a:hlinkClick r:id="rId4"/>
               </a:rPr>
-              <a:t>https</a:t>
-            </a:r>
-            <a:r>
-              <a:rPr lang="it-IT" dirty="0">
-                <a:hlinkClick r:id="rId4"/>
-              </a:rPr>
-              <a:t>://</a:t>
+              <a:t>http</a:t>
             </a:r>
             <a:r>
               <a:rPr lang="it-IT" dirty="0" smtClean="0">
                 <a:hlinkClick r:id="rId4"/>
               </a:rPr>
-              <a:t>github.com/Lotti/codemotion2015/</a:t>
-            </a:r>
-            <a:endParaRPr lang="it-IT" dirty="0">
-              <a:hlinkClick r:id="rId3"/>
+              <a:t>://pong4.eu-gb.mybluemix.net/</a:t>
+            </a:r>
+            <a:endParaRPr lang="it-IT" dirty="0" smtClean="0">
+              <a:hlinkClick r:id="rId5"/>
             </a:endParaRPr>
           </a:p>
           <a:p>
             <a:r>
               <a:rPr lang="it-IT" dirty="0" smtClean="0">
-                <a:hlinkClick r:id="rId3"/>
+                <a:hlinkClick r:id="rId6"/>
               </a:rPr>
               <a:t>https</a:t>
             </a:r>
             <a:r>
               <a:rPr lang="it-IT" dirty="0">
-                <a:hlinkClick r:id="rId3"/>
+                <a:hlinkClick r:id="rId6"/>
+              </a:rPr>
+              <a:t>://</a:t>
+            </a:r>
+            <a:r>
+              <a:rPr lang="it-IT" dirty="0" smtClean="0">
+                <a:hlinkClick r:id="rId6"/>
+              </a:rPr>
+              <a:t>github.com/Lotti/codemotion2015/</a:t>
+            </a:r>
+            <a:endParaRPr lang="it-IT" dirty="0">
+              <a:hlinkClick r:id="rId5"/>
+            </a:endParaRPr>
+          </a:p>
+          <a:p>
+            <a:r>
+              <a:rPr lang="it-IT" dirty="0" smtClean="0">
+                <a:hlinkClick r:id="rId5"/>
+              </a:rPr>
+              <a:t>https</a:t>
+            </a:r>
+            <a:r>
+              <a:rPr lang="it-IT" dirty="0">
+                <a:hlinkClick r:id="rId5"/>
               </a:rPr>
               <a:t>://developers.google.com/games/services/</a:t>
             </a:r>
@@ -16001,19 +16023,19 @@
           <a:p>
             <a:r>
               <a:rPr lang="it-IT" dirty="0" smtClean="0">
-                <a:hlinkClick r:id="rId5"/>
+                <a:hlinkClick r:id="rId7"/>
               </a:rPr>
               <a:t>https</a:t>
             </a:r>
             <a:r>
               <a:rPr lang="it-IT" dirty="0">
-                <a:hlinkClick r:id="rId5"/>
+                <a:hlinkClick r:id="rId7"/>
               </a:rPr>
               <a:t>://</a:t>
             </a:r>
             <a:r>
               <a:rPr lang="it-IT" dirty="0" smtClean="0">
-                <a:hlinkClick r:id="rId5"/>
+                <a:hlinkClick r:id="rId7"/>
               </a:rPr>
               <a:t>www.exitgames.com/en/Realtime</a:t>
             </a:r>
@@ -16022,13 +16044,13 @@
           <a:p>
             <a:r>
               <a:rPr lang="it-IT" dirty="0">
-                <a:hlinkClick r:id="rId6"/>
+                <a:hlinkClick r:id="rId8"/>
               </a:rPr>
               <a:t>http://www.smartfoxserver.com</a:t>
             </a:r>
             <a:r>
               <a:rPr lang="it-IT" dirty="0" smtClean="0">
-                <a:hlinkClick r:id="rId6"/>
+                <a:hlinkClick r:id="rId8"/>
               </a:rPr>
               <a:t>/</a:t>
             </a:r>
@@ -16037,13 +16059,13 @@
           <a:p>
             <a:r>
               <a:rPr lang="it-IT" dirty="0">
-                <a:hlinkClick r:id="rId7"/>
+                <a:hlinkClick r:id="rId9"/>
               </a:rPr>
               <a:t>https://developer.apple.com/game-center</a:t>
             </a:r>
             <a:r>
               <a:rPr lang="it-IT" dirty="0" smtClean="0">
-                <a:hlinkClick r:id="rId7"/>
+                <a:hlinkClick r:id="rId9"/>
               </a:rPr>
               <a:t>/</a:t>
             </a:r>
@@ -16052,13 +16074,13 @@
           <a:p>
             <a:r>
               <a:rPr lang="it-IT" dirty="0">
-                <a:hlinkClick r:id="rId8"/>
+                <a:hlinkClick r:id="rId10"/>
               </a:rPr>
               <a:t>http://appwarp.shephertz.com</a:t>
             </a:r>
             <a:r>
               <a:rPr lang="it-IT" dirty="0" smtClean="0">
-                <a:hlinkClick r:id="rId8"/>
+                <a:hlinkClick r:id="rId10"/>
               </a:rPr>
               <a:t>/</a:t>
             </a:r>

--- a/slides/slides.pptx
+++ b/slides/slides.pptx
@@ -19,20 +19,21 @@
     <p:sldId id="272" r:id="rId13"/>
     <p:sldId id="279" r:id="rId14"/>
     <p:sldId id="276" r:id="rId15"/>
-    <p:sldId id="277" r:id="rId16"/>
-    <p:sldId id="274" r:id="rId17"/>
-    <p:sldId id="280" r:id="rId18"/>
-    <p:sldId id="281" r:id="rId19"/>
-    <p:sldId id="282" r:id="rId20"/>
-    <p:sldId id="285" r:id="rId21"/>
-    <p:sldId id="287" r:id="rId22"/>
-    <p:sldId id="288" r:id="rId23"/>
-    <p:sldId id="291" r:id="rId24"/>
-    <p:sldId id="289" r:id="rId25"/>
-    <p:sldId id="290" r:id="rId26"/>
-    <p:sldId id="283" r:id="rId27"/>
-    <p:sldId id="286" r:id="rId28"/>
-    <p:sldId id="284" r:id="rId29"/>
+    <p:sldId id="292" r:id="rId16"/>
+    <p:sldId id="277" r:id="rId17"/>
+    <p:sldId id="274" r:id="rId18"/>
+    <p:sldId id="280" r:id="rId19"/>
+    <p:sldId id="281" r:id="rId20"/>
+    <p:sldId id="282" r:id="rId21"/>
+    <p:sldId id="285" r:id="rId22"/>
+    <p:sldId id="287" r:id="rId23"/>
+    <p:sldId id="288" r:id="rId24"/>
+    <p:sldId id="291" r:id="rId25"/>
+    <p:sldId id="289" r:id="rId26"/>
+    <p:sldId id="290" r:id="rId27"/>
+    <p:sldId id="283" r:id="rId28"/>
+    <p:sldId id="286" r:id="rId29"/>
+    <p:sldId id="284" r:id="rId30"/>
   </p:sldIdLst>
   <p:sldSz cx="9144000" cy="6858000" type="screen4x3"/>
   <p:notesSz cx="6858000" cy="9144000"/>
@@ -2125,12 +2126,8 @@
           </a:p>
           <a:p>
             <a:r>
-              <a:rPr lang="en-US" i="1" u="sng" dirty="0"/>
-              <a:t>Hard</a:t>
-            </a:r>
-            <a:r>
               <a:rPr lang="en-US" dirty="0"/>
-              <a:t> to develop, easy to maintain, low costs</a:t>
+              <a:t>Hard to develop, easy to maintain, low costs</a:t>
             </a:r>
           </a:p>
           <a:p>
@@ -3108,7 +3105,19 @@
           <a:p>
             <a:r>
               <a:rPr lang="it-IT" dirty="0" err="1" smtClean="0"/>
-              <a:t>WebSocket</a:t>
+              <a:t>Socket</a:t>
+            </a:r>
+            <a:r>
+              <a:rPr lang="it-IT" dirty="0" smtClean="0"/>
+              <a:t> </a:t>
+            </a:r>
+            <a:r>
+              <a:rPr lang="it-IT" dirty="0" err="1" smtClean="0"/>
+              <a:t>handling</a:t>
+            </a:r>
+            <a:r>
+              <a:rPr lang="it-IT" dirty="0" smtClean="0"/>
+              <a:t> on Unity3D</a:t>
             </a:r>
             <a:endParaRPr lang="it-IT" dirty="0"/>
           </a:p>
@@ -3129,180 +3138,20 @@
           <a:bodyPr/>
           <a:lstStyle/>
           <a:p>
-            <a:r>
-              <a:rPr lang="it-IT" dirty="0"/>
-              <a:t>Full-duplex </a:t>
-            </a:r>
-            <a:r>
-              <a:rPr lang="it-IT" dirty="0" err="1" smtClean="0"/>
-              <a:t>channel</a:t>
-            </a:r>
-            <a:r>
-              <a:rPr lang="it-IT" dirty="0" smtClean="0"/>
-              <a:t> </a:t>
-            </a:r>
-            <a:r>
-              <a:rPr lang="it-IT" dirty="0"/>
-              <a:t>over a single TCP connection</a:t>
-            </a:r>
-          </a:p>
-          <a:p>
-            <a:r>
-              <a:rPr lang="it-IT" dirty="0"/>
-              <a:t>Works </a:t>
-            </a:r>
-            <a:r>
-              <a:rPr lang="it-IT" dirty="0" err="1"/>
-              <a:t>as</a:t>
-            </a:r>
-            <a:r>
-              <a:rPr lang="it-IT" dirty="0"/>
-              <a:t> an upgrade of standard HTTP </a:t>
-            </a:r>
-            <a:r>
-              <a:rPr lang="it-IT" dirty="0" smtClean="0"/>
-              <a:t>connection</a:t>
-            </a:r>
-          </a:p>
-          <a:p>
-            <a:r>
-              <a:rPr lang="it-IT" dirty="0" err="1" smtClean="0"/>
-              <a:t>WebSocket</a:t>
-            </a:r>
-            <a:r>
-              <a:rPr lang="it-IT" dirty="0" smtClean="0"/>
-              <a:t> </a:t>
-            </a:r>
-            <a:r>
-              <a:rPr lang="it-IT" dirty="0" err="1" smtClean="0"/>
-              <a:t>instead</a:t>
-            </a:r>
-            <a:r>
-              <a:rPr lang="it-IT" dirty="0" smtClean="0"/>
-              <a:t> of </a:t>
-            </a:r>
-            <a:r>
-              <a:rPr lang="it-IT" dirty="0" err="1" smtClean="0"/>
-              <a:t>Socket</a:t>
-            </a:r>
             <a:endParaRPr lang="it-IT" dirty="0"/>
-          </a:p>
-          <a:p>
-            <a:pPr lvl="1">
-              <a:buBlip>
-                <a:blip r:embed="rId2"/>
-              </a:buBlip>
-            </a:pPr>
-            <a:r>
-              <a:rPr lang="it-IT" dirty="0"/>
-              <a:t>Full-duplex</a:t>
-            </a:r>
-            <a:r>
-              <a:rPr lang="it-IT" dirty="0" smtClean="0"/>
-              <a:t> </a:t>
-            </a:r>
-            <a:r>
-              <a:rPr lang="it-IT" dirty="0" err="1"/>
-              <a:t>communication</a:t>
-            </a:r>
-            <a:endParaRPr lang="it-IT" dirty="0"/>
-          </a:p>
-          <a:p>
-            <a:pPr lvl="1">
-              <a:buBlip>
-                <a:blip r:embed="rId2"/>
-              </a:buBlip>
-            </a:pPr>
-            <a:r>
-              <a:rPr lang="it-IT" dirty="0"/>
-              <a:t>Real time!</a:t>
-            </a:r>
-          </a:p>
-          <a:p>
-            <a:pPr lvl="1">
-              <a:buBlip>
-                <a:blip r:embed="rId2"/>
-              </a:buBlip>
-            </a:pPr>
-            <a:r>
-              <a:rPr lang="it-IT" strike="sngStrike" dirty="0" smtClean="0"/>
-              <a:t>Can use UDP </a:t>
-            </a:r>
-            <a:r>
-              <a:rPr lang="it-IT" strike="sngStrike" dirty="0" err="1"/>
-              <a:t>protocol</a:t>
-            </a:r>
-            <a:endParaRPr lang="it-IT" strike="sngStrike" dirty="0"/>
-          </a:p>
-          <a:p>
-            <a:pPr lvl="1">
-              <a:buBlip>
-                <a:blip r:embed="rId3"/>
-              </a:buBlip>
-            </a:pPr>
-            <a:r>
-              <a:rPr lang="it-IT" dirty="0"/>
-              <a:t>A </a:t>
-            </a:r>
-            <a:r>
-              <a:rPr lang="it-IT" dirty="0" err="1"/>
-              <a:t>stream</a:t>
-            </a:r>
-            <a:r>
-              <a:rPr lang="it-IT" dirty="0"/>
-              <a:t> of byte</a:t>
-            </a:r>
-          </a:p>
-          <a:p>
-            <a:pPr lvl="1">
-              <a:buBlip>
-                <a:blip r:embed="rId3"/>
-              </a:buBlip>
-            </a:pPr>
-            <a:r>
-              <a:rPr lang="it-IT" dirty="0" err="1"/>
-              <a:t>Permanent</a:t>
-            </a:r>
-            <a:r>
-              <a:rPr lang="it-IT" dirty="0"/>
-              <a:t> connection </a:t>
-            </a:r>
-            <a:r>
-              <a:rPr lang="it-IT" dirty="0" err="1"/>
-              <a:t>required</a:t>
-            </a:r>
-            <a:endParaRPr lang="it-IT" dirty="0"/>
-          </a:p>
-          <a:p>
-            <a:pPr lvl="1">
-              <a:buBlip>
-                <a:blip r:embed="rId3"/>
-              </a:buBlip>
-            </a:pPr>
-            <a:r>
-              <a:rPr lang="it-IT" strike="sngStrike" dirty="0"/>
-              <a:t>Firewall :\</a:t>
-            </a:r>
           </a:p>
         </p:txBody>
       </p:sp>
     </p:spTree>
     <p:extLst>
       <p:ext uri="{BB962C8B-B14F-4D97-AF65-F5344CB8AC3E}">
-        <p14:creationId xmlns:p14="http://schemas.microsoft.com/office/powerpoint/2010/main" val="38529880"/>
+        <p14:creationId xmlns:p14="http://schemas.microsoft.com/office/powerpoint/2010/main" val="2861199834"/>
       </p:ext>
     </p:extLst>
   </p:cSld>
   <p:clrMapOvr>
     <a:masterClrMapping/>
   </p:clrMapOvr>
-  <p:timing>
-    <p:tnLst>
-      <p:par>
-        <p:cTn id="1" dur="indefinite" restart="never" nodeType="tmRoot"/>
-      </p:par>
-    </p:tnLst>
-  </p:timing>
 </p:sld>
 </file>
 
@@ -3339,8 +3188,8 @@
           <a:lstStyle/>
           <a:p>
             <a:r>
-              <a:rPr lang="en-US" dirty="0" smtClean="0"/>
-              <a:t>Socket.io</a:t>
+              <a:rPr lang="it-IT" dirty="0" err="1" smtClean="0"/>
+              <a:t>WebSocket</a:t>
             </a:r>
             <a:endParaRPr lang="it-IT" dirty="0"/>
           </a:p>
@@ -3362,20 +3211,44 @@
           <a:lstStyle/>
           <a:p>
             <a:r>
-              <a:rPr lang="it-IT" dirty="0" smtClean="0"/>
-              <a:t>A </a:t>
+              <a:rPr lang="it-IT" dirty="0"/>
+              <a:t>Full-duplex </a:t>
             </a:r>
             <a:r>
               <a:rPr lang="it-IT" dirty="0" err="1" smtClean="0"/>
-              <a:t>Javascript</a:t>
+              <a:t>channel</a:t>
             </a:r>
             <a:r>
               <a:rPr lang="it-IT" dirty="0" smtClean="0"/>
               <a:t> </a:t>
             </a:r>
             <a:r>
+              <a:rPr lang="it-IT" dirty="0"/>
+              <a:t>over a single TCP connection</a:t>
+            </a:r>
+          </a:p>
+          <a:p>
+            <a:r>
+              <a:rPr lang="it-IT" dirty="0"/>
+              <a:t>Works </a:t>
+            </a:r>
+            <a:r>
+              <a:rPr lang="it-IT" dirty="0" err="1"/>
+              <a:t>as</a:t>
+            </a:r>
+            <a:r>
+              <a:rPr lang="it-IT" dirty="0"/>
+              <a:t> an upgrade of standard HTTP </a:t>
+            </a:r>
+            <a:r>
+              <a:rPr lang="it-IT" dirty="0" smtClean="0"/>
+              <a:t>connection</a:t>
+            </a:r>
+          </a:p>
+          <a:p>
+            <a:r>
               <a:rPr lang="it-IT" dirty="0" err="1" smtClean="0"/>
-              <a:t>library</a:t>
+              <a:t>WebSocket</a:t>
             </a:r>
             <a:r>
               <a:rPr lang="it-IT" dirty="0" smtClean="0"/>
@@ -3383,206 +3256,121 @@
             </a:r>
             <a:r>
               <a:rPr lang="it-IT" dirty="0" err="1" smtClean="0"/>
-              <a:t>that</a:t>
+              <a:t>instead</a:t>
+            </a:r>
+            <a:r>
+              <a:rPr lang="it-IT" dirty="0" smtClean="0"/>
+              <a:t> of </a:t>
+            </a:r>
+            <a:r>
+              <a:rPr lang="it-IT" dirty="0" err="1" smtClean="0"/>
+              <a:t>Socket</a:t>
+            </a:r>
+            <a:endParaRPr lang="it-IT" dirty="0"/>
+          </a:p>
+          <a:p>
+            <a:pPr lvl="1">
+              <a:buBlip>
+                <a:blip r:embed="rId2"/>
+              </a:buBlip>
+            </a:pPr>
+            <a:r>
+              <a:rPr lang="it-IT" dirty="0"/>
+              <a:t>Full-duplex</a:t>
             </a:r>
             <a:r>
               <a:rPr lang="it-IT" dirty="0" smtClean="0"/>
               <a:t> </a:t>
             </a:r>
             <a:r>
-              <a:rPr lang="it-IT" dirty="0" err="1" smtClean="0"/>
-              <a:t>enhances</a:t>
-            </a:r>
-            <a:r>
-              <a:rPr lang="it-IT" dirty="0" smtClean="0"/>
-              <a:t> </a:t>
-            </a:r>
-            <a:r>
-              <a:rPr lang="it-IT" dirty="0" err="1" smtClean="0"/>
-              <a:t>WebSocket</a:t>
-            </a:r>
-            <a:endParaRPr lang="it-IT" dirty="0" smtClean="0"/>
+              <a:rPr lang="it-IT" dirty="0" err="1"/>
+              <a:t>communication</a:t>
+            </a:r>
+            <a:endParaRPr lang="it-IT" dirty="0"/>
           </a:p>
           <a:p>
-            <a:r>
-              <a:rPr lang="it-IT" dirty="0" smtClean="0"/>
-              <a:t>Easy to use</a:t>
+            <a:pPr lvl="1">
+              <a:buBlip>
+                <a:blip r:embed="rId2"/>
+              </a:buBlip>
+            </a:pPr>
+            <a:r>
+              <a:rPr lang="it-IT" dirty="0"/>
+              <a:t>Real time!</a:t>
             </a:r>
           </a:p>
           <a:p>
-            <a:r>
-              <a:rPr lang="it-IT" dirty="0" err="1" smtClean="0"/>
-              <a:t>Event-driven</a:t>
-            </a:r>
-            <a:endParaRPr lang="it-IT" dirty="0" smtClean="0"/>
+            <a:pPr lvl="1">
+              <a:buBlip>
+                <a:blip r:embed="rId2"/>
+              </a:buBlip>
+            </a:pPr>
+            <a:r>
+              <a:rPr lang="it-IT" strike="sngStrike" dirty="0" smtClean="0"/>
+              <a:t>Can use UDP </a:t>
+            </a:r>
+            <a:r>
+              <a:rPr lang="it-IT" strike="sngStrike" dirty="0" err="1"/>
+              <a:t>protocol</a:t>
+            </a:r>
+            <a:endParaRPr lang="it-IT" strike="sngStrike" dirty="0"/>
           </a:p>
           <a:p>
-            <a:r>
-              <a:rPr lang="it-IT" dirty="0" smtClean="0"/>
-              <a:t>Falls back to </a:t>
-            </a:r>
-            <a:r>
-              <a:rPr lang="it-IT" dirty="0" err="1" smtClean="0"/>
-              <a:t>other</a:t>
-            </a:r>
+            <a:pPr lvl="1">
+              <a:buBlip>
+                <a:blip r:embed="rId3"/>
+              </a:buBlip>
+            </a:pPr>
             <a:r>
               <a:rPr lang="it-IT" dirty="0"/>
-              <a:t> </a:t>
+              <a:t>A </a:t>
             </a:r>
             <a:r>
               <a:rPr lang="it-IT" dirty="0" err="1"/>
-              <a:t>technologies</a:t>
+              <a:t>stream</a:t>
             </a:r>
             <a:r>
               <a:rPr lang="it-IT" dirty="0"/>
-              <a:t> </a:t>
-            </a:r>
-            <a:r>
-              <a:rPr lang="it-IT" dirty="0" err="1"/>
-              <a:t>if</a:t>
-            </a:r>
-            <a:r>
-              <a:rPr lang="it-IT" dirty="0"/>
-              <a:t> </a:t>
-            </a:r>
-            <a:r>
-              <a:rPr lang="it-IT" dirty="0" err="1" smtClean="0"/>
-              <a:t>WebSocket</a:t>
-            </a:r>
-            <a:r>
-              <a:rPr lang="it-IT" dirty="0" smtClean="0"/>
-              <a:t> </a:t>
-            </a:r>
-            <a:r>
-              <a:rPr lang="it-IT" dirty="0" err="1" smtClean="0"/>
-              <a:t>is</a:t>
-            </a:r>
-            <a:r>
-              <a:rPr lang="it-IT" dirty="0" smtClean="0"/>
-              <a:t> </a:t>
-            </a:r>
-            <a:r>
-              <a:rPr lang="it-IT" dirty="0" err="1" smtClean="0"/>
-              <a:t>not</a:t>
-            </a:r>
-            <a:r>
-              <a:rPr lang="it-IT" dirty="0" smtClean="0"/>
-              <a:t> </a:t>
-            </a:r>
-            <a:r>
-              <a:rPr lang="it-IT" dirty="0" err="1" smtClean="0"/>
-              <a:t>available</a:t>
-            </a:r>
-            <a:endParaRPr lang="it-IT" dirty="0" smtClean="0"/>
+              <a:t> of byte</a:t>
+            </a:r>
           </a:p>
           <a:p>
-            <a:r>
-              <a:rPr lang="it-IT" dirty="0" err="1" smtClean="0"/>
-              <a:t>Adds</a:t>
-            </a:r>
-            <a:r>
-              <a:rPr lang="it-IT" dirty="0" smtClean="0"/>
-              <a:t> </a:t>
-            </a:r>
-            <a:r>
-              <a:rPr lang="it-IT" dirty="0" err="1" smtClean="0"/>
-              <a:t>broadcasting</a:t>
-            </a:r>
-            <a:endParaRPr lang="it-IT" dirty="0" smtClean="0"/>
+            <a:pPr lvl="1">
+              <a:buBlip>
+                <a:blip r:embed="rId3"/>
+              </a:buBlip>
+            </a:pPr>
+            <a:r>
+              <a:rPr lang="it-IT" dirty="0" err="1"/>
+              <a:t>Permanent</a:t>
+            </a:r>
+            <a:r>
+              <a:rPr lang="it-IT" dirty="0"/>
+              <a:t> connection </a:t>
+            </a:r>
+            <a:r>
+              <a:rPr lang="it-IT" dirty="0" err="1"/>
+              <a:t>required</a:t>
+            </a:r>
+            <a:endParaRPr lang="it-IT" dirty="0"/>
           </a:p>
           <a:p>
-            <a:r>
-              <a:rPr lang="it-IT" dirty="0" err="1" smtClean="0"/>
-              <a:t>Adds</a:t>
-            </a:r>
-            <a:r>
-              <a:rPr lang="it-IT" dirty="0" smtClean="0"/>
-              <a:t> </a:t>
-            </a:r>
-            <a:r>
-              <a:rPr lang="it-IT" dirty="0" err="1"/>
-              <a:t>s</a:t>
-            </a:r>
-            <a:r>
-              <a:rPr lang="it-IT" dirty="0" err="1" smtClean="0"/>
-              <a:t>upport</a:t>
-            </a:r>
-            <a:r>
-              <a:rPr lang="it-IT" dirty="0" smtClean="0"/>
-              <a:t> </a:t>
-            </a:r>
-            <a:r>
-              <a:rPr lang="it-IT" dirty="0"/>
-              <a:t>for "</a:t>
-            </a:r>
-            <a:r>
-              <a:rPr lang="it-IT" dirty="0" err="1"/>
-              <a:t>namespace</a:t>
-            </a:r>
-            <a:r>
-              <a:rPr lang="it-IT" dirty="0"/>
-              <a:t>"</a:t>
-            </a:r>
-            <a:endParaRPr lang="it-IT" dirty="0" smtClean="0"/>
-          </a:p>
-          <a:p>
-            <a:r>
-              <a:rPr lang="it-IT" dirty="0" err="1" smtClean="0"/>
-              <a:t>Adds</a:t>
-            </a:r>
-            <a:r>
-              <a:rPr lang="it-IT" dirty="0" smtClean="0"/>
-              <a:t> </a:t>
-            </a:r>
-            <a:r>
-              <a:rPr lang="it-IT" dirty="0" err="1" smtClean="0"/>
-              <a:t>support</a:t>
-            </a:r>
-            <a:r>
-              <a:rPr lang="it-IT" dirty="0"/>
-              <a:t> </a:t>
-            </a:r>
-            <a:r>
-              <a:rPr lang="it-IT" dirty="0" smtClean="0"/>
-              <a:t>for rooms</a:t>
+            <a:pPr lvl="1">
+              <a:buBlip>
+                <a:blip r:embed="rId3"/>
+              </a:buBlip>
+            </a:pPr>
+            <a:r>
+              <a:rPr lang="it-IT" strike="sngStrike" dirty="0"/>
+              <a:t>Firewall :\</a:t>
             </a:r>
           </a:p>
         </p:txBody>
       </p:sp>
-      <p:pic>
-        <p:nvPicPr>
-          <p:cNvPr id="5" name="Immagine 4"/>
-          <p:cNvPicPr>
-            <a:picLocks noChangeAspect="1"/>
-          </p:cNvPicPr>
-          <p:nvPr/>
-        </p:nvPicPr>
-        <p:blipFill>
-          <a:blip r:embed="rId2">
-            <a:extLst>
-              <a:ext uri="{28A0092B-C50C-407E-A947-70E740481C1C}">
-                <a14:useLocalDpi xmlns:a14="http://schemas.microsoft.com/office/drawing/2010/main" val="0"/>
-              </a:ext>
-            </a:extLst>
-          </a:blip>
-          <a:stretch>
-            <a:fillRect/>
-          </a:stretch>
-        </p:blipFill>
-        <p:spPr>
-          <a:xfrm>
-            <a:off x="5724128" y="5380335"/>
-            <a:ext cx="2791222" cy="828563"/>
-          </a:xfrm>
-          <a:prstGeom prst="rect">
-            <a:avLst/>
-          </a:prstGeom>
-        </p:spPr>
-      </p:pic>
     </p:spTree>
     <p:extLst>
       <p:ext uri="{BB962C8B-B14F-4D97-AF65-F5344CB8AC3E}">
-        <p14:creationId xmlns:p14="http://schemas.microsoft.com/office/powerpoint/2010/main" val="2312867638"/>
+        <p14:creationId xmlns:p14="http://schemas.microsoft.com/office/powerpoint/2010/main" val="38529880"/>
       </p:ext>
     </p:extLst>
   </p:cSld>
@@ -3632,6 +3420,394 @@
           <a:lstStyle/>
           <a:p>
             <a:r>
+              <a:rPr lang="en-US" dirty="0" smtClean="0"/>
+              <a:t>Socket.io</a:t>
+            </a:r>
+            <a:endParaRPr lang="it-IT" dirty="0"/>
+          </a:p>
+        </p:txBody>
+      </p:sp>
+      <p:sp>
+        <p:nvSpPr>
+          <p:cNvPr id="3" name="Segnaposto contenuto 2"/>
+          <p:cNvSpPr>
+            <a:spLocks noGrp="1"/>
+          </p:cNvSpPr>
+          <p:nvPr>
+            <p:ph sz="quarter" idx="10"/>
+          </p:nvPr>
+        </p:nvSpPr>
+        <p:spPr/>
+        <p:txBody>
+          <a:bodyPr/>
+          <a:lstStyle/>
+          <a:p>
+            <a:r>
+              <a:rPr lang="it-IT" dirty="0" smtClean="0"/>
+              <a:t>A </a:t>
+            </a:r>
+            <a:r>
+              <a:rPr lang="it-IT" dirty="0" err="1" smtClean="0"/>
+              <a:t>Javascript</a:t>
+            </a:r>
+            <a:r>
+              <a:rPr lang="it-IT" dirty="0" smtClean="0"/>
+              <a:t> </a:t>
+            </a:r>
+            <a:r>
+              <a:rPr lang="it-IT" dirty="0" err="1" smtClean="0"/>
+              <a:t>library</a:t>
+            </a:r>
+            <a:r>
+              <a:rPr lang="it-IT" dirty="0" smtClean="0"/>
+              <a:t> </a:t>
+            </a:r>
+            <a:r>
+              <a:rPr lang="it-IT" dirty="0" err="1" smtClean="0"/>
+              <a:t>that</a:t>
+            </a:r>
+            <a:r>
+              <a:rPr lang="it-IT" dirty="0" smtClean="0"/>
+              <a:t> </a:t>
+            </a:r>
+            <a:r>
+              <a:rPr lang="it-IT" dirty="0" err="1" smtClean="0"/>
+              <a:t>enhances</a:t>
+            </a:r>
+            <a:r>
+              <a:rPr lang="it-IT" dirty="0" smtClean="0"/>
+              <a:t> </a:t>
+            </a:r>
+            <a:r>
+              <a:rPr lang="it-IT" dirty="0" err="1" smtClean="0"/>
+              <a:t>WebSocket</a:t>
+            </a:r>
+            <a:endParaRPr lang="it-IT" dirty="0" smtClean="0"/>
+          </a:p>
+          <a:p>
+            <a:r>
+              <a:rPr lang="it-IT" dirty="0" smtClean="0"/>
+              <a:t>Easy to use</a:t>
+            </a:r>
+          </a:p>
+          <a:p>
+            <a:r>
+              <a:rPr lang="it-IT" dirty="0" err="1" smtClean="0"/>
+              <a:t>Event-driven</a:t>
+            </a:r>
+            <a:endParaRPr lang="it-IT" dirty="0" smtClean="0"/>
+          </a:p>
+          <a:p>
+            <a:r>
+              <a:rPr lang="it-IT" dirty="0" smtClean="0"/>
+              <a:t>Falls back to </a:t>
+            </a:r>
+            <a:r>
+              <a:rPr lang="it-IT" dirty="0" err="1" smtClean="0"/>
+              <a:t>other</a:t>
+            </a:r>
+            <a:r>
+              <a:rPr lang="it-IT" dirty="0"/>
+              <a:t> </a:t>
+            </a:r>
+            <a:r>
+              <a:rPr lang="it-IT" dirty="0" err="1"/>
+              <a:t>technologies</a:t>
+            </a:r>
+            <a:r>
+              <a:rPr lang="it-IT" dirty="0"/>
+              <a:t> </a:t>
+            </a:r>
+            <a:r>
+              <a:rPr lang="it-IT" dirty="0" err="1"/>
+              <a:t>if</a:t>
+            </a:r>
+            <a:r>
+              <a:rPr lang="it-IT" dirty="0"/>
+              <a:t> </a:t>
+            </a:r>
+            <a:r>
+              <a:rPr lang="it-IT" dirty="0" err="1" smtClean="0"/>
+              <a:t>WebSocket</a:t>
+            </a:r>
+            <a:r>
+              <a:rPr lang="it-IT" dirty="0" smtClean="0"/>
+              <a:t> </a:t>
+            </a:r>
+            <a:r>
+              <a:rPr lang="it-IT" dirty="0" err="1" smtClean="0"/>
+              <a:t>is</a:t>
+            </a:r>
+            <a:r>
+              <a:rPr lang="it-IT" dirty="0" smtClean="0"/>
+              <a:t> </a:t>
+            </a:r>
+            <a:r>
+              <a:rPr lang="it-IT" dirty="0" err="1" smtClean="0"/>
+              <a:t>not</a:t>
+            </a:r>
+            <a:r>
+              <a:rPr lang="it-IT" dirty="0" smtClean="0"/>
+              <a:t> </a:t>
+            </a:r>
+            <a:r>
+              <a:rPr lang="it-IT" dirty="0" err="1" smtClean="0"/>
+              <a:t>available</a:t>
+            </a:r>
+            <a:endParaRPr lang="it-IT" dirty="0" smtClean="0"/>
+          </a:p>
+          <a:p>
+            <a:r>
+              <a:rPr lang="it-IT" dirty="0" err="1" smtClean="0"/>
+              <a:t>Adds</a:t>
+            </a:r>
+            <a:r>
+              <a:rPr lang="it-IT" dirty="0" smtClean="0"/>
+              <a:t> </a:t>
+            </a:r>
+            <a:r>
+              <a:rPr lang="it-IT" dirty="0" err="1" smtClean="0"/>
+              <a:t>broadcasting</a:t>
+            </a:r>
+            <a:endParaRPr lang="it-IT" dirty="0" smtClean="0"/>
+          </a:p>
+          <a:p>
+            <a:r>
+              <a:rPr lang="it-IT" dirty="0" err="1" smtClean="0"/>
+              <a:t>Adds</a:t>
+            </a:r>
+            <a:r>
+              <a:rPr lang="it-IT" dirty="0" smtClean="0"/>
+              <a:t> </a:t>
+            </a:r>
+            <a:r>
+              <a:rPr lang="it-IT" dirty="0" err="1"/>
+              <a:t>s</a:t>
+            </a:r>
+            <a:r>
+              <a:rPr lang="it-IT" dirty="0" err="1" smtClean="0"/>
+              <a:t>upport</a:t>
+            </a:r>
+            <a:r>
+              <a:rPr lang="it-IT" dirty="0" smtClean="0"/>
+              <a:t> to multiplexing with «</a:t>
+            </a:r>
+            <a:r>
+              <a:rPr lang="it-IT" dirty="0" err="1" smtClean="0"/>
+              <a:t>namespaces</a:t>
+            </a:r>
+            <a:r>
+              <a:rPr lang="it-IT" dirty="0" smtClean="0"/>
+              <a:t>»</a:t>
+            </a:r>
+          </a:p>
+          <a:p>
+            <a:r>
+              <a:rPr lang="it-IT" dirty="0" err="1" smtClean="0"/>
+              <a:t>Adds</a:t>
+            </a:r>
+            <a:r>
+              <a:rPr lang="it-IT" dirty="0" smtClean="0"/>
+              <a:t> </a:t>
+            </a:r>
+            <a:r>
+              <a:rPr lang="it-IT" dirty="0" err="1" smtClean="0"/>
+              <a:t>support</a:t>
+            </a:r>
+            <a:r>
+              <a:rPr lang="it-IT" dirty="0"/>
+              <a:t> </a:t>
+            </a:r>
+            <a:r>
+              <a:rPr lang="it-IT" dirty="0" smtClean="0"/>
+              <a:t>to </a:t>
+            </a:r>
+            <a:r>
+              <a:rPr lang="it-IT" b="1" i="1" u="sng" dirty="0" smtClean="0">
+                <a:solidFill>
+                  <a:srgbClr val="FF0000"/>
+                </a:solidFill>
+              </a:rPr>
+              <a:t>ROOMS</a:t>
+            </a:r>
+          </a:p>
+        </p:txBody>
+      </p:sp>
+      <p:pic>
+        <p:nvPicPr>
+          <p:cNvPr id="5" name="Immagine 4"/>
+          <p:cNvPicPr>
+            <a:picLocks noChangeAspect="1"/>
+          </p:cNvPicPr>
+          <p:nvPr/>
+        </p:nvPicPr>
+        <p:blipFill>
+          <a:blip r:embed="rId2">
+            <a:extLst>
+              <a:ext uri="{28A0092B-C50C-407E-A947-70E740481C1C}">
+                <a14:useLocalDpi xmlns:a14="http://schemas.microsoft.com/office/drawing/2010/main" val="0"/>
+              </a:ext>
+            </a:extLst>
+          </a:blip>
+          <a:stretch>
+            <a:fillRect/>
+          </a:stretch>
+        </p:blipFill>
+        <p:spPr>
+          <a:xfrm>
+            <a:off x="5724128" y="5380335"/>
+            <a:ext cx="2791222" cy="828563"/>
+          </a:xfrm>
+          <a:prstGeom prst="rect">
+            <a:avLst/>
+          </a:prstGeom>
+        </p:spPr>
+      </p:pic>
+      <p:sp>
+        <p:nvSpPr>
+          <p:cNvPr id="8" name="Freccia a destra 7"/>
+          <p:cNvSpPr/>
+          <p:nvPr/>
+        </p:nvSpPr>
+        <p:spPr>
+          <a:xfrm rot="18213447">
+            <a:off x="3249020" y="5681931"/>
+            <a:ext cx="792088" cy="691666"/>
+          </a:xfrm>
+          <a:prstGeom prst="rightArrow">
+            <a:avLst/>
+          </a:prstGeom>
+          <a:solidFill>
+            <a:srgbClr val="FF0000"/>
+          </a:solidFill>
+          <a:ln>
+            <a:solidFill>
+              <a:srgbClr val="C00000"/>
+            </a:solidFill>
+          </a:ln>
+        </p:spPr>
+        <p:style>
+          <a:lnRef idx="1">
+            <a:schemeClr val="accent1"/>
+          </a:lnRef>
+          <a:fillRef idx="3">
+            <a:schemeClr val="accent1"/>
+          </a:fillRef>
+          <a:effectRef idx="2">
+            <a:schemeClr val="accent1"/>
+          </a:effectRef>
+          <a:fontRef idx="minor">
+            <a:schemeClr val="lt1"/>
+          </a:fontRef>
+        </p:style>
+        <p:txBody>
+          <a:bodyPr rtlCol="0" anchor="ctr"/>
+          <a:lstStyle/>
+          <a:p>
+            <a:pPr algn="ctr"/>
+            <a:endParaRPr lang="it-IT"/>
+          </a:p>
+        </p:txBody>
+      </p:sp>
+      <p:sp>
+        <p:nvSpPr>
+          <p:cNvPr id="9" name="Freccia a destra 8"/>
+          <p:cNvSpPr/>
+          <p:nvPr/>
+        </p:nvSpPr>
+        <p:spPr>
+          <a:xfrm rot="14401123">
+            <a:off x="4253604" y="5687266"/>
+            <a:ext cx="792088" cy="691666"/>
+          </a:xfrm>
+          <a:prstGeom prst="rightArrow">
+            <a:avLst/>
+          </a:prstGeom>
+          <a:solidFill>
+            <a:srgbClr val="FF0000"/>
+          </a:solidFill>
+          <a:ln>
+            <a:solidFill>
+              <a:srgbClr val="C00000"/>
+            </a:solidFill>
+          </a:ln>
+        </p:spPr>
+        <p:style>
+          <a:lnRef idx="1">
+            <a:schemeClr val="accent1"/>
+          </a:lnRef>
+          <a:fillRef idx="3">
+            <a:schemeClr val="accent1"/>
+          </a:fillRef>
+          <a:effectRef idx="2">
+            <a:schemeClr val="accent1"/>
+          </a:effectRef>
+          <a:fontRef idx="minor">
+            <a:schemeClr val="lt1"/>
+          </a:fontRef>
+        </p:style>
+        <p:txBody>
+          <a:bodyPr rtlCol="0" anchor="ctr"/>
+          <a:lstStyle/>
+          <a:p>
+            <a:pPr algn="ctr"/>
+            <a:endParaRPr lang="it-IT"/>
+          </a:p>
+        </p:txBody>
+      </p:sp>
+    </p:spTree>
+    <p:extLst>
+      <p:ext uri="{BB962C8B-B14F-4D97-AF65-F5344CB8AC3E}">
+        <p14:creationId xmlns:p14="http://schemas.microsoft.com/office/powerpoint/2010/main" val="2312867638"/>
+      </p:ext>
+    </p:extLst>
+  </p:cSld>
+  <p:clrMapOvr>
+    <a:masterClrMapping/>
+  </p:clrMapOvr>
+  <p:timing>
+    <p:tnLst>
+      <p:par>
+        <p:cTn id="1" dur="indefinite" restart="never" nodeType="tmRoot"/>
+      </p:par>
+    </p:tnLst>
+  </p:timing>
+</p:sld>
+</file>
+
+<file path=ppt/slides/slide18.xml><?xml version="1.0" encoding="utf-8"?>
+<p:sld xmlns:a="http://schemas.openxmlformats.org/drawingml/2006/main" xmlns:r="http://schemas.openxmlformats.org/officeDocument/2006/relationships" xmlns:p="http://schemas.openxmlformats.org/presentationml/2006/main">
+  <p:cSld>
+    <p:spTree>
+      <p:nvGrpSpPr>
+        <p:cNvPr id="1" name=""/>
+        <p:cNvGrpSpPr/>
+        <p:nvPr/>
+      </p:nvGrpSpPr>
+      <p:grpSpPr>
+        <a:xfrm>
+          <a:off x="0" y="0"/>
+          <a:ext cx="0" cy="0"/>
+          <a:chOff x="0" y="0"/>
+          <a:chExt cx="0" cy="0"/>
+        </a:xfrm>
+      </p:grpSpPr>
+      <p:sp>
+        <p:nvSpPr>
+          <p:cNvPr id="2" name="Titolo 1"/>
+          <p:cNvSpPr>
+            <a:spLocks noGrp="1"/>
+          </p:cNvSpPr>
+          <p:nvPr>
+            <p:ph type="title"/>
+          </p:nvPr>
+        </p:nvSpPr>
+        <p:spPr/>
+        <p:txBody>
+          <a:bodyPr/>
+          <a:lstStyle/>
+          <a:p>
+            <a:r>
               <a:rPr lang="it-IT" dirty="0" err="1"/>
               <a:t>Socket.io</a:t>
             </a:r>
@@ -3736,7 +3912,7 @@
             </a:r>
             <a:r>
               <a:rPr lang="it-IT" dirty="0" smtClean="0"/>
-              <a:t> "</a:t>
+              <a:t> «</a:t>
             </a:r>
             <a:r>
               <a:rPr lang="it-IT" dirty="0" err="1" smtClean="0"/>
@@ -3752,7 +3928,7 @@
             </a:r>
             <a:r>
               <a:rPr lang="it-IT" dirty="0" smtClean="0"/>
-              <a:t> "</a:t>
+              <a:t>»</a:t>
             </a:r>
           </a:p>
           <a:p>
@@ -3872,7 +4048,7 @@
 </p:sld>
 </file>
 
-<file path=ppt/slides/slide18.xml><?xml version="1.0" encoding="utf-8"?>
+<file path=ppt/slides/slide19.xml><?xml version="1.0" encoding="utf-8"?>
 <p:sld xmlns:a="http://schemas.openxmlformats.org/drawingml/2006/main" xmlns:r="http://schemas.openxmlformats.org/officeDocument/2006/relationships" xmlns:p="http://schemas.openxmlformats.org/presentationml/2006/main">
   <p:cSld>
     <p:spTree>
@@ -3961,184 +4137,6 @@
 </p:sld>
 </file>
 
-<file path=ppt/slides/slide19.xml><?xml version="1.0" encoding="utf-8"?>
-<p:sld xmlns:a="http://schemas.openxmlformats.org/drawingml/2006/main" xmlns:r="http://schemas.openxmlformats.org/officeDocument/2006/relationships" xmlns:p="http://schemas.openxmlformats.org/presentationml/2006/main">
-  <p:cSld>
-    <p:spTree>
-      <p:nvGrpSpPr>
-        <p:cNvPr id="1" name=""/>
-        <p:cNvGrpSpPr/>
-        <p:nvPr/>
-      </p:nvGrpSpPr>
-      <p:grpSpPr>
-        <a:xfrm>
-          <a:off x="0" y="0"/>
-          <a:ext cx="0" cy="0"/>
-          <a:chOff x="0" y="0"/>
-          <a:chExt cx="0" cy="0"/>
-        </a:xfrm>
-      </p:grpSpPr>
-      <p:sp>
-        <p:nvSpPr>
-          <p:cNvPr id="2" name="Titolo 1"/>
-          <p:cNvSpPr>
-            <a:spLocks noGrp="1"/>
-          </p:cNvSpPr>
-          <p:nvPr>
-            <p:ph type="title"/>
-          </p:nvPr>
-        </p:nvSpPr>
-        <p:spPr/>
-        <p:txBody>
-          <a:bodyPr/>
-          <a:lstStyle/>
-          <a:p>
-            <a:r>
-              <a:rPr lang="it-IT" dirty="0" smtClean="0"/>
-              <a:t>Pong4 (2)</a:t>
-            </a:r>
-            <a:endParaRPr lang="it-IT" dirty="0"/>
-          </a:p>
-        </p:txBody>
-      </p:sp>
-      <p:sp>
-        <p:nvSpPr>
-          <p:cNvPr id="3" name="Segnaposto contenuto 2"/>
-          <p:cNvSpPr>
-            <a:spLocks noGrp="1"/>
-          </p:cNvSpPr>
-          <p:nvPr>
-            <p:ph sz="quarter" idx="10"/>
-          </p:nvPr>
-        </p:nvSpPr>
-        <p:spPr/>
-        <p:txBody>
-          <a:bodyPr/>
-          <a:lstStyle/>
-          <a:p>
-            <a:r>
-              <a:rPr lang="it-IT" dirty="0" smtClean="0"/>
-              <a:t>A </a:t>
-            </a:r>
-            <a:r>
-              <a:rPr lang="it-IT" dirty="0" err="1" smtClean="0"/>
-              <a:t>simple</a:t>
-            </a:r>
-            <a:r>
-              <a:rPr lang="it-IT" dirty="0" smtClean="0"/>
-              <a:t> real-time multiplayer "</a:t>
-            </a:r>
-            <a:r>
-              <a:rPr lang="it-IT" dirty="0" err="1" smtClean="0"/>
-              <a:t>Pong</a:t>
-            </a:r>
-            <a:r>
-              <a:rPr lang="it-IT" dirty="0" smtClean="0"/>
-              <a:t>" game</a:t>
-            </a:r>
-          </a:p>
-          <a:p>
-            <a:r>
-              <a:rPr lang="it-IT" dirty="0" err="1" smtClean="0"/>
-              <a:t>Built</a:t>
-            </a:r>
-            <a:r>
-              <a:rPr lang="it-IT" dirty="0" smtClean="0"/>
-              <a:t> with</a:t>
-            </a:r>
-          </a:p>
-          <a:p>
-            <a:pPr lvl="1"/>
-            <a:r>
-              <a:rPr lang="it-IT" dirty="0" err="1" smtClean="0"/>
-              <a:t>phaser.io</a:t>
-            </a:r>
-            <a:r>
-              <a:rPr lang="it-IT" dirty="0" smtClean="0"/>
-              <a:t> (game)</a:t>
-            </a:r>
-          </a:p>
-          <a:p>
-            <a:pPr lvl="1"/>
-            <a:r>
-              <a:rPr lang="it-IT" dirty="0" err="1" smtClean="0"/>
-              <a:t>socket.io</a:t>
-            </a:r>
-            <a:r>
-              <a:rPr lang="it-IT" dirty="0" smtClean="0"/>
-              <a:t> (networking)</a:t>
-            </a:r>
-            <a:endParaRPr lang="it-IT" dirty="0"/>
-          </a:p>
-          <a:p>
-            <a:pPr lvl="1"/>
-            <a:r>
-              <a:rPr lang="it-IT" dirty="0" err="1" smtClean="0"/>
-              <a:t>express.io</a:t>
-            </a:r>
-            <a:r>
-              <a:rPr lang="it-IT" dirty="0" smtClean="0"/>
-              <a:t> (</a:t>
-            </a:r>
-            <a:r>
-              <a:rPr lang="it-IT" dirty="0" err="1" smtClean="0"/>
-              <a:t>content</a:t>
-            </a:r>
-            <a:r>
-              <a:rPr lang="it-IT" dirty="0" smtClean="0"/>
-              <a:t> delivery)</a:t>
-            </a:r>
-          </a:p>
-          <a:p>
-            <a:r>
-              <a:rPr lang="it-IT" dirty="0" err="1" smtClean="0"/>
-              <a:t>Runs</a:t>
-            </a:r>
-            <a:r>
-              <a:rPr lang="it-IT" dirty="0" smtClean="0"/>
-              <a:t> on node.js</a:t>
-            </a:r>
-          </a:p>
-          <a:p>
-            <a:r>
-              <a:rPr lang="it-IT" dirty="0" smtClean="0">
-                <a:hlinkClick r:id="rId2"/>
-              </a:rPr>
-              <a:t>http://pong4.eu-gb.mybluemix.net</a:t>
-            </a:r>
-            <a:endParaRPr lang="it-IT" dirty="0" smtClean="0"/>
-          </a:p>
-          <a:p>
-            <a:r>
-              <a:rPr lang="it-IT" dirty="0">
-                <a:hlinkClick r:id="rId3"/>
-              </a:rPr>
-              <a:t>https://github.com/Lotti/codemotion2015</a:t>
-            </a:r>
-            <a:endParaRPr lang="it-IT" dirty="0"/>
-          </a:p>
-        </p:txBody>
-      </p:sp>
-    </p:spTree>
-    <p:extLst>
-      <p:ext uri="{BB962C8B-B14F-4D97-AF65-F5344CB8AC3E}">
-        <p14:creationId xmlns:p14="http://schemas.microsoft.com/office/powerpoint/2010/main" val="3035390101"/>
-      </p:ext>
-    </p:extLst>
-  </p:cSld>
-  <p:clrMapOvr>
-    <a:masterClrMapping/>
-  </p:clrMapOvr>
-  <p:timing>
-    <p:tnLst>
-      <p:par>
-        <p:cTn id="1" dur="indefinite" restart="never" nodeType="tmRoot"/>
-      </p:par>
-    </p:tnLst>
-  </p:timing>
-</p:sld>
-</file>
-
 <file path=ppt/slides/slide2.xml><?xml version="1.0" encoding="utf-8"?>
 <p:sld xmlns:a="http://schemas.openxmlformats.org/drawingml/2006/main" xmlns:r="http://schemas.openxmlformats.org/officeDocument/2006/relationships" xmlns:p="http://schemas.openxmlformats.org/presentationml/2006/main">
   <p:cSld>
@@ -4260,13 +4258,19 @@
           <a:p>
             <a:r>
               <a:rPr lang="en-US" altLang="it-IT" dirty="0" smtClean="0"/>
-              <a:t>Game developer @ Interactive Project</a:t>
+              <a:t>Game developer @ Interactive </a:t>
+            </a:r>
+            <a:r>
+              <a:rPr lang="en-US" altLang="it-IT" dirty="0" smtClean="0"/>
+              <a:t>Project</a:t>
             </a:r>
           </a:p>
           <a:p>
             <a:pPr lvl="1"/>
             <a:r>
-              <a:rPr lang="en-US" altLang="it-IT" dirty="0" err="1" smtClean="0"/>
+              <a:rPr lang="en-US" altLang="it-IT" dirty="0" err="1" smtClean="0">
+                <a:hlinkClick r:id="rId2"/>
+              </a:rPr>
               <a:t>MyGPTeam</a:t>
             </a:r>
             <a:r>
@@ -4274,27 +4278,28 @@
               <a:t>, </a:t>
             </a:r>
             <a:r>
-              <a:rPr lang="en-US" altLang="it-IT" dirty="0" err="1" smtClean="0"/>
-              <a:t>MyGPTeam</a:t>
+              <a:rPr lang="en-US" altLang="it-IT" dirty="0" smtClean="0">
+                <a:hlinkClick r:id="rId3"/>
+              </a:rPr>
+              <a:t>MyGPTeam Turbo</a:t>
             </a:r>
             <a:r>
               <a:rPr lang="en-US" altLang="it-IT" dirty="0" smtClean="0"/>
-              <a:t> Turbo, </a:t>
-            </a:r>
-            <a:r>
-              <a:rPr lang="en-US" altLang="it-IT" dirty="0" err="1" smtClean="0"/>
-              <a:t>OverVolt</a:t>
-            </a:r>
-            <a:r>
-              <a:rPr lang="en-US" altLang="it-IT" dirty="0" smtClean="0"/>
-              <a:t>: crazy slot cars</a:t>
-            </a:r>
+              <a:t>, </a:t>
+            </a:r>
+            <a:r>
+              <a:rPr lang="en-US" altLang="it-IT" dirty="0" smtClean="0">
+                <a:hlinkClick r:id="rId4"/>
+              </a:rPr>
+              <a:t>OverVolt: crazy slot cars</a:t>
+            </a:r>
+            <a:endParaRPr lang="en-US" altLang="it-IT" dirty="0" smtClean="0"/>
           </a:p>
           <a:p>
             <a:pPr lvl="1"/>
             <a:r>
               <a:rPr lang="en-US" altLang="it-IT" dirty="0" smtClean="0">
-                <a:hlinkClick r:id="rId2"/>
+                <a:hlinkClick r:id="rId5"/>
               </a:rPr>
               <a:t>http://interactiveproject.com/</a:t>
             </a:r>
@@ -4324,7 +4329,7 @@
             <a:pPr lvl="1"/>
             <a:r>
               <a:rPr lang="en-US" altLang="it-IT" dirty="0" smtClean="0">
-                <a:hlinkClick r:id="rId3"/>
+                <a:hlinkClick r:id="rId6"/>
               </a:rPr>
               <a:t>https://coderdojoroma.wordpress.com/</a:t>
             </a:r>
@@ -4384,7 +4389,7 @@
           <a:p>
             <a:r>
               <a:rPr lang="it-IT" dirty="0" smtClean="0"/>
-              <a:t>Pong4 (3)</a:t>
+              <a:t>Pong4 (2)</a:t>
             </a:r>
             <a:endParaRPr lang="it-IT" dirty="0"/>
           </a:p>
@@ -4406,6 +4411,184 @@
           <a:lstStyle/>
           <a:p>
             <a:r>
+              <a:rPr lang="it-IT" dirty="0" smtClean="0"/>
+              <a:t>A </a:t>
+            </a:r>
+            <a:r>
+              <a:rPr lang="it-IT" dirty="0" err="1" smtClean="0"/>
+              <a:t>simple</a:t>
+            </a:r>
+            <a:r>
+              <a:rPr lang="it-IT" dirty="0" smtClean="0"/>
+              <a:t> real-time multiplayer "</a:t>
+            </a:r>
+            <a:r>
+              <a:rPr lang="it-IT" dirty="0" err="1" smtClean="0"/>
+              <a:t>Pong</a:t>
+            </a:r>
+            <a:r>
+              <a:rPr lang="it-IT" dirty="0" smtClean="0"/>
+              <a:t>" game</a:t>
+            </a:r>
+          </a:p>
+          <a:p>
+            <a:r>
+              <a:rPr lang="it-IT" dirty="0" err="1" smtClean="0"/>
+              <a:t>Built</a:t>
+            </a:r>
+            <a:r>
+              <a:rPr lang="it-IT" dirty="0" smtClean="0"/>
+              <a:t> with</a:t>
+            </a:r>
+          </a:p>
+          <a:p>
+            <a:pPr lvl="1"/>
+            <a:r>
+              <a:rPr lang="it-IT" dirty="0" err="1" smtClean="0"/>
+              <a:t>phaser.io</a:t>
+            </a:r>
+            <a:r>
+              <a:rPr lang="it-IT" dirty="0" smtClean="0"/>
+              <a:t> (game)</a:t>
+            </a:r>
+          </a:p>
+          <a:p>
+            <a:pPr lvl="1"/>
+            <a:r>
+              <a:rPr lang="it-IT" dirty="0" err="1" smtClean="0"/>
+              <a:t>socket.io</a:t>
+            </a:r>
+            <a:r>
+              <a:rPr lang="it-IT" dirty="0" smtClean="0"/>
+              <a:t> (networking)</a:t>
+            </a:r>
+            <a:endParaRPr lang="it-IT" dirty="0"/>
+          </a:p>
+          <a:p>
+            <a:pPr lvl="1"/>
+            <a:r>
+              <a:rPr lang="it-IT" dirty="0" err="1" smtClean="0"/>
+              <a:t>express.io</a:t>
+            </a:r>
+            <a:r>
+              <a:rPr lang="it-IT" dirty="0" smtClean="0"/>
+              <a:t> (</a:t>
+            </a:r>
+            <a:r>
+              <a:rPr lang="it-IT" dirty="0" err="1" smtClean="0"/>
+              <a:t>content</a:t>
+            </a:r>
+            <a:r>
+              <a:rPr lang="it-IT" dirty="0" smtClean="0"/>
+              <a:t> delivery)</a:t>
+            </a:r>
+          </a:p>
+          <a:p>
+            <a:r>
+              <a:rPr lang="it-IT" dirty="0" err="1" smtClean="0"/>
+              <a:t>Runs</a:t>
+            </a:r>
+            <a:r>
+              <a:rPr lang="it-IT" dirty="0" smtClean="0"/>
+              <a:t> on node.js</a:t>
+            </a:r>
+          </a:p>
+          <a:p>
+            <a:r>
+              <a:rPr lang="it-IT" dirty="0" smtClean="0">
+                <a:hlinkClick r:id="rId2"/>
+              </a:rPr>
+              <a:t>http://pong4.eu-gb.mybluemix.net</a:t>
+            </a:r>
+            <a:endParaRPr lang="it-IT" dirty="0" smtClean="0"/>
+          </a:p>
+          <a:p>
+            <a:r>
+              <a:rPr lang="it-IT" dirty="0">
+                <a:hlinkClick r:id="rId3"/>
+              </a:rPr>
+              <a:t>https://github.com/Lotti/codemotion2015</a:t>
+            </a:r>
+            <a:endParaRPr lang="it-IT" dirty="0"/>
+          </a:p>
+        </p:txBody>
+      </p:sp>
+    </p:spTree>
+    <p:extLst>
+      <p:ext uri="{BB962C8B-B14F-4D97-AF65-F5344CB8AC3E}">
+        <p14:creationId xmlns:p14="http://schemas.microsoft.com/office/powerpoint/2010/main" val="3035390101"/>
+      </p:ext>
+    </p:extLst>
+  </p:cSld>
+  <p:clrMapOvr>
+    <a:masterClrMapping/>
+  </p:clrMapOvr>
+  <p:timing>
+    <p:tnLst>
+      <p:par>
+        <p:cTn id="1" dur="indefinite" restart="never" nodeType="tmRoot"/>
+      </p:par>
+    </p:tnLst>
+  </p:timing>
+</p:sld>
+</file>
+
+<file path=ppt/slides/slide21.xml><?xml version="1.0" encoding="utf-8"?>
+<p:sld xmlns:a="http://schemas.openxmlformats.org/drawingml/2006/main" xmlns:r="http://schemas.openxmlformats.org/officeDocument/2006/relationships" xmlns:p="http://schemas.openxmlformats.org/presentationml/2006/main">
+  <p:cSld>
+    <p:spTree>
+      <p:nvGrpSpPr>
+        <p:cNvPr id="1" name=""/>
+        <p:cNvGrpSpPr/>
+        <p:nvPr/>
+      </p:nvGrpSpPr>
+      <p:grpSpPr>
+        <a:xfrm>
+          <a:off x="0" y="0"/>
+          <a:ext cx="0" cy="0"/>
+          <a:chOff x="0" y="0"/>
+          <a:chExt cx="0" cy="0"/>
+        </a:xfrm>
+      </p:grpSpPr>
+      <p:sp>
+        <p:nvSpPr>
+          <p:cNvPr id="2" name="Titolo 1"/>
+          <p:cNvSpPr>
+            <a:spLocks noGrp="1"/>
+          </p:cNvSpPr>
+          <p:nvPr>
+            <p:ph type="title"/>
+          </p:nvPr>
+        </p:nvSpPr>
+        <p:spPr/>
+        <p:txBody>
+          <a:bodyPr/>
+          <a:lstStyle/>
+          <a:p>
+            <a:r>
+              <a:rPr lang="it-IT" dirty="0" smtClean="0"/>
+              <a:t>Pong4 (3)</a:t>
+            </a:r>
+            <a:endParaRPr lang="it-IT" dirty="0"/>
+          </a:p>
+        </p:txBody>
+      </p:sp>
+      <p:sp>
+        <p:nvSpPr>
+          <p:cNvPr id="3" name="Segnaposto contenuto 2"/>
+          <p:cNvSpPr>
+            <a:spLocks noGrp="1"/>
+          </p:cNvSpPr>
+          <p:nvPr>
+            <p:ph sz="quarter" idx="10"/>
+          </p:nvPr>
+        </p:nvSpPr>
+        <p:spPr/>
+        <p:txBody>
+          <a:bodyPr/>
+          <a:lstStyle/>
+          <a:p>
+            <a:r>
               <a:rPr lang="it-IT" dirty="0" err="1" smtClean="0"/>
               <a:t>Hybrid</a:t>
             </a:r>
@@ -4558,7 +4741,7 @@
 </p:sld>
 </file>
 
-<file path=ppt/slides/slide21.xml><?xml version="1.0" encoding="utf-8"?>
+<file path=ppt/slides/slide22.xml><?xml version="1.0" encoding="utf-8"?>
 <p:sld xmlns:a="http://schemas.openxmlformats.org/drawingml/2006/main" xmlns:r="http://schemas.openxmlformats.org/officeDocument/2006/relationships" xmlns:p="http://schemas.openxmlformats.org/presentationml/2006/main">
   <p:cSld>
     <p:spTree>
@@ -6820,7 +7003,7 @@
 </p:sld>
 </file>
 
-<file path=ppt/slides/slide22.xml><?xml version="1.0" encoding="utf-8"?>
+<file path=ppt/slides/slide23.xml><?xml version="1.0" encoding="utf-8"?>
 <p:sld xmlns:a="http://schemas.openxmlformats.org/drawingml/2006/main" xmlns:r="http://schemas.openxmlformats.org/officeDocument/2006/relationships" xmlns:p="http://schemas.openxmlformats.org/presentationml/2006/main">
   <p:cSld>
     <p:spTree>
@@ -9797,7 +9980,7 @@
 </p:sld>
 </file>
 
-<file path=ppt/slides/slide23.xml><?xml version="1.0" encoding="utf-8"?>
+<file path=ppt/slides/slide24.xml><?xml version="1.0" encoding="utf-8"?>
 <p:sld xmlns:a="http://schemas.openxmlformats.org/drawingml/2006/main" xmlns:r="http://schemas.openxmlformats.org/officeDocument/2006/relationships" xmlns:p="http://schemas.openxmlformats.org/presentationml/2006/main">
   <p:cSld>
     <p:spTree>
@@ -10381,7 +10564,7 @@
 </p:sld>
 </file>
 
-<file path=ppt/slides/slide24.xml><?xml version="1.0" encoding="utf-8"?>
+<file path=ppt/slides/slide25.xml><?xml version="1.0" encoding="utf-8"?>
 <p:sld xmlns:a="http://schemas.openxmlformats.org/drawingml/2006/main" xmlns:r="http://schemas.openxmlformats.org/officeDocument/2006/relationships" xmlns:p="http://schemas.openxmlformats.org/presentationml/2006/main">
   <p:cSld>
     <p:spTree>
@@ -13409,7 +13592,7 @@
 </p:sld>
 </file>
 
-<file path=ppt/slides/slide25.xml><?xml version="1.0" encoding="utf-8"?>
+<file path=ppt/slides/slide26.xml><?xml version="1.0" encoding="utf-8"?>
 <p:sld xmlns:a="http://schemas.openxmlformats.org/drawingml/2006/main" xmlns:r="http://schemas.openxmlformats.org/officeDocument/2006/relationships" xmlns:p="http://schemas.openxmlformats.org/presentationml/2006/main">
   <p:cSld>
     <p:spTree>
@@ -15495,7 +15678,7 @@
 </p:sld>
 </file>
 
-<file path=ppt/slides/slide26.xml><?xml version="1.0" encoding="utf-8"?>
+<file path=ppt/slides/slide27.xml><?xml version="1.0" encoding="utf-8"?>
 <p:sld xmlns:a="http://schemas.openxmlformats.org/drawingml/2006/main" xmlns:r="http://schemas.openxmlformats.org/officeDocument/2006/relationships" xmlns:p="http://schemas.openxmlformats.org/presentationml/2006/main">
   <p:cSld>
     <p:spTree>
@@ -15891,7 +16074,7 @@
 </p:sld>
 </file>
 
-<file path=ppt/slides/slide27.xml><?xml version="1.0" encoding="utf-8"?>
+<file path=ppt/slides/slide28.xml><?xml version="1.0" encoding="utf-8"?>
 <p:sld xmlns:a="http://schemas.openxmlformats.org/drawingml/2006/main" xmlns:r="http://schemas.openxmlformats.org/officeDocument/2006/relationships" xmlns:p="http://schemas.openxmlformats.org/presentationml/2006/main">
   <p:cSld>
     <p:spTree>
@@ -15970,13 +16153,7 @@
               <a:rPr lang="it-IT" dirty="0" smtClean="0">
                 <a:hlinkClick r:id="rId4"/>
               </a:rPr>
-              <a:t>http</a:t>
-            </a:r>
-            <a:r>
-              <a:rPr lang="it-IT" dirty="0" smtClean="0">
-                <a:hlinkClick r:id="rId4"/>
-              </a:rPr>
-              <a:t>://pong4.eu-gb.mybluemix.net/</a:t>
+              <a:t>http://pong4.eu-gb.mybluemix.net/</a:t>
             </a:r>
             <a:endParaRPr lang="it-IT" dirty="0" smtClean="0">
               <a:hlinkClick r:id="rId5"/>
@@ -16107,7 +16284,7 @@
 </p:sld>
 </file>
 
-<file path=ppt/slides/slide28.xml><?xml version="1.0" encoding="utf-8"?>
+<file path=ppt/slides/slide29.xml><?xml version="1.0" encoding="utf-8"?>
 <p:sld xmlns:a="http://schemas.openxmlformats.org/drawingml/2006/main" xmlns:r="http://schemas.openxmlformats.org/officeDocument/2006/relationships" xmlns:p="http://schemas.openxmlformats.org/presentationml/2006/main">
   <p:cSld>
     <p:spTree>

--- a/slides/slides.pptx
+++ b/slides/slides.pptx
@@ -752,7 +752,7 @@
               </a:buClr>
               <a:buFont typeface="Wingdings" panose="05000000000000000000" pitchFamily="2" charset="2"/>
               <a:buChar char="§"/>
-              <a:defRPr>
+              <a:defRPr sz="2400">
                 <a:latin typeface="Calibri" panose="020F0502020204030204" pitchFamily="34" charset="0"/>
               </a:defRPr>
             </a:lvl2pPr>
@@ -772,7 +772,7 @@
               </a:buClr>
               <a:buFont typeface="Wingdings" panose="05000000000000000000" pitchFamily="2" charset="2"/>
               <a:buChar char="ü"/>
-              <a:defRPr>
+              <a:defRPr sz="1800">
                 <a:latin typeface="Calibri" panose="020F0502020204030204" pitchFamily="34" charset="0"/>
               </a:defRPr>
             </a:lvl4pPr>
@@ -782,7 +782,7 @@
               </a:buClr>
               <a:buFont typeface="Wingdings" panose="05000000000000000000" pitchFamily="2" charset="2"/>
               <a:buChar char="v"/>
-              <a:defRPr>
+              <a:defRPr sz="1600">
                 <a:latin typeface="Calibri" panose="020F0502020204030204" pitchFamily="34" charset="0"/>
               </a:defRPr>
             </a:lvl5pPr>
@@ -947,7 +947,7 @@
               </a:buClr>
               <a:buFont typeface="Wingdings" panose="05000000000000000000" pitchFamily="2" charset="2"/>
               <a:buChar char="§"/>
-              <a:defRPr>
+              <a:defRPr sz="2400">
                 <a:solidFill>
                   <a:schemeClr val="bg1"/>
                 </a:solidFill>
@@ -973,7 +973,7 @@
               </a:buClr>
               <a:buFont typeface="Wingdings" panose="05000000000000000000" pitchFamily="2" charset="2"/>
               <a:buChar char="ü"/>
-              <a:defRPr>
+              <a:defRPr sz="1800">
                 <a:solidFill>
                   <a:schemeClr val="bg1"/>
                 </a:solidFill>
@@ -986,7 +986,7 @@
               </a:buClr>
               <a:buFont typeface="Wingdings" panose="05000000000000000000" pitchFamily="2" charset="2"/>
               <a:buChar char="v"/>
-              <a:defRPr>
+              <a:defRPr sz="1600">
                 <a:solidFill>
                   <a:schemeClr val="bg1"/>
                 </a:solidFill>
@@ -4150,7 +4150,23 @@
             </a:pPr>
             <a:r>
               <a:rPr lang="it-IT" dirty="0" smtClean="0"/>
-              <a:t>Firewall :\</a:t>
+              <a:t>Firewall </a:t>
+            </a:r>
+            <a:r>
+              <a:rPr lang="it-IT" dirty="0" smtClean="0"/>
+              <a:t>:\</a:t>
+            </a:r>
+          </a:p>
+          <a:p>
+            <a:pPr>
+              <a:buFontTx/>
+              <a:buBlip>
+                <a:blip r:embed="rId8"/>
+              </a:buBlip>
+            </a:pPr>
+            <a:r>
+              <a:rPr lang="it-IT" dirty="0" smtClean="0"/>
+              <a:t>NAT :\</a:t>
             </a:r>
             <a:endParaRPr lang="it-IT" dirty="0"/>
           </a:p>
@@ -5281,28 +5297,9 @@
             </a:pPr>
             <a:r>
               <a:rPr lang="it-IT" dirty="0" err="1" smtClean="0"/>
-              <a:t>Events</a:t>
-            </a:r>
-            <a:r>
-              <a:rPr lang="it-IT" dirty="0" smtClean="0"/>
-              <a:t> </a:t>
-            </a:r>
-            <a:r>
-              <a:rPr lang="it-IT" dirty="0" err="1" smtClean="0"/>
-              <a:t>as</a:t>
-            </a:r>
-            <a:r>
-              <a:rPr lang="it-IT" dirty="0" smtClean="0"/>
-              <a:t> «</a:t>
-            </a:r>
-            <a:r>
-              <a:rPr lang="it-IT" dirty="0" err="1" smtClean="0"/>
-              <a:t>message</a:t>
-            </a:r>
-            <a:r>
-              <a:rPr lang="it-IT" dirty="0" smtClean="0"/>
-              <a:t>»</a:t>
-            </a:r>
+              <a:t>Event-driven</a:t>
+            </a:r>
+            <a:endParaRPr lang="it-IT" dirty="0" smtClean="0"/>
           </a:p>
           <a:p>
             <a:pPr>
@@ -5821,8 +5818,22 @@
           <a:p>
             <a:r>
               <a:rPr lang="en-US" altLang="it-IT" dirty="0" smtClean="0"/>
-              <a:t>Game Jammer</a:t>
-            </a:r>
+              <a:t>Game </a:t>
+            </a:r>
+            <a:r>
+              <a:rPr lang="en-US" altLang="it-IT" dirty="0" smtClean="0"/>
+              <a:t>Jammer</a:t>
+            </a:r>
+          </a:p>
+          <a:p>
+            <a:pPr lvl="1"/>
+            <a:r>
+              <a:rPr lang="en-US" altLang="it-IT" dirty="0">
+                <a:hlinkClick r:id="rId6"/>
+              </a:rPr>
+              <a:t>https://www.facebook.com/RomeGameJams</a:t>
+            </a:r>
+            <a:endParaRPr lang="en-US" altLang="it-IT" dirty="0" smtClean="0"/>
           </a:p>
           <a:p>
             <a:r>
@@ -5842,7 +5853,7 @@
             <a:pPr lvl="1"/>
             <a:r>
               <a:rPr lang="en-US" altLang="it-IT" dirty="0" smtClean="0">
-                <a:hlinkClick r:id="rId6"/>
+                <a:hlinkClick r:id="rId7"/>
               </a:rPr>
               <a:t>https://coderdojoroma.wordpress.com/</a:t>
             </a:r>
@@ -6138,7 +6149,7 @@
               <a:t>events</a:t>
             </a:r>
             <a:r>
-              <a:rPr lang="it-IT" smtClean="0"/>
+              <a:rPr lang="it-IT" dirty="0" smtClean="0"/>
               <a:t> and data </a:t>
             </a:r>
             <a:r>
@@ -6153,8 +6164,24 @@
           <a:p>
             <a:pPr lvl="1"/>
             <a:r>
+              <a:rPr lang="it-IT" dirty="0" err="1" smtClean="0"/>
+              <a:t>Fat</a:t>
+            </a:r>
+            <a:r>
               <a:rPr lang="it-IT" dirty="0" smtClean="0"/>
-              <a:t>Host client: Game manager</a:t>
+              <a:t> client (</a:t>
+            </a:r>
+            <a:r>
+              <a:rPr lang="it-IT" dirty="0" err="1" smtClean="0"/>
+              <a:t>host</a:t>
+            </a:r>
+            <a:r>
+              <a:rPr lang="it-IT" dirty="0" smtClean="0"/>
+              <a:t>): </a:t>
+            </a:r>
+            <a:r>
+              <a:rPr lang="it-IT" dirty="0" smtClean="0"/>
+              <a:t>Game manager</a:t>
             </a:r>
           </a:p>
           <a:p>
@@ -19086,15 +19113,22 @@
           </a:p>
           <a:p>
             <a:r>
-              <a:rPr lang="en-US" altLang="it-IT" dirty="0" smtClean="0"/>
-              <a:t>Implementation of a simple multiplayer game</a:t>
-            </a:r>
-          </a:p>
-          <a:p>
-            <a:r>
               <a:rPr lang="en-US" altLang="it-IT" dirty="0"/>
               <a:t>Multiplayer services</a:t>
             </a:r>
+          </a:p>
+          <a:p>
+            <a:r>
+              <a:rPr lang="en-US" altLang="it-IT" dirty="0" smtClean="0"/>
+              <a:t>Implementation </a:t>
+            </a:r>
+            <a:r>
+              <a:rPr lang="en-US" altLang="it-IT" dirty="0" smtClean="0"/>
+              <a:t>of a simple multiplayer game</a:t>
+            </a:r>
+          </a:p>
+          <a:p>
+            <a:endParaRPr lang="en-US" altLang="it-IT" dirty="0"/>
           </a:p>
           <a:p>
             <a:pPr marL="0" indent="0">
@@ -19321,11 +19355,11 @@
   <p:clrMapOvr>
     <a:masterClrMapping/>
   </p:clrMapOvr>
-  <mc:AlternateContent xmlns:mc="http://schemas.openxmlformats.org/markup-compatibility/2006">
-    <mc:Choice xmlns:p14="http://schemas.microsoft.com/office/powerpoint/2010/main" Requires="p14">
+  <mc:AlternateContent xmlns:mc="http://schemas.openxmlformats.org/markup-compatibility/2006" xmlns:p14="http://schemas.microsoft.com/office/powerpoint/2010/main">
+    <mc:Choice Requires="p14">
       <p:transition spd="slow" p14:dur="2000"/>
     </mc:Choice>
-    <mc:Fallback>
+    <mc:Fallback xmlns="">
       <p:transition spd="slow"/>
     </mc:Fallback>
   </mc:AlternateContent>
@@ -19444,11 +19478,11 @@
   <p:clrMapOvr>
     <a:masterClrMapping/>
   </p:clrMapOvr>
-  <mc:AlternateContent xmlns:mc="http://schemas.openxmlformats.org/markup-compatibility/2006">
-    <mc:Choice xmlns:p14="http://schemas.microsoft.com/office/powerpoint/2010/main" Requires="p14">
+  <mc:AlternateContent xmlns:mc="http://schemas.openxmlformats.org/markup-compatibility/2006" xmlns:p14="http://schemas.microsoft.com/office/powerpoint/2010/main">
+    <mc:Choice Requires="p14">
       <p:transition spd="slow" p14:dur="2000"/>
     </mc:Choice>
-    <mc:Fallback>
+    <mc:Fallback xmlns="">
       <p:transition spd="slow"/>
     </mc:Fallback>
   </mc:AlternateContent>
@@ -19711,11 +19745,11 @@
   <p:clrMapOvr>
     <a:masterClrMapping/>
   </p:clrMapOvr>
-  <mc:AlternateContent xmlns:mc="http://schemas.openxmlformats.org/markup-compatibility/2006">
-    <mc:Choice xmlns:p14="http://schemas.microsoft.com/office/powerpoint/2010/main" Requires="p14">
+  <mc:AlternateContent xmlns:mc="http://schemas.openxmlformats.org/markup-compatibility/2006" xmlns:p14="http://schemas.microsoft.com/office/powerpoint/2010/main">
+    <mc:Choice Requires="p14">
       <p:transition spd="slow" p14:dur="2000"/>
     </mc:Choice>
-    <mc:Fallback>
+    <mc:Fallback xmlns="">
       <p:transition spd="slow"/>
     </mc:Fallback>
   </mc:AlternateContent>
@@ -20244,11 +20278,11 @@
   <p:clrMapOvr>
     <a:masterClrMapping/>
   </p:clrMapOvr>
-  <mc:AlternateContent xmlns:mc="http://schemas.openxmlformats.org/markup-compatibility/2006">
-    <mc:Choice xmlns:p14="http://schemas.microsoft.com/office/powerpoint/2010/main" Requires="p14">
+  <mc:AlternateContent xmlns:mc="http://schemas.openxmlformats.org/markup-compatibility/2006" xmlns:p14="http://schemas.microsoft.com/office/powerpoint/2010/main">
+    <mc:Choice Requires="p14">
       <p:transition spd="slow" p14:dur="2000"/>
     </mc:Choice>
-    <mc:Fallback>
+    <mc:Fallback xmlns="">
       <p:transition spd="slow"/>
     </mc:Fallback>
   </mc:AlternateContent>

--- a/slides/slides.pptx
+++ b/slides/slides.pptx
@@ -26,13 +26,15 @@
     <p:sldId id="281" r:id="rId20"/>
     <p:sldId id="282" r:id="rId21"/>
     <p:sldId id="285" r:id="rId22"/>
-    <p:sldId id="287" r:id="rId23"/>
-    <p:sldId id="288" r:id="rId24"/>
-    <p:sldId id="291" r:id="rId25"/>
-    <p:sldId id="289" r:id="rId26"/>
-    <p:sldId id="290" r:id="rId27"/>
-    <p:sldId id="286" r:id="rId28"/>
-    <p:sldId id="284" r:id="rId29"/>
+    <p:sldId id="292" r:id="rId23"/>
+    <p:sldId id="293" r:id="rId24"/>
+    <p:sldId id="287" r:id="rId25"/>
+    <p:sldId id="288" r:id="rId26"/>
+    <p:sldId id="289" r:id="rId27"/>
+    <p:sldId id="291" r:id="rId28"/>
+    <p:sldId id="290" r:id="rId29"/>
+    <p:sldId id="286" r:id="rId30"/>
+    <p:sldId id="284" r:id="rId31"/>
   </p:sldIdLst>
   <p:sldSz cx="9144000" cy="6858000" type="screen4x3"/>
   <p:notesSz cx="6858000" cy="9144000"/>
@@ -2947,7 +2949,7 @@
           <a:p>
             <a:r>
               <a:rPr lang="it-IT" dirty="0" smtClean="0"/>
-              <a:t>Reliability and Auto-</a:t>
+              <a:t>Reliability and auto-</a:t>
             </a:r>
             <a:r>
               <a:rPr lang="it-IT" dirty="0" err="1" smtClean="0"/>
@@ -4150,11 +4152,7 @@
             </a:pPr>
             <a:r>
               <a:rPr lang="it-IT" dirty="0" smtClean="0"/>
-              <a:t>Firewall </a:t>
-            </a:r>
-            <a:r>
-              <a:rPr lang="it-IT" dirty="0" smtClean="0"/>
-              <a:t>:\</a:t>
+              <a:t>Firewall :\</a:t>
             </a:r>
           </a:p>
           <a:p>
@@ -5772,7 +5770,7 @@
           <a:p>
             <a:r>
               <a:rPr lang="en-US" altLang="it-IT" dirty="0" smtClean="0"/>
-              <a:t>Game developer @ Interactive Project</a:t>
+              <a:t>Game developer @Interactive Project</a:t>
             </a:r>
           </a:p>
           <a:p>
@@ -5818,11 +5816,7 @@
           <a:p>
             <a:r>
               <a:rPr lang="en-US" altLang="it-IT" dirty="0" smtClean="0"/>
-              <a:t>Game </a:t>
-            </a:r>
-            <a:r>
-              <a:rPr lang="en-US" altLang="it-IT" dirty="0" smtClean="0"/>
-              <a:t>Jammer</a:t>
+              <a:t>Game Jammer</a:t>
             </a:r>
           </a:p>
           <a:p>
@@ -6177,11 +6171,7 @@
             </a:r>
             <a:r>
               <a:rPr lang="it-IT" dirty="0" smtClean="0"/>
-              <a:t>): </a:t>
-            </a:r>
-            <a:r>
-              <a:rPr lang="it-IT" dirty="0" smtClean="0"/>
-              <a:t>Game manager</a:t>
+              <a:t>): Game manager</a:t>
             </a:r>
           </a:p>
           <a:p>
@@ -6278,10 +6268,2784 @@
   <p:clrMapOvr>
     <a:masterClrMapping/>
   </p:clrMapOvr>
+  <p:timing>
+    <p:tnLst>
+      <p:par>
+        <p:cTn id="1" dur="indefinite" restart="never" nodeType="tmRoot"/>
+      </p:par>
+    </p:tnLst>
+  </p:timing>
 </p:sld>
 </file>
 
 <file path=ppt/slides/slide22.xml><?xml version="1.0" encoding="utf-8"?>
+<p:sld xmlns:a="http://schemas.openxmlformats.org/drawingml/2006/main" xmlns:r="http://schemas.openxmlformats.org/officeDocument/2006/relationships" xmlns:p="http://schemas.openxmlformats.org/presentationml/2006/main">
+  <p:cSld>
+    <p:spTree>
+      <p:nvGrpSpPr>
+        <p:cNvPr id="1" name=""/>
+        <p:cNvGrpSpPr/>
+        <p:nvPr/>
+      </p:nvGrpSpPr>
+      <p:grpSpPr>
+        <a:xfrm>
+          <a:off x="0" y="0"/>
+          <a:ext cx="0" cy="0"/>
+          <a:chOff x="0" y="0"/>
+          <a:chExt cx="0" cy="0"/>
+        </a:xfrm>
+      </p:grpSpPr>
+      <p:sp>
+        <p:nvSpPr>
+          <p:cNvPr id="2" name="Titolo 1"/>
+          <p:cNvSpPr>
+            <a:spLocks noGrp="1"/>
+          </p:cNvSpPr>
+          <p:nvPr>
+            <p:ph type="title"/>
+          </p:nvPr>
+        </p:nvSpPr>
+        <p:spPr/>
+        <p:txBody>
+          <a:bodyPr/>
+          <a:lstStyle/>
+          <a:p>
+            <a:r>
+              <a:rPr lang="it-IT" smtClean="0"/>
+              <a:t>Socket.io: Server example</a:t>
+            </a:r>
+            <a:endParaRPr lang="it-IT" dirty="0"/>
+          </a:p>
+        </p:txBody>
+      </p:sp>
+      <p:sp>
+        <p:nvSpPr>
+          <p:cNvPr id="15" name="Rectangle 6"/>
+          <p:cNvSpPr>
+            <a:spLocks noGrp="1" noChangeArrowheads="1"/>
+          </p:cNvSpPr>
+          <p:nvPr>
+            <p:ph sz="quarter" idx="10"/>
+          </p:nvPr>
+        </p:nvSpPr>
+        <p:spPr bwMode="auto">
+          <a:xfrm>
+            <a:off x="628650" y="1437456"/>
+            <a:ext cx="7759774" cy="4893647"/>
+          </a:xfrm>
+          <a:prstGeom prst="rect">
+            <a:avLst/>
+          </a:prstGeom>
+          <a:noFill/>
+          <a:ln>
+            <a:noFill/>
+          </a:ln>
+          <a:effectLst/>
+        </p:spPr>
+        <p:txBody>
+          <a:bodyPr vert="horz" wrap="square" lIns="91440" tIns="45720" rIns="91440" bIns="45720" numCol="1" anchor="ctr" anchorCtr="0" compatLnSpc="1">
+            <a:prstTxWarp prst="textNoShape">
+              <a:avLst/>
+            </a:prstTxWarp>
+            <a:spAutoFit/>
+          </a:bodyPr>
+          <a:lstStyle/>
+          <a:p>
+            <a:pPr marL="0" marR="0" lvl="0" indent="0" algn="l" defTabSz="914400" rtl="0" eaLnBrk="0" fontAlgn="base" latinLnBrk="0" hangingPunct="0">
+              <a:lnSpc>
+                <a:spcPct val="100000"/>
+              </a:lnSpc>
+              <a:spcBef>
+                <a:spcPct val="0"/>
+              </a:spcBef>
+              <a:spcAft>
+                <a:spcPct val="0"/>
+              </a:spcAft>
+              <a:buClrTx/>
+              <a:buSzTx/>
+              <a:buFontTx/>
+              <a:buNone/>
+              <a:tabLst/>
+            </a:pPr>
+            <a:r>
+              <a:rPr kumimoji="0" lang="it-IT" altLang="it-IT" sz="2400" b="0" i="0" u="none" strike="noStrike" cap="none" normalizeH="0" baseline="0" dirty="0" err="1" smtClean="0">
+                <a:ln>
+                  <a:noFill/>
+                </a:ln>
+                <a:solidFill>
+                  <a:srgbClr val="F92672"/>
+                </a:solidFill>
+                <a:effectLst/>
+                <a:latin typeface="Courier New" panose="02070309020205020404" pitchFamily="49" charset="0"/>
+                <a:cs typeface="Courier New" panose="02070309020205020404" pitchFamily="49" charset="0"/>
+              </a:rPr>
+              <a:t>var</a:t>
+            </a:r>
+            <a:r>
+              <a:rPr kumimoji="0" lang="it-IT" altLang="it-IT" sz="2400" b="0" i="0" u="none" strike="noStrike" cap="none" normalizeH="0" baseline="0" dirty="0" smtClean="0">
+                <a:ln>
+                  <a:noFill/>
+                </a:ln>
+                <a:solidFill>
+                  <a:srgbClr val="F92672"/>
+                </a:solidFill>
+                <a:effectLst/>
+                <a:latin typeface="Courier New" panose="02070309020205020404" pitchFamily="49" charset="0"/>
+                <a:cs typeface="Courier New" panose="02070309020205020404" pitchFamily="49" charset="0"/>
+              </a:rPr>
+              <a:t> </a:t>
+            </a:r>
+            <a:r>
+              <a:rPr kumimoji="0" lang="it-IT" altLang="it-IT" sz="2400" b="0" i="0" u="none" strike="noStrike" cap="none" normalizeH="0" baseline="0" dirty="0" err="1" smtClean="0">
+                <a:ln>
+                  <a:noFill/>
+                </a:ln>
+                <a:solidFill>
+                  <a:srgbClr val="64A2A2"/>
+                </a:solidFill>
+                <a:effectLst/>
+                <a:latin typeface="Courier New" panose="02070309020205020404" pitchFamily="49" charset="0"/>
+                <a:cs typeface="Courier New" panose="02070309020205020404" pitchFamily="49" charset="0"/>
+              </a:rPr>
+              <a:t>app</a:t>
+            </a:r>
+            <a:r>
+              <a:rPr kumimoji="0" lang="it-IT" altLang="it-IT" sz="2400" b="0" i="0" u="none" strike="noStrike" cap="none" normalizeH="0" baseline="0" dirty="0" smtClean="0">
+                <a:ln>
+                  <a:noFill/>
+                </a:ln>
+                <a:solidFill>
+                  <a:srgbClr val="64A2A2"/>
+                </a:solidFill>
+                <a:effectLst/>
+                <a:latin typeface="Courier New" panose="02070309020205020404" pitchFamily="49" charset="0"/>
+                <a:cs typeface="Courier New" panose="02070309020205020404" pitchFamily="49" charset="0"/>
+              </a:rPr>
+              <a:t> </a:t>
+            </a:r>
+            <a:r>
+              <a:rPr kumimoji="0" lang="it-IT" altLang="it-IT" sz="2400" b="0" i="0" u="none" strike="noStrike" cap="none" normalizeH="0" baseline="0" dirty="0" smtClean="0">
+                <a:ln>
+                  <a:noFill/>
+                </a:ln>
+                <a:solidFill>
+                  <a:srgbClr val="F92672"/>
+                </a:solidFill>
+                <a:effectLst/>
+                <a:latin typeface="Courier New" panose="02070309020205020404" pitchFamily="49" charset="0"/>
+                <a:cs typeface="Courier New" panose="02070309020205020404" pitchFamily="49" charset="0"/>
+              </a:rPr>
+              <a:t>= </a:t>
+            </a:r>
+            <a:r>
+              <a:rPr kumimoji="0" lang="it-IT" altLang="it-IT" sz="2400" b="0" i="0" u="none" strike="noStrike" cap="none" normalizeH="0" baseline="0" dirty="0" err="1" smtClean="0">
+                <a:ln>
+                  <a:noFill/>
+                </a:ln>
+                <a:solidFill>
+                  <a:srgbClr val="F8F8F2"/>
+                </a:solidFill>
+                <a:effectLst/>
+                <a:latin typeface="Courier New" panose="02070309020205020404" pitchFamily="49" charset="0"/>
+                <a:cs typeface="Courier New" panose="02070309020205020404" pitchFamily="49" charset="0"/>
+              </a:rPr>
+              <a:t>require</a:t>
+            </a:r>
+            <a:r>
+              <a:rPr kumimoji="0" lang="it-IT" altLang="it-IT" sz="2400" b="0" i="0" u="none" strike="noStrike" cap="none" normalizeH="0" baseline="0" dirty="0" smtClean="0">
+                <a:ln>
+                  <a:noFill/>
+                </a:ln>
+                <a:solidFill>
+                  <a:srgbClr val="F8F8F2"/>
+                </a:solidFill>
+                <a:effectLst/>
+                <a:latin typeface="Courier New" panose="02070309020205020404" pitchFamily="49" charset="0"/>
+                <a:cs typeface="Courier New" panose="02070309020205020404" pitchFamily="49" charset="0"/>
+              </a:rPr>
+              <a:t>(</a:t>
+            </a:r>
+            <a:r>
+              <a:rPr kumimoji="0" lang="it-IT" altLang="it-IT" sz="2400" b="0" i="0" u="none" strike="noStrike" cap="none" normalizeH="0" baseline="0" dirty="0" smtClean="0">
+                <a:ln>
+                  <a:noFill/>
+                </a:ln>
+                <a:solidFill>
+                  <a:srgbClr val="E6DB74"/>
+                </a:solidFill>
+                <a:effectLst/>
+                <a:latin typeface="Courier New" panose="02070309020205020404" pitchFamily="49" charset="0"/>
+                <a:cs typeface="Courier New" panose="02070309020205020404" pitchFamily="49" charset="0"/>
+              </a:rPr>
+              <a:t>'express'</a:t>
+            </a:r>
+            <a:r>
+              <a:rPr kumimoji="0" lang="it-IT" altLang="it-IT" sz="2400" b="0" i="0" u="none" strike="noStrike" cap="none" normalizeH="0" baseline="0" dirty="0" smtClean="0">
+                <a:ln>
+                  <a:noFill/>
+                </a:ln>
+                <a:solidFill>
+                  <a:srgbClr val="F8F8F2"/>
+                </a:solidFill>
+                <a:effectLst/>
+                <a:latin typeface="Courier New" panose="02070309020205020404" pitchFamily="49" charset="0"/>
+                <a:cs typeface="Courier New" panose="02070309020205020404" pitchFamily="49" charset="0"/>
+              </a:rPr>
+              <a:t>)()</a:t>
+            </a:r>
+            <a:r>
+              <a:rPr kumimoji="0" lang="it-IT" altLang="it-IT" sz="2400" b="0" i="0" u="none" strike="noStrike" cap="none" normalizeH="0" baseline="0" dirty="0" smtClean="0">
+                <a:ln>
+                  <a:noFill/>
+                </a:ln>
+                <a:solidFill>
+                  <a:srgbClr val="CC7832"/>
+                </a:solidFill>
+                <a:effectLst/>
+                <a:latin typeface="Courier New" panose="02070309020205020404" pitchFamily="49" charset="0"/>
+                <a:cs typeface="Courier New" panose="02070309020205020404" pitchFamily="49" charset="0"/>
+              </a:rPr>
+              <a:t>;</a:t>
+            </a:r>
+            <a:br>
+              <a:rPr kumimoji="0" lang="it-IT" altLang="it-IT" sz="2400" b="0" i="0" u="none" strike="noStrike" cap="none" normalizeH="0" baseline="0" dirty="0" smtClean="0">
+                <a:ln>
+                  <a:noFill/>
+                </a:ln>
+                <a:solidFill>
+                  <a:srgbClr val="CC7832"/>
+                </a:solidFill>
+                <a:effectLst/>
+                <a:latin typeface="Courier New" panose="02070309020205020404" pitchFamily="49" charset="0"/>
+                <a:cs typeface="Courier New" panose="02070309020205020404" pitchFamily="49" charset="0"/>
+              </a:rPr>
+            </a:br>
+            <a:r>
+              <a:rPr kumimoji="0" lang="it-IT" altLang="it-IT" sz="2400" b="0" i="0" u="none" strike="noStrike" cap="none" normalizeH="0" baseline="0" dirty="0" err="1" smtClean="0">
+                <a:ln>
+                  <a:noFill/>
+                </a:ln>
+                <a:solidFill>
+                  <a:srgbClr val="F92672"/>
+                </a:solidFill>
+                <a:effectLst/>
+                <a:latin typeface="Courier New" panose="02070309020205020404" pitchFamily="49" charset="0"/>
+                <a:cs typeface="Courier New" panose="02070309020205020404" pitchFamily="49" charset="0"/>
+              </a:rPr>
+              <a:t>var</a:t>
+            </a:r>
+            <a:r>
+              <a:rPr kumimoji="0" lang="it-IT" altLang="it-IT" sz="2400" b="0" i="0" u="none" strike="noStrike" cap="none" normalizeH="0" baseline="0" dirty="0" smtClean="0">
+                <a:ln>
+                  <a:noFill/>
+                </a:ln>
+                <a:solidFill>
+                  <a:srgbClr val="F92672"/>
+                </a:solidFill>
+                <a:effectLst/>
+                <a:latin typeface="Courier New" panose="02070309020205020404" pitchFamily="49" charset="0"/>
+                <a:cs typeface="Courier New" panose="02070309020205020404" pitchFamily="49" charset="0"/>
+              </a:rPr>
+              <a:t> </a:t>
+            </a:r>
+            <a:r>
+              <a:rPr kumimoji="0" lang="it-IT" altLang="it-IT" sz="2400" b="0" i="0" u="none" strike="noStrike" cap="none" normalizeH="0" baseline="0" dirty="0" smtClean="0">
+                <a:ln>
+                  <a:noFill/>
+                </a:ln>
+                <a:solidFill>
+                  <a:srgbClr val="64A2A2"/>
+                </a:solidFill>
+                <a:effectLst/>
+                <a:latin typeface="Courier New" panose="02070309020205020404" pitchFamily="49" charset="0"/>
+                <a:cs typeface="Courier New" panose="02070309020205020404" pitchFamily="49" charset="0"/>
+              </a:rPr>
+              <a:t>http </a:t>
+            </a:r>
+            <a:r>
+              <a:rPr kumimoji="0" lang="it-IT" altLang="it-IT" sz="2400" b="0" i="0" u="none" strike="noStrike" cap="none" normalizeH="0" baseline="0" dirty="0" smtClean="0">
+                <a:ln>
+                  <a:noFill/>
+                </a:ln>
+                <a:solidFill>
+                  <a:srgbClr val="F92672"/>
+                </a:solidFill>
+                <a:effectLst/>
+                <a:latin typeface="Courier New" panose="02070309020205020404" pitchFamily="49" charset="0"/>
+                <a:cs typeface="Courier New" panose="02070309020205020404" pitchFamily="49" charset="0"/>
+              </a:rPr>
+              <a:t>= </a:t>
+            </a:r>
+            <a:r>
+              <a:rPr kumimoji="0" lang="it-IT" altLang="it-IT" sz="2400" b="0" i="0" u="none" strike="noStrike" cap="none" normalizeH="0" baseline="0" dirty="0" err="1" smtClean="0">
+                <a:ln>
+                  <a:noFill/>
+                </a:ln>
+                <a:solidFill>
+                  <a:srgbClr val="F8F8F2"/>
+                </a:solidFill>
+                <a:effectLst/>
+                <a:latin typeface="Courier New" panose="02070309020205020404" pitchFamily="49" charset="0"/>
+                <a:cs typeface="Courier New" panose="02070309020205020404" pitchFamily="49" charset="0"/>
+              </a:rPr>
+              <a:t>require</a:t>
+            </a:r>
+            <a:r>
+              <a:rPr kumimoji="0" lang="it-IT" altLang="it-IT" sz="2400" b="0" i="0" u="none" strike="noStrike" cap="none" normalizeH="0" baseline="0" dirty="0" smtClean="0">
+                <a:ln>
+                  <a:noFill/>
+                </a:ln>
+                <a:solidFill>
+                  <a:srgbClr val="F8F8F2"/>
+                </a:solidFill>
+                <a:effectLst/>
+                <a:latin typeface="Courier New" panose="02070309020205020404" pitchFamily="49" charset="0"/>
+                <a:cs typeface="Courier New" panose="02070309020205020404" pitchFamily="49" charset="0"/>
+              </a:rPr>
+              <a:t>(</a:t>
+            </a:r>
+            <a:r>
+              <a:rPr kumimoji="0" lang="it-IT" altLang="it-IT" sz="2400" b="0" i="0" u="none" strike="noStrike" cap="none" normalizeH="0" baseline="0" dirty="0" smtClean="0">
+                <a:ln>
+                  <a:noFill/>
+                </a:ln>
+                <a:solidFill>
+                  <a:srgbClr val="E6DB74"/>
+                </a:solidFill>
+                <a:effectLst/>
+                <a:latin typeface="Courier New" panose="02070309020205020404" pitchFamily="49" charset="0"/>
+                <a:cs typeface="Courier New" panose="02070309020205020404" pitchFamily="49" charset="0"/>
+              </a:rPr>
+              <a:t>'http'</a:t>
+            </a:r>
+            <a:r>
+              <a:rPr kumimoji="0" lang="it-IT" altLang="it-IT" sz="2400" b="0" i="0" u="none" strike="noStrike" cap="none" normalizeH="0" baseline="0" dirty="0" smtClean="0">
+                <a:ln>
+                  <a:noFill/>
+                </a:ln>
+                <a:solidFill>
+                  <a:srgbClr val="F8F8F2"/>
+                </a:solidFill>
+                <a:effectLst/>
+                <a:latin typeface="Courier New" panose="02070309020205020404" pitchFamily="49" charset="0"/>
+                <a:cs typeface="Courier New" panose="02070309020205020404" pitchFamily="49" charset="0"/>
+              </a:rPr>
+              <a:t>).Server(</a:t>
+            </a:r>
+            <a:r>
+              <a:rPr kumimoji="0" lang="it-IT" altLang="it-IT" sz="2400" b="0" i="0" u="none" strike="noStrike" cap="none" normalizeH="0" baseline="0" dirty="0" err="1" smtClean="0">
+                <a:ln>
+                  <a:noFill/>
+                </a:ln>
+                <a:solidFill>
+                  <a:srgbClr val="64A2A2"/>
+                </a:solidFill>
+                <a:effectLst/>
+                <a:latin typeface="Courier New" panose="02070309020205020404" pitchFamily="49" charset="0"/>
+                <a:cs typeface="Courier New" panose="02070309020205020404" pitchFamily="49" charset="0"/>
+              </a:rPr>
+              <a:t>app</a:t>
+            </a:r>
+            <a:r>
+              <a:rPr kumimoji="0" lang="it-IT" altLang="it-IT" sz="2400" b="0" i="0" u="none" strike="noStrike" cap="none" normalizeH="0" baseline="0" dirty="0" smtClean="0">
+                <a:ln>
+                  <a:noFill/>
+                </a:ln>
+                <a:solidFill>
+                  <a:srgbClr val="F8F8F2"/>
+                </a:solidFill>
+                <a:effectLst/>
+                <a:latin typeface="Courier New" panose="02070309020205020404" pitchFamily="49" charset="0"/>
+                <a:cs typeface="Courier New" panose="02070309020205020404" pitchFamily="49" charset="0"/>
+              </a:rPr>
+              <a:t>)</a:t>
+            </a:r>
+            <a:r>
+              <a:rPr kumimoji="0" lang="it-IT" altLang="it-IT" sz="2400" b="0" i="0" u="none" strike="noStrike" cap="none" normalizeH="0" baseline="0" dirty="0" smtClean="0">
+                <a:ln>
+                  <a:noFill/>
+                </a:ln>
+                <a:solidFill>
+                  <a:srgbClr val="CC7832"/>
+                </a:solidFill>
+                <a:effectLst/>
+                <a:latin typeface="Courier New" panose="02070309020205020404" pitchFamily="49" charset="0"/>
+                <a:cs typeface="Courier New" panose="02070309020205020404" pitchFamily="49" charset="0"/>
+              </a:rPr>
+              <a:t>;</a:t>
+            </a:r>
+            <a:br>
+              <a:rPr kumimoji="0" lang="it-IT" altLang="it-IT" sz="2400" b="0" i="0" u="none" strike="noStrike" cap="none" normalizeH="0" baseline="0" dirty="0" smtClean="0">
+                <a:ln>
+                  <a:noFill/>
+                </a:ln>
+                <a:solidFill>
+                  <a:srgbClr val="CC7832"/>
+                </a:solidFill>
+                <a:effectLst/>
+                <a:latin typeface="Courier New" panose="02070309020205020404" pitchFamily="49" charset="0"/>
+                <a:cs typeface="Courier New" panose="02070309020205020404" pitchFamily="49" charset="0"/>
+              </a:rPr>
+            </a:br>
+            <a:r>
+              <a:rPr kumimoji="0" lang="it-IT" altLang="it-IT" sz="2400" b="0" i="0" u="none" strike="noStrike" cap="none" normalizeH="0" baseline="0" dirty="0" err="1" smtClean="0">
+                <a:ln>
+                  <a:noFill/>
+                </a:ln>
+                <a:solidFill>
+                  <a:srgbClr val="F92672"/>
+                </a:solidFill>
+                <a:effectLst/>
+                <a:latin typeface="Courier New" panose="02070309020205020404" pitchFamily="49" charset="0"/>
+                <a:cs typeface="Courier New" panose="02070309020205020404" pitchFamily="49" charset="0"/>
+              </a:rPr>
+              <a:t>var</a:t>
+            </a:r>
+            <a:r>
+              <a:rPr kumimoji="0" lang="it-IT" altLang="it-IT" sz="2400" b="0" i="0" u="none" strike="noStrike" cap="none" normalizeH="0" baseline="0" dirty="0" smtClean="0">
+                <a:ln>
+                  <a:noFill/>
+                </a:ln>
+                <a:solidFill>
+                  <a:srgbClr val="F92672"/>
+                </a:solidFill>
+                <a:effectLst/>
+                <a:latin typeface="Courier New" panose="02070309020205020404" pitchFamily="49" charset="0"/>
+                <a:cs typeface="Courier New" panose="02070309020205020404" pitchFamily="49" charset="0"/>
+              </a:rPr>
+              <a:t> </a:t>
+            </a:r>
+            <a:r>
+              <a:rPr kumimoji="0" lang="it-IT" altLang="it-IT" sz="2400" b="0" i="0" u="none" strike="noStrike" cap="none" normalizeH="0" baseline="0" dirty="0" smtClean="0">
+                <a:ln>
+                  <a:noFill/>
+                </a:ln>
+                <a:solidFill>
+                  <a:srgbClr val="64A2A2"/>
+                </a:solidFill>
+                <a:effectLst/>
+                <a:latin typeface="Courier New" panose="02070309020205020404" pitchFamily="49" charset="0"/>
+                <a:cs typeface="Courier New" panose="02070309020205020404" pitchFamily="49" charset="0"/>
+              </a:rPr>
+              <a:t>io </a:t>
+            </a:r>
+            <a:r>
+              <a:rPr kumimoji="0" lang="it-IT" altLang="it-IT" sz="2400" b="0" i="0" u="none" strike="noStrike" cap="none" normalizeH="0" baseline="0" dirty="0" smtClean="0">
+                <a:ln>
+                  <a:noFill/>
+                </a:ln>
+                <a:solidFill>
+                  <a:srgbClr val="F92672"/>
+                </a:solidFill>
+                <a:effectLst/>
+                <a:latin typeface="Courier New" panose="02070309020205020404" pitchFamily="49" charset="0"/>
+                <a:cs typeface="Courier New" panose="02070309020205020404" pitchFamily="49" charset="0"/>
+              </a:rPr>
+              <a:t>= </a:t>
+            </a:r>
+            <a:r>
+              <a:rPr kumimoji="0" lang="it-IT" altLang="it-IT" sz="2400" b="0" i="0" u="none" strike="noStrike" cap="none" normalizeH="0" baseline="0" dirty="0" err="1" smtClean="0">
+                <a:ln>
+                  <a:noFill/>
+                </a:ln>
+                <a:solidFill>
+                  <a:srgbClr val="F8F8F2"/>
+                </a:solidFill>
+                <a:effectLst/>
+                <a:latin typeface="Courier New" panose="02070309020205020404" pitchFamily="49" charset="0"/>
+                <a:cs typeface="Courier New" panose="02070309020205020404" pitchFamily="49" charset="0"/>
+              </a:rPr>
+              <a:t>require</a:t>
+            </a:r>
+            <a:r>
+              <a:rPr kumimoji="0" lang="it-IT" altLang="it-IT" sz="2400" b="0" i="0" u="none" strike="noStrike" cap="none" normalizeH="0" baseline="0" dirty="0" smtClean="0">
+                <a:ln>
+                  <a:noFill/>
+                </a:ln>
+                <a:solidFill>
+                  <a:srgbClr val="F8F8F2"/>
+                </a:solidFill>
+                <a:effectLst/>
+                <a:latin typeface="Courier New" panose="02070309020205020404" pitchFamily="49" charset="0"/>
+                <a:cs typeface="Courier New" panose="02070309020205020404" pitchFamily="49" charset="0"/>
+              </a:rPr>
+              <a:t>(</a:t>
+            </a:r>
+            <a:r>
+              <a:rPr kumimoji="0" lang="it-IT" altLang="it-IT" sz="2400" b="0" i="0" u="none" strike="noStrike" cap="none" normalizeH="0" baseline="0" dirty="0" smtClean="0">
+                <a:ln>
+                  <a:noFill/>
+                </a:ln>
+                <a:solidFill>
+                  <a:srgbClr val="E6DB74"/>
+                </a:solidFill>
+                <a:effectLst/>
+                <a:latin typeface="Courier New" panose="02070309020205020404" pitchFamily="49" charset="0"/>
+                <a:cs typeface="Courier New" panose="02070309020205020404" pitchFamily="49" charset="0"/>
+              </a:rPr>
+              <a:t>'</a:t>
+            </a:r>
+            <a:r>
+              <a:rPr kumimoji="0" lang="it-IT" altLang="it-IT" sz="2400" b="0" i="0" u="none" strike="noStrike" cap="none" normalizeH="0" baseline="0" dirty="0" err="1" smtClean="0">
+                <a:ln>
+                  <a:noFill/>
+                </a:ln>
+                <a:solidFill>
+                  <a:srgbClr val="E6DB74"/>
+                </a:solidFill>
+                <a:effectLst/>
+                <a:latin typeface="Courier New" panose="02070309020205020404" pitchFamily="49" charset="0"/>
+                <a:cs typeface="Courier New" panose="02070309020205020404" pitchFamily="49" charset="0"/>
+              </a:rPr>
+              <a:t>socket.io</a:t>
+            </a:r>
+            <a:r>
+              <a:rPr kumimoji="0" lang="it-IT" altLang="it-IT" sz="2400" b="0" i="0" u="none" strike="noStrike" cap="none" normalizeH="0" baseline="0" dirty="0" smtClean="0">
+                <a:ln>
+                  <a:noFill/>
+                </a:ln>
+                <a:solidFill>
+                  <a:srgbClr val="E6DB74"/>
+                </a:solidFill>
+                <a:effectLst/>
+                <a:latin typeface="Courier New" panose="02070309020205020404" pitchFamily="49" charset="0"/>
+                <a:cs typeface="Courier New" panose="02070309020205020404" pitchFamily="49" charset="0"/>
+              </a:rPr>
+              <a:t>'</a:t>
+            </a:r>
+            <a:r>
+              <a:rPr kumimoji="0" lang="it-IT" altLang="it-IT" sz="2400" b="0" i="0" u="none" strike="noStrike" cap="none" normalizeH="0" baseline="0" dirty="0" smtClean="0">
+                <a:ln>
+                  <a:noFill/>
+                </a:ln>
+                <a:solidFill>
+                  <a:srgbClr val="F8F8F2"/>
+                </a:solidFill>
+                <a:effectLst/>
+                <a:latin typeface="Courier New" panose="02070309020205020404" pitchFamily="49" charset="0"/>
+                <a:cs typeface="Courier New" panose="02070309020205020404" pitchFamily="49" charset="0"/>
+              </a:rPr>
+              <a:t>)(</a:t>
+            </a:r>
+            <a:r>
+              <a:rPr kumimoji="0" lang="it-IT" altLang="it-IT" sz="2400" b="0" i="0" u="none" strike="noStrike" cap="none" normalizeH="0" baseline="0" dirty="0" smtClean="0">
+                <a:ln>
+                  <a:noFill/>
+                </a:ln>
+                <a:solidFill>
+                  <a:srgbClr val="64A2A2"/>
+                </a:solidFill>
+                <a:effectLst/>
+                <a:latin typeface="Courier New" panose="02070309020205020404" pitchFamily="49" charset="0"/>
+                <a:cs typeface="Courier New" panose="02070309020205020404" pitchFamily="49" charset="0"/>
+              </a:rPr>
+              <a:t>http</a:t>
+            </a:r>
+            <a:r>
+              <a:rPr kumimoji="0" lang="it-IT" altLang="it-IT" sz="2400" b="0" i="0" u="none" strike="noStrike" cap="none" normalizeH="0" baseline="0" dirty="0" smtClean="0">
+                <a:ln>
+                  <a:noFill/>
+                </a:ln>
+                <a:solidFill>
+                  <a:srgbClr val="F8F8F2"/>
+                </a:solidFill>
+                <a:effectLst/>
+                <a:latin typeface="Courier New" panose="02070309020205020404" pitchFamily="49" charset="0"/>
+                <a:cs typeface="Courier New" panose="02070309020205020404" pitchFamily="49" charset="0"/>
+              </a:rPr>
+              <a:t>)</a:t>
+            </a:r>
+            <a:r>
+              <a:rPr kumimoji="0" lang="it-IT" altLang="it-IT" sz="2400" b="0" i="0" u="none" strike="noStrike" cap="none" normalizeH="0" baseline="0" dirty="0" smtClean="0">
+                <a:ln>
+                  <a:noFill/>
+                </a:ln>
+                <a:solidFill>
+                  <a:srgbClr val="CC7832"/>
+                </a:solidFill>
+                <a:effectLst/>
+                <a:latin typeface="Courier New" panose="02070309020205020404" pitchFamily="49" charset="0"/>
+                <a:cs typeface="Courier New" panose="02070309020205020404" pitchFamily="49" charset="0"/>
+              </a:rPr>
+              <a:t>;</a:t>
+            </a:r>
+            <a:br>
+              <a:rPr kumimoji="0" lang="it-IT" altLang="it-IT" sz="2400" b="0" i="0" u="none" strike="noStrike" cap="none" normalizeH="0" baseline="0" dirty="0" smtClean="0">
+                <a:ln>
+                  <a:noFill/>
+                </a:ln>
+                <a:solidFill>
+                  <a:srgbClr val="CC7832"/>
+                </a:solidFill>
+                <a:effectLst/>
+                <a:latin typeface="Courier New" panose="02070309020205020404" pitchFamily="49" charset="0"/>
+                <a:cs typeface="Courier New" panose="02070309020205020404" pitchFamily="49" charset="0"/>
+              </a:rPr>
+            </a:br>
+            <a:r>
+              <a:rPr kumimoji="0" lang="it-IT" altLang="it-IT" sz="2400" b="0" i="0" u="none" strike="noStrike" cap="none" normalizeH="0" baseline="0" dirty="0" err="1" smtClean="0">
+                <a:ln>
+                  <a:noFill/>
+                </a:ln>
+                <a:solidFill>
+                  <a:srgbClr val="64A2A2"/>
+                </a:solidFill>
+                <a:effectLst/>
+                <a:latin typeface="Courier New" panose="02070309020205020404" pitchFamily="49" charset="0"/>
+                <a:cs typeface="Courier New" panose="02070309020205020404" pitchFamily="49" charset="0"/>
+              </a:rPr>
+              <a:t>io</a:t>
+            </a:r>
+            <a:r>
+              <a:rPr kumimoji="0" lang="it-IT" altLang="it-IT" sz="2400" b="0" i="0" u="none" strike="noStrike" cap="none" normalizeH="0" baseline="0" dirty="0" err="1" smtClean="0">
+                <a:ln>
+                  <a:noFill/>
+                </a:ln>
+                <a:solidFill>
+                  <a:srgbClr val="F8F8F2"/>
+                </a:solidFill>
+                <a:effectLst/>
+                <a:latin typeface="Courier New" panose="02070309020205020404" pitchFamily="49" charset="0"/>
+                <a:cs typeface="Courier New" panose="02070309020205020404" pitchFamily="49" charset="0"/>
+              </a:rPr>
+              <a:t>.</a:t>
+            </a:r>
+            <a:r>
+              <a:rPr kumimoji="0" lang="it-IT" altLang="it-IT" sz="2400" b="0" i="0" u="none" strike="noStrike" cap="none" normalizeH="0" baseline="0" dirty="0" err="1" smtClean="0">
+                <a:ln>
+                  <a:noFill/>
+                </a:ln>
+                <a:solidFill>
+                  <a:srgbClr val="A6E22E"/>
+                </a:solidFill>
+                <a:effectLst/>
+                <a:latin typeface="Courier New" panose="02070309020205020404" pitchFamily="49" charset="0"/>
+                <a:cs typeface="Courier New" panose="02070309020205020404" pitchFamily="49" charset="0"/>
+              </a:rPr>
+              <a:t>on</a:t>
+            </a:r>
+            <a:r>
+              <a:rPr kumimoji="0" lang="it-IT" altLang="it-IT" sz="2400" b="0" i="0" u="none" strike="noStrike" cap="none" normalizeH="0" baseline="0" dirty="0" smtClean="0">
+                <a:ln>
+                  <a:noFill/>
+                </a:ln>
+                <a:solidFill>
+                  <a:srgbClr val="F8F8F2"/>
+                </a:solidFill>
+                <a:effectLst/>
+                <a:latin typeface="Courier New" panose="02070309020205020404" pitchFamily="49" charset="0"/>
+                <a:cs typeface="Courier New" panose="02070309020205020404" pitchFamily="49" charset="0"/>
+              </a:rPr>
+              <a:t>(</a:t>
+            </a:r>
+            <a:r>
+              <a:rPr kumimoji="0" lang="it-IT" altLang="it-IT" sz="2400" b="0" i="0" u="none" strike="noStrike" cap="none" normalizeH="0" baseline="0" dirty="0" smtClean="0">
+                <a:ln>
+                  <a:noFill/>
+                </a:ln>
+                <a:solidFill>
+                  <a:srgbClr val="E6DB74"/>
+                </a:solidFill>
+                <a:effectLst/>
+                <a:latin typeface="Courier New" panose="02070309020205020404" pitchFamily="49" charset="0"/>
+                <a:cs typeface="Courier New" panose="02070309020205020404" pitchFamily="49" charset="0"/>
+              </a:rPr>
+              <a:t>'connection'</a:t>
+            </a:r>
+            <a:r>
+              <a:rPr kumimoji="0" lang="it-IT" altLang="it-IT" sz="2400" b="0" i="0" u="none" strike="noStrike" cap="none" normalizeH="0" baseline="0" dirty="0" smtClean="0">
+                <a:ln>
+                  <a:noFill/>
+                </a:ln>
+                <a:solidFill>
+                  <a:srgbClr val="CC7832"/>
+                </a:solidFill>
+                <a:effectLst/>
+                <a:latin typeface="Courier New" panose="02070309020205020404" pitchFamily="49" charset="0"/>
+                <a:cs typeface="Courier New" panose="02070309020205020404" pitchFamily="49" charset="0"/>
+              </a:rPr>
+              <a:t>, </a:t>
+            </a:r>
+            <a:r>
+              <a:rPr kumimoji="0" lang="it-IT" altLang="it-IT" sz="2400" b="0" i="0" u="none" strike="noStrike" cap="none" normalizeH="0" baseline="0" dirty="0" err="1" smtClean="0">
+                <a:ln>
+                  <a:noFill/>
+                </a:ln>
+                <a:solidFill>
+                  <a:srgbClr val="F92672"/>
+                </a:solidFill>
+                <a:effectLst/>
+                <a:latin typeface="Courier New" panose="02070309020205020404" pitchFamily="49" charset="0"/>
+                <a:cs typeface="Courier New" panose="02070309020205020404" pitchFamily="49" charset="0"/>
+              </a:rPr>
+              <a:t>function</a:t>
+            </a:r>
+            <a:r>
+              <a:rPr kumimoji="0" lang="it-IT" altLang="it-IT" sz="2400" b="0" i="0" u="none" strike="noStrike" cap="none" normalizeH="0" baseline="0" dirty="0" smtClean="0">
+                <a:ln>
+                  <a:noFill/>
+                </a:ln>
+                <a:solidFill>
+                  <a:srgbClr val="F8F8F2"/>
+                </a:solidFill>
+                <a:effectLst/>
+                <a:latin typeface="Courier New" panose="02070309020205020404" pitchFamily="49" charset="0"/>
+                <a:cs typeface="Courier New" panose="02070309020205020404" pitchFamily="49" charset="0"/>
+              </a:rPr>
+              <a:t>(</a:t>
+            </a:r>
+            <a:r>
+              <a:rPr kumimoji="0" lang="it-IT" altLang="it-IT" sz="2400" b="0" i="1" u="none" strike="noStrike" cap="none" normalizeH="0" baseline="0" dirty="0" err="1" smtClean="0">
+                <a:ln>
+                  <a:noFill/>
+                </a:ln>
+                <a:solidFill>
+                  <a:srgbClr val="FD971F"/>
+                </a:solidFill>
+                <a:effectLst/>
+                <a:latin typeface="Courier New" panose="02070309020205020404" pitchFamily="49" charset="0"/>
+                <a:cs typeface="Courier New" panose="02070309020205020404" pitchFamily="49" charset="0"/>
+              </a:rPr>
+              <a:t>socket</a:t>
+            </a:r>
+            <a:r>
+              <a:rPr kumimoji="0" lang="it-IT" altLang="it-IT" sz="2400" b="0" i="0" u="none" strike="noStrike" cap="none" normalizeH="0" baseline="0" dirty="0" smtClean="0">
+                <a:ln>
+                  <a:noFill/>
+                </a:ln>
+                <a:solidFill>
+                  <a:srgbClr val="F8F8F2"/>
+                </a:solidFill>
+                <a:effectLst/>
+                <a:latin typeface="Courier New" panose="02070309020205020404" pitchFamily="49" charset="0"/>
+                <a:cs typeface="Courier New" panose="02070309020205020404" pitchFamily="49" charset="0"/>
+              </a:rPr>
+              <a:t>) {</a:t>
+            </a:r>
+            <a:br>
+              <a:rPr kumimoji="0" lang="it-IT" altLang="it-IT" sz="2400" b="0" i="0" u="none" strike="noStrike" cap="none" normalizeH="0" baseline="0" dirty="0" smtClean="0">
+                <a:ln>
+                  <a:noFill/>
+                </a:ln>
+                <a:solidFill>
+                  <a:srgbClr val="F8F8F2"/>
+                </a:solidFill>
+                <a:effectLst/>
+                <a:latin typeface="Courier New" panose="02070309020205020404" pitchFamily="49" charset="0"/>
+                <a:cs typeface="Courier New" panose="02070309020205020404" pitchFamily="49" charset="0"/>
+              </a:rPr>
+            </a:br>
+            <a:r>
+              <a:rPr kumimoji="0" lang="it-IT" altLang="it-IT" sz="2400" b="0" i="0" u="none" strike="noStrike" cap="none" normalizeH="0" baseline="0" dirty="0" smtClean="0">
+                <a:ln>
+                  <a:noFill/>
+                </a:ln>
+                <a:solidFill>
+                  <a:srgbClr val="F8F8F2"/>
+                </a:solidFill>
+                <a:effectLst/>
+                <a:latin typeface="Courier New" panose="02070309020205020404" pitchFamily="49" charset="0"/>
+                <a:cs typeface="Courier New" panose="02070309020205020404" pitchFamily="49" charset="0"/>
+              </a:rPr>
+              <a:t>    </a:t>
+            </a:r>
+            <a:r>
+              <a:rPr kumimoji="0" lang="it-IT" altLang="it-IT" sz="2400" b="1" i="0" u="none" strike="noStrike" cap="none" normalizeH="0" baseline="0" dirty="0" smtClean="0">
+                <a:ln>
+                  <a:noFill/>
+                </a:ln>
+                <a:effectLst/>
+                <a:latin typeface="Courier New" panose="02070309020205020404" pitchFamily="49" charset="0"/>
+                <a:cs typeface="Courier New" panose="02070309020205020404" pitchFamily="49" charset="0"/>
+              </a:rPr>
+              <a:t>//a </a:t>
+            </a:r>
+            <a:r>
+              <a:rPr kumimoji="0" lang="it-IT" altLang="it-IT" sz="2400" b="1" i="0" u="none" strike="noStrike" cap="none" normalizeH="0" baseline="0" dirty="0" err="1" smtClean="0">
+                <a:ln>
+                  <a:noFill/>
+                </a:ln>
+                <a:effectLst/>
+                <a:latin typeface="Courier New" panose="02070309020205020404" pitchFamily="49" charset="0"/>
+                <a:cs typeface="Courier New" panose="02070309020205020404" pitchFamily="49" charset="0"/>
+              </a:rPr>
+              <a:t>socket</a:t>
+            </a:r>
+            <a:r>
+              <a:rPr kumimoji="0" lang="it-IT" altLang="it-IT" sz="2400" b="1" i="0" u="none" strike="noStrike" cap="none" normalizeH="0" baseline="0" dirty="0" smtClean="0">
+                <a:ln>
+                  <a:noFill/>
+                </a:ln>
+                <a:effectLst/>
+                <a:latin typeface="Courier New" panose="02070309020205020404" pitchFamily="49" charset="0"/>
+                <a:cs typeface="Courier New" panose="02070309020205020404" pitchFamily="49" charset="0"/>
+              </a:rPr>
+              <a:t> just </a:t>
+            </a:r>
+            <a:r>
+              <a:rPr kumimoji="0" lang="it-IT" altLang="it-IT" sz="2400" b="1" i="0" u="none" strike="noStrike" cap="none" normalizeH="0" baseline="0" dirty="0" err="1" smtClean="0">
+                <a:ln>
+                  <a:noFill/>
+                </a:ln>
+                <a:effectLst/>
+                <a:latin typeface="Courier New" panose="02070309020205020404" pitchFamily="49" charset="0"/>
+                <a:cs typeface="Courier New" panose="02070309020205020404" pitchFamily="49" charset="0"/>
+              </a:rPr>
+              <a:t>connected</a:t>
+            </a:r>
+            <a:r>
+              <a:rPr kumimoji="0" lang="it-IT" altLang="it-IT" sz="2400" b="1" i="0" u="none" strike="noStrike" cap="none" normalizeH="0" baseline="0" dirty="0" smtClean="0">
+                <a:ln>
+                  <a:noFill/>
+                </a:ln>
+                <a:effectLst/>
+                <a:latin typeface="Courier New" panose="02070309020205020404" pitchFamily="49" charset="0"/>
+                <a:cs typeface="Courier New" panose="02070309020205020404" pitchFamily="49" charset="0"/>
+              </a:rPr>
+              <a:t>!</a:t>
+            </a:r>
+            <a:br>
+              <a:rPr kumimoji="0" lang="it-IT" altLang="it-IT" sz="2400" b="1" i="0" u="none" strike="noStrike" cap="none" normalizeH="0" baseline="0" dirty="0" smtClean="0">
+                <a:ln>
+                  <a:noFill/>
+                </a:ln>
+                <a:effectLst/>
+                <a:latin typeface="Courier New" panose="02070309020205020404" pitchFamily="49" charset="0"/>
+                <a:cs typeface="Courier New" panose="02070309020205020404" pitchFamily="49" charset="0"/>
+              </a:rPr>
+            </a:br>
+            <a:r>
+              <a:rPr kumimoji="0" lang="it-IT" altLang="it-IT" sz="2400" b="0" i="0" u="none" strike="noStrike" cap="none" normalizeH="0" baseline="0" dirty="0" smtClean="0">
+                <a:ln>
+                  <a:noFill/>
+                </a:ln>
+                <a:solidFill>
+                  <a:srgbClr val="75715E"/>
+                </a:solidFill>
+                <a:effectLst/>
+                <a:latin typeface="Courier New" panose="02070309020205020404" pitchFamily="49" charset="0"/>
+                <a:cs typeface="Courier New" panose="02070309020205020404" pitchFamily="49" charset="0"/>
+              </a:rPr>
+              <a:t>    </a:t>
+            </a:r>
+            <a:br>
+              <a:rPr kumimoji="0" lang="it-IT" altLang="it-IT" sz="2400" b="0" i="0" u="none" strike="noStrike" cap="none" normalizeH="0" baseline="0" dirty="0" smtClean="0">
+                <a:ln>
+                  <a:noFill/>
+                </a:ln>
+                <a:solidFill>
+                  <a:srgbClr val="75715E"/>
+                </a:solidFill>
+                <a:effectLst/>
+                <a:latin typeface="Courier New" panose="02070309020205020404" pitchFamily="49" charset="0"/>
+                <a:cs typeface="Courier New" panose="02070309020205020404" pitchFamily="49" charset="0"/>
+              </a:rPr>
+            </a:br>
+            <a:r>
+              <a:rPr kumimoji="0" lang="it-IT" altLang="it-IT" sz="2400" b="0" i="0" u="none" strike="noStrike" cap="none" normalizeH="0" baseline="0" dirty="0" smtClean="0">
+                <a:ln>
+                  <a:noFill/>
+                </a:ln>
+                <a:solidFill>
+                  <a:srgbClr val="75715E"/>
+                </a:solidFill>
+                <a:effectLst/>
+                <a:latin typeface="Courier New" panose="02070309020205020404" pitchFamily="49" charset="0"/>
+                <a:cs typeface="Courier New" panose="02070309020205020404" pitchFamily="49" charset="0"/>
+              </a:rPr>
+              <a:t>    </a:t>
+            </a:r>
+            <a:r>
+              <a:rPr kumimoji="0" lang="it-IT" altLang="it-IT" sz="2400" b="0" i="1" u="none" strike="noStrike" cap="none" normalizeH="0" baseline="0" dirty="0" err="1" smtClean="0">
+                <a:ln>
+                  <a:noFill/>
+                </a:ln>
+                <a:solidFill>
+                  <a:srgbClr val="FD971F"/>
+                </a:solidFill>
+                <a:effectLst/>
+                <a:latin typeface="Courier New" panose="02070309020205020404" pitchFamily="49" charset="0"/>
+                <a:cs typeface="Courier New" panose="02070309020205020404" pitchFamily="49" charset="0"/>
+              </a:rPr>
+              <a:t>socket</a:t>
+            </a:r>
+            <a:r>
+              <a:rPr kumimoji="0" lang="it-IT" altLang="it-IT" sz="2400" b="0" i="0" u="none" strike="noStrike" cap="none" normalizeH="0" baseline="0" dirty="0" err="1" smtClean="0">
+                <a:ln>
+                  <a:noFill/>
+                </a:ln>
+                <a:solidFill>
+                  <a:srgbClr val="F8F8F2"/>
+                </a:solidFill>
+                <a:effectLst/>
+                <a:latin typeface="Courier New" panose="02070309020205020404" pitchFamily="49" charset="0"/>
+                <a:cs typeface="Courier New" panose="02070309020205020404" pitchFamily="49" charset="0"/>
+              </a:rPr>
+              <a:t>.</a:t>
+            </a:r>
+            <a:r>
+              <a:rPr kumimoji="0" lang="it-IT" altLang="it-IT" sz="2400" b="0" i="0" u="none" strike="noStrike" cap="none" normalizeH="0" baseline="0" dirty="0" err="1" smtClean="0">
+                <a:ln>
+                  <a:noFill/>
+                </a:ln>
+                <a:solidFill>
+                  <a:srgbClr val="979748"/>
+                </a:solidFill>
+                <a:effectLst/>
+                <a:latin typeface="Courier New" panose="02070309020205020404" pitchFamily="49" charset="0"/>
+                <a:cs typeface="Courier New" panose="02070309020205020404" pitchFamily="49" charset="0"/>
+              </a:rPr>
+              <a:t>on</a:t>
+            </a:r>
+            <a:r>
+              <a:rPr kumimoji="0" lang="it-IT" altLang="it-IT" sz="2400" b="0" i="0" u="none" strike="noStrike" cap="none" normalizeH="0" baseline="0" dirty="0" smtClean="0">
+                <a:ln>
+                  <a:noFill/>
+                </a:ln>
+                <a:solidFill>
+                  <a:srgbClr val="F8F8F2"/>
+                </a:solidFill>
+                <a:effectLst/>
+                <a:latin typeface="Courier New" panose="02070309020205020404" pitchFamily="49" charset="0"/>
+                <a:cs typeface="Courier New" panose="02070309020205020404" pitchFamily="49" charset="0"/>
+              </a:rPr>
+              <a:t>(</a:t>
+            </a:r>
+            <a:r>
+              <a:rPr kumimoji="0" lang="it-IT" altLang="it-IT" sz="2400" b="0" i="0" u="none" strike="noStrike" cap="none" normalizeH="0" baseline="0" dirty="0" smtClean="0">
+                <a:ln>
+                  <a:noFill/>
+                </a:ln>
+                <a:solidFill>
+                  <a:srgbClr val="E6DB74"/>
+                </a:solidFill>
+                <a:effectLst/>
+                <a:latin typeface="Courier New" panose="02070309020205020404" pitchFamily="49" charset="0"/>
+                <a:cs typeface="Courier New" panose="02070309020205020404" pitchFamily="49" charset="0"/>
+              </a:rPr>
+              <a:t>'</a:t>
+            </a:r>
+            <a:r>
+              <a:rPr kumimoji="0" lang="it-IT" altLang="it-IT" sz="2400" b="0" i="0" u="none" strike="noStrike" cap="none" normalizeH="0" baseline="0" dirty="0" err="1" smtClean="0">
+                <a:ln>
+                  <a:noFill/>
+                </a:ln>
+                <a:solidFill>
+                  <a:srgbClr val="E6DB74"/>
+                </a:solidFill>
+                <a:effectLst/>
+                <a:latin typeface="Courier New" panose="02070309020205020404" pitchFamily="49" charset="0"/>
+                <a:cs typeface="Courier New" panose="02070309020205020404" pitchFamily="49" charset="0"/>
+              </a:rPr>
+              <a:t>ping</a:t>
+            </a:r>
+            <a:r>
+              <a:rPr kumimoji="0" lang="it-IT" altLang="it-IT" sz="2400" b="0" i="0" u="none" strike="noStrike" cap="none" normalizeH="0" baseline="0" dirty="0" smtClean="0">
+                <a:ln>
+                  <a:noFill/>
+                </a:ln>
+                <a:solidFill>
+                  <a:srgbClr val="E6DB74"/>
+                </a:solidFill>
+                <a:effectLst/>
+                <a:latin typeface="Courier New" panose="02070309020205020404" pitchFamily="49" charset="0"/>
+                <a:cs typeface="Courier New" panose="02070309020205020404" pitchFamily="49" charset="0"/>
+              </a:rPr>
+              <a:t>'</a:t>
+            </a:r>
+            <a:r>
+              <a:rPr kumimoji="0" lang="it-IT" altLang="it-IT" sz="2400" b="0" i="0" u="none" strike="noStrike" cap="none" normalizeH="0" baseline="0" dirty="0" smtClean="0">
+                <a:ln>
+                  <a:noFill/>
+                </a:ln>
+                <a:solidFill>
+                  <a:srgbClr val="CC7832"/>
+                </a:solidFill>
+                <a:effectLst/>
+                <a:latin typeface="Courier New" panose="02070309020205020404" pitchFamily="49" charset="0"/>
+                <a:cs typeface="Courier New" panose="02070309020205020404" pitchFamily="49" charset="0"/>
+              </a:rPr>
+              <a:t>, </a:t>
+            </a:r>
+            <a:r>
+              <a:rPr kumimoji="0" lang="it-IT" altLang="it-IT" sz="2400" b="0" i="0" u="none" strike="noStrike" cap="none" normalizeH="0" baseline="0" dirty="0" err="1" smtClean="0">
+                <a:ln>
+                  <a:noFill/>
+                </a:ln>
+                <a:solidFill>
+                  <a:srgbClr val="F92672"/>
+                </a:solidFill>
+                <a:effectLst/>
+                <a:latin typeface="Courier New" panose="02070309020205020404" pitchFamily="49" charset="0"/>
+                <a:cs typeface="Courier New" panose="02070309020205020404" pitchFamily="49" charset="0"/>
+              </a:rPr>
+              <a:t>function</a:t>
+            </a:r>
+            <a:r>
+              <a:rPr kumimoji="0" lang="it-IT" altLang="it-IT" sz="2400" b="0" i="0" u="none" strike="noStrike" cap="none" normalizeH="0" baseline="0" dirty="0" smtClean="0">
+                <a:ln>
+                  <a:noFill/>
+                </a:ln>
+                <a:solidFill>
+                  <a:srgbClr val="F8F8F2"/>
+                </a:solidFill>
+                <a:effectLst/>
+                <a:latin typeface="Courier New" panose="02070309020205020404" pitchFamily="49" charset="0"/>
+                <a:cs typeface="Courier New" panose="02070309020205020404" pitchFamily="49" charset="0"/>
+              </a:rPr>
+              <a:t>(</a:t>
+            </a:r>
+            <a:r>
+              <a:rPr kumimoji="0" lang="it-IT" altLang="it-IT" sz="2400" b="0" i="1" u="none" strike="noStrike" cap="none" normalizeH="0" baseline="0" dirty="0" smtClean="0">
+                <a:ln>
+                  <a:noFill/>
+                </a:ln>
+                <a:solidFill>
+                  <a:srgbClr val="FD971F"/>
+                </a:solidFill>
+                <a:effectLst/>
+                <a:latin typeface="Courier New" panose="02070309020205020404" pitchFamily="49" charset="0"/>
+                <a:cs typeface="Courier New" panose="02070309020205020404" pitchFamily="49" charset="0"/>
+              </a:rPr>
+              <a:t>data</a:t>
+            </a:r>
+            <a:r>
+              <a:rPr kumimoji="0" lang="it-IT" altLang="it-IT" sz="2400" b="0" i="0" u="none" strike="noStrike" cap="none" normalizeH="0" baseline="0" dirty="0" smtClean="0">
+                <a:ln>
+                  <a:noFill/>
+                </a:ln>
+                <a:solidFill>
+                  <a:srgbClr val="F8F8F2"/>
+                </a:solidFill>
+                <a:effectLst/>
+                <a:latin typeface="Courier New" panose="02070309020205020404" pitchFamily="49" charset="0"/>
+                <a:cs typeface="Courier New" panose="02070309020205020404" pitchFamily="49" charset="0"/>
+              </a:rPr>
+              <a:t>) {</a:t>
+            </a:r>
+            <a:br>
+              <a:rPr kumimoji="0" lang="it-IT" altLang="it-IT" sz="2400" b="0" i="0" u="none" strike="noStrike" cap="none" normalizeH="0" baseline="0" dirty="0" smtClean="0">
+                <a:ln>
+                  <a:noFill/>
+                </a:ln>
+                <a:solidFill>
+                  <a:srgbClr val="F8F8F2"/>
+                </a:solidFill>
+                <a:effectLst/>
+                <a:latin typeface="Courier New" panose="02070309020205020404" pitchFamily="49" charset="0"/>
+                <a:cs typeface="Courier New" panose="02070309020205020404" pitchFamily="49" charset="0"/>
+              </a:rPr>
+            </a:br>
+            <a:r>
+              <a:rPr kumimoji="0" lang="it-IT" altLang="it-IT" sz="2400" b="0" i="0" u="none" strike="noStrike" cap="none" normalizeH="0" baseline="0" dirty="0" smtClean="0">
+                <a:ln>
+                  <a:noFill/>
+                </a:ln>
+                <a:solidFill>
+                  <a:srgbClr val="F8F8F2"/>
+                </a:solidFill>
+                <a:effectLst/>
+                <a:latin typeface="Courier New" panose="02070309020205020404" pitchFamily="49" charset="0"/>
+                <a:cs typeface="Courier New" panose="02070309020205020404" pitchFamily="49" charset="0"/>
+              </a:rPr>
+              <a:t>        </a:t>
+            </a:r>
+            <a:r>
+              <a:rPr kumimoji="0" lang="it-IT" altLang="it-IT" sz="2400" b="1" i="0" u="none" strike="noStrike" cap="none" normalizeH="0" baseline="0" dirty="0" smtClean="0">
+                <a:ln>
+                  <a:noFill/>
+                </a:ln>
+                <a:effectLst/>
+                <a:latin typeface="Courier New" panose="02070309020205020404" pitchFamily="49" charset="0"/>
+                <a:cs typeface="Courier New" panose="02070309020205020404" pitchFamily="49" charset="0"/>
+              </a:rPr>
+              <a:t>//do </a:t>
+            </a:r>
+            <a:r>
+              <a:rPr kumimoji="0" lang="it-IT" altLang="it-IT" sz="2400" b="1" i="0" u="none" strike="noStrike" cap="none" normalizeH="0" baseline="0" dirty="0" err="1" smtClean="0">
+                <a:ln>
+                  <a:noFill/>
+                </a:ln>
+                <a:effectLst/>
+                <a:latin typeface="Courier New" panose="02070309020205020404" pitchFamily="49" charset="0"/>
+                <a:cs typeface="Courier New" panose="02070309020205020404" pitchFamily="49" charset="0"/>
+              </a:rPr>
+              <a:t>something</a:t>
+            </a:r>
+            <a:r>
+              <a:rPr kumimoji="0" lang="it-IT" altLang="it-IT" sz="2400" b="1" i="0" u="none" strike="noStrike" cap="none" normalizeH="0" baseline="0" dirty="0" smtClean="0">
+                <a:ln>
+                  <a:noFill/>
+                </a:ln>
+                <a:effectLst/>
+                <a:latin typeface="Courier New" panose="02070309020205020404" pitchFamily="49" charset="0"/>
+                <a:cs typeface="Courier New" panose="02070309020205020404" pitchFamily="49" charset="0"/>
+              </a:rPr>
+              <a:t> with </a:t>
+            </a:r>
+            <a:r>
+              <a:rPr kumimoji="0" lang="it-IT" altLang="it-IT" sz="2400" b="1" i="0" u="none" strike="noStrike" cap="none" normalizeH="0" baseline="0" dirty="0" err="1" smtClean="0">
+                <a:ln>
+                  <a:noFill/>
+                </a:ln>
+                <a:effectLst/>
+                <a:latin typeface="Courier New" panose="02070309020205020404" pitchFamily="49" charset="0"/>
+                <a:cs typeface="Courier New" panose="02070309020205020404" pitchFamily="49" charset="0"/>
+              </a:rPr>
+              <a:t>received</a:t>
+            </a:r>
+            <a:r>
+              <a:rPr kumimoji="0" lang="it-IT" altLang="it-IT" sz="2400" b="1" i="0" u="none" strike="noStrike" cap="none" normalizeH="0" baseline="0" dirty="0" smtClean="0">
+                <a:ln>
+                  <a:noFill/>
+                </a:ln>
+                <a:effectLst/>
+                <a:latin typeface="Courier New" panose="02070309020205020404" pitchFamily="49" charset="0"/>
+                <a:cs typeface="Courier New" panose="02070309020205020404" pitchFamily="49" charset="0"/>
+              </a:rPr>
+              <a:t> data</a:t>
+            </a:r>
+            <a:r>
+              <a:rPr kumimoji="0" lang="it-IT" altLang="it-IT" sz="2400" b="0" i="0" u="none" strike="noStrike" cap="none" normalizeH="0" baseline="0" dirty="0" smtClean="0">
+                <a:ln>
+                  <a:noFill/>
+                </a:ln>
+                <a:solidFill>
+                  <a:srgbClr val="75715E"/>
+                </a:solidFill>
+                <a:effectLst/>
+                <a:latin typeface="Courier New" panose="02070309020205020404" pitchFamily="49" charset="0"/>
+                <a:cs typeface="Courier New" panose="02070309020205020404" pitchFamily="49" charset="0"/>
+              </a:rPr>
+              <a:t/>
+            </a:r>
+            <a:br>
+              <a:rPr kumimoji="0" lang="it-IT" altLang="it-IT" sz="2400" b="0" i="0" u="none" strike="noStrike" cap="none" normalizeH="0" baseline="0" dirty="0" smtClean="0">
+                <a:ln>
+                  <a:noFill/>
+                </a:ln>
+                <a:solidFill>
+                  <a:srgbClr val="75715E"/>
+                </a:solidFill>
+                <a:effectLst/>
+                <a:latin typeface="Courier New" panose="02070309020205020404" pitchFamily="49" charset="0"/>
+                <a:cs typeface="Courier New" panose="02070309020205020404" pitchFamily="49" charset="0"/>
+              </a:rPr>
+            </a:br>
+            <a:r>
+              <a:rPr kumimoji="0" lang="it-IT" altLang="it-IT" sz="2400" b="0" i="0" u="none" strike="noStrike" cap="none" normalizeH="0" baseline="0" dirty="0" smtClean="0">
+                <a:ln>
+                  <a:noFill/>
+                </a:ln>
+                <a:solidFill>
+                  <a:srgbClr val="75715E"/>
+                </a:solidFill>
+                <a:effectLst/>
+                <a:latin typeface="Courier New" panose="02070309020205020404" pitchFamily="49" charset="0"/>
+                <a:cs typeface="Courier New" panose="02070309020205020404" pitchFamily="49" charset="0"/>
+              </a:rPr>
+              <a:t>        </a:t>
+            </a:r>
+            <a:br>
+              <a:rPr kumimoji="0" lang="it-IT" altLang="it-IT" sz="2400" b="0" i="0" u="none" strike="noStrike" cap="none" normalizeH="0" baseline="0" dirty="0" smtClean="0">
+                <a:ln>
+                  <a:noFill/>
+                </a:ln>
+                <a:solidFill>
+                  <a:srgbClr val="75715E"/>
+                </a:solidFill>
+                <a:effectLst/>
+                <a:latin typeface="Courier New" panose="02070309020205020404" pitchFamily="49" charset="0"/>
+                <a:cs typeface="Courier New" panose="02070309020205020404" pitchFamily="49" charset="0"/>
+              </a:rPr>
+            </a:br>
+            <a:r>
+              <a:rPr kumimoji="0" lang="it-IT" altLang="it-IT" sz="2400" b="0" i="0" u="none" strike="noStrike" cap="none" normalizeH="0" baseline="0" dirty="0" smtClean="0">
+                <a:ln>
+                  <a:noFill/>
+                </a:ln>
+                <a:solidFill>
+                  <a:srgbClr val="75715E"/>
+                </a:solidFill>
+                <a:effectLst/>
+                <a:latin typeface="Courier New" panose="02070309020205020404" pitchFamily="49" charset="0"/>
+                <a:cs typeface="Courier New" panose="02070309020205020404" pitchFamily="49" charset="0"/>
+              </a:rPr>
+              <a:t>        </a:t>
+            </a:r>
+            <a:r>
+              <a:rPr kumimoji="0" lang="it-IT" altLang="it-IT" sz="2400" b="0" i="0" u="none" strike="noStrike" cap="none" normalizeH="0" baseline="0" dirty="0" smtClean="0">
+                <a:ln>
+                  <a:noFill/>
+                </a:ln>
+                <a:solidFill>
+                  <a:srgbClr val="F8F8F2"/>
+                </a:solidFill>
+                <a:effectLst/>
+                <a:latin typeface="Courier New" panose="02070309020205020404" pitchFamily="49" charset="0"/>
+                <a:cs typeface="Courier New" panose="02070309020205020404" pitchFamily="49" charset="0"/>
+              </a:rPr>
+              <a:t>console.</a:t>
+            </a:r>
+            <a:r>
+              <a:rPr kumimoji="0" lang="it-IT" altLang="it-IT" sz="2400" b="0" i="0" u="none" strike="noStrike" cap="none" normalizeH="0" baseline="0" dirty="0" smtClean="0">
+                <a:ln>
+                  <a:noFill/>
+                </a:ln>
+                <a:solidFill>
+                  <a:srgbClr val="979748"/>
+                </a:solidFill>
+                <a:effectLst/>
+                <a:latin typeface="Courier New" panose="02070309020205020404" pitchFamily="49" charset="0"/>
+                <a:cs typeface="Courier New" panose="02070309020205020404" pitchFamily="49" charset="0"/>
+              </a:rPr>
+              <a:t>log</a:t>
+            </a:r>
+            <a:r>
+              <a:rPr kumimoji="0" lang="it-IT" altLang="it-IT" sz="2400" b="0" i="0" u="none" strike="noStrike" cap="none" normalizeH="0" baseline="0" dirty="0" smtClean="0">
+                <a:ln>
+                  <a:noFill/>
+                </a:ln>
+                <a:solidFill>
+                  <a:srgbClr val="F8F8F2"/>
+                </a:solidFill>
+                <a:effectLst/>
+                <a:latin typeface="Courier New" panose="02070309020205020404" pitchFamily="49" charset="0"/>
+                <a:cs typeface="Courier New" panose="02070309020205020404" pitchFamily="49" charset="0"/>
+              </a:rPr>
+              <a:t>(</a:t>
+            </a:r>
+            <a:r>
+              <a:rPr kumimoji="0" lang="it-IT" altLang="it-IT" sz="2400" b="0" i="1" u="none" strike="noStrike" cap="none" normalizeH="0" baseline="0" dirty="0" err="1" smtClean="0">
+                <a:ln>
+                  <a:noFill/>
+                </a:ln>
+                <a:solidFill>
+                  <a:srgbClr val="FD971F"/>
+                </a:solidFill>
+                <a:effectLst/>
+                <a:latin typeface="Courier New" panose="02070309020205020404" pitchFamily="49" charset="0"/>
+                <a:cs typeface="Courier New" panose="02070309020205020404" pitchFamily="49" charset="0"/>
+              </a:rPr>
+              <a:t>data</a:t>
+            </a:r>
+            <a:r>
+              <a:rPr kumimoji="0" lang="it-IT" altLang="it-IT" sz="2400" b="0" i="0" u="none" strike="noStrike" cap="none" normalizeH="0" baseline="0" dirty="0" err="1" smtClean="0">
+                <a:ln>
+                  <a:noFill/>
+                </a:ln>
+                <a:solidFill>
+                  <a:srgbClr val="F8F8F2"/>
+                </a:solidFill>
+                <a:effectLst/>
+                <a:latin typeface="Courier New" panose="02070309020205020404" pitchFamily="49" charset="0"/>
+                <a:cs typeface="Courier New" panose="02070309020205020404" pitchFamily="49" charset="0"/>
+              </a:rPr>
+              <a:t>.user</a:t>
+            </a:r>
+            <a:r>
+              <a:rPr kumimoji="0" lang="it-IT" altLang="it-IT" sz="2400" b="0" i="0" u="none" strike="noStrike" cap="none" normalizeH="0" baseline="0" dirty="0" smtClean="0">
+                <a:ln>
+                  <a:noFill/>
+                </a:ln>
+                <a:solidFill>
+                  <a:srgbClr val="F8F8F2"/>
+                </a:solidFill>
+                <a:effectLst/>
+                <a:latin typeface="Courier New" panose="02070309020205020404" pitchFamily="49" charset="0"/>
+                <a:cs typeface="Courier New" panose="02070309020205020404" pitchFamily="49" charset="0"/>
+              </a:rPr>
+              <a:t>)</a:t>
+            </a:r>
+            <a:r>
+              <a:rPr kumimoji="0" lang="it-IT" altLang="it-IT" sz="2400" b="0" i="0" u="none" strike="noStrike" cap="none" normalizeH="0" baseline="0" dirty="0" smtClean="0">
+                <a:ln>
+                  <a:noFill/>
+                </a:ln>
+                <a:solidFill>
+                  <a:srgbClr val="CC7832"/>
+                </a:solidFill>
+                <a:effectLst/>
+                <a:latin typeface="Courier New" panose="02070309020205020404" pitchFamily="49" charset="0"/>
+                <a:cs typeface="Courier New" panose="02070309020205020404" pitchFamily="49" charset="0"/>
+              </a:rPr>
+              <a:t>;</a:t>
+            </a:r>
+            <a:br>
+              <a:rPr kumimoji="0" lang="it-IT" altLang="it-IT" sz="2400" b="0" i="0" u="none" strike="noStrike" cap="none" normalizeH="0" baseline="0" dirty="0" smtClean="0">
+                <a:ln>
+                  <a:noFill/>
+                </a:ln>
+                <a:solidFill>
+                  <a:srgbClr val="CC7832"/>
+                </a:solidFill>
+                <a:effectLst/>
+                <a:latin typeface="Courier New" panose="02070309020205020404" pitchFamily="49" charset="0"/>
+                <a:cs typeface="Courier New" panose="02070309020205020404" pitchFamily="49" charset="0"/>
+              </a:rPr>
+            </a:br>
+            <a:r>
+              <a:rPr kumimoji="0" lang="it-IT" altLang="it-IT" sz="2400" b="0" i="0" u="none" strike="noStrike" cap="none" normalizeH="0" baseline="0" dirty="0" smtClean="0">
+                <a:ln>
+                  <a:noFill/>
+                </a:ln>
+                <a:solidFill>
+                  <a:srgbClr val="CC7832"/>
+                </a:solidFill>
+                <a:effectLst/>
+                <a:latin typeface="Courier New" panose="02070309020205020404" pitchFamily="49" charset="0"/>
+                <a:cs typeface="Courier New" panose="02070309020205020404" pitchFamily="49" charset="0"/>
+              </a:rPr>
+              <a:t>        </a:t>
+            </a:r>
+            <a:r>
+              <a:rPr kumimoji="0" lang="it-IT" altLang="it-IT" sz="2400" b="0" i="1" u="none" strike="noStrike" cap="none" normalizeH="0" baseline="0" dirty="0" err="1" smtClean="0">
+                <a:ln>
+                  <a:noFill/>
+                </a:ln>
+                <a:solidFill>
+                  <a:srgbClr val="FD971F"/>
+                </a:solidFill>
+                <a:effectLst/>
+                <a:latin typeface="Courier New" panose="02070309020205020404" pitchFamily="49" charset="0"/>
+                <a:cs typeface="Courier New" panose="02070309020205020404" pitchFamily="49" charset="0"/>
+              </a:rPr>
+              <a:t>socket</a:t>
+            </a:r>
+            <a:r>
+              <a:rPr kumimoji="0" lang="it-IT" altLang="it-IT" sz="2400" b="0" i="0" u="none" strike="noStrike" cap="none" normalizeH="0" baseline="0" dirty="0" err="1" smtClean="0">
+                <a:ln>
+                  <a:noFill/>
+                </a:ln>
+                <a:solidFill>
+                  <a:srgbClr val="F8F8F2"/>
+                </a:solidFill>
+                <a:effectLst/>
+                <a:latin typeface="Courier New" panose="02070309020205020404" pitchFamily="49" charset="0"/>
+                <a:cs typeface="Courier New" panose="02070309020205020404" pitchFamily="49" charset="0"/>
+              </a:rPr>
+              <a:t>.</a:t>
+            </a:r>
+            <a:r>
+              <a:rPr kumimoji="0" lang="it-IT" altLang="it-IT" sz="2400" b="0" i="0" u="none" strike="noStrike" cap="none" normalizeH="0" baseline="0" dirty="0" err="1" smtClean="0">
+                <a:ln>
+                  <a:noFill/>
+                </a:ln>
+                <a:solidFill>
+                  <a:srgbClr val="979748"/>
+                </a:solidFill>
+                <a:effectLst/>
+                <a:latin typeface="Courier New" panose="02070309020205020404" pitchFamily="49" charset="0"/>
+                <a:cs typeface="Courier New" panose="02070309020205020404" pitchFamily="49" charset="0"/>
+              </a:rPr>
+              <a:t>emit</a:t>
+            </a:r>
+            <a:r>
+              <a:rPr kumimoji="0" lang="it-IT" altLang="it-IT" sz="2400" b="0" i="0" u="none" strike="noStrike" cap="none" normalizeH="0" baseline="0" dirty="0" smtClean="0">
+                <a:ln>
+                  <a:noFill/>
+                </a:ln>
+                <a:solidFill>
+                  <a:srgbClr val="F8F8F2"/>
+                </a:solidFill>
+                <a:effectLst/>
+                <a:latin typeface="Courier New" panose="02070309020205020404" pitchFamily="49" charset="0"/>
+                <a:cs typeface="Courier New" panose="02070309020205020404" pitchFamily="49" charset="0"/>
+              </a:rPr>
+              <a:t>(</a:t>
+            </a:r>
+            <a:r>
+              <a:rPr kumimoji="0" lang="it-IT" altLang="it-IT" sz="2400" b="0" i="0" u="none" strike="noStrike" cap="none" normalizeH="0" baseline="0" dirty="0" smtClean="0">
+                <a:ln>
+                  <a:noFill/>
+                </a:ln>
+                <a:solidFill>
+                  <a:srgbClr val="E6DB74"/>
+                </a:solidFill>
+                <a:effectLst/>
+                <a:latin typeface="Courier New" panose="02070309020205020404" pitchFamily="49" charset="0"/>
+                <a:cs typeface="Courier New" panose="02070309020205020404" pitchFamily="49" charset="0"/>
+              </a:rPr>
+              <a:t>'</a:t>
+            </a:r>
+            <a:r>
+              <a:rPr kumimoji="0" lang="it-IT" altLang="it-IT" sz="2400" b="0" i="0" u="none" strike="noStrike" cap="none" normalizeH="0" baseline="0" dirty="0" err="1" smtClean="0">
+                <a:ln>
+                  <a:noFill/>
+                </a:ln>
+                <a:solidFill>
+                  <a:srgbClr val="E6DB74"/>
+                </a:solidFill>
+                <a:effectLst/>
+                <a:latin typeface="Courier New" panose="02070309020205020404" pitchFamily="49" charset="0"/>
+                <a:cs typeface="Courier New" panose="02070309020205020404" pitchFamily="49" charset="0"/>
+              </a:rPr>
+              <a:t>pong</a:t>
+            </a:r>
+            <a:r>
+              <a:rPr kumimoji="0" lang="it-IT" altLang="it-IT" sz="2400" b="0" i="0" u="none" strike="noStrike" cap="none" normalizeH="0" baseline="0" dirty="0" smtClean="0">
+                <a:ln>
+                  <a:noFill/>
+                </a:ln>
+                <a:solidFill>
+                  <a:srgbClr val="E6DB74"/>
+                </a:solidFill>
+                <a:effectLst/>
+                <a:latin typeface="Courier New" panose="02070309020205020404" pitchFamily="49" charset="0"/>
+                <a:cs typeface="Courier New" panose="02070309020205020404" pitchFamily="49" charset="0"/>
+              </a:rPr>
+              <a:t>'</a:t>
+            </a:r>
+            <a:r>
+              <a:rPr kumimoji="0" lang="it-IT" altLang="it-IT" sz="2400" b="0" i="0" u="none" strike="noStrike" cap="none" normalizeH="0" baseline="0" dirty="0" smtClean="0">
+                <a:ln>
+                  <a:noFill/>
+                </a:ln>
+                <a:solidFill>
+                  <a:srgbClr val="CC7832"/>
+                </a:solidFill>
+                <a:effectLst/>
+                <a:latin typeface="Courier New" panose="02070309020205020404" pitchFamily="49" charset="0"/>
+                <a:cs typeface="Courier New" panose="02070309020205020404" pitchFamily="49" charset="0"/>
+              </a:rPr>
+              <a:t>, </a:t>
+            </a:r>
+            <a:r>
+              <a:rPr kumimoji="0" lang="it-IT" altLang="it-IT" sz="2400" b="0" i="0" u="none" strike="noStrike" cap="none" normalizeH="0" baseline="0" dirty="0" smtClean="0">
+                <a:ln>
+                  <a:noFill/>
+                </a:ln>
+                <a:solidFill>
+                  <a:srgbClr val="E6DB74"/>
+                </a:solidFill>
+                <a:effectLst/>
+                <a:latin typeface="Courier New" panose="02070309020205020404" pitchFamily="49" charset="0"/>
+                <a:cs typeface="Courier New" panose="02070309020205020404" pitchFamily="49" charset="0"/>
+              </a:rPr>
+              <a:t>'hello!'</a:t>
+            </a:r>
+            <a:r>
+              <a:rPr kumimoji="0" lang="it-IT" altLang="it-IT" sz="2400" b="0" i="0" u="none" strike="noStrike" cap="none" normalizeH="0" baseline="0" dirty="0" smtClean="0">
+                <a:ln>
+                  <a:noFill/>
+                </a:ln>
+                <a:solidFill>
+                  <a:srgbClr val="F8F8F2"/>
+                </a:solidFill>
+                <a:effectLst/>
+                <a:latin typeface="Courier New" panose="02070309020205020404" pitchFamily="49" charset="0"/>
+                <a:cs typeface="Courier New" panose="02070309020205020404" pitchFamily="49" charset="0"/>
+              </a:rPr>
+              <a:t>)</a:t>
+            </a:r>
+            <a:r>
+              <a:rPr kumimoji="0" lang="it-IT" altLang="it-IT" sz="2400" b="0" i="0" u="none" strike="noStrike" cap="none" normalizeH="0" baseline="0" dirty="0" smtClean="0">
+                <a:ln>
+                  <a:noFill/>
+                </a:ln>
+                <a:solidFill>
+                  <a:srgbClr val="CC7832"/>
+                </a:solidFill>
+                <a:effectLst/>
+                <a:latin typeface="Courier New" panose="02070309020205020404" pitchFamily="49" charset="0"/>
+                <a:cs typeface="Courier New" panose="02070309020205020404" pitchFamily="49" charset="0"/>
+              </a:rPr>
+              <a:t>;</a:t>
+            </a:r>
+            <a:br>
+              <a:rPr kumimoji="0" lang="it-IT" altLang="it-IT" sz="2400" b="0" i="0" u="none" strike="noStrike" cap="none" normalizeH="0" baseline="0" dirty="0" smtClean="0">
+                <a:ln>
+                  <a:noFill/>
+                </a:ln>
+                <a:solidFill>
+                  <a:srgbClr val="CC7832"/>
+                </a:solidFill>
+                <a:effectLst/>
+                <a:latin typeface="Courier New" panose="02070309020205020404" pitchFamily="49" charset="0"/>
+                <a:cs typeface="Courier New" panose="02070309020205020404" pitchFamily="49" charset="0"/>
+              </a:rPr>
+            </a:br>
+            <a:r>
+              <a:rPr kumimoji="0" lang="it-IT" altLang="it-IT" sz="2400" b="0" i="0" u="none" strike="noStrike" cap="none" normalizeH="0" baseline="0" dirty="0" smtClean="0">
+                <a:ln>
+                  <a:noFill/>
+                </a:ln>
+                <a:solidFill>
+                  <a:srgbClr val="CC7832"/>
+                </a:solidFill>
+                <a:effectLst/>
+                <a:latin typeface="Courier New" panose="02070309020205020404" pitchFamily="49" charset="0"/>
+                <a:cs typeface="Courier New" panose="02070309020205020404" pitchFamily="49" charset="0"/>
+              </a:rPr>
+              <a:t>    </a:t>
+            </a:r>
+            <a:r>
+              <a:rPr kumimoji="0" lang="it-IT" altLang="it-IT" sz="2400" b="0" i="0" u="none" strike="noStrike" cap="none" normalizeH="0" baseline="0" dirty="0" smtClean="0">
+                <a:ln>
+                  <a:noFill/>
+                </a:ln>
+                <a:solidFill>
+                  <a:srgbClr val="F8F8F2"/>
+                </a:solidFill>
+                <a:effectLst/>
+                <a:latin typeface="Courier New" panose="02070309020205020404" pitchFamily="49" charset="0"/>
+                <a:cs typeface="Courier New" panose="02070309020205020404" pitchFamily="49" charset="0"/>
+              </a:rPr>
+              <a:t>})</a:t>
+            </a:r>
+            <a:r>
+              <a:rPr kumimoji="0" lang="it-IT" altLang="it-IT" sz="2400" b="0" i="0" u="none" strike="noStrike" cap="none" normalizeH="0" baseline="0" dirty="0" smtClean="0">
+                <a:ln>
+                  <a:noFill/>
+                </a:ln>
+                <a:solidFill>
+                  <a:srgbClr val="CC7832"/>
+                </a:solidFill>
+                <a:effectLst/>
+                <a:latin typeface="Courier New" panose="02070309020205020404" pitchFamily="49" charset="0"/>
+                <a:cs typeface="Courier New" panose="02070309020205020404" pitchFamily="49" charset="0"/>
+              </a:rPr>
+              <a:t>;</a:t>
+            </a:r>
+            <a:br>
+              <a:rPr kumimoji="0" lang="it-IT" altLang="it-IT" sz="2400" b="0" i="0" u="none" strike="noStrike" cap="none" normalizeH="0" baseline="0" dirty="0" smtClean="0">
+                <a:ln>
+                  <a:noFill/>
+                </a:ln>
+                <a:solidFill>
+                  <a:srgbClr val="CC7832"/>
+                </a:solidFill>
+                <a:effectLst/>
+                <a:latin typeface="Courier New" panose="02070309020205020404" pitchFamily="49" charset="0"/>
+                <a:cs typeface="Courier New" panose="02070309020205020404" pitchFamily="49" charset="0"/>
+              </a:rPr>
+            </a:br>
+            <a:r>
+              <a:rPr kumimoji="0" lang="it-IT" altLang="it-IT" sz="2400" b="0" i="0" u="none" strike="noStrike" cap="none" normalizeH="0" baseline="0" dirty="0" smtClean="0">
+                <a:ln>
+                  <a:noFill/>
+                </a:ln>
+                <a:solidFill>
+                  <a:srgbClr val="F8F8F2"/>
+                </a:solidFill>
+                <a:effectLst/>
+                <a:latin typeface="Courier New" panose="02070309020205020404" pitchFamily="49" charset="0"/>
+                <a:cs typeface="Courier New" panose="02070309020205020404" pitchFamily="49" charset="0"/>
+              </a:rPr>
+              <a:t>})</a:t>
+            </a:r>
+            <a:r>
+              <a:rPr kumimoji="0" lang="it-IT" altLang="it-IT" sz="2400" b="0" i="0" u="none" strike="noStrike" cap="none" normalizeH="0" baseline="0" dirty="0" smtClean="0">
+                <a:ln>
+                  <a:noFill/>
+                </a:ln>
+                <a:solidFill>
+                  <a:srgbClr val="CC7832"/>
+                </a:solidFill>
+                <a:effectLst/>
+                <a:latin typeface="Courier New" panose="02070309020205020404" pitchFamily="49" charset="0"/>
+                <a:cs typeface="Courier New" panose="02070309020205020404" pitchFamily="49" charset="0"/>
+              </a:rPr>
+              <a:t>;</a:t>
+            </a:r>
+            <a:endParaRPr kumimoji="0" lang="it-IT" altLang="it-IT" sz="3600" b="0" i="0" u="none" strike="noStrike" cap="none" normalizeH="0" baseline="0" dirty="0" smtClean="0">
+              <a:ln>
+                <a:noFill/>
+              </a:ln>
+              <a:solidFill>
+                <a:schemeClr val="tx1"/>
+              </a:solidFill>
+              <a:effectLst/>
+              <a:latin typeface="Arial" panose="020B0604020202020204" pitchFamily="34" charset="0"/>
+            </a:endParaRPr>
+          </a:p>
+        </p:txBody>
+      </p:sp>
+    </p:spTree>
+    <p:extLst>
+      <p:ext uri="{BB962C8B-B14F-4D97-AF65-F5344CB8AC3E}">
+        <p14:creationId xmlns:p14="http://schemas.microsoft.com/office/powerpoint/2010/main" val="1738221474"/>
+      </p:ext>
+    </p:extLst>
+  </p:cSld>
+  <p:clrMapOvr>
+    <a:masterClrMapping/>
+  </p:clrMapOvr>
+  <p:timing>
+    <p:tnLst>
+      <p:par>
+        <p:cTn id="1" dur="indefinite" restart="never" nodeType="tmRoot"/>
+      </p:par>
+    </p:tnLst>
+  </p:timing>
+</p:sld>
+</file>
+
+<file path=ppt/slides/slide23.xml><?xml version="1.0" encoding="utf-8"?>
+<p:sld xmlns:a="http://schemas.openxmlformats.org/drawingml/2006/main" xmlns:r="http://schemas.openxmlformats.org/officeDocument/2006/relationships" xmlns:p="http://schemas.openxmlformats.org/presentationml/2006/main">
+  <p:cSld>
+    <p:spTree>
+      <p:nvGrpSpPr>
+        <p:cNvPr id="1" name=""/>
+        <p:cNvGrpSpPr/>
+        <p:nvPr/>
+      </p:nvGrpSpPr>
+      <p:grpSpPr>
+        <a:xfrm>
+          <a:off x="0" y="0"/>
+          <a:ext cx="0" cy="0"/>
+          <a:chOff x="0" y="0"/>
+          <a:chExt cx="0" cy="0"/>
+        </a:xfrm>
+      </p:grpSpPr>
+      <p:sp>
+        <p:nvSpPr>
+          <p:cNvPr id="2" name="Titolo 1"/>
+          <p:cNvSpPr>
+            <a:spLocks noGrp="1"/>
+          </p:cNvSpPr>
+          <p:nvPr>
+            <p:ph type="title"/>
+          </p:nvPr>
+        </p:nvSpPr>
+        <p:spPr/>
+        <p:txBody>
+          <a:bodyPr/>
+          <a:lstStyle/>
+          <a:p>
+            <a:r>
+              <a:rPr lang="it-IT" smtClean="0"/>
+              <a:t>Socket.io: Client example</a:t>
+            </a:r>
+            <a:endParaRPr lang="it-IT" dirty="0"/>
+          </a:p>
+        </p:txBody>
+      </p:sp>
+      <p:sp>
+        <p:nvSpPr>
+          <p:cNvPr id="5" name="Rectangle 1"/>
+          <p:cNvSpPr>
+            <a:spLocks noGrp="1" noChangeArrowheads="1"/>
+          </p:cNvSpPr>
+          <p:nvPr>
+            <p:ph sz="quarter" idx="10"/>
+          </p:nvPr>
+        </p:nvSpPr>
+        <p:spPr bwMode="auto">
+          <a:xfrm>
+            <a:off x="628650" y="2299231"/>
+            <a:ext cx="7417415" cy="3170099"/>
+          </a:xfrm>
+          <a:prstGeom prst="rect">
+            <a:avLst/>
+          </a:prstGeom>
+          <a:noFill/>
+          <a:ln>
+            <a:noFill/>
+          </a:ln>
+          <a:effectLst/>
+        </p:spPr>
+        <p:txBody>
+          <a:bodyPr vert="horz" wrap="none" lIns="91440" tIns="45720" rIns="91440" bIns="45720" numCol="1" anchor="ctr" anchorCtr="0" compatLnSpc="1">
+            <a:prstTxWarp prst="textNoShape">
+              <a:avLst/>
+            </a:prstTxWarp>
+            <a:spAutoFit/>
+          </a:bodyPr>
+          <a:lstStyle/>
+          <a:p>
+            <a:pPr marL="0" marR="0" lvl="0" indent="0" algn="l" defTabSz="914400" rtl="0" eaLnBrk="0" fontAlgn="base" latinLnBrk="0" hangingPunct="0">
+              <a:lnSpc>
+                <a:spcPct val="100000"/>
+              </a:lnSpc>
+              <a:spcBef>
+                <a:spcPct val="0"/>
+              </a:spcBef>
+              <a:spcAft>
+                <a:spcPct val="0"/>
+              </a:spcAft>
+              <a:buClrTx/>
+              <a:buSzTx/>
+              <a:buFontTx/>
+              <a:buNone/>
+              <a:tabLst/>
+            </a:pPr>
+            <a:r>
+              <a:rPr kumimoji="0" lang="it-IT" altLang="it-IT" sz="2000" b="0" i="0" u="none" strike="noStrike" cap="none" normalizeH="0" baseline="0" dirty="0" smtClean="0">
+                <a:ln>
+                  <a:noFill/>
+                </a:ln>
+                <a:solidFill>
+                  <a:srgbClr val="F8F8F2"/>
+                </a:solidFill>
+                <a:effectLst/>
+                <a:latin typeface="Courier New" panose="02070309020205020404" pitchFamily="49" charset="0"/>
+                <a:cs typeface="Courier New" panose="02070309020205020404" pitchFamily="49" charset="0"/>
+              </a:rPr>
+              <a:t>&lt;</a:t>
+            </a:r>
+            <a:r>
+              <a:rPr kumimoji="0" lang="it-IT" altLang="it-IT" sz="2000" b="1" i="0" u="none" strike="noStrike" cap="none" normalizeH="0" baseline="0" dirty="0" smtClean="0">
+                <a:ln>
+                  <a:noFill/>
+                </a:ln>
+                <a:solidFill>
+                  <a:srgbClr val="E3E3FF"/>
+                </a:solidFill>
+                <a:effectLst/>
+                <a:latin typeface="Courier New" panose="02070309020205020404" pitchFamily="49" charset="0"/>
+                <a:cs typeface="Courier New" panose="02070309020205020404" pitchFamily="49" charset="0"/>
+              </a:rPr>
+              <a:t>script </a:t>
+            </a:r>
+            <a:r>
+              <a:rPr kumimoji="0" lang="it-IT" altLang="it-IT" sz="2000" b="0" i="0" u="none" strike="noStrike" cap="none" normalizeH="0" baseline="0" dirty="0" err="1" smtClean="0">
+                <a:ln>
+                  <a:noFill/>
+                </a:ln>
+                <a:solidFill>
+                  <a:srgbClr val="A6E22E"/>
+                </a:solidFill>
+                <a:effectLst/>
+                <a:latin typeface="Courier New" panose="02070309020205020404" pitchFamily="49" charset="0"/>
+                <a:cs typeface="Courier New" panose="02070309020205020404" pitchFamily="49" charset="0"/>
+              </a:rPr>
+              <a:t>src</a:t>
+            </a:r>
+            <a:r>
+              <a:rPr kumimoji="0" lang="it-IT" altLang="it-IT" sz="2000" b="0" i="0" u="none" strike="noStrike" cap="none" normalizeH="0" baseline="0" dirty="0" smtClean="0">
+                <a:ln>
+                  <a:noFill/>
+                </a:ln>
+                <a:solidFill>
+                  <a:srgbClr val="A6E22E"/>
+                </a:solidFill>
+                <a:effectLst/>
+                <a:latin typeface="Courier New" panose="02070309020205020404" pitchFamily="49" charset="0"/>
+                <a:cs typeface="Courier New" panose="02070309020205020404" pitchFamily="49" charset="0"/>
+              </a:rPr>
+              <a:t>=</a:t>
+            </a:r>
+            <a:r>
+              <a:rPr kumimoji="0" lang="it-IT" altLang="it-IT" sz="2000" b="1" i="0" u="none" strike="noStrike" cap="none" normalizeH="0" baseline="0" dirty="0" smtClean="0">
+                <a:ln>
+                  <a:noFill/>
+                </a:ln>
+                <a:solidFill>
+                  <a:srgbClr val="E6DB74"/>
+                </a:solidFill>
+                <a:effectLst/>
+                <a:latin typeface="Courier New" panose="02070309020205020404" pitchFamily="49" charset="0"/>
+                <a:cs typeface="Courier New" panose="02070309020205020404" pitchFamily="49" charset="0"/>
+              </a:rPr>
+              <a:t>"/</a:t>
+            </a:r>
+            <a:r>
+              <a:rPr kumimoji="0" lang="it-IT" altLang="it-IT" sz="2000" b="1" i="0" u="none" strike="noStrike" cap="none" normalizeH="0" baseline="0" dirty="0" err="1" smtClean="0">
+                <a:ln>
+                  <a:noFill/>
+                </a:ln>
+                <a:solidFill>
+                  <a:srgbClr val="E6DB74"/>
+                </a:solidFill>
+                <a:effectLst/>
+                <a:latin typeface="Courier New" panose="02070309020205020404" pitchFamily="49" charset="0"/>
+                <a:cs typeface="Courier New" panose="02070309020205020404" pitchFamily="49" charset="0"/>
+              </a:rPr>
+              <a:t>socket.io</a:t>
+            </a:r>
+            <a:r>
+              <a:rPr kumimoji="0" lang="it-IT" altLang="it-IT" sz="2000" b="1" i="0" u="none" strike="noStrike" cap="none" normalizeH="0" baseline="0" dirty="0" smtClean="0">
+                <a:ln>
+                  <a:noFill/>
+                </a:ln>
+                <a:solidFill>
+                  <a:srgbClr val="E6DB74"/>
+                </a:solidFill>
+                <a:effectLst/>
+                <a:latin typeface="Courier New" panose="02070309020205020404" pitchFamily="49" charset="0"/>
+                <a:cs typeface="Courier New" panose="02070309020205020404" pitchFamily="49" charset="0"/>
+              </a:rPr>
+              <a:t>/socket.io.js"</a:t>
+            </a:r>
+            <a:r>
+              <a:rPr kumimoji="0" lang="it-IT" altLang="it-IT" sz="2000" b="0" i="0" u="none" strike="noStrike" cap="none" normalizeH="0" baseline="0" dirty="0" smtClean="0">
+                <a:ln>
+                  <a:noFill/>
+                </a:ln>
+                <a:solidFill>
+                  <a:srgbClr val="F8F8F2"/>
+                </a:solidFill>
+                <a:effectLst/>
+                <a:latin typeface="Courier New" panose="02070309020205020404" pitchFamily="49" charset="0"/>
+                <a:cs typeface="Courier New" panose="02070309020205020404" pitchFamily="49" charset="0"/>
+              </a:rPr>
+              <a:t>&gt;&lt;/</a:t>
+            </a:r>
+            <a:r>
+              <a:rPr kumimoji="0" lang="it-IT" altLang="it-IT" sz="2000" b="1" i="0" u="none" strike="noStrike" cap="none" normalizeH="0" baseline="0" dirty="0" smtClean="0">
+                <a:ln>
+                  <a:noFill/>
+                </a:ln>
+                <a:solidFill>
+                  <a:srgbClr val="E3E3FF"/>
+                </a:solidFill>
+                <a:effectLst/>
+                <a:latin typeface="Courier New" panose="02070309020205020404" pitchFamily="49" charset="0"/>
+                <a:cs typeface="Courier New" panose="02070309020205020404" pitchFamily="49" charset="0"/>
+              </a:rPr>
+              <a:t>script</a:t>
+            </a:r>
+            <a:r>
+              <a:rPr kumimoji="0" lang="it-IT" altLang="it-IT" sz="2000" b="0" i="0" u="none" strike="noStrike" cap="none" normalizeH="0" baseline="0" dirty="0" smtClean="0">
+                <a:ln>
+                  <a:noFill/>
+                </a:ln>
+                <a:solidFill>
+                  <a:srgbClr val="F8F8F2"/>
+                </a:solidFill>
+                <a:effectLst/>
+                <a:latin typeface="Courier New" panose="02070309020205020404" pitchFamily="49" charset="0"/>
+                <a:cs typeface="Courier New" panose="02070309020205020404" pitchFamily="49" charset="0"/>
+              </a:rPr>
+              <a:t>&gt;</a:t>
+            </a:r>
+            <a:br>
+              <a:rPr kumimoji="0" lang="it-IT" altLang="it-IT" sz="2000" b="0" i="0" u="none" strike="noStrike" cap="none" normalizeH="0" baseline="0" dirty="0" smtClean="0">
+                <a:ln>
+                  <a:noFill/>
+                </a:ln>
+                <a:solidFill>
+                  <a:srgbClr val="F8F8F2"/>
+                </a:solidFill>
+                <a:effectLst/>
+                <a:latin typeface="Courier New" panose="02070309020205020404" pitchFamily="49" charset="0"/>
+                <a:cs typeface="Courier New" panose="02070309020205020404" pitchFamily="49" charset="0"/>
+              </a:rPr>
+            </a:br>
+            <a:r>
+              <a:rPr kumimoji="0" lang="it-IT" altLang="it-IT" sz="2000" b="0" i="0" u="none" strike="noStrike" cap="none" normalizeH="0" baseline="0" dirty="0" smtClean="0">
+                <a:ln>
+                  <a:noFill/>
+                </a:ln>
+                <a:solidFill>
+                  <a:srgbClr val="F8F8F2"/>
+                </a:solidFill>
+                <a:effectLst/>
+                <a:latin typeface="Courier New" panose="02070309020205020404" pitchFamily="49" charset="0"/>
+                <a:cs typeface="Courier New" panose="02070309020205020404" pitchFamily="49" charset="0"/>
+              </a:rPr>
+              <a:t>&lt;</a:t>
+            </a:r>
+            <a:r>
+              <a:rPr kumimoji="0" lang="it-IT" altLang="it-IT" sz="2000" b="1" i="0" u="none" strike="noStrike" cap="none" normalizeH="0" baseline="0" dirty="0" smtClean="0">
+                <a:ln>
+                  <a:noFill/>
+                </a:ln>
+                <a:solidFill>
+                  <a:srgbClr val="E3E3FF"/>
+                </a:solidFill>
+                <a:effectLst/>
+                <a:latin typeface="Courier New" panose="02070309020205020404" pitchFamily="49" charset="0"/>
+                <a:cs typeface="Courier New" panose="02070309020205020404" pitchFamily="49" charset="0"/>
+              </a:rPr>
+              <a:t>script</a:t>
+            </a:r>
+            <a:r>
+              <a:rPr kumimoji="0" lang="it-IT" altLang="it-IT" sz="2000" b="0" i="0" u="none" strike="noStrike" cap="none" normalizeH="0" baseline="0" dirty="0" smtClean="0">
+                <a:ln>
+                  <a:noFill/>
+                </a:ln>
+                <a:solidFill>
+                  <a:srgbClr val="F8F8F2"/>
+                </a:solidFill>
+                <a:effectLst/>
+                <a:latin typeface="Courier New" panose="02070309020205020404" pitchFamily="49" charset="0"/>
+                <a:cs typeface="Courier New" panose="02070309020205020404" pitchFamily="49" charset="0"/>
+              </a:rPr>
+              <a:t>&gt;</a:t>
+            </a:r>
+            <a:br>
+              <a:rPr kumimoji="0" lang="it-IT" altLang="it-IT" sz="2000" b="0" i="0" u="none" strike="noStrike" cap="none" normalizeH="0" baseline="0" dirty="0" smtClean="0">
+                <a:ln>
+                  <a:noFill/>
+                </a:ln>
+                <a:solidFill>
+                  <a:srgbClr val="F8F8F2"/>
+                </a:solidFill>
+                <a:effectLst/>
+                <a:latin typeface="Courier New" panose="02070309020205020404" pitchFamily="49" charset="0"/>
+                <a:cs typeface="Courier New" panose="02070309020205020404" pitchFamily="49" charset="0"/>
+              </a:rPr>
+            </a:br>
+            <a:r>
+              <a:rPr kumimoji="0" lang="it-IT" altLang="it-IT" sz="2000" b="0" i="0" u="none" strike="noStrike" cap="none" normalizeH="0" baseline="0" dirty="0" smtClean="0">
+                <a:ln>
+                  <a:noFill/>
+                </a:ln>
+                <a:solidFill>
+                  <a:srgbClr val="F8F8F2"/>
+                </a:solidFill>
+                <a:effectLst/>
+                <a:latin typeface="Courier New" panose="02070309020205020404" pitchFamily="49" charset="0"/>
+                <a:cs typeface="Courier New" panose="02070309020205020404" pitchFamily="49" charset="0"/>
+              </a:rPr>
+              <a:t>    </a:t>
+            </a:r>
+            <a:r>
+              <a:rPr kumimoji="0" lang="it-IT" altLang="it-IT" sz="2000" b="0" i="0" u="none" strike="noStrike" cap="none" normalizeH="0" baseline="0" dirty="0" err="1" smtClean="0">
+                <a:ln>
+                  <a:noFill/>
+                </a:ln>
+                <a:solidFill>
+                  <a:srgbClr val="F92672"/>
+                </a:solidFill>
+                <a:effectLst/>
+                <a:latin typeface="Courier New" panose="02070309020205020404" pitchFamily="49" charset="0"/>
+                <a:cs typeface="Courier New" panose="02070309020205020404" pitchFamily="49" charset="0"/>
+              </a:rPr>
+              <a:t>var</a:t>
+            </a:r>
+            <a:r>
+              <a:rPr kumimoji="0" lang="it-IT" altLang="it-IT" sz="2000" b="0" i="0" u="none" strike="noStrike" cap="none" normalizeH="0" baseline="0" dirty="0" smtClean="0">
+                <a:ln>
+                  <a:noFill/>
+                </a:ln>
+                <a:solidFill>
+                  <a:srgbClr val="F92672"/>
+                </a:solidFill>
+                <a:effectLst/>
+                <a:latin typeface="Courier New" panose="02070309020205020404" pitchFamily="49" charset="0"/>
+                <a:cs typeface="Courier New" panose="02070309020205020404" pitchFamily="49" charset="0"/>
+              </a:rPr>
+              <a:t> </a:t>
+            </a:r>
+            <a:r>
+              <a:rPr kumimoji="0" lang="it-IT" altLang="it-IT" sz="2000" b="0" i="1" u="none" strike="noStrike" cap="none" normalizeH="0" baseline="0" dirty="0" err="1" smtClean="0">
+                <a:ln>
+                  <a:noFill/>
+                </a:ln>
+                <a:solidFill>
+                  <a:srgbClr val="F8F8F2"/>
+                </a:solidFill>
+                <a:effectLst/>
+                <a:latin typeface="Courier New" panose="02070309020205020404" pitchFamily="49" charset="0"/>
+                <a:cs typeface="Courier New" panose="02070309020205020404" pitchFamily="49" charset="0"/>
+              </a:rPr>
+              <a:t>socket</a:t>
+            </a:r>
+            <a:r>
+              <a:rPr kumimoji="0" lang="it-IT" altLang="it-IT" sz="2000" b="0" i="1" u="none" strike="noStrike" cap="none" normalizeH="0" baseline="0" dirty="0" smtClean="0">
+                <a:ln>
+                  <a:noFill/>
+                </a:ln>
+                <a:solidFill>
+                  <a:srgbClr val="F8F8F2"/>
+                </a:solidFill>
+                <a:effectLst/>
+                <a:latin typeface="Courier New" panose="02070309020205020404" pitchFamily="49" charset="0"/>
+                <a:cs typeface="Courier New" panose="02070309020205020404" pitchFamily="49" charset="0"/>
+              </a:rPr>
+              <a:t> </a:t>
+            </a:r>
+            <a:r>
+              <a:rPr kumimoji="0" lang="it-IT" altLang="it-IT" sz="2000" b="0" i="0" u="none" strike="noStrike" cap="none" normalizeH="0" baseline="0" dirty="0" smtClean="0">
+                <a:ln>
+                  <a:noFill/>
+                </a:ln>
+                <a:solidFill>
+                  <a:srgbClr val="F92672"/>
+                </a:solidFill>
+                <a:effectLst/>
+                <a:latin typeface="Courier New" panose="02070309020205020404" pitchFamily="49" charset="0"/>
+                <a:cs typeface="Courier New" panose="02070309020205020404" pitchFamily="49" charset="0"/>
+              </a:rPr>
+              <a:t>= </a:t>
+            </a:r>
+            <a:r>
+              <a:rPr kumimoji="0" lang="it-IT" altLang="it-IT" sz="2000" b="0" i="1" u="none" strike="noStrike" cap="none" normalizeH="0" baseline="0" dirty="0" smtClean="0">
+                <a:ln>
+                  <a:noFill/>
+                </a:ln>
+                <a:solidFill>
+                  <a:srgbClr val="F8F8F2"/>
+                </a:solidFill>
+                <a:effectLst/>
+                <a:latin typeface="Courier New" panose="02070309020205020404" pitchFamily="49" charset="0"/>
+                <a:cs typeface="Courier New" panose="02070309020205020404" pitchFamily="49" charset="0"/>
+              </a:rPr>
+              <a:t>io</a:t>
+            </a:r>
+            <a:r>
+              <a:rPr kumimoji="0" lang="it-IT" altLang="it-IT" sz="2000" b="0" i="0" u="none" strike="noStrike" cap="none" normalizeH="0" baseline="0" dirty="0" smtClean="0">
+                <a:ln>
+                  <a:noFill/>
+                </a:ln>
+                <a:solidFill>
+                  <a:srgbClr val="F8F8F2"/>
+                </a:solidFill>
+                <a:effectLst/>
+                <a:latin typeface="Courier New" panose="02070309020205020404" pitchFamily="49" charset="0"/>
+                <a:cs typeface="Courier New" panose="02070309020205020404" pitchFamily="49" charset="0"/>
+              </a:rPr>
+              <a:t>()</a:t>
+            </a:r>
+            <a:r>
+              <a:rPr kumimoji="0" lang="it-IT" altLang="it-IT" sz="2000" b="0" i="0" u="none" strike="noStrike" cap="none" normalizeH="0" baseline="0" dirty="0" smtClean="0">
+                <a:ln>
+                  <a:noFill/>
+                </a:ln>
+                <a:solidFill>
+                  <a:srgbClr val="CC7832"/>
+                </a:solidFill>
+                <a:effectLst/>
+                <a:latin typeface="Courier New" panose="02070309020205020404" pitchFamily="49" charset="0"/>
+                <a:cs typeface="Courier New" panose="02070309020205020404" pitchFamily="49" charset="0"/>
+              </a:rPr>
+              <a:t>;</a:t>
+            </a:r>
+            <a:br>
+              <a:rPr kumimoji="0" lang="it-IT" altLang="it-IT" sz="2000" b="0" i="0" u="none" strike="noStrike" cap="none" normalizeH="0" baseline="0" dirty="0" smtClean="0">
+                <a:ln>
+                  <a:noFill/>
+                </a:ln>
+                <a:solidFill>
+                  <a:srgbClr val="CC7832"/>
+                </a:solidFill>
+                <a:effectLst/>
+                <a:latin typeface="Courier New" panose="02070309020205020404" pitchFamily="49" charset="0"/>
+                <a:cs typeface="Courier New" panose="02070309020205020404" pitchFamily="49" charset="0"/>
+              </a:rPr>
+            </a:br>
+            <a:r>
+              <a:rPr kumimoji="0" lang="it-IT" altLang="it-IT" sz="2000" b="0" i="0" u="none" strike="noStrike" cap="none" normalizeH="0" baseline="0" dirty="0" smtClean="0">
+                <a:ln>
+                  <a:noFill/>
+                </a:ln>
+                <a:solidFill>
+                  <a:srgbClr val="CC7832"/>
+                </a:solidFill>
+                <a:effectLst/>
+                <a:latin typeface="Courier New" panose="02070309020205020404" pitchFamily="49" charset="0"/>
+                <a:cs typeface="Courier New" panose="02070309020205020404" pitchFamily="49" charset="0"/>
+              </a:rPr>
+              <a:t>    </a:t>
+            </a:r>
+            <a:r>
+              <a:rPr kumimoji="0" lang="it-IT" altLang="it-IT" sz="2000" b="0" i="1" u="none" strike="noStrike" cap="none" normalizeH="0" baseline="0" dirty="0" err="1" smtClean="0">
+                <a:ln>
+                  <a:noFill/>
+                </a:ln>
+                <a:solidFill>
+                  <a:srgbClr val="F8F8F2"/>
+                </a:solidFill>
+                <a:effectLst/>
+                <a:latin typeface="Courier New" panose="02070309020205020404" pitchFamily="49" charset="0"/>
+                <a:cs typeface="Courier New" panose="02070309020205020404" pitchFamily="49" charset="0"/>
+              </a:rPr>
+              <a:t>socket</a:t>
+            </a:r>
+            <a:r>
+              <a:rPr kumimoji="0" lang="it-IT" altLang="it-IT" sz="2000" b="0" i="0" u="none" strike="noStrike" cap="none" normalizeH="0" baseline="0" dirty="0" err="1" smtClean="0">
+                <a:ln>
+                  <a:noFill/>
+                </a:ln>
+                <a:solidFill>
+                  <a:srgbClr val="F8F8F2"/>
+                </a:solidFill>
+                <a:effectLst/>
+                <a:latin typeface="Courier New" panose="02070309020205020404" pitchFamily="49" charset="0"/>
+                <a:cs typeface="Courier New" panose="02070309020205020404" pitchFamily="49" charset="0"/>
+              </a:rPr>
+              <a:t>.</a:t>
+            </a:r>
+            <a:r>
+              <a:rPr kumimoji="0" lang="it-IT" altLang="it-IT" sz="2000" b="0" i="0" u="none" strike="noStrike" cap="none" normalizeH="0" baseline="0" dirty="0" err="1" smtClean="0">
+                <a:ln>
+                  <a:noFill/>
+                </a:ln>
+                <a:solidFill>
+                  <a:srgbClr val="979748"/>
+                </a:solidFill>
+                <a:effectLst/>
+                <a:latin typeface="Courier New" panose="02070309020205020404" pitchFamily="49" charset="0"/>
+                <a:cs typeface="Courier New" panose="02070309020205020404" pitchFamily="49" charset="0"/>
+              </a:rPr>
+              <a:t>on</a:t>
+            </a:r>
+            <a:r>
+              <a:rPr kumimoji="0" lang="it-IT" altLang="it-IT" sz="2000" b="0" i="0" u="none" strike="noStrike" cap="none" normalizeH="0" baseline="0" dirty="0" smtClean="0">
+                <a:ln>
+                  <a:noFill/>
+                </a:ln>
+                <a:solidFill>
+                  <a:srgbClr val="F8F8F2"/>
+                </a:solidFill>
+                <a:effectLst/>
+                <a:latin typeface="Courier New" panose="02070309020205020404" pitchFamily="49" charset="0"/>
+                <a:cs typeface="Courier New" panose="02070309020205020404" pitchFamily="49" charset="0"/>
+              </a:rPr>
+              <a:t>(</a:t>
+            </a:r>
+            <a:r>
+              <a:rPr kumimoji="0" lang="it-IT" altLang="it-IT" sz="2000" b="0" i="0" u="none" strike="noStrike" cap="none" normalizeH="0" baseline="0" dirty="0" smtClean="0">
+                <a:ln>
+                  <a:noFill/>
+                </a:ln>
+                <a:solidFill>
+                  <a:srgbClr val="E6DB74"/>
+                </a:solidFill>
+                <a:effectLst/>
+                <a:latin typeface="Courier New" panose="02070309020205020404" pitchFamily="49" charset="0"/>
+                <a:cs typeface="Courier New" panose="02070309020205020404" pitchFamily="49" charset="0"/>
+              </a:rPr>
+              <a:t>'</a:t>
+            </a:r>
+            <a:r>
+              <a:rPr kumimoji="0" lang="it-IT" altLang="it-IT" sz="2000" b="0" i="0" u="none" strike="noStrike" cap="none" normalizeH="0" baseline="0" dirty="0" err="1" smtClean="0">
+                <a:ln>
+                  <a:noFill/>
+                </a:ln>
+                <a:solidFill>
+                  <a:srgbClr val="E6DB74"/>
+                </a:solidFill>
+                <a:effectLst/>
+                <a:latin typeface="Courier New" panose="02070309020205020404" pitchFamily="49" charset="0"/>
+                <a:cs typeface="Courier New" panose="02070309020205020404" pitchFamily="49" charset="0"/>
+              </a:rPr>
+              <a:t>pong</a:t>
+            </a:r>
+            <a:r>
+              <a:rPr kumimoji="0" lang="it-IT" altLang="it-IT" sz="2000" b="0" i="0" u="none" strike="noStrike" cap="none" normalizeH="0" baseline="0" dirty="0" smtClean="0">
+                <a:ln>
+                  <a:noFill/>
+                </a:ln>
+                <a:solidFill>
+                  <a:srgbClr val="E6DB74"/>
+                </a:solidFill>
+                <a:effectLst/>
+                <a:latin typeface="Courier New" panose="02070309020205020404" pitchFamily="49" charset="0"/>
+                <a:cs typeface="Courier New" panose="02070309020205020404" pitchFamily="49" charset="0"/>
+              </a:rPr>
+              <a:t>'</a:t>
+            </a:r>
+            <a:r>
+              <a:rPr kumimoji="0" lang="it-IT" altLang="it-IT" sz="2000" b="0" i="0" u="none" strike="noStrike" cap="none" normalizeH="0" baseline="0" dirty="0" smtClean="0">
+                <a:ln>
+                  <a:noFill/>
+                </a:ln>
+                <a:solidFill>
+                  <a:srgbClr val="CC7832"/>
+                </a:solidFill>
+                <a:effectLst/>
+                <a:latin typeface="Courier New" panose="02070309020205020404" pitchFamily="49" charset="0"/>
+                <a:cs typeface="Courier New" panose="02070309020205020404" pitchFamily="49" charset="0"/>
+              </a:rPr>
+              <a:t>, </a:t>
+            </a:r>
+            <a:r>
+              <a:rPr kumimoji="0" lang="it-IT" altLang="it-IT" sz="2000" b="0" i="0" u="none" strike="noStrike" cap="none" normalizeH="0" baseline="0" dirty="0" err="1" smtClean="0">
+                <a:ln>
+                  <a:noFill/>
+                </a:ln>
+                <a:solidFill>
+                  <a:srgbClr val="F92672"/>
+                </a:solidFill>
+                <a:effectLst/>
+                <a:latin typeface="Courier New" panose="02070309020205020404" pitchFamily="49" charset="0"/>
+                <a:cs typeface="Courier New" panose="02070309020205020404" pitchFamily="49" charset="0"/>
+              </a:rPr>
+              <a:t>function</a:t>
+            </a:r>
+            <a:r>
+              <a:rPr kumimoji="0" lang="it-IT" altLang="it-IT" sz="2000" b="0" i="0" u="none" strike="noStrike" cap="none" normalizeH="0" baseline="0" dirty="0" smtClean="0">
+                <a:ln>
+                  <a:noFill/>
+                </a:ln>
+                <a:solidFill>
+                  <a:srgbClr val="F8F8F2"/>
+                </a:solidFill>
+                <a:effectLst/>
+                <a:latin typeface="Courier New" panose="02070309020205020404" pitchFamily="49" charset="0"/>
+                <a:cs typeface="Courier New" panose="02070309020205020404" pitchFamily="49" charset="0"/>
+              </a:rPr>
+              <a:t>(</a:t>
+            </a:r>
+            <a:r>
+              <a:rPr kumimoji="0" lang="it-IT" altLang="it-IT" sz="2000" b="0" i="1" u="none" strike="noStrike" cap="none" normalizeH="0" baseline="0" dirty="0" smtClean="0">
+                <a:ln>
+                  <a:noFill/>
+                </a:ln>
+                <a:solidFill>
+                  <a:srgbClr val="FD971F"/>
+                </a:solidFill>
+                <a:effectLst/>
+                <a:latin typeface="Courier New" panose="02070309020205020404" pitchFamily="49" charset="0"/>
+                <a:cs typeface="Courier New" panose="02070309020205020404" pitchFamily="49" charset="0"/>
+              </a:rPr>
+              <a:t>data</a:t>
+            </a:r>
+            <a:r>
+              <a:rPr kumimoji="0" lang="it-IT" altLang="it-IT" sz="2000" b="0" i="0" u="none" strike="noStrike" cap="none" normalizeH="0" baseline="0" dirty="0" smtClean="0">
+                <a:ln>
+                  <a:noFill/>
+                </a:ln>
+                <a:solidFill>
+                  <a:srgbClr val="F8F8F2"/>
+                </a:solidFill>
+                <a:effectLst/>
+                <a:latin typeface="Courier New" panose="02070309020205020404" pitchFamily="49" charset="0"/>
+                <a:cs typeface="Courier New" panose="02070309020205020404" pitchFamily="49" charset="0"/>
+              </a:rPr>
+              <a:t>) {</a:t>
+            </a:r>
+          </a:p>
+          <a:p>
+            <a:pPr marL="0" lvl="0" indent="0" defTabSz="914400">
+              <a:spcBef>
+                <a:spcPct val="0"/>
+              </a:spcBef>
+              <a:buClrTx/>
+              <a:buSzTx/>
+              <a:buNone/>
+            </a:pPr>
+            <a:r>
+              <a:rPr lang="it-IT" altLang="it-IT" sz="2000" b="1" dirty="0" smtClean="0">
+                <a:latin typeface="Courier New" panose="02070309020205020404" pitchFamily="49" charset="0"/>
+                <a:cs typeface="Courier New" panose="02070309020205020404" pitchFamily="49" charset="0"/>
+              </a:rPr>
+              <a:t>	  //</a:t>
+            </a:r>
+            <a:r>
+              <a:rPr lang="it-IT" altLang="it-IT" sz="2000" b="1" dirty="0">
+                <a:latin typeface="Courier New" panose="02070309020205020404" pitchFamily="49" charset="0"/>
+                <a:cs typeface="Courier New" panose="02070309020205020404" pitchFamily="49" charset="0"/>
+              </a:rPr>
+              <a:t>do </a:t>
+            </a:r>
+            <a:r>
+              <a:rPr lang="it-IT" altLang="it-IT" sz="2000" b="1" dirty="0" err="1">
+                <a:latin typeface="Courier New" panose="02070309020205020404" pitchFamily="49" charset="0"/>
+                <a:cs typeface="Courier New" panose="02070309020205020404" pitchFamily="49" charset="0"/>
+              </a:rPr>
+              <a:t>something</a:t>
+            </a:r>
+            <a:r>
+              <a:rPr lang="it-IT" altLang="it-IT" sz="2000" b="1" dirty="0">
+                <a:latin typeface="Courier New" panose="02070309020205020404" pitchFamily="49" charset="0"/>
+                <a:cs typeface="Courier New" panose="02070309020205020404" pitchFamily="49" charset="0"/>
+              </a:rPr>
+              <a:t> with </a:t>
+            </a:r>
+            <a:r>
+              <a:rPr lang="it-IT" altLang="it-IT" sz="2000" b="1" dirty="0" err="1">
+                <a:latin typeface="Courier New" panose="02070309020205020404" pitchFamily="49" charset="0"/>
+                <a:cs typeface="Courier New" panose="02070309020205020404" pitchFamily="49" charset="0"/>
+              </a:rPr>
+              <a:t>received</a:t>
+            </a:r>
+            <a:r>
+              <a:rPr lang="it-IT" altLang="it-IT" sz="2000" b="1" dirty="0">
+                <a:latin typeface="Courier New" panose="02070309020205020404" pitchFamily="49" charset="0"/>
+                <a:cs typeface="Courier New" panose="02070309020205020404" pitchFamily="49" charset="0"/>
+              </a:rPr>
+              <a:t> </a:t>
+            </a:r>
+            <a:r>
+              <a:rPr lang="it-IT" altLang="it-IT" sz="2000" b="1" dirty="0" smtClean="0">
+                <a:latin typeface="Courier New" panose="02070309020205020404" pitchFamily="49" charset="0"/>
+                <a:cs typeface="Courier New" panose="02070309020205020404" pitchFamily="49" charset="0"/>
+              </a:rPr>
+              <a:t>data</a:t>
+            </a:r>
+          </a:p>
+          <a:p>
+            <a:pPr marL="0" lvl="0" indent="0" defTabSz="914400">
+              <a:spcBef>
+                <a:spcPct val="0"/>
+              </a:spcBef>
+              <a:buClrTx/>
+              <a:buSzTx/>
+              <a:buNone/>
+            </a:pPr>
+            <a:r>
+              <a:rPr kumimoji="0" lang="it-IT" altLang="it-IT" sz="2000" b="0" i="0" u="none" strike="noStrike" cap="none" normalizeH="0" baseline="0" dirty="0" smtClean="0">
+                <a:ln>
+                  <a:noFill/>
+                </a:ln>
+                <a:solidFill>
+                  <a:srgbClr val="F8F8F2"/>
+                </a:solidFill>
+                <a:effectLst/>
+                <a:latin typeface="Courier New" panose="02070309020205020404" pitchFamily="49" charset="0"/>
+                <a:cs typeface="Courier New" panose="02070309020205020404" pitchFamily="49" charset="0"/>
+              </a:rPr>
+              <a:t/>
+            </a:r>
+            <a:br>
+              <a:rPr kumimoji="0" lang="it-IT" altLang="it-IT" sz="2000" b="0" i="0" u="none" strike="noStrike" cap="none" normalizeH="0" baseline="0" dirty="0" smtClean="0">
+                <a:ln>
+                  <a:noFill/>
+                </a:ln>
+                <a:solidFill>
+                  <a:srgbClr val="F8F8F2"/>
+                </a:solidFill>
+                <a:effectLst/>
+                <a:latin typeface="Courier New" panose="02070309020205020404" pitchFamily="49" charset="0"/>
+                <a:cs typeface="Courier New" panose="02070309020205020404" pitchFamily="49" charset="0"/>
+              </a:rPr>
+            </a:br>
+            <a:r>
+              <a:rPr kumimoji="0" lang="it-IT" altLang="it-IT" sz="2000" b="0" i="0" u="none" strike="noStrike" cap="none" normalizeH="0" baseline="0" dirty="0" smtClean="0">
+                <a:ln>
+                  <a:noFill/>
+                </a:ln>
+                <a:solidFill>
+                  <a:srgbClr val="F8F8F2"/>
+                </a:solidFill>
+                <a:effectLst/>
+                <a:latin typeface="Courier New" panose="02070309020205020404" pitchFamily="49" charset="0"/>
+                <a:cs typeface="Courier New" panose="02070309020205020404" pitchFamily="49" charset="0"/>
+              </a:rPr>
+              <a:t>        console.</a:t>
+            </a:r>
+            <a:r>
+              <a:rPr kumimoji="0" lang="it-IT" altLang="it-IT" sz="2000" b="0" i="0" u="none" strike="noStrike" cap="none" normalizeH="0" baseline="0" dirty="0" smtClean="0">
+                <a:ln>
+                  <a:noFill/>
+                </a:ln>
+                <a:solidFill>
+                  <a:srgbClr val="979748"/>
+                </a:solidFill>
+                <a:effectLst/>
+                <a:latin typeface="Courier New" panose="02070309020205020404" pitchFamily="49" charset="0"/>
+                <a:cs typeface="Courier New" panose="02070309020205020404" pitchFamily="49" charset="0"/>
+              </a:rPr>
+              <a:t>log</a:t>
+            </a:r>
+            <a:r>
+              <a:rPr kumimoji="0" lang="it-IT" altLang="it-IT" sz="2000" b="0" i="0" u="none" strike="noStrike" cap="none" normalizeH="0" baseline="0" dirty="0" smtClean="0">
+                <a:ln>
+                  <a:noFill/>
+                </a:ln>
+                <a:solidFill>
+                  <a:srgbClr val="F8F8F2"/>
+                </a:solidFill>
+                <a:effectLst/>
+                <a:latin typeface="Courier New" panose="02070309020205020404" pitchFamily="49" charset="0"/>
+                <a:cs typeface="Courier New" panose="02070309020205020404" pitchFamily="49" charset="0"/>
+              </a:rPr>
+              <a:t>(</a:t>
+            </a:r>
+            <a:r>
+              <a:rPr kumimoji="0" lang="it-IT" altLang="it-IT" sz="2000" b="0" i="1" u="none" strike="noStrike" cap="none" normalizeH="0" baseline="0" dirty="0" smtClean="0">
+                <a:ln>
+                  <a:noFill/>
+                </a:ln>
+                <a:solidFill>
+                  <a:srgbClr val="FD971F"/>
+                </a:solidFill>
+                <a:effectLst/>
+                <a:latin typeface="Courier New" panose="02070309020205020404" pitchFamily="49" charset="0"/>
+                <a:cs typeface="Courier New" panose="02070309020205020404" pitchFamily="49" charset="0"/>
+              </a:rPr>
+              <a:t>data</a:t>
+            </a:r>
+            <a:r>
+              <a:rPr kumimoji="0" lang="it-IT" altLang="it-IT" sz="2000" b="0" i="0" u="none" strike="noStrike" cap="none" normalizeH="0" baseline="0" dirty="0" smtClean="0">
+                <a:ln>
+                  <a:noFill/>
+                </a:ln>
+                <a:solidFill>
+                  <a:srgbClr val="F8F8F2"/>
+                </a:solidFill>
+                <a:effectLst/>
+                <a:latin typeface="Courier New" panose="02070309020205020404" pitchFamily="49" charset="0"/>
+                <a:cs typeface="Courier New" panose="02070309020205020404" pitchFamily="49" charset="0"/>
+              </a:rPr>
+              <a:t>)</a:t>
+            </a:r>
+            <a:r>
+              <a:rPr kumimoji="0" lang="it-IT" altLang="it-IT" sz="2000" b="0" i="0" u="none" strike="noStrike" cap="none" normalizeH="0" baseline="0" dirty="0" smtClean="0">
+                <a:ln>
+                  <a:noFill/>
+                </a:ln>
+                <a:solidFill>
+                  <a:srgbClr val="CC7832"/>
+                </a:solidFill>
+                <a:effectLst/>
+                <a:latin typeface="Courier New" panose="02070309020205020404" pitchFamily="49" charset="0"/>
+                <a:cs typeface="Courier New" panose="02070309020205020404" pitchFamily="49" charset="0"/>
+              </a:rPr>
+              <a:t>;</a:t>
+            </a:r>
+            <a:br>
+              <a:rPr kumimoji="0" lang="it-IT" altLang="it-IT" sz="2000" b="0" i="0" u="none" strike="noStrike" cap="none" normalizeH="0" baseline="0" dirty="0" smtClean="0">
+                <a:ln>
+                  <a:noFill/>
+                </a:ln>
+                <a:solidFill>
+                  <a:srgbClr val="CC7832"/>
+                </a:solidFill>
+                <a:effectLst/>
+                <a:latin typeface="Courier New" panose="02070309020205020404" pitchFamily="49" charset="0"/>
+                <a:cs typeface="Courier New" panose="02070309020205020404" pitchFamily="49" charset="0"/>
+              </a:rPr>
+            </a:br>
+            <a:r>
+              <a:rPr kumimoji="0" lang="it-IT" altLang="it-IT" sz="2000" b="0" i="0" u="none" strike="noStrike" cap="none" normalizeH="0" baseline="0" dirty="0" smtClean="0">
+                <a:ln>
+                  <a:noFill/>
+                </a:ln>
+                <a:solidFill>
+                  <a:srgbClr val="CC7832"/>
+                </a:solidFill>
+                <a:effectLst/>
+                <a:latin typeface="Courier New" panose="02070309020205020404" pitchFamily="49" charset="0"/>
+                <a:cs typeface="Courier New" panose="02070309020205020404" pitchFamily="49" charset="0"/>
+              </a:rPr>
+              <a:t>    </a:t>
+            </a:r>
+            <a:r>
+              <a:rPr kumimoji="0" lang="it-IT" altLang="it-IT" sz="2000" b="0" i="0" u="none" strike="noStrike" cap="none" normalizeH="0" baseline="0" dirty="0" smtClean="0">
+                <a:ln>
+                  <a:noFill/>
+                </a:ln>
+                <a:solidFill>
+                  <a:srgbClr val="F8F8F2"/>
+                </a:solidFill>
+                <a:effectLst/>
+                <a:latin typeface="Courier New" panose="02070309020205020404" pitchFamily="49" charset="0"/>
+                <a:cs typeface="Courier New" panose="02070309020205020404" pitchFamily="49" charset="0"/>
+              </a:rPr>
+              <a:t>})</a:t>
+            </a:r>
+            <a:r>
+              <a:rPr kumimoji="0" lang="it-IT" altLang="it-IT" sz="2000" b="0" i="0" u="none" strike="noStrike" cap="none" normalizeH="0" baseline="0" dirty="0" smtClean="0">
+                <a:ln>
+                  <a:noFill/>
+                </a:ln>
+                <a:solidFill>
+                  <a:srgbClr val="CC7832"/>
+                </a:solidFill>
+                <a:effectLst/>
+                <a:latin typeface="Courier New" panose="02070309020205020404" pitchFamily="49" charset="0"/>
+                <a:cs typeface="Courier New" panose="02070309020205020404" pitchFamily="49" charset="0"/>
+              </a:rPr>
+              <a:t>;</a:t>
+            </a:r>
+            <a:br>
+              <a:rPr kumimoji="0" lang="it-IT" altLang="it-IT" sz="2000" b="0" i="0" u="none" strike="noStrike" cap="none" normalizeH="0" baseline="0" dirty="0" smtClean="0">
+                <a:ln>
+                  <a:noFill/>
+                </a:ln>
+                <a:solidFill>
+                  <a:srgbClr val="CC7832"/>
+                </a:solidFill>
+                <a:effectLst/>
+                <a:latin typeface="Courier New" panose="02070309020205020404" pitchFamily="49" charset="0"/>
+                <a:cs typeface="Courier New" panose="02070309020205020404" pitchFamily="49" charset="0"/>
+              </a:rPr>
+            </a:br>
+            <a:r>
+              <a:rPr kumimoji="0" lang="it-IT" altLang="it-IT" sz="2000" b="0" i="0" u="none" strike="noStrike" cap="none" normalizeH="0" baseline="0" dirty="0" smtClean="0">
+                <a:ln>
+                  <a:noFill/>
+                </a:ln>
+                <a:solidFill>
+                  <a:srgbClr val="CC7832"/>
+                </a:solidFill>
+                <a:effectLst/>
+                <a:latin typeface="Courier New" panose="02070309020205020404" pitchFamily="49" charset="0"/>
+                <a:cs typeface="Courier New" panose="02070309020205020404" pitchFamily="49" charset="0"/>
+              </a:rPr>
+              <a:t>    </a:t>
+            </a:r>
+            <a:r>
+              <a:rPr kumimoji="0" lang="it-IT" altLang="it-IT" sz="2000" b="0" i="1" u="none" strike="noStrike" cap="none" normalizeH="0" baseline="0" dirty="0" err="1" smtClean="0">
+                <a:ln>
+                  <a:noFill/>
+                </a:ln>
+                <a:solidFill>
+                  <a:srgbClr val="F8F8F2"/>
+                </a:solidFill>
+                <a:effectLst/>
+                <a:latin typeface="Courier New" panose="02070309020205020404" pitchFamily="49" charset="0"/>
+                <a:cs typeface="Courier New" panose="02070309020205020404" pitchFamily="49" charset="0"/>
+              </a:rPr>
+              <a:t>socket</a:t>
+            </a:r>
+            <a:r>
+              <a:rPr kumimoji="0" lang="it-IT" altLang="it-IT" sz="2000" b="0" i="0" u="none" strike="noStrike" cap="none" normalizeH="0" baseline="0" dirty="0" err="1" smtClean="0">
+                <a:ln>
+                  <a:noFill/>
+                </a:ln>
+                <a:solidFill>
+                  <a:srgbClr val="F8F8F2"/>
+                </a:solidFill>
+                <a:effectLst/>
+                <a:latin typeface="Courier New" panose="02070309020205020404" pitchFamily="49" charset="0"/>
+                <a:cs typeface="Courier New" panose="02070309020205020404" pitchFamily="49" charset="0"/>
+              </a:rPr>
+              <a:t>.</a:t>
+            </a:r>
+            <a:r>
+              <a:rPr kumimoji="0" lang="it-IT" altLang="it-IT" sz="2000" b="0" i="0" u="none" strike="noStrike" cap="none" normalizeH="0" baseline="0" dirty="0" err="1" smtClean="0">
+                <a:ln>
+                  <a:noFill/>
+                </a:ln>
+                <a:solidFill>
+                  <a:srgbClr val="979748"/>
+                </a:solidFill>
+                <a:effectLst/>
+                <a:latin typeface="Courier New" panose="02070309020205020404" pitchFamily="49" charset="0"/>
+                <a:cs typeface="Courier New" panose="02070309020205020404" pitchFamily="49" charset="0"/>
+              </a:rPr>
+              <a:t>emit</a:t>
+            </a:r>
+            <a:r>
+              <a:rPr kumimoji="0" lang="it-IT" altLang="it-IT" sz="2000" b="0" i="0" u="none" strike="noStrike" cap="none" normalizeH="0" baseline="0" dirty="0" smtClean="0">
+                <a:ln>
+                  <a:noFill/>
+                </a:ln>
+                <a:solidFill>
+                  <a:srgbClr val="F8F8F2"/>
+                </a:solidFill>
+                <a:effectLst/>
+                <a:latin typeface="Courier New" panose="02070309020205020404" pitchFamily="49" charset="0"/>
+                <a:cs typeface="Courier New" panose="02070309020205020404" pitchFamily="49" charset="0"/>
+              </a:rPr>
+              <a:t>(</a:t>
+            </a:r>
+            <a:r>
+              <a:rPr kumimoji="0" lang="it-IT" altLang="it-IT" sz="2000" b="0" i="0" u="none" strike="noStrike" cap="none" normalizeH="0" baseline="0" dirty="0" smtClean="0">
+                <a:ln>
+                  <a:noFill/>
+                </a:ln>
+                <a:solidFill>
+                  <a:srgbClr val="E6DB74"/>
+                </a:solidFill>
+                <a:effectLst/>
+                <a:latin typeface="Courier New" panose="02070309020205020404" pitchFamily="49" charset="0"/>
+                <a:cs typeface="Courier New" panose="02070309020205020404" pitchFamily="49" charset="0"/>
+              </a:rPr>
+              <a:t>'</a:t>
+            </a:r>
+            <a:r>
+              <a:rPr kumimoji="0" lang="it-IT" altLang="it-IT" sz="2000" b="0" i="0" u="none" strike="noStrike" cap="none" normalizeH="0" baseline="0" dirty="0" err="1" smtClean="0">
+                <a:ln>
+                  <a:noFill/>
+                </a:ln>
+                <a:solidFill>
+                  <a:srgbClr val="E6DB74"/>
+                </a:solidFill>
+                <a:effectLst/>
+                <a:latin typeface="Courier New" panose="02070309020205020404" pitchFamily="49" charset="0"/>
+                <a:cs typeface="Courier New" panose="02070309020205020404" pitchFamily="49" charset="0"/>
+              </a:rPr>
+              <a:t>ping</a:t>
+            </a:r>
+            <a:r>
+              <a:rPr kumimoji="0" lang="it-IT" altLang="it-IT" sz="2000" b="0" i="0" u="none" strike="noStrike" cap="none" normalizeH="0" baseline="0" dirty="0" smtClean="0">
+                <a:ln>
+                  <a:noFill/>
+                </a:ln>
+                <a:solidFill>
+                  <a:srgbClr val="E6DB74"/>
+                </a:solidFill>
+                <a:effectLst/>
+                <a:latin typeface="Courier New" panose="02070309020205020404" pitchFamily="49" charset="0"/>
+                <a:cs typeface="Courier New" panose="02070309020205020404" pitchFamily="49" charset="0"/>
+              </a:rPr>
+              <a:t>'</a:t>
+            </a:r>
+            <a:r>
+              <a:rPr kumimoji="0" lang="it-IT" altLang="it-IT" sz="2000" b="0" i="0" u="none" strike="noStrike" cap="none" normalizeH="0" baseline="0" dirty="0" smtClean="0">
+                <a:ln>
+                  <a:noFill/>
+                </a:ln>
+                <a:solidFill>
+                  <a:srgbClr val="CC7832"/>
+                </a:solidFill>
+                <a:effectLst/>
+                <a:latin typeface="Courier New" panose="02070309020205020404" pitchFamily="49" charset="0"/>
+                <a:cs typeface="Courier New" panose="02070309020205020404" pitchFamily="49" charset="0"/>
+              </a:rPr>
+              <a:t>, </a:t>
+            </a:r>
+            <a:r>
+              <a:rPr kumimoji="0" lang="it-IT" altLang="it-IT" sz="2000" b="0" i="0" u="none" strike="noStrike" cap="none" normalizeH="0" baseline="0" dirty="0" smtClean="0">
+                <a:ln>
+                  <a:noFill/>
+                </a:ln>
+                <a:solidFill>
+                  <a:srgbClr val="F8F8F2"/>
+                </a:solidFill>
+                <a:effectLst/>
+                <a:latin typeface="Courier New" panose="02070309020205020404" pitchFamily="49" charset="0"/>
+                <a:cs typeface="Courier New" panose="02070309020205020404" pitchFamily="49" charset="0"/>
+              </a:rPr>
+              <a:t>{ </a:t>
+            </a:r>
+            <a:r>
+              <a:rPr kumimoji="0" lang="it-IT" altLang="it-IT" sz="2000" b="0" i="0" u="none" strike="noStrike" cap="none" normalizeH="0" baseline="0" dirty="0" err="1" smtClean="0">
+                <a:ln>
+                  <a:noFill/>
+                </a:ln>
+                <a:solidFill>
+                  <a:srgbClr val="F8F8F2"/>
+                </a:solidFill>
+                <a:effectLst/>
+                <a:latin typeface="Courier New" panose="02070309020205020404" pitchFamily="49" charset="0"/>
+                <a:cs typeface="Courier New" panose="02070309020205020404" pitchFamily="49" charset="0"/>
+              </a:rPr>
+              <a:t>user</a:t>
+            </a:r>
+            <a:r>
+              <a:rPr kumimoji="0" lang="it-IT" altLang="it-IT" sz="2000" b="0" i="0" u="none" strike="noStrike" cap="none" normalizeH="0" baseline="0" dirty="0" smtClean="0">
+                <a:ln>
+                  <a:noFill/>
+                </a:ln>
+                <a:solidFill>
+                  <a:srgbClr val="F92672"/>
+                </a:solidFill>
+                <a:effectLst/>
+                <a:latin typeface="Courier New" panose="02070309020205020404" pitchFamily="49" charset="0"/>
+                <a:cs typeface="Courier New" panose="02070309020205020404" pitchFamily="49" charset="0"/>
+              </a:rPr>
+              <a:t>: </a:t>
+            </a:r>
+            <a:r>
+              <a:rPr kumimoji="0" lang="it-IT" altLang="it-IT" sz="2000" b="0" i="0" u="none" strike="noStrike" cap="none" normalizeH="0" baseline="0" dirty="0" smtClean="0">
+                <a:ln>
+                  <a:noFill/>
+                </a:ln>
+                <a:solidFill>
+                  <a:srgbClr val="E6DB74"/>
+                </a:solidFill>
+                <a:effectLst/>
+                <a:latin typeface="Courier New" panose="02070309020205020404" pitchFamily="49" charset="0"/>
+                <a:cs typeface="Courier New" panose="02070309020205020404" pitchFamily="49" charset="0"/>
+              </a:rPr>
+              <a:t>"Lotti" </a:t>
+            </a:r>
+            <a:r>
+              <a:rPr kumimoji="0" lang="it-IT" altLang="it-IT" sz="2000" b="0" i="0" u="none" strike="noStrike" cap="none" normalizeH="0" baseline="0" dirty="0" smtClean="0">
+                <a:ln>
+                  <a:noFill/>
+                </a:ln>
+                <a:solidFill>
+                  <a:srgbClr val="F8F8F2"/>
+                </a:solidFill>
+                <a:effectLst/>
+                <a:latin typeface="Courier New" panose="02070309020205020404" pitchFamily="49" charset="0"/>
+                <a:cs typeface="Courier New" panose="02070309020205020404" pitchFamily="49" charset="0"/>
+              </a:rPr>
+              <a:t>})</a:t>
+            </a:r>
+            <a:r>
+              <a:rPr kumimoji="0" lang="it-IT" altLang="it-IT" sz="2000" b="0" i="0" u="none" strike="noStrike" cap="none" normalizeH="0" baseline="0" dirty="0" smtClean="0">
+                <a:ln>
+                  <a:noFill/>
+                </a:ln>
+                <a:solidFill>
+                  <a:srgbClr val="CC7832"/>
+                </a:solidFill>
+                <a:effectLst/>
+                <a:latin typeface="Courier New" panose="02070309020205020404" pitchFamily="49" charset="0"/>
+                <a:cs typeface="Courier New" panose="02070309020205020404" pitchFamily="49" charset="0"/>
+              </a:rPr>
+              <a:t>;</a:t>
+            </a:r>
+            <a:br>
+              <a:rPr kumimoji="0" lang="it-IT" altLang="it-IT" sz="2000" b="0" i="0" u="none" strike="noStrike" cap="none" normalizeH="0" baseline="0" dirty="0" smtClean="0">
+                <a:ln>
+                  <a:noFill/>
+                </a:ln>
+                <a:solidFill>
+                  <a:srgbClr val="CC7832"/>
+                </a:solidFill>
+                <a:effectLst/>
+                <a:latin typeface="Courier New" panose="02070309020205020404" pitchFamily="49" charset="0"/>
+                <a:cs typeface="Courier New" panose="02070309020205020404" pitchFamily="49" charset="0"/>
+              </a:rPr>
+            </a:br>
+            <a:r>
+              <a:rPr kumimoji="0" lang="it-IT" altLang="it-IT" sz="2000" b="0" i="0" u="none" strike="noStrike" cap="none" normalizeH="0" baseline="0" dirty="0" smtClean="0">
+                <a:ln>
+                  <a:noFill/>
+                </a:ln>
+                <a:solidFill>
+                  <a:srgbClr val="F8F8F2"/>
+                </a:solidFill>
+                <a:effectLst/>
+                <a:latin typeface="Courier New" panose="02070309020205020404" pitchFamily="49" charset="0"/>
+                <a:cs typeface="Courier New" panose="02070309020205020404" pitchFamily="49" charset="0"/>
+              </a:rPr>
+              <a:t>&lt;/</a:t>
+            </a:r>
+            <a:r>
+              <a:rPr kumimoji="0" lang="it-IT" altLang="it-IT" sz="2000" b="1" i="0" u="none" strike="noStrike" cap="none" normalizeH="0" baseline="0" dirty="0" smtClean="0">
+                <a:ln>
+                  <a:noFill/>
+                </a:ln>
+                <a:solidFill>
+                  <a:srgbClr val="E3E3FF"/>
+                </a:solidFill>
+                <a:effectLst/>
+                <a:latin typeface="Courier New" panose="02070309020205020404" pitchFamily="49" charset="0"/>
+                <a:cs typeface="Courier New" panose="02070309020205020404" pitchFamily="49" charset="0"/>
+              </a:rPr>
+              <a:t>script</a:t>
+            </a:r>
+            <a:r>
+              <a:rPr kumimoji="0" lang="it-IT" altLang="it-IT" sz="2000" b="0" i="0" u="none" strike="noStrike" cap="none" normalizeH="0" baseline="0" dirty="0" smtClean="0">
+                <a:ln>
+                  <a:noFill/>
+                </a:ln>
+                <a:solidFill>
+                  <a:srgbClr val="F8F8F2"/>
+                </a:solidFill>
+                <a:effectLst/>
+                <a:latin typeface="Courier New" panose="02070309020205020404" pitchFamily="49" charset="0"/>
+                <a:cs typeface="Courier New" panose="02070309020205020404" pitchFamily="49" charset="0"/>
+              </a:rPr>
+              <a:t>&gt;</a:t>
+            </a:r>
+            <a:endParaRPr kumimoji="0" lang="it-IT" altLang="it-IT" sz="3200" b="0" i="0" u="none" strike="noStrike" cap="none" normalizeH="0" baseline="0" dirty="0" smtClean="0">
+              <a:ln>
+                <a:noFill/>
+              </a:ln>
+              <a:solidFill>
+                <a:schemeClr val="tx1"/>
+              </a:solidFill>
+              <a:effectLst/>
+              <a:latin typeface="Arial" panose="020B0604020202020204" pitchFamily="34" charset="0"/>
+            </a:endParaRPr>
+          </a:p>
+        </p:txBody>
+      </p:sp>
+    </p:spTree>
+    <p:extLst>
+      <p:ext uri="{BB962C8B-B14F-4D97-AF65-F5344CB8AC3E}">
+        <p14:creationId xmlns:p14="http://schemas.microsoft.com/office/powerpoint/2010/main" val="673698968"/>
+      </p:ext>
+    </p:extLst>
+  </p:cSld>
+  <p:clrMapOvr>
+    <a:masterClrMapping/>
+  </p:clrMapOvr>
+  <p:timing>
+    <p:tnLst>
+      <p:par>
+        <p:cTn id="1" dur="indefinite" restart="never" nodeType="tmRoot"/>
+      </p:par>
+    </p:tnLst>
+  </p:timing>
+</p:sld>
+</file>
+
+<file path=ppt/slides/slide24.xml><?xml version="1.0" encoding="utf-8"?>
 <p:sld xmlns:a="http://schemas.openxmlformats.org/drawingml/2006/main" xmlns:r="http://schemas.openxmlformats.org/officeDocument/2006/relationships" xmlns:p="http://schemas.openxmlformats.org/presentationml/2006/main">
   <p:cSld>
     <p:spTree>
@@ -8696,7 +11460,7 @@
 </p:sld>
 </file>
 
-<file path=ppt/slides/slide23.xml><?xml version="1.0" encoding="utf-8"?>
+<file path=ppt/slides/slide25.xml><?xml version="1.0" encoding="utf-8"?>
 <p:sld xmlns:a="http://schemas.openxmlformats.org/drawingml/2006/main" xmlns:r="http://schemas.openxmlformats.org/officeDocument/2006/relationships" xmlns:p="http://schemas.openxmlformats.org/presentationml/2006/main">
   <p:cSld>
     <p:spTree>
@@ -8751,6 +11515,10 @@
           </p:nvPr>
         </p:nvSpPr>
         <p:spPr bwMode="auto">
+          <a:xfrm>
+            <a:off x="628650" y="1468232"/>
+            <a:ext cx="7886700" cy="4832092"/>
+          </a:xfrm>
           <a:prstGeom prst="rect">
             <a:avLst/>
           </a:prstGeom>
@@ -10078,7 +12846,21 @@
                 <a:latin typeface="Lucida Console" panose="020B0609040504020204" pitchFamily="49" charset="0"/>
                 <a:cs typeface="Courier New" panose="02070309020205020404" pitchFamily="49" charset="0"/>
               </a:rPr>
-              <a:t>({ </a:t>
+              <a:t>({</a:t>
+            </a:r>
+            <a:r>
+              <a:rPr kumimoji="0" lang="it-IT" altLang="it-IT" sz="1400" b="0" i="0" u="none" strike="noStrike" cap="none" normalizeH="0" dirty="0" smtClean="0">
+                <a:ln>
+                  <a:noFill/>
+                </a:ln>
+                <a:solidFill>
+                  <a:srgbClr val="F8F8F2"/>
+                </a:solidFill>
+                <a:effectLst/>
+                <a:latin typeface="Lucida Console" panose="020B0609040504020204" pitchFamily="49" charset="0"/>
+                <a:cs typeface="Courier New" panose="02070309020205020404" pitchFamily="49" charset="0"/>
+              </a:rPr>
+              <a:t> </a:t>
             </a:r>
             <a:r>
               <a:rPr kumimoji="0" lang="it-IT" altLang="it-IT" sz="1400" b="0" i="0" u="none" strike="noStrike" cap="none" normalizeH="0" baseline="0" dirty="0" err="1" smtClean="0">
@@ -10092,119 +12874,77 @@
                 <a:latin typeface="Lucida Console" panose="020B0609040504020204" pitchFamily="49" charset="0"/>
                 <a:cs typeface="Courier New" panose="02070309020205020404" pitchFamily="49" charset="0"/>
               </a:rPr>
+              <a:t>playersCount</a:t>
+            </a:r>
+            <a:r>
+              <a:rPr kumimoji="0" lang="it-IT" altLang="it-IT" sz="1400" b="0" i="0" u="none" strike="noStrike" cap="none" normalizeH="0" baseline="0" dirty="0" smtClean="0">
+                <a:ln>
+                  <a:noFill/>
+                </a:ln>
+                <a:solidFill>
+                  <a:srgbClr val="F92672"/>
+                </a:solidFill>
+                <a:effectLst/>
+                <a:latin typeface="Lucida Console" panose="020B0609040504020204" pitchFamily="49" charset="0"/>
+                <a:cs typeface="Courier New" panose="02070309020205020404" pitchFamily="49" charset="0"/>
+              </a:rPr>
+              <a:t>: </a:t>
+            </a:r>
+            <a:r>
+              <a:rPr kumimoji="0" lang="it-IT" altLang="it-IT" sz="1400" b="0" i="0" u="none" strike="noStrike" cap="none" normalizeH="0" baseline="0" dirty="0" err="1" smtClean="0">
+                <a:ln>
+                  <a:noFill/>
+                </a:ln>
+                <a:solidFill>
+                  <a:srgbClr val="64A2A2"/>
+                </a:solidFill>
+                <a:effectLst/>
+                <a:latin typeface="Lucida Console" panose="020B0609040504020204" pitchFamily="49" charset="0"/>
+                <a:cs typeface="Courier New" panose="02070309020205020404" pitchFamily="49" charset="0"/>
+              </a:rPr>
               <a:t>players</a:t>
             </a:r>
             <a:r>
+              <a:rPr kumimoji="0" lang="it-IT" altLang="it-IT" sz="1400" b="0" i="0" u="none" strike="noStrike" cap="none" normalizeH="0" baseline="0" dirty="0" err="1" smtClean="0">
+                <a:ln>
+                  <a:noFill/>
+                </a:ln>
+                <a:solidFill>
+                  <a:srgbClr val="F8F8F2"/>
+                </a:solidFill>
+                <a:effectLst/>
+                <a:latin typeface="Lucida Console" panose="020B0609040504020204" pitchFamily="49" charset="0"/>
+                <a:cs typeface="Courier New" panose="02070309020205020404" pitchFamily="49" charset="0"/>
+              </a:rPr>
+              <a:t>.</a:t>
+            </a:r>
+            <a:r>
+              <a:rPr kumimoji="0" lang="it-IT" altLang="it-IT" sz="1400" b="0" i="0" u="none" strike="noStrike" cap="none" normalizeH="0" baseline="0" dirty="0" err="1" smtClean="0">
+                <a:ln>
+                  <a:noFill/>
+                </a:ln>
+                <a:solidFill>
+                  <a:srgbClr val="A6E22E"/>
+                </a:solidFill>
+                <a:effectLst/>
+                <a:latin typeface="Lucida Console" panose="020B0609040504020204" pitchFamily="49" charset="0"/>
+                <a:cs typeface="Courier New" panose="02070309020205020404" pitchFamily="49" charset="0"/>
+              </a:rPr>
+              <a:t>length</a:t>
+            </a:r>
+            <a:r>
               <a:rPr kumimoji="0" lang="it-IT" altLang="it-IT" sz="1400" b="0" i="0" u="none" strike="noStrike" cap="none" normalizeH="0" baseline="0" dirty="0" smtClean="0">
                 <a:ln>
                   <a:noFill/>
                 </a:ln>
                 <a:solidFill>
-                  <a:srgbClr val="F92672"/>
-                </a:solidFill>
-                <a:effectLst/>
-                <a:latin typeface="Lucida Console" panose="020B0609040504020204" pitchFamily="49" charset="0"/>
-                <a:cs typeface="Courier New" panose="02070309020205020404" pitchFamily="49" charset="0"/>
-              </a:rPr>
-              <a:t>: </a:t>
-            </a:r>
-            <a:r>
-              <a:rPr kumimoji="0" lang="it-IT" altLang="it-IT" sz="1400" b="0" i="0" u="none" strike="noStrike" cap="none" normalizeH="0" baseline="0" dirty="0" err="1" smtClean="0">
-                <a:ln>
-                  <a:noFill/>
-                </a:ln>
-                <a:solidFill>
-                  <a:srgbClr val="64A2A2"/>
-                </a:solidFill>
-                <a:effectLst/>
-                <a:latin typeface="Lucida Console" panose="020B0609040504020204" pitchFamily="49" charset="0"/>
-                <a:cs typeface="Courier New" panose="02070309020205020404" pitchFamily="49" charset="0"/>
-              </a:rPr>
-              <a:t>players</a:t>
-            </a:r>
-            <a:r>
-              <a:rPr kumimoji="0" lang="it-IT" altLang="it-IT" sz="1400" b="0" i="0" u="none" strike="noStrike" cap="none" normalizeH="0" baseline="0" dirty="0" smtClean="0">
-                <a:ln>
-                  <a:noFill/>
-                </a:ln>
-                <a:solidFill>
-                  <a:srgbClr val="CC7832"/>
-                </a:solidFill>
-                <a:effectLst/>
-                <a:latin typeface="Lucida Console" panose="020B0609040504020204" pitchFamily="49" charset="0"/>
-                <a:cs typeface="Courier New" panose="02070309020205020404" pitchFamily="49" charset="0"/>
-              </a:rPr>
-              <a:t>, </a:t>
-            </a:r>
-            <a:r>
-              <a:rPr kumimoji="0" lang="it-IT" altLang="it-IT" sz="1400" b="0" i="0" u="none" strike="noStrike" cap="none" normalizeH="0" baseline="0" dirty="0" err="1" smtClean="0">
-                <a:ln>
-                  <a:noFill/>
-                </a:ln>
-                <a:solidFill>
-                  <a:srgbClr val="F8F8F2"/>
-                </a:solidFill>
-                <a:effectLst/>
-                <a:latin typeface="Lucida Console" panose="020B0609040504020204" pitchFamily="49" charset="0"/>
-                <a:cs typeface="Courier New" panose="02070309020205020404" pitchFamily="49" charset="0"/>
-              </a:rPr>
-              <a:t>playersCount</a:t>
-            </a:r>
-            <a:r>
-              <a:rPr kumimoji="0" lang="it-IT" altLang="it-IT" sz="1400" b="0" i="0" u="none" strike="noStrike" cap="none" normalizeH="0" baseline="0" dirty="0" smtClean="0">
-                <a:ln>
-                  <a:noFill/>
-                </a:ln>
-                <a:solidFill>
-                  <a:srgbClr val="F92672"/>
-                </a:solidFill>
-                <a:effectLst/>
-                <a:latin typeface="Lucida Console" panose="020B0609040504020204" pitchFamily="49" charset="0"/>
-                <a:cs typeface="Courier New" panose="02070309020205020404" pitchFamily="49" charset="0"/>
-              </a:rPr>
-              <a:t>: </a:t>
-            </a:r>
-            <a:r>
-              <a:rPr kumimoji="0" lang="it-IT" altLang="it-IT" sz="1400" b="0" i="0" u="none" strike="noStrike" cap="none" normalizeH="0" baseline="0" dirty="0" err="1" smtClean="0">
-                <a:ln>
-                  <a:noFill/>
-                </a:ln>
-                <a:solidFill>
-                  <a:srgbClr val="64A2A2"/>
-                </a:solidFill>
-                <a:effectLst/>
-                <a:latin typeface="Lucida Console" panose="020B0609040504020204" pitchFamily="49" charset="0"/>
-                <a:cs typeface="Courier New" panose="02070309020205020404" pitchFamily="49" charset="0"/>
-              </a:rPr>
-              <a:t>players</a:t>
-            </a:r>
-            <a:r>
-              <a:rPr kumimoji="0" lang="it-IT" altLang="it-IT" sz="1400" b="0" i="0" u="none" strike="noStrike" cap="none" normalizeH="0" baseline="0" dirty="0" err="1" smtClean="0">
-                <a:ln>
-                  <a:noFill/>
-                </a:ln>
-                <a:solidFill>
-                  <a:srgbClr val="F8F8F2"/>
-                </a:solidFill>
-                <a:effectLst/>
-                <a:latin typeface="Lucida Console" panose="020B0609040504020204" pitchFamily="49" charset="0"/>
-                <a:cs typeface="Courier New" panose="02070309020205020404" pitchFamily="49" charset="0"/>
-              </a:rPr>
-              <a:t>.</a:t>
-            </a:r>
-            <a:r>
-              <a:rPr kumimoji="0" lang="it-IT" altLang="it-IT" sz="1400" b="0" i="0" u="none" strike="noStrike" cap="none" normalizeH="0" baseline="0" dirty="0" err="1" smtClean="0">
-                <a:ln>
-                  <a:noFill/>
-                </a:ln>
-                <a:solidFill>
                   <a:srgbClr val="A6E22E"/>
                 </a:solidFill>
                 <a:effectLst/>
                 <a:latin typeface="Lucida Console" panose="020B0609040504020204" pitchFamily="49" charset="0"/>
                 <a:cs typeface="Courier New" panose="02070309020205020404" pitchFamily="49" charset="0"/>
               </a:rPr>
-              <a:t>length</a:t>
+              <a:t> </a:t>
             </a:r>
             <a:r>
               <a:rPr kumimoji="0" lang="it-IT" altLang="it-IT" sz="1400" b="0" i="0" u="none" strike="noStrike" cap="none" normalizeH="0" baseline="0" dirty="0" smtClean="0">
@@ -11829,640 +14569,7 @@
 </p:sld>
 </file>
 
-<file path=ppt/slides/slide24.xml><?xml version="1.0" encoding="utf-8"?>
-<p:sld xmlns:a="http://schemas.openxmlformats.org/drawingml/2006/main" xmlns:r="http://schemas.openxmlformats.org/officeDocument/2006/relationships" xmlns:p="http://schemas.openxmlformats.org/presentationml/2006/main">
-  <p:cSld>
-    <p:spTree>
-      <p:nvGrpSpPr>
-        <p:cNvPr id="1" name=""/>
-        <p:cNvGrpSpPr/>
-        <p:nvPr/>
-      </p:nvGrpSpPr>
-      <p:grpSpPr>
-        <a:xfrm>
-          <a:off x="0" y="0"/>
-          <a:ext cx="0" cy="0"/>
-          <a:chOff x="0" y="0"/>
-          <a:chExt cx="0" cy="0"/>
-        </a:xfrm>
-      </p:grpSpPr>
-      <p:sp>
-        <p:nvSpPr>
-          <p:cNvPr id="2" name="Titolo 1"/>
-          <p:cNvSpPr>
-            <a:spLocks noGrp="1"/>
-          </p:cNvSpPr>
-          <p:nvPr>
-            <p:ph type="title"/>
-          </p:nvPr>
-        </p:nvSpPr>
-        <p:spPr/>
-        <p:txBody>
-          <a:bodyPr/>
-          <a:lstStyle/>
-          <a:p>
-            <a:r>
-              <a:rPr lang="it-IT" smtClean="0"/>
-              <a:t>Pong4 Server: broadcasting data</a:t>
-            </a:r>
-            <a:endParaRPr lang="it-IT" dirty="0"/>
-          </a:p>
-        </p:txBody>
-      </p:sp>
-      <p:sp>
-        <p:nvSpPr>
-          <p:cNvPr id="4" name="Segnaposto contenuto 3"/>
-          <p:cNvSpPr>
-            <a:spLocks noGrp="1"/>
-          </p:cNvSpPr>
-          <p:nvPr>
-            <p:ph sz="quarter" idx="10"/>
-          </p:nvPr>
-        </p:nvSpPr>
-        <p:spPr>
-          <a:noFill/>
-        </p:spPr>
-        <p:txBody>
-          <a:bodyPr/>
-          <a:lstStyle/>
-          <a:p>
-            <a:pPr marL="0" indent="0">
-              <a:buNone/>
-            </a:pPr>
-            <a:endParaRPr lang="it-IT" altLang="it-IT" sz="2000" i="1" dirty="0" smtClean="0">
-              <a:solidFill>
-                <a:srgbClr val="FD971F"/>
-              </a:solidFill>
-              <a:latin typeface="Lucida Console" panose="020B0609040504020204" pitchFamily="49" charset="0"/>
-              <a:cs typeface="Courier New" panose="02070309020205020404" pitchFamily="49" charset="0"/>
-            </a:endParaRPr>
-          </a:p>
-          <a:p>
-            <a:pPr marL="0" indent="0">
-              <a:buNone/>
-            </a:pPr>
-            <a:endParaRPr lang="it-IT" altLang="it-IT" sz="2000" i="1" dirty="0">
-              <a:solidFill>
-                <a:srgbClr val="FD971F"/>
-              </a:solidFill>
-              <a:latin typeface="Lucida Console" panose="020B0609040504020204" pitchFamily="49" charset="0"/>
-              <a:cs typeface="Courier New" panose="02070309020205020404" pitchFamily="49" charset="0"/>
-            </a:endParaRPr>
-          </a:p>
-          <a:p>
-            <a:pPr marL="0" indent="0">
-              <a:buNone/>
-            </a:pPr>
-            <a:endParaRPr lang="it-IT" altLang="it-IT" sz="2000" i="1" dirty="0" smtClean="0">
-              <a:solidFill>
-                <a:srgbClr val="FD971F"/>
-              </a:solidFill>
-              <a:latin typeface="Lucida Console" panose="020B0609040504020204" pitchFamily="49" charset="0"/>
-              <a:cs typeface="Courier New" panose="02070309020205020404" pitchFamily="49" charset="0"/>
-            </a:endParaRPr>
-          </a:p>
-          <a:p>
-            <a:pPr marL="0" indent="0">
-              <a:buNone/>
-            </a:pPr>
-            <a:endParaRPr lang="it-IT" altLang="it-IT" sz="2000" i="1" dirty="0">
-              <a:solidFill>
-                <a:srgbClr val="FD971F"/>
-              </a:solidFill>
-              <a:latin typeface="Lucida Console" panose="020B0609040504020204" pitchFamily="49" charset="0"/>
-              <a:cs typeface="Courier New" panose="02070309020205020404" pitchFamily="49" charset="0"/>
-            </a:endParaRPr>
-          </a:p>
-          <a:p>
-            <a:pPr marL="0" indent="0">
-              <a:buNone/>
-            </a:pPr>
-            <a:r>
-              <a:rPr lang="it-IT" altLang="it-IT" sz="2000" i="1" dirty="0" err="1" smtClean="0">
-                <a:solidFill>
-                  <a:srgbClr val="FD971F"/>
-                </a:solidFill>
-                <a:latin typeface="Lucida Console" panose="020B0609040504020204" pitchFamily="49" charset="0"/>
-                <a:cs typeface="Courier New" panose="02070309020205020404" pitchFamily="49" charset="0"/>
-              </a:rPr>
-              <a:t>socket</a:t>
-            </a:r>
-            <a:r>
-              <a:rPr lang="it-IT" altLang="it-IT" sz="2000" dirty="0" err="1" smtClean="0">
-                <a:solidFill>
-                  <a:srgbClr val="F8F8F2"/>
-                </a:solidFill>
-                <a:latin typeface="Lucida Console" panose="020B0609040504020204" pitchFamily="49" charset="0"/>
-                <a:cs typeface="Courier New" panose="02070309020205020404" pitchFamily="49" charset="0"/>
-              </a:rPr>
-              <a:t>.</a:t>
-            </a:r>
-            <a:r>
-              <a:rPr lang="it-IT" altLang="it-IT" sz="2000" dirty="0" err="1" smtClean="0">
-                <a:solidFill>
-                  <a:srgbClr val="979748"/>
-                </a:solidFill>
-                <a:latin typeface="Lucida Console" panose="020B0609040504020204" pitchFamily="49" charset="0"/>
-                <a:cs typeface="Courier New" panose="02070309020205020404" pitchFamily="49" charset="0"/>
-              </a:rPr>
-              <a:t>on</a:t>
-            </a:r>
-            <a:r>
-              <a:rPr lang="it-IT" altLang="it-IT" sz="2000" dirty="0">
-                <a:solidFill>
-                  <a:srgbClr val="F8F8F2"/>
-                </a:solidFill>
-                <a:latin typeface="Lucida Console" panose="020B0609040504020204" pitchFamily="49" charset="0"/>
-                <a:cs typeface="Courier New" panose="02070309020205020404" pitchFamily="49" charset="0"/>
-              </a:rPr>
-              <a:t>(</a:t>
-            </a:r>
-            <a:r>
-              <a:rPr lang="it-IT" altLang="it-IT" sz="2000" dirty="0">
-                <a:solidFill>
-                  <a:srgbClr val="E6DB74"/>
-                </a:solidFill>
-                <a:latin typeface="Lucida Console" panose="020B0609040504020204" pitchFamily="49" charset="0"/>
-                <a:cs typeface="Courier New" panose="02070309020205020404" pitchFamily="49" charset="0"/>
-              </a:rPr>
-              <a:t>'</a:t>
-            </a:r>
-            <a:r>
-              <a:rPr lang="it-IT" altLang="it-IT" sz="2000" dirty="0" err="1">
-                <a:solidFill>
-                  <a:srgbClr val="E6DB74"/>
-                </a:solidFill>
-                <a:latin typeface="Lucida Console" panose="020B0609040504020204" pitchFamily="49" charset="0"/>
-                <a:cs typeface="Courier New" panose="02070309020205020404" pitchFamily="49" charset="0"/>
-              </a:rPr>
-              <a:t>gameUpdate</a:t>
-            </a:r>
-            <a:r>
-              <a:rPr lang="it-IT" altLang="it-IT" sz="2000" dirty="0">
-                <a:solidFill>
-                  <a:srgbClr val="E6DB74"/>
-                </a:solidFill>
-                <a:latin typeface="Lucida Console" panose="020B0609040504020204" pitchFamily="49" charset="0"/>
-                <a:cs typeface="Courier New" panose="02070309020205020404" pitchFamily="49" charset="0"/>
-              </a:rPr>
-              <a:t>'</a:t>
-            </a:r>
-            <a:r>
-              <a:rPr lang="it-IT" altLang="it-IT" sz="2000" dirty="0">
-                <a:solidFill>
-                  <a:srgbClr val="CC7832"/>
-                </a:solidFill>
-                <a:latin typeface="Lucida Console" panose="020B0609040504020204" pitchFamily="49" charset="0"/>
-                <a:cs typeface="Courier New" panose="02070309020205020404" pitchFamily="49" charset="0"/>
-              </a:rPr>
-              <a:t>, </a:t>
-            </a:r>
-            <a:r>
-              <a:rPr lang="it-IT" altLang="it-IT" sz="2000" dirty="0" err="1">
-                <a:solidFill>
-                  <a:srgbClr val="F92672"/>
-                </a:solidFill>
-                <a:latin typeface="Lucida Console" panose="020B0609040504020204" pitchFamily="49" charset="0"/>
-                <a:cs typeface="Courier New" panose="02070309020205020404" pitchFamily="49" charset="0"/>
-              </a:rPr>
-              <a:t>function</a:t>
-            </a:r>
-            <a:r>
-              <a:rPr lang="it-IT" altLang="it-IT" sz="2000" dirty="0">
-                <a:solidFill>
-                  <a:srgbClr val="F8F8F2"/>
-                </a:solidFill>
-                <a:latin typeface="Lucida Console" panose="020B0609040504020204" pitchFamily="49" charset="0"/>
-                <a:cs typeface="Courier New" panose="02070309020205020404" pitchFamily="49" charset="0"/>
-              </a:rPr>
-              <a:t>(</a:t>
-            </a:r>
-            <a:r>
-              <a:rPr lang="it-IT" altLang="it-IT" sz="2000" i="1" dirty="0">
-                <a:solidFill>
-                  <a:srgbClr val="FD971F"/>
-                </a:solidFill>
-                <a:latin typeface="Lucida Console" panose="020B0609040504020204" pitchFamily="49" charset="0"/>
-                <a:cs typeface="Courier New" panose="02070309020205020404" pitchFamily="49" charset="0"/>
-              </a:rPr>
-              <a:t>data</a:t>
-            </a:r>
-            <a:r>
-              <a:rPr lang="it-IT" altLang="it-IT" sz="2000" dirty="0">
-                <a:solidFill>
-                  <a:srgbClr val="F8F8F2"/>
-                </a:solidFill>
-                <a:latin typeface="Lucida Console" panose="020B0609040504020204" pitchFamily="49" charset="0"/>
-                <a:cs typeface="Courier New" panose="02070309020205020404" pitchFamily="49" charset="0"/>
-              </a:rPr>
-              <a:t>) {</a:t>
-            </a:r>
-            <a:br>
-              <a:rPr lang="it-IT" altLang="it-IT" sz="2000" dirty="0">
-                <a:solidFill>
-                  <a:srgbClr val="F8F8F2"/>
-                </a:solidFill>
-                <a:latin typeface="Lucida Console" panose="020B0609040504020204" pitchFamily="49" charset="0"/>
-                <a:cs typeface="Courier New" panose="02070309020205020404" pitchFamily="49" charset="0"/>
-              </a:rPr>
-            </a:br>
-            <a:r>
-              <a:rPr lang="it-IT" altLang="it-IT" sz="2000" dirty="0">
-                <a:solidFill>
-                  <a:srgbClr val="F8F8F2"/>
-                </a:solidFill>
-                <a:latin typeface="Lucida Console" panose="020B0609040504020204" pitchFamily="49" charset="0"/>
-                <a:cs typeface="Courier New" panose="02070309020205020404" pitchFamily="49" charset="0"/>
-              </a:rPr>
-              <a:t>    </a:t>
-            </a:r>
-            <a:r>
-              <a:rPr lang="it-IT" altLang="it-IT" sz="2000" dirty="0" err="1">
-                <a:solidFill>
-                  <a:srgbClr val="F92672"/>
-                </a:solidFill>
-                <a:latin typeface="Lucida Console" panose="020B0609040504020204" pitchFamily="49" charset="0"/>
-                <a:cs typeface="Courier New" panose="02070309020205020404" pitchFamily="49" charset="0"/>
-              </a:rPr>
-              <a:t>var</a:t>
-            </a:r>
-            <a:r>
-              <a:rPr lang="it-IT" altLang="it-IT" sz="2000" dirty="0">
-                <a:solidFill>
-                  <a:srgbClr val="F92672"/>
-                </a:solidFill>
-                <a:latin typeface="Lucida Console" panose="020B0609040504020204" pitchFamily="49" charset="0"/>
-                <a:cs typeface="Courier New" panose="02070309020205020404" pitchFamily="49" charset="0"/>
-              </a:rPr>
-              <a:t> </a:t>
-            </a:r>
-            <a:r>
-              <a:rPr lang="it-IT" altLang="it-IT" sz="2000" dirty="0">
-                <a:solidFill>
-                  <a:srgbClr val="64A2A2"/>
-                </a:solidFill>
-                <a:latin typeface="Lucida Console" panose="020B0609040504020204" pitchFamily="49" charset="0"/>
-                <a:cs typeface="Courier New" panose="02070309020205020404" pitchFamily="49" charset="0"/>
-              </a:rPr>
-              <a:t>room </a:t>
-            </a:r>
-            <a:r>
-              <a:rPr lang="it-IT" altLang="it-IT" sz="2000" dirty="0">
-                <a:solidFill>
-                  <a:srgbClr val="F92672"/>
-                </a:solidFill>
-                <a:latin typeface="Lucida Console" panose="020B0609040504020204" pitchFamily="49" charset="0"/>
-                <a:cs typeface="Courier New" panose="02070309020205020404" pitchFamily="49" charset="0"/>
-              </a:rPr>
-              <a:t>= </a:t>
-            </a:r>
-            <a:r>
-              <a:rPr lang="it-IT" altLang="it-IT" sz="2000" dirty="0">
-                <a:solidFill>
-                  <a:srgbClr val="64A2A2"/>
-                </a:solidFill>
-                <a:latin typeface="Lucida Console" panose="020B0609040504020204" pitchFamily="49" charset="0"/>
-                <a:cs typeface="Courier New" panose="02070309020205020404" pitchFamily="49" charset="0"/>
-              </a:rPr>
-              <a:t>clients</a:t>
-            </a:r>
-            <a:r>
-              <a:rPr lang="it-IT" altLang="it-IT" sz="2000" dirty="0">
-                <a:solidFill>
-                  <a:srgbClr val="F8F8F2"/>
-                </a:solidFill>
-                <a:latin typeface="Lucida Console" panose="020B0609040504020204" pitchFamily="49" charset="0"/>
-                <a:cs typeface="Courier New" panose="02070309020205020404" pitchFamily="49" charset="0"/>
-              </a:rPr>
-              <a:t>[</a:t>
-            </a:r>
-            <a:r>
-              <a:rPr lang="it-IT" altLang="it-IT" sz="2000" i="1" dirty="0" err="1">
-                <a:solidFill>
-                  <a:srgbClr val="FD971F"/>
-                </a:solidFill>
-                <a:latin typeface="Lucida Console" panose="020B0609040504020204" pitchFamily="49" charset="0"/>
-                <a:cs typeface="Courier New" panose="02070309020205020404" pitchFamily="49" charset="0"/>
-              </a:rPr>
-              <a:t>data</a:t>
-            </a:r>
-            <a:r>
-              <a:rPr lang="it-IT" altLang="it-IT" sz="2000" dirty="0" err="1">
-                <a:solidFill>
-                  <a:srgbClr val="F8F8F2"/>
-                </a:solidFill>
-                <a:latin typeface="Lucida Console" panose="020B0609040504020204" pitchFamily="49" charset="0"/>
-                <a:cs typeface="Courier New" panose="02070309020205020404" pitchFamily="49" charset="0"/>
-              </a:rPr>
-              <a:t>.socketId</a:t>
-            </a:r>
-            <a:r>
-              <a:rPr lang="it-IT" altLang="it-IT" sz="2000" dirty="0">
-                <a:solidFill>
-                  <a:srgbClr val="F8F8F2"/>
-                </a:solidFill>
-                <a:latin typeface="Lucida Console" panose="020B0609040504020204" pitchFamily="49" charset="0"/>
-                <a:cs typeface="Courier New" panose="02070309020205020404" pitchFamily="49" charset="0"/>
-              </a:rPr>
-              <a:t>]</a:t>
-            </a:r>
-            <a:r>
-              <a:rPr lang="it-IT" altLang="it-IT" sz="2000" dirty="0">
-                <a:solidFill>
-                  <a:srgbClr val="CC7832"/>
-                </a:solidFill>
-                <a:latin typeface="Lucida Console" panose="020B0609040504020204" pitchFamily="49" charset="0"/>
-                <a:cs typeface="Courier New" panose="02070309020205020404" pitchFamily="49" charset="0"/>
-              </a:rPr>
-              <a:t>;</a:t>
-            </a:r>
-            <a:br>
-              <a:rPr lang="it-IT" altLang="it-IT" sz="2000" dirty="0">
-                <a:solidFill>
-                  <a:srgbClr val="CC7832"/>
-                </a:solidFill>
-                <a:latin typeface="Lucida Console" panose="020B0609040504020204" pitchFamily="49" charset="0"/>
-                <a:cs typeface="Courier New" panose="02070309020205020404" pitchFamily="49" charset="0"/>
-              </a:rPr>
-            </a:br>
-            <a:r>
-              <a:rPr lang="it-IT" altLang="it-IT" sz="2000" dirty="0">
-                <a:solidFill>
-                  <a:srgbClr val="CC7832"/>
-                </a:solidFill>
-                <a:latin typeface="Lucida Console" panose="020B0609040504020204" pitchFamily="49" charset="0"/>
-                <a:cs typeface="Courier New" panose="02070309020205020404" pitchFamily="49" charset="0"/>
-              </a:rPr>
-              <a:t>    </a:t>
-            </a:r>
-            <a:r>
-              <a:rPr lang="it-IT" altLang="it-IT" sz="2000" dirty="0">
-                <a:solidFill>
-                  <a:srgbClr val="F92672"/>
-                </a:solidFill>
-                <a:latin typeface="Lucida Console" panose="020B0609040504020204" pitchFamily="49" charset="0"/>
-                <a:cs typeface="Courier New" panose="02070309020205020404" pitchFamily="49" charset="0"/>
-              </a:rPr>
-              <a:t>delete </a:t>
-            </a:r>
-            <a:r>
-              <a:rPr lang="it-IT" altLang="it-IT" sz="2000" i="1" dirty="0" err="1">
-                <a:solidFill>
-                  <a:srgbClr val="FD971F"/>
-                </a:solidFill>
-                <a:latin typeface="Lucida Console" panose="020B0609040504020204" pitchFamily="49" charset="0"/>
-                <a:cs typeface="Courier New" panose="02070309020205020404" pitchFamily="49" charset="0"/>
-              </a:rPr>
-              <a:t>data</a:t>
-            </a:r>
-            <a:r>
-              <a:rPr lang="it-IT" altLang="it-IT" sz="2000" dirty="0" err="1">
-                <a:solidFill>
-                  <a:srgbClr val="F8F8F2"/>
-                </a:solidFill>
-                <a:latin typeface="Lucida Console" panose="020B0609040504020204" pitchFamily="49" charset="0"/>
-                <a:cs typeface="Courier New" panose="02070309020205020404" pitchFamily="49" charset="0"/>
-              </a:rPr>
-              <a:t>.socketId</a:t>
-            </a:r>
-            <a:r>
-              <a:rPr lang="it-IT" altLang="it-IT" sz="2000" dirty="0">
-                <a:solidFill>
-                  <a:srgbClr val="CC7832"/>
-                </a:solidFill>
-                <a:latin typeface="Lucida Console" panose="020B0609040504020204" pitchFamily="49" charset="0"/>
-                <a:cs typeface="Courier New" panose="02070309020205020404" pitchFamily="49" charset="0"/>
-              </a:rPr>
-              <a:t>;</a:t>
-            </a:r>
-            <a:br>
-              <a:rPr lang="it-IT" altLang="it-IT" sz="2000" dirty="0">
-                <a:solidFill>
-                  <a:srgbClr val="CC7832"/>
-                </a:solidFill>
-                <a:latin typeface="Lucida Console" panose="020B0609040504020204" pitchFamily="49" charset="0"/>
-                <a:cs typeface="Courier New" panose="02070309020205020404" pitchFamily="49" charset="0"/>
-              </a:rPr>
-            </a:br>
-            <a:r>
-              <a:rPr lang="it-IT" altLang="it-IT" sz="2000" dirty="0">
-                <a:solidFill>
-                  <a:srgbClr val="CC7832"/>
-                </a:solidFill>
-                <a:latin typeface="Lucida Console" panose="020B0609040504020204" pitchFamily="49" charset="0"/>
-                <a:cs typeface="Courier New" panose="02070309020205020404" pitchFamily="49" charset="0"/>
-              </a:rPr>
-              <a:t>    </a:t>
-            </a:r>
-            <a:r>
-              <a:rPr lang="it-IT" altLang="it-IT" sz="2000" i="1" dirty="0">
-                <a:solidFill>
-                  <a:srgbClr val="FD971F"/>
-                </a:solidFill>
-                <a:latin typeface="Lucida Console" panose="020B0609040504020204" pitchFamily="49" charset="0"/>
-                <a:cs typeface="Courier New" panose="02070309020205020404" pitchFamily="49" charset="0"/>
-              </a:rPr>
-              <a:t>io</a:t>
-            </a:r>
-            <a:r>
-              <a:rPr lang="it-IT" altLang="it-IT" sz="2000" dirty="0">
-                <a:solidFill>
-                  <a:srgbClr val="F8F8F2"/>
-                </a:solidFill>
-                <a:latin typeface="Lucida Console" panose="020B0609040504020204" pitchFamily="49" charset="0"/>
-                <a:cs typeface="Courier New" panose="02070309020205020404" pitchFamily="49" charset="0"/>
-              </a:rPr>
-              <a:t>.</a:t>
-            </a:r>
-            <a:r>
-              <a:rPr lang="it-IT" altLang="it-IT" sz="2000" dirty="0">
-                <a:solidFill>
-                  <a:srgbClr val="979748"/>
-                </a:solidFill>
-                <a:latin typeface="Lucida Console" panose="020B0609040504020204" pitchFamily="49" charset="0"/>
-                <a:cs typeface="Courier New" panose="02070309020205020404" pitchFamily="49" charset="0"/>
-              </a:rPr>
-              <a:t>to</a:t>
-            </a:r>
-            <a:r>
-              <a:rPr lang="it-IT" altLang="it-IT" sz="2000" dirty="0">
-                <a:solidFill>
-                  <a:srgbClr val="F8F8F2"/>
-                </a:solidFill>
-                <a:latin typeface="Lucida Console" panose="020B0609040504020204" pitchFamily="49" charset="0"/>
-                <a:cs typeface="Courier New" panose="02070309020205020404" pitchFamily="49" charset="0"/>
-              </a:rPr>
-              <a:t>(</a:t>
-            </a:r>
-            <a:r>
-              <a:rPr lang="it-IT" altLang="it-IT" sz="2000" dirty="0">
-                <a:solidFill>
-                  <a:srgbClr val="64A2A2"/>
-                </a:solidFill>
-                <a:latin typeface="Lucida Console" panose="020B0609040504020204" pitchFamily="49" charset="0"/>
-                <a:cs typeface="Courier New" panose="02070309020205020404" pitchFamily="49" charset="0"/>
-              </a:rPr>
-              <a:t>room</a:t>
-            </a:r>
-            <a:r>
-              <a:rPr lang="it-IT" altLang="it-IT" sz="2000" dirty="0">
-                <a:solidFill>
-                  <a:srgbClr val="F8F8F2"/>
-                </a:solidFill>
-                <a:latin typeface="Lucida Console" panose="020B0609040504020204" pitchFamily="49" charset="0"/>
-                <a:cs typeface="Courier New" panose="02070309020205020404" pitchFamily="49" charset="0"/>
-              </a:rPr>
-              <a:t>).</a:t>
-            </a:r>
-            <a:r>
-              <a:rPr lang="it-IT" altLang="it-IT" sz="2000" dirty="0" err="1">
-                <a:solidFill>
-                  <a:srgbClr val="979748"/>
-                </a:solidFill>
-                <a:latin typeface="Lucida Console" panose="020B0609040504020204" pitchFamily="49" charset="0"/>
-                <a:cs typeface="Courier New" panose="02070309020205020404" pitchFamily="49" charset="0"/>
-              </a:rPr>
-              <a:t>emit</a:t>
-            </a:r>
-            <a:r>
-              <a:rPr lang="it-IT" altLang="it-IT" sz="2000" dirty="0">
-                <a:solidFill>
-                  <a:srgbClr val="F8F8F2"/>
-                </a:solidFill>
-                <a:latin typeface="Lucida Console" panose="020B0609040504020204" pitchFamily="49" charset="0"/>
-                <a:cs typeface="Courier New" panose="02070309020205020404" pitchFamily="49" charset="0"/>
-              </a:rPr>
-              <a:t>(</a:t>
-            </a:r>
-            <a:r>
-              <a:rPr lang="it-IT" altLang="it-IT" sz="2000" dirty="0">
-                <a:solidFill>
-                  <a:srgbClr val="E6DB74"/>
-                </a:solidFill>
-                <a:latin typeface="Lucida Console" panose="020B0609040504020204" pitchFamily="49" charset="0"/>
-                <a:cs typeface="Courier New" panose="02070309020205020404" pitchFamily="49" charset="0"/>
-              </a:rPr>
-              <a:t>'</a:t>
-            </a:r>
-            <a:r>
-              <a:rPr lang="it-IT" altLang="it-IT" sz="2000" dirty="0" err="1">
-                <a:solidFill>
-                  <a:srgbClr val="E6DB74"/>
-                </a:solidFill>
-                <a:latin typeface="Lucida Console" panose="020B0609040504020204" pitchFamily="49" charset="0"/>
-                <a:cs typeface="Courier New" panose="02070309020205020404" pitchFamily="49" charset="0"/>
-              </a:rPr>
-              <a:t>clientUpdate</a:t>
-            </a:r>
-            <a:r>
-              <a:rPr lang="it-IT" altLang="it-IT" sz="2000" dirty="0">
-                <a:solidFill>
-                  <a:srgbClr val="E6DB74"/>
-                </a:solidFill>
-                <a:latin typeface="Lucida Console" panose="020B0609040504020204" pitchFamily="49" charset="0"/>
-                <a:cs typeface="Courier New" panose="02070309020205020404" pitchFamily="49" charset="0"/>
-              </a:rPr>
-              <a:t>'</a:t>
-            </a:r>
-            <a:r>
-              <a:rPr lang="it-IT" altLang="it-IT" sz="2000" dirty="0">
-                <a:solidFill>
-                  <a:srgbClr val="CC7832"/>
-                </a:solidFill>
-                <a:latin typeface="Lucida Console" panose="020B0609040504020204" pitchFamily="49" charset="0"/>
-                <a:cs typeface="Courier New" panose="02070309020205020404" pitchFamily="49" charset="0"/>
-              </a:rPr>
-              <a:t>, </a:t>
-            </a:r>
-            <a:r>
-              <a:rPr lang="it-IT" altLang="it-IT" sz="2000" i="1" dirty="0">
-                <a:solidFill>
-                  <a:srgbClr val="FD971F"/>
-                </a:solidFill>
-                <a:latin typeface="Lucida Console" panose="020B0609040504020204" pitchFamily="49" charset="0"/>
-                <a:cs typeface="Courier New" panose="02070309020205020404" pitchFamily="49" charset="0"/>
-              </a:rPr>
-              <a:t>data</a:t>
-            </a:r>
-            <a:r>
-              <a:rPr lang="it-IT" altLang="it-IT" sz="2000" dirty="0">
-                <a:solidFill>
-                  <a:srgbClr val="F8F8F2"/>
-                </a:solidFill>
-                <a:latin typeface="Lucida Console" panose="020B0609040504020204" pitchFamily="49" charset="0"/>
-                <a:cs typeface="Courier New" panose="02070309020205020404" pitchFamily="49" charset="0"/>
-              </a:rPr>
-              <a:t>)</a:t>
-            </a:r>
-            <a:r>
-              <a:rPr lang="it-IT" altLang="it-IT" sz="2000" dirty="0">
-                <a:solidFill>
-                  <a:srgbClr val="CC7832"/>
-                </a:solidFill>
-                <a:latin typeface="Lucida Console" panose="020B0609040504020204" pitchFamily="49" charset="0"/>
-                <a:cs typeface="Courier New" panose="02070309020205020404" pitchFamily="49" charset="0"/>
-              </a:rPr>
-              <a:t>;</a:t>
-            </a:r>
-            <a:br>
-              <a:rPr lang="it-IT" altLang="it-IT" sz="2000" dirty="0">
-                <a:solidFill>
-                  <a:srgbClr val="CC7832"/>
-                </a:solidFill>
-                <a:latin typeface="Lucida Console" panose="020B0609040504020204" pitchFamily="49" charset="0"/>
-                <a:cs typeface="Courier New" panose="02070309020205020404" pitchFamily="49" charset="0"/>
-              </a:rPr>
-            </a:br>
-            <a:r>
-              <a:rPr lang="it-IT" altLang="it-IT" sz="2000" dirty="0" smtClean="0">
-                <a:solidFill>
-                  <a:srgbClr val="F8F8F2"/>
-                </a:solidFill>
-                <a:latin typeface="Lucida Console" panose="020B0609040504020204" pitchFamily="49" charset="0"/>
-                <a:cs typeface="Courier New" panose="02070309020205020404" pitchFamily="49" charset="0"/>
-              </a:rPr>
-              <a:t>})</a:t>
-            </a:r>
-            <a:r>
-              <a:rPr lang="it-IT" altLang="it-IT" sz="2000" dirty="0" smtClean="0">
-                <a:solidFill>
-                  <a:srgbClr val="CC7832"/>
-                </a:solidFill>
-                <a:latin typeface="Lucida Console" panose="020B0609040504020204" pitchFamily="49" charset="0"/>
-                <a:cs typeface="Courier New" panose="02070309020205020404" pitchFamily="49" charset="0"/>
-              </a:rPr>
-              <a:t>;</a:t>
-            </a:r>
-            <a:endParaRPr lang="it-IT" altLang="it-IT" sz="3200" dirty="0">
-              <a:solidFill>
-                <a:schemeClr val="tx1"/>
-              </a:solidFill>
-              <a:latin typeface="Lucida Console" panose="020B0609040504020204" pitchFamily="49" charset="0"/>
-            </a:endParaRPr>
-          </a:p>
-        </p:txBody>
-      </p:sp>
-    </p:spTree>
-    <p:extLst>
-      <p:ext uri="{BB962C8B-B14F-4D97-AF65-F5344CB8AC3E}">
-        <p14:creationId xmlns:p14="http://schemas.microsoft.com/office/powerpoint/2010/main" val="1008840175"/>
-      </p:ext>
-    </p:extLst>
-  </p:cSld>
-  <p:clrMapOvr>
-    <a:masterClrMapping/>
-  </p:clrMapOvr>
-  <p:timing>
-    <p:tnLst>
-      <p:par>
-        <p:cTn id="1" dur="indefinite" restart="never" nodeType="tmRoot"/>
-      </p:par>
-    </p:tnLst>
-  </p:timing>
-</p:sld>
-</file>
-
-<file path=ppt/slides/slide25.xml><?xml version="1.0" encoding="utf-8"?>
+<file path=ppt/slides/slide26.xml><?xml version="1.0" encoding="utf-8"?>
 <p:sld xmlns:a="http://schemas.openxmlformats.org/drawingml/2006/main" xmlns:r="http://schemas.openxmlformats.org/officeDocument/2006/relationships" xmlns:p="http://schemas.openxmlformats.org/presentationml/2006/main">
   <p:cSld>
     <p:spTree>
@@ -15715,7 +17822,640 @@
 </p:sld>
 </file>
 
-<file path=ppt/slides/slide26.xml><?xml version="1.0" encoding="utf-8"?>
+<file path=ppt/slides/slide27.xml><?xml version="1.0" encoding="utf-8"?>
+<p:sld xmlns:a="http://schemas.openxmlformats.org/drawingml/2006/main" xmlns:r="http://schemas.openxmlformats.org/officeDocument/2006/relationships" xmlns:p="http://schemas.openxmlformats.org/presentationml/2006/main">
+  <p:cSld>
+    <p:spTree>
+      <p:nvGrpSpPr>
+        <p:cNvPr id="1" name=""/>
+        <p:cNvGrpSpPr/>
+        <p:nvPr/>
+      </p:nvGrpSpPr>
+      <p:grpSpPr>
+        <a:xfrm>
+          <a:off x="0" y="0"/>
+          <a:ext cx="0" cy="0"/>
+          <a:chOff x="0" y="0"/>
+          <a:chExt cx="0" cy="0"/>
+        </a:xfrm>
+      </p:grpSpPr>
+      <p:sp>
+        <p:nvSpPr>
+          <p:cNvPr id="2" name="Titolo 1"/>
+          <p:cNvSpPr>
+            <a:spLocks noGrp="1"/>
+          </p:cNvSpPr>
+          <p:nvPr>
+            <p:ph type="title"/>
+          </p:nvPr>
+        </p:nvSpPr>
+        <p:spPr/>
+        <p:txBody>
+          <a:bodyPr/>
+          <a:lstStyle/>
+          <a:p>
+            <a:r>
+              <a:rPr lang="it-IT" smtClean="0"/>
+              <a:t>Pong4 Server: broadcasting data</a:t>
+            </a:r>
+            <a:endParaRPr lang="it-IT" dirty="0"/>
+          </a:p>
+        </p:txBody>
+      </p:sp>
+      <p:sp>
+        <p:nvSpPr>
+          <p:cNvPr id="4" name="Segnaposto contenuto 3"/>
+          <p:cNvSpPr>
+            <a:spLocks noGrp="1"/>
+          </p:cNvSpPr>
+          <p:nvPr>
+            <p:ph sz="quarter" idx="10"/>
+          </p:nvPr>
+        </p:nvSpPr>
+        <p:spPr>
+          <a:noFill/>
+        </p:spPr>
+        <p:txBody>
+          <a:bodyPr/>
+          <a:lstStyle/>
+          <a:p>
+            <a:pPr marL="0" indent="0">
+              <a:buNone/>
+            </a:pPr>
+            <a:endParaRPr lang="it-IT" altLang="it-IT" sz="2000" i="1" dirty="0" smtClean="0">
+              <a:solidFill>
+                <a:srgbClr val="FD971F"/>
+              </a:solidFill>
+              <a:latin typeface="Lucida Console" panose="020B0609040504020204" pitchFamily="49" charset="0"/>
+              <a:cs typeface="Courier New" panose="02070309020205020404" pitchFamily="49" charset="0"/>
+            </a:endParaRPr>
+          </a:p>
+          <a:p>
+            <a:pPr marL="0" indent="0">
+              <a:buNone/>
+            </a:pPr>
+            <a:endParaRPr lang="it-IT" altLang="it-IT" sz="2000" i="1" dirty="0">
+              <a:solidFill>
+                <a:srgbClr val="FD971F"/>
+              </a:solidFill>
+              <a:latin typeface="Lucida Console" panose="020B0609040504020204" pitchFamily="49" charset="0"/>
+              <a:cs typeface="Courier New" panose="02070309020205020404" pitchFamily="49" charset="0"/>
+            </a:endParaRPr>
+          </a:p>
+          <a:p>
+            <a:pPr marL="0" indent="0">
+              <a:buNone/>
+            </a:pPr>
+            <a:endParaRPr lang="it-IT" altLang="it-IT" sz="2000" i="1" dirty="0" smtClean="0">
+              <a:solidFill>
+                <a:srgbClr val="FD971F"/>
+              </a:solidFill>
+              <a:latin typeface="Lucida Console" panose="020B0609040504020204" pitchFamily="49" charset="0"/>
+              <a:cs typeface="Courier New" panose="02070309020205020404" pitchFamily="49" charset="0"/>
+            </a:endParaRPr>
+          </a:p>
+          <a:p>
+            <a:pPr marL="0" indent="0">
+              <a:buNone/>
+            </a:pPr>
+            <a:endParaRPr lang="it-IT" altLang="it-IT" sz="2000" i="1" dirty="0">
+              <a:solidFill>
+                <a:srgbClr val="FD971F"/>
+              </a:solidFill>
+              <a:latin typeface="Lucida Console" panose="020B0609040504020204" pitchFamily="49" charset="0"/>
+              <a:cs typeface="Courier New" panose="02070309020205020404" pitchFamily="49" charset="0"/>
+            </a:endParaRPr>
+          </a:p>
+          <a:p>
+            <a:pPr marL="0" indent="0">
+              <a:buNone/>
+            </a:pPr>
+            <a:r>
+              <a:rPr lang="it-IT" altLang="it-IT" sz="2000" i="1" dirty="0" err="1" smtClean="0">
+                <a:solidFill>
+                  <a:srgbClr val="FD971F"/>
+                </a:solidFill>
+                <a:latin typeface="Lucida Console" panose="020B0609040504020204" pitchFamily="49" charset="0"/>
+                <a:cs typeface="Courier New" panose="02070309020205020404" pitchFamily="49" charset="0"/>
+              </a:rPr>
+              <a:t>socket</a:t>
+            </a:r>
+            <a:r>
+              <a:rPr lang="it-IT" altLang="it-IT" sz="2000" dirty="0" err="1" smtClean="0">
+                <a:solidFill>
+                  <a:srgbClr val="F8F8F2"/>
+                </a:solidFill>
+                <a:latin typeface="Lucida Console" panose="020B0609040504020204" pitchFamily="49" charset="0"/>
+                <a:cs typeface="Courier New" panose="02070309020205020404" pitchFamily="49" charset="0"/>
+              </a:rPr>
+              <a:t>.</a:t>
+            </a:r>
+            <a:r>
+              <a:rPr lang="it-IT" altLang="it-IT" sz="2000" dirty="0" err="1" smtClean="0">
+                <a:solidFill>
+                  <a:srgbClr val="979748"/>
+                </a:solidFill>
+                <a:latin typeface="Lucida Console" panose="020B0609040504020204" pitchFamily="49" charset="0"/>
+                <a:cs typeface="Courier New" panose="02070309020205020404" pitchFamily="49" charset="0"/>
+              </a:rPr>
+              <a:t>on</a:t>
+            </a:r>
+            <a:r>
+              <a:rPr lang="it-IT" altLang="it-IT" sz="2000" dirty="0">
+                <a:solidFill>
+                  <a:srgbClr val="F8F8F2"/>
+                </a:solidFill>
+                <a:latin typeface="Lucida Console" panose="020B0609040504020204" pitchFamily="49" charset="0"/>
+                <a:cs typeface="Courier New" panose="02070309020205020404" pitchFamily="49" charset="0"/>
+              </a:rPr>
+              <a:t>(</a:t>
+            </a:r>
+            <a:r>
+              <a:rPr lang="it-IT" altLang="it-IT" sz="2000" dirty="0">
+                <a:solidFill>
+                  <a:srgbClr val="E6DB74"/>
+                </a:solidFill>
+                <a:latin typeface="Lucida Console" panose="020B0609040504020204" pitchFamily="49" charset="0"/>
+                <a:cs typeface="Courier New" panose="02070309020205020404" pitchFamily="49" charset="0"/>
+              </a:rPr>
+              <a:t>'</a:t>
+            </a:r>
+            <a:r>
+              <a:rPr lang="it-IT" altLang="it-IT" sz="2000" dirty="0" err="1">
+                <a:solidFill>
+                  <a:srgbClr val="E6DB74"/>
+                </a:solidFill>
+                <a:latin typeface="Lucida Console" panose="020B0609040504020204" pitchFamily="49" charset="0"/>
+                <a:cs typeface="Courier New" panose="02070309020205020404" pitchFamily="49" charset="0"/>
+              </a:rPr>
+              <a:t>gameUpdate</a:t>
+            </a:r>
+            <a:r>
+              <a:rPr lang="it-IT" altLang="it-IT" sz="2000" dirty="0">
+                <a:solidFill>
+                  <a:srgbClr val="E6DB74"/>
+                </a:solidFill>
+                <a:latin typeface="Lucida Console" panose="020B0609040504020204" pitchFamily="49" charset="0"/>
+                <a:cs typeface="Courier New" panose="02070309020205020404" pitchFamily="49" charset="0"/>
+              </a:rPr>
+              <a:t>'</a:t>
+            </a:r>
+            <a:r>
+              <a:rPr lang="it-IT" altLang="it-IT" sz="2000" dirty="0">
+                <a:solidFill>
+                  <a:srgbClr val="CC7832"/>
+                </a:solidFill>
+                <a:latin typeface="Lucida Console" panose="020B0609040504020204" pitchFamily="49" charset="0"/>
+                <a:cs typeface="Courier New" panose="02070309020205020404" pitchFamily="49" charset="0"/>
+              </a:rPr>
+              <a:t>, </a:t>
+            </a:r>
+            <a:r>
+              <a:rPr lang="it-IT" altLang="it-IT" sz="2000" dirty="0" err="1">
+                <a:solidFill>
+                  <a:srgbClr val="F92672"/>
+                </a:solidFill>
+                <a:latin typeface="Lucida Console" panose="020B0609040504020204" pitchFamily="49" charset="0"/>
+                <a:cs typeface="Courier New" panose="02070309020205020404" pitchFamily="49" charset="0"/>
+              </a:rPr>
+              <a:t>function</a:t>
+            </a:r>
+            <a:r>
+              <a:rPr lang="it-IT" altLang="it-IT" sz="2000" dirty="0">
+                <a:solidFill>
+                  <a:srgbClr val="F8F8F2"/>
+                </a:solidFill>
+                <a:latin typeface="Lucida Console" panose="020B0609040504020204" pitchFamily="49" charset="0"/>
+                <a:cs typeface="Courier New" panose="02070309020205020404" pitchFamily="49" charset="0"/>
+              </a:rPr>
+              <a:t>(</a:t>
+            </a:r>
+            <a:r>
+              <a:rPr lang="it-IT" altLang="it-IT" sz="2000" i="1" dirty="0">
+                <a:solidFill>
+                  <a:srgbClr val="FD971F"/>
+                </a:solidFill>
+                <a:latin typeface="Lucida Console" panose="020B0609040504020204" pitchFamily="49" charset="0"/>
+                <a:cs typeface="Courier New" panose="02070309020205020404" pitchFamily="49" charset="0"/>
+              </a:rPr>
+              <a:t>data</a:t>
+            </a:r>
+            <a:r>
+              <a:rPr lang="it-IT" altLang="it-IT" sz="2000" dirty="0">
+                <a:solidFill>
+                  <a:srgbClr val="F8F8F2"/>
+                </a:solidFill>
+                <a:latin typeface="Lucida Console" panose="020B0609040504020204" pitchFamily="49" charset="0"/>
+                <a:cs typeface="Courier New" panose="02070309020205020404" pitchFamily="49" charset="0"/>
+              </a:rPr>
+              <a:t>) {</a:t>
+            </a:r>
+            <a:br>
+              <a:rPr lang="it-IT" altLang="it-IT" sz="2000" dirty="0">
+                <a:solidFill>
+                  <a:srgbClr val="F8F8F2"/>
+                </a:solidFill>
+                <a:latin typeface="Lucida Console" panose="020B0609040504020204" pitchFamily="49" charset="0"/>
+                <a:cs typeface="Courier New" panose="02070309020205020404" pitchFamily="49" charset="0"/>
+              </a:rPr>
+            </a:br>
+            <a:r>
+              <a:rPr lang="it-IT" altLang="it-IT" sz="2000" dirty="0">
+                <a:solidFill>
+                  <a:srgbClr val="F8F8F2"/>
+                </a:solidFill>
+                <a:latin typeface="Lucida Console" panose="020B0609040504020204" pitchFamily="49" charset="0"/>
+                <a:cs typeface="Courier New" panose="02070309020205020404" pitchFamily="49" charset="0"/>
+              </a:rPr>
+              <a:t>    </a:t>
+            </a:r>
+            <a:r>
+              <a:rPr lang="it-IT" altLang="it-IT" sz="2000" dirty="0" err="1">
+                <a:solidFill>
+                  <a:srgbClr val="F92672"/>
+                </a:solidFill>
+                <a:latin typeface="Lucida Console" panose="020B0609040504020204" pitchFamily="49" charset="0"/>
+                <a:cs typeface="Courier New" panose="02070309020205020404" pitchFamily="49" charset="0"/>
+              </a:rPr>
+              <a:t>var</a:t>
+            </a:r>
+            <a:r>
+              <a:rPr lang="it-IT" altLang="it-IT" sz="2000" dirty="0">
+                <a:solidFill>
+                  <a:srgbClr val="F92672"/>
+                </a:solidFill>
+                <a:latin typeface="Lucida Console" panose="020B0609040504020204" pitchFamily="49" charset="0"/>
+                <a:cs typeface="Courier New" panose="02070309020205020404" pitchFamily="49" charset="0"/>
+              </a:rPr>
+              <a:t> </a:t>
+            </a:r>
+            <a:r>
+              <a:rPr lang="it-IT" altLang="it-IT" sz="2000" dirty="0">
+                <a:solidFill>
+                  <a:srgbClr val="64A2A2"/>
+                </a:solidFill>
+                <a:latin typeface="Lucida Console" panose="020B0609040504020204" pitchFamily="49" charset="0"/>
+                <a:cs typeface="Courier New" panose="02070309020205020404" pitchFamily="49" charset="0"/>
+              </a:rPr>
+              <a:t>room </a:t>
+            </a:r>
+            <a:r>
+              <a:rPr lang="it-IT" altLang="it-IT" sz="2000" dirty="0">
+                <a:solidFill>
+                  <a:srgbClr val="F92672"/>
+                </a:solidFill>
+                <a:latin typeface="Lucida Console" panose="020B0609040504020204" pitchFamily="49" charset="0"/>
+                <a:cs typeface="Courier New" panose="02070309020205020404" pitchFamily="49" charset="0"/>
+              </a:rPr>
+              <a:t>= </a:t>
+            </a:r>
+            <a:r>
+              <a:rPr lang="it-IT" altLang="it-IT" sz="2000" dirty="0">
+                <a:solidFill>
+                  <a:srgbClr val="64A2A2"/>
+                </a:solidFill>
+                <a:latin typeface="Lucida Console" panose="020B0609040504020204" pitchFamily="49" charset="0"/>
+                <a:cs typeface="Courier New" panose="02070309020205020404" pitchFamily="49" charset="0"/>
+              </a:rPr>
+              <a:t>clients</a:t>
+            </a:r>
+            <a:r>
+              <a:rPr lang="it-IT" altLang="it-IT" sz="2000" dirty="0">
+                <a:solidFill>
+                  <a:srgbClr val="F8F8F2"/>
+                </a:solidFill>
+                <a:latin typeface="Lucida Console" panose="020B0609040504020204" pitchFamily="49" charset="0"/>
+                <a:cs typeface="Courier New" panose="02070309020205020404" pitchFamily="49" charset="0"/>
+              </a:rPr>
+              <a:t>[</a:t>
+            </a:r>
+            <a:r>
+              <a:rPr lang="it-IT" altLang="it-IT" sz="2000" i="1" dirty="0" err="1">
+                <a:solidFill>
+                  <a:srgbClr val="FD971F"/>
+                </a:solidFill>
+                <a:latin typeface="Lucida Console" panose="020B0609040504020204" pitchFamily="49" charset="0"/>
+                <a:cs typeface="Courier New" panose="02070309020205020404" pitchFamily="49" charset="0"/>
+              </a:rPr>
+              <a:t>data</a:t>
+            </a:r>
+            <a:r>
+              <a:rPr lang="it-IT" altLang="it-IT" sz="2000" dirty="0" err="1">
+                <a:solidFill>
+                  <a:srgbClr val="F8F8F2"/>
+                </a:solidFill>
+                <a:latin typeface="Lucida Console" panose="020B0609040504020204" pitchFamily="49" charset="0"/>
+                <a:cs typeface="Courier New" panose="02070309020205020404" pitchFamily="49" charset="0"/>
+              </a:rPr>
+              <a:t>.socketId</a:t>
+            </a:r>
+            <a:r>
+              <a:rPr lang="it-IT" altLang="it-IT" sz="2000" dirty="0">
+                <a:solidFill>
+                  <a:srgbClr val="F8F8F2"/>
+                </a:solidFill>
+                <a:latin typeface="Lucida Console" panose="020B0609040504020204" pitchFamily="49" charset="0"/>
+                <a:cs typeface="Courier New" panose="02070309020205020404" pitchFamily="49" charset="0"/>
+              </a:rPr>
+              <a:t>]</a:t>
+            </a:r>
+            <a:r>
+              <a:rPr lang="it-IT" altLang="it-IT" sz="2000" dirty="0">
+                <a:solidFill>
+                  <a:srgbClr val="CC7832"/>
+                </a:solidFill>
+                <a:latin typeface="Lucida Console" panose="020B0609040504020204" pitchFamily="49" charset="0"/>
+                <a:cs typeface="Courier New" panose="02070309020205020404" pitchFamily="49" charset="0"/>
+              </a:rPr>
+              <a:t>;</a:t>
+            </a:r>
+            <a:br>
+              <a:rPr lang="it-IT" altLang="it-IT" sz="2000" dirty="0">
+                <a:solidFill>
+                  <a:srgbClr val="CC7832"/>
+                </a:solidFill>
+                <a:latin typeface="Lucida Console" panose="020B0609040504020204" pitchFamily="49" charset="0"/>
+                <a:cs typeface="Courier New" panose="02070309020205020404" pitchFamily="49" charset="0"/>
+              </a:rPr>
+            </a:br>
+            <a:r>
+              <a:rPr lang="it-IT" altLang="it-IT" sz="2000" dirty="0">
+                <a:solidFill>
+                  <a:srgbClr val="CC7832"/>
+                </a:solidFill>
+                <a:latin typeface="Lucida Console" panose="020B0609040504020204" pitchFamily="49" charset="0"/>
+                <a:cs typeface="Courier New" panose="02070309020205020404" pitchFamily="49" charset="0"/>
+              </a:rPr>
+              <a:t>    </a:t>
+            </a:r>
+            <a:r>
+              <a:rPr lang="it-IT" altLang="it-IT" sz="2000" dirty="0">
+                <a:solidFill>
+                  <a:srgbClr val="F92672"/>
+                </a:solidFill>
+                <a:latin typeface="Lucida Console" panose="020B0609040504020204" pitchFamily="49" charset="0"/>
+                <a:cs typeface="Courier New" panose="02070309020205020404" pitchFamily="49" charset="0"/>
+              </a:rPr>
+              <a:t>delete </a:t>
+            </a:r>
+            <a:r>
+              <a:rPr lang="it-IT" altLang="it-IT" sz="2000" i="1" dirty="0" err="1">
+                <a:solidFill>
+                  <a:srgbClr val="FD971F"/>
+                </a:solidFill>
+                <a:latin typeface="Lucida Console" panose="020B0609040504020204" pitchFamily="49" charset="0"/>
+                <a:cs typeface="Courier New" panose="02070309020205020404" pitchFamily="49" charset="0"/>
+              </a:rPr>
+              <a:t>data</a:t>
+            </a:r>
+            <a:r>
+              <a:rPr lang="it-IT" altLang="it-IT" sz="2000" dirty="0" err="1">
+                <a:solidFill>
+                  <a:srgbClr val="F8F8F2"/>
+                </a:solidFill>
+                <a:latin typeface="Lucida Console" panose="020B0609040504020204" pitchFamily="49" charset="0"/>
+                <a:cs typeface="Courier New" panose="02070309020205020404" pitchFamily="49" charset="0"/>
+              </a:rPr>
+              <a:t>.socketId</a:t>
+            </a:r>
+            <a:r>
+              <a:rPr lang="it-IT" altLang="it-IT" sz="2000" dirty="0">
+                <a:solidFill>
+                  <a:srgbClr val="CC7832"/>
+                </a:solidFill>
+                <a:latin typeface="Lucida Console" panose="020B0609040504020204" pitchFamily="49" charset="0"/>
+                <a:cs typeface="Courier New" panose="02070309020205020404" pitchFamily="49" charset="0"/>
+              </a:rPr>
+              <a:t>;</a:t>
+            </a:r>
+            <a:br>
+              <a:rPr lang="it-IT" altLang="it-IT" sz="2000" dirty="0">
+                <a:solidFill>
+                  <a:srgbClr val="CC7832"/>
+                </a:solidFill>
+                <a:latin typeface="Lucida Console" panose="020B0609040504020204" pitchFamily="49" charset="0"/>
+                <a:cs typeface="Courier New" panose="02070309020205020404" pitchFamily="49" charset="0"/>
+              </a:rPr>
+            </a:br>
+            <a:r>
+              <a:rPr lang="it-IT" altLang="it-IT" sz="2000" dirty="0">
+                <a:solidFill>
+                  <a:srgbClr val="CC7832"/>
+                </a:solidFill>
+                <a:latin typeface="Lucida Console" panose="020B0609040504020204" pitchFamily="49" charset="0"/>
+                <a:cs typeface="Courier New" panose="02070309020205020404" pitchFamily="49" charset="0"/>
+              </a:rPr>
+              <a:t>    </a:t>
+            </a:r>
+            <a:r>
+              <a:rPr lang="it-IT" altLang="it-IT" sz="2000" i="1" dirty="0">
+                <a:solidFill>
+                  <a:srgbClr val="FD971F"/>
+                </a:solidFill>
+                <a:latin typeface="Lucida Console" panose="020B0609040504020204" pitchFamily="49" charset="0"/>
+                <a:cs typeface="Courier New" panose="02070309020205020404" pitchFamily="49" charset="0"/>
+              </a:rPr>
+              <a:t>io</a:t>
+            </a:r>
+            <a:r>
+              <a:rPr lang="it-IT" altLang="it-IT" sz="2000" dirty="0">
+                <a:solidFill>
+                  <a:srgbClr val="F8F8F2"/>
+                </a:solidFill>
+                <a:latin typeface="Lucida Console" panose="020B0609040504020204" pitchFamily="49" charset="0"/>
+                <a:cs typeface="Courier New" panose="02070309020205020404" pitchFamily="49" charset="0"/>
+              </a:rPr>
+              <a:t>.</a:t>
+            </a:r>
+            <a:r>
+              <a:rPr lang="it-IT" altLang="it-IT" sz="2000" dirty="0">
+                <a:solidFill>
+                  <a:srgbClr val="979748"/>
+                </a:solidFill>
+                <a:latin typeface="Lucida Console" panose="020B0609040504020204" pitchFamily="49" charset="0"/>
+                <a:cs typeface="Courier New" panose="02070309020205020404" pitchFamily="49" charset="0"/>
+              </a:rPr>
+              <a:t>to</a:t>
+            </a:r>
+            <a:r>
+              <a:rPr lang="it-IT" altLang="it-IT" sz="2000" dirty="0">
+                <a:solidFill>
+                  <a:srgbClr val="F8F8F2"/>
+                </a:solidFill>
+                <a:latin typeface="Lucida Console" panose="020B0609040504020204" pitchFamily="49" charset="0"/>
+                <a:cs typeface="Courier New" panose="02070309020205020404" pitchFamily="49" charset="0"/>
+              </a:rPr>
+              <a:t>(</a:t>
+            </a:r>
+            <a:r>
+              <a:rPr lang="it-IT" altLang="it-IT" sz="2000" dirty="0">
+                <a:solidFill>
+                  <a:srgbClr val="64A2A2"/>
+                </a:solidFill>
+                <a:latin typeface="Lucida Console" panose="020B0609040504020204" pitchFamily="49" charset="0"/>
+                <a:cs typeface="Courier New" panose="02070309020205020404" pitchFamily="49" charset="0"/>
+              </a:rPr>
+              <a:t>room</a:t>
+            </a:r>
+            <a:r>
+              <a:rPr lang="it-IT" altLang="it-IT" sz="2000" dirty="0">
+                <a:solidFill>
+                  <a:srgbClr val="F8F8F2"/>
+                </a:solidFill>
+                <a:latin typeface="Lucida Console" panose="020B0609040504020204" pitchFamily="49" charset="0"/>
+                <a:cs typeface="Courier New" panose="02070309020205020404" pitchFamily="49" charset="0"/>
+              </a:rPr>
+              <a:t>).</a:t>
+            </a:r>
+            <a:r>
+              <a:rPr lang="it-IT" altLang="it-IT" sz="2000" dirty="0" err="1">
+                <a:solidFill>
+                  <a:srgbClr val="979748"/>
+                </a:solidFill>
+                <a:latin typeface="Lucida Console" panose="020B0609040504020204" pitchFamily="49" charset="0"/>
+                <a:cs typeface="Courier New" panose="02070309020205020404" pitchFamily="49" charset="0"/>
+              </a:rPr>
+              <a:t>emit</a:t>
+            </a:r>
+            <a:r>
+              <a:rPr lang="it-IT" altLang="it-IT" sz="2000" dirty="0">
+                <a:solidFill>
+                  <a:srgbClr val="F8F8F2"/>
+                </a:solidFill>
+                <a:latin typeface="Lucida Console" panose="020B0609040504020204" pitchFamily="49" charset="0"/>
+                <a:cs typeface="Courier New" panose="02070309020205020404" pitchFamily="49" charset="0"/>
+              </a:rPr>
+              <a:t>(</a:t>
+            </a:r>
+            <a:r>
+              <a:rPr lang="it-IT" altLang="it-IT" sz="2000" dirty="0">
+                <a:solidFill>
+                  <a:srgbClr val="E6DB74"/>
+                </a:solidFill>
+                <a:latin typeface="Lucida Console" panose="020B0609040504020204" pitchFamily="49" charset="0"/>
+                <a:cs typeface="Courier New" panose="02070309020205020404" pitchFamily="49" charset="0"/>
+              </a:rPr>
+              <a:t>'</a:t>
+            </a:r>
+            <a:r>
+              <a:rPr lang="it-IT" altLang="it-IT" sz="2000" dirty="0" err="1">
+                <a:solidFill>
+                  <a:srgbClr val="E6DB74"/>
+                </a:solidFill>
+                <a:latin typeface="Lucida Console" panose="020B0609040504020204" pitchFamily="49" charset="0"/>
+                <a:cs typeface="Courier New" panose="02070309020205020404" pitchFamily="49" charset="0"/>
+              </a:rPr>
+              <a:t>clientUpdate</a:t>
+            </a:r>
+            <a:r>
+              <a:rPr lang="it-IT" altLang="it-IT" sz="2000" dirty="0">
+                <a:solidFill>
+                  <a:srgbClr val="E6DB74"/>
+                </a:solidFill>
+                <a:latin typeface="Lucida Console" panose="020B0609040504020204" pitchFamily="49" charset="0"/>
+                <a:cs typeface="Courier New" panose="02070309020205020404" pitchFamily="49" charset="0"/>
+              </a:rPr>
+              <a:t>'</a:t>
+            </a:r>
+            <a:r>
+              <a:rPr lang="it-IT" altLang="it-IT" sz="2000" dirty="0">
+                <a:solidFill>
+                  <a:srgbClr val="CC7832"/>
+                </a:solidFill>
+                <a:latin typeface="Lucida Console" panose="020B0609040504020204" pitchFamily="49" charset="0"/>
+                <a:cs typeface="Courier New" panose="02070309020205020404" pitchFamily="49" charset="0"/>
+              </a:rPr>
+              <a:t>, </a:t>
+            </a:r>
+            <a:r>
+              <a:rPr lang="it-IT" altLang="it-IT" sz="2000" i="1" dirty="0">
+                <a:solidFill>
+                  <a:srgbClr val="FD971F"/>
+                </a:solidFill>
+                <a:latin typeface="Lucida Console" panose="020B0609040504020204" pitchFamily="49" charset="0"/>
+                <a:cs typeface="Courier New" panose="02070309020205020404" pitchFamily="49" charset="0"/>
+              </a:rPr>
+              <a:t>data</a:t>
+            </a:r>
+            <a:r>
+              <a:rPr lang="it-IT" altLang="it-IT" sz="2000" dirty="0">
+                <a:solidFill>
+                  <a:srgbClr val="F8F8F2"/>
+                </a:solidFill>
+                <a:latin typeface="Lucida Console" panose="020B0609040504020204" pitchFamily="49" charset="0"/>
+                <a:cs typeface="Courier New" panose="02070309020205020404" pitchFamily="49" charset="0"/>
+              </a:rPr>
+              <a:t>)</a:t>
+            </a:r>
+            <a:r>
+              <a:rPr lang="it-IT" altLang="it-IT" sz="2000" dirty="0">
+                <a:solidFill>
+                  <a:srgbClr val="CC7832"/>
+                </a:solidFill>
+                <a:latin typeface="Lucida Console" panose="020B0609040504020204" pitchFamily="49" charset="0"/>
+                <a:cs typeface="Courier New" panose="02070309020205020404" pitchFamily="49" charset="0"/>
+              </a:rPr>
+              <a:t>;</a:t>
+            </a:r>
+            <a:br>
+              <a:rPr lang="it-IT" altLang="it-IT" sz="2000" dirty="0">
+                <a:solidFill>
+                  <a:srgbClr val="CC7832"/>
+                </a:solidFill>
+                <a:latin typeface="Lucida Console" panose="020B0609040504020204" pitchFamily="49" charset="0"/>
+                <a:cs typeface="Courier New" panose="02070309020205020404" pitchFamily="49" charset="0"/>
+              </a:rPr>
+            </a:br>
+            <a:r>
+              <a:rPr lang="it-IT" altLang="it-IT" sz="2000" dirty="0" smtClean="0">
+                <a:solidFill>
+                  <a:srgbClr val="F8F8F2"/>
+                </a:solidFill>
+                <a:latin typeface="Lucida Console" panose="020B0609040504020204" pitchFamily="49" charset="0"/>
+                <a:cs typeface="Courier New" panose="02070309020205020404" pitchFamily="49" charset="0"/>
+              </a:rPr>
+              <a:t>})</a:t>
+            </a:r>
+            <a:r>
+              <a:rPr lang="it-IT" altLang="it-IT" sz="2000" dirty="0" smtClean="0">
+                <a:solidFill>
+                  <a:srgbClr val="CC7832"/>
+                </a:solidFill>
+                <a:latin typeface="Lucida Console" panose="020B0609040504020204" pitchFamily="49" charset="0"/>
+                <a:cs typeface="Courier New" panose="02070309020205020404" pitchFamily="49" charset="0"/>
+              </a:rPr>
+              <a:t>;</a:t>
+            </a:r>
+            <a:endParaRPr lang="it-IT" altLang="it-IT" sz="3200" dirty="0">
+              <a:solidFill>
+                <a:schemeClr val="tx1"/>
+              </a:solidFill>
+              <a:latin typeface="Lucida Console" panose="020B0609040504020204" pitchFamily="49" charset="0"/>
+            </a:endParaRPr>
+          </a:p>
+        </p:txBody>
+      </p:sp>
+    </p:spTree>
+    <p:extLst>
+      <p:ext uri="{BB962C8B-B14F-4D97-AF65-F5344CB8AC3E}">
+        <p14:creationId xmlns:p14="http://schemas.microsoft.com/office/powerpoint/2010/main" val="1008840175"/>
+      </p:ext>
+    </p:extLst>
+  </p:cSld>
+  <p:clrMapOvr>
+    <a:masterClrMapping/>
+  </p:clrMapOvr>
+  <p:timing>
+    <p:tnLst>
+      <p:par>
+        <p:cTn id="1" dur="indefinite" restart="never" nodeType="tmRoot"/>
+      </p:par>
+    </p:tnLst>
+  </p:timing>
+</p:sld>
+</file>
+
+<file path=ppt/slides/slide28.xml><?xml version="1.0" encoding="utf-8"?>
 <p:sld xmlns:a="http://schemas.openxmlformats.org/drawingml/2006/main" xmlns:r="http://schemas.openxmlformats.org/officeDocument/2006/relationships" xmlns:p="http://schemas.openxmlformats.org/presentationml/2006/main">
   <p:cSld>
     <p:spTree>
@@ -15913,21 +18653,13 @@
             </a:r>
           </a:p>
           <a:p>
-            <a:pPr marL="0" marR="0" lvl="0" indent="0" algn="l" defTabSz="914400" rtl="0" eaLnBrk="0" fontAlgn="base" latinLnBrk="0" hangingPunct="0">
-              <a:lnSpc>
-                <a:spcPct val="100000"/>
-              </a:lnSpc>
+            <a:pPr marL="0" lvl="0" indent="0" defTabSz="914400">
               <a:spcBef>
                 <a:spcPct val="0"/>
               </a:spcBef>
-              <a:spcAft>
-                <a:spcPct val="0"/>
-              </a:spcAft>
               <a:buClrTx/>
               <a:buSzTx/>
-              <a:buFontTx/>
               <a:buNone/>
-              <a:tabLst/>
             </a:pPr>
             <a:r>
               <a:rPr kumimoji="0" lang="it-IT" altLang="it-IT" sz="1600" b="0" i="0" u="none" strike="noStrike" cap="none" normalizeH="0" baseline="0" dirty="0" smtClean="0">
@@ -16250,53 +18982,25 @@
               <a:t>= </a:t>
             </a:r>
             <a:r>
+              <a:rPr kumimoji="0" lang="it-IT" altLang="it-IT" sz="1600" b="0" i="1" u="none" strike="noStrike" cap="none" normalizeH="0" baseline="0" dirty="0" err="1" smtClean="0">
+                <a:ln>
+                  <a:noFill/>
+                </a:ln>
+                <a:solidFill>
+                  <a:srgbClr val="FD971F"/>
+                </a:solidFill>
+                <a:effectLst/>
+                <a:latin typeface="Lucida Console" panose="020B0609040504020204" pitchFamily="49" charset="0"/>
+                <a:cs typeface="Courier New" panose="02070309020205020404" pitchFamily="49" charset="0"/>
+              </a:rPr>
+              <a:t>data</a:t>
+            </a:r>
+            <a:r>
               <a:rPr kumimoji="0" lang="it-IT" altLang="it-IT" sz="1600" b="0" i="0" u="none" strike="noStrike" cap="none" normalizeH="0" baseline="0" dirty="0" err="1" smtClean="0">
                 <a:ln>
                   <a:noFill/>
                 </a:ln>
                 <a:solidFill>
-                  <a:srgbClr val="A6E22E"/>
-                </a:solidFill>
-                <a:effectLst/>
-                <a:latin typeface="Lucida Console" panose="020B0609040504020204" pitchFamily="49" charset="0"/>
-                <a:cs typeface="Courier New" panose="02070309020205020404" pitchFamily="49" charset="0"/>
-              </a:rPr>
-              <a:t>parseFloat</a:t>
-            </a:r>
-            <a:r>
-              <a:rPr kumimoji="0" lang="it-IT" altLang="it-IT" sz="1600" b="0" i="0" u="none" strike="noStrike" cap="none" normalizeH="0" baseline="0" dirty="0" smtClean="0">
-                <a:ln>
-                  <a:noFill/>
-                </a:ln>
-                <a:solidFill>
-                  <a:srgbClr val="F8F8F2"/>
-                </a:solidFill>
-                <a:effectLst/>
-                <a:latin typeface="Lucida Console" panose="020B0609040504020204" pitchFamily="49" charset="0"/>
-                <a:cs typeface="Courier New" panose="02070309020205020404" pitchFamily="49" charset="0"/>
-              </a:rPr>
-              <a:t>(</a:t>
-            </a:r>
-            <a:r>
-              <a:rPr kumimoji="0" lang="it-IT" altLang="it-IT" sz="1600" b="0" i="1" u="none" strike="noStrike" cap="none" normalizeH="0" baseline="0" dirty="0" err="1" smtClean="0">
-                <a:ln>
-                  <a:noFill/>
-                </a:ln>
-                <a:solidFill>
-                  <a:srgbClr val="FD971F"/>
-                </a:solidFill>
-                <a:effectLst/>
-                <a:latin typeface="Lucida Console" panose="020B0609040504020204" pitchFamily="49" charset="0"/>
-                <a:cs typeface="Courier New" panose="02070309020205020404" pitchFamily="49" charset="0"/>
-              </a:rPr>
-              <a:t>data</a:t>
-            </a:r>
-            <a:r>
-              <a:rPr kumimoji="0" lang="it-IT" altLang="it-IT" sz="1600" b="0" i="0" u="none" strike="noStrike" cap="none" normalizeH="0" baseline="0" dirty="0" err="1" smtClean="0">
-                <a:ln>
-                  <a:noFill/>
-                </a:ln>
-                <a:solidFill>
                   <a:srgbClr val="F8F8F2"/>
                 </a:solidFill>
                 <a:effectLst/>
@@ -16304,20 +19008,6 @@
                 <a:cs typeface="Courier New" panose="02070309020205020404" pitchFamily="49" charset="0"/>
               </a:rPr>
               <a:t>.ballX</a:t>
-            </a:r>
-            <a:r>
-              <a:rPr kumimoji="0" lang="it-IT" altLang="it-IT" sz="1600" b="0" i="0" u="none" strike="noStrike" cap="none" normalizeH="0" baseline="0" dirty="0" smtClean="0">
-                <a:ln>
-                  <a:noFill/>
-                </a:ln>
-                <a:solidFill>
-                  <a:srgbClr val="F8F8F2"/>
-                </a:solidFill>
-                <a:effectLst/>
-                <a:latin typeface="Lucida Console" panose="020B0609040504020204" pitchFamily="49" charset="0"/>
-                <a:cs typeface="Courier New" panose="02070309020205020404" pitchFamily="49" charset="0"/>
-              </a:rPr>
-              <a:t>)</a:t>
             </a:r>
             <a:r>
               <a:rPr kumimoji="0" lang="it-IT" altLang="it-IT" sz="1600" b="0" i="0" u="none" strike="noStrike" cap="none" normalizeH="0" baseline="0" dirty="0" smtClean="0">
@@ -16445,53 +19135,25 @@
               <a:t>= </a:t>
             </a:r>
             <a:r>
+              <a:rPr kumimoji="0" lang="it-IT" altLang="it-IT" sz="1600" b="0" i="1" u="none" strike="noStrike" cap="none" normalizeH="0" baseline="0" dirty="0" err="1" smtClean="0">
+                <a:ln>
+                  <a:noFill/>
+                </a:ln>
+                <a:solidFill>
+                  <a:srgbClr val="FD971F"/>
+                </a:solidFill>
+                <a:effectLst/>
+                <a:latin typeface="Lucida Console" panose="020B0609040504020204" pitchFamily="49" charset="0"/>
+                <a:cs typeface="Courier New" panose="02070309020205020404" pitchFamily="49" charset="0"/>
+              </a:rPr>
+              <a:t>data</a:t>
+            </a:r>
+            <a:r>
               <a:rPr kumimoji="0" lang="it-IT" altLang="it-IT" sz="1600" b="0" i="0" u="none" strike="noStrike" cap="none" normalizeH="0" baseline="0" dirty="0" err="1" smtClean="0">
                 <a:ln>
                   <a:noFill/>
                 </a:ln>
                 <a:solidFill>
-                  <a:srgbClr val="A6E22E"/>
-                </a:solidFill>
-                <a:effectLst/>
-                <a:latin typeface="Lucida Console" panose="020B0609040504020204" pitchFamily="49" charset="0"/>
-                <a:cs typeface="Courier New" panose="02070309020205020404" pitchFamily="49" charset="0"/>
-              </a:rPr>
-              <a:t>parseFloat</a:t>
-            </a:r>
-            <a:r>
-              <a:rPr kumimoji="0" lang="it-IT" altLang="it-IT" sz="1600" b="0" i="0" u="none" strike="noStrike" cap="none" normalizeH="0" baseline="0" dirty="0" smtClean="0">
-                <a:ln>
-                  <a:noFill/>
-                </a:ln>
-                <a:solidFill>
-                  <a:srgbClr val="F8F8F2"/>
-                </a:solidFill>
-                <a:effectLst/>
-                <a:latin typeface="Lucida Console" panose="020B0609040504020204" pitchFamily="49" charset="0"/>
-                <a:cs typeface="Courier New" panose="02070309020205020404" pitchFamily="49" charset="0"/>
-              </a:rPr>
-              <a:t>(</a:t>
-            </a:r>
-            <a:r>
-              <a:rPr kumimoji="0" lang="it-IT" altLang="it-IT" sz="1600" b="0" i="1" u="none" strike="noStrike" cap="none" normalizeH="0" baseline="0" dirty="0" err="1" smtClean="0">
-                <a:ln>
-                  <a:noFill/>
-                </a:ln>
-                <a:solidFill>
-                  <a:srgbClr val="FD971F"/>
-                </a:solidFill>
-                <a:effectLst/>
-                <a:latin typeface="Lucida Console" panose="020B0609040504020204" pitchFamily="49" charset="0"/>
-                <a:cs typeface="Courier New" panose="02070309020205020404" pitchFamily="49" charset="0"/>
-              </a:rPr>
-              <a:t>data</a:t>
-            </a:r>
-            <a:r>
-              <a:rPr kumimoji="0" lang="it-IT" altLang="it-IT" sz="1600" b="0" i="0" u="none" strike="noStrike" cap="none" normalizeH="0" baseline="0" dirty="0" err="1" smtClean="0">
-                <a:ln>
-                  <a:noFill/>
-                </a:ln>
-                <a:solidFill>
                   <a:srgbClr val="F8F8F2"/>
                 </a:solidFill>
                 <a:effectLst/>
@@ -16499,20 +19161,6 @@
                 <a:cs typeface="Courier New" panose="02070309020205020404" pitchFamily="49" charset="0"/>
               </a:rPr>
               <a:t>.ballY</a:t>
-            </a:r>
-            <a:r>
-              <a:rPr kumimoji="0" lang="it-IT" altLang="it-IT" sz="1600" b="0" i="0" u="none" strike="noStrike" cap="none" normalizeH="0" baseline="0" dirty="0" smtClean="0">
-                <a:ln>
-                  <a:noFill/>
-                </a:ln>
-                <a:solidFill>
-                  <a:srgbClr val="F8F8F2"/>
-                </a:solidFill>
-                <a:effectLst/>
-                <a:latin typeface="Lucida Console" panose="020B0609040504020204" pitchFamily="49" charset="0"/>
-                <a:cs typeface="Courier New" panose="02070309020205020404" pitchFamily="49" charset="0"/>
-              </a:rPr>
-              <a:t>)</a:t>
             </a:r>
             <a:r>
               <a:rPr kumimoji="0" lang="it-IT" altLang="it-IT" sz="1600" b="0" i="0" u="none" strike="noStrike" cap="none" normalizeH="0" baseline="0" dirty="0" smtClean="0">
@@ -16666,6 +19314,46 @@
               <a:t>(</a:t>
             </a:r>
             <a:r>
+              <a:rPr lang="it-IT" altLang="it-IT" sz="1600" dirty="0" err="1">
+                <a:solidFill>
+                  <a:srgbClr val="64A2A2"/>
+                </a:solidFill>
+                <a:latin typeface="Lucida Console" panose="020B0609040504020204" pitchFamily="49" charset="0"/>
+                <a:cs typeface="Courier New" panose="02070309020205020404" pitchFamily="49" charset="0"/>
+              </a:rPr>
+              <a:t>currentPlayer</a:t>
+            </a:r>
+            <a:r>
+              <a:rPr lang="it-IT" altLang="it-IT" sz="1600" dirty="0">
+                <a:solidFill>
+                  <a:srgbClr val="64A2A2"/>
+                </a:solidFill>
+                <a:latin typeface="Lucida Console" panose="020B0609040504020204" pitchFamily="49" charset="0"/>
+                <a:cs typeface="Courier New" panose="02070309020205020404" pitchFamily="49" charset="0"/>
+              </a:rPr>
+              <a:t> </a:t>
+            </a:r>
+            <a:r>
+              <a:rPr lang="it-IT" altLang="it-IT" sz="1600" dirty="0">
+                <a:solidFill>
+                  <a:srgbClr val="F92672"/>
+                </a:solidFill>
+                <a:latin typeface="Lucida Console" panose="020B0609040504020204" pitchFamily="49" charset="0"/>
+                <a:cs typeface="Courier New" panose="02070309020205020404" pitchFamily="49" charset="0"/>
+              </a:rPr>
+              <a:t>!=</a:t>
+            </a:r>
+            <a:r>
+              <a:rPr lang="it-IT" altLang="it-IT" sz="1600" dirty="0" smtClean="0">
+                <a:solidFill>
+                  <a:srgbClr val="64A2A2"/>
+                </a:solidFill>
+                <a:latin typeface="Lucida Console" panose="020B0609040504020204" pitchFamily="49" charset="0"/>
+                <a:cs typeface="Courier New" panose="02070309020205020404" pitchFamily="49" charset="0"/>
+              </a:rPr>
+              <a:t> </a:t>
+            </a:r>
+            <a:r>
               <a:rPr kumimoji="0" lang="it-IT" altLang="it-IT" sz="1600" b="0" i="1" u="none" strike="noStrike" cap="none" normalizeH="0" baseline="0" dirty="0" err="1" smtClean="0">
                 <a:ln>
                   <a:noFill/>
@@ -16692,48 +19380,6 @@
                 <a:cs typeface="Courier New" panose="02070309020205020404" pitchFamily="49" charset="0"/>
               </a:rPr>
               <a:t>.player</a:t>
-            </a:r>
-            <a:r>
-              <a:rPr kumimoji="0" lang="it-IT" altLang="it-IT" sz="1600" b="0" i="0" u="none" strike="noStrike" cap="none" normalizeH="0" baseline="0" dirty="0" smtClean="0">
-                <a:ln>
-                  <a:noFill/>
-                </a:ln>
-                <a:solidFill>
-                  <a:srgbClr val="F8F8F2"/>
-                </a:solidFill>
-                <a:effectLst/>
-                <a:latin typeface="Lucida Console" panose="020B0609040504020204" pitchFamily="49" charset="0"/>
-                <a:cs typeface="Courier New" panose="02070309020205020404" pitchFamily="49" charset="0"/>
-              </a:rPr>
-              <a:t> </a:t>
-            </a:r>
-            <a:r>
-              <a:rPr kumimoji="0" lang="it-IT" altLang="it-IT" sz="1600" b="0" i="0" u="none" strike="noStrike" cap="none" normalizeH="0" baseline="0" dirty="0" smtClean="0">
-                <a:ln>
-                  <a:noFill/>
-                </a:ln>
-                <a:solidFill>
-                  <a:srgbClr val="F92672"/>
-                </a:solidFill>
-                <a:effectLst/>
-                <a:latin typeface="Lucida Console" panose="020B0609040504020204" pitchFamily="49" charset="0"/>
-                <a:cs typeface="Courier New" panose="02070309020205020404" pitchFamily="49" charset="0"/>
-              </a:rPr>
-              <a:t>!= </a:t>
-            </a:r>
-            <a:r>
-              <a:rPr kumimoji="0" lang="it-IT" altLang="it-IT" sz="1600" b="0" i="0" u="none" strike="noStrike" cap="none" normalizeH="0" baseline="0" dirty="0" err="1" smtClean="0">
-                <a:ln>
-                  <a:noFill/>
-                </a:ln>
-                <a:solidFill>
-                  <a:srgbClr val="64A2A2"/>
-                </a:solidFill>
-                <a:effectLst/>
-                <a:latin typeface="Lucida Console" panose="020B0609040504020204" pitchFamily="49" charset="0"/>
-                <a:cs typeface="Courier New" panose="02070309020205020404" pitchFamily="49" charset="0"/>
-              </a:rPr>
-              <a:t>currentPlayer</a:t>
             </a:r>
             <a:r>
               <a:rPr kumimoji="0" lang="it-IT" altLang="it-IT" sz="1600" b="0" i="0" u="none" strike="noStrike" cap="none" normalizeH="0" baseline="0" dirty="0" smtClean="0">
@@ -18247,7 +20893,7 @@
 </p:sld>
 </file>
 
-<file path=ppt/slides/slide27.xml><?xml version="1.0" encoding="utf-8"?>
+<file path=ppt/slides/slide29.xml><?xml version="1.0" encoding="utf-8"?>
 <p:sld xmlns:a="http://schemas.openxmlformats.org/drawingml/2006/main" xmlns:r="http://schemas.openxmlformats.org/officeDocument/2006/relationships" xmlns:p="http://schemas.openxmlformats.org/presentationml/2006/main">
   <p:cSld>
     <p:spTree>
@@ -18303,138 +20949,147 @@
           <a:lstStyle/>
           <a:p>
             <a:r>
-              <a:rPr lang="it-IT" dirty="0" smtClean="0">
+              <a:rPr lang="it-IT" sz="2400" dirty="0" smtClean="0">
                 <a:hlinkClick r:id="rId2"/>
               </a:rPr>
               <a:t>http://socket.io/</a:t>
             </a:r>
-            <a:endParaRPr lang="it-IT" dirty="0" smtClean="0"/>
+            <a:endParaRPr lang="it-IT" sz="2400" dirty="0" smtClean="0"/>
           </a:p>
           <a:p>
             <a:r>
-              <a:rPr lang="it-IT" dirty="0" smtClean="0">
+              <a:rPr lang="it-IT" sz="2400" dirty="0" smtClean="0">
                 <a:hlinkClick r:id="rId3"/>
               </a:rPr>
               <a:t>http://phaser.io/</a:t>
             </a:r>
-            <a:endParaRPr lang="it-IT" dirty="0" smtClean="0">
+            <a:endParaRPr lang="it-IT" sz="2400" dirty="0" smtClean="0">
               <a:hlinkClick r:id="rId4"/>
             </a:endParaRPr>
           </a:p>
           <a:p>
             <a:r>
-              <a:rPr lang="it-IT" dirty="0" smtClean="0">
+              <a:rPr lang="it-IT" sz="2400" dirty="0" smtClean="0">
                 <a:hlinkClick r:id="rId4"/>
               </a:rPr>
               <a:t>http://pong4.eu-gb.mybluemix.net/</a:t>
             </a:r>
-            <a:endParaRPr lang="it-IT" dirty="0" smtClean="0">
+            <a:endParaRPr lang="it-IT" sz="2400" dirty="0" smtClean="0">
               <a:hlinkClick r:id="rId5"/>
             </a:endParaRPr>
           </a:p>
           <a:p>
             <a:r>
-              <a:rPr lang="it-IT" dirty="0" smtClean="0">
+              <a:rPr lang="it-IT" sz="2400" dirty="0" smtClean="0">
                 <a:hlinkClick r:id="rId6"/>
               </a:rPr>
               <a:t>https</a:t>
             </a:r>
             <a:r>
-              <a:rPr lang="it-IT" dirty="0">
+              <a:rPr lang="it-IT" sz="2400" dirty="0">
                 <a:hlinkClick r:id="rId6"/>
               </a:rPr>
               <a:t>://</a:t>
             </a:r>
             <a:r>
-              <a:rPr lang="it-IT" dirty="0" smtClean="0">
+              <a:rPr lang="it-IT" sz="2400" dirty="0" smtClean="0">
                 <a:hlinkClick r:id="rId6"/>
               </a:rPr>
               <a:t>github.com/Lotti/codemotion2015/</a:t>
             </a:r>
-            <a:endParaRPr lang="it-IT" dirty="0">
+            <a:endParaRPr lang="it-IT" sz="2400" dirty="0" smtClean="0"/>
+          </a:p>
+          <a:p>
+            <a:r>
+              <a:rPr lang="it-IT" sz="2400" dirty="0">
+                <a:hlinkClick r:id="rId7"/>
+              </a:rPr>
+              <a:t>https://console.ng.bluemix.net/</a:t>
+            </a:r>
+            <a:endParaRPr lang="it-IT" sz="2400" dirty="0">
               <a:hlinkClick r:id="rId5"/>
             </a:endParaRPr>
           </a:p>
           <a:p>
             <a:r>
-              <a:rPr lang="it-IT" dirty="0" smtClean="0">
+              <a:rPr lang="it-IT" sz="2400" dirty="0" smtClean="0">
                 <a:hlinkClick r:id="rId5"/>
               </a:rPr>
               <a:t>https</a:t>
             </a:r>
             <a:r>
-              <a:rPr lang="it-IT" dirty="0">
+              <a:rPr lang="it-IT" sz="2400" dirty="0">
                 <a:hlinkClick r:id="rId5"/>
               </a:rPr>
               <a:t>://developers.google.com/games/services/</a:t>
             </a:r>
-            <a:endParaRPr lang="it-IT" dirty="0"/>
+            <a:endParaRPr lang="it-IT" sz="2400" dirty="0"/>
           </a:p>
           <a:p>
             <a:r>
-              <a:rPr lang="it-IT" dirty="0" smtClean="0">
-                <a:hlinkClick r:id="rId7"/>
+              <a:rPr lang="it-IT" sz="2400" dirty="0" smtClean="0">
+                <a:hlinkClick r:id="rId8"/>
               </a:rPr>
               <a:t>https</a:t>
             </a:r>
             <a:r>
-              <a:rPr lang="it-IT" dirty="0">
-                <a:hlinkClick r:id="rId7"/>
+              <a:rPr lang="it-IT" sz="2400" dirty="0">
+                <a:hlinkClick r:id="rId8"/>
               </a:rPr>
               <a:t>://</a:t>
             </a:r>
             <a:r>
-              <a:rPr lang="it-IT" dirty="0" smtClean="0">
-                <a:hlinkClick r:id="rId7"/>
+              <a:rPr lang="it-IT" sz="2400" dirty="0" smtClean="0">
+                <a:hlinkClick r:id="rId8"/>
               </a:rPr>
               <a:t>www.exitgames.com/en/Realtime</a:t>
             </a:r>
-            <a:endParaRPr lang="it-IT" dirty="0" smtClean="0"/>
+            <a:endParaRPr lang="it-IT" sz="2400" dirty="0" smtClean="0"/>
           </a:p>
           <a:p>
             <a:r>
-              <a:rPr lang="it-IT" dirty="0">
-                <a:hlinkClick r:id="rId8"/>
+              <a:rPr lang="it-IT" sz="2400" dirty="0">
+                <a:hlinkClick r:id="rId9"/>
               </a:rPr>
               <a:t>http://www.smartfoxserver.com</a:t>
             </a:r>
             <a:r>
-              <a:rPr lang="it-IT" dirty="0" smtClean="0">
-                <a:hlinkClick r:id="rId8"/>
+              <a:rPr lang="it-IT" sz="2400" dirty="0" smtClean="0">
+                <a:hlinkClick r:id="rId9"/>
               </a:rPr>
               <a:t>/</a:t>
             </a:r>
-            <a:endParaRPr lang="it-IT" dirty="0" smtClean="0"/>
+            <a:endParaRPr lang="it-IT" sz="2400" dirty="0" smtClean="0"/>
           </a:p>
           <a:p>
             <a:r>
-              <a:rPr lang="it-IT" dirty="0">
-                <a:hlinkClick r:id="rId9"/>
+              <a:rPr lang="it-IT" sz="2400" dirty="0">
+                <a:hlinkClick r:id="rId10"/>
               </a:rPr>
               <a:t>https://developer.apple.com/game-center</a:t>
             </a:r>
             <a:r>
-              <a:rPr lang="it-IT" dirty="0" smtClean="0">
-                <a:hlinkClick r:id="rId9"/>
+              <a:rPr lang="it-IT" sz="2400" dirty="0" smtClean="0">
+                <a:hlinkClick r:id="rId10"/>
               </a:rPr>
               <a:t>/</a:t>
             </a:r>
-            <a:endParaRPr lang="it-IT" dirty="0" smtClean="0"/>
+            <a:endParaRPr lang="it-IT" sz="2400" dirty="0" smtClean="0"/>
           </a:p>
           <a:p>
             <a:r>
-              <a:rPr lang="it-IT" dirty="0">
-                <a:hlinkClick r:id="rId10"/>
+              <a:rPr lang="it-IT" sz="2400" dirty="0">
+                <a:hlinkClick r:id="rId11"/>
               </a:rPr>
               <a:t>http://appwarp.shephertz.com</a:t>
             </a:r>
             <a:r>
-              <a:rPr lang="it-IT" dirty="0" smtClean="0">
-                <a:hlinkClick r:id="rId10"/>
+              <a:rPr lang="it-IT" sz="2400" dirty="0" smtClean="0">
+                <a:hlinkClick r:id="rId11"/>
               </a:rPr>
               <a:t>/</a:t>
             </a:r>
-            <a:endParaRPr lang="it-IT" dirty="0" smtClean="0"/>
+            <a:endParaRPr lang="it-IT" sz="2400" dirty="0" smtClean="0"/>
           </a:p>
           <a:p>
             <a:endParaRPr lang="it-IT" dirty="0" smtClean="0"/>
@@ -18454,10 +21109,227 @@
   <p:clrMapOvr>
     <a:masterClrMapping/>
   </p:clrMapOvr>
+  <p:timing>
+    <p:tnLst>
+      <p:par>
+        <p:cTn id="1" dur="indefinite" restart="never" nodeType="tmRoot"/>
+      </p:par>
+    </p:tnLst>
+  </p:timing>
 </p:sld>
 </file>
 
-<file path=ppt/slides/slide28.xml><?xml version="1.0" encoding="utf-8"?>
+<file path=ppt/slides/slide3.xml><?xml version="1.0" encoding="utf-8"?>
+<p:sld xmlns:a="http://schemas.openxmlformats.org/drawingml/2006/main" xmlns:r="http://schemas.openxmlformats.org/officeDocument/2006/relationships" xmlns:p="http://schemas.openxmlformats.org/presentationml/2006/main">
+  <p:cSld>
+    <p:spTree>
+      <p:nvGrpSpPr>
+        <p:cNvPr id="1" name=""/>
+        <p:cNvGrpSpPr/>
+        <p:nvPr/>
+      </p:nvGrpSpPr>
+      <p:grpSpPr>
+        <a:xfrm>
+          <a:off x="0" y="0"/>
+          <a:ext cx="0" cy="0"/>
+          <a:chOff x="0" y="0"/>
+          <a:chExt cx="0" cy="0"/>
+        </a:xfrm>
+      </p:grpSpPr>
+      <p:sp>
+        <p:nvSpPr>
+          <p:cNvPr id="5122" name="Titolo 1"/>
+          <p:cNvSpPr>
+            <a:spLocks noGrp="1"/>
+          </p:cNvSpPr>
+          <p:nvPr>
+            <p:ph type="title"/>
+          </p:nvPr>
+        </p:nvSpPr>
+        <p:spPr bwMode="auto">
+          <a:xfrm>
+            <a:off x="628650" y="620713"/>
+            <a:ext cx="7886700" cy="792162"/>
+          </a:xfrm>
+          <a:noFill/>
+          <a:extLst>
+            <a:ext uri="{909E8E84-426E-40DD-AFC4-6F175D3DCCD1}">
+              <a14:hiddenFill xmlns:a14="http://schemas.microsoft.com/office/drawing/2010/main">
+                <a:solidFill>
+                  <a:srgbClr val="FFFFFF"/>
+                </a:solidFill>
+              </a14:hiddenFill>
+            </a:ext>
+            <a:ext uri="{91240B29-F687-4F45-9708-019B960494DF}">
+              <a14:hiddenLine xmlns:a14="http://schemas.microsoft.com/office/drawing/2010/main" w="9525">
+                <a:solidFill>
+                  <a:srgbClr val="000000"/>
+                </a:solidFill>
+                <a:miter lim="800000"/>
+                <a:headEnd/>
+                <a:tailEnd/>
+              </a14:hiddenLine>
+            </a:ext>
+          </a:extLst>
+        </p:spPr>
+        <p:txBody>
+          <a:bodyPr vert="horz" wrap="square" lIns="91440" tIns="45720" rIns="91440" bIns="45720" numCol="1" anchor="t" anchorCtr="0" compatLnSpc="1">
+            <a:prstTxWarp prst="textNoShape">
+              <a:avLst/>
+            </a:prstTxWarp>
+          </a:bodyPr>
+          <a:lstStyle/>
+          <a:p>
+            <a:r>
+              <a:rPr lang="en-US" altLang="it-IT" smtClean="0"/>
+              <a:t>Intro</a:t>
+            </a:r>
+            <a:endParaRPr lang="it-IT" altLang="it-IT" smtClean="0"/>
+          </a:p>
+        </p:txBody>
+      </p:sp>
+      <p:sp>
+        <p:nvSpPr>
+          <p:cNvPr id="5123" name="Segnaposto contenuto 2"/>
+          <p:cNvSpPr>
+            <a:spLocks noGrp="1"/>
+          </p:cNvSpPr>
+          <p:nvPr>
+            <p:ph sz="quarter" idx="10"/>
+          </p:nvPr>
+        </p:nvSpPr>
+        <p:spPr bwMode="auto">
+          <a:xfrm>
+            <a:off x="628650" y="1603375"/>
+            <a:ext cx="7886700" cy="4562475"/>
+          </a:xfrm>
+          <a:noFill/>
+          <a:extLst>
+            <a:ext uri="{909E8E84-426E-40DD-AFC4-6F175D3DCCD1}">
+              <a14:hiddenFill xmlns:a14="http://schemas.microsoft.com/office/drawing/2010/main">
+                <a:solidFill>
+                  <a:srgbClr val="FFFFFF"/>
+                </a:solidFill>
+              </a14:hiddenFill>
+            </a:ext>
+            <a:ext uri="{91240B29-F687-4F45-9708-019B960494DF}">
+              <a14:hiddenLine xmlns:a14="http://schemas.microsoft.com/office/drawing/2010/main" w="9525">
+                <a:solidFill>
+                  <a:srgbClr val="000000"/>
+                </a:solidFill>
+                <a:miter lim="800000"/>
+                <a:headEnd/>
+                <a:tailEnd/>
+              </a14:hiddenLine>
+            </a:ext>
+          </a:extLst>
+        </p:spPr>
+        <p:txBody>
+          <a:bodyPr vert="horz" wrap="square" lIns="91440" tIns="45720" rIns="91440" bIns="45720" numCol="1" anchor="t" anchorCtr="0" compatLnSpc="1">
+            <a:prstTxWarp prst="textNoShape">
+              <a:avLst/>
+            </a:prstTxWarp>
+          </a:bodyPr>
+          <a:lstStyle/>
+          <a:p>
+            <a:r>
+              <a:rPr lang="en-US" altLang="it-IT" dirty="0" smtClean="0"/>
+              <a:t>Multiplayer architectures &amp; technologies</a:t>
+            </a:r>
+          </a:p>
+          <a:p>
+            <a:r>
+              <a:rPr lang="en-US" altLang="it-IT" dirty="0"/>
+              <a:t>Multiplayer services</a:t>
+            </a:r>
+          </a:p>
+          <a:p>
+            <a:r>
+              <a:rPr lang="en-US" altLang="it-IT" dirty="0" smtClean="0"/>
+              <a:t>Implementation of a simple multiplayer game</a:t>
+            </a:r>
+          </a:p>
+          <a:p>
+            <a:endParaRPr lang="en-US" altLang="it-IT" dirty="0"/>
+          </a:p>
+          <a:p>
+            <a:pPr marL="0" indent="0">
+              <a:buNone/>
+            </a:pPr>
+            <a:endParaRPr lang="en-US" altLang="it-IT" dirty="0" smtClean="0"/>
+          </a:p>
+        </p:txBody>
+      </p:sp>
+      <p:pic>
+        <p:nvPicPr>
+          <p:cNvPr id="5124" name="Immagine 3"/>
+          <p:cNvPicPr>
+            <a:picLocks noChangeAspect="1"/>
+          </p:cNvPicPr>
+          <p:nvPr/>
+        </p:nvPicPr>
+        <p:blipFill>
+          <a:blip r:embed="rId2">
+            <a:extLst>
+              <a:ext uri="{28A0092B-C50C-407E-A947-70E740481C1C}">
+                <a14:useLocalDpi xmlns:a14="http://schemas.microsoft.com/office/drawing/2010/main" val="0"/>
+              </a:ext>
+            </a:extLst>
+          </a:blip>
+          <a:srcRect/>
+          <a:stretch>
+            <a:fillRect/>
+          </a:stretch>
+        </p:blipFill>
+        <p:spPr bwMode="auto">
+          <a:xfrm>
+            <a:off x="1835150" y="3775075"/>
+            <a:ext cx="5260975" cy="2894013"/>
+          </a:xfrm>
+          <a:prstGeom prst="rect">
+            <a:avLst/>
+          </a:prstGeom>
+          <a:noFill/>
+          <a:ln>
+            <a:noFill/>
+          </a:ln>
+          <a:extLst>
+            <a:ext uri="{909E8E84-426E-40DD-AFC4-6F175D3DCCD1}">
+              <a14:hiddenFill xmlns:a14="http://schemas.microsoft.com/office/drawing/2010/main">
+                <a:solidFill>
+                  <a:srgbClr val="FFFFFF"/>
+                </a:solidFill>
+              </a14:hiddenFill>
+            </a:ext>
+            <a:ext uri="{91240B29-F687-4F45-9708-019B960494DF}">
+              <a14:hiddenLine xmlns:a14="http://schemas.microsoft.com/office/drawing/2010/main" w="9525">
+                <a:solidFill>
+                  <a:srgbClr val="000000"/>
+                </a:solidFill>
+                <a:miter lim="800000"/>
+                <a:headEnd/>
+                <a:tailEnd/>
+              </a14:hiddenLine>
+            </a:ext>
+          </a:extLst>
+        </p:spPr>
+      </p:pic>
+    </p:spTree>
+  </p:cSld>
+  <p:clrMapOvr>
+    <a:masterClrMapping/>
+  </p:clrMapOvr>
+  <p:timing>
+    <p:tnLst>
+      <p:par>
+        <p:cTn id="1" dur="indefinite" restart="never" nodeType="tmRoot"/>
+      </p:par>
+    </p:tnLst>
+  </p:timing>
+</p:sld>
+</file>
+
+<file path=ppt/slides/slide30.xml><?xml version="1.0" encoding="utf-8"?>
 <p:sld xmlns:a="http://schemas.openxmlformats.org/drawingml/2006/main" xmlns:r="http://schemas.openxmlformats.org/officeDocument/2006/relationships" xmlns:p="http://schemas.openxmlformats.org/presentationml/2006/main">
   <p:cSld>
     <p:spTree>
@@ -18990,213 +21862,6 @@
   <p:clrMapOvr>
     <a:masterClrMapping/>
   </p:clrMapOvr>
-</p:sld>
-</file>
-
-<file path=ppt/slides/slide3.xml><?xml version="1.0" encoding="utf-8"?>
-<p:sld xmlns:a="http://schemas.openxmlformats.org/drawingml/2006/main" xmlns:r="http://schemas.openxmlformats.org/officeDocument/2006/relationships" xmlns:p="http://schemas.openxmlformats.org/presentationml/2006/main">
-  <p:cSld>
-    <p:spTree>
-      <p:nvGrpSpPr>
-        <p:cNvPr id="1" name=""/>
-        <p:cNvGrpSpPr/>
-        <p:nvPr/>
-      </p:nvGrpSpPr>
-      <p:grpSpPr>
-        <a:xfrm>
-          <a:off x="0" y="0"/>
-          <a:ext cx="0" cy="0"/>
-          <a:chOff x="0" y="0"/>
-          <a:chExt cx="0" cy="0"/>
-        </a:xfrm>
-      </p:grpSpPr>
-      <p:sp>
-        <p:nvSpPr>
-          <p:cNvPr id="5122" name="Titolo 1"/>
-          <p:cNvSpPr>
-            <a:spLocks noGrp="1"/>
-          </p:cNvSpPr>
-          <p:nvPr>
-            <p:ph type="title"/>
-          </p:nvPr>
-        </p:nvSpPr>
-        <p:spPr bwMode="auto">
-          <a:xfrm>
-            <a:off x="628650" y="620713"/>
-            <a:ext cx="7886700" cy="792162"/>
-          </a:xfrm>
-          <a:noFill/>
-          <a:extLst>
-            <a:ext uri="{909E8E84-426E-40DD-AFC4-6F175D3DCCD1}">
-              <a14:hiddenFill xmlns:a14="http://schemas.microsoft.com/office/drawing/2010/main">
-                <a:solidFill>
-                  <a:srgbClr val="FFFFFF"/>
-                </a:solidFill>
-              </a14:hiddenFill>
-            </a:ext>
-            <a:ext uri="{91240B29-F687-4F45-9708-019B960494DF}">
-              <a14:hiddenLine xmlns:a14="http://schemas.microsoft.com/office/drawing/2010/main" w="9525">
-                <a:solidFill>
-                  <a:srgbClr val="000000"/>
-                </a:solidFill>
-                <a:miter lim="800000"/>
-                <a:headEnd/>
-                <a:tailEnd/>
-              </a14:hiddenLine>
-            </a:ext>
-          </a:extLst>
-        </p:spPr>
-        <p:txBody>
-          <a:bodyPr vert="horz" wrap="square" lIns="91440" tIns="45720" rIns="91440" bIns="45720" numCol="1" anchor="t" anchorCtr="0" compatLnSpc="1">
-            <a:prstTxWarp prst="textNoShape">
-              <a:avLst/>
-            </a:prstTxWarp>
-          </a:bodyPr>
-          <a:lstStyle/>
-          <a:p>
-            <a:r>
-              <a:rPr lang="en-US" altLang="it-IT" smtClean="0"/>
-              <a:t>Intro</a:t>
-            </a:r>
-            <a:endParaRPr lang="it-IT" altLang="it-IT" smtClean="0"/>
-          </a:p>
-        </p:txBody>
-      </p:sp>
-      <p:sp>
-        <p:nvSpPr>
-          <p:cNvPr id="5123" name="Segnaposto contenuto 2"/>
-          <p:cNvSpPr>
-            <a:spLocks noGrp="1"/>
-          </p:cNvSpPr>
-          <p:nvPr>
-            <p:ph sz="quarter" idx="10"/>
-          </p:nvPr>
-        </p:nvSpPr>
-        <p:spPr bwMode="auto">
-          <a:xfrm>
-            <a:off x="628650" y="1603375"/>
-            <a:ext cx="7886700" cy="4562475"/>
-          </a:xfrm>
-          <a:noFill/>
-          <a:extLst>
-            <a:ext uri="{909E8E84-426E-40DD-AFC4-6F175D3DCCD1}">
-              <a14:hiddenFill xmlns:a14="http://schemas.microsoft.com/office/drawing/2010/main">
-                <a:solidFill>
-                  <a:srgbClr val="FFFFFF"/>
-                </a:solidFill>
-              </a14:hiddenFill>
-            </a:ext>
-            <a:ext uri="{91240B29-F687-4F45-9708-019B960494DF}">
-              <a14:hiddenLine xmlns:a14="http://schemas.microsoft.com/office/drawing/2010/main" w="9525">
-                <a:solidFill>
-                  <a:srgbClr val="000000"/>
-                </a:solidFill>
-                <a:miter lim="800000"/>
-                <a:headEnd/>
-                <a:tailEnd/>
-              </a14:hiddenLine>
-            </a:ext>
-          </a:extLst>
-        </p:spPr>
-        <p:txBody>
-          <a:bodyPr vert="horz" wrap="square" lIns="91440" tIns="45720" rIns="91440" bIns="45720" numCol="1" anchor="t" anchorCtr="0" compatLnSpc="1">
-            <a:prstTxWarp prst="textNoShape">
-              <a:avLst/>
-            </a:prstTxWarp>
-          </a:bodyPr>
-          <a:lstStyle/>
-          <a:p>
-            <a:r>
-              <a:rPr lang="en-US" altLang="it-IT" dirty="0" smtClean="0"/>
-              <a:t>Multiplayer architectures &amp; technologies</a:t>
-            </a:r>
-          </a:p>
-          <a:p>
-            <a:r>
-              <a:rPr lang="en-US" altLang="it-IT" dirty="0"/>
-              <a:t>Multiplayer services</a:t>
-            </a:r>
-          </a:p>
-          <a:p>
-            <a:r>
-              <a:rPr lang="en-US" altLang="it-IT" dirty="0" smtClean="0"/>
-              <a:t>Implementation </a:t>
-            </a:r>
-            <a:r>
-              <a:rPr lang="en-US" altLang="it-IT" dirty="0" smtClean="0"/>
-              <a:t>of a simple multiplayer game</a:t>
-            </a:r>
-          </a:p>
-          <a:p>
-            <a:endParaRPr lang="en-US" altLang="it-IT" dirty="0"/>
-          </a:p>
-          <a:p>
-            <a:pPr marL="0" indent="0">
-              <a:buNone/>
-            </a:pPr>
-            <a:endParaRPr lang="en-US" altLang="it-IT" dirty="0" smtClean="0"/>
-          </a:p>
-        </p:txBody>
-      </p:sp>
-      <p:pic>
-        <p:nvPicPr>
-          <p:cNvPr id="5124" name="Immagine 3"/>
-          <p:cNvPicPr>
-            <a:picLocks noChangeAspect="1"/>
-          </p:cNvPicPr>
-          <p:nvPr/>
-        </p:nvPicPr>
-        <p:blipFill>
-          <a:blip r:embed="rId2">
-            <a:extLst>
-              <a:ext uri="{28A0092B-C50C-407E-A947-70E740481C1C}">
-                <a14:useLocalDpi xmlns:a14="http://schemas.microsoft.com/office/drawing/2010/main" val="0"/>
-              </a:ext>
-            </a:extLst>
-          </a:blip>
-          <a:srcRect/>
-          <a:stretch>
-            <a:fillRect/>
-          </a:stretch>
-        </p:blipFill>
-        <p:spPr bwMode="auto">
-          <a:xfrm>
-            <a:off x="1835150" y="3775075"/>
-            <a:ext cx="5260975" cy="2894013"/>
-          </a:xfrm>
-          <a:prstGeom prst="rect">
-            <a:avLst/>
-          </a:prstGeom>
-          <a:noFill/>
-          <a:ln>
-            <a:noFill/>
-          </a:ln>
-          <a:extLst>
-            <a:ext uri="{909E8E84-426E-40DD-AFC4-6F175D3DCCD1}">
-              <a14:hiddenFill xmlns:a14="http://schemas.microsoft.com/office/drawing/2010/main">
-                <a:solidFill>
-                  <a:srgbClr val="FFFFFF"/>
-                </a:solidFill>
-              </a14:hiddenFill>
-            </a:ext>
-            <a:ext uri="{91240B29-F687-4F45-9708-019B960494DF}">
-              <a14:hiddenLine xmlns:a14="http://schemas.microsoft.com/office/drawing/2010/main" w="9525">
-                <a:solidFill>
-                  <a:srgbClr val="000000"/>
-                </a:solidFill>
-                <a:miter lim="800000"/>
-                <a:headEnd/>
-                <a:tailEnd/>
-              </a14:hiddenLine>
-            </a:ext>
-          </a:extLst>
-        </p:spPr>
-      </p:pic>
-    </p:spTree>
-  </p:cSld>
-  <p:clrMapOvr>
-    <a:masterClrMapping/>
-  </p:clrMapOvr>
   <p:timing>
     <p:tnLst>
       <p:par>
@@ -19208,7 +21873,7 @@
 </file>
 
 <file path=ppt/slides/slide4.xml><?xml version="1.0" encoding="utf-8"?>
-<p:sld xmlns:a="http://schemas.openxmlformats.org/drawingml/2006/main" xmlns:r="http://schemas.openxmlformats.org/officeDocument/2006/relationships" xmlns:p="http://schemas.openxmlformats.org/presentationml/2006/main">
+<p:sld xmlns:a="http://schemas.openxmlformats.org/drawingml/2006/main" xmlns:r="http://schemas.openxmlformats.org/officeDocument/2006/relationships" xmlns:p="http://schemas.openxmlformats.org/presentationml/2006/main" show="0">
   <p:cSld>
     <p:spTree>
       <p:nvGrpSpPr>
@@ -19374,7 +22039,7 @@
 </file>
 
 <file path=ppt/slides/slide5.xml><?xml version="1.0" encoding="utf-8"?>
-<p:sld xmlns:a="http://schemas.openxmlformats.org/drawingml/2006/main" xmlns:r="http://schemas.openxmlformats.org/officeDocument/2006/relationships" xmlns:p="http://schemas.openxmlformats.org/presentationml/2006/main">
+<p:sld xmlns:a="http://schemas.openxmlformats.org/drawingml/2006/main" xmlns:r="http://schemas.openxmlformats.org/officeDocument/2006/relationships" xmlns:p="http://schemas.openxmlformats.org/presentationml/2006/main" show="0">
   <p:cSld>
     <p:spTree>
       <p:nvGrpSpPr>
@@ -19430,8 +22095,20 @@
           <a:p>
             <a:r>
               <a:rPr lang="en-US" dirty="0"/>
-              <a:t>First multiplayer game</a:t>
-            </a:r>
+              <a:t>First multiplayer </a:t>
+            </a:r>
+            <a:r>
+              <a:rPr lang="en-US" dirty="0" smtClean="0"/>
+              <a:t>game</a:t>
+            </a:r>
+          </a:p>
+          <a:p>
+            <a:pPr lvl="1"/>
+            <a:r>
+              <a:rPr lang="en-US" dirty="0" smtClean="0"/>
+              <a:t>1971!</a:t>
+            </a:r>
+            <a:endParaRPr lang="en-US" dirty="0"/>
           </a:p>
           <a:p>
             <a:endParaRPr lang="it-IT" dirty="0"/>
@@ -19460,7 +22137,7 @@
         </p:blipFill>
         <p:spPr>
           <a:xfrm>
-            <a:off x="1907704" y="2492896"/>
+            <a:off x="1907704" y="2769269"/>
             <a:ext cx="5660058" cy="3396035"/>
           </a:xfrm>
           <a:prstGeom prst="rect">
@@ -19611,7 +22288,7 @@
 </file>
 
 <file path=ppt/slides/slide6.xml><?xml version="1.0" encoding="utf-8"?>
-<p:sld xmlns:a="http://schemas.openxmlformats.org/drawingml/2006/main" xmlns:r="http://schemas.openxmlformats.org/officeDocument/2006/relationships" xmlns:p="http://schemas.openxmlformats.org/presentationml/2006/main">
+<p:sld xmlns:a="http://schemas.openxmlformats.org/drawingml/2006/main" xmlns:r="http://schemas.openxmlformats.org/officeDocument/2006/relationships" xmlns:p="http://schemas.openxmlformats.org/presentationml/2006/main" show="0">
   <p:cSld>
     <p:spTree>
       <p:nvGrpSpPr>
@@ -19667,8 +22344,27 @@
           <a:p>
             <a:r>
               <a:rPr lang="en-US" dirty="0"/>
-              <a:t>Biggest (in terms of players) multiplayer game</a:t>
-            </a:r>
+              <a:t>Biggest (in terms of players) multiplayer </a:t>
+            </a:r>
+            <a:r>
+              <a:rPr lang="en-US" dirty="0" smtClean="0"/>
+              <a:t>game</a:t>
+            </a:r>
+          </a:p>
+          <a:p>
+            <a:pPr lvl="1"/>
+            <a:r>
+              <a:rPr lang="en-US" dirty="0" smtClean="0"/>
+              <a:t>About 7.5 </a:t>
+            </a:r>
+            <a:r>
+              <a:rPr lang="en-US" dirty="0"/>
+              <a:t>million concurrent players!</a:t>
+            </a:r>
+          </a:p>
+          <a:p>
+            <a:pPr lvl="1"/>
+            <a:endParaRPr lang="en-US" dirty="0"/>
           </a:p>
           <a:p>
             <a:endParaRPr lang="it-IT" dirty="0"/>
@@ -19677,7 +22373,7 @@
       </p:sp>
       <p:pic>
         <p:nvPicPr>
-          <p:cNvPr id="4" name="Immagine 3"/>
+          <p:cNvPr id="5" name="Immagine 4"/>
           <p:cNvPicPr>
             <a:picLocks noChangeAspect="1"/>
           </p:cNvPicPr>
@@ -19697,37 +22393,7 @@
         </p:blipFill>
         <p:spPr>
           <a:xfrm>
-            <a:off x="1043607" y="2945687"/>
-            <a:ext cx="6768753" cy="2656452"/>
-          </a:xfrm>
-          <a:prstGeom prst="rect">
-            <a:avLst/>
-          </a:prstGeom>
-        </p:spPr>
-      </p:pic>
-      <p:pic>
-        <p:nvPicPr>
-          <p:cNvPr id="5" name="Immagine 4"/>
-          <p:cNvPicPr>
-            <a:picLocks noChangeAspect="1"/>
-          </p:cNvPicPr>
-          <p:nvPr/>
-        </p:nvPicPr>
-        <p:blipFill>
-          <a:blip r:embed="rId3">
-            <a:extLst>
-              <a:ext uri="{28A0092B-C50C-407E-A947-70E740481C1C}">
-                <a14:useLocalDpi xmlns:a14="http://schemas.microsoft.com/office/drawing/2010/main" val="0"/>
-              </a:ext>
-            </a:extLst>
-          </a:blip>
-          <a:stretch>
-            <a:fillRect/>
-          </a:stretch>
-        </p:blipFill>
-        <p:spPr>
-          <a:xfrm rot="973222">
-            <a:off x="1048634" y="2917980"/>
+            <a:off x="1067347" y="3459187"/>
             <a:ext cx="6758696" cy="2706117"/>
           </a:xfrm>
           <a:prstGeom prst="rect">
@@ -19774,7 +22440,7 @@
                             </p:stCondLst>
                             <p:childTnLst>
                               <p:par>
-                                <p:cTn id="5" presetID="2" presetClass="entr" presetSubtype="4" fill="hold" nodeType="clickEffect">
+                                <p:cTn id="5" presetID="26" presetClass="entr" presetSubtype="0" fill="hold" nodeType="clickEffect">
                                   <p:stCondLst>
                                     <p:cond delay="0"/>
                                   </p:stCondLst>
@@ -19782,97 +22448,6 @@
                                     <p:set>
                                       <p:cBhvr>
                                         <p:cTn id="6" dur="1" fill="hold">
-                                          <p:stCondLst>
-                                            <p:cond delay="0"/>
-                                          </p:stCondLst>
-                                        </p:cTn>
-                                        <p:tgtEl>
-                                          <p:spTgt spid="4"/>
-                                        </p:tgtEl>
-                                        <p:attrNameLst>
-                                          <p:attrName>style.visibility</p:attrName>
-                                        </p:attrNameLst>
-                                      </p:cBhvr>
-                                      <p:to>
-                                        <p:strVal val="visible"/>
-                                      </p:to>
-                                    </p:set>
-                                    <p:anim calcmode="lin" valueType="num">
-                                      <p:cBhvr additive="base">
-                                        <p:cTn id="7" dur="500" fill="hold"/>
-                                        <p:tgtEl>
-                                          <p:spTgt spid="4"/>
-                                        </p:tgtEl>
-                                        <p:attrNameLst>
-                                          <p:attrName>ppt_x</p:attrName>
-                                        </p:attrNameLst>
-                                      </p:cBhvr>
-                                      <p:tavLst>
-                                        <p:tav tm="0">
-                                          <p:val>
-                                            <p:strVal val="#ppt_x"/>
-                                          </p:val>
-                                        </p:tav>
-                                        <p:tav tm="100000">
-                                          <p:val>
-                                            <p:strVal val="#ppt_x"/>
-                                          </p:val>
-                                        </p:tav>
-                                      </p:tavLst>
-                                    </p:anim>
-                                    <p:anim calcmode="lin" valueType="num">
-                                      <p:cBhvr additive="base">
-                                        <p:cTn id="8" dur="500" fill="hold"/>
-                                        <p:tgtEl>
-                                          <p:spTgt spid="4"/>
-                                        </p:tgtEl>
-                                        <p:attrNameLst>
-                                          <p:attrName>ppt_y</p:attrName>
-                                        </p:attrNameLst>
-                                      </p:cBhvr>
-                                      <p:tavLst>
-                                        <p:tav tm="0">
-                                          <p:val>
-                                            <p:strVal val="1+#ppt_h/2"/>
-                                          </p:val>
-                                        </p:tav>
-                                        <p:tav tm="100000">
-                                          <p:val>
-                                            <p:strVal val="#ppt_y"/>
-                                          </p:val>
-                                        </p:tav>
-                                      </p:tavLst>
-                                    </p:anim>
-                                  </p:childTnLst>
-                                </p:cTn>
-                              </p:par>
-                            </p:childTnLst>
-                          </p:cTn>
-                        </p:par>
-                      </p:childTnLst>
-                    </p:cTn>
-                  </p:par>
-                  <p:par>
-                    <p:cTn id="9" fill="hold">
-                      <p:stCondLst>
-                        <p:cond delay="indefinite"/>
-                      </p:stCondLst>
-                      <p:childTnLst>
-                        <p:par>
-                          <p:cTn id="10" fill="hold">
-                            <p:stCondLst>
-                              <p:cond delay="0"/>
-                            </p:stCondLst>
-                            <p:childTnLst>
-                              <p:par>
-                                <p:cTn id="11" presetID="26" presetClass="entr" presetSubtype="0" fill="hold" nodeType="clickEffect">
-                                  <p:stCondLst>
-                                    <p:cond delay="0"/>
-                                  </p:stCondLst>
-                                  <p:childTnLst>
-                                    <p:set>
-                                      <p:cBhvr>
-                                        <p:cTn id="12" dur="1" fill="hold">
                                           <p:stCondLst>
                                             <p:cond delay="0"/>
                                           </p:stCondLst>
@@ -19890,7 +22465,7 @@
                                     </p:set>
                                     <p:animEffect transition="in" filter="wipe(down)">
                                       <p:cBhvr>
-                                        <p:cTn id="13" dur="580">
+                                        <p:cTn id="7" dur="580">
                                           <p:stCondLst>
                                             <p:cond delay="0"/>
                                           </p:stCondLst>
@@ -19902,7 +22477,7 @@
                                     </p:animEffect>
                                     <p:anim calcmode="lin" valueType="num">
                                       <p:cBhvr>
-                                        <p:cTn id="14" dur="1822" tmFilter="0,0; 0.14,0.36; 0.43,0.73; 0.71,0.91; 1.0,1.0">
+                                        <p:cTn id="8" dur="1822" tmFilter="0,0; 0.14,0.36; 0.43,0.73; 0.71,0.91; 1.0,1.0">
                                           <p:stCondLst>
                                             <p:cond delay="0"/>
                                           </p:stCondLst>
@@ -19929,7 +22504,7 @@
                                     </p:anim>
                                     <p:anim calcmode="lin" valueType="num">
                                       <p:cBhvr>
-                                        <p:cTn id="15" dur="664" tmFilter="0.0,0.0; 0.25,0.07; 0.50,0.2; 0.75,0.467; 1.0,1.0">
+                                        <p:cTn id="9" dur="664" tmFilter="0.0,0.0; 0.25,0.07; 0.50,0.2; 0.75,0.467; 1.0,1.0">
                                           <p:stCondLst>
                                             <p:cond delay="0"/>
                                           </p:stCondLst>
@@ -19956,7 +22531,7 @@
                                     </p:anim>
                                     <p:anim calcmode="lin" valueType="num">
                                       <p:cBhvr>
-                                        <p:cTn id="16" dur="664" tmFilter="0, 0; 0.125,0.2665; 0.25,0.4; 0.375,0.465; 0.5,0.5;  0.625,0.535; 0.75,0.6; 0.875,0.7335; 1,1">
+                                        <p:cTn id="10" dur="664" tmFilter="0, 0; 0.125,0.2665; 0.25,0.4; 0.375,0.465; 0.5,0.5;  0.625,0.535; 0.75,0.6; 0.875,0.7335; 1,1">
                                           <p:stCondLst>
                                             <p:cond delay="664"/>
                                           </p:stCondLst>
@@ -19983,7 +22558,7 @@
                                     </p:anim>
                                     <p:anim calcmode="lin" valueType="num">
                                       <p:cBhvr>
-                                        <p:cTn id="17" dur="332" tmFilter="0, 0; 0.125,0.2665; 0.25,0.4; 0.375,0.465; 0.5,0.5;  0.625,0.535; 0.75,0.6; 0.875,0.7335; 1,1">
+                                        <p:cTn id="11" dur="332" tmFilter="0, 0; 0.125,0.2665; 0.25,0.4; 0.375,0.465; 0.5,0.5;  0.625,0.535; 0.75,0.6; 0.875,0.7335; 1,1">
                                           <p:stCondLst>
                                             <p:cond delay="1324"/>
                                           </p:stCondLst>
@@ -20010,7 +22585,7 @@
                                     </p:anim>
                                     <p:anim calcmode="lin" valueType="num">
                                       <p:cBhvr>
-                                        <p:cTn id="18" dur="164" tmFilter="0, 0; 0.125,0.2665; 0.25,0.4; 0.375,0.465; 0.5,0.5;  0.625,0.535; 0.75,0.6; 0.875,0.7335; 1,1">
+                                        <p:cTn id="12" dur="164" tmFilter="0, 0; 0.125,0.2665; 0.25,0.4; 0.375,0.465; 0.5,0.5;  0.625,0.535; 0.75,0.6; 0.875,0.7335; 1,1">
                                           <p:stCondLst>
                                             <p:cond delay="1656"/>
                                           </p:stCondLst>
@@ -20037,7 +22612,7 @@
                                     </p:anim>
                                     <p:animScale>
                                       <p:cBhvr>
-                                        <p:cTn id="19" dur="26">
+                                        <p:cTn id="13" dur="26">
                                           <p:stCondLst>
                                             <p:cond delay="650"/>
                                           </p:stCondLst>
@@ -20050,7 +22625,7 @@
                                     </p:animScale>
                                     <p:animScale>
                                       <p:cBhvr>
-                                        <p:cTn id="20" dur="166" decel="50000">
+                                        <p:cTn id="14" dur="166" decel="50000">
                                           <p:stCondLst>
                                             <p:cond delay="676"/>
                                           </p:stCondLst>
@@ -20063,7 +22638,7 @@
                                     </p:animScale>
                                     <p:animScale>
                                       <p:cBhvr>
-                                        <p:cTn id="21" dur="26">
+                                        <p:cTn id="15" dur="26">
                                           <p:stCondLst>
                                             <p:cond delay="1312"/>
                                           </p:stCondLst>
@@ -20076,7 +22651,7 @@
                                     </p:animScale>
                                     <p:animScale>
                                       <p:cBhvr>
-                                        <p:cTn id="22" dur="166" decel="50000">
+                                        <p:cTn id="16" dur="166" decel="50000">
                                           <p:stCondLst>
                                             <p:cond delay="1338"/>
                                           </p:stCondLst>
@@ -20089,7 +22664,7 @@
                                     </p:animScale>
                                     <p:animScale>
                                       <p:cBhvr>
-                                        <p:cTn id="23" dur="26">
+                                        <p:cTn id="17" dur="26">
                                           <p:stCondLst>
                                             <p:cond delay="1642"/>
                                           </p:stCondLst>
@@ -20102,7 +22677,7 @@
                                     </p:animScale>
                                     <p:animScale>
                                       <p:cBhvr>
-                                        <p:cTn id="24" dur="166" decel="50000">
+                                        <p:cTn id="18" dur="166" decel="50000">
                                           <p:stCondLst>
                                             <p:cond delay="1668"/>
                                           </p:stCondLst>
@@ -20115,7 +22690,7 @@
                                     </p:animScale>
                                     <p:animScale>
                                       <p:cBhvr>
-                                        <p:cTn id="25" dur="26">
+                                        <p:cTn id="19" dur="26">
                                           <p:stCondLst>
                                             <p:cond delay="1808"/>
                                           </p:stCondLst>
@@ -20128,7 +22703,7 @@
                                     </p:animScale>
                                     <p:animScale>
                                       <p:cBhvr>
-                                        <p:cTn id="26" dur="166" decel="50000">
+                                        <p:cTn id="20" dur="166" decel="50000">
                                           <p:stCondLst>
                                             <p:cond delay="1834"/>
                                           </p:stCondLst>
@@ -20174,7 +22749,7 @@
 </file>
 
 <file path=ppt/slides/slide7.xml><?xml version="1.0" encoding="utf-8"?>
-<p:sld xmlns:a="http://schemas.openxmlformats.org/drawingml/2006/main" xmlns:r="http://schemas.openxmlformats.org/officeDocument/2006/relationships" xmlns:p="http://schemas.openxmlformats.org/presentationml/2006/main">
+<p:sld xmlns:a="http://schemas.openxmlformats.org/drawingml/2006/main" xmlns:r="http://schemas.openxmlformats.org/officeDocument/2006/relationships" xmlns:p="http://schemas.openxmlformats.org/presentationml/2006/main" show="0">
   <p:cSld>
     <p:spTree>
       <p:nvGrpSpPr>
@@ -20230,8 +22805,20 @@
           <a:p>
             <a:r>
               <a:rPr lang="en-US" dirty="0"/>
-              <a:t>Pioneer multiplayer game (as we know it)?</a:t>
-            </a:r>
+              <a:t>Pioneer multiplayer game (as we know it</a:t>
+            </a:r>
+            <a:r>
+              <a:rPr lang="en-US" dirty="0" smtClean="0"/>
+              <a:t>)?</a:t>
+            </a:r>
+          </a:p>
+          <a:p>
+            <a:pPr lvl="1"/>
+            <a:r>
+              <a:rPr lang="en-US" dirty="0" smtClean="0"/>
+              <a:t>1999: it redefined the multiplayer online gaming experience.</a:t>
+            </a:r>
+            <a:endParaRPr lang="en-US" dirty="0"/>
           </a:p>
           <a:p>
             <a:endParaRPr lang="it-IT" dirty="0"/>

--- a/slides/slides.pptx
+++ b/slides/slides.pptx
@@ -22,12 +22,12 @@
     <p:sldId id="276" r:id="rId16"/>
     <p:sldId id="277" r:id="rId17"/>
     <p:sldId id="274" r:id="rId18"/>
-    <p:sldId id="280" r:id="rId19"/>
-    <p:sldId id="281" r:id="rId20"/>
-    <p:sldId id="282" r:id="rId21"/>
-    <p:sldId id="285" r:id="rId22"/>
-    <p:sldId id="292" r:id="rId23"/>
-    <p:sldId id="293" r:id="rId24"/>
+    <p:sldId id="293" r:id="rId19"/>
+    <p:sldId id="292" r:id="rId20"/>
+    <p:sldId id="280" r:id="rId21"/>
+    <p:sldId id="281" r:id="rId22"/>
+    <p:sldId id="282" r:id="rId23"/>
+    <p:sldId id="285" r:id="rId24"/>
     <p:sldId id="287" r:id="rId25"/>
     <p:sldId id="288" r:id="rId26"/>
     <p:sldId id="289" r:id="rId27"/>
@@ -5203,24 +5203,8 @@
           <a:lstStyle/>
           <a:p>
             <a:r>
-              <a:rPr lang="it-IT" dirty="0" err="1"/>
-              <a:t>Socket.io</a:t>
-            </a:r>
-            <a:r>
-              <a:rPr lang="it-IT" dirty="0"/>
-              <a:t> </a:t>
-            </a:r>
-            <a:r>
-              <a:rPr lang="it-IT" dirty="0" err="1"/>
-              <a:t>instead</a:t>
-            </a:r>
-            <a:r>
-              <a:rPr lang="it-IT" dirty="0"/>
-              <a:t> of </a:t>
-            </a:r>
-            <a:r>
-              <a:rPr lang="it-IT" dirty="0" err="1"/>
-              <a:t>WebSocket</a:t>
+              <a:rPr lang="it-IT" smtClean="0"/>
+              <a:t>Socket.io: Client example</a:t>
             </a:r>
             <a:endParaRPr lang="it-IT" dirty="0"/>
           </a:p>
@@ -5228,322 +5212,1112 @@
       </p:sp>
       <p:sp>
         <p:nvSpPr>
-          <p:cNvPr id="3" name="Segnaposto contenuto 2"/>
+          <p:cNvPr id="5" name="Rectangle 1"/>
           <p:cNvSpPr>
-            <a:spLocks noGrp="1"/>
+            <a:spLocks noGrp="1" noChangeArrowheads="1"/>
           </p:cNvSpPr>
           <p:nvPr>
             <p:ph sz="quarter" idx="10"/>
           </p:nvPr>
         </p:nvSpPr>
-        <p:spPr>
+        <p:spPr bwMode="auto">
           <a:xfrm>
-            <a:off x="628650" y="1603252"/>
-            <a:ext cx="4015358" cy="4562052"/>
-          </a:xfrm>
-        </p:spPr>
-        <p:txBody>
-          <a:bodyPr/>
-          <a:lstStyle/>
-          <a:p>
-            <a:pPr>
-              <a:buBlip>
-                <a:blip r:embed="rId2"/>
-              </a:buBlip>
-            </a:pPr>
-            <a:r>
-              <a:rPr lang="it-IT" dirty="0" smtClean="0"/>
-              <a:t>Full-duplex </a:t>
-            </a:r>
-            <a:r>
-              <a:rPr lang="it-IT" dirty="0" err="1"/>
-              <a:t>communication</a:t>
-            </a:r>
-            <a:endParaRPr lang="it-IT" dirty="0"/>
-          </a:p>
-          <a:p>
-            <a:pPr>
-              <a:buBlip>
-                <a:blip r:embed="rId2"/>
-              </a:buBlip>
-            </a:pPr>
-            <a:r>
-              <a:rPr lang="it-IT" dirty="0"/>
-              <a:t>Real time!</a:t>
-            </a:r>
-          </a:p>
-          <a:p>
-            <a:pPr>
-              <a:buBlip>
-                <a:blip r:embed="rId2"/>
-              </a:buBlip>
-            </a:pPr>
-            <a:r>
-              <a:rPr lang="it-IT" dirty="0" smtClean="0"/>
-              <a:t>Firewall :)</a:t>
-            </a:r>
-            <a:r>
-              <a:rPr lang="it-IT" strike="sngStrike" dirty="0" smtClean="0"/>
-              <a:t> </a:t>
-            </a:r>
-          </a:p>
-          <a:p>
-            <a:pPr>
-              <a:buBlip>
-                <a:blip r:embed="rId2"/>
-              </a:buBlip>
-            </a:pPr>
-            <a:r>
-              <a:rPr lang="it-IT" dirty="0" err="1" smtClean="0"/>
-              <a:t>Event-driven</a:t>
-            </a:r>
-            <a:endParaRPr lang="it-IT" dirty="0" smtClean="0"/>
-          </a:p>
-          <a:p>
-            <a:pPr>
-              <a:buBlip>
-                <a:blip r:embed="rId2"/>
-              </a:buBlip>
-            </a:pPr>
-            <a:r>
-              <a:rPr lang="it-IT" dirty="0" smtClean="0"/>
-              <a:t>Rooms!</a:t>
-            </a:r>
-          </a:p>
-        </p:txBody>
-      </p:sp>
-      <p:sp>
-        <p:nvSpPr>
-          <p:cNvPr id="6" name="Segnaposto contenuto 2"/>
-          <p:cNvSpPr txBox="1">
-            <a:spLocks/>
-          </p:cNvSpPr>
-          <p:nvPr/>
-        </p:nvSpPr>
-        <p:spPr>
-          <a:xfrm>
-            <a:off x="4499992" y="1603252"/>
-            <a:ext cx="4015358" cy="4562052"/>
+            <a:off x="628650" y="2299231"/>
+            <a:ext cx="7417415" cy="3170099"/>
           </a:xfrm>
           <a:prstGeom prst="rect">
             <a:avLst/>
           </a:prstGeom>
+          <a:noFill/>
+          <a:ln>
+            <a:noFill/>
+          </a:ln>
+          <a:effectLst/>
         </p:spPr>
         <p:txBody>
-          <a:bodyPr/>
-          <a:lstStyle>
-            <a:lvl1pPr marL="342900" indent="-342900" algn="l" defTabSz="457200" rtl="0" eaLnBrk="0" fontAlgn="base" hangingPunct="0">
+          <a:bodyPr vert="horz" wrap="none" lIns="91440" tIns="45720" rIns="91440" bIns="45720" numCol="1" anchor="ctr" anchorCtr="0" compatLnSpc="1">
+            <a:prstTxWarp prst="textNoShape">
+              <a:avLst/>
+            </a:prstTxWarp>
+            <a:spAutoFit/>
+          </a:bodyPr>
+          <a:lstStyle/>
+          <a:p>
+            <a:pPr marL="0" marR="0" lvl="0" indent="0" algn="l" defTabSz="914400" rtl="0" eaLnBrk="0" fontAlgn="base" latinLnBrk="0" hangingPunct="0">
+              <a:lnSpc>
+                <a:spcPct val="100000"/>
+              </a:lnSpc>
               <a:spcBef>
-                <a:spcPct val="20000"/>
+                <a:spcPct val="0"/>
               </a:spcBef>
               <a:spcAft>
                 <a:spcPct val="0"/>
               </a:spcAft>
+              <a:buClrTx/>
+              <a:buSzTx/>
               <a:buFontTx/>
-              <a:buBlip>
-                <a:blip r:embed="rId3"/>
-              </a:buBlip>
-              <a:defRPr sz="2800" kern="1200">
-                <a:solidFill>
-                  <a:srgbClr val="404040"/>
-                </a:solidFill>
-                <a:latin typeface="Calibri" panose="020F0502020204030204" pitchFamily="34" charset="0"/>
-                <a:ea typeface="ヒラギノ角ゴ Pro W3" charset="-128"/>
-                <a:cs typeface="ヒラギノ角ゴ Pro W3" charset="-128"/>
-              </a:defRPr>
-            </a:lvl1pPr>
-            <a:lvl2pPr marL="742950" indent="-285750" algn="l" defTabSz="457200" rtl="0" eaLnBrk="0" fontAlgn="base" hangingPunct="0">
-              <a:spcBef>
-                <a:spcPct val="20000"/>
-              </a:spcBef>
-              <a:spcAft>
-                <a:spcPct val="0"/>
-              </a:spcAft>
-              <a:buFontTx/>
-              <a:buBlip>
-                <a:blip r:embed="rId4"/>
-              </a:buBlip>
-              <a:defRPr sz="2800" kern="1200">
-                <a:solidFill>
-                  <a:srgbClr val="404040"/>
-                </a:solidFill>
-                <a:latin typeface="Calibri" panose="020F0502020204030204" pitchFamily="34" charset="0"/>
-                <a:ea typeface="ヒラギノ角ゴ Pro W3" charset="-128"/>
-                <a:cs typeface="+mn-cs"/>
-              </a:defRPr>
-            </a:lvl2pPr>
-            <a:lvl3pPr marL="1143000" indent="-228600" algn="l" defTabSz="457200" rtl="0" eaLnBrk="0" fontAlgn="base" hangingPunct="0">
-              <a:spcBef>
-                <a:spcPct val="20000"/>
-              </a:spcBef>
-              <a:spcAft>
-                <a:spcPct val="0"/>
-              </a:spcAft>
-              <a:buFontTx/>
-              <a:buBlip>
-                <a:blip r:embed="rId5"/>
-              </a:buBlip>
-              <a:defRPr sz="2400" kern="1200">
-                <a:solidFill>
-                  <a:srgbClr val="404040"/>
-                </a:solidFill>
-                <a:latin typeface="Calibri" panose="020F0502020204030204" pitchFamily="34" charset="0"/>
-                <a:ea typeface="ヒラギノ角ゴ Pro W3" charset="-128"/>
-                <a:cs typeface="+mn-cs"/>
-              </a:defRPr>
-            </a:lvl3pPr>
-            <a:lvl4pPr marL="1600200" indent="-228600" algn="l" defTabSz="457200" rtl="0" eaLnBrk="0" fontAlgn="base" hangingPunct="0">
-              <a:spcBef>
-                <a:spcPct val="20000"/>
-              </a:spcBef>
-              <a:spcAft>
-                <a:spcPct val="0"/>
-              </a:spcAft>
-              <a:buFontTx/>
-              <a:buBlip>
-                <a:blip r:embed="rId6"/>
-              </a:buBlip>
-              <a:defRPr sz="2000" kern="1200">
-                <a:solidFill>
-                  <a:srgbClr val="404040"/>
-                </a:solidFill>
-                <a:latin typeface="Calibri" panose="020F0502020204030204" pitchFamily="34" charset="0"/>
-                <a:ea typeface="ヒラギノ角ゴ Pro W3" charset="-128"/>
-                <a:cs typeface="+mn-cs"/>
-              </a:defRPr>
-            </a:lvl4pPr>
-            <a:lvl5pPr marL="2057400" indent="-228600" algn="l" defTabSz="457200" rtl="0" eaLnBrk="0" fontAlgn="base" hangingPunct="0">
-              <a:spcBef>
-                <a:spcPct val="20000"/>
-              </a:spcBef>
-              <a:spcAft>
-                <a:spcPct val="0"/>
-              </a:spcAft>
-              <a:buFontTx/>
-              <a:buBlip>
-                <a:blip r:embed="rId7"/>
-              </a:buBlip>
-              <a:defRPr sz="2000" kern="1200">
-                <a:solidFill>
-                  <a:srgbClr val="404040"/>
-                </a:solidFill>
-                <a:latin typeface="Calibri" panose="020F0502020204030204" pitchFamily="34" charset="0"/>
-                <a:ea typeface="ヒラギノ角ゴ Pro W3" charset="-128"/>
-                <a:cs typeface="+mn-cs"/>
-              </a:defRPr>
-            </a:lvl5pPr>
-            <a:lvl6pPr marL="2514600" indent="-228600" algn="l" defTabSz="457200" rtl="0" eaLnBrk="1" latinLnBrk="0" hangingPunct="1">
-              <a:spcBef>
-                <a:spcPct val="20000"/>
-              </a:spcBef>
-              <a:buFont typeface="Arial"/>
-              <a:buChar char="•"/>
-              <a:defRPr sz="2000" kern="1200">
-                <a:solidFill>
-                  <a:schemeClr val="tx1"/>
-                </a:solidFill>
-                <a:latin typeface="+mn-lt"/>
-                <a:ea typeface="+mn-ea"/>
-                <a:cs typeface="+mn-cs"/>
-              </a:defRPr>
-            </a:lvl6pPr>
-            <a:lvl7pPr marL="2971800" indent="-228600" algn="l" defTabSz="457200" rtl="0" eaLnBrk="1" latinLnBrk="0" hangingPunct="1">
-              <a:spcBef>
-                <a:spcPct val="20000"/>
-              </a:spcBef>
-              <a:buFont typeface="Arial"/>
-              <a:buChar char="•"/>
-              <a:defRPr sz="2000" kern="1200">
-                <a:solidFill>
-                  <a:schemeClr val="tx1"/>
-                </a:solidFill>
-                <a:latin typeface="+mn-lt"/>
-                <a:ea typeface="+mn-ea"/>
-                <a:cs typeface="+mn-cs"/>
-              </a:defRPr>
-            </a:lvl7pPr>
-            <a:lvl8pPr marL="3429000" indent="-228600" algn="l" defTabSz="457200" rtl="0" eaLnBrk="1" latinLnBrk="0" hangingPunct="1">
-              <a:spcBef>
-                <a:spcPct val="20000"/>
-              </a:spcBef>
-              <a:buFont typeface="Arial"/>
-              <a:buChar char="•"/>
-              <a:defRPr sz="2000" kern="1200">
-                <a:solidFill>
-                  <a:schemeClr val="tx1"/>
-                </a:solidFill>
-                <a:latin typeface="+mn-lt"/>
-                <a:ea typeface="+mn-ea"/>
-                <a:cs typeface="+mn-cs"/>
-              </a:defRPr>
-            </a:lvl8pPr>
-            <a:lvl9pPr marL="3886200" indent="-228600" algn="l" defTabSz="457200" rtl="0" eaLnBrk="1" latinLnBrk="0" hangingPunct="1">
-              <a:spcBef>
-                <a:spcPct val="20000"/>
-              </a:spcBef>
-              <a:buFont typeface="Arial"/>
-              <a:buChar char="•"/>
-              <a:defRPr sz="2000" kern="1200">
-                <a:solidFill>
-                  <a:schemeClr val="tx1"/>
-                </a:solidFill>
-                <a:latin typeface="+mn-lt"/>
-                <a:ea typeface="+mn-ea"/>
-                <a:cs typeface="+mn-cs"/>
-              </a:defRPr>
-            </a:lvl9pPr>
-          </a:lstStyle>
-          <a:p>
-            <a:pPr>
-              <a:buFontTx/>
-              <a:buBlip>
-                <a:blip r:embed="rId8"/>
-              </a:buBlip>
+              <a:buNone/>
+              <a:tabLst/>
             </a:pPr>
             <a:r>
-              <a:rPr lang="it-IT" dirty="0" err="1" smtClean="0"/>
-              <a:t>Permanent</a:t>
-            </a:r>
-            <a:r>
-              <a:rPr lang="it-IT" dirty="0" smtClean="0"/>
-              <a:t> connection </a:t>
-            </a:r>
-            <a:r>
-              <a:rPr lang="it-IT" dirty="0" err="1" smtClean="0"/>
-              <a:t>required</a:t>
-            </a:r>
-            <a:endParaRPr lang="it-IT" dirty="0" smtClean="0"/>
+              <a:rPr kumimoji="0" lang="it-IT" altLang="it-IT" sz="2000" b="0" i="0" u="none" strike="noStrike" cap="none" normalizeH="0" baseline="0" dirty="0" smtClean="0">
+                <a:ln>
+                  <a:noFill/>
+                </a:ln>
+                <a:solidFill>
+                  <a:srgbClr val="F8F8F2"/>
+                </a:solidFill>
+                <a:effectLst/>
+                <a:latin typeface="Courier New" panose="02070309020205020404" pitchFamily="49" charset="0"/>
+                <a:cs typeface="Courier New" panose="02070309020205020404" pitchFamily="49" charset="0"/>
+              </a:rPr>
+              <a:t>&lt;</a:t>
+            </a:r>
+            <a:r>
+              <a:rPr kumimoji="0" lang="it-IT" altLang="it-IT" sz="2000" b="1" i="0" u="none" strike="noStrike" cap="none" normalizeH="0" baseline="0" dirty="0" smtClean="0">
+                <a:ln>
+                  <a:noFill/>
+                </a:ln>
+                <a:solidFill>
+                  <a:srgbClr val="E3E3FF"/>
+                </a:solidFill>
+                <a:effectLst/>
+                <a:latin typeface="Courier New" panose="02070309020205020404" pitchFamily="49" charset="0"/>
+                <a:cs typeface="Courier New" panose="02070309020205020404" pitchFamily="49" charset="0"/>
+              </a:rPr>
+              <a:t>script </a:t>
+            </a:r>
+            <a:r>
+              <a:rPr kumimoji="0" lang="it-IT" altLang="it-IT" sz="2000" b="0" i="0" u="none" strike="noStrike" cap="none" normalizeH="0" baseline="0" dirty="0" err="1" smtClean="0">
+                <a:ln>
+                  <a:noFill/>
+                </a:ln>
+                <a:solidFill>
+                  <a:srgbClr val="A6E22E"/>
+                </a:solidFill>
+                <a:effectLst/>
+                <a:latin typeface="Courier New" panose="02070309020205020404" pitchFamily="49" charset="0"/>
+                <a:cs typeface="Courier New" panose="02070309020205020404" pitchFamily="49" charset="0"/>
+              </a:rPr>
+              <a:t>src</a:t>
+            </a:r>
+            <a:r>
+              <a:rPr kumimoji="0" lang="it-IT" altLang="it-IT" sz="2000" b="0" i="0" u="none" strike="noStrike" cap="none" normalizeH="0" baseline="0" dirty="0" smtClean="0">
+                <a:ln>
+                  <a:noFill/>
+                </a:ln>
+                <a:solidFill>
+                  <a:srgbClr val="A6E22E"/>
+                </a:solidFill>
+                <a:effectLst/>
+                <a:latin typeface="Courier New" panose="02070309020205020404" pitchFamily="49" charset="0"/>
+                <a:cs typeface="Courier New" panose="02070309020205020404" pitchFamily="49" charset="0"/>
+              </a:rPr>
+              <a:t>=</a:t>
+            </a:r>
+            <a:r>
+              <a:rPr kumimoji="0" lang="it-IT" altLang="it-IT" sz="2000" b="1" i="0" u="none" strike="noStrike" cap="none" normalizeH="0" baseline="0" dirty="0" smtClean="0">
+                <a:ln>
+                  <a:noFill/>
+                </a:ln>
+                <a:solidFill>
+                  <a:srgbClr val="E6DB74"/>
+                </a:solidFill>
+                <a:effectLst/>
+                <a:latin typeface="Courier New" panose="02070309020205020404" pitchFamily="49" charset="0"/>
+                <a:cs typeface="Courier New" panose="02070309020205020404" pitchFamily="49" charset="0"/>
+              </a:rPr>
+              <a:t>"/</a:t>
+            </a:r>
+            <a:r>
+              <a:rPr kumimoji="0" lang="it-IT" altLang="it-IT" sz="2000" b="1" i="0" u="none" strike="noStrike" cap="none" normalizeH="0" baseline="0" dirty="0" err="1" smtClean="0">
+                <a:ln>
+                  <a:noFill/>
+                </a:ln>
+                <a:solidFill>
+                  <a:srgbClr val="E6DB74"/>
+                </a:solidFill>
+                <a:effectLst/>
+                <a:latin typeface="Courier New" panose="02070309020205020404" pitchFamily="49" charset="0"/>
+                <a:cs typeface="Courier New" panose="02070309020205020404" pitchFamily="49" charset="0"/>
+              </a:rPr>
+              <a:t>socket.io</a:t>
+            </a:r>
+            <a:r>
+              <a:rPr kumimoji="0" lang="it-IT" altLang="it-IT" sz="2000" b="1" i="0" u="none" strike="noStrike" cap="none" normalizeH="0" baseline="0" dirty="0" smtClean="0">
+                <a:ln>
+                  <a:noFill/>
+                </a:ln>
+                <a:solidFill>
+                  <a:srgbClr val="E6DB74"/>
+                </a:solidFill>
+                <a:effectLst/>
+                <a:latin typeface="Courier New" panose="02070309020205020404" pitchFamily="49" charset="0"/>
+                <a:cs typeface="Courier New" panose="02070309020205020404" pitchFamily="49" charset="0"/>
+              </a:rPr>
+              <a:t>/socket.io.js"</a:t>
+            </a:r>
+            <a:r>
+              <a:rPr kumimoji="0" lang="it-IT" altLang="it-IT" sz="2000" b="0" i="0" u="none" strike="noStrike" cap="none" normalizeH="0" baseline="0" dirty="0" smtClean="0">
+                <a:ln>
+                  <a:noFill/>
+                </a:ln>
+                <a:solidFill>
+                  <a:srgbClr val="F8F8F2"/>
+                </a:solidFill>
+                <a:effectLst/>
+                <a:latin typeface="Courier New" panose="02070309020205020404" pitchFamily="49" charset="0"/>
+                <a:cs typeface="Courier New" panose="02070309020205020404" pitchFamily="49" charset="0"/>
+              </a:rPr>
+              <a:t>&gt;&lt;/</a:t>
+            </a:r>
+            <a:r>
+              <a:rPr kumimoji="0" lang="it-IT" altLang="it-IT" sz="2000" b="1" i="0" u="none" strike="noStrike" cap="none" normalizeH="0" baseline="0" dirty="0" smtClean="0">
+                <a:ln>
+                  <a:noFill/>
+                </a:ln>
+                <a:solidFill>
+                  <a:srgbClr val="E3E3FF"/>
+                </a:solidFill>
+                <a:effectLst/>
+                <a:latin typeface="Courier New" panose="02070309020205020404" pitchFamily="49" charset="0"/>
+                <a:cs typeface="Courier New" panose="02070309020205020404" pitchFamily="49" charset="0"/>
+              </a:rPr>
+              <a:t>script</a:t>
+            </a:r>
+            <a:r>
+              <a:rPr kumimoji="0" lang="it-IT" altLang="it-IT" sz="2000" b="0" i="0" u="none" strike="noStrike" cap="none" normalizeH="0" baseline="0" dirty="0" smtClean="0">
+                <a:ln>
+                  <a:noFill/>
+                </a:ln>
+                <a:solidFill>
+                  <a:srgbClr val="F8F8F2"/>
+                </a:solidFill>
+                <a:effectLst/>
+                <a:latin typeface="Courier New" panose="02070309020205020404" pitchFamily="49" charset="0"/>
+                <a:cs typeface="Courier New" panose="02070309020205020404" pitchFamily="49" charset="0"/>
+              </a:rPr>
+              <a:t>&gt;</a:t>
+            </a:r>
+            <a:br>
+              <a:rPr kumimoji="0" lang="it-IT" altLang="it-IT" sz="2000" b="0" i="0" u="none" strike="noStrike" cap="none" normalizeH="0" baseline="0" dirty="0" smtClean="0">
+                <a:ln>
+                  <a:noFill/>
+                </a:ln>
+                <a:solidFill>
+                  <a:srgbClr val="F8F8F2"/>
+                </a:solidFill>
+                <a:effectLst/>
+                <a:latin typeface="Courier New" panose="02070309020205020404" pitchFamily="49" charset="0"/>
+                <a:cs typeface="Courier New" panose="02070309020205020404" pitchFamily="49" charset="0"/>
+              </a:rPr>
+            </a:br>
+            <a:r>
+              <a:rPr kumimoji="0" lang="it-IT" altLang="it-IT" sz="2000" b="0" i="0" u="none" strike="noStrike" cap="none" normalizeH="0" baseline="0" dirty="0" smtClean="0">
+                <a:ln>
+                  <a:noFill/>
+                </a:ln>
+                <a:solidFill>
+                  <a:srgbClr val="F8F8F2"/>
+                </a:solidFill>
+                <a:effectLst/>
+                <a:latin typeface="Courier New" panose="02070309020205020404" pitchFamily="49" charset="0"/>
+                <a:cs typeface="Courier New" panose="02070309020205020404" pitchFamily="49" charset="0"/>
+              </a:rPr>
+              <a:t>&lt;</a:t>
+            </a:r>
+            <a:r>
+              <a:rPr kumimoji="0" lang="it-IT" altLang="it-IT" sz="2000" b="1" i="0" u="none" strike="noStrike" cap="none" normalizeH="0" baseline="0" dirty="0" smtClean="0">
+                <a:ln>
+                  <a:noFill/>
+                </a:ln>
+                <a:solidFill>
+                  <a:srgbClr val="E3E3FF"/>
+                </a:solidFill>
+                <a:effectLst/>
+                <a:latin typeface="Courier New" panose="02070309020205020404" pitchFamily="49" charset="0"/>
+                <a:cs typeface="Courier New" panose="02070309020205020404" pitchFamily="49" charset="0"/>
+              </a:rPr>
+              <a:t>script</a:t>
+            </a:r>
+            <a:r>
+              <a:rPr kumimoji="0" lang="it-IT" altLang="it-IT" sz="2000" b="0" i="0" u="none" strike="noStrike" cap="none" normalizeH="0" baseline="0" dirty="0" smtClean="0">
+                <a:ln>
+                  <a:noFill/>
+                </a:ln>
+                <a:solidFill>
+                  <a:srgbClr val="F8F8F2"/>
+                </a:solidFill>
+                <a:effectLst/>
+                <a:latin typeface="Courier New" panose="02070309020205020404" pitchFamily="49" charset="0"/>
+                <a:cs typeface="Courier New" panose="02070309020205020404" pitchFamily="49" charset="0"/>
+              </a:rPr>
+              <a:t>&gt;</a:t>
+            </a:r>
+            <a:br>
+              <a:rPr kumimoji="0" lang="it-IT" altLang="it-IT" sz="2000" b="0" i="0" u="none" strike="noStrike" cap="none" normalizeH="0" baseline="0" dirty="0" smtClean="0">
+                <a:ln>
+                  <a:noFill/>
+                </a:ln>
+                <a:solidFill>
+                  <a:srgbClr val="F8F8F2"/>
+                </a:solidFill>
+                <a:effectLst/>
+                <a:latin typeface="Courier New" panose="02070309020205020404" pitchFamily="49" charset="0"/>
+                <a:cs typeface="Courier New" panose="02070309020205020404" pitchFamily="49" charset="0"/>
+              </a:rPr>
+            </a:br>
+            <a:r>
+              <a:rPr kumimoji="0" lang="it-IT" altLang="it-IT" sz="2000" b="0" i="0" u="none" strike="noStrike" cap="none" normalizeH="0" baseline="0" dirty="0" smtClean="0">
+                <a:ln>
+                  <a:noFill/>
+                </a:ln>
+                <a:solidFill>
+                  <a:srgbClr val="F8F8F2"/>
+                </a:solidFill>
+                <a:effectLst/>
+                <a:latin typeface="Courier New" panose="02070309020205020404" pitchFamily="49" charset="0"/>
+                <a:cs typeface="Courier New" panose="02070309020205020404" pitchFamily="49" charset="0"/>
+              </a:rPr>
+              <a:t>    </a:t>
+            </a:r>
+            <a:r>
+              <a:rPr kumimoji="0" lang="it-IT" altLang="it-IT" sz="2000" b="0" i="0" u="none" strike="noStrike" cap="none" normalizeH="0" baseline="0" dirty="0" err="1" smtClean="0">
+                <a:ln>
+                  <a:noFill/>
+                </a:ln>
+                <a:solidFill>
+                  <a:srgbClr val="F92672"/>
+                </a:solidFill>
+                <a:effectLst/>
+                <a:latin typeface="Courier New" panose="02070309020205020404" pitchFamily="49" charset="0"/>
+                <a:cs typeface="Courier New" panose="02070309020205020404" pitchFamily="49" charset="0"/>
+              </a:rPr>
+              <a:t>var</a:t>
+            </a:r>
+            <a:r>
+              <a:rPr kumimoji="0" lang="it-IT" altLang="it-IT" sz="2000" b="0" i="0" u="none" strike="noStrike" cap="none" normalizeH="0" baseline="0" dirty="0" smtClean="0">
+                <a:ln>
+                  <a:noFill/>
+                </a:ln>
+                <a:solidFill>
+                  <a:srgbClr val="F92672"/>
+                </a:solidFill>
+                <a:effectLst/>
+                <a:latin typeface="Courier New" panose="02070309020205020404" pitchFamily="49" charset="0"/>
+                <a:cs typeface="Courier New" panose="02070309020205020404" pitchFamily="49" charset="0"/>
+              </a:rPr>
+              <a:t> </a:t>
+            </a:r>
+            <a:r>
+              <a:rPr kumimoji="0" lang="it-IT" altLang="it-IT" sz="2000" b="0" i="1" u="none" strike="noStrike" cap="none" normalizeH="0" baseline="0" dirty="0" err="1" smtClean="0">
+                <a:ln>
+                  <a:noFill/>
+                </a:ln>
+                <a:solidFill>
+                  <a:srgbClr val="F8F8F2"/>
+                </a:solidFill>
+                <a:effectLst/>
+                <a:latin typeface="Courier New" panose="02070309020205020404" pitchFamily="49" charset="0"/>
+                <a:cs typeface="Courier New" panose="02070309020205020404" pitchFamily="49" charset="0"/>
+              </a:rPr>
+              <a:t>socket</a:t>
+            </a:r>
+            <a:r>
+              <a:rPr kumimoji="0" lang="it-IT" altLang="it-IT" sz="2000" b="0" i="1" u="none" strike="noStrike" cap="none" normalizeH="0" baseline="0" dirty="0" smtClean="0">
+                <a:ln>
+                  <a:noFill/>
+                </a:ln>
+                <a:solidFill>
+                  <a:srgbClr val="F8F8F2"/>
+                </a:solidFill>
+                <a:effectLst/>
+                <a:latin typeface="Courier New" panose="02070309020205020404" pitchFamily="49" charset="0"/>
+                <a:cs typeface="Courier New" panose="02070309020205020404" pitchFamily="49" charset="0"/>
+              </a:rPr>
+              <a:t> </a:t>
+            </a:r>
+            <a:r>
+              <a:rPr kumimoji="0" lang="it-IT" altLang="it-IT" sz="2000" b="0" i="0" u="none" strike="noStrike" cap="none" normalizeH="0" baseline="0" dirty="0" smtClean="0">
+                <a:ln>
+                  <a:noFill/>
+                </a:ln>
+                <a:solidFill>
+                  <a:srgbClr val="F92672"/>
+                </a:solidFill>
+                <a:effectLst/>
+                <a:latin typeface="Courier New" panose="02070309020205020404" pitchFamily="49" charset="0"/>
+                <a:cs typeface="Courier New" panose="02070309020205020404" pitchFamily="49" charset="0"/>
+              </a:rPr>
+              <a:t>= </a:t>
+            </a:r>
+            <a:r>
+              <a:rPr kumimoji="0" lang="it-IT" altLang="it-IT" sz="2000" b="0" i="1" u="none" strike="noStrike" cap="none" normalizeH="0" baseline="0" dirty="0" smtClean="0">
+                <a:ln>
+                  <a:noFill/>
+                </a:ln>
+                <a:solidFill>
+                  <a:srgbClr val="F8F8F2"/>
+                </a:solidFill>
+                <a:effectLst/>
+                <a:latin typeface="Courier New" panose="02070309020205020404" pitchFamily="49" charset="0"/>
+                <a:cs typeface="Courier New" panose="02070309020205020404" pitchFamily="49" charset="0"/>
+              </a:rPr>
+              <a:t>io</a:t>
+            </a:r>
+            <a:r>
+              <a:rPr kumimoji="0" lang="it-IT" altLang="it-IT" sz="2000" b="0" i="0" u="none" strike="noStrike" cap="none" normalizeH="0" baseline="0" dirty="0" smtClean="0">
+                <a:ln>
+                  <a:noFill/>
+                </a:ln>
+                <a:solidFill>
+                  <a:srgbClr val="F8F8F2"/>
+                </a:solidFill>
+                <a:effectLst/>
+                <a:latin typeface="Courier New" panose="02070309020205020404" pitchFamily="49" charset="0"/>
+                <a:cs typeface="Courier New" panose="02070309020205020404" pitchFamily="49" charset="0"/>
+              </a:rPr>
+              <a:t>()</a:t>
+            </a:r>
+            <a:r>
+              <a:rPr kumimoji="0" lang="it-IT" altLang="it-IT" sz="2000" b="0" i="0" u="none" strike="noStrike" cap="none" normalizeH="0" baseline="0" dirty="0" smtClean="0">
+                <a:ln>
+                  <a:noFill/>
+                </a:ln>
+                <a:solidFill>
+                  <a:srgbClr val="CC7832"/>
+                </a:solidFill>
+                <a:effectLst/>
+                <a:latin typeface="Courier New" panose="02070309020205020404" pitchFamily="49" charset="0"/>
+                <a:cs typeface="Courier New" panose="02070309020205020404" pitchFamily="49" charset="0"/>
+              </a:rPr>
+              <a:t>;</a:t>
+            </a:r>
+            <a:br>
+              <a:rPr kumimoji="0" lang="it-IT" altLang="it-IT" sz="2000" b="0" i="0" u="none" strike="noStrike" cap="none" normalizeH="0" baseline="0" dirty="0" smtClean="0">
+                <a:ln>
+                  <a:noFill/>
+                </a:ln>
+                <a:solidFill>
+                  <a:srgbClr val="CC7832"/>
+                </a:solidFill>
+                <a:effectLst/>
+                <a:latin typeface="Courier New" panose="02070309020205020404" pitchFamily="49" charset="0"/>
+                <a:cs typeface="Courier New" panose="02070309020205020404" pitchFamily="49" charset="0"/>
+              </a:rPr>
+            </a:br>
+            <a:r>
+              <a:rPr kumimoji="0" lang="it-IT" altLang="it-IT" sz="2000" b="0" i="0" u="none" strike="noStrike" cap="none" normalizeH="0" baseline="0" dirty="0" smtClean="0">
+                <a:ln>
+                  <a:noFill/>
+                </a:ln>
+                <a:solidFill>
+                  <a:srgbClr val="CC7832"/>
+                </a:solidFill>
+                <a:effectLst/>
+                <a:latin typeface="Courier New" panose="02070309020205020404" pitchFamily="49" charset="0"/>
+                <a:cs typeface="Courier New" panose="02070309020205020404" pitchFamily="49" charset="0"/>
+              </a:rPr>
+              <a:t>    </a:t>
+            </a:r>
+            <a:r>
+              <a:rPr kumimoji="0" lang="it-IT" altLang="it-IT" sz="2000" b="0" i="1" u="none" strike="noStrike" cap="none" normalizeH="0" baseline="0" dirty="0" err="1" smtClean="0">
+                <a:ln>
+                  <a:noFill/>
+                </a:ln>
+                <a:solidFill>
+                  <a:srgbClr val="F8F8F2"/>
+                </a:solidFill>
+                <a:effectLst/>
+                <a:latin typeface="Courier New" panose="02070309020205020404" pitchFamily="49" charset="0"/>
+                <a:cs typeface="Courier New" panose="02070309020205020404" pitchFamily="49" charset="0"/>
+              </a:rPr>
+              <a:t>socket</a:t>
+            </a:r>
+            <a:r>
+              <a:rPr kumimoji="0" lang="it-IT" altLang="it-IT" sz="2000" b="0" i="0" u="none" strike="noStrike" cap="none" normalizeH="0" baseline="0" dirty="0" err="1" smtClean="0">
+                <a:ln>
+                  <a:noFill/>
+                </a:ln>
+                <a:solidFill>
+                  <a:srgbClr val="F8F8F2"/>
+                </a:solidFill>
+                <a:effectLst/>
+                <a:latin typeface="Courier New" panose="02070309020205020404" pitchFamily="49" charset="0"/>
+                <a:cs typeface="Courier New" panose="02070309020205020404" pitchFamily="49" charset="0"/>
+              </a:rPr>
+              <a:t>.</a:t>
+            </a:r>
+            <a:r>
+              <a:rPr kumimoji="0" lang="it-IT" altLang="it-IT" sz="2000" b="0" i="0" u="none" strike="noStrike" cap="none" normalizeH="0" baseline="0" dirty="0" err="1" smtClean="0">
+                <a:ln>
+                  <a:noFill/>
+                </a:ln>
+                <a:solidFill>
+                  <a:srgbClr val="979748"/>
+                </a:solidFill>
+                <a:effectLst/>
+                <a:latin typeface="Courier New" panose="02070309020205020404" pitchFamily="49" charset="0"/>
+                <a:cs typeface="Courier New" panose="02070309020205020404" pitchFamily="49" charset="0"/>
+              </a:rPr>
+              <a:t>on</a:t>
+            </a:r>
+            <a:r>
+              <a:rPr kumimoji="0" lang="it-IT" altLang="it-IT" sz="2000" b="0" i="0" u="none" strike="noStrike" cap="none" normalizeH="0" baseline="0" dirty="0" smtClean="0">
+                <a:ln>
+                  <a:noFill/>
+                </a:ln>
+                <a:solidFill>
+                  <a:srgbClr val="F8F8F2"/>
+                </a:solidFill>
+                <a:effectLst/>
+                <a:latin typeface="Courier New" panose="02070309020205020404" pitchFamily="49" charset="0"/>
+                <a:cs typeface="Courier New" panose="02070309020205020404" pitchFamily="49" charset="0"/>
+              </a:rPr>
+              <a:t>(</a:t>
+            </a:r>
+            <a:r>
+              <a:rPr kumimoji="0" lang="it-IT" altLang="it-IT" sz="2000" b="0" i="0" u="none" strike="noStrike" cap="none" normalizeH="0" baseline="0" dirty="0" smtClean="0">
+                <a:ln>
+                  <a:noFill/>
+                </a:ln>
+                <a:solidFill>
+                  <a:srgbClr val="E6DB74"/>
+                </a:solidFill>
+                <a:effectLst/>
+                <a:latin typeface="Courier New" panose="02070309020205020404" pitchFamily="49" charset="0"/>
+                <a:cs typeface="Courier New" panose="02070309020205020404" pitchFamily="49" charset="0"/>
+              </a:rPr>
+              <a:t>'</a:t>
+            </a:r>
+            <a:r>
+              <a:rPr kumimoji="0" lang="it-IT" altLang="it-IT" sz="2000" b="0" i="0" u="none" strike="noStrike" cap="none" normalizeH="0" baseline="0" dirty="0" err="1" smtClean="0">
+                <a:ln>
+                  <a:noFill/>
+                </a:ln>
+                <a:solidFill>
+                  <a:srgbClr val="E6DB74"/>
+                </a:solidFill>
+                <a:effectLst/>
+                <a:latin typeface="Courier New" panose="02070309020205020404" pitchFamily="49" charset="0"/>
+                <a:cs typeface="Courier New" panose="02070309020205020404" pitchFamily="49" charset="0"/>
+              </a:rPr>
+              <a:t>pong</a:t>
+            </a:r>
+            <a:r>
+              <a:rPr kumimoji="0" lang="it-IT" altLang="it-IT" sz="2000" b="0" i="0" u="none" strike="noStrike" cap="none" normalizeH="0" baseline="0" dirty="0" smtClean="0">
+                <a:ln>
+                  <a:noFill/>
+                </a:ln>
+                <a:solidFill>
+                  <a:srgbClr val="E6DB74"/>
+                </a:solidFill>
+                <a:effectLst/>
+                <a:latin typeface="Courier New" panose="02070309020205020404" pitchFamily="49" charset="0"/>
+                <a:cs typeface="Courier New" panose="02070309020205020404" pitchFamily="49" charset="0"/>
+              </a:rPr>
+              <a:t>'</a:t>
+            </a:r>
+            <a:r>
+              <a:rPr kumimoji="0" lang="it-IT" altLang="it-IT" sz="2000" b="0" i="0" u="none" strike="noStrike" cap="none" normalizeH="0" baseline="0" dirty="0" smtClean="0">
+                <a:ln>
+                  <a:noFill/>
+                </a:ln>
+                <a:solidFill>
+                  <a:srgbClr val="CC7832"/>
+                </a:solidFill>
+                <a:effectLst/>
+                <a:latin typeface="Courier New" panose="02070309020205020404" pitchFamily="49" charset="0"/>
+                <a:cs typeface="Courier New" panose="02070309020205020404" pitchFamily="49" charset="0"/>
+              </a:rPr>
+              <a:t>, </a:t>
+            </a:r>
+            <a:r>
+              <a:rPr kumimoji="0" lang="it-IT" altLang="it-IT" sz="2000" b="0" i="0" u="none" strike="noStrike" cap="none" normalizeH="0" baseline="0" dirty="0" err="1" smtClean="0">
+                <a:ln>
+                  <a:noFill/>
+                </a:ln>
+                <a:solidFill>
+                  <a:srgbClr val="F92672"/>
+                </a:solidFill>
+                <a:effectLst/>
+                <a:latin typeface="Courier New" panose="02070309020205020404" pitchFamily="49" charset="0"/>
+                <a:cs typeface="Courier New" panose="02070309020205020404" pitchFamily="49" charset="0"/>
+              </a:rPr>
+              <a:t>function</a:t>
+            </a:r>
+            <a:r>
+              <a:rPr kumimoji="0" lang="it-IT" altLang="it-IT" sz="2000" b="0" i="0" u="none" strike="noStrike" cap="none" normalizeH="0" baseline="0" dirty="0" smtClean="0">
+                <a:ln>
+                  <a:noFill/>
+                </a:ln>
+                <a:solidFill>
+                  <a:srgbClr val="F8F8F2"/>
+                </a:solidFill>
+                <a:effectLst/>
+                <a:latin typeface="Courier New" panose="02070309020205020404" pitchFamily="49" charset="0"/>
+                <a:cs typeface="Courier New" panose="02070309020205020404" pitchFamily="49" charset="0"/>
+              </a:rPr>
+              <a:t>(</a:t>
+            </a:r>
+            <a:r>
+              <a:rPr kumimoji="0" lang="it-IT" altLang="it-IT" sz="2000" b="0" i="1" u="none" strike="noStrike" cap="none" normalizeH="0" baseline="0" dirty="0" smtClean="0">
+                <a:ln>
+                  <a:noFill/>
+                </a:ln>
+                <a:solidFill>
+                  <a:srgbClr val="FD971F"/>
+                </a:solidFill>
+                <a:effectLst/>
+                <a:latin typeface="Courier New" panose="02070309020205020404" pitchFamily="49" charset="0"/>
+                <a:cs typeface="Courier New" panose="02070309020205020404" pitchFamily="49" charset="0"/>
+              </a:rPr>
+              <a:t>data</a:t>
+            </a:r>
+            <a:r>
+              <a:rPr kumimoji="0" lang="it-IT" altLang="it-IT" sz="2000" b="0" i="0" u="none" strike="noStrike" cap="none" normalizeH="0" baseline="0" dirty="0" smtClean="0">
+                <a:ln>
+                  <a:noFill/>
+                </a:ln>
+                <a:solidFill>
+                  <a:srgbClr val="F8F8F2"/>
+                </a:solidFill>
+                <a:effectLst/>
+                <a:latin typeface="Courier New" panose="02070309020205020404" pitchFamily="49" charset="0"/>
+                <a:cs typeface="Courier New" panose="02070309020205020404" pitchFamily="49" charset="0"/>
+              </a:rPr>
+              <a:t>) {</a:t>
+            </a:r>
           </a:p>
           <a:p>
-            <a:pPr>
-              <a:buBlip>
-                <a:blip r:embed="rId8"/>
-              </a:buBlip>
+            <a:pPr marL="0" lvl="0" indent="0" defTabSz="914400">
+              <a:spcBef>
+                <a:spcPct val="0"/>
+              </a:spcBef>
+              <a:buClrTx/>
+              <a:buSzTx/>
+              <a:buNone/>
             </a:pPr>
             <a:r>
-              <a:rPr lang="it-IT" dirty="0" err="1" smtClean="0"/>
-              <a:t>Can’t</a:t>
-            </a:r>
-            <a:r>
-              <a:rPr lang="it-IT" dirty="0" smtClean="0"/>
+              <a:rPr lang="it-IT" altLang="it-IT" sz="2000" b="1" dirty="0" smtClean="0">
+                <a:latin typeface="Courier New" panose="02070309020205020404" pitchFamily="49" charset="0"/>
+                <a:cs typeface="Courier New" panose="02070309020205020404" pitchFamily="49" charset="0"/>
+              </a:rPr>
+              <a:t>	  //</a:t>
+            </a:r>
+            <a:r>
+              <a:rPr lang="it-IT" altLang="it-IT" sz="2000" b="1" dirty="0">
+                <a:latin typeface="Courier New" panose="02070309020205020404" pitchFamily="49" charset="0"/>
+                <a:cs typeface="Courier New" panose="02070309020205020404" pitchFamily="49" charset="0"/>
+              </a:rPr>
+              <a:t>do </a:t>
+            </a:r>
+            <a:r>
+              <a:rPr lang="it-IT" altLang="it-IT" sz="2000" b="1" dirty="0" err="1">
+                <a:latin typeface="Courier New" panose="02070309020205020404" pitchFamily="49" charset="0"/>
+                <a:cs typeface="Courier New" panose="02070309020205020404" pitchFamily="49" charset="0"/>
+              </a:rPr>
+              <a:t>something</a:t>
+            </a:r>
+            <a:r>
+              <a:rPr lang="it-IT" altLang="it-IT" sz="2000" b="1" dirty="0">
+                <a:latin typeface="Courier New" panose="02070309020205020404" pitchFamily="49" charset="0"/>
+                <a:cs typeface="Courier New" panose="02070309020205020404" pitchFamily="49" charset="0"/>
+              </a:rPr>
+              <a:t> with </a:t>
+            </a:r>
+            <a:r>
+              <a:rPr lang="it-IT" altLang="it-IT" sz="2000" b="1" dirty="0" err="1">
+                <a:latin typeface="Courier New" panose="02070309020205020404" pitchFamily="49" charset="0"/>
+                <a:cs typeface="Courier New" panose="02070309020205020404" pitchFamily="49" charset="0"/>
+              </a:rPr>
+              <a:t>received</a:t>
+            </a:r>
+            <a:r>
+              <a:rPr lang="it-IT" altLang="it-IT" sz="2000" b="1" dirty="0">
+                <a:latin typeface="Courier New" panose="02070309020205020404" pitchFamily="49" charset="0"/>
+                <a:cs typeface="Courier New" panose="02070309020205020404" pitchFamily="49" charset="0"/>
+              </a:rPr>
               <a:t> </a:t>
             </a:r>
             <a:r>
-              <a:rPr lang="it-IT" dirty="0"/>
-              <a:t>use UDP </a:t>
-            </a:r>
-            <a:r>
-              <a:rPr lang="it-IT" dirty="0" err="1" smtClean="0"/>
-              <a:t>protocol</a:t>
-            </a:r>
-            <a:endParaRPr lang="it-IT" dirty="0" smtClean="0"/>
+              <a:rPr lang="it-IT" altLang="it-IT" sz="2000" b="1" dirty="0" smtClean="0">
+                <a:latin typeface="Courier New" panose="02070309020205020404" pitchFamily="49" charset="0"/>
+                <a:cs typeface="Courier New" panose="02070309020205020404" pitchFamily="49" charset="0"/>
+              </a:rPr>
+              <a:t>data</a:t>
+            </a:r>
+          </a:p>
+          <a:p>
+            <a:pPr marL="0" lvl="0" indent="0" defTabSz="914400">
+              <a:spcBef>
+                <a:spcPct val="0"/>
+              </a:spcBef>
+              <a:buClrTx/>
+              <a:buSzTx/>
+              <a:buNone/>
+            </a:pPr>
+            <a:r>
+              <a:rPr kumimoji="0" lang="it-IT" altLang="it-IT" sz="2000" b="0" i="0" u="none" strike="noStrike" cap="none" normalizeH="0" baseline="0" dirty="0" smtClean="0">
+                <a:ln>
+                  <a:noFill/>
+                </a:ln>
+                <a:solidFill>
+                  <a:srgbClr val="F8F8F2"/>
+                </a:solidFill>
+                <a:effectLst/>
+                <a:latin typeface="Courier New" panose="02070309020205020404" pitchFamily="49" charset="0"/>
+                <a:cs typeface="Courier New" panose="02070309020205020404" pitchFamily="49" charset="0"/>
+              </a:rPr>
+              <a:t/>
+            </a:r>
+            <a:br>
+              <a:rPr kumimoji="0" lang="it-IT" altLang="it-IT" sz="2000" b="0" i="0" u="none" strike="noStrike" cap="none" normalizeH="0" baseline="0" dirty="0" smtClean="0">
+                <a:ln>
+                  <a:noFill/>
+                </a:ln>
+                <a:solidFill>
+                  <a:srgbClr val="F8F8F2"/>
+                </a:solidFill>
+                <a:effectLst/>
+                <a:latin typeface="Courier New" panose="02070309020205020404" pitchFamily="49" charset="0"/>
+                <a:cs typeface="Courier New" panose="02070309020205020404" pitchFamily="49" charset="0"/>
+              </a:rPr>
+            </a:br>
+            <a:r>
+              <a:rPr kumimoji="0" lang="it-IT" altLang="it-IT" sz="2000" b="0" i="0" u="none" strike="noStrike" cap="none" normalizeH="0" baseline="0" dirty="0" smtClean="0">
+                <a:ln>
+                  <a:noFill/>
+                </a:ln>
+                <a:solidFill>
+                  <a:srgbClr val="F8F8F2"/>
+                </a:solidFill>
+                <a:effectLst/>
+                <a:latin typeface="Courier New" panose="02070309020205020404" pitchFamily="49" charset="0"/>
+                <a:cs typeface="Courier New" panose="02070309020205020404" pitchFamily="49" charset="0"/>
+              </a:rPr>
+              <a:t>        console.</a:t>
+            </a:r>
+            <a:r>
+              <a:rPr kumimoji="0" lang="it-IT" altLang="it-IT" sz="2000" b="0" i="0" u="none" strike="noStrike" cap="none" normalizeH="0" baseline="0" dirty="0" smtClean="0">
+                <a:ln>
+                  <a:noFill/>
+                </a:ln>
+                <a:solidFill>
+                  <a:srgbClr val="979748"/>
+                </a:solidFill>
+                <a:effectLst/>
+                <a:latin typeface="Courier New" panose="02070309020205020404" pitchFamily="49" charset="0"/>
+                <a:cs typeface="Courier New" panose="02070309020205020404" pitchFamily="49" charset="0"/>
+              </a:rPr>
+              <a:t>log</a:t>
+            </a:r>
+            <a:r>
+              <a:rPr kumimoji="0" lang="it-IT" altLang="it-IT" sz="2000" b="0" i="0" u="none" strike="noStrike" cap="none" normalizeH="0" baseline="0" dirty="0" smtClean="0">
+                <a:ln>
+                  <a:noFill/>
+                </a:ln>
+                <a:solidFill>
+                  <a:srgbClr val="F8F8F2"/>
+                </a:solidFill>
+                <a:effectLst/>
+                <a:latin typeface="Courier New" panose="02070309020205020404" pitchFamily="49" charset="0"/>
+                <a:cs typeface="Courier New" panose="02070309020205020404" pitchFamily="49" charset="0"/>
+              </a:rPr>
+              <a:t>(</a:t>
+            </a:r>
+            <a:r>
+              <a:rPr kumimoji="0" lang="it-IT" altLang="it-IT" sz="2000" b="0" i="1" u="none" strike="noStrike" cap="none" normalizeH="0" baseline="0" dirty="0" smtClean="0">
+                <a:ln>
+                  <a:noFill/>
+                </a:ln>
+                <a:solidFill>
+                  <a:srgbClr val="FD971F"/>
+                </a:solidFill>
+                <a:effectLst/>
+                <a:latin typeface="Courier New" panose="02070309020205020404" pitchFamily="49" charset="0"/>
+                <a:cs typeface="Courier New" panose="02070309020205020404" pitchFamily="49" charset="0"/>
+              </a:rPr>
+              <a:t>data</a:t>
+            </a:r>
+            <a:r>
+              <a:rPr kumimoji="0" lang="it-IT" altLang="it-IT" sz="2000" b="0" i="0" u="none" strike="noStrike" cap="none" normalizeH="0" baseline="0" dirty="0" smtClean="0">
+                <a:ln>
+                  <a:noFill/>
+                </a:ln>
+                <a:solidFill>
+                  <a:srgbClr val="F8F8F2"/>
+                </a:solidFill>
+                <a:effectLst/>
+                <a:latin typeface="Courier New" panose="02070309020205020404" pitchFamily="49" charset="0"/>
+                <a:cs typeface="Courier New" panose="02070309020205020404" pitchFamily="49" charset="0"/>
+              </a:rPr>
+              <a:t>)</a:t>
+            </a:r>
+            <a:r>
+              <a:rPr kumimoji="0" lang="it-IT" altLang="it-IT" sz="2000" b="0" i="0" u="none" strike="noStrike" cap="none" normalizeH="0" baseline="0" dirty="0" smtClean="0">
+                <a:ln>
+                  <a:noFill/>
+                </a:ln>
+                <a:solidFill>
+                  <a:srgbClr val="CC7832"/>
+                </a:solidFill>
+                <a:effectLst/>
+                <a:latin typeface="Courier New" panose="02070309020205020404" pitchFamily="49" charset="0"/>
+                <a:cs typeface="Courier New" panose="02070309020205020404" pitchFamily="49" charset="0"/>
+              </a:rPr>
+              <a:t>;</a:t>
+            </a:r>
+            <a:br>
+              <a:rPr kumimoji="0" lang="it-IT" altLang="it-IT" sz="2000" b="0" i="0" u="none" strike="noStrike" cap="none" normalizeH="0" baseline="0" dirty="0" smtClean="0">
+                <a:ln>
+                  <a:noFill/>
+                </a:ln>
+                <a:solidFill>
+                  <a:srgbClr val="CC7832"/>
+                </a:solidFill>
+                <a:effectLst/>
+                <a:latin typeface="Courier New" panose="02070309020205020404" pitchFamily="49" charset="0"/>
+                <a:cs typeface="Courier New" panose="02070309020205020404" pitchFamily="49" charset="0"/>
+              </a:rPr>
+            </a:br>
+            <a:r>
+              <a:rPr kumimoji="0" lang="it-IT" altLang="it-IT" sz="2000" b="0" i="0" u="none" strike="noStrike" cap="none" normalizeH="0" baseline="0" dirty="0" smtClean="0">
+                <a:ln>
+                  <a:noFill/>
+                </a:ln>
+                <a:solidFill>
+                  <a:srgbClr val="CC7832"/>
+                </a:solidFill>
+                <a:effectLst/>
+                <a:latin typeface="Courier New" panose="02070309020205020404" pitchFamily="49" charset="0"/>
+                <a:cs typeface="Courier New" panose="02070309020205020404" pitchFamily="49" charset="0"/>
+              </a:rPr>
+              <a:t>    </a:t>
+            </a:r>
+            <a:r>
+              <a:rPr kumimoji="0" lang="it-IT" altLang="it-IT" sz="2000" b="0" i="0" u="none" strike="noStrike" cap="none" normalizeH="0" baseline="0" dirty="0" smtClean="0">
+                <a:ln>
+                  <a:noFill/>
+                </a:ln>
+                <a:solidFill>
+                  <a:srgbClr val="F8F8F2"/>
+                </a:solidFill>
+                <a:effectLst/>
+                <a:latin typeface="Courier New" panose="02070309020205020404" pitchFamily="49" charset="0"/>
+                <a:cs typeface="Courier New" panose="02070309020205020404" pitchFamily="49" charset="0"/>
+              </a:rPr>
+              <a:t>})</a:t>
+            </a:r>
+            <a:r>
+              <a:rPr kumimoji="0" lang="it-IT" altLang="it-IT" sz="2000" b="0" i="0" u="none" strike="noStrike" cap="none" normalizeH="0" baseline="0" dirty="0" smtClean="0">
+                <a:ln>
+                  <a:noFill/>
+                </a:ln>
+                <a:solidFill>
+                  <a:srgbClr val="CC7832"/>
+                </a:solidFill>
+                <a:effectLst/>
+                <a:latin typeface="Courier New" panose="02070309020205020404" pitchFamily="49" charset="0"/>
+                <a:cs typeface="Courier New" panose="02070309020205020404" pitchFamily="49" charset="0"/>
+              </a:rPr>
+              <a:t>;</a:t>
+            </a:r>
+            <a:br>
+              <a:rPr kumimoji="0" lang="it-IT" altLang="it-IT" sz="2000" b="0" i="0" u="none" strike="noStrike" cap="none" normalizeH="0" baseline="0" dirty="0" smtClean="0">
+                <a:ln>
+                  <a:noFill/>
+                </a:ln>
+                <a:solidFill>
+                  <a:srgbClr val="CC7832"/>
+                </a:solidFill>
+                <a:effectLst/>
+                <a:latin typeface="Courier New" panose="02070309020205020404" pitchFamily="49" charset="0"/>
+                <a:cs typeface="Courier New" panose="02070309020205020404" pitchFamily="49" charset="0"/>
+              </a:rPr>
+            </a:br>
+            <a:r>
+              <a:rPr kumimoji="0" lang="it-IT" altLang="it-IT" sz="2000" b="0" i="0" u="none" strike="noStrike" cap="none" normalizeH="0" baseline="0" dirty="0" smtClean="0">
+                <a:ln>
+                  <a:noFill/>
+                </a:ln>
+                <a:solidFill>
+                  <a:srgbClr val="CC7832"/>
+                </a:solidFill>
+                <a:effectLst/>
+                <a:latin typeface="Courier New" panose="02070309020205020404" pitchFamily="49" charset="0"/>
+                <a:cs typeface="Courier New" panose="02070309020205020404" pitchFamily="49" charset="0"/>
+              </a:rPr>
+              <a:t>    </a:t>
+            </a:r>
+            <a:r>
+              <a:rPr kumimoji="0" lang="it-IT" altLang="it-IT" sz="2000" b="0" i="1" u="none" strike="noStrike" cap="none" normalizeH="0" baseline="0" dirty="0" err="1" smtClean="0">
+                <a:ln>
+                  <a:noFill/>
+                </a:ln>
+                <a:solidFill>
+                  <a:srgbClr val="F8F8F2"/>
+                </a:solidFill>
+                <a:effectLst/>
+                <a:latin typeface="Courier New" panose="02070309020205020404" pitchFamily="49" charset="0"/>
+                <a:cs typeface="Courier New" panose="02070309020205020404" pitchFamily="49" charset="0"/>
+              </a:rPr>
+              <a:t>socket</a:t>
+            </a:r>
+            <a:r>
+              <a:rPr kumimoji="0" lang="it-IT" altLang="it-IT" sz="2000" b="0" i="0" u="none" strike="noStrike" cap="none" normalizeH="0" baseline="0" dirty="0" err="1" smtClean="0">
+                <a:ln>
+                  <a:noFill/>
+                </a:ln>
+                <a:solidFill>
+                  <a:srgbClr val="F8F8F2"/>
+                </a:solidFill>
+                <a:effectLst/>
+                <a:latin typeface="Courier New" panose="02070309020205020404" pitchFamily="49" charset="0"/>
+                <a:cs typeface="Courier New" panose="02070309020205020404" pitchFamily="49" charset="0"/>
+              </a:rPr>
+              <a:t>.</a:t>
+            </a:r>
+            <a:r>
+              <a:rPr kumimoji="0" lang="it-IT" altLang="it-IT" sz="2000" b="0" i="0" u="none" strike="noStrike" cap="none" normalizeH="0" baseline="0" dirty="0" err="1" smtClean="0">
+                <a:ln>
+                  <a:noFill/>
+                </a:ln>
+                <a:solidFill>
+                  <a:srgbClr val="979748"/>
+                </a:solidFill>
+                <a:effectLst/>
+                <a:latin typeface="Courier New" panose="02070309020205020404" pitchFamily="49" charset="0"/>
+                <a:cs typeface="Courier New" panose="02070309020205020404" pitchFamily="49" charset="0"/>
+              </a:rPr>
+              <a:t>emit</a:t>
+            </a:r>
+            <a:r>
+              <a:rPr kumimoji="0" lang="it-IT" altLang="it-IT" sz="2000" b="0" i="0" u="none" strike="noStrike" cap="none" normalizeH="0" baseline="0" dirty="0" smtClean="0">
+                <a:ln>
+                  <a:noFill/>
+                </a:ln>
+                <a:solidFill>
+                  <a:srgbClr val="F8F8F2"/>
+                </a:solidFill>
+                <a:effectLst/>
+                <a:latin typeface="Courier New" panose="02070309020205020404" pitchFamily="49" charset="0"/>
+                <a:cs typeface="Courier New" panose="02070309020205020404" pitchFamily="49" charset="0"/>
+              </a:rPr>
+              <a:t>(</a:t>
+            </a:r>
+            <a:r>
+              <a:rPr kumimoji="0" lang="it-IT" altLang="it-IT" sz="2000" b="0" i="0" u="none" strike="noStrike" cap="none" normalizeH="0" baseline="0" dirty="0" smtClean="0">
+                <a:ln>
+                  <a:noFill/>
+                </a:ln>
+                <a:solidFill>
+                  <a:srgbClr val="E6DB74"/>
+                </a:solidFill>
+                <a:effectLst/>
+                <a:latin typeface="Courier New" panose="02070309020205020404" pitchFamily="49" charset="0"/>
+                <a:cs typeface="Courier New" panose="02070309020205020404" pitchFamily="49" charset="0"/>
+              </a:rPr>
+              <a:t>'</a:t>
+            </a:r>
+            <a:r>
+              <a:rPr kumimoji="0" lang="it-IT" altLang="it-IT" sz="2000" b="0" i="0" u="none" strike="noStrike" cap="none" normalizeH="0" baseline="0" dirty="0" err="1" smtClean="0">
+                <a:ln>
+                  <a:noFill/>
+                </a:ln>
+                <a:solidFill>
+                  <a:srgbClr val="E6DB74"/>
+                </a:solidFill>
+                <a:effectLst/>
+                <a:latin typeface="Courier New" panose="02070309020205020404" pitchFamily="49" charset="0"/>
+                <a:cs typeface="Courier New" panose="02070309020205020404" pitchFamily="49" charset="0"/>
+              </a:rPr>
+              <a:t>ping</a:t>
+            </a:r>
+            <a:r>
+              <a:rPr kumimoji="0" lang="it-IT" altLang="it-IT" sz="2000" b="0" i="0" u="none" strike="noStrike" cap="none" normalizeH="0" baseline="0" dirty="0" smtClean="0">
+                <a:ln>
+                  <a:noFill/>
+                </a:ln>
+                <a:solidFill>
+                  <a:srgbClr val="E6DB74"/>
+                </a:solidFill>
+                <a:effectLst/>
+                <a:latin typeface="Courier New" panose="02070309020205020404" pitchFamily="49" charset="0"/>
+                <a:cs typeface="Courier New" panose="02070309020205020404" pitchFamily="49" charset="0"/>
+              </a:rPr>
+              <a:t>'</a:t>
+            </a:r>
+            <a:r>
+              <a:rPr kumimoji="0" lang="it-IT" altLang="it-IT" sz="2000" b="0" i="0" u="none" strike="noStrike" cap="none" normalizeH="0" baseline="0" dirty="0" smtClean="0">
+                <a:ln>
+                  <a:noFill/>
+                </a:ln>
+                <a:solidFill>
+                  <a:srgbClr val="CC7832"/>
+                </a:solidFill>
+                <a:effectLst/>
+                <a:latin typeface="Courier New" panose="02070309020205020404" pitchFamily="49" charset="0"/>
+                <a:cs typeface="Courier New" panose="02070309020205020404" pitchFamily="49" charset="0"/>
+              </a:rPr>
+              <a:t>, </a:t>
+            </a:r>
+            <a:r>
+              <a:rPr kumimoji="0" lang="it-IT" altLang="it-IT" sz="2000" b="0" i="0" u="none" strike="noStrike" cap="none" normalizeH="0" baseline="0" dirty="0" smtClean="0">
+                <a:ln>
+                  <a:noFill/>
+                </a:ln>
+                <a:solidFill>
+                  <a:srgbClr val="F8F8F2"/>
+                </a:solidFill>
+                <a:effectLst/>
+                <a:latin typeface="Courier New" panose="02070309020205020404" pitchFamily="49" charset="0"/>
+                <a:cs typeface="Courier New" panose="02070309020205020404" pitchFamily="49" charset="0"/>
+              </a:rPr>
+              <a:t>{ </a:t>
+            </a:r>
+            <a:r>
+              <a:rPr kumimoji="0" lang="it-IT" altLang="it-IT" sz="2000" b="0" i="0" u="none" strike="noStrike" cap="none" normalizeH="0" baseline="0" dirty="0" err="1" smtClean="0">
+                <a:ln>
+                  <a:noFill/>
+                </a:ln>
+                <a:solidFill>
+                  <a:srgbClr val="F8F8F2"/>
+                </a:solidFill>
+                <a:effectLst/>
+                <a:latin typeface="Courier New" panose="02070309020205020404" pitchFamily="49" charset="0"/>
+                <a:cs typeface="Courier New" panose="02070309020205020404" pitchFamily="49" charset="0"/>
+              </a:rPr>
+              <a:t>user</a:t>
+            </a:r>
+            <a:r>
+              <a:rPr kumimoji="0" lang="it-IT" altLang="it-IT" sz="2000" b="0" i="0" u="none" strike="noStrike" cap="none" normalizeH="0" baseline="0" dirty="0" smtClean="0">
+                <a:ln>
+                  <a:noFill/>
+                </a:ln>
+                <a:solidFill>
+                  <a:srgbClr val="F92672"/>
+                </a:solidFill>
+                <a:effectLst/>
+                <a:latin typeface="Courier New" panose="02070309020205020404" pitchFamily="49" charset="0"/>
+                <a:cs typeface="Courier New" panose="02070309020205020404" pitchFamily="49" charset="0"/>
+              </a:rPr>
+              <a:t>: </a:t>
+            </a:r>
+            <a:r>
+              <a:rPr kumimoji="0" lang="it-IT" altLang="it-IT" sz="2000" b="0" i="0" u="none" strike="noStrike" cap="none" normalizeH="0" baseline="0" dirty="0" smtClean="0">
+                <a:ln>
+                  <a:noFill/>
+                </a:ln>
+                <a:solidFill>
+                  <a:srgbClr val="E6DB74"/>
+                </a:solidFill>
+                <a:effectLst/>
+                <a:latin typeface="Courier New" panose="02070309020205020404" pitchFamily="49" charset="0"/>
+                <a:cs typeface="Courier New" panose="02070309020205020404" pitchFamily="49" charset="0"/>
+              </a:rPr>
+              <a:t>"Lotti" </a:t>
+            </a:r>
+            <a:r>
+              <a:rPr kumimoji="0" lang="it-IT" altLang="it-IT" sz="2000" b="0" i="0" u="none" strike="noStrike" cap="none" normalizeH="0" baseline="0" dirty="0" smtClean="0">
+                <a:ln>
+                  <a:noFill/>
+                </a:ln>
+                <a:solidFill>
+                  <a:srgbClr val="F8F8F2"/>
+                </a:solidFill>
+                <a:effectLst/>
+                <a:latin typeface="Courier New" panose="02070309020205020404" pitchFamily="49" charset="0"/>
+                <a:cs typeface="Courier New" panose="02070309020205020404" pitchFamily="49" charset="0"/>
+              </a:rPr>
+              <a:t>})</a:t>
+            </a:r>
+            <a:r>
+              <a:rPr kumimoji="0" lang="it-IT" altLang="it-IT" sz="2000" b="0" i="0" u="none" strike="noStrike" cap="none" normalizeH="0" baseline="0" dirty="0" smtClean="0">
+                <a:ln>
+                  <a:noFill/>
+                </a:ln>
+                <a:solidFill>
+                  <a:srgbClr val="CC7832"/>
+                </a:solidFill>
+                <a:effectLst/>
+                <a:latin typeface="Courier New" panose="02070309020205020404" pitchFamily="49" charset="0"/>
+                <a:cs typeface="Courier New" panose="02070309020205020404" pitchFamily="49" charset="0"/>
+              </a:rPr>
+              <a:t>;</a:t>
+            </a:r>
+            <a:br>
+              <a:rPr kumimoji="0" lang="it-IT" altLang="it-IT" sz="2000" b="0" i="0" u="none" strike="noStrike" cap="none" normalizeH="0" baseline="0" dirty="0" smtClean="0">
+                <a:ln>
+                  <a:noFill/>
+                </a:ln>
+                <a:solidFill>
+                  <a:srgbClr val="CC7832"/>
+                </a:solidFill>
+                <a:effectLst/>
+                <a:latin typeface="Courier New" panose="02070309020205020404" pitchFamily="49" charset="0"/>
+                <a:cs typeface="Courier New" panose="02070309020205020404" pitchFamily="49" charset="0"/>
+              </a:rPr>
+            </a:br>
+            <a:r>
+              <a:rPr kumimoji="0" lang="it-IT" altLang="it-IT" sz="2000" b="0" i="0" u="none" strike="noStrike" cap="none" normalizeH="0" baseline="0" dirty="0" smtClean="0">
+                <a:ln>
+                  <a:noFill/>
+                </a:ln>
+                <a:solidFill>
+                  <a:srgbClr val="F8F8F2"/>
+                </a:solidFill>
+                <a:effectLst/>
+                <a:latin typeface="Courier New" panose="02070309020205020404" pitchFamily="49" charset="0"/>
+                <a:cs typeface="Courier New" panose="02070309020205020404" pitchFamily="49" charset="0"/>
+              </a:rPr>
+              <a:t>&lt;/</a:t>
+            </a:r>
+            <a:r>
+              <a:rPr kumimoji="0" lang="it-IT" altLang="it-IT" sz="2000" b="1" i="0" u="none" strike="noStrike" cap="none" normalizeH="0" baseline="0" dirty="0" smtClean="0">
+                <a:ln>
+                  <a:noFill/>
+                </a:ln>
+                <a:solidFill>
+                  <a:srgbClr val="E3E3FF"/>
+                </a:solidFill>
+                <a:effectLst/>
+                <a:latin typeface="Courier New" panose="02070309020205020404" pitchFamily="49" charset="0"/>
+                <a:cs typeface="Courier New" panose="02070309020205020404" pitchFamily="49" charset="0"/>
+              </a:rPr>
+              <a:t>script</a:t>
+            </a:r>
+            <a:r>
+              <a:rPr kumimoji="0" lang="it-IT" altLang="it-IT" sz="2000" b="0" i="0" u="none" strike="noStrike" cap="none" normalizeH="0" baseline="0" dirty="0" smtClean="0">
+                <a:ln>
+                  <a:noFill/>
+                </a:ln>
+                <a:solidFill>
+                  <a:srgbClr val="F8F8F2"/>
+                </a:solidFill>
+                <a:effectLst/>
+                <a:latin typeface="Courier New" panose="02070309020205020404" pitchFamily="49" charset="0"/>
+                <a:cs typeface="Courier New" panose="02070309020205020404" pitchFamily="49" charset="0"/>
+              </a:rPr>
+              <a:t>&gt;</a:t>
+            </a:r>
+            <a:endParaRPr kumimoji="0" lang="it-IT" altLang="it-IT" sz="3200" b="0" i="0" u="none" strike="noStrike" cap="none" normalizeH="0" baseline="0" dirty="0" smtClean="0">
+              <a:ln>
+                <a:noFill/>
+              </a:ln>
+              <a:solidFill>
+                <a:schemeClr val="tx1"/>
+              </a:solidFill>
+              <a:effectLst/>
+              <a:latin typeface="Arial" panose="020B0604020202020204" pitchFamily="34" charset="0"/>
+            </a:endParaRPr>
           </a:p>
         </p:txBody>
       </p:sp>
     </p:spTree>
     <p:extLst>
       <p:ext uri="{BB962C8B-B14F-4D97-AF65-F5344CB8AC3E}">
-        <p14:creationId xmlns:p14="http://schemas.microsoft.com/office/powerpoint/2010/main" val="674937935"/>
+        <p14:creationId xmlns:p14="http://schemas.microsoft.com/office/powerpoint/2010/main" val="673698968"/>
       </p:ext>
     </p:extLst>
   </p:cSld>
@@ -5593,46 +6367,1560 @@
           <a:lstStyle/>
           <a:p>
             <a:r>
-              <a:rPr lang="it-IT" dirty="0" smtClean="0"/>
-              <a:t>Pong4</a:t>
+              <a:rPr lang="it-IT" smtClean="0"/>
+              <a:t>Socket.io: Server example</a:t>
             </a:r>
             <a:endParaRPr lang="it-IT" dirty="0"/>
           </a:p>
         </p:txBody>
       </p:sp>
-      <p:pic>
-        <p:nvPicPr>
-          <p:cNvPr id="4" name="Segnaposto contenuto 3"/>
-          <p:cNvPicPr>
-            <a:picLocks noGrp="1" noChangeAspect="1"/>
-          </p:cNvPicPr>
+      <p:sp>
+        <p:nvSpPr>
+          <p:cNvPr id="15" name="Rectangle 6"/>
+          <p:cNvSpPr>
+            <a:spLocks noGrp="1" noChangeArrowheads="1"/>
+          </p:cNvSpPr>
           <p:nvPr>
             <p:ph sz="quarter" idx="10"/>
           </p:nvPr>
-        </p:nvPicPr>
-        <p:blipFill>
-          <a:blip r:embed="rId2">
-            <a:extLst>
-              <a:ext uri="{28A0092B-C50C-407E-A947-70E740481C1C}">
-                <a14:useLocalDpi xmlns:a14="http://schemas.microsoft.com/office/drawing/2010/main" val="0"/>
-              </a:ext>
-            </a:extLst>
-          </a:blip>
-          <a:stretch>
-            <a:fillRect/>
-          </a:stretch>
-        </p:blipFill>
-        <p:spPr>
+        </p:nvSpPr>
+        <p:spPr bwMode="auto">
           <a:xfrm>
-            <a:off x="2295505" y="1603375"/>
-            <a:ext cx="4552989" cy="4562475"/>
+            <a:off x="628650" y="1437456"/>
+            <a:ext cx="7759774" cy="4893647"/>
           </a:xfrm>
+          <a:prstGeom prst="rect">
+            <a:avLst/>
+          </a:prstGeom>
+          <a:noFill/>
+          <a:ln>
+            <a:noFill/>
+          </a:ln>
+          <a:effectLst/>
         </p:spPr>
-      </p:pic>
+        <p:txBody>
+          <a:bodyPr vert="horz" wrap="square" lIns="91440" tIns="45720" rIns="91440" bIns="45720" numCol="1" anchor="ctr" anchorCtr="0" compatLnSpc="1">
+            <a:prstTxWarp prst="textNoShape">
+              <a:avLst/>
+            </a:prstTxWarp>
+            <a:spAutoFit/>
+          </a:bodyPr>
+          <a:lstStyle/>
+          <a:p>
+            <a:pPr marL="0" marR="0" lvl="0" indent="0" algn="l" defTabSz="914400" rtl="0" eaLnBrk="0" fontAlgn="base" latinLnBrk="0" hangingPunct="0">
+              <a:lnSpc>
+                <a:spcPct val="100000"/>
+              </a:lnSpc>
+              <a:spcBef>
+                <a:spcPct val="0"/>
+              </a:spcBef>
+              <a:spcAft>
+                <a:spcPct val="0"/>
+              </a:spcAft>
+              <a:buClrTx/>
+              <a:buSzTx/>
+              <a:buFontTx/>
+              <a:buNone/>
+              <a:tabLst/>
+            </a:pPr>
+            <a:r>
+              <a:rPr kumimoji="0" lang="it-IT" altLang="it-IT" sz="2400" b="0" i="0" u="none" strike="noStrike" cap="none" normalizeH="0" baseline="0" dirty="0" err="1" smtClean="0">
+                <a:ln>
+                  <a:noFill/>
+                </a:ln>
+                <a:solidFill>
+                  <a:srgbClr val="F92672"/>
+                </a:solidFill>
+                <a:effectLst/>
+                <a:latin typeface="Courier New" panose="02070309020205020404" pitchFamily="49" charset="0"/>
+                <a:cs typeface="Courier New" panose="02070309020205020404" pitchFamily="49" charset="0"/>
+              </a:rPr>
+              <a:t>var</a:t>
+            </a:r>
+            <a:r>
+              <a:rPr kumimoji="0" lang="it-IT" altLang="it-IT" sz="2400" b="0" i="0" u="none" strike="noStrike" cap="none" normalizeH="0" baseline="0" dirty="0" smtClean="0">
+                <a:ln>
+                  <a:noFill/>
+                </a:ln>
+                <a:solidFill>
+                  <a:srgbClr val="F92672"/>
+                </a:solidFill>
+                <a:effectLst/>
+                <a:latin typeface="Courier New" panose="02070309020205020404" pitchFamily="49" charset="0"/>
+                <a:cs typeface="Courier New" panose="02070309020205020404" pitchFamily="49" charset="0"/>
+              </a:rPr>
+              <a:t> </a:t>
+            </a:r>
+            <a:r>
+              <a:rPr kumimoji="0" lang="it-IT" altLang="it-IT" sz="2400" b="0" i="0" u="none" strike="noStrike" cap="none" normalizeH="0" baseline="0" dirty="0" err="1" smtClean="0">
+                <a:ln>
+                  <a:noFill/>
+                </a:ln>
+                <a:solidFill>
+                  <a:srgbClr val="64A2A2"/>
+                </a:solidFill>
+                <a:effectLst/>
+                <a:latin typeface="Courier New" panose="02070309020205020404" pitchFamily="49" charset="0"/>
+                <a:cs typeface="Courier New" panose="02070309020205020404" pitchFamily="49" charset="0"/>
+              </a:rPr>
+              <a:t>app</a:t>
+            </a:r>
+            <a:r>
+              <a:rPr kumimoji="0" lang="it-IT" altLang="it-IT" sz="2400" b="0" i="0" u="none" strike="noStrike" cap="none" normalizeH="0" baseline="0" dirty="0" smtClean="0">
+                <a:ln>
+                  <a:noFill/>
+                </a:ln>
+                <a:solidFill>
+                  <a:srgbClr val="64A2A2"/>
+                </a:solidFill>
+                <a:effectLst/>
+                <a:latin typeface="Courier New" panose="02070309020205020404" pitchFamily="49" charset="0"/>
+                <a:cs typeface="Courier New" panose="02070309020205020404" pitchFamily="49" charset="0"/>
+              </a:rPr>
+              <a:t> </a:t>
+            </a:r>
+            <a:r>
+              <a:rPr kumimoji="0" lang="it-IT" altLang="it-IT" sz="2400" b="0" i="0" u="none" strike="noStrike" cap="none" normalizeH="0" baseline="0" dirty="0" smtClean="0">
+                <a:ln>
+                  <a:noFill/>
+                </a:ln>
+                <a:solidFill>
+                  <a:srgbClr val="F92672"/>
+                </a:solidFill>
+                <a:effectLst/>
+                <a:latin typeface="Courier New" panose="02070309020205020404" pitchFamily="49" charset="0"/>
+                <a:cs typeface="Courier New" panose="02070309020205020404" pitchFamily="49" charset="0"/>
+              </a:rPr>
+              <a:t>= </a:t>
+            </a:r>
+            <a:r>
+              <a:rPr kumimoji="0" lang="it-IT" altLang="it-IT" sz="2400" b="0" i="0" u="none" strike="noStrike" cap="none" normalizeH="0" baseline="0" dirty="0" err="1" smtClean="0">
+                <a:ln>
+                  <a:noFill/>
+                </a:ln>
+                <a:solidFill>
+                  <a:srgbClr val="F8F8F2"/>
+                </a:solidFill>
+                <a:effectLst/>
+                <a:latin typeface="Courier New" panose="02070309020205020404" pitchFamily="49" charset="0"/>
+                <a:cs typeface="Courier New" panose="02070309020205020404" pitchFamily="49" charset="0"/>
+              </a:rPr>
+              <a:t>require</a:t>
+            </a:r>
+            <a:r>
+              <a:rPr kumimoji="0" lang="it-IT" altLang="it-IT" sz="2400" b="0" i="0" u="none" strike="noStrike" cap="none" normalizeH="0" baseline="0" dirty="0" smtClean="0">
+                <a:ln>
+                  <a:noFill/>
+                </a:ln>
+                <a:solidFill>
+                  <a:srgbClr val="F8F8F2"/>
+                </a:solidFill>
+                <a:effectLst/>
+                <a:latin typeface="Courier New" panose="02070309020205020404" pitchFamily="49" charset="0"/>
+                <a:cs typeface="Courier New" panose="02070309020205020404" pitchFamily="49" charset="0"/>
+              </a:rPr>
+              <a:t>(</a:t>
+            </a:r>
+            <a:r>
+              <a:rPr kumimoji="0" lang="it-IT" altLang="it-IT" sz="2400" b="0" i="0" u="none" strike="noStrike" cap="none" normalizeH="0" baseline="0" dirty="0" smtClean="0">
+                <a:ln>
+                  <a:noFill/>
+                </a:ln>
+                <a:solidFill>
+                  <a:srgbClr val="E6DB74"/>
+                </a:solidFill>
+                <a:effectLst/>
+                <a:latin typeface="Courier New" panose="02070309020205020404" pitchFamily="49" charset="0"/>
+                <a:cs typeface="Courier New" panose="02070309020205020404" pitchFamily="49" charset="0"/>
+              </a:rPr>
+              <a:t>'express'</a:t>
+            </a:r>
+            <a:r>
+              <a:rPr kumimoji="0" lang="it-IT" altLang="it-IT" sz="2400" b="0" i="0" u="none" strike="noStrike" cap="none" normalizeH="0" baseline="0" dirty="0" smtClean="0">
+                <a:ln>
+                  <a:noFill/>
+                </a:ln>
+                <a:solidFill>
+                  <a:srgbClr val="F8F8F2"/>
+                </a:solidFill>
+                <a:effectLst/>
+                <a:latin typeface="Courier New" panose="02070309020205020404" pitchFamily="49" charset="0"/>
+                <a:cs typeface="Courier New" panose="02070309020205020404" pitchFamily="49" charset="0"/>
+              </a:rPr>
+              <a:t>)()</a:t>
+            </a:r>
+            <a:r>
+              <a:rPr kumimoji="0" lang="it-IT" altLang="it-IT" sz="2400" b="0" i="0" u="none" strike="noStrike" cap="none" normalizeH="0" baseline="0" dirty="0" smtClean="0">
+                <a:ln>
+                  <a:noFill/>
+                </a:ln>
+                <a:solidFill>
+                  <a:srgbClr val="CC7832"/>
+                </a:solidFill>
+                <a:effectLst/>
+                <a:latin typeface="Courier New" panose="02070309020205020404" pitchFamily="49" charset="0"/>
+                <a:cs typeface="Courier New" panose="02070309020205020404" pitchFamily="49" charset="0"/>
+              </a:rPr>
+              <a:t>;</a:t>
+            </a:r>
+            <a:br>
+              <a:rPr kumimoji="0" lang="it-IT" altLang="it-IT" sz="2400" b="0" i="0" u="none" strike="noStrike" cap="none" normalizeH="0" baseline="0" dirty="0" smtClean="0">
+                <a:ln>
+                  <a:noFill/>
+                </a:ln>
+                <a:solidFill>
+                  <a:srgbClr val="CC7832"/>
+                </a:solidFill>
+                <a:effectLst/>
+                <a:latin typeface="Courier New" panose="02070309020205020404" pitchFamily="49" charset="0"/>
+                <a:cs typeface="Courier New" panose="02070309020205020404" pitchFamily="49" charset="0"/>
+              </a:rPr>
+            </a:br>
+            <a:r>
+              <a:rPr kumimoji="0" lang="it-IT" altLang="it-IT" sz="2400" b="0" i="0" u="none" strike="noStrike" cap="none" normalizeH="0" baseline="0" dirty="0" err="1" smtClean="0">
+                <a:ln>
+                  <a:noFill/>
+                </a:ln>
+                <a:solidFill>
+                  <a:srgbClr val="F92672"/>
+                </a:solidFill>
+                <a:effectLst/>
+                <a:latin typeface="Courier New" panose="02070309020205020404" pitchFamily="49" charset="0"/>
+                <a:cs typeface="Courier New" panose="02070309020205020404" pitchFamily="49" charset="0"/>
+              </a:rPr>
+              <a:t>var</a:t>
+            </a:r>
+            <a:r>
+              <a:rPr kumimoji="0" lang="it-IT" altLang="it-IT" sz="2400" b="0" i="0" u="none" strike="noStrike" cap="none" normalizeH="0" baseline="0" dirty="0" smtClean="0">
+                <a:ln>
+                  <a:noFill/>
+                </a:ln>
+                <a:solidFill>
+                  <a:srgbClr val="F92672"/>
+                </a:solidFill>
+                <a:effectLst/>
+                <a:latin typeface="Courier New" panose="02070309020205020404" pitchFamily="49" charset="0"/>
+                <a:cs typeface="Courier New" panose="02070309020205020404" pitchFamily="49" charset="0"/>
+              </a:rPr>
+              <a:t> </a:t>
+            </a:r>
+            <a:r>
+              <a:rPr kumimoji="0" lang="it-IT" altLang="it-IT" sz="2400" b="0" i="0" u="none" strike="noStrike" cap="none" normalizeH="0" baseline="0" dirty="0" smtClean="0">
+                <a:ln>
+                  <a:noFill/>
+                </a:ln>
+                <a:solidFill>
+                  <a:srgbClr val="64A2A2"/>
+                </a:solidFill>
+                <a:effectLst/>
+                <a:latin typeface="Courier New" panose="02070309020205020404" pitchFamily="49" charset="0"/>
+                <a:cs typeface="Courier New" panose="02070309020205020404" pitchFamily="49" charset="0"/>
+              </a:rPr>
+              <a:t>http </a:t>
+            </a:r>
+            <a:r>
+              <a:rPr kumimoji="0" lang="it-IT" altLang="it-IT" sz="2400" b="0" i="0" u="none" strike="noStrike" cap="none" normalizeH="0" baseline="0" dirty="0" smtClean="0">
+                <a:ln>
+                  <a:noFill/>
+                </a:ln>
+                <a:solidFill>
+                  <a:srgbClr val="F92672"/>
+                </a:solidFill>
+                <a:effectLst/>
+                <a:latin typeface="Courier New" panose="02070309020205020404" pitchFamily="49" charset="0"/>
+                <a:cs typeface="Courier New" panose="02070309020205020404" pitchFamily="49" charset="0"/>
+              </a:rPr>
+              <a:t>= </a:t>
+            </a:r>
+            <a:r>
+              <a:rPr kumimoji="0" lang="it-IT" altLang="it-IT" sz="2400" b="0" i="0" u="none" strike="noStrike" cap="none" normalizeH="0" baseline="0" dirty="0" err="1" smtClean="0">
+                <a:ln>
+                  <a:noFill/>
+                </a:ln>
+                <a:solidFill>
+                  <a:srgbClr val="F8F8F2"/>
+                </a:solidFill>
+                <a:effectLst/>
+                <a:latin typeface="Courier New" panose="02070309020205020404" pitchFamily="49" charset="0"/>
+                <a:cs typeface="Courier New" panose="02070309020205020404" pitchFamily="49" charset="0"/>
+              </a:rPr>
+              <a:t>require</a:t>
+            </a:r>
+            <a:r>
+              <a:rPr kumimoji="0" lang="it-IT" altLang="it-IT" sz="2400" b="0" i="0" u="none" strike="noStrike" cap="none" normalizeH="0" baseline="0" dirty="0" smtClean="0">
+                <a:ln>
+                  <a:noFill/>
+                </a:ln>
+                <a:solidFill>
+                  <a:srgbClr val="F8F8F2"/>
+                </a:solidFill>
+                <a:effectLst/>
+                <a:latin typeface="Courier New" panose="02070309020205020404" pitchFamily="49" charset="0"/>
+                <a:cs typeface="Courier New" panose="02070309020205020404" pitchFamily="49" charset="0"/>
+              </a:rPr>
+              <a:t>(</a:t>
+            </a:r>
+            <a:r>
+              <a:rPr kumimoji="0" lang="it-IT" altLang="it-IT" sz="2400" b="0" i="0" u="none" strike="noStrike" cap="none" normalizeH="0" baseline="0" dirty="0" smtClean="0">
+                <a:ln>
+                  <a:noFill/>
+                </a:ln>
+                <a:solidFill>
+                  <a:srgbClr val="E6DB74"/>
+                </a:solidFill>
+                <a:effectLst/>
+                <a:latin typeface="Courier New" panose="02070309020205020404" pitchFamily="49" charset="0"/>
+                <a:cs typeface="Courier New" panose="02070309020205020404" pitchFamily="49" charset="0"/>
+              </a:rPr>
+              <a:t>'http'</a:t>
+            </a:r>
+            <a:r>
+              <a:rPr kumimoji="0" lang="it-IT" altLang="it-IT" sz="2400" b="0" i="0" u="none" strike="noStrike" cap="none" normalizeH="0" baseline="0" dirty="0" smtClean="0">
+                <a:ln>
+                  <a:noFill/>
+                </a:ln>
+                <a:solidFill>
+                  <a:srgbClr val="F8F8F2"/>
+                </a:solidFill>
+                <a:effectLst/>
+                <a:latin typeface="Courier New" panose="02070309020205020404" pitchFamily="49" charset="0"/>
+                <a:cs typeface="Courier New" panose="02070309020205020404" pitchFamily="49" charset="0"/>
+              </a:rPr>
+              <a:t>).Server(</a:t>
+            </a:r>
+            <a:r>
+              <a:rPr kumimoji="0" lang="it-IT" altLang="it-IT" sz="2400" b="0" i="0" u="none" strike="noStrike" cap="none" normalizeH="0" baseline="0" dirty="0" err="1" smtClean="0">
+                <a:ln>
+                  <a:noFill/>
+                </a:ln>
+                <a:solidFill>
+                  <a:srgbClr val="64A2A2"/>
+                </a:solidFill>
+                <a:effectLst/>
+                <a:latin typeface="Courier New" panose="02070309020205020404" pitchFamily="49" charset="0"/>
+                <a:cs typeface="Courier New" panose="02070309020205020404" pitchFamily="49" charset="0"/>
+              </a:rPr>
+              <a:t>app</a:t>
+            </a:r>
+            <a:r>
+              <a:rPr kumimoji="0" lang="it-IT" altLang="it-IT" sz="2400" b="0" i="0" u="none" strike="noStrike" cap="none" normalizeH="0" baseline="0" dirty="0" smtClean="0">
+                <a:ln>
+                  <a:noFill/>
+                </a:ln>
+                <a:solidFill>
+                  <a:srgbClr val="F8F8F2"/>
+                </a:solidFill>
+                <a:effectLst/>
+                <a:latin typeface="Courier New" panose="02070309020205020404" pitchFamily="49" charset="0"/>
+                <a:cs typeface="Courier New" panose="02070309020205020404" pitchFamily="49" charset="0"/>
+              </a:rPr>
+              <a:t>)</a:t>
+            </a:r>
+            <a:r>
+              <a:rPr kumimoji="0" lang="it-IT" altLang="it-IT" sz="2400" b="0" i="0" u="none" strike="noStrike" cap="none" normalizeH="0" baseline="0" dirty="0" smtClean="0">
+                <a:ln>
+                  <a:noFill/>
+                </a:ln>
+                <a:solidFill>
+                  <a:srgbClr val="CC7832"/>
+                </a:solidFill>
+                <a:effectLst/>
+                <a:latin typeface="Courier New" panose="02070309020205020404" pitchFamily="49" charset="0"/>
+                <a:cs typeface="Courier New" panose="02070309020205020404" pitchFamily="49" charset="0"/>
+              </a:rPr>
+              <a:t>;</a:t>
+            </a:r>
+            <a:br>
+              <a:rPr kumimoji="0" lang="it-IT" altLang="it-IT" sz="2400" b="0" i="0" u="none" strike="noStrike" cap="none" normalizeH="0" baseline="0" dirty="0" smtClean="0">
+                <a:ln>
+                  <a:noFill/>
+                </a:ln>
+                <a:solidFill>
+                  <a:srgbClr val="CC7832"/>
+                </a:solidFill>
+                <a:effectLst/>
+                <a:latin typeface="Courier New" panose="02070309020205020404" pitchFamily="49" charset="0"/>
+                <a:cs typeface="Courier New" panose="02070309020205020404" pitchFamily="49" charset="0"/>
+              </a:rPr>
+            </a:br>
+            <a:r>
+              <a:rPr kumimoji="0" lang="it-IT" altLang="it-IT" sz="2400" b="0" i="0" u="none" strike="noStrike" cap="none" normalizeH="0" baseline="0" dirty="0" err="1" smtClean="0">
+                <a:ln>
+                  <a:noFill/>
+                </a:ln>
+                <a:solidFill>
+                  <a:srgbClr val="F92672"/>
+                </a:solidFill>
+                <a:effectLst/>
+                <a:latin typeface="Courier New" panose="02070309020205020404" pitchFamily="49" charset="0"/>
+                <a:cs typeface="Courier New" panose="02070309020205020404" pitchFamily="49" charset="0"/>
+              </a:rPr>
+              <a:t>var</a:t>
+            </a:r>
+            <a:r>
+              <a:rPr kumimoji="0" lang="it-IT" altLang="it-IT" sz="2400" b="0" i="0" u="none" strike="noStrike" cap="none" normalizeH="0" baseline="0" dirty="0" smtClean="0">
+                <a:ln>
+                  <a:noFill/>
+                </a:ln>
+                <a:solidFill>
+                  <a:srgbClr val="F92672"/>
+                </a:solidFill>
+                <a:effectLst/>
+                <a:latin typeface="Courier New" panose="02070309020205020404" pitchFamily="49" charset="0"/>
+                <a:cs typeface="Courier New" panose="02070309020205020404" pitchFamily="49" charset="0"/>
+              </a:rPr>
+              <a:t> </a:t>
+            </a:r>
+            <a:r>
+              <a:rPr kumimoji="0" lang="it-IT" altLang="it-IT" sz="2400" b="0" i="0" u="none" strike="noStrike" cap="none" normalizeH="0" baseline="0" dirty="0" smtClean="0">
+                <a:ln>
+                  <a:noFill/>
+                </a:ln>
+                <a:solidFill>
+                  <a:srgbClr val="64A2A2"/>
+                </a:solidFill>
+                <a:effectLst/>
+                <a:latin typeface="Courier New" panose="02070309020205020404" pitchFamily="49" charset="0"/>
+                <a:cs typeface="Courier New" panose="02070309020205020404" pitchFamily="49" charset="0"/>
+              </a:rPr>
+              <a:t>io </a:t>
+            </a:r>
+            <a:r>
+              <a:rPr kumimoji="0" lang="it-IT" altLang="it-IT" sz="2400" b="0" i="0" u="none" strike="noStrike" cap="none" normalizeH="0" baseline="0" dirty="0" smtClean="0">
+                <a:ln>
+                  <a:noFill/>
+                </a:ln>
+                <a:solidFill>
+                  <a:srgbClr val="F92672"/>
+                </a:solidFill>
+                <a:effectLst/>
+                <a:latin typeface="Courier New" panose="02070309020205020404" pitchFamily="49" charset="0"/>
+                <a:cs typeface="Courier New" panose="02070309020205020404" pitchFamily="49" charset="0"/>
+              </a:rPr>
+              <a:t>= </a:t>
+            </a:r>
+            <a:r>
+              <a:rPr kumimoji="0" lang="it-IT" altLang="it-IT" sz="2400" b="0" i="0" u="none" strike="noStrike" cap="none" normalizeH="0" baseline="0" dirty="0" err="1" smtClean="0">
+                <a:ln>
+                  <a:noFill/>
+                </a:ln>
+                <a:solidFill>
+                  <a:srgbClr val="F8F8F2"/>
+                </a:solidFill>
+                <a:effectLst/>
+                <a:latin typeface="Courier New" panose="02070309020205020404" pitchFamily="49" charset="0"/>
+                <a:cs typeface="Courier New" panose="02070309020205020404" pitchFamily="49" charset="0"/>
+              </a:rPr>
+              <a:t>require</a:t>
+            </a:r>
+            <a:r>
+              <a:rPr kumimoji="0" lang="it-IT" altLang="it-IT" sz="2400" b="0" i="0" u="none" strike="noStrike" cap="none" normalizeH="0" baseline="0" dirty="0" smtClean="0">
+                <a:ln>
+                  <a:noFill/>
+                </a:ln>
+                <a:solidFill>
+                  <a:srgbClr val="F8F8F2"/>
+                </a:solidFill>
+                <a:effectLst/>
+                <a:latin typeface="Courier New" panose="02070309020205020404" pitchFamily="49" charset="0"/>
+                <a:cs typeface="Courier New" panose="02070309020205020404" pitchFamily="49" charset="0"/>
+              </a:rPr>
+              <a:t>(</a:t>
+            </a:r>
+            <a:r>
+              <a:rPr kumimoji="0" lang="it-IT" altLang="it-IT" sz="2400" b="0" i="0" u="none" strike="noStrike" cap="none" normalizeH="0" baseline="0" dirty="0" smtClean="0">
+                <a:ln>
+                  <a:noFill/>
+                </a:ln>
+                <a:solidFill>
+                  <a:srgbClr val="E6DB74"/>
+                </a:solidFill>
+                <a:effectLst/>
+                <a:latin typeface="Courier New" panose="02070309020205020404" pitchFamily="49" charset="0"/>
+                <a:cs typeface="Courier New" panose="02070309020205020404" pitchFamily="49" charset="0"/>
+              </a:rPr>
+              <a:t>'</a:t>
+            </a:r>
+            <a:r>
+              <a:rPr kumimoji="0" lang="it-IT" altLang="it-IT" sz="2400" b="0" i="0" u="none" strike="noStrike" cap="none" normalizeH="0" baseline="0" dirty="0" err="1" smtClean="0">
+                <a:ln>
+                  <a:noFill/>
+                </a:ln>
+                <a:solidFill>
+                  <a:srgbClr val="E6DB74"/>
+                </a:solidFill>
+                <a:effectLst/>
+                <a:latin typeface="Courier New" panose="02070309020205020404" pitchFamily="49" charset="0"/>
+                <a:cs typeface="Courier New" panose="02070309020205020404" pitchFamily="49" charset="0"/>
+              </a:rPr>
+              <a:t>socket.io</a:t>
+            </a:r>
+            <a:r>
+              <a:rPr kumimoji="0" lang="it-IT" altLang="it-IT" sz="2400" b="0" i="0" u="none" strike="noStrike" cap="none" normalizeH="0" baseline="0" dirty="0" smtClean="0">
+                <a:ln>
+                  <a:noFill/>
+                </a:ln>
+                <a:solidFill>
+                  <a:srgbClr val="E6DB74"/>
+                </a:solidFill>
+                <a:effectLst/>
+                <a:latin typeface="Courier New" panose="02070309020205020404" pitchFamily="49" charset="0"/>
+                <a:cs typeface="Courier New" panose="02070309020205020404" pitchFamily="49" charset="0"/>
+              </a:rPr>
+              <a:t>'</a:t>
+            </a:r>
+            <a:r>
+              <a:rPr kumimoji="0" lang="it-IT" altLang="it-IT" sz="2400" b="0" i="0" u="none" strike="noStrike" cap="none" normalizeH="0" baseline="0" dirty="0" smtClean="0">
+                <a:ln>
+                  <a:noFill/>
+                </a:ln>
+                <a:solidFill>
+                  <a:srgbClr val="F8F8F2"/>
+                </a:solidFill>
+                <a:effectLst/>
+                <a:latin typeface="Courier New" panose="02070309020205020404" pitchFamily="49" charset="0"/>
+                <a:cs typeface="Courier New" panose="02070309020205020404" pitchFamily="49" charset="0"/>
+              </a:rPr>
+              <a:t>)(</a:t>
+            </a:r>
+            <a:r>
+              <a:rPr kumimoji="0" lang="it-IT" altLang="it-IT" sz="2400" b="0" i="0" u="none" strike="noStrike" cap="none" normalizeH="0" baseline="0" dirty="0" smtClean="0">
+                <a:ln>
+                  <a:noFill/>
+                </a:ln>
+                <a:solidFill>
+                  <a:srgbClr val="64A2A2"/>
+                </a:solidFill>
+                <a:effectLst/>
+                <a:latin typeface="Courier New" panose="02070309020205020404" pitchFamily="49" charset="0"/>
+                <a:cs typeface="Courier New" panose="02070309020205020404" pitchFamily="49" charset="0"/>
+              </a:rPr>
+              <a:t>http</a:t>
+            </a:r>
+            <a:r>
+              <a:rPr kumimoji="0" lang="it-IT" altLang="it-IT" sz="2400" b="0" i="0" u="none" strike="noStrike" cap="none" normalizeH="0" baseline="0" dirty="0" smtClean="0">
+                <a:ln>
+                  <a:noFill/>
+                </a:ln>
+                <a:solidFill>
+                  <a:srgbClr val="F8F8F2"/>
+                </a:solidFill>
+                <a:effectLst/>
+                <a:latin typeface="Courier New" panose="02070309020205020404" pitchFamily="49" charset="0"/>
+                <a:cs typeface="Courier New" panose="02070309020205020404" pitchFamily="49" charset="0"/>
+              </a:rPr>
+              <a:t>)</a:t>
+            </a:r>
+            <a:r>
+              <a:rPr kumimoji="0" lang="it-IT" altLang="it-IT" sz="2400" b="0" i="0" u="none" strike="noStrike" cap="none" normalizeH="0" baseline="0" dirty="0" smtClean="0">
+                <a:ln>
+                  <a:noFill/>
+                </a:ln>
+                <a:solidFill>
+                  <a:srgbClr val="CC7832"/>
+                </a:solidFill>
+                <a:effectLst/>
+                <a:latin typeface="Courier New" panose="02070309020205020404" pitchFamily="49" charset="0"/>
+                <a:cs typeface="Courier New" panose="02070309020205020404" pitchFamily="49" charset="0"/>
+              </a:rPr>
+              <a:t>;</a:t>
+            </a:r>
+            <a:br>
+              <a:rPr kumimoji="0" lang="it-IT" altLang="it-IT" sz="2400" b="0" i="0" u="none" strike="noStrike" cap="none" normalizeH="0" baseline="0" dirty="0" smtClean="0">
+                <a:ln>
+                  <a:noFill/>
+                </a:ln>
+                <a:solidFill>
+                  <a:srgbClr val="CC7832"/>
+                </a:solidFill>
+                <a:effectLst/>
+                <a:latin typeface="Courier New" panose="02070309020205020404" pitchFamily="49" charset="0"/>
+                <a:cs typeface="Courier New" panose="02070309020205020404" pitchFamily="49" charset="0"/>
+              </a:rPr>
+            </a:br>
+            <a:r>
+              <a:rPr kumimoji="0" lang="it-IT" altLang="it-IT" sz="2400" b="0" i="0" u="none" strike="noStrike" cap="none" normalizeH="0" baseline="0" dirty="0" err="1" smtClean="0">
+                <a:ln>
+                  <a:noFill/>
+                </a:ln>
+                <a:solidFill>
+                  <a:srgbClr val="64A2A2"/>
+                </a:solidFill>
+                <a:effectLst/>
+                <a:latin typeface="Courier New" panose="02070309020205020404" pitchFamily="49" charset="0"/>
+                <a:cs typeface="Courier New" panose="02070309020205020404" pitchFamily="49" charset="0"/>
+              </a:rPr>
+              <a:t>io</a:t>
+            </a:r>
+            <a:r>
+              <a:rPr kumimoji="0" lang="it-IT" altLang="it-IT" sz="2400" b="0" i="0" u="none" strike="noStrike" cap="none" normalizeH="0" baseline="0" dirty="0" err="1" smtClean="0">
+                <a:ln>
+                  <a:noFill/>
+                </a:ln>
+                <a:solidFill>
+                  <a:srgbClr val="F8F8F2"/>
+                </a:solidFill>
+                <a:effectLst/>
+                <a:latin typeface="Courier New" panose="02070309020205020404" pitchFamily="49" charset="0"/>
+                <a:cs typeface="Courier New" panose="02070309020205020404" pitchFamily="49" charset="0"/>
+              </a:rPr>
+              <a:t>.</a:t>
+            </a:r>
+            <a:r>
+              <a:rPr kumimoji="0" lang="it-IT" altLang="it-IT" sz="2400" b="0" i="0" u="none" strike="noStrike" cap="none" normalizeH="0" baseline="0" dirty="0" err="1" smtClean="0">
+                <a:ln>
+                  <a:noFill/>
+                </a:ln>
+                <a:solidFill>
+                  <a:srgbClr val="A6E22E"/>
+                </a:solidFill>
+                <a:effectLst/>
+                <a:latin typeface="Courier New" panose="02070309020205020404" pitchFamily="49" charset="0"/>
+                <a:cs typeface="Courier New" panose="02070309020205020404" pitchFamily="49" charset="0"/>
+              </a:rPr>
+              <a:t>on</a:t>
+            </a:r>
+            <a:r>
+              <a:rPr kumimoji="0" lang="it-IT" altLang="it-IT" sz="2400" b="0" i="0" u="none" strike="noStrike" cap="none" normalizeH="0" baseline="0" dirty="0" smtClean="0">
+                <a:ln>
+                  <a:noFill/>
+                </a:ln>
+                <a:solidFill>
+                  <a:srgbClr val="F8F8F2"/>
+                </a:solidFill>
+                <a:effectLst/>
+                <a:latin typeface="Courier New" panose="02070309020205020404" pitchFamily="49" charset="0"/>
+                <a:cs typeface="Courier New" panose="02070309020205020404" pitchFamily="49" charset="0"/>
+              </a:rPr>
+              <a:t>(</a:t>
+            </a:r>
+            <a:r>
+              <a:rPr kumimoji="0" lang="it-IT" altLang="it-IT" sz="2400" b="0" i="0" u="none" strike="noStrike" cap="none" normalizeH="0" baseline="0" dirty="0" smtClean="0">
+                <a:ln>
+                  <a:noFill/>
+                </a:ln>
+                <a:solidFill>
+                  <a:srgbClr val="E6DB74"/>
+                </a:solidFill>
+                <a:effectLst/>
+                <a:latin typeface="Courier New" panose="02070309020205020404" pitchFamily="49" charset="0"/>
+                <a:cs typeface="Courier New" panose="02070309020205020404" pitchFamily="49" charset="0"/>
+              </a:rPr>
+              <a:t>'connection'</a:t>
+            </a:r>
+            <a:r>
+              <a:rPr kumimoji="0" lang="it-IT" altLang="it-IT" sz="2400" b="0" i="0" u="none" strike="noStrike" cap="none" normalizeH="0" baseline="0" dirty="0" smtClean="0">
+                <a:ln>
+                  <a:noFill/>
+                </a:ln>
+                <a:solidFill>
+                  <a:srgbClr val="CC7832"/>
+                </a:solidFill>
+                <a:effectLst/>
+                <a:latin typeface="Courier New" panose="02070309020205020404" pitchFamily="49" charset="0"/>
+                <a:cs typeface="Courier New" panose="02070309020205020404" pitchFamily="49" charset="0"/>
+              </a:rPr>
+              <a:t>, </a:t>
+            </a:r>
+            <a:r>
+              <a:rPr kumimoji="0" lang="it-IT" altLang="it-IT" sz="2400" b="0" i="0" u="none" strike="noStrike" cap="none" normalizeH="0" baseline="0" dirty="0" err="1" smtClean="0">
+                <a:ln>
+                  <a:noFill/>
+                </a:ln>
+                <a:solidFill>
+                  <a:srgbClr val="F92672"/>
+                </a:solidFill>
+                <a:effectLst/>
+                <a:latin typeface="Courier New" panose="02070309020205020404" pitchFamily="49" charset="0"/>
+                <a:cs typeface="Courier New" panose="02070309020205020404" pitchFamily="49" charset="0"/>
+              </a:rPr>
+              <a:t>function</a:t>
+            </a:r>
+            <a:r>
+              <a:rPr kumimoji="0" lang="it-IT" altLang="it-IT" sz="2400" b="0" i="0" u="none" strike="noStrike" cap="none" normalizeH="0" baseline="0" dirty="0" smtClean="0">
+                <a:ln>
+                  <a:noFill/>
+                </a:ln>
+                <a:solidFill>
+                  <a:srgbClr val="F8F8F2"/>
+                </a:solidFill>
+                <a:effectLst/>
+                <a:latin typeface="Courier New" panose="02070309020205020404" pitchFamily="49" charset="0"/>
+                <a:cs typeface="Courier New" panose="02070309020205020404" pitchFamily="49" charset="0"/>
+              </a:rPr>
+              <a:t>(</a:t>
+            </a:r>
+            <a:r>
+              <a:rPr kumimoji="0" lang="it-IT" altLang="it-IT" sz="2400" b="0" i="1" u="none" strike="noStrike" cap="none" normalizeH="0" baseline="0" dirty="0" err="1" smtClean="0">
+                <a:ln>
+                  <a:noFill/>
+                </a:ln>
+                <a:solidFill>
+                  <a:srgbClr val="FD971F"/>
+                </a:solidFill>
+                <a:effectLst/>
+                <a:latin typeface="Courier New" panose="02070309020205020404" pitchFamily="49" charset="0"/>
+                <a:cs typeface="Courier New" panose="02070309020205020404" pitchFamily="49" charset="0"/>
+              </a:rPr>
+              <a:t>socket</a:t>
+            </a:r>
+            <a:r>
+              <a:rPr kumimoji="0" lang="it-IT" altLang="it-IT" sz="2400" b="0" i="0" u="none" strike="noStrike" cap="none" normalizeH="0" baseline="0" dirty="0" smtClean="0">
+                <a:ln>
+                  <a:noFill/>
+                </a:ln>
+                <a:solidFill>
+                  <a:srgbClr val="F8F8F2"/>
+                </a:solidFill>
+                <a:effectLst/>
+                <a:latin typeface="Courier New" panose="02070309020205020404" pitchFamily="49" charset="0"/>
+                <a:cs typeface="Courier New" panose="02070309020205020404" pitchFamily="49" charset="0"/>
+              </a:rPr>
+              <a:t>) {</a:t>
+            </a:r>
+            <a:br>
+              <a:rPr kumimoji="0" lang="it-IT" altLang="it-IT" sz="2400" b="0" i="0" u="none" strike="noStrike" cap="none" normalizeH="0" baseline="0" dirty="0" smtClean="0">
+                <a:ln>
+                  <a:noFill/>
+                </a:ln>
+                <a:solidFill>
+                  <a:srgbClr val="F8F8F2"/>
+                </a:solidFill>
+                <a:effectLst/>
+                <a:latin typeface="Courier New" panose="02070309020205020404" pitchFamily="49" charset="0"/>
+                <a:cs typeface="Courier New" panose="02070309020205020404" pitchFamily="49" charset="0"/>
+              </a:rPr>
+            </a:br>
+            <a:r>
+              <a:rPr kumimoji="0" lang="it-IT" altLang="it-IT" sz="2400" b="0" i="0" u="none" strike="noStrike" cap="none" normalizeH="0" baseline="0" dirty="0" smtClean="0">
+                <a:ln>
+                  <a:noFill/>
+                </a:ln>
+                <a:solidFill>
+                  <a:srgbClr val="F8F8F2"/>
+                </a:solidFill>
+                <a:effectLst/>
+                <a:latin typeface="Courier New" panose="02070309020205020404" pitchFamily="49" charset="0"/>
+                <a:cs typeface="Courier New" panose="02070309020205020404" pitchFamily="49" charset="0"/>
+              </a:rPr>
+              <a:t>    </a:t>
+            </a:r>
+            <a:r>
+              <a:rPr kumimoji="0" lang="it-IT" altLang="it-IT" sz="2400" b="1" i="0" u="none" strike="noStrike" cap="none" normalizeH="0" baseline="0" dirty="0" smtClean="0">
+                <a:ln>
+                  <a:noFill/>
+                </a:ln>
+                <a:effectLst/>
+                <a:latin typeface="Courier New" panose="02070309020205020404" pitchFamily="49" charset="0"/>
+                <a:cs typeface="Courier New" panose="02070309020205020404" pitchFamily="49" charset="0"/>
+              </a:rPr>
+              <a:t>//a </a:t>
+            </a:r>
+            <a:r>
+              <a:rPr kumimoji="0" lang="it-IT" altLang="it-IT" sz="2400" b="1" i="0" u="none" strike="noStrike" cap="none" normalizeH="0" baseline="0" dirty="0" err="1" smtClean="0">
+                <a:ln>
+                  <a:noFill/>
+                </a:ln>
+                <a:effectLst/>
+                <a:latin typeface="Courier New" panose="02070309020205020404" pitchFamily="49" charset="0"/>
+                <a:cs typeface="Courier New" panose="02070309020205020404" pitchFamily="49" charset="0"/>
+              </a:rPr>
+              <a:t>socket</a:t>
+            </a:r>
+            <a:r>
+              <a:rPr kumimoji="0" lang="it-IT" altLang="it-IT" sz="2400" b="1" i="0" u="none" strike="noStrike" cap="none" normalizeH="0" baseline="0" dirty="0" smtClean="0">
+                <a:ln>
+                  <a:noFill/>
+                </a:ln>
+                <a:effectLst/>
+                <a:latin typeface="Courier New" panose="02070309020205020404" pitchFamily="49" charset="0"/>
+                <a:cs typeface="Courier New" panose="02070309020205020404" pitchFamily="49" charset="0"/>
+              </a:rPr>
+              <a:t> just </a:t>
+            </a:r>
+            <a:r>
+              <a:rPr kumimoji="0" lang="it-IT" altLang="it-IT" sz="2400" b="1" i="0" u="none" strike="noStrike" cap="none" normalizeH="0" baseline="0" dirty="0" err="1" smtClean="0">
+                <a:ln>
+                  <a:noFill/>
+                </a:ln>
+                <a:effectLst/>
+                <a:latin typeface="Courier New" panose="02070309020205020404" pitchFamily="49" charset="0"/>
+                <a:cs typeface="Courier New" panose="02070309020205020404" pitchFamily="49" charset="0"/>
+              </a:rPr>
+              <a:t>connected</a:t>
+            </a:r>
+            <a:r>
+              <a:rPr kumimoji="0" lang="it-IT" altLang="it-IT" sz="2400" b="1" i="0" u="none" strike="noStrike" cap="none" normalizeH="0" baseline="0" dirty="0" smtClean="0">
+                <a:ln>
+                  <a:noFill/>
+                </a:ln>
+                <a:effectLst/>
+                <a:latin typeface="Courier New" panose="02070309020205020404" pitchFamily="49" charset="0"/>
+                <a:cs typeface="Courier New" panose="02070309020205020404" pitchFamily="49" charset="0"/>
+              </a:rPr>
+              <a:t>!</a:t>
+            </a:r>
+            <a:br>
+              <a:rPr kumimoji="0" lang="it-IT" altLang="it-IT" sz="2400" b="1" i="0" u="none" strike="noStrike" cap="none" normalizeH="0" baseline="0" dirty="0" smtClean="0">
+                <a:ln>
+                  <a:noFill/>
+                </a:ln>
+                <a:effectLst/>
+                <a:latin typeface="Courier New" panose="02070309020205020404" pitchFamily="49" charset="0"/>
+                <a:cs typeface="Courier New" panose="02070309020205020404" pitchFamily="49" charset="0"/>
+              </a:rPr>
+            </a:br>
+            <a:r>
+              <a:rPr kumimoji="0" lang="it-IT" altLang="it-IT" sz="2400" b="0" i="0" u="none" strike="noStrike" cap="none" normalizeH="0" baseline="0" dirty="0" smtClean="0">
+                <a:ln>
+                  <a:noFill/>
+                </a:ln>
+                <a:solidFill>
+                  <a:srgbClr val="75715E"/>
+                </a:solidFill>
+                <a:effectLst/>
+                <a:latin typeface="Courier New" panose="02070309020205020404" pitchFamily="49" charset="0"/>
+                <a:cs typeface="Courier New" panose="02070309020205020404" pitchFamily="49" charset="0"/>
+              </a:rPr>
+              <a:t>    </a:t>
+            </a:r>
+            <a:br>
+              <a:rPr kumimoji="0" lang="it-IT" altLang="it-IT" sz="2400" b="0" i="0" u="none" strike="noStrike" cap="none" normalizeH="0" baseline="0" dirty="0" smtClean="0">
+                <a:ln>
+                  <a:noFill/>
+                </a:ln>
+                <a:solidFill>
+                  <a:srgbClr val="75715E"/>
+                </a:solidFill>
+                <a:effectLst/>
+                <a:latin typeface="Courier New" panose="02070309020205020404" pitchFamily="49" charset="0"/>
+                <a:cs typeface="Courier New" panose="02070309020205020404" pitchFamily="49" charset="0"/>
+              </a:rPr>
+            </a:br>
+            <a:r>
+              <a:rPr kumimoji="0" lang="it-IT" altLang="it-IT" sz="2400" b="0" i="0" u="none" strike="noStrike" cap="none" normalizeH="0" baseline="0" dirty="0" smtClean="0">
+                <a:ln>
+                  <a:noFill/>
+                </a:ln>
+                <a:solidFill>
+                  <a:srgbClr val="75715E"/>
+                </a:solidFill>
+                <a:effectLst/>
+                <a:latin typeface="Courier New" panose="02070309020205020404" pitchFamily="49" charset="0"/>
+                <a:cs typeface="Courier New" panose="02070309020205020404" pitchFamily="49" charset="0"/>
+              </a:rPr>
+              <a:t>    </a:t>
+            </a:r>
+            <a:r>
+              <a:rPr kumimoji="0" lang="it-IT" altLang="it-IT" sz="2400" b="0" i="1" u="none" strike="noStrike" cap="none" normalizeH="0" baseline="0" dirty="0" err="1" smtClean="0">
+                <a:ln>
+                  <a:noFill/>
+                </a:ln>
+                <a:solidFill>
+                  <a:srgbClr val="FD971F"/>
+                </a:solidFill>
+                <a:effectLst/>
+                <a:latin typeface="Courier New" panose="02070309020205020404" pitchFamily="49" charset="0"/>
+                <a:cs typeface="Courier New" panose="02070309020205020404" pitchFamily="49" charset="0"/>
+              </a:rPr>
+              <a:t>socket</a:t>
+            </a:r>
+            <a:r>
+              <a:rPr kumimoji="0" lang="it-IT" altLang="it-IT" sz="2400" b="0" i="0" u="none" strike="noStrike" cap="none" normalizeH="0" baseline="0" dirty="0" err="1" smtClean="0">
+                <a:ln>
+                  <a:noFill/>
+                </a:ln>
+                <a:solidFill>
+                  <a:srgbClr val="F8F8F2"/>
+                </a:solidFill>
+                <a:effectLst/>
+                <a:latin typeface="Courier New" panose="02070309020205020404" pitchFamily="49" charset="0"/>
+                <a:cs typeface="Courier New" panose="02070309020205020404" pitchFamily="49" charset="0"/>
+              </a:rPr>
+              <a:t>.</a:t>
+            </a:r>
+            <a:r>
+              <a:rPr kumimoji="0" lang="it-IT" altLang="it-IT" sz="2400" b="0" i="0" u="none" strike="noStrike" cap="none" normalizeH="0" baseline="0" dirty="0" err="1" smtClean="0">
+                <a:ln>
+                  <a:noFill/>
+                </a:ln>
+                <a:solidFill>
+                  <a:srgbClr val="979748"/>
+                </a:solidFill>
+                <a:effectLst/>
+                <a:latin typeface="Courier New" panose="02070309020205020404" pitchFamily="49" charset="0"/>
+                <a:cs typeface="Courier New" panose="02070309020205020404" pitchFamily="49" charset="0"/>
+              </a:rPr>
+              <a:t>on</a:t>
+            </a:r>
+            <a:r>
+              <a:rPr kumimoji="0" lang="it-IT" altLang="it-IT" sz="2400" b="0" i="0" u="none" strike="noStrike" cap="none" normalizeH="0" baseline="0" dirty="0" smtClean="0">
+                <a:ln>
+                  <a:noFill/>
+                </a:ln>
+                <a:solidFill>
+                  <a:srgbClr val="F8F8F2"/>
+                </a:solidFill>
+                <a:effectLst/>
+                <a:latin typeface="Courier New" panose="02070309020205020404" pitchFamily="49" charset="0"/>
+                <a:cs typeface="Courier New" panose="02070309020205020404" pitchFamily="49" charset="0"/>
+              </a:rPr>
+              <a:t>(</a:t>
+            </a:r>
+            <a:r>
+              <a:rPr kumimoji="0" lang="it-IT" altLang="it-IT" sz="2400" b="0" i="0" u="none" strike="noStrike" cap="none" normalizeH="0" baseline="0" dirty="0" smtClean="0">
+                <a:ln>
+                  <a:noFill/>
+                </a:ln>
+                <a:solidFill>
+                  <a:srgbClr val="E6DB74"/>
+                </a:solidFill>
+                <a:effectLst/>
+                <a:latin typeface="Courier New" panose="02070309020205020404" pitchFamily="49" charset="0"/>
+                <a:cs typeface="Courier New" panose="02070309020205020404" pitchFamily="49" charset="0"/>
+              </a:rPr>
+              <a:t>'</a:t>
+            </a:r>
+            <a:r>
+              <a:rPr kumimoji="0" lang="it-IT" altLang="it-IT" sz="2400" b="0" i="0" u="none" strike="noStrike" cap="none" normalizeH="0" baseline="0" dirty="0" err="1" smtClean="0">
+                <a:ln>
+                  <a:noFill/>
+                </a:ln>
+                <a:solidFill>
+                  <a:srgbClr val="E6DB74"/>
+                </a:solidFill>
+                <a:effectLst/>
+                <a:latin typeface="Courier New" panose="02070309020205020404" pitchFamily="49" charset="0"/>
+                <a:cs typeface="Courier New" panose="02070309020205020404" pitchFamily="49" charset="0"/>
+              </a:rPr>
+              <a:t>ping</a:t>
+            </a:r>
+            <a:r>
+              <a:rPr kumimoji="0" lang="it-IT" altLang="it-IT" sz="2400" b="0" i="0" u="none" strike="noStrike" cap="none" normalizeH="0" baseline="0" dirty="0" smtClean="0">
+                <a:ln>
+                  <a:noFill/>
+                </a:ln>
+                <a:solidFill>
+                  <a:srgbClr val="E6DB74"/>
+                </a:solidFill>
+                <a:effectLst/>
+                <a:latin typeface="Courier New" panose="02070309020205020404" pitchFamily="49" charset="0"/>
+                <a:cs typeface="Courier New" panose="02070309020205020404" pitchFamily="49" charset="0"/>
+              </a:rPr>
+              <a:t>'</a:t>
+            </a:r>
+            <a:r>
+              <a:rPr kumimoji="0" lang="it-IT" altLang="it-IT" sz="2400" b="0" i="0" u="none" strike="noStrike" cap="none" normalizeH="0" baseline="0" dirty="0" smtClean="0">
+                <a:ln>
+                  <a:noFill/>
+                </a:ln>
+                <a:solidFill>
+                  <a:srgbClr val="CC7832"/>
+                </a:solidFill>
+                <a:effectLst/>
+                <a:latin typeface="Courier New" panose="02070309020205020404" pitchFamily="49" charset="0"/>
+                <a:cs typeface="Courier New" panose="02070309020205020404" pitchFamily="49" charset="0"/>
+              </a:rPr>
+              <a:t>, </a:t>
+            </a:r>
+            <a:r>
+              <a:rPr kumimoji="0" lang="it-IT" altLang="it-IT" sz="2400" b="0" i="0" u="none" strike="noStrike" cap="none" normalizeH="0" baseline="0" dirty="0" err="1" smtClean="0">
+                <a:ln>
+                  <a:noFill/>
+                </a:ln>
+                <a:solidFill>
+                  <a:srgbClr val="F92672"/>
+                </a:solidFill>
+                <a:effectLst/>
+                <a:latin typeface="Courier New" panose="02070309020205020404" pitchFamily="49" charset="0"/>
+                <a:cs typeface="Courier New" panose="02070309020205020404" pitchFamily="49" charset="0"/>
+              </a:rPr>
+              <a:t>function</a:t>
+            </a:r>
+            <a:r>
+              <a:rPr kumimoji="0" lang="it-IT" altLang="it-IT" sz="2400" b="0" i="0" u="none" strike="noStrike" cap="none" normalizeH="0" baseline="0" dirty="0" smtClean="0">
+                <a:ln>
+                  <a:noFill/>
+                </a:ln>
+                <a:solidFill>
+                  <a:srgbClr val="F8F8F2"/>
+                </a:solidFill>
+                <a:effectLst/>
+                <a:latin typeface="Courier New" panose="02070309020205020404" pitchFamily="49" charset="0"/>
+                <a:cs typeface="Courier New" panose="02070309020205020404" pitchFamily="49" charset="0"/>
+              </a:rPr>
+              <a:t>(</a:t>
+            </a:r>
+            <a:r>
+              <a:rPr kumimoji="0" lang="it-IT" altLang="it-IT" sz="2400" b="0" i="1" u="none" strike="noStrike" cap="none" normalizeH="0" baseline="0" dirty="0" smtClean="0">
+                <a:ln>
+                  <a:noFill/>
+                </a:ln>
+                <a:solidFill>
+                  <a:srgbClr val="FD971F"/>
+                </a:solidFill>
+                <a:effectLst/>
+                <a:latin typeface="Courier New" panose="02070309020205020404" pitchFamily="49" charset="0"/>
+                <a:cs typeface="Courier New" panose="02070309020205020404" pitchFamily="49" charset="0"/>
+              </a:rPr>
+              <a:t>data</a:t>
+            </a:r>
+            <a:r>
+              <a:rPr kumimoji="0" lang="it-IT" altLang="it-IT" sz="2400" b="0" i="0" u="none" strike="noStrike" cap="none" normalizeH="0" baseline="0" dirty="0" smtClean="0">
+                <a:ln>
+                  <a:noFill/>
+                </a:ln>
+                <a:solidFill>
+                  <a:srgbClr val="F8F8F2"/>
+                </a:solidFill>
+                <a:effectLst/>
+                <a:latin typeface="Courier New" panose="02070309020205020404" pitchFamily="49" charset="0"/>
+                <a:cs typeface="Courier New" panose="02070309020205020404" pitchFamily="49" charset="0"/>
+              </a:rPr>
+              <a:t>) {</a:t>
+            </a:r>
+            <a:br>
+              <a:rPr kumimoji="0" lang="it-IT" altLang="it-IT" sz="2400" b="0" i="0" u="none" strike="noStrike" cap="none" normalizeH="0" baseline="0" dirty="0" smtClean="0">
+                <a:ln>
+                  <a:noFill/>
+                </a:ln>
+                <a:solidFill>
+                  <a:srgbClr val="F8F8F2"/>
+                </a:solidFill>
+                <a:effectLst/>
+                <a:latin typeface="Courier New" panose="02070309020205020404" pitchFamily="49" charset="0"/>
+                <a:cs typeface="Courier New" panose="02070309020205020404" pitchFamily="49" charset="0"/>
+              </a:rPr>
+            </a:br>
+            <a:r>
+              <a:rPr kumimoji="0" lang="it-IT" altLang="it-IT" sz="2400" b="0" i="0" u="none" strike="noStrike" cap="none" normalizeH="0" baseline="0" dirty="0" smtClean="0">
+                <a:ln>
+                  <a:noFill/>
+                </a:ln>
+                <a:solidFill>
+                  <a:srgbClr val="F8F8F2"/>
+                </a:solidFill>
+                <a:effectLst/>
+                <a:latin typeface="Courier New" panose="02070309020205020404" pitchFamily="49" charset="0"/>
+                <a:cs typeface="Courier New" panose="02070309020205020404" pitchFamily="49" charset="0"/>
+              </a:rPr>
+              <a:t>        </a:t>
+            </a:r>
+            <a:r>
+              <a:rPr kumimoji="0" lang="it-IT" altLang="it-IT" sz="2400" b="1" i="0" u="none" strike="noStrike" cap="none" normalizeH="0" baseline="0" dirty="0" smtClean="0">
+                <a:ln>
+                  <a:noFill/>
+                </a:ln>
+                <a:effectLst/>
+                <a:latin typeface="Courier New" panose="02070309020205020404" pitchFamily="49" charset="0"/>
+                <a:cs typeface="Courier New" panose="02070309020205020404" pitchFamily="49" charset="0"/>
+              </a:rPr>
+              <a:t>//do </a:t>
+            </a:r>
+            <a:r>
+              <a:rPr kumimoji="0" lang="it-IT" altLang="it-IT" sz="2400" b="1" i="0" u="none" strike="noStrike" cap="none" normalizeH="0" baseline="0" dirty="0" err="1" smtClean="0">
+                <a:ln>
+                  <a:noFill/>
+                </a:ln>
+                <a:effectLst/>
+                <a:latin typeface="Courier New" panose="02070309020205020404" pitchFamily="49" charset="0"/>
+                <a:cs typeface="Courier New" panose="02070309020205020404" pitchFamily="49" charset="0"/>
+              </a:rPr>
+              <a:t>something</a:t>
+            </a:r>
+            <a:r>
+              <a:rPr kumimoji="0" lang="it-IT" altLang="it-IT" sz="2400" b="1" i="0" u="none" strike="noStrike" cap="none" normalizeH="0" baseline="0" dirty="0" smtClean="0">
+                <a:ln>
+                  <a:noFill/>
+                </a:ln>
+                <a:effectLst/>
+                <a:latin typeface="Courier New" panose="02070309020205020404" pitchFamily="49" charset="0"/>
+                <a:cs typeface="Courier New" panose="02070309020205020404" pitchFamily="49" charset="0"/>
+              </a:rPr>
+              <a:t> with </a:t>
+            </a:r>
+            <a:r>
+              <a:rPr kumimoji="0" lang="it-IT" altLang="it-IT" sz="2400" b="1" i="0" u="none" strike="noStrike" cap="none" normalizeH="0" baseline="0" dirty="0" err="1" smtClean="0">
+                <a:ln>
+                  <a:noFill/>
+                </a:ln>
+                <a:effectLst/>
+                <a:latin typeface="Courier New" panose="02070309020205020404" pitchFamily="49" charset="0"/>
+                <a:cs typeface="Courier New" panose="02070309020205020404" pitchFamily="49" charset="0"/>
+              </a:rPr>
+              <a:t>received</a:t>
+            </a:r>
+            <a:r>
+              <a:rPr kumimoji="0" lang="it-IT" altLang="it-IT" sz="2400" b="1" i="0" u="none" strike="noStrike" cap="none" normalizeH="0" baseline="0" dirty="0" smtClean="0">
+                <a:ln>
+                  <a:noFill/>
+                </a:ln>
+                <a:effectLst/>
+                <a:latin typeface="Courier New" panose="02070309020205020404" pitchFamily="49" charset="0"/>
+                <a:cs typeface="Courier New" panose="02070309020205020404" pitchFamily="49" charset="0"/>
+              </a:rPr>
+              <a:t> data</a:t>
+            </a:r>
+            <a:r>
+              <a:rPr kumimoji="0" lang="it-IT" altLang="it-IT" sz="2400" b="0" i="0" u="none" strike="noStrike" cap="none" normalizeH="0" baseline="0" dirty="0" smtClean="0">
+                <a:ln>
+                  <a:noFill/>
+                </a:ln>
+                <a:solidFill>
+                  <a:srgbClr val="75715E"/>
+                </a:solidFill>
+                <a:effectLst/>
+                <a:latin typeface="Courier New" panose="02070309020205020404" pitchFamily="49" charset="0"/>
+                <a:cs typeface="Courier New" panose="02070309020205020404" pitchFamily="49" charset="0"/>
+              </a:rPr>
+              <a:t/>
+            </a:r>
+            <a:br>
+              <a:rPr kumimoji="0" lang="it-IT" altLang="it-IT" sz="2400" b="0" i="0" u="none" strike="noStrike" cap="none" normalizeH="0" baseline="0" dirty="0" smtClean="0">
+                <a:ln>
+                  <a:noFill/>
+                </a:ln>
+                <a:solidFill>
+                  <a:srgbClr val="75715E"/>
+                </a:solidFill>
+                <a:effectLst/>
+                <a:latin typeface="Courier New" panose="02070309020205020404" pitchFamily="49" charset="0"/>
+                <a:cs typeface="Courier New" panose="02070309020205020404" pitchFamily="49" charset="0"/>
+              </a:rPr>
+            </a:br>
+            <a:r>
+              <a:rPr kumimoji="0" lang="it-IT" altLang="it-IT" sz="2400" b="0" i="0" u="none" strike="noStrike" cap="none" normalizeH="0" baseline="0" dirty="0" smtClean="0">
+                <a:ln>
+                  <a:noFill/>
+                </a:ln>
+                <a:solidFill>
+                  <a:srgbClr val="75715E"/>
+                </a:solidFill>
+                <a:effectLst/>
+                <a:latin typeface="Courier New" panose="02070309020205020404" pitchFamily="49" charset="0"/>
+                <a:cs typeface="Courier New" panose="02070309020205020404" pitchFamily="49" charset="0"/>
+              </a:rPr>
+              <a:t>        </a:t>
+            </a:r>
+            <a:br>
+              <a:rPr kumimoji="0" lang="it-IT" altLang="it-IT" sz="2400" b="0" i="0" u="none" strike="noStrike" cap="none" normalizeH="0" baseline="0" dirty="0" smtClean="0">
+                <a:ln>
+                  <a:noFill/>
+                </a:ln>
+                <a:solidFill>
+                  <a:srgbClr val="75715E"/>
+                </a:solidFill>
+                <a:effectLst/>
+                <a:latin typeface="Courier New" panose="02070309020205020404" pitchFamily="49" charset="0"/>
+                <a:cs typeface="Courier New" panose="02070309020205020404" pitchFamily="49" charset="0"/>
+              </a:rPr>
+            </a:br>
+            <a:r>
+              <a:rPr kumimoji="0" lang="it-IT" altLang="it-IT" sz="2400" b="0" i="0" u="none" strike="noStrike" cap="none" normalizeH="0" baseline="0" dirty="0" smtClean="0">
+                <a:ln>
+                  <a:noFill/>
+                </a:ln>
+                <a:solidFill>
+                  <a:srgbClr val="75715E"/>
+                </a:solidFill>
+                <a:effectLst/>
+                <a:latin typeface="Courier New" panose="02070309020205020404" pitchFamily="49" charset="0"/>
+                <a:cs typeface="Courier New" panose="02070309020205020404" pitchFamily="49" charset="0"/>
+              </a:rPr>
+              <a:t>        </a:t>
+            </a:r>
+            <a:r>
+              <a:rPr kumimoji="0" lang="it-IT" altLang="it-IT" sz="2400" b="0" i="0" u="none" strike="noStrike" cap="none" normalizeH="0" baseline="0" dirty="0" smtClean="0">
+                <a:ln>
+                  <a:noFill/>
+                </a:ln>
+                <a:solidFill>
+                  <a:srgbClr val="F8F8F2"/>
+                </a:solidFill>
+                <a:effectLst/>
+                <a:latin typeface="Courier New" panose="02070309020205020404" pitchFamily="49" charset="0"/>
+                <a:cs typeface="Courier New" panose="02070309020205020404" pitchFamily="49" charset="0"/>
+              </a:rPr>
+              <a:t>console.</a:t>
+            </a:r>
+            <a:r>
+              <a:rPr kumimoji="0" lang="it-IT" altLang="it-IT" sz="2400" b="0" i="0" u="none" strike="noStrike" cap="none" normalizeH="0" baseline="0" dirty="0" smtClean="0">
+                <a:ln>
+                  <a:noFill/>
+                </a:ln>
+                <a:solidFill>
+                  <a:srgbClr val="979748"/>
+                </a:solidFill>
+                <a:effectLst/>
+                <a:latin typeface="Courier New" panose="02070309020205020404" pitchFamily="49" charset="0"/>
+                <a:cs typeface="Courier New" panose="02070309020205020404" pitchFamily="49" charset="0"/>
+              </a:rPr>
+              <a:t>log</a:t>
+            </a:r>
+            <a:r>
+              <a:rPr kumimoji="0" lang="it-IT" altLang="it-IT" sz="2400" b="0" i="0" u="none" strike="noStrike" cap="none" normalizeH="0" baseline="0" dirty="0" smtClean="0">
+                <a:ln>
+                  <a:noFill/>
+                </a:ln>
+                <a:solidFill>
+                  <a:srgbClr val="F8F8F2"/>
+                </a:solidFill>
+                <a:effectLst/>
+                <a:latin typeface="Courier New" panose="02070309020205020404" pitchFamily="49" charset="0"/>
+                <a:cs typeface="Courier New" panose="02070309020205020404" pitchFamily="49" charset="0"/>
+              </a:rPr>
+              <a:t>(</a:t>
+            </a:r>
+            <a:r>
+              <a:rPr kumimoji="0" lang="it-IT" altLang="it-IT" sz="2400" b="0" i="1" u="none" strike="noStrike" cap="none" normalizeH="0" baseline="0" dirty="0" err="1" smtClean="0">
+                <a:ln>
+                  <a:noFill/>
+                </a:ln>
+                <a:solidFill>
+                  <a:srgbClr val="FD971F"/>
+                </a:solidFill>
+                <a:effectLst/>
+                <a:latin typeface="Courier New" panose="02070309020205020404" pitchFamily="49" charset="0"/>
+                <a:cs typeface="Courier New" panose="02070309020205020404" pitchFamily="49" charset="0"/>
+              </a:rPr>
+              <a:t>data</a:t>
+            </a:r>
+            <a:r>
+              <a:rPr kumimoji="0" lang="it-IT" altLang="it-IT" sz="2400" b="0" i="0" u="none" strike="noStrike" cap="none" normalizeH="0" baseline="0" dirty="0" err="1" smtClean="0">
+                <a:ln>
+                  <a:noFill/>
+                </a:ln>
+                <a:solidFill>
+                  <a:srgbClr val="F8F8F2"/>
+                </a:solidFill>
+                <a:effectLst/>
+                <a:latin typeface="Courier New" panose="02070309020205020404" pitchFamily="49" charset="0"/>
+                <a:cs typeface="Courier New" panose="02070309020205020404" pitchFamily="49" charset="0"/>
+              </a:rPr>
+              <a:t>.user</a:t>
+            </a:r>
+            <a:r>
+              <a:rPr kumimoji="0" lang="it-IT" altLang="it-IT" sz="2400" b="0" i="0" u="none" strike="noStrike" cap="none" normalizeH="0" baseline="0" dirty="0" smtClean="0">
+                <a:ln>
+                  <a:noFill/>
+                </a:ln>
+                <a:solidFill>
+                  <a:srgbClr val="F8F8F2"/>
+                </a:solidFill>
+                <a:effectLst/>
+                <a:latin typeface="Courier New" panose="02070309020205020404" pitchFamily="49" charset="0"/>
+                <a:cs typeface="Courier New" panose="02070309020205020404" pitchFamily="49" charset="0"/>
+              </a:rPr>
+              <a:t>)</a:t>
+            </a:r>
+            <a:r>
+              <a:rPr kumimoji="0" lang="it-IT" altLang="it-IT" sz="2400" b="0" i="0" u="none" strike="noStrike" cap="none" normalizeH="0" baseline="0" dirty="0" smtClean="0">
+                <a:ln>
+                  <a:noFill/>
+                </a:ln>
+                <a:solidFill>
+                  <a:srgbClr val="CC7832"/>
+                </a:solidFill>
+                <a:effectLst/>
+                <a:latin typeface="Courier New" panose="02070309020205020404" pitchFamily="49" charset="0"/>
+                <a:cs typeface="Courier New" panose="02070309020205020404" pitchFamily="49" charset="0"/>
+              </a:rPr>
+              <a:t>;</a:t>
+            </a:r>
+            <a:br>
+              <a:rPr kumimoji="0" lang="it-IT" altLang="it-IT" sz="2400" b="0" i="0" u="none" strike="noStrike" cap="none" normalizeH="0" baseline="0" dirty="0" smtClean="0">
+                <a:ln>
+                  <a:noFill/>
+                </a:ln>
+                <a:solidFill>
+                  <a:srgbClr val="CC7832"/>
+                </a:solidFill>
+                <a:effectLst/>
+                <a:latin typeface="Courier New" panose="02070309020205020404" pitchFamily="49" charset="0"/>
+                <a:cs typeface="Courier New" panose="02070309020205020404" pitchFamily="49" charset="0"/>
+              </a:rPr>
+            </a:br>
+            <a:r>
+              <a:rPr kumimoji="0" lang="it-IT" altLang="it-IT" sz="2400" b="0" i="0" u="none" strike="noStrike" cap="none" normalizeH="0" baseline="0" dirty="0" smtClean="0">
+                <a:ln>
+                  <a:noFill/>
+                </a:ln>
+                <a:solidFill>
+                  <a:srgbClr val="CC7832"/>
+                </a:solidFill>
+                <a:effectLst/>
+                <a:latin typeface="Courier New" panose="02070309020205020404" pitchFamily="49" charset="0"/>
+                <a:cs typeface="Courier New" panose="02070309020205020404" pitchFamily="49" charset="0"/>
+              </a:rPr>
+              <a:t>        </a:t>
+            </a:r>
+            <a:r>
+              <a:rPr kumimoji="0" lang="it-IT" altLang="it-IT" sz="2400" b="0" i="1" u="none" strike="noStrike" cap="none" normalizeH="0" baseline="0" dirty="0" err="1" smtClean="0">
+                <a:ln>
+                  <a:noFill/>
+                </a:ln>
+                <a:solidFill>
+                  <a:srgbClr val="FD971F"/>
+                </a:solidFill>
+                <a:effectLst/>
+                <a:latin typeface="Courier New" panose="02070309020205020404" pitchFamily="49" charset="0"/>
+                <a:cs typeface="Courier New" panose="02070309020205020404" pitchFamily="49" charset="0"/>
+              </a:rPr>
+              <a:t>socket</a:t>
+            </a:r>
+            <a:r>
+              <a:rPr kumimoji="0" lang="it-IT" altLang="it-IT" sz="2400" b="0" i="0" u="none" strike="noStrike" cap="none" normalizeH="0" baseline="0" dirty="0" err="1" smtClean="0">
+                <a:ln>
+                  <a:noFill/>
+                </a:ln>
+                <a:solidFill>
+                  <a:srgbClr val="F8F8F2"/>
+                </a:solidFill>
+                <a:effectLst/>
+                <a:latin typeface="Courier New" panose="02070309020205020404" pitchFamily="49" charset="0"/>
+                <a:cs typeface="Courier New" panose="02070309020205020404" pitchFamily="49" charset="0"/>
+              </a:rPr>
+              <a:t>.</a:t>
+            </a:r>
+            <a:r>
+              <a:rPr kumimoji="0" lang="it-IT" altLang="it-IT" sz="2400" b="0" i="0" u="none" strike="noStrike" cap="none" normalizeH="0" baseline="0" dirty="0" err="1" smtClean="0">
+                <a:ln>
+                  <a:noFill/>
+                </a:ln>
+                <a:solidFill>
+                  <a:srgbClr val="979748"/>
+                </a:solidFill>
+                <a:effectLst/>
+                <a:latin typeface="Courier New" panose="02070309020205020404" pitchFamily="49" charset="0"/>
+                <a:cs typeface="Courier New" panose="02070309020205020404" pitchFamily="49" charset="0"/>
+              </a:rPr>
+              <a:t>emit</a:t>
+            </a:r>
+            <a:r>
+              <a:rPr kumimoji="0" lang="it-IT" altLang="it-IT" sz="2400" b="0" i="0" u="none" strike="noStrike" cap="none" normalizeH="0" baseline="0" dirty="0" smtClean="0">
+                <a:ln>
+                  <a:noFill/>
+                </a:ln>
+                <a:solidFill>
+                  <a:srgbClr val="F8F8F2"/>
+                </a:solidFill>
+                <a:effectLst/>
+                <a:latin typeface="Courier New" panose="02070309020205020404" pitchFamily="49" charset="0"/>
+                <a:cs typeface="Courier New" panose="02070309020205020404" pitchFamily="49" charset="0"/>
+              </a:rPr>
+              <a:t>(</a:t>
+            </a:r>
+            <a:r>
+              <a:rPr kumimoji="0" lang="it-IT" altLang="it-IT" sz="2400" b="0" i="0" u="none" strike="noStrike" cap="none" normalizeH="0" baseline="0" dirty="0" smtClean="0">
+                <a:ln>
+                  <a:noFill/>
+                </a:ln>
+                <a:solidFill>
+                  <a:srgbClr val="E6DB74"/>
+                </a:solidFill>
+                <a:effectLst/>
+                <a:latin typeface="Courier New" panose="02070309020205020404" pitchFamily="49" charset="0"/>
+                <a:cs typeface="Courier New" panose="02070309020205020404" pitchFamily="49" charset="0"/>
+              </a:rPr>
+              <a:t>'</a:t>
+            </a:r>
+            <a:r>
+              <a:rPr kumimoji="0" lang="it-IT" altLang="it-IT" sz="2400" b="0" i="0" u="none" strike="noStrike" cap="none" normalizeH="0" baseline="0" dirty="0" err="1" smtClean="0">
+                <a:ln>
+                  <a:noFill/>
+                </a:ln>
+                <a:solidFill>
+                  <a:srgbClr val="E6DB74"/>
+                </a:solidFill>
+                <a:effectLst/>
+                <a:latin typeface="Courier New" panose="02070309020205020404" pitchFamily="49" charset="0"/>
+                <a:cs typeface="Courier New" panose="02070309020205020404" pitchFamily="49" charset="0"/>
+              </a:rPr>
+              <a:t>pong</a:t>
+            </a:r>
+            <a:r>
+              <a:rPr kumimoji="0" lang="it-IT" altLang="it-IT" sz="2400" b="0" i="0" u="none" strike="noStrike" cap="none" normalizeH="0" baseline="0" dirty="0" smtClean="0">
+                <a:ln>
+                  <a:noFill/>
+                </a:ln>
+                <a:solidFill>
+                  <a:srgbClr val="E6DB74"/>
+                </a:solidFill>
+                <a:effectLst/>
+                <a:latin typeface="Courier New" panose="02070309020205020404" pitchFamily="49" charset="0"/>
+                <a:cs typeface="Courier New" panose="02070309020205020404" pitchFamily="49" charset="0"/>
+              </a:rPr>
+              <a:t>'</a:t>
+            </a:r>
+            <a:r>
+              <a:rPr kumimoji="0" lang="it-IT" altLang="it-IT" sz="2400" b="0" i="0" u="none" strike="noStrike" cap="none" normalizeH="0" baseline="0" dirty="0" smtClean="0">
+                <a:ln>
+                  <a:noFill/>
+                </a:ln>
+                <a:solidFill>
+                  <a:srgbClr val="CC7832"/>
+                </a:solidFill>
+                <a:effectLst/>
+                <a:latin typeface="Courier New" panose="02070309020205020404" pitchFamily="49" charset="0"/>
+                <a:cs typeface="Courier New" panose="02070309020205020404" pitchFamily="49" charset="0"/>
+              </a:rPr>
+              <a:t>, </a:t>
+            </a:r>
+            <a:r>
+              <a:rPr kumimoji="0" lang="it-IT" altLang="it-IT" sz="2400" b="0" i="0" u="none" strike="noStrike" cap="none" normalizeH="0" baseline="0" dirty="0" smtClean="0">
+                <a:ln>
+                  <a:noFill/>
+                </a:ln>
+                <a:solidFill>
+                  <a:srgbClr val="E6DB74"/>
+                </a:solidFill>
+                <a:effectLst/>
+                <a:latin typeface="Courier New" panose="02070309020205020404" pitchFamily="49" charset="0"/>
+                <a:cs typeface="Courier New" panose="02070309020205020404" pitchFamily="49" charset="0"/>
+              </a:rPr>
+              <a:t>'hello!'</a:t>
+            </a:r>
+            <a:r>
+              <a:rPr kumimoji="0" lang="it-IT" altLang="it-IT" sz="2400" b="0" i="0" u="none" strike="noStrike" cap="none" normalizeH="0" baseline="0" dirty="0" smtClean="0">
+                <a:ln>
+                  <a:noFill/>
+                </a:ln>
+                <a:solidFill>
+                  <a:srgbClr val="F8F8F2"/>
+                </a:solidFill>
+                <a:effectLst/>
+                <a:latin typeface="Courier New" panose="02070309020205020404" pitchFamily="49" charset="0"/>
+                <a:cs typeface="Courier New" panose="02070309020205020404" pitchFamily="49" charset="0"/>
+              </a:rPr>
+              <a:t>)</a:t>
+            </a:r>
+            <a:r>
+              <a:rPr kumimoji="0" lang="it-IT" altLang="it-IT" sz="2400" b="0" i="0" u="none" strike="noStrike" cap="none" normalizeH="0" baseline="0" dirty="0" smtClean="0">
+                <a:ln>
+                  <a:noFill/>
+                </a:ln>
+                <a:solidFill>
+                  <a:srgbClr val="CC7832"/>
+                </a:solidFill>
+                <a:effectLst/>
+                <a:latin typeface="Courier New" panose="02070309020205020404" pitchFamily="49" charset="0"/>
+                <a:cs typeface="Courier New" panose="02070309020205020404" pitchFamily="49" charset="0"/>
+              </a:rPr>
+              <a:t>;</a:t>
+            </a:r>
+            <a:br>
+              <a:rPr kumimoji="0" lang="it-IT" altLang="it-IT" sz="2400" b="0" i="0" u="none" strike="noStrike" cap="none" normalizeH="0" baseline="0" dirty="0" smtClean="0">
+                <a:ln>
+                  <a:noFill/>
+                </a:ln>
+                <a:solidFill>
+                  <a:srgbClr val="CC7832"/>
+                </a:solidFill>
+                <a:effectLst/>
+                <a:latin typeface="Courier New" panose="02070309020205020404" pitchFamily="49" charset="0"/>
+                <a:cs typeface="Courier New" panose="02070309020205020404" pitchFamily="49" charset="0"/>
+              </a:rPr>
+            </a:br>
+            <a:r>
+              <a:rPr kumimoji="0" lang="it-IT" altLang="it-IT" sz="2400" b="0" i="0" u="none" strike="noStrike" cap="none" normalizeH="0" baseline="0" dirty="0" smtClean="0">
+                <a:ln>
+                  <a:noFill/>
+                </a:ln>
+                <a:solidFill>
+                  <a:srgbClr val="CC7832"/>
+                </a:solidFill>
+                <a:effectLst/>
+                <a:latin typeface="Courier New" panose="02070309020205020404" pitchFamily="49" charset="0"/>
+                <a:cs typeface="Courier New" panose="02070309020205020404" pitchFamily="49" charset="0"/>
+              </a:rPr>
+              <a:t>    </a:t>
+            </a:r>
+            <a:r>
+              <a:rPr kumimoji="0" lang="it-IT" altLang="it-IT" sz="2400" b="0" i="0" u="none" strike="noStrike" cap="none" normalizeH="0" baseline="0" dirty="0" smtClean="0">
+                <a:ln>
+                  <a:noFill/>
+                </a:ln>
+                <a:solidFill>
+                  <a:srgbClr val="F8F8F2"/>
+                </a:solidFill>
+                <a:effectLst/>
+                <a:latin typeface="Courier New" panose="02070309020205020404" pitchFamily="49" charset="0"/>
+                <a:cs typeface="Courier New" panose="02070309020205020404" pitchFamily="49" charset="0"/>
+              </a:rPr>
+              <a:t>})</a:t>
+            </a:r>
+            <a:r>
+              <a:rPr kumimoji="0" lang="it-IT" altLang="it-IT" sz="2400" b="0" i="0" u="none" strike="noStrike" cap="none" normalizeH="0" baseline="0" dirty="0" smtClean="0">
+                <a:ln>
+                  <a:noFill/>
+                </a:ln>
+                <a:solidFill>
+                  <a:srgbClr val="CC7832"/>
+                </a:solidFill>
+                <a:effectLst/>
+                <a:latin typeface="Courier New" panose="02070309020205020404" pitchFamily="49" charset="0"/>
+                <a:cs typeface="Courier New" panose="02070309020205020404" pitchFamily="49" charset="0"/>
+              </a:rPr>
+              <a:t>;</a:t>
+            </a:r>
+            <a:br>
+              <a:rPr kumimoji="0" lang="it-IT" altLang="it-IT" sz="2400" b="0" i="0" u="none" strike="noStrike" cap="none" normalizeH="0" baseline="0" dirty="0" smtClean="0">
+                <a:ln>
+                  <a:noFill/>
+                </a:ln>
+                <a:solidFill>
+                  <a:srgbClr val="CC7832"/>
+                </a:solidFill>
+                <a:effectLst/>
+                <a:latin typeface="Courier New" panose="02070309020205020404" pitchFamily="49" charset="0"/>
+                <a:cs typeface="Courier New" panose="02070309020205020404" pitchFamily="49" charset="0"/>
+              </a:rPr>
+            </a:br>
+            <a:r>
+              <a:rPr kumimoji="0" lang="it-IT" altLang="it-IT" sz="2400" b="0" i="0" u="none" strike="noStrike" cap="none" normalizeH="0" baseline="0" dirty="0" smtClean="0">
+                <a:ln>
+                  <a:noFill/>
+                </a:ln>
+                <a:solidFill>
+                  <a:srgbClr val="F8F8F2"/>
+                </a:solidFill>
+                <a:effectLst/>
+                <a:latin typeface="Courier New" panose="02070309020205020404" pitchFamily="49" charset="0"/>
+                <a:cs typeface="Courier New" panose="02070309020205020404" pitchFamily="49" charset="0"/>
+              </a:rPr>
+              <a:t>})</a:t>
+            </a:r>
+            <a:r>
+              <a:rPr kumimoji="0" lang="it-IT" altLang="it-IT" sz="2400" b="0" i="0" u="none" strike="noStrike" cap="none" normalizeH="0" baseline="0" dirty="0" smtClean="0">
+                <a:ln>
+                  <a:noFill/>
+                </a:ln>
+                <a:solidFill>
+                  <a:srgbClr val="CC7832"/>
+                </a:solidFill>
+                <a:effectLst/>
+                <a:latin typeface="Courier New" panose="02070309020205020404" pitchFamily="49" charset="0"/>
+                <a:cs typeface="Courier New" panose="02070309020205020404" pitchFamily="49" charset="0"/>
+              </a:rPr>
+              <a:t>;</a:t>
+            </a:r>
+            <a:endParaRPr kumimoji="0" lang="it-IT" altLang="it-IT" sz="3600" b="0" i="0" u="none" strike="noStrike" cap="none" normalizeH="0" baseline="0" dirty="0" smtClean="0">
+              <a:ln>
+                <a:noFill/>
+              </a:ln>
+              <a:solidFill>
+                <a:schemeClr val="tx1"/>
+              </a:solidFill>
+              <a:effectLst/>
+              <a:latin typeface="Arial" panose="020B0604020202020204" pitchFamily="34" charset="0"/>
+            </a:endParaRPr>
+          </a:p>
+        </p:txBody>
+      </p:sp>
     </p:spTree>
     <p:extLst>
       <p:ext uri="{BB962C8B-B14F-4D97-AF65-F5344CB8AC3E}">
-        <p14:creationId xmlns:p14="http://schemas.microsoft.com/office/powerpoint/2010/main" val="1812223893"/>
+        <p14:creationId xmlns:p14="http://schemas.microsoft.com/office/powerpoint/2010/main" val="1738221474"/>
       </p:ext>
     </p:extLst>
   </p:cSld>
@@ -5906,8 +8194,24 @@
           <a:lstStyle/>
           <a:p>
             <a:r>
-              <a:rPr lang="it-IT" dirty="0" smtClean="0"/>
-              <a:t>Pong4 (2)</a:t>
+              <a:rPr lang="it-IT" dirty="0" err="1"/>
+              <a:t>Socket.io</a:t>
+            </a:r>
+            <a:r>
+              <a:rPr lang="it-IT" dirty="0"/>
+              <a:t> </a:t>
+            </a:r>
+            <a:r>
+              <a:rPr lang="it-IT" dirty="0" err="1"/>
+              <a:t>instead</a:t>
+            </a:r>
+            <a:r>
+              <a:rPr lang="it-IT" dirty="0"/>
+              <a:t> of </a:t>
+            </a:r>
+            <a:r>
+              <a:rPr lang="it-IT" dirty="0" err="1"/>
+              <a:t>WebSocket</a:t>
             </a:r>
             <a:endParaRPr lang="it-IT" dirty="0"/>
           </a:p>
@@ -5923,118 +8227,314 @@
             <p:ph sz="quarter" idx="10"/>
           </p:nvPr>
         </p:nvSpPr>
-        <p:spPr/>
+        <p:spPr>
+          <a:xfrm>
+            <a:off x="628650" y="1603252"/>
+            <a:ext cx="4015358" cy="4562052"/>
+          </a:xfrm>
+        </p:spPr>
         <p:txBody>
           <a:bodyPr/>
           <a:lstStyle/>
           <a:p>
+            <a:pPr>
+              <a:buBlip>
+                <a:blip r:embed="rId2"/>
+              </a:buBlip>
+            </a:pPr>
             <a:r>
               <a:rPr lang="it-IT" dirty="0" smtClean="0"/>
-              <a:t>A </a:t>
-            </a:r>
-            <a:r>
-              <a:rPr lang="it-IT" dirty="0" err="1" smtClean="0"/>
-              <a:t>simple</a:t>
-            </a:r>
-            <a:r>
-              <a:rPr lang="it-IT" dirty="0" smtClean="0"/>
-              <a:t> real-time multiplayer "</a:t>
-            </a:r>
-            <a:r>
-              <a:rPr lang="it-IT" dirty="0" err="1" smtClean="0"/>
-              <a:t>Pong</a:t>
-            </a:r>
-            <a:r>
-              <a:rPr lang="it-IT" dirty="0" smtClean="0"/>
-              <a:t>" game</a:t>
-            </a:r>
-          </a:p>
-          <a:p>
-            <a:r>
-              <a:rPr lang="it-IT" dirty="0" err="1" smtClean="0"/>
-              <a:t>Built</a:t>
-            </a:r>
-            <a:r>
-              <a:rPr lang="it-IT" dirty="0" smtClean="0"/>
-              <a:t> with</a:t>
-            </a:r>
-          </a:p>
-          <a:p>
-            <a:pPr lvl="1"/>
-            <a:r>
-              <a:rPr lang="it-IT" dirty="0" err="1" smtClean="0"/>
-              <a:t>phaser.io</a:t>
-            </a:r>
-            <a:r>
-              <a:rPr lang="it-IT" dirty="0" smtClean="0"/>
-              <a:t> (game)</a:t>
-            </a:r>
-          </a:p>
-          <a:p>
-            <a:pPr lvl="1"/>
-            <a:r>
-              <a:rPr lang="it-IT" dirty="0" err="1" smtClean="0"/>
-              <a:t>socket.io</a:t>
-            </a:r>
-            <a:r>
-              <a:rPr lang="it-IT" dirty="0" smtClean="0"/>
-              <a:t> (networking)</a:t>
+              <a:t>Full-duplex </a:t>
+            </a:r>
+            <a:r>
+              <a:rPr lang="it-IT" dirty="0" err="1"/>
+              <a:t>communication</a:t>
             </a:r>
             <a:endParaRPr lang="it-IT" dirty="0"/>
           </a:p>
           <a:p>
-            <a:pPr lvl="1"/>
-            <a:r>
-              <a:rPr lang="it-IT" dirty="0" err="1" smtClean="0"/>
-              <a:t>express.io</a:t>
-            </a:r>
-            <a:r>
-              <a:rPr lang="it-IT" dirty="0" smtClean="0"/>
-              <a:t> (</a:t>
-            </a:r>
-            <a:r>
-              <a:rPr lang="it-IT" dirty="0" err="1" smtClean="0"/>
-              <a:t>content</a:t>
-            </a:r>
-            <a:r>
-              <a:rPr lang="it-IT" dirty="0" smtClean="0"/>
-              <a:t> delivery)</a:t>
+            <a:pPr>
+              <a:buBlip>
+                <a:blip r:embed="rId2"/>
+              </a:buBlip>
+            </a:pPr>
+            <a:r>
+              <a:rPr lang="it-IT" dirty="0"/>
+              <a:t>Real time!</a:t>
             </a:r>
           </a:p>
           <a:p>
-            <a:r>
-              <a:rPr lang="it-IT" dirty="0" err="1" smtClean="0"/>
-              <a:t>Runs</a:t>
-            </a:r>
+            <a:pPr>
+              <a:buBlip>
+                <a:blip r:embed="rId2"/>
+              </a:buBlip>
+            </a:pPr>
             <a:r>
               <a:rPr lang="it-IT" dirty="0" smtClean="0"/>
-              <a:t> on node.js</a:t>
+              <a:t>Firewall :)</a:t>
+            </a:r>
+            <a:r>
+              <a:rPr lang="it-IT" strike="sngStrike" dirty="0" smtClean="0"/>
+              <a:t> </a:t>
             </a:r>
           </a:p>
           <a:p>
-            <a:r>
-              <a:rPr lang="it-IT" dirty="0" smtClean="0">
-                <a:hlinkClick r:id="rId2"/>
-              </a:rPr>
-              <a:t>http://pong4.eu-gb.mybluemix.net</a:t>
+            <a:pPr>
+              <a:buBlip>
+                <a:blip r:embed="rId2"/>
+              </a:buBlip>
+            </a:pPr>
+            <a:r>
+              <a:rPr lang="it-IT" dirty="0" err="1" smtClean="0"/>
+              <a:t>Event-driven</a:t>
             </a:r>
             <a:endParaRPr lang="it-IT" dirty="0" smtClean="0"/>
           </a:p>
           <a:p>
-            <a:r>
-              <a:rPr lang="it-IT" dirty="0">
-                <a:hlinkClick r:id="rId3"/>
-              </a:rPr>
-              <a:t>https://github.com/Lotti/codemotion2015</a:t>
-            </a:r>
-            <a:endParaRPr lang="it-IT" dirty="0"/>
+            <a:pPr>
+              <a:buBlip>
+                <a:blip r:embed="rId2"/>
+              </a:buBlip>
+            </a:pPr>
+            <a:r>
+              <a:rPr lang="it-IT" dirty="0" smtClean="0"/>
+              <a:t>Rooms!</a:t>
+            </a:r>
+          </a:p>
+        </p:txBody>
+      </p:sp>
+      <p:sp>
+        <p:nvSpPr>
+          <p:cNvPr id="6" name="Segnaposto contenuto 2"/>
+          <p:cNvSpPr txBox="1">
+            <a:spLocks/>
+          </p:cNvSpPr>
+          <p:nvPr/>
+        </p:nvSpPr>
+        <p:spPr>
+          <a:xfrm>
+            <a:off x="4499992" y="1603252"/>
+            <a:ext cx="4015358" cy="4562052"/>
+          </a:xfrm>
+          <a:prstGeom prst="rect">
+            <a:avLst/>
+          </a:prstGeom>
+        </p:spPr>
+        <p:txBody>
+          <a:bodyPr/>
+          <a:lstStyle>
+            <a:lvl1pPr marL="342900" indent="-342900" algn="l" defTabSz="457200" rtl="0" eaLnBrk="0" fontAlgn="base" hangingPunct="0">
+              <a:spcBef>
+                <a:spcPct val="20000"/>
+              </a:spcBef>
+              <a:spcAft>
+                <a:spcPct val="0"/>
+              </a:spcAft>
+              <a:buFontTx/>
+              <a:buBlip>
+                <a:blip r:embed="rId3"/>
+              </a:buBlip>
+              <a:defRPr sz="2800" kern="1200">
+                <a:solidFill>
+                  <a:srgbClr val="404040"/>
+                </a:solidFill>
+                <a:latin typeface="Calibri" panose="020F0502020204030204" pitchFamily="34" charset="0"/>
+                <a:ea typeface="ヒラギノ角ゴ Pro W3" charset="-128"/>
+                <a:cs typeface="ヒラギノ角ゴ Pro W3" charset="-128"/>
+              </a:defRPr>
+            </a:lvl1pPr>
+            <a:lvl2pPr marL="742950" indent="-285750" algn="l" defTabSz="457200" rtl="0" eaLnBrk="0" fontAlgn="base" hangingPunct="0">
+              <a:spcBef>
+                <a:spcPct val="20000"/>
+              </a:spcBef>
+              <a:spcAft>
+                <a:spcPct val="0"/>
+              </a:spcAft>
+              <a:buFontTx/>
+              <a:buBlip>
+                <a:blip r:embed="rId4"/>
+              </a:buBlip>
+              <a:defRPr sz="2800" kern="1200">
+                <a:solidFill>
+                  <a:srgbClr val="404040"/>
+                </a:solidFill>
+                <a:latin typeface="Calibri" panose="020F0502020204030204" pitchFamily="34" charset="0"/>
+                <a:ea typeface="ヒラギノ角ゴ Pro W3" charset="-128"/>
+                <a:cs typeface="+mn-cs"/>
+              </a:defRPr>
+            </a:lvl2pPr>
+            <a:lvl3pPr marL="1143000" indent="-228600" algn="l" defTabSz="457200" rtl="0" eaLnBrk="0" fontAlgn="base" hangingPunct="0">
+              <a:spcBef>
+                <a:spcPct val="20000"/>
+              </a:spcBef>
+              <a:spcAft>
+                <a:spcPct val="0"/>
+              </a:spcAft>
+              <a:buFontTx/>
+              <a:buBlip>
+                <a:blip r:embed="rId5"/>
+              </a:buBlip>
+              <a:defRPr sz="2400" kern="1200">
+                <a:solidFill>
+                  <a:srgbClr val="404040"/>
+                </a:solidFill>
+                <a:latin typeface="Calibri" panose="020F0502020204030204" pitchFamily="34" charset="0"/>
+                <a:ea typeface="ヒラギノ角ゴ Pro W3" charset="-128"/>
+                <a:cs typeface="+mn-cs"/>
+              </a:defRPr>
+            </a:lvl3pPr>
+            <a:lvl4pPr marL="1600200" indent="-228600" algn="l" defTabSz="457200" rtl="0" eaLnBrk="0" fontAlgn="base" hangingPunct="0">
+              <a:spcBef>
+                <a:spcPct val="20000"/>
+              </a:spcBef>
+              <a:spcAft>
+                <a:spcPct val="0"/>
+              </a:spcAft>
+              <a:buFontTx/>
+              <a:buBlip>
+                <a:blip r:embed="rId6"/>
+              </a:buBlip>
+              <a:defRPr sz="2000" kern="1200">
+                <a:solidFill>
+                  <a:srgbClr val="404040"/>
+                </a:solidFill>
+                <a:latin typeface="Calibri" panose="020F0502020204030204" pitchFamily="34" charset="0"/>
+                <a:ea typeface="ヒラギノ角ゴ Pro W3" charset="-128"/>
+                <a:cs typeface="+mn-cs"/>
+              </a:defRPr>
+            </a:lvl4pPr>
+            <a:lvl5pPr marL="2057400" indent="-228600" algn="l" defTabSz="457200" rtl="0" eaLnBrk="0" fontAlgn="base" hangingPunct="0">
+              <a:spcBef>
+                <a:spcPct val="20000"/>
+              </a:spcBef>
+              <a:spcAft>
+                <a:spcPct val="0"/>
+              </a:spcAft>
+              <a:buFontTx/>
+              <a:buBlip>
+                <a:blip r:embed="rId7"/>
+              </a:buBlip>
+              <a:defRPr sz="2000" kern="1200">
+                <a:solidFill>
+                  <a:srgbClr val="404040"/>
+                </a:solidFill>
+                <a:latin typeface="Calibri" panose="020F0502020204030204" pitchFamily="34" charset="0"/>
+                <a:ea typeface="ヒラギノ角ゴ Pro W3" charset="-128"/>
+                <a:cs typeface="+mn-cs"/>
+              </a:defRPr>
+            </a:lvl5pPr>
+            <a:lvl6pPr marL="2514600" indent="-228600" algn="l" defTabSz="457200" rtl="0" eaLnBrk="1" latinLnBrk="0" hangingPunct="1">
+              <a:spcBef>
+                <a:spcPct val="20000"/>
+              </a:spcBef>
+              <a:buFont typeface="Arial"/>
+              <a:buChar char="•"/>
+              <a:defRPr sz="2000" kern="1200">
+                <a:solidFill>
+                  <a:schemeClr val="tx1"/>
+                </a:solidFill>
+                <a:latin typeface="+mn-lt"/>
+                <a:ea typeface="+mn-ea"/>
+                <a:cs typeface="+mn-cs"/>
+              </a:defRPr>
+            </a:lvl6pPr>
+            <a:lvl7pPr marL="2971800" indent="-228600" algn="l" defTabSz="457200" rtl="0" eaLnBrk="1" latinLnBrk="0" hangingPunct="1">
+              <a:spcBef>
+                <a:spcPct val="20000"/>
+              </a:spcBef>
+              <a:buFont typeface="Arial"/>
+              <a:buChar char="•"/>
+              <a:defRPr sz="2000" kern="1200">
+                <a:solidFill>
+                  <a:schemeClr val="tx1"/>
+                </a:solidFill>
+                <a:latin typeface="+mn-lt"/>
+                <a:ea typeface="+mn-ea"/>
+                <a:cs typeface="+mn-cs"/>
+              </a:defRPr>
+            </a:lvl7pPr>
+            <a:lvl8pPr marL="3429000" indent="-228600" algn="l" defTabSz="457200" rtl="0" eaLnBrk="1" latinLnBrk="0" hangingPunct="1">
+              <a:spcBef>
+                <a:spcPct val="20000"/>
+              </a:spcBef>
+              <a:buFont typeface="Arial"/>
+              <a:buChar char="•"/>
+              <a:defRPr sz="2000" kern="1200">
+                <a:solidFill>
+                  <a:schemeClr val="tx1"/>
+                </a:solidFill>
+                <a:latin typeface="+mn-lt"/>
+                <a:ea typeface="+mn-ea"/>
+                <a:cs typeface="+mn-cs"/>
+              </a:defRPr>
+            </a:lvl8pPr>
+            <a:lvl9pPr marL="3886200" indent="-228600" algn="l" defTabSz="457200" rtl="0" eaLnBrk="1" latinLnBrk="0" hangingPunct="1">
+              <a:spcBef>
+                <a:spcPct val="20000"/>
+              </a:spcBef>
+              <a:buFont typeface="Arial"/>
+              <a:buChar char="•"/>
+              <a:defRPr sz="2000" kern="1200">
+                <a:solidFill>
+                  <a:schemeClr val="tx1"/>
+                </a:solidFill>
+                <a:latin typeface="+mn-lt"/>
+                <a:ea typeface="+mn-ea"/>
+                <a:cs typeface="+mn-cs"/>
+              </a:defRPr>
+            </a:lvl9pPr>
+          </a:lstStyle>
+          <a:p>
+            <a:pPr>
+              <a:buFontTx/>
+              <a:buBlip>
+                <a:blip r:embed="rId8"/>
+              </a:buBlip>
+            </a:pPr>
+            <a:r>
+              <a:rPr lang="it-IT" dirty="0" err="1" smtClean="0"/>
+              <a:t>Permanent</a:t>
+            </a:r>
+            <a:r>
+              <a:rPr lang="it-IT" dirty="0" smtClean="0"/>
+              <a:t> connection </a:t>
+            </a:r>
+            <a:r>
+              <a:rPr lang="it-IT" dirty="0" err="1" smtClean="0"/>
+              <a:t>required</a:t>
+            </a:r>
+            <a:endParaRPr lang="it-IT" dirty="0" smtClean="0"/>
+          </a:p>
+          <a:p>
+            <a:pPr>
+              <a:buBlip>
+                <a:blip r:embed="rId8"/>
+              </a:buBlip>
+            </a:pPr>
+            <a:r>
+              <a:rPr lang="it-IT" dirty="0" err="1" smtClean="0"/>
+              <a:t>Can’t</a:t>
+            </a:r>
+            <a:r>
+              <a:rPr lang="it-IT" dirty="0" smtClean="0"/>
+              <a:t> </a:t>
+            </a:r>
+            <a:r>
+              <a:rPr lang="it-IT" dirty="0"/>
+              <a:t>use UDP </a:t>
+            </a:r>
+            <a:r>
+              <a:rPr lang="it-IT" dirty="0" err="1" smtClean="0"/>
+              <a:t>protocol</a:t>
+            </a:r>
+            <a:endParaRPr lang="it-IT" dirty="0" smtClean="0"/>
           </a:p>
         </p:txBody>
       </p:sp>
     </p:spTree>
     <p:extLst>
       <p:ext uri="{BB962C8B-B14F-4D97-AF65-F5344CB8AC3E}">
-        <p14:creationId xmlns:p14="http://schemas.microsoft.com/office/powerpoint/2010/main" val="3035390101"/>
+        <p14:creationId xmlns:p14="http://schemas.microsoft.com/office/powerpoint/2010/main" val="674937935"/>
       </p:ext>
     </p:extLst>
   </p:cSld>
@@ -6085,183 +8585,45 @@
           <a:p>
             <a:r>
               <a:rPr lang="it-IT" dirty="0" smtClean="0"/>
-              <a:t>Pong4 (3)</a:t>
+              <a:t>Pong4</a:t>
             </a:r>
             <a:endParaRPr lang="it-IT" dirty="0"/>
           </a:p>
         </p:txBody>
       </p:sp>
-      <p:sp>
-        <p:nvSpPr>
-          <p:cNvPr id="3" name="Segnaposto contenuto 2"/>
-          <p:cNvSpPr>
-            <a:spLocks noGrp="1"/>
-          </p:cNvSpPr>
+      <p:pic>
+        <p:nvPicPr>
+          <p:cNvPr id="4" name="Segnaposto contenuto 3"/>
+          <p:cNvPicPr>
+            <a:picLocks noGrp="1" noChangeAspect="1"/>
+          </p:cNvPicPr>
           <p:nvPr>
             <p:ph sz="quarter" idx="10"/>
           </p:nvPr>
-        </p:nvSpPr>
-        <p:spPr/>
-        <p:txBody>
-          <a:bodyPr/>
-          <a:lstStyle/>
-          <a:p>
-            <a:r>
-              <a:rPr lang="it-IT" dirty="0" err="1" smtClean="0"/>
-              <a:t>Hybrid</a:t>
-            </a:r>
-            <a:r>
-              <a:rPr lang="it-IT" dirty="0" smtClean="0"/>
-              <a:t> </a:t>
-            </a:r>
-            <a:r>
-              <a:rPr lang="it-IT" dirty="0" err="1" smtClean="0"/>
-              <a:t>paradigm</a:t>
-            </a:r>
-            <a:endParaRPr lang="it-IT" dirty="0" smtClean="0"/>
-          </a:p>
-          <a:p>
-            <a:pPr lvl="1"/>
-            <a:r>
-              <a:rPr lang="it-IT" dirty="0" smtClean="0"/>
-              <a:t>Server</a:t>
-            </a:r>
-            <a:endParaRPr lang="it-IT" dirty="0"/>
-          </a:p>
-          <a:p>
-            <a:pPr lvl="2"/>
-            <a:r>
-              <a:rPr lang="it-IT" dirty="0" err="1" smtClean="0"/>
-              <a:t>Forwards</a:t>
-            </a:r>
-            <a:r>
-              <a:rPr lang="it-IT" dirty="0" smtClean="0"/>
-              <a:t> </a:t>
-            </a:r>
-            <a:r>
-              <a:rPr lang="it-IT" dirty="0" err="1" smtClean="0"/>
-              <a:t>events</a:t>
-            </a:r>
-            <a:r>
-              <a:rPr lang="it-IT" dirty="0" smtClean="0"/>
-              <a:t> and data </a:t>
-            </a:r>
-            <a:r>
-              <a:rPr lang="it-IT" dirty="0" err="1" smtClean="0"/>
-              <a:t>between</a:t>
-            </a:r>
-            <a:r>
-              <a:rPr lang="it-IT" dirty="0" smtClean="0"/>
-              <a:t> clients</a:t>
-            </a:r>
-          </a:p>
-          <a:p>
-            <a:pPr lvl="1"/>
-            <a:r>
-              <a:rPr lang="it-IT" dirty="0" err="1" smtClean="0"/>
-              <a:t>Fat</a:t>
-            </a:r>
-            <a:r>
-              <a:rPr lang="it-IT" dirty="0" smtClean="0"/>
-              <a:t> client (</a:t>
-            </a:r>
-            <a:r>
-              <a:rPr lang="it-IT" dirty="0" err="1" smtClean="0"/>
-              <a:t>host</a:t>
-            </a:r>
-            <a:r>
-              <a:rPr lang="it-IT" dirty="0" smtClean="0"/>
-              <a:t>): Game manager</a:t>
-            </a:r>
-          </a:p>
-          <a:p>
-            <a:pPr lvl="2"/>
-            <a:r>
-              <a:rPr lang="it-IT" dirty="0" smtClean="0"/>
-              <a:t>Player </a:t>
-            </a:r>
-            <a:r>
-              <a:rPr lang="it-IT" dirty="0" err="1" smtClean="0"/>
-              <a:t>movements</a:t>
-            </a:r>
-            <a:endParaRPr lang="it-IT" dirty="0" smtClean="0"/>
-          </a:p>
-          <a:p>
-            <a:pPr lvl="2"/>
-            <a:r>
-              <a:rPr lang="it-IT" dirty="0" err="1" smtClean="0"/>
-              <a:t>Checks</a:t>
-            </a:r>
-            <a:r>
-              <a:rPr lang="it-IT" dirty="0" smtClean="0"/>
-              <a:t> </a:t>
-            </a:r>
-            <a:r>
-              <a:rPr lang="it-IT" dirty="0" err="1" smtClean="0"/>
-              <a:t>collisions</a:t>
-            </a:r>
-            <a:endParaRPr lang="it-IT" dirty="0" smtClean="0"/>
-          </a:p>
-          <a:p>
-            <a:pPr lvl="2"/>
-            <a:r>
-              <a:rPr lang="it-IT" dirty="0" err="1" smtClean="0"/>
-              <a:t>Keeps</a:t>
-            </a:r>
-            <a:r>
-              <a:rPr lang="it-IT" dirty="0" smtClean="0"/>
-              <a:t> </a:t>
-            </a:r>
-            <a:r>
-              <a:rPr lang="it-IT" dirty="0" err="1" smtClean="0"/>
-              <a:t>scores</a:t>
-            </a:r>
-            <a:endParaRPr lang="it-IT" dirty="0" smtClean="0"/>
-          </a:p>
-          <a:p>
-            <a:pPr lvl="2"/>
-            <a:r>
-              <a:rPr lang="it-IT" dirty="0" smtClean="0"/>
-              <a:t>Starts and </a:t>
-            </a:r>
-            <a:r>
-              <a:rPr lang="it-IT" dirty="0" err="1" smtClean="0"/>
-              <a:t>ends</a:t>
-            </a:r>
-            <a:r>
-              <a:rPr lang="it-IT" dirty="0" smtClean="0"/>
-              <a:t> a game</a:t>
-            </a:r>
-          </a:p>
-          <a:p>
-            <a:pPr lvl="1"/>
-            <a:r>
-              <a:rPr lang="it-IT" dirty="0" err="1" smtClean="0"/>
-              <a:t>Thin</a:t>
-            </a:r>
-            <a:r>
-              <a:rPr lang="it-IT" dirty="0" smtClean="0"/>
-              <a:t> client</a:t>
-            </a:r>
-          </a:p>
-          <a:p>
-            <a:pPr lvl="2"/>
-            <a:r>
-              <a:rPr lang="it-IT" dirty="0" smtClean="0"/>
-              <a:t>Player </a:t>
-            </a:r>
-            <a:r>
-              <a:rPr lang="it-IT" dirty="0" err="1" smtClean="0"/>
-              <a:t>movements</a:t>
-            </a:r>
-            <a:endParaRPr lang="it-IT" dirty="0" smtClean="0"/>
-          </a:p>
-        </p:txBody>
-      </p:sp>
+        </p:nvPicPr>
+        <p:blipFill>
+          <a:blip r:embed="rId2">
+            <a:extLst>
+              <a:ext uri="{28A0092B-C50C-407E-A947-70E740481C1C}">
+                <a14:useLocalDpi xmlns:a14="http://schemas.microsoft.com/office/drawing/2010/main" val="0"/>
+              </a:ext>
+            </a:extLst>
+          </a:blip>
+          <a:stretch>
+            <a:fillRect/>
+          </a:stretch>
+        </p:blipFill>
+        <p:spPr>
+          <a:xfrm>
+            <a:off x="2295505" y="1603375"/>
+            <a:ext cx="4552989" cy="4562475"/>
+          </a:xfrm>
+        </p:spPr>
+      </p:pic>
     </p:spTree>
     <p:extLst>
       <p:ext uri="{BB962C8B-B14F-4D97-AF65-F5344CB8AC3E}">
-        <p14:creationId xmlns:p14="http://schemas.microsoft.com/office/powerpoint/2010/main" val="381489603"/>
+        <p14:creationId xmlns:p14="http://schemas.microsoft.com/office/powerpoint/2010/main" val="1812223893"/>
       </p:ext>
     </p:extLst>
   </p:cSld>
@@ -6311,8 +8673,8 @@
           <a:lstStyle/>
           <a:p>
             <a:r>
-              <a:rPr lang="it-IT" smtClean="0"/>
-              <a:t>Socket.io: Server example</a:t>
+              <a:rPr lang="it-IT" dirty="0" smtClean="0"/>
+              <a:t>Pong4 (2)</a:t>
             </a:r>
             <a:endParaRPr lang="it-IT" dirty="0"/>
           </a:p>
@@ -6320,1551 +8682,126 @@
       </p:sp>
       <p:sp>
         <p:nvSpPr>
-          <p:cNvPr id="15" name="Rectangle 6"/>
+          <p:cNvPr id="3" name="Segnaposto contenuto 2"/>
           <p:cNvSpPr>
-            <a:spLocks noGrp="1" noChangeArrowheads="1"/>
+            <a:spLocks noGrp="1"/>
           </p:cNvSpPr>
           <p:nvPr>
             <p:ph sz="quarter" idx="10"/>
           </p:nvPr>
         </p:nvSpPr>
-        <p:spPr bwMode="auto">
-          <a:xfrm>
-            <a:off x="628650" y="1437456"/>
-            <a:ext cx="7759774" cy="4893647"/>
-          </a:xfrm>
-          <a:prstGeom prst="rect">
-            <a:avLst/>
-          </a:prstGeom>
-          <a:noFill/>
-          <a:ln>
-            <a:noFill/>
-          </a:ln>
-          <a:effectLst/>
-        </p:spPr>
+        <p:spPr/>
         <p:txBody>
-          <a:bodyPr vert="horz" wrap="square" lIns="91440" tIns="45720" rIns="91440" bIns="45720" numCol="1" anchor="ctr" anchorCtr="0" compatLnSpc="1">
-            <a:prstTxWarp prst="textNoShape">
-              <a:avLst/>
-            </a:prstTxWarp>
-            <a:spAutoFit/>
-          </a:bodyPr>
+          <a:bodyPr/>
           <a:lstStyle/>
           <a:p>
-            <a:pPr marL="0" marR="0" lvl="0" indent="0" algn="l" defTabSz="914400" rtl="0" eaLnBrk="0" fontAlgn="base" latinLnBrk="0" hangingPunct="0">
-              <a:lnSpc>
-                <a:spcPct val="100000"/>
-              </a:lnSpc>
-              <a:spcBef>
-                <a:spcPct val="0"/>
-              </a:spcBef>
-              <a:spcAft>
-                <a:spcPct val="0"/>
-              </a:spcAft>
-              <a:buClrTx/>
-              <a:buSzTx/>
-              <a:buFontTx/>
-              <a:buNone/>
-              <a:tabLst/>
-            </a:pPr>
-            <a:r>
-              <a:rPr kumimoji="0" lang="it-IT" altLang="it-IT" sz="2400" b="0" i="0" u="none" strike="noStrike" cap="none" normalizeH="0" baseline="0" dirty="0" err="1" smtClean="0">
-                <a:ln>
-                  <a:noFill/>
-                </a:ln>
-                <a:solidFill>
-                  <a:srgbClr val="F92672"/>
-                </a:solidFill>
-                <a:effectLst/>
-                <a:latin typeface="Courier New" panose="02070309020205020404" pitchFamily="49" charset="0"/>
-                <a:cs typeface="Courier New" panose="02070309020205020404" pitchFamily="49" charset="0"/>
-              </a:rPr>
-              <a:t>var</a:t>
-            </a:r>
-            <a:r>
-              <a:rPr kumimoji="0" lang="it-IT" altLang="it-IT" sz="2400" b="0" i="0" u="none" strike="noStrike" cap="none" normalizeH="0" baseline="0" dirty="0" smtClean="0">
-                <a:ln>
-                  <a:noFill/>
-                </a:ln>
-                <a:solidFill>
-                  <a:srgbClr val="F92672"/>
-                </a:solidFill>
-                <a:effectLst/>
-                <a:latin typeface="Courier New" panose="02070309020205020404" pitchFamily="49" charset="0"/>
-                <a:cs typeface="Courier New" panose="02070309020205020404" pitchFamily="49" charset="0"/>
-              </a:rPr>
-              <a:t> </a:t>
-            </a:r>
-            <a:r>
-              <a:rPr kumimoji="0" lang="it-IT" altLang="it-IT" sz="2400" b="0" i="0" u="none" strike="noStrike" cap="none" normalizeH="0" baseline="0" dirty="0" err="1" smtClean="0">
-                <a:ln>
-                  <a:noFill/>
-                </a:ln>
-                <a:solidFill>
-                  <a:srgbClr val="64A2A2"/>
-                </a:solidFill>
-                <a:effectLst/>
-                <a:latin typeface="Courier New" panose="02070309020205020404" pitchFamily="49" charset="0"/>
-                <a:cs typeface="Courier New" panose="02070309020205020404" pitchFamily="49" charset="0"/>
-              </a:rPr>
-              <a:t>app</a:t>
-            </a:r>
-            <a:r>
-              <a:rPr kumimoji="0" lang="it-IT" altLang="it-IT" sz="2400" b="0" i="0" u="none" strike="noStrike" cap="none" normalizeH="0" baseline="0" dirty="0" smtClean="0">
-                <a:ln>
-                  <a:noFill/>
-                </a:ln>
-                <a:solidFill>
-                  <a:srgbClr val="64A2A2"/>
-                </a:solidFill>
-                <a:effectLst/>
-                <a:latin typeface="Courier New" panose="02070309020205020404" pitchFamily="49" charset="0"/>
-                <a:cs typeface="Courier New" panose="02070309020205020404" pitchFamily="49" charset="0"/>
-              </a:rPr>
-              <a:t> </a:t>
-            </a:r>
-            <a:r>
-              <a:rPr kumimoji="0" lang="it-IT" altLang="it-IT" sz="2400" b="0" i="0" u="none" strike="noStrike" cap="none" normalizeH="0" baseline="0" dirty="0" smtClean="0">
-                <a:ln>
-                  <a:noFill/>
-                </a:ln>
-                <a:solidFill>
-                  <a:srgbClr val="F92672"/>
-                </a:solidFill>
-                <a:effectLst/>
-                <a:latin typeface="Courier New" panose="02070309020205020404" pitchFamily="49" charset="0"/>
-                <a:cs typeface="Courier New" panose="02070309020205020404" pitchFamily="49" charset="0"/>
-              </a:rPr>
-              <a:t>= </a:t>
-            </a:r>
-            <a:r>
-              <a:rPr kumimoji="0" lang="it-IT" altLang="it-IT" sz="2400" b="0" i="0" u="none" strike="noStrike" cap="none" normalizeH="0" baseline="0" dirty="0" err="1" smtClean="0">
-                <a:ln>
-                  <a:noFill/>
-                </a:ln>
-                <a:solidFill>
-                  <a:srgbClr val="F8F8F2"/>
-                </a:solidFill>
-                <a:effectLst/>
-                <a:latin typeface="Courier New" panose="02070309020205020404" pitchFamily="49" charset="0"/>
-                <a:cs typeface="Courier New" panose="02070309020205020404" pitchFamily="49" charset="0"/>
-              </a:rPr>
-              <a:t>require</a:t>
-            </a:r>
-            <a:r>
-              <a:rPr kumimoji="0" lang="it-IT" altLang="it-IT" sz="2400" b="0" i="0" u="none" strike="noStrike" cap="none" normalizeH="0" baseline="0" dirty="0" smtClean="0">
-                <a:ln>
-                  <a:noFill/>
-                </a:ln>
-                <a:solidFill>
-                  <a:srgbClr val="F8F8F2"/>
-                </a:solidFill>
-                <a:effectLst/>
-                <a:latin typeface="Courier New" panose="02070309020205020404" pitchFamily="49" charset="0"/>
-                <a:cs typeface="Courier New" panose="02070309020205020404" pitchFamily="49" charset="0"/>
-              </a:rPr>
-              <a:t>(</a:t>
-            </a:r>
-            <a:r>
-              <a:rPr kumimoji="0" lang="it-IT" altLang="it-IT" sz="2400" b="0" i="0" u="none" strike="noStrike" cap="none" normalizeH="0" baseline="0" dirty="0" smtClean="0">
-                <a:ln>
-                  <a:noFill/>
-                </a:ln>
-                <a:solidFill>
-                  <a:srgbClr val="E6DB74"/>
-                </a:solidFill>
-                <a:effectLst/>
-                <a:latin typeface="Courier New" panose="02070309020205020404" pitchFamily="49" charset="0"/>
-                <a:cs typeface="Courier New" panose="02070309020205020404" pitchFamily="49" charset="0"/>
-              </a:rPr>
-              <a:t>'express'</a:t>
-            </a:r>
-            <a:r>
-              <a:rPr kumimoji="0" lang="it-IT" altLang="it-IT" sz="2400" b="0" i="0" u="none" strike="noStrike" cap="none" normalizeH="0" baseline="0" dirty="0" smtClean="0">
-                <a:ln>
-                  <a:noFill/>
-                </a:ln>
-                <a:solidFill>
-                  <a:srgbClr val="F8F8F2"/>
-                </a:solidFill>
-                <a:effectLst/>
-                <a:latin typeface="Courier New" panose="02070309020205020404" pitchFamily="49" charset="0"/>
-                <a:cs typeface="Courier New" panose="02070309020205020404" pitchFamily="49" charset="0"/>
-              </a:rPr>
-              <a:t>)()</a:t>
-            </a:r>
-            <a:r>
-              <a:rPr kumimoji="0" lang="it-IT" altLang="it-IT" sz="2400" b="0" i="0" u="none" strike="noStrike" cap="none" normalizeH="0" baseline="0" dirty="0" smtClean="0">
-                <a:ln>
-                  <a:noFill/>
-                </a:ln>
-                <a:solidFill>
-                  <a:srgbClr val="CC7832"/>
-                </a:solidFill>
-                <a:effectLst/>
-                <a:latin typeface="Courier New" panose="02070309020205020404" pitchFamily="49" charset="0"/>
-                <a:cs typeface="Courier New" panose="02070309020205020404" pitchFamily="49" charset="0"/>
-              </a:rPr>
-              <a:t>;</a:t>
-            </a:r>
-            <a:br>
-              <a:rPr kumimoji="0" lang="it-IT" altLang="it-IT" sz="2400" b="0" i="0" u="none" strike="noStrike" cap="none" normalizeH="0" baseline="0" dirty="0" smtClean="0">
-                <a:ln>
-                  <a:noFill/>
-                </a:ln>
-                <a:solidFill>
-                  <a:srgbClr val="CC7832"/>
-                </a:solidFill>
-                <a:effectLst/>
-                <a:latin typeface="Courier New" panose="02070309020205020404" pitchFamily="49" charset="0"/>
-                <a:cs typeface="Courier New" panose="02070309020205020404" pitchFamily="49" charset="0"/>
-              </a:rPr>
-            </a:br>
-            <a:r>
-              <a:rPr kumimoji="0" lang="it-IT" altLang="it-IT" sz="2400" b="0" i="0" u="none" strike="noStrike" cap="none" normalizeH="0" baseline="0" dirty="0" err="1" smtClean="0">
-                <a:ln>
-                  <a:noFill/>
-                </a:ln>
-                <a:solidFill>
-                  <a:srgbClr val="F92672"/>
-                </a:solidFill>
-                <a:effectLst/>
-                <a:latin typeface="Courier New" panose="02070309020205020404" pitchFamily="49" charset="0"/>
-                <a:cs typeface="Courier New" panose="02070309020205020404" pitchFamily="49" charset="0"/>
-              </a:rPr>
-              <a:t>var</a:t>
-            </a:r>
-            <a:r>
-              <a:rPr kumimoji="0" lang="it-IT" altLang="it-IT" sz="2400" b="0" i="0" u="none" strike="noStrike" cap="none" normalizeH="0" baseline="0" dirty="0" smtClean="0">
-                <a:ln>
-                  <a:noFill/>
-                </a:ln>
-                <a:solidFill>
-                  <a:srgbClr val="F92672"/>
-                </a:solidFill>
-                <a:effectLst/>
-                <a:latin typeface="Courier New" panose="02070309020205020404" pitchFamily="49" charset="0"/>
-                <a:cs typeface="Courier New" panose="02070309020205020404" pitchFamily="49" charset="0"/>
-              </a:rPr>
-              <a:t> </a:t>
-            </a:r>
-            <a:r>
-              <a:rPr kumimoji="0" lang="it-IT" altLang="it-IT" sz="2400" b="0" i="0" u="none" strike="noStrike" cap="none" normalizeH="0" baseline="0" dirty="0" smtClean="0">
-                <a:ln>
-                  <a:noFill/>
-                </a:ln>
-                <a:solidFill>
-                  <a:srgbClr val="64A2A2"/>
-                </a:solidFill>
-                <a:effectLst/>
-                <a:latin typeface="Courier New" panose="02070309020205020404" pitchFamily="49" charset="0"/>
-                <a:cs typeface="Courier New" panose="02070309020205020404" pitchFamily="49" charset="0"/>
-              </a:rPr>
-              <a:t>http </a:t>
-            </a:r>
-            <a:r>
-              <a:rPr kumimoji="0" lang="it-IT" altLang="it-IT" sz="2400" b="0" i="0" u="none" strike="noStrike" cap="none" normalizeH="0" baseline="0" dirty="0" smtClean="0">
-                <a:ln>
-                  <a:noFill/>
-                </a:ln>
-                <a:solidFill>
-                  <a:srgbClr val="F92672"/>
-                </a:solidFill>
-                <a:effectLst/>
-                <a:latin typeface="Courier New" panose="02070309020205020404" pitchFamily="49" charset="0"/>
-                <a:cs typeface="Courier New" panose="02070309020205020404" pitchFamily="49" charset="0"/>
-              </a:rPr>
-              <a:t>= </a:t>
-            </a:r>
-            <a:r>
-              <a:rPr kumimoji="0" lang="it-IT" altLang="it-IT" sz="2400" b="0" i="0" u="none" strike="noStrike" cap="none" normalizeH="0" baseline="0" dirty="0" err="1" smtClean="0">
-                <a:ln>
-                  <a:noFill/>
-                </a:ln>
-                <a:solidFill>
-                  <a:srgbClr val="F8F8F2"/>
-                </a:solidFill>
-                <a:effectLst/>
-                <a:latin typeface="Courier New" panose="02070309020205020404" pitchFamily="49" charset="0"/>
-                <a:cs typeface="Courier New" panose="02070309020205020404" pitchFamily="49" charset="0"/>
-              </a:rPr>
-              <a:t>require</a:t>
-            </a:r>
-            <a:r>
-              <a:rPr kumimoji="0" lang="it-IT" altLang="it-IT" sz="2400" b="0" i="0" u="none" strike="noStrike" cap="none" normalizeH="0" baseline="0" dirty="0" smtClean="0">
-                <a:ln>
-                  <a:noFill/>
-                </a:ln>
-                <a:solidFill>
-                  <a:srgbClr val="F8F8F2"/>
-                </a:solidFill>
-                <a:effectLst/>
-                <a:latin typeface="Courier New" panose="02070309020205020404" pitchFamily="49" charset="0"/>
-                <a:cs typeface="Courier New" panose="02070309020205020404" pitchFamily="49" charset="0"/>
-              </a:rPr>
-              <a:t>(</a:t>
-            </a:r>
-            <a:r>
-              <a:rPr kumimoji="0" lang="it-IT" altLang="it-IT" sz="2400" b="0" i="0" u="none" strike="noStrike" cap="none" normalizeH="0" baseline="0" dirty="0" smtClean="0">
-                <a:ln>
-                  <a:noFill/>
-                </a:ln>
-                <a:solidFill>
-                  <a:srgbClr val="E6DB74"/>
-                </a:solidFill>
-                <a:effectLst/>
-                <a:latin typeface="Courier New" panose="02070309020205020404" pitchFamily="49" charset="0"/>
-                <a:cs typeface="Courier New" panose="02070309020205020404" pitchFamily="49" charset="0"/>
-              </a:rPr>
-              <a:t>'http'</a:t>
-            </a:r>
-            <a:r>
-              <a:rPr kumimoji="0" lang="it-IT" altLang="it-IT" sz="2400" b="0" i="0" u="none" strike="noStrike" cap="none" normalizeH="0" baseline="0" dirty="0" smtClean="0">
-                <a:ln>
-                  <a:noFill/>
-                </a:ln>
-                <a:solidFill>
-                  <a:srgbClr val="F8F8F2"/>
-                </a:solidFill>
-                <a:effectLst/>
-                <a:latin typeface="Courier New" panose="02070309020205020404" pitchFamily="49" charset="0"/>
-                <a:cs typeface="Courier New" panose="02070309020205020404" pitchFamily="49" charset="0"/>
-              </a:rPr>
-              <a:t>).Server(</a:t>
-            </a:r>
-            <a:r>
-              <a:rPr kumimoji="0" lang="it-IT" altLang="it-IT" sz="2400" b="0" i="0" u="none" strike="noStrike" cap="none" normalizeH="0" baseline="0" dirty="0" err="1" smtClean="0">
-                <a:ln>
-                  <a:noFill/>
-                </a:ln>
-                <a:solidFill>
-                  <a:srgbClr val="64A2A2"/>
-                </a:solidFill>
-                <a:effectLst/>
-                <a:latin typeface="Courier New" panose="02070309020205020404" pitchFamily="49" charset="0"/>
-                <a:cs typeface="Courier New" panose="02070309020205020404" pitchFamily="49" charset="0"/>
-              </a:rPr>
-              <a:t>app</a:t>
-            </a:r>
-            <a:r>
-              <a:rPr kumimoji="0" lang="it-IT" altLang="it-IT" sz="2400" b="0" i="0" u="none" strike="noStrike" cap="none" normalizeH="0" baseline="0" dirty="0" smtClean="0">
-                <a:ln>
-                  <a:noFill/>
-                </a:ln>
-                <a:solidFill>
-                  <a:srgbClr val="F8F8F2"/>
-                </a:solidFill>
-                <a:effectLst/>
-                <a:latin typeface="Courier New" panose="02070309020205020404" pitchFamily="49" charset="0"/>
-                <a:cs typeface="Courier New" panose="02070309020205020404" pitchFamily="49" charset="0"/>
-              </a:rPr>
-              <a:t>)</a:t>
-            </a:r>
-            <a:r>
-              <a:rPr kumimoji="0" lang="it-IT" altLang="it-IT" sz="2400" b="0" i="0" u="none" strike="noStrike" cap="none" normalizeH="0" baseline="0" dirty="0" smtClean="0">
-                <a:ln>
-                  <a:noFill/>
-                </a:ln>
-                <a:solidFill>
-                  <a:srgbClr val="CC7832"/>
-                </a:solidFill>
-                <a:effectLst/>
-                <a:latin typeface="Courier New" panose="02070309020205020404" pitchFamily="49" charset="0"/>
-                <a:cs typeface="Courier New" panose="02070309020205020404" pitchFamily="49" charset="0"/>
-              </a:rPr>
-              <a:t>;</a:t>
-            </a:r>
-            <a:br>
-              <a:rPr kumimoji="0" lang="it-IT" altLang="it-IT" sz="2400" b="0" i="0" u="none" strike="noStrike" cap="none" normalizeH="0" baseline="0" dirty="0" smtClean="0">
-                <a:ln>
-                  <a:noFill/>
-                </a:ln>
-                <a:solidFill>
-                  <a:srgbClr val="CC7832"/>
-                </a:solidFill>
-                <a:effectLst/>
-                <a:latin typeface="Courier New" panose="02070309020205020404" pitchFamily="49" charset="0"/>
-                <a:cs typeface="Courier New" panose="02070309020205020404" pitchFamily="49" charset="0"/>
-              </a:rPr>
-            </a:br>
-            <a:r>
-              <a:rPr kumimoji="0" lang="it-IT" altLang="it-IT" sz="2400" b="0" i="0" u="none" strike="noStrike" cap="none" normalizeH="0" baseline="0" dirty="0" err="1" smtClean="0">
-                <a:ln>
-                  <a:noFill/>
-                </a:ln>
-                <a:solidFill>
-                  <a:srgbClr val="F92672"/>
-                </a:solidFill>
-                <a:effectLst/>
-                <a:latin typeface="Courier New" panose="02070309020205020404" pitchFamily="49" charset="0"/>
-                <a:cs typeface="Courier New" panose="02070309020205020404" pitchFamily="49" charset="0"/>
-              </a:rPr>
-              <a:t>var</a:t>
-            </a:r>
-            <a:r>
-              <a:rPr kumimoji="0" lang="it-IT" altLang="it-IT" sz="2400" b="0" i="0" u="none" strike="noStrike" cap="none" normalizeH="0" baseline="0" dirty="0" smtClean="0">
-                <a:ln>
-                  <a:noFill/>
-                </a:ln>
-                <a:solidFill>
-                  <a:srgbClr val="F92672"/>
-                </a:solidFill>
-                <a:effectLst/>
-                <a:latin typeface="Courier New" panose="02070309020205020404" pitchFamily="49" charset="0"/>
-                <a:cs typeface="Courier New" panose="02070309020205020404" pitchFamily="49" charset="0"/>
-              </a:rPr>
-              <a:t> </a:t>
-            </a:r>
-            <a:r>
-              <a:rPr kumimoji="0" lang="it-IT" altLang="it-IT" sz="2400" b="0" i="0" u="none" strike="noStrike" cap="none" normalizeH="0" baseline="0" dirty="0" smtClean="0">
-                <a:ln>
-                  <a:noFill/>
-                </a:ln>
-                <a:solidFill>
-                  <a:srgbClr val="64A2A2"/>
-                </a:solidFill>
-                <a:effectLst/>
-                <a:latin typeface="Courier New" panose="02070309020205020404" pitchFamily="49" charset="0"/>
-                <a:cs typeface="Courier New" panose="02070309020205020404" pitchFamily="49" charset="0"/>
-              </a:rPr>
-              <a:t>io </a:t>
-            </a:r>
-            <a:r>
-              <a:rPr kumimoji="0" lang="it-IT" altLang="it-IT" sz="2400" b="0" i="0" u="none" strike="noStrike" cap="none" normalizeH="0" baseline="0" dirty="0" smtClean="0">
-                <a:ln>
-                  <a:noFill/>
-                </a:ln>
-                <a:solidFill>
-                  <a:srgbClr val="F92672"/>
-                </a:solidFill>
-                <a:effectLst/>
-                <a:latin typeface="Courier New" panose="02070309020205020404" pitchFamily="49" charset="0"/>
-                <a:cs typeface="Courier New" panose="02070309020205020404" pitchFamily="49" charset="0"/>
-              </a:rPr>
-              <a:t>= </a:t>
-            </a:r>
-            <a:r>
-              <a:rPr kumimoji="0" lang="it-IT" altLang="it-IT" sz="2400" b="0" i="0" u="none" strike="noStrike" cap="none" normalizeH="0" baseline="0" dirty="0" err="1" smtClean="0">
-                <a:ln>
-                  <a:noFill/>
-                </a:ln>
-                <a:solidFill>
-                  <a:srgbClr val="F8F8F2"/>
-                </a:solidFill>
-                <a:effectLst/>
-                <a:latin typeface="Courier New" panose="02070309020205020404" pitchFamily="49" charset="0"/>
-                <a:cs typeface="Courier New" panose="02070309020205020404" pitchFamily="49" charset="0"/>
-              </a:rPr>
-              <a:t>require</a:t>
-            </a:r>
-            <a:r>
-              <a:rPr kumimoji="0" lang="it-IT" altLang="it-IT" sz="2400" b="0" i="0" u="none" strike="noStrike" cap="none" normalizeH="0" baseline="0" dirty="0" smtClean="0">
-                <a:ln>
-                  <a:noFill/>
-                </a:ln>
-                <a:solidFill>
-                  <a:srgbClr val="F8F8F2"/>
-                </a:solidFill>
-                <a:effectLst/>
-                <a:latin typeface="Courier New" panose="02070309020205020404" pitchFamily="49" charset="0"/>
-                <a:cs typeface="Courier New" panose="02070309020205020404" pitchFamily="49" charset="0"/>
-              </a:rPr>
-              <a:t>(</a:t>
-            </a:r>
-            <a:r>
-              <a:rPr kumimoji="0" lang="it-IT" altLang="it-IT" sz="2400" b="0" i="0" u="none" strike="noStrike" cap="none" normalizeH="0" baseline="0" dirty="0" smtClean="0">
-                <a:ln>
-                  <a:noFill/>
-                </a:ln>
-                <a:solidFill>
-                  <a:srgbClr val="E6DB74"/>
-                </a:solidFill>
-                <a:effectLst/>
-                <a:latin typeface="Courier New" panose="02070309020205020404" pitchFamily="49" charset="0"/>
-                <a:cs typeface="Courier New" panose="02070309020205020404" pitchFamily="49" charset="0"/>
-              </a:rPr>
-              <a:t>'</a:t>
-            </a:r>
-            <a:r>
-              <a:rPr kumimoji="0" lang="it-IT" altLang="it-IT" sz="2400" b="0" i="0" u="none" strike="noStrike" cap="none" normalizeH="0" baseline="0" dirty="0" err="1" smtClean="0">
-                <a:ln>
-                  <a:noFill/>
-                </a:ln>
-                <a:solidFill>
-                  <a:srgbClr val="E6DB74"/>
-                </a:solidFill>
-                <a:effectLst/>
-                <a:latin typeface="Courier New" panose="02070309020205020404" pitchFamily="49" charset="0"/>
-                <a:cs typeface="Courier New" panose="02070309020205020404" pitchFamily="49" charset="0"/>
-              </a:rPr>
+            <a:r>
+              <a:rPr lang="it-IT" dirty="0" smtClean="0"/>
+              <a:t>A </a:t>
+            </a:r>
+            <a:r>
+              <a:rPr lang="it-IT" dirty="0" err="1" smtClean="0"/>
+              <a:t>simple</a:t>
+            </a:r>
+            <a:r>
+              <a:rPr lang="it-IT" dirty="0" smtClean="0"/>
+              <a:t> real-time multiplayer "</a:t>
+            </a:r>
+            <a:r>
+              <a:rPr lang="it-IT" dirty="0" err="1" smtClean="0"/>
+              <a:t>Pong</a:t>
+            </a:r>
+            <a:r>
+              <a:rPr lang="it-IT" dirty="0" smtClean="0"/>
+              <a:t>" game</a:t>
+            </a:r>
+          </a:p>
+          <a:p>
+            <a:r>
+              <a:rPr lang="it-IT" dirty="0" err="1" smtClean="0"/>
+              <a:t>Built</a:t>
+            </a:r>
+            <a:r>
+              <a:rPr lang="it-IT" dirty="0" smtClean="0"/>
+              <a:t> with</a:t>
+            </a:r>
+          </a:p>
+          <a:p>
+            <a:pPr lvl="1"/>
+            <a:r>
+              <a:rPr lang="it-IT" dirty="0" err="1" smtClean="0"/>
+              <a:t>phaser.io</a:t>
+            </a:r>
+            <a:r>
+              <a:rPr lang="it-IT" dirty="0" smtClean="0"/>
+              <a:t> (game)</a:t>
+            </a:r>
+          </a:p>
+          <a:p>
+            <a:pPr lvl="1"/>
+            <a:r>
+              <a:rPr lang="it-IT" dirty="0" err="1" smtClean="0"/>
               <a:t>socket.io</a:t>
             </a:r>
             <a:r>
-              <a:rPr kumimoji="0" lang="it-IT" altLang="it-IT" sz="2400" b="0" i="0" u="none" strike="noStrike" cap="none" normalizeH="0" baseline="0" dirty="0" smtClean="0">
-                <a:ln>
-                  <a:noFill/>
-                </a:ln>
-                <a:solidFill>
-                  <a:srgbClr val="E6DB74"/>
-                </a:solidFill>
-                <a:effectLst/>
-                <a:latin typeface="Courier New" panose="02070309020205020404" pitchFamily="49" charset="0"/>
-                <a:cs typeface="Courier New" panose="02070309020205020404" pitchFamily="49" charset="0"/>
-              </a:rPr>
-              <a:t>'</a:t>
-            </a:r>
-            <a:r>
-              <a:rPr kumimoji="0" lang="it-IT" altLang="it-IT" sz="2400" b="0" i="0" u="none" strike="noStrike" cap="none" normalizeH="0" baseline="0" dirty="0" smtClean="0">
-                <a:ln>
-                  <a:noFill/>
-                </a:ln>
-                <a:solidFill>
-                  <a:srgbClr val="F8F8F2"/>
-                </a:solidFill>
-                <a:effectLst/>
-                <a:latin typeface="Courier New" panose="02070309020205020404" pitchFamily="49" charset="0"/>
-                <a:cs typeface="Courier New" panose="02070309020205020404" pitchFamily="49" charset="0"/>
-              </a:rPr>
-              <a:t>)(</a:t>
-            </a:r>
-            <a:r>
-              <a:rPr kumimoji="0" lang="it-IT" altLang="it-IT" sz="2400" b="0" i="0" u="none" strike="noStrike" cap="none" normalizeH="0" baseline="0" dirty="0" smtClean="0">
-                <a:ln>
-                  <a:noFill/>
-                </a:ln>
-                <a:solidFill>
-                  <a:srgbClr val="64A2A2"/>
-                </a:solidFill>
-                <a:effectLst/>
-                <a:latin typeface="Courier New" panose="02070309020205020404" pitchFamily="49" charset="0"/>
-                <a:cs typeface="Courier New" panose="02070309020205020404" pitchFamily="49" charset="0"/>
-              </a:rPr>
-              <a:t>http</a:t>
-            </a:r>
-            <a:r>
-              <a:rPr kumimoji="0" lang="it-IT" altLang="it-IT" sz="2400" b="0" i="0" u="none" strike="noStrike" cap="none" normalizeH="0" baseline="0" dirty="0" smtClean="0">
-                <a:ln>
-                  <a:noFill/>
-                </a:ln>
-                <a:solidFill>
-                  <a:srgbClr val="F8F8F2"/>
-                </a:solidFill>
-                <a:effectLst/>
-                <a:latin typeface="Courier New" panose="02070309020205020404" pitchFamily="49" charset="0"/>
-                <a:cs typeface="Courier New" panose="02070309020205020404" pitchFamily="49" charset="0"/>
-              </a:rPr>
-              <a:t>)</a:t>
-            </a:r>
-            <a:r>
-              <a:rPr kumimoji="0" lang="it-IT" altLang="it-IT" sz="2400" b="0" i="0" u="none" strike="noStrike" cap="none" normalizeH="0" baseline="0" dirty="0" smtClean="0">
-                <a:ln>
-                  <a:noFill/>
-                </a:ln>
-                <a:solidFill>
-                  <a:srgbClr val="CC7832"/>
-                </a:solidFill>
-                <a:effectLst/>
-                <a:latin typeface="Courier New" panose="02070309020205020404" pitchFamily="49" charset="0"/>
-                <a:cs typeface="Courier New" panose="02070309020205020404" pitchFamily="49" charset="0"/>
-              </a:rPr>
-              <a:t>;</a:t>
-            </a:r>
-            <a:br>
-              <a:rPr kumimoji="0" lang="it-IT" altLang="it-IT" sz="2400" b="0" i="0" u="none" strike="noStrike" cap="none" normalizeH="0" baseline="0" dirty="0" smtClean="0">
-                <a:ln>
-                  <a:noFill/>
-                </a:ln>
-                <a:solidFill>
-                  <a:srgbClr val="CC7832"/>
-                </a:solidFill>
-                <a:effectLst/>
-                <a:latin typeface="Courier New" panose="02070309020205020404" pitchFamily="49" charset="0"/>
-                <a:cs typeface="Courier New" panose="02070309020205020404" pitchFamily="49" charset="0"/>
-              </a:rPr>
-            </a:br>
-            <a:r>
-              <a:rPr kumimoji="0" lang="it-IT" altLang="it-IT" sz="2400" b="0" i="0" u="none" strike="noStrike" cap="none" normalizeH="0" baseline="0" dirty="0" err="1" smtClean="0">
-                <a:ln>
-                  <a:noFill/>
-                </a:ln>
-                <a:solidFill>
-                  <a:srgbClr val="64A2A2"/>
-                </a:solidFill>
-                <a:effectLst/>
-                <a:latin typeface="Courier New" panose="02070309020205020404" pitchFamily="49" charset="0"/>
-                <a:cs typeface="Courier New" panose="02070309020205020404" pitchFamily="49" charset="0"/>
-              </a:rPr>
-              <a:t>io</a:t>
-            </a:r>
-            <a:r>
-              <a:rPr kumimoji="0" lang="it-IT" altLang="it-IT" sz="2400" b="0" i="0" u="none" strike="noStrike" cap="none" normalizeH="0" baseline="0" dirty="0" err="1" smtClean="0">
-                <a:ln>
-                  <a:noFill/>
-                </a:ln>
-                <a:solidFill>
-                  <a:srgbClr val="F8F8F2"/>
-                </a:solidFill>
-                <a:effectLst/>
-                <a:latin typeface="Courier New" panose="02070309020205020404" pitchFamily="49" charset="0"/>
-                <a:cs typeface="Courier New" panose="02070309020205020404" pitchFamily="49" charset="0"/>
-              </a:rPr>
-              <a:t>.</a:t>
-            </a:r>
-            <a:r>
-              <a:rPr kumimoji="0" lang="it-IT" altLang="it-IT" sz="2400" b="0" i="0" u="none" strike="noStrike" cap="none" normalizeH="0" baseline="0" dirty="0" err="1" smtClean="0">
-                <a:ln>
-                  <a:noFill/>
-                </a:ln>
-                <a:solidFill>
-                  <a:srgbClr val="A6E22E"/>
-                </a:solidFill>
-                <a:effectLst/>
-                <a:latin typeface="Courier New" panose="02070309020205020404" pitchFamily="49" charset="0"/>
-                <a:cs typeface="Courier New" panose="02070309020205020404" pitchFamily="49" charset="0"/>
-              </a:rPr>
-              <a:t>on</a:t>
-            </a:r>
-            <a:r>
-              <a:rPr kumimoji="0" lang="it-IT" altLang="it-IT" sz="2400" b="0" i="0" u="none" strike="noStrike" cap="none" normalizeH="0" baseline="0" dirty="0" smtClean="0">
-                <a:ln>
-                  <a:noFill/>
-                </a:ln>
-                <a:solidFill>
-                  <a:srgbClr val="F8F8F2"/>
-                </a:solidFill>
-                <a:effectLst/>
-                <a:latin typeface="Courier New" panose="02070309020205020404" pitchFamily="49" charset="0"/>
-                <a:cs typeface="Courier New" panose="02070309020205020404" pitchFamily="49" charset="0"/>
-              </a:rPr>
-              <a:t>(</a:t>
-            </a:r>
-            <a:r>
-              <a:rPr kumimoji="0" lang="it-IT" altLang="it-IT" sz="2400" b="0" i="0" u="none" strike="noStrike" cap="none" normalizeH="0" baseline="0" dirty="0" smtClean="0">
-                <a:ln>
-                  <a:noFill/>
-                </a:ln>
-                <a:solidFill>
-                  <a:srgbClr val="E6DB74"/>
-                </a:solidFill>
-                <a:effectLst/>
-                <a:latin typeface="Courier New" panose="02070309020205020404" pitchFamily="49" charset="0"/>
-                <a:cs typeface="Courier New" panose="02070309020205020404" pitchFamily="49" charset="0"/>
-              </a:rPr>
-              <a:t>'connection'</a:t>
-            </a:r>
-            <a:r>
-              <a:rPr kumimoji="0" lang="it-IT" altLang="it-IT" sz="2400" b="0" i="0" u="none" strike="noStrike" cap="none" normalizeH="0" baseline="0" dirty="0" smtClean="0">
-                <a:ln>
-                  <a:noFill/>
-                </a:ln>
-                <a:solidFill>
-                  <a:srgbClr val="CC7832"/>
-                </a:solidFill>
-                <a:effectLst/>
-                <a:latin typeface="Courier New" panose="02070309020205020404" pitchFamily="49" charset="0"/>
-                <a:cs typeface="Courier New" panose="02070309020205020404" pitchFamily="49" charset="0"/>
-              </a:rPr>
-              <a:t>, </a:t>
-            </a:r>
-            <a:r>
-              <a:rPr kumimoji="0" lang="it-IT" altLang="it-IT" sz="2400" b="0" i="0" u="none" strike="noStrike" cap="none" normalizeH="0" baseline="0" dirty="0" err="1" smtClean="0">
-                <a:ln>
-                  <a:noFill/>
-                </a:ln>
-                <a:solidFill>
-                  <a:srgbClr val="F92672"/>
-                </a:solidFill>
-                <a:effectLst/>
-                <a:latin typeface="Courier New" panose="02070309020205020404" pitchFamily="49" charset="0"/>
-                <a:cs typeface="Courier New" panose="02070309020205020404" pitchFamily="49" charset="0"/>
-              </a:rPr>
-              <a:t>function</a:t>
-            </a:r>
-            <a:r>
-              <a:rPr kumimoji="0" lang="it-IT" altLang="it-IT" sz="2400" b="0" i="0" u="none" strike="noStrike" cap="none" normalizeH="0" baseline="0" dirty="0" smtClean="0">
-                <a:ln>
-                  <a:noFill/>
-                </a:ln>
-                <a:solidFill>
-                  <a:srgbClr val="F8F8F2"/>
-                </a:solidFill>
-                <a:effectLst/>
-                <a:latin typeface="Courier New" panose="02070309020205020404" pitchFamily="49" charset="0"/>
-                <a:cs typeface="Courier New" panose="02070309020205020404" pitchFamily="49" charset="0"/>
-              </a:rPr>
-              <a:t>(</a:t>
-            </a:r>
-            <a:r>
-              <a:rPr kumimoji="0" lang="it-IT" altLang="it-IT" sz="2400" b="0" i="1" u="none" strike="noStrike" cap="none" normalizeH="0" baseline="0" dirty="0" err="1" smtClean="0">
-                <a:ln>
-                  <a:noFill/>
-                </a:ln>
-                <a:solidFill>
-                  <a:srgbClr val="FD971F"/>
-                </a:solidFill>
-                <a:effectLst/>
-                <a:latin typeface="Courier New" panose="02070309020205020404" pitchFamily="49" charset="0"/>
-                <a:cs typeface="Courier New" panose="02070309020205020404" pitchFamily="49" charset="0"/>
-              </a:rPr>
-              <a:t>socket</a:t>
-            </a:r>
-            <a:r>
-              <a:rPr kumimoji="0" lang="it-IT" altLang="it-IT" sz="2400" b="0" i="0" u="none" strike="noStrike" cap="none" normalizeH="0" baseline="0" dirty="0" smtClean="0">
-                <a:ln>
-                  <a:noFill/>
-                </a:ln>
-                <a:solidFill>
-                  <a:srgbClr val="F8F8F2"/>
-                </a:solidFill>
-                <a:effectLst/>
-                <a:latin typeface="Courier New" panose="02070309020205020404" pitchFamily="49" charset="0"/>
-                <a:cs typeface="Courier New" panose="02070309020205020404" pitchFamily="49" charset="0"/>
-              </a:rPr>
-              <a:t>) {</a:t>
-            </a:r>
-            <a:br>
-              <a:rPr kumimoji="0" lang="it-IT" altLang="it-IT" sz="2400" b="0" i="0" u="none" strike="noStrike" cap="none" normalizeH="0" baseline="0" dirty="0" smtClean="0">
-                <a:ln>
-                  <a:noFill/>
-                </a:ln>
-                <a:solidFill>
-                  <a:srgbClr val="F8F8F2"/>
-                </a:solidFill>
-                <a:effectLst/>
-                <a:latin typeface="Courier New" panose="02070309020205020404" pitchFamily="49" charset="0"/>
-                <a:cs typeface="Courier New" panose="02070309020205020404" pitchFamily="49" charset="0"/>
-              </a:rPr>
-            </a:br>
-            <a:r>
-              <a:rPr kumimoji="0" lang="it-IT" altLang="it-IT" sz="2400" b="0" i="0" u="none" strike="noStrike" cap="none" normalizeH="0" baseline="0" dirty="0" smtClean="0">
-                <a:ln>
-                  <a:noFill/>
-                </a:ln>
-                <a:solidFill>
-                  <a:srgbClr val="F8F8F2"/>
-                </a:solidFill>
-                <a:effectLst/>
-                <a:latin typeface="Courier New" panose="02070309020205020404" pitchFamily="49" charset="0"/>
-                <a:cs typeface="Courier New" panose="02070309020205020404" pitchFamily="49" charset="0"/>
-              </a:rPr>
-              <a:t>    </a:t>
-            </a:r>
-            <a:r>
-              <a:rPr kumimoji="0" lang="it-IT" altLang="it-IT" sz="2400" b="1" i="0" u="none" strike="noStrike" cap="none" normalizeH="0" baseline="0" dirty="0" smtClean="0">
-                <a:ln>
-                  <a:noFill/>
-                </a:ln>
-                <a:effectLst/>
-                <a:latin typeface="Courier New" panose="02070309020205020404" pitchFamily="49" charset="0"/>
-                <a:cs typeface="Courier New" panose="02070309020205020404" pitchFamily="49" charset="0"/>
-              </a:rPr>
-              <a:t>//a </a:t>
-            </a:r>
-            <a:r>
-              <a:rPr kumimoji="0" lang="it-IT" altLang="it-IT" sz="2400" b="1" i="0" u="none" strike="noStrike" cap="none" normalizeH="0" baseline="0" dirty="0" err="1" smtClean="0">
-                <a:ln>
-                  <a:noFill/>
-                </a:ln>
-                <a:effectLst/>
-                <a:latin typeface="Courier New" panose="02070309020205020404" pitchFamily="49" charset="0"/>
-                <a:cs typeface="Courier New" panose="02070309020205020404" pitchFamily="49" charset="0"/>
-              </a:rPr>
-              <a:t>socket</a:t>
-            </a:r>
-            <a:r>
-              <a:rPr kumimoji="0" lang="it-IT" altLang="it-IT" sz="2400" b="1" i="0" u="none" strike="noStrike" cap="none" normalizeH="0" baseline="0" dirty="0" smtClean="0">
-                <a:ln>
-                  <a:noFill/>
-                </a:ln>
-                <a:effectLst/>
-                <a:latin typeface="Courier New" panose="02070309020205020404" pitchFamily="49" charset="0"/>
-                <a:cs typeface="Courier New" panose="02070309020205020404" pitchFamily="49" charset="0"/>
-              </a:rPr>
-              <a:t> just </a:t>
-            </a:r>
-            <a:r>
-              <a:rPr kumimoji="0" lang="it-IT" altLang="it-IT" sz="2400" b="1" i="0" u="none" strike="noStrike" cap="none" normalizeH="0" baseline="0" dirty="0" err="1" smtClean="0">
-                <a:ln>
-                  <a:noFill/>
-                </a:ln>
-                <a:effectLst/>
-                <a:latin typeface="Courier New" panose="02070309020205020404" pitchFamily="49" charset="0"/>
-                <a:cs typeface="Courier New" panose="02070309020205020404" pitchFamily="49" charset="0"/>
-              </a:rPr>
-              <a:t>connected</a:t>
-            </a:r>
-            <a:r>
-              <a:rPr kumimoji="0" lang="it-IT" altLang="it-IT" sz="2400" b="1" i="0" u="none" strike="noStrike" cap="none" normalizeH="0" baseline="0" dirty="0" smtClean="0">
-                <a:ln>
-                  <a:noFill/>
-                </a:ln>
-                <a:effectLst/>
-                <a:latin typeface="Courier New" panose="02070309020205020404" pitchFamily="49" charset="0"/>
-                <a:cs typeface="Courier New" panose="02070309020205020404" pitchFamily="49" charset="0"/>
-              </a:rPr>
-              <a:t>!</a:t>
-            </a:r>
-            <a:br>
-              <a:rPr kumimoji="0" lang="it-IT" altLang="it-IT" sz="2400" b="1" i="0" u="none" strike="noStrike" cap="none" normalizeH="0" baseline="0" dirty="0" smtClean="0">
-                <a:ln>
-                  <a:noFill/>
-                </a:ln>
-                <a:effectLst/>
-                <a:latin typeface="Courier New" panose="02070309020205020404" pitchFamily="49" charset="0"/>
-                <a:cs typeface="Courier New" panose="02070309020205020404" pitchFamily="49" charset="0"/>
-              </a:rPr>
-            </a:br>
-            <a:r>
-              <a:rPr kumimoji="0" lang="it-IT" altLang="it-IT" sz="2400" b="0" i="0" u="none" strike="noStrike" cap="none" normalizeH="0" baseline="0" dirty="0" smtClean="0">
-                <a:ln>
-                  <a:noFill/>
-                </a:ln>
-                <a:solidFill>
-                  <a:srgbClr val="75715E"/>
-                </a:solidFill>
-                <a:effectLst/>
-                <a:latin typeface="Courier New" panose="02070309020205020404" pitchFamily="49" charset="0"/>
-                <a:cs typeface="Courier New" panose="02070309020205020404" pitchFamily="49" charset="0"/>
-              </a:rPr>
-              <a:t>    </a:t>
-            </a:r>
-            <a:br>
-              <a:rPr kumimoji="0" lang="it-IT" altLang="it-IT" sz="2400" b="0" i="0" u="none" strike="noStrike" cap="none" normalizeH="0" baseline="0" dirty="0" smtClean="0">
-                <a:ln>
-                  <a:noFill/>
-                </a:ln>
-                <a:solidFill>
-                  <a:srgbClr val="75715E"/>
-                </a:solidFill>
-                <a:effectLst/>
-                <a:latin typeface="Courier New" panose="02070309020205020404" pitchFamily="49" charset="0"/>
-                <a:cs typeface="Courier New" panose="02070309020205020404" pitchFamily="49" charset="0"/>
-              </a:rPr>
-            </a:br>
-            <a:r>
-              <a:rPr kumimoji="0" lang="it-IT" altLang="it-IT" sz="2400" b="0" i="0" u="none" strike="noStrike" cap="none" normalizeH="0" baseline="0" dirty="0" smtClean="0">
-                <a:ln>
-                  <a:noFill/>
-                </a:ln>
-                <a:solidFill>
-                  <a:srgbClr val="75715E"/>
-                </a:solidFill>
-                <a:effectLst/>
-                <a:latin typeface="Courier New" panose="02070309020205020404" pitchFamily="49" charset="0"/>
-                <a:cs typeface="Courier New" panose="02070309020205020404" pitchFamily="49" charset="0"/>
-              </a:rPr>
-              <a:t>    </a:t>
-            </a:r>
-            <a:r>
-              <a:rPr kumimoji="0" lang="it-IT" altLang="it-IT" sz="2400" b="0" i="1" u="none" strike="noStrike" cap="none" normalizeH="0" baseline="0" dirty="0" err="1" smtClean="0">
-                <a:ln>
-                  <a:noFill/>
-                </a:ln>
-                <a:solidFill>
-                  <a:srgbClr val="FD971F"/>
-                </a:solidFill>
-                <a:effectLst/>
-                <a:latin typeface="Courier New" panose="02070309020205020404" pitchFamily="49" charset="0"/>
-                <a:cs typeface="Courier New" panose="02070309020205020404" pitchFamily="49" charset="0"/>
-              </a:rPr>
-              <a:t>socket</a:t>
-            </a:r>
-            <a:r>
-              <a:rPr kumimoji="0" lang="it-IT" altLang="it-IT" sz="2400" b="0" i="0" u="none" strike="noStrike" cap="none" normalizeH="0" baseline="0" dirty="0" err="1" smtClean="0">
-                <a:ln>
-                  <a:noFill/>
-                </a:ln>
-                <a:solidFill>
-                  <a:srgbClr val="F8F8F2"/>
-                </a:solidFill>
-                <a:effectLst/>
-                <a:latin typeface="Courier New" panose="02070309020205020404" pitchFamily="49" charset="0"/>
-                <a:cs typeface="Courier New" panose="02070309020205020404" pitchFamily="49" charset="0"/>
-              </a:rPr>
-              <a:t>.</a:t>
-            </a:r>
-            <a:r>
-              <a:rPr kumimoji="0" lang="it-IT" altLang="it-IT" sz="2400" b="0" i="0" u="none" strike="noStrike" cap="none" normalizeH="0" baseline="0" dirty="0" err="1" smtClean="0">
-                <a:ln>
-                  <a:noFill/>
-                </a:ln>
-                <a:solidFill>
-                  <a:srgbClr val="979748"/>
-                </a:solidFill>
-                <a:effectLst/>
-                <a:latin typeface="Courier New" panose="02070309020205020404" pitchFamily="49" charset="0"/>
-                <a:cs typeface="Courier New" panose="02070309020205020404" pitchFamily="49" charset="0"/>
-              </a:rPr>
-              <a:t>on</a:t>
-            </a:r>
-            <a:r>
-              <a:rPr kumimoji="0" lang="it-IT" altLang="it-IT" sz="2400" b="0" i="0" u="none" strike="noStrike" cap="none" normalizeH="0" baseline="0" dirty="0" smtClean="0">
-                <a:ln>
-                  <a:noFill/>
-                </a:ln>
-                <a:solidFill>
-                  <a:srgbClr val="F8F8F2"/>
-                </a:solidFill>
-                <a:effectLst/>
-                <a:latin typeface="Courier New" panose="02070309020205020404" pitchFamily="49" charset="0"/>
-                <a:cs typeface="Courier New" panose="02070309020205020404" pitchFamily="49" charset="0"/>
-              </a:rPr>
-              <a:t>(</a:t>
-            </a:r>
-            <a:r>
-              <a:rPr kumimoji="0" lang="it-IT" altLang="it-IT" sz="2400" b="0" i="0" u="none" strike="noStrike" cap="none" normalizeH="0" baseline="0" dirty="0" smtClean="0">
-                <a:ln>
-                  <a:noFill/>
-                </a:ln>
-                <a:solidFill>
-                  <a:srgbClr val="E6DB74"/>
-                </a:solidFill>
-                <a:effectLst/>
-                <a:latin typeface="Courier New" panose="02070309020205020404" pitchFamily="49" charset="0"/>
-                <a:cs typeface="Courier New" panose="02070309020205020404" pitchFamily="49" charset="0"/>
-              </a:rPr>
-              <a:t>'</a:t>
-            </a:r>
-            <a:r>
-              <a:rPr kumimoji="0" lang="it-IT" altLang="it-IT" sz="2400" b="0" i="0" u="none" strike="noStrike" cap="none" normalizeH="0" baseline="0" dirty="0" err="1" smtClean="0">
-                <a:ln>
-                  <a:noFill/>
-                </a:ln>
-                <a:solidFill>
-                  <a:srgbClr val="E6DB74"/>
-                </a:solidFill>
-                <a:effectLst/>
-                <a:latin typeface="Courier New" panose="02070309020205020404" pitchFamily="49" charset="0"/>
-                <a:cs typeface="Courier New" panose="02070309020205020404" pitchFamily="49" charset="0"/>
-              </a:rPr>
-              <a:t>ping</a:t>
-            </a:r>
-            <a:r>
-              <a:rPr kumimoji="0" lang="it-IT" altLang="it-IT" sz="2400" b="0" i="0" u="none" strike="noStrike" cap="none" normalizeH="0" baseline="0" dirty="0" smtClean="0">
-                <a:ln>
-                  <a:noFill/>
-                </a:ln>
-                <a:solidFill>
-                  <a:srgbClr val="E6DB74"/>
-                </a:solidFill>
-                <a:effectLst/>
-                <a:latin typeface="Courier New" panose="02070309020205020404" pitchFamily="49" charset="0"/>
-                <a:cs typeface="Courier New" panose="02070309020205020404" pitchFamily="49" charset="0"/>
-              </a:rPr>
-              <a:t>'</a:t>
-            </a:r>
-            <a:r>
-              <a:rPr kumimoji="0" lang="it-IT" altLang="it-IT" sz="2400" b="0" i="0" u="none" strike="noStrike" cap="none" normalizeH="0" baseline="0" dirty="0" smtClean="0">
-                <a:ln>
-                  <a:noFill/>
-                </a:ln>
-                <a:solidFill>
-                  <a:srgbClr val="CC7832"/>
-                </a:solidFill>
-                <a:effectLst/>
-                <a:latin typeface="Courier New" panose="02070309020205020404" pitchFamily="49" charset="0"/>
-                <a:cs typeface="Courier New" panose="02070309020205020404" pitchFamily="49" charset="0"/>
-              </a:rPr>
-              <a:t>, </a:t>
-            </a:r>
-            <a:r>
-              <a:rPr kumimoji="0" lang="it-IT" altLang="it-IT" sz="2400" b="0" i="0" u="none" strike="noStrike" cap="none" normalizeH="0" baseline="0" dirty="0" err="1" smtClean="0">
-                <a:ln>
-                  <a:noFill/>
-                </a:ln>
-                <a:solidFill>
-                  <a:srgbClr val="F92672"/>
-                </a:solidFill>
-                <a:effectLst/>
-                <a:latin typeface="Courier New" panose="02070309020205020404" pitchFamily="49" charset="0"/>
-                <a:cs typeface="Courier New" panose="02070309020205020404" pitchFamily="49" charset="0"/>
-              </a:rPr>
-              <a:t>function</a:t>
-            </a:r>
-            <a:r>
-              <a:rPr kumimoji="0" lang="it-IT" altLang="it-IT" sz="2400" b="0" i="0" u="none" strike="noStrike" cap="none" normalizeH="0" baseline="0" dirty="0" smtClean="0">
-                <a:ln>
-                  <a:noFill/>
-                </a:ln>
-                <a:solidFill>
-                  <a:srgbClr val="F8F8F2"/>
-                </a:solidFill>
-                <a:effectLst/>
-                <a:latin typeface="Courier New" panose="02070309020205020404" pitchFamily="49" charset="0"/>
-                <a:cs typeface="Courier New" panose="02070309020205020404" pitchFamily="49" charset="0"/>
-              </a:rPr>
-              <a:t>(</a:t>
-            </a:r>
-            <a:r>
-              <a:rPr kumimoji="0" lang="it-IT" altLang="it-IT" sz="2400" b="0" i="1" u="none" strike="noStrike" cap="none" normalizeH="0" baseline="0" dirty="0" smtClean="0">
-                <a:ln>
-                  <a:noFill/>
-                </a:ln>
-                <a:solidFill>
-                  <a:srgbClr val="FD971F"/>
-                </a:solidFill>
-                <a:effectLst/>
-                <a:latin typeface="Courier New" panose="02070309020205020404" pitchFamily="49" charset="0"/>
-                <a:cs typeface="Courier New" panose="02070309020205020404" pitchFamily="49" charset="0"/>
-              </a:rPr>
-              <a:t>data</a:t>
-            </a:r>
-            <a:r>
-              <a:rPr kumimoji="0" lang="it-IT" altLang="it-IT" sz="2400" b="0" i="0" u="none" strike="noStrike" cap="none" normalizeH="0" baseline="0" dirty="0" smtClean="0">
-                <a:ln>
-                  <a:noFill/>
-                </a:ln>
-                <a:solidFill>
-                  <a:srgbClr val="F8F8F2"/>
-                </a:solidFill>
-                <a:effectLst/>
-                <a:latin typeface="Courier New" panose="02070309020205020404" pitchFamily="49" charset="0"/>
-                <a:cs typeface="Courier New" panose="02070309020205020404" pitchFamily="49" charset="0"/>
-              </a:rPr>
-              <a:t>) {</a:t>
-            </a:r>
-            <a:br>
-              <a:rPr kumimoji="0" lang="it-IT" altLang="it-IT" sz="2400" b="0" i="0" u="none" strike="noStrike" cap="none" normalizeH="0" baseline="0" dirty="0" smtClean="0">
-                <a:ln>
-                  <a:noFill/>
-                </a:ln>
-                <a:solidFill>
-                  <a:srgbClr val="F8F8F2"/>
-                </a:solidFill>
-                <a:effectLst/>
-                <a:latin typeface="Courier New" panose="02070309020205020404" pitchFamily="49" charset="0"/>
-                <a:cs typeface="Courier New" panose="02070309020205020404" pitchFamily="49" charset="0"/>
-              </a:rPr>
-            </a:br>
-            <a:r>
-              <a:rPr kumimoji="0" lang="it-IT" altLang="it-IT" sz="2400" b="0" i="0" u="none" strike="noStrike" cap="none" normalizeH="0" baseline="0" dirty="0" smtClean="0">
-                <a:ln>
-                  <a:noFill/>
-                </a:ln>
-                <a:solidFill>
-                  <a:srgbClr val="F8F8F2"/>
-                </a:solidFill>
-                <a:effectLst/>
-                <a:latin typeface="Courier New" panose="02070309020205020404" pitchFamily="49" charset="0"/>
-                <a:cs typeface="Courier New" panose="02070309020205020404" pitchFamily="49" charset="0"/>
-              </a:rPr>
-              <a:t>        </a:t>
-            </a:r>
-            <a:r>
-              <a:rPr kumimoji="0" lang="it-IT" altLang="it-IT" sz="2400" b="1" i="0" u="none" strike="noStrike" cap="none" normalizeH="0" baseline="0" dirty="0" smtClean="0">
-                <a:ln>
-                  <a:noFill/>
-                </a:ln>
-                <a:effectLst/>
-                <a:latin typeface="Courier New" panose="02070309020205020404" pitchFamily="49" charset="0"/>
-                <a:cs typeface="Courier New" panose="02070309020205020404" pitchFamily="49" charset="0"/>
-              </a:rPr>
-              <a:t>//do </a:t>
-            </a:r>
-            <a:r>
-              <a:rPr kumimoji="0" lang="it-IT" altLang="it-IT" sz="2400" b="1" i="0" u="none" strike="noStrike" cap="none" normalizeH="0" baseline="0" dirty="0" err="1" smtClean="0">
-                <a:ln>
-                  <a:noFill/>
-                </a:ln>
-                <a:effectLst/>
-                <a:latin typeface="Courier New" panose="02070309020205020404" pitchFamily="49" charset="0"/>
-                <a:cs typeface="Courier New" panose="02070309020205020404" pitchFamily="49" charset="0"/>
-              </a:rPr>
-              <a:t>something</a:t>
-            </a:r>
-            <a:r>
-              <a:rPr kumimoji="0" lang="it-IT" altLang="it-IT" sz="2400" b="1" i="0" u="none" strike="noStrike" cap="none" normalizeH="0" baseline="0" dirty="0" smtClean="0">
-                <a:ln>
-                  <a:noFill/>
-                </a:ln>
-                <a:effectLst/>
-                <a:latin typeface="Courier New" panose="02070309020205020404" pitchFamily="49" charset="0"/>
-                <a:cs typeface="Courier New" panose="02070309020205020404" pitchFamily="49" charset="0"/>
-              </a:rPr>
-              <a:t> with </a:t>
-            </a:r>
-            <a:r>
-              <a:rPr kumimoji="0" lang="it-IT" altLang="it-IT" sz="2400" b="1" i="0" u="none" strike="noStrike" cap="none" normalizeH="0" baseline="0" dirty="0" err="1" smtClean="0">
-                <a:ln>
-                  <a:noFill/>
-                </a:ln>
-                <a:effectLst/>
-                <a:latin typeface="Courier New" panose="02070309020205020404" pitchFamily="49" charset="0"/>
-                <a:cs typeface="Courier New" panose="02070309020205020404" pitchFamily="49" charset="0"/>
-              </a:rPr>
-              <a:t>received</a:t>
-            </a:r>
-            <a:r>
-              <a:rPr kumimoji="0" lang="it-IT" altLang="it-IT" sz="2400" b="1" i="0" u="none" strike="noStrike" cap="none" normalizeH="0" baseline="0" dirty="0" smtClean="0">
-                <a:ln>
-                  <a:noFill/>
-                </a:ln>
-                <a:effectLst/>
-                <a:latin typeface="Courier New" panose="02070309020205020404" pitchFamily="49" charset="0"/>
-                <a:cs typeface="Courier New" panose="02070309020205020404" pitchFamily="49" charset="0"/>
-              </a:rPr>
-              <a:t> data</a:t>
-            </a:r>
-            <a:r>
-              <a:rPr kumimoji="0" lang="it-IT" altLang="it-IT" sz="2400" b="0" i="0" u="none" strike="noStrike" cap="none" normalizeH="0" baseline="0" dirty="0" smtClean="0">
-                <a:ln>
-                  <a:noFill/>
-                </a:ln>
-                <a:solidFill>
-                  <a:srgbClr val="75715E"/>
-                </a:solidFill>
-                <a:effectLst/>
-                <a:latin typeface="Courier New" panose="02070309020205020404" pitchFamily="49" charset="0"/>
-                <a:cs typeface="Courier New" panose="02070309020205020404" pitchFamily="49" charset="0"/>
-              </a:rPr>
-              <a:t/>
-            </a:r>
-            <a:br>
-              <a:rPr kumimoji="0" lang="it-IT" altLang="it-IT" sz="2400" b="0" i="0" u="none" strike="noStrike" cap="none" normalizeH="0" baseline="0" dirty="0" smtClean="0">
-                <a:ln>
-                  <a:noFill/>
-                </a:ln>
-                <a:solidFill>
-                  <a:srgbClr val="75715E"/>
-                </a:solidFill>
-                <a:effectLst/>
-                <a:latin typeface="Courier New" panose="02070309020205020404" pitchFamily="49" charset="0"/>
-                <a:cs typeface="Courier New" panose="02070309020205020404" pitchFamily="49" charset="0"/>
-              </a:rPr>
-            </a:br>
-            <a:r>
-              <a:rPr kumimoji="0" lang="it-IT" altLang="it-IT" sz="2400" b="0" i="0" u="none" strike="noStrike" cap="none" normalizeH="0" baseline="0" dirty="0" smtClean="0">
-                <a:ln>
-                  <a:noFill/>
-                </a:ln>
-                <a:solidFill>
-                  <a:srgbClr val="75715E"/>
-                </a:solidFill>
-                <a:effectLst/>
-                <a:latin typeface="Courier New" panose="02070309020205020404" pitchFamily="49" charset="0"/>
-                <a:cs typeface="Courier New" panose="02070309020205020404" pitchFamily="49" charset="0"/>
-              </a:rPr>
-              <a:t>        </a:t>
-            </a:r>
-            <a:br>
-              <a:rPr kumimoji="0" lang="it-IT" altLang="it-IT" sz="2400" b="0" i="0" u="none" strike="noStrike" cap="none" normalizeH="0" baseline="0" dirty="0" smtClean="0">
-                <a:ln>
-                  <a:noFill/>
-                </a:ln>
-                <a:solidFill>
-                  <a:srgbClr val="75715E"/>
-                </a:solidFill>
-                <a:effectLst/>
-                <a:latin typeface="Courier New" panose="02070309020205020404" pitchFamily="49" charset="0"/>
-                <a:cs typeface="Courier New" panose="02070309020205020404" pitchFamily="49" charset="0"/>
-              </a:rPr>
-            </a:br>
-            <a:r>
-              <a:rPr kumimoji="0" lang="it-IT" altLang="it-IT" sz="2400" b="0" i="0" u="none" strike="noStrike" cap="none" normalizeH="0" baseline="0" dirty="0" smtClean="0">
-                <a:ln>
-                  <a:noFill/>
-                </a:ln>
-                <a:solidFill>
-                  <a:srgbClr val="75715E"/>
-                </a:solidFill>
-                <a:effectLst/>
-                <a:latin typeface="Courier New" panose="02070309020205020404" pitchFamily="49" charset="0"/>
-                <a:cs typeface="Courier New" panose="02070309020205020404" pitchFamily="49" charset="0"/>
-              </a:rPr>
-              <a:t>        </a:t>
-            </a:r>
-            <a:r>
-              <a:rPr kumimoji="0" lang="it-IT" altLang="it-IT" sz="2400" b="0" i="0" u="none" strike="noStrike" cap="none" normalizeH="0" baseline="0" dirty="0" smtClean="0">
-                <a:ln>
-                  <a:noFill/>
-                </a:ln>
-                <a:solidFill>
-                  <a:srgbClr val="F8F8F2"/>
-                </a:solidFill>
-                <a:effectLst/>
-                <a:latin typeface="Courier New" panose="02070309020205020404" pitchFamily="49" charset="0"/>
-                <a:cs typeface="Courier New" panose="02070309020205020404" pitchFamily="49" charset="0"/>
-              </a:rPr>
-              <a:t>console.</a:t>
-            </a:r>
-            <a:r>
-              <a:rPr kumimoji="0" lang="it-IT" altLang="it-IT" sz="2400" b="0" i="0" u="none" strike="noStrike" cap="none" normalizeH="0" baseline="0" dirty="0" smtClean="0">
-                <a:ln>
-                  <a:noFill/>
-                </a:ln>
-                <a:solidFill>
-                  <a:srgbClr val="979748"/>
-                </a:solidFill>
-                <a:effectLst/>
-                <a:latin typeface="Courier New" panose="02070309020205020404" pitchFamily="49" charset="0"/>
-                <a:cs typeface="Courier New" panose="02070309020205020404" pitchFamily="49" charset="0"/>
-              </a:rPr>
-              <a:t>log</a:t>
-            </a:r>
-            <a:r>
-              <a:rPr kumimoji="0" lang="it-IT" altLang="it-IT" sz="2400" b="0" i="0" u="none" strike="noStrike" cap="none" normalizeH="0" baseline="0" dirty="0" smtClean="0">
-                <a:ln>
-                  <a:noFill/>
-                </a:ln>
-                <a:solidFill>
-                  <a:srgbClr val="F8F8F2"/>
-                </a:solidFill>
-                <a:effectLst/>
-                <a:latin typeface="Courier New" panose="02070309020205020404" pitchFamily="49" charset="0"/>
-                <a:cs typeface="Courier New" panose="02070309020205020404" pitchFamily="49" charset="0"/>
-              </a:rPr>
-              <a:t>(</a:t>
-            </a:r>
-            <a:r>
-              <a:rPr kumimoji="0" lang="it-IT" altLang="it-IT" sz="2400" b="0" i="1" u="none" strike="noStrike" cap="none" normalizeH="0" baseline="0" dirty="0" err="1" smtClean="0">
-                <a:ln>
-                  <a:noFill/>
-                </a:ln>
-                <a:solidFill>
-                  <a:srgbClr val="FD971F"/>
-                </a:solidFill>
-                <a:effectLst/>
-                <a:latin typeface="Courier New" panose="02070309020205020404" pitchFamily="49" charset="0"/>
-                <a:cs typeface="Courier New" panose="02070309020205020404" pitchFamily="49" charset="0"/>
-              </a:rPr>
-              <a:t>data</a:t>
-            </a:r>
-            <a:r>
-              <a:rPr kumimoji="0" lang="it-IT" altLang="it-IT" sz="2400" b="0" i="0" u="none" strike="noStrike" cap="none" normalizeH="0" baseline="0" dirty="0" err="1" smtClean="0">
-                <a:ln>
-                  <a:noFill/>
-                </a:ln>
-                <a:solidFill>
-                  <a:srgbClr val="F8F8F2"/>
-                </a:solidFill>
-                <a:effectLst/>
-                <a:latin typeface="Courier New" panose="02070309020205020404" pitchFamily="49" charset="0"/>
-                <a:cs typeface="Courier New" panose="02070309020205020404" pitchFamily="49" charset="0"/>
-              </a:rPr>
-              <a:t>.user</a:t>
-            </a:r>
-            <a:r>
-              <a:rPr kumimoji="0" lang="it-IT" altLang="it-IT" sz="2400" b="0" i="0" u="none" strike="noStrike" cap="none" normalizeH="0" baseline="0" dirty="0" smtClean="0">
-                <a:ln>
-                  <a:noFill/>
-                </a:ln>
-                <a:solidFill>
-                  <a:srgbClr val="F8F8F2"/>
-                </a:solidFill>
-                <a:effectLst/>
-                <a:latin typeface="Courier New" panose="02070309020205020404" pitchFamily="49" charset="0"/>
-                <a:cs typeface="Courier New" panose="02070309020205020404" pitchFamily="49" charset="0"/>
-              </a:rPr>
-              <a:t>)</a:t>
-            </a:r>
-            <a:r>
-              <a:rPr kumimoji="0" lang="it-IT" altLang="it-IT" sz="2400" b="0" i="0" u="none" strike="noStrike" cap="none" normalizeH="0" baseline="0" dirty="0" smtClean="0">
-                <a:ln>
-                  <a:noFill/>
-                </a:ln>
-                <a:solidFill>
-                  <a:srgbClr val="CC7832"/>
-                </a:solidFill>
-                <a:effectLst/>
-                <a:latin typeface="Courier New" panose="02070309020205020404" pitchFamily="49" charset="0"/>
-                <a:cs typeface="Courier New" panose="02070309020205020404" pitchFamily="49" charset="0"/>
-              </a:rPr>
-              <a:t>;</a:t>
-            </a:r>
-            <a:br>
-              <a:rPr kumimoji="0" lang="it-IT" altLang="it-IT" sz="2400" b="0" i="0" u="none" strike="noStrike" cap="none" normalizeH="0" baseline="0" dirty="0" smtClean="0">
-                <a:ln>
-                  <a:noFill/>
-                </a:ln>
-                <a:solidFill>
-                  <a:srgbClr val="CC7832"/>
-                </a:solidFill>
-                <a:effectLst/>
-                <a:latin typeface="Courier New" panose="02070309020205020404" pitchFamily="49" charset="0"/>
-                <a:cs typeface="Courier New" panose="02070309020205020404" pitchFamily="49" charset="0"/>
-              </a:rPr>
-            </a:br>
-            <a:r>
-              <a:rPr kumimoji="0" lang="it-IT" altLang="it-IT" sz="2400" b="0" i="0" u="none" strike="noStrike" cap="none" normalizeH="0" baseline="0" dirty="0" smtClean="0">
-                <a:ln>
-                  <a:noFill/>
-                </a:ln>
-                <a:solidFill>
-                  <a:srgbClr val="CC7832"/>
-                </a:solidFill>
-                <a:effectLst/>
-                <a:latin typeface="Courier New" panose="02070309020205020404" pitchFamily="49" charset="0"/>
-                <a:cs typeface="Courier New" panose="02070309020205020404" pitchFamily="49" charset="0"/>
-              </a:rPr>
-              <a:t>        </a:t>
-            </a:r>
-            <a:r>
-              <a:rPr kumimoji="0" lang="it-IT" altLang="it-IT" sz="2400" b="0" i="1" u="none" strike="noStrike" cap="none" normalizeH="0" baseline="0" dirty="0" err="1" smtClean="0">
-                <a:ln>
-                  <a:noFill/>
-                </a:ln>
-                <a:solidFill>
-                  <a:srgbClr val="FD971F"/>
-                </a:solidFill>
-                <a:effectLst/>
-                <a:latin typeface="Courier New" panose="02070309020205020404" pitchFamily="49" charset="0"/>
-                <a:cs typeface="Courier New" panose="02070309020205020404" pitchFamily="49" charset="0"/>
-              </a:rPr>
-              <a:t>socket</a:t>
-            </a:r>
-            <a:r>
-              <a:rPr kumimoji="0" lang="it-IT" altLang="it-IT" sz="2400" b="0" i="0" u="none" strike="noStrike" cap="none" normalizeH="0" baseline="0" dirty="0" err="1" smtClean="0">
-                <a:ln>
-                  <a:noFill/>
-                </a:ln>
-                <a:solidFill>
-                  <a:srgbClr val="F8F8F2"/>
-                </a:solidFill>
-                <a:effectLst/>
-                <a:latin typeface="Courier New" panose="02070309020205020404" pitchFamily="49" charset="0"/>
-                <a:cs typeface="Courier New" panose="02070309020205020404" pitchFamily="49" charset="0"/>
-              </a:rPr>
-              <a:t>.</a:t>
-            </a:r>
-            <a:r>
-              <a:rPr kumimoji="0" lang="it-IT" altLang="it-IT" sz="2400" b="0" i="0" u="none" strike="noStrike" cap="none" normalizeH="0" baseline="0" dirty="0" err="1" smtClean="0">
-                <a:ln>
-                  <a:noFill/>
-                </a:ln>
-                <a:solidFill>
-                  <a:srgbClr val="979748"/>
-                </a:solidFill>
-                <a:effectLst/>
-                <a:latin typeface="Courier New" panose="02070309020205020404" pitchFamily="49" charset="0"/>
-                <a:cs typeface="Courier New" panose="02070309020205020404" pitchFamily="49" charset="0"/>
-              </a:rPr>
-              <a:t>emit</a:t>
-            </a:r>
-            <a:r>
-              <a:rPr kumimoji="0" lang="it-IT" altLang="it-IT" sz="2400" b="0" i="0" u="none" strike="noStrike" cap="none" normalizeH="0" baseline="0" dirty="0" smtClean="0">
-                <a:ln>
-                  <a:noFill/>
-                </a:ln>
-                <a:solidFill>
-                  <a:srgbClr val="F8F8F2"/>
-                </a:solidFill>
-                <a:effectLst/>
-                <a:latin typeface="Courier New" panose="02070309020205020404" pitchFamily="49" charset="0"/>
-                <a:cs typeface="Courier New" panose="02070309020205020404" pitchFamily="49" charset="0"/>
-              </a:rPr>
-              <a:t>(</a:t>
-            </a:r>
-            <a:r>
-              <a:rPr kumimoji="0" lang="it-IT" altLang="it-IT" sz="2400" b="0" i="0" u="none" strike="noStrike" cap="none" normalizeH="0" baseline="0" dirty="0" smtClean="0">
-                <a:ln>
-                  <a:noFill/>
-                </a:ln>
-                <a:solidFill>
-                  <a:srgbClr val="E6DB74"/>
-                </a:solidFill>
-                <a:effectLst/>
-                <a:latin typeface="Courier New" panose="02070309020205020404" pitchFamily="49" charset="0"/>
-                <a:cs typeface="Courier New" panose="02070309020205020404" pitchFamily="49" charset="0"/>
-              </a:rPr>
-              <a:t>'</a:t>
-            </a:r>
-            <a:r>
-              <a:rPr kumimoji="0" lang="it-IT" altLang="it-IT" sz="2400" b="0" i="0" u="none" strike="noStrike" cap="none" normalizeH="0" baseline="0" dirty="0" err="1" smtClean="0">
-                <a:ln>
-                  <a:noFill/>
-                </a:ln>
-                <a:solidFill>
-                  <a:srgbClr val="E6DB74"/>
-                </a:solidFill>
-                <a:effectLst/>
-                <a:latin typeface="Courier New" panose="02070309020205020404" pitchFamily="49" charset="0"/>
-                <a:cs typeface="Courier New" panose="02070309020205020404" pitchFamily="49" charset="0"/>
-              </a:rPr>
-              <a:t>pong</a:t>
-            </a:r>
-            <a:r>
-              <a:rPr kumimoji="0" lang="it-IT" altLang="it-IT" sz="2400" b="0" i="0" u="none" strike="noStrike" cap="none" normalizeH="0" baseline="0" dirty="0" smtClean="0">
-                <a:ln>
-                  <a:noFill/>
-                </a:ln>
-                <a:solidFill>
-                  <a:srgbClr val="E6DB74"/>
-                </a:solidFill>
-                <a:effectLst/>
-                <a:latin typeface="Courier New" panose="02070309020205020404" pitchFamily="49" charset="0"/>
-                <a:cs typeface="Courier New" panose="02070309020205020404" pitchFamily="49" charset="0"/>
-              </a:rPr>
-              <a:t>'</a:t>
-            </a:r>
-            <a:r>
-              <a:rPr kumimoji="0" lang="it-IT" altLang="it-IT" sz="2400" b="0" i="0" u="none" strike="noStrike" cap="none" normalizeH="0" baseline="0" dirty="0" smtClean="0">
-                <a:ln>
-                  <a:noFill/>
-                </a:ln>
-                <a:solidFill>
-                  <a:srgbClr val="CC7832"/>
-                </a:solidFill>
-                <a:effectLst/>
-                <a:latin typeface="Courier New" panose="02070309020205020404" pitchFamily="49" charset="0"/>
-                <a:cs typeface="Courier New" panose="02070309020205020404" pitchFamily="49" charset="0"/>
-              </a:rPr>
-              <a:t>, </a:t>
-            </a:r>
-            <a:r>
-              <a:rPr kumimoji="0" lang="it-IT" altLang="it-IT" sz="2400" b="0" i="0" u="none" strike="noStrike" cap="none" normalizeH="0" baseline="0" dirty="0" smtClean="0">
-                <a:ln>
-                  <a:noFill/>
-                </a:ln>
-                <a:solidFill>
-                  <a:srgbClr val="E6DB74"/>
-                </a:solidFill>
-                <a:effectLst/>
-                <a:latin typeface="Courier New" panose="02070309020205020404" pitchFamily="49" charset="0"/>
-                <a:cs typeface="Courier New" panose="02070309020205020404" pitchFamily="49" charset="0"/>
-              </a:rPr>
-              <a:t>'hello!'</a:t>
-            </a:r>
-            <a:r>
-              <a:rPr kumimoji="0" lang="it-IT" altLang="it-IT" sz="2400" b="0" i="0" u="none" strike="noStrike" cap="none" normalizeH="0" baseline="0" dirty="0" smtClean="0">
-                <a:ln>
-                  <a:noFill/>
-                </a:ln>
-                <a:solidFill>
-                  <a:srgbClr val="F8F8F2"/>
-                </a:solidFill>
-                <a:effectLst/>
-                <a:latin typeface="Courier New" panose="02070309020205020404" pitchFamily="49" charset="0"/>
-                <a:cs typeface="Courier New" panose="02070309020205020404" pitchFamily="49" charset="0"/>
-              </a:rPr>
-              <a:t>)</a:t>
-            </a:r>
-            <a:r>
-              <a:rPr kumimoji="0" lang="it-IT" altLang="it-IT" sz="2400" b="0" i="0" u="none" strike="noStrike" cap="none" normalizeH="0" baseline="0" dirty="0" smtClean="0">
-                <a:ln>
-                  <a:noFill/>
-                </a:ln>
-                <a:solidFill>
-                  <a:srgbClr val="CC7832"/>
-                </a:solidFill>
-                <a:effectLst/>
-                <a:latin typeface="Courier New" panose="02070309020205020404" pitchFamily="49" charset="0"/>
-                <a:cs typeface="Courier New" panose="02070309020205020404" pitchFamily="49" charset="0"/>
-              </a:rPr>
-              <a:t>;</a:t>
-            </a:r>
-            <a:br>
-              <a:rPr kumimoji="0" lang="it-IT" altLang="it-IT" sz="2400" b="0" i="0" u="none" strike="noStrike" cap="none" normalizeH="0" baseline="0" dirty="0" smtClean="0">
-                <a:ln>
-                  <a:noFill/>
-                </a:ln>
-                <a:solidFill>
-                  <a:srgbClr val="CC7832"/>
-                </a:solidFill>
-                <a:effectLst/>
-                <a:latin typeface="Courier New" panose="02070309020205020404" pitchFamily="49" charset="0"/>
-                <a:cs typeface="Courier New" panose="02070309020205020404" pitchFamily="49" charset="0"/>
-              </a:rPr>
-            </a:br>
-            <a:r>
-              <a:rPr kumimoji="0" lang="it-IT" altLang="it-IT" sz="2400" b="0" i="0" u="none" strike="noStrike" cap="none" normalizeH="0" baseline="0" dirty="0" smtClean="0">
-                <a:ln>
-                  <a:noFill/>
-                </a:ln>
-                <a:solidFill>
-                  <a:srgbClr val="CC7832"/>
-                </a:solidFill>
-                <a:effectLst/>
-                <a:latin typeface="Courier New" panose="02070309020205020404" pitchFamily="49" charset="0"/>
-                <a:cs typeface="Courier New" panose="02070309020205020404" pitchFamily="49" charset="0"/>
-              </a:rPr>
-              <a:t>    </a:t>
-            </a:r>
-            <a:r>
-              <a:rPr kumimoji="0" lang="it-IT" altLang="it-IT" sz="2400" b="0" i="0" u="none" strike="noStrike" cap="none" normalizeH="0" baseline="0" dirty="0" smtClean="0">
-                <a:ln>
-                  <a:noFill/>
-                </a:ln>
-                <a:solidFill>
-                  <a:srgbClr val="F8F8F2"/>
-                </a:solidFill>
-                <a:effectLst/>
-                <a:latin typeface="Courier New" panose="02070309020205020404" pitchFamily="49" charset="0"/>
-                <a:cs typeface="Courier New" panose="02070309020205020404" pitchFamily="49" charset="0"/>
-              </a:rPr>
-              <a:t>})</a:t>
-            </a:r>
-            <a:r>
-              <a:rPr kumimoji="0" lang="it-IT" altLang="it-IT" sz="2400" b="0" i="0" u="none" strike="noStrike" cap="none" normalizeH="0" baseline="0" dirty="0" smtClean="0">
-                <a:ln>
-                  <a:noFill/>
-                </a:ln>
-                <a:solidFill>
-                  <a:srgbClr val="CC7832"/>
-                </a:solidFill>
-                <a:effectLst/>
-                <a:latin typeface="Courier New" panose="02070309020205020404" pitchFamily="49" charset="0"/>
-                <a:cs typeface="Courier New" panose="02070309020205020404" pitchFamily="49" charset="0"/>
-              </a:rPr>
-              <a:t>;</a:t>
-            </a:r>
-            <a:br>
-              <a:rPr kumimoji="0" lang="it-IT" altLang="it-IT" sz="2400" b="0" i="0" u="none" strike="noStrike" cap="none" normalizeH="0" baseline="0" dirty="0" smtClean="0">
-                <a:ln>
-                  <a:noFill/>
-                </a:ln>
-                <a:solidFill>
-                  <a:srgbClr val="CC7832"/>
-                </a:solidFill>
-                <a:effectLst/>
-                <a:latin typeface="Courier New" panose="02070309020205020404" pitchFamily="49" charset="0"/>
-                <a:cs typeface="Courier New" panose="02070309020205020404" pitchFamily="49" charset="0"/>
-              </a:rPr>
-            </a:br>
-            <a:r>
-              <a:rPr kumimoji="0" lang="it-IT" altLang="it-IT" sz="2400" b="0" i="0" u="none" strike="noStrike" cap="none" normalizeH="0" baseline="0" dirty="0" smtClean="0">
-                <a:ln>
-                  <a:noFill/>
-                </a:ln>
-                <a:solidFill>
-                  <a:srgbClr val="F8F8F2"/>
-                </a:solidFill>
-                <a:effectLst/>
-                <a:latin typeface="Courier New" panose="02070309020205020404" pitchFamily="49" charset="0"/>
-                <a:cs typeface="Courier New" panose="02070309020205020404" pitchFamily="49" charset="0"/>
-              </a:rPr>
-              <a:t>})</a:t>
-            </a:r>
-            <a:r>
-              <a:rPr kumimoji="0" lang="it-IT" altLang="it-IT" sz="2400" b="0" i="0" u="none" strike="noStrike" cap="none" normalizeH="0" baseline="0" dirty="0" smtClean="0">
-                <a:ln>
-                  <a:noFill/>
-                </a:ln>
-                <a:solidFill>
-                  <a:srgbClr val="CC7832"/>
-                </a:solidFill>
-                <a:effectLst/>
-                <a:latin typeface="Courier New" panose="02070309020205020404" pitchFamily="49" charset="0"/>
-                <a:cs typeface="Courier New" panose="02070309020205020404" pitchFamily="49" charset="0"/>
-              </a:rPr>
-              <a:t>;</a:t>
-            </a:r>
-            <a:endParaRPr kumimoji="0" lang="it-IT" altLang="it-IT" sz="3600" b="0" i="0" u="none" strike="noStrike" cap="none" normalizeH="0" baseline="0" dirty="0" smtClean="0">
-              <a:ln>
-                <a:noFill/>
-              </a:ln>
-              <a:solidFill>
-                <a:schemeClr val="tx1"/>
-              </a:solidFill>
-              <a:effectLst/>
-              <a:latin typeface="Arial" panose="020B0604020202020204" pitchFamily="34" charset="0"/>
-            </a:endParaRPr>
+              <a:rPr lang="it-IT" dirty="0" smtClean="0"/>
+              <a:t> (networking)</a:t>
+            </a:r>
+            <a:endParaRPr lang="it-IT" dirty="0"/>
+          </a:p>
+          <a:p>
+            <a:pPr lvl="1"/>
+            <a:r>
+              <a:rPr lang="it-IT" dirty="0" err="1" smtClean="0"/>
+              <a:t>express.io</a:t>
+            </a:r>
+            <a:r>
+              <a:rPr lang="it-IT" dirty="0" smtClean="0"/>
+              <a:t> (</a:t>
+            </a:r>
+            <a:r>
+              <a:rPr lang="it-IT" dirty="0" err="1" smtClean="0"/>
+              <a:t>content</a:t>
+            </a:r>
+            <a:r>
+              <a:rPr lang="it-IT" dirty="0" smtClean="0"/>
+              <a:t> delivery)</a:t>
+            </a:r>
+          </a:p>
+          <a:p>
+            <a:r>
+              <a:rPr lang="it-IT" dirty="0" err="1" smtClean="0"/>
+              <a:t>Runs</a:t>
+            </a:r>
+            <a:r>
+              <a:rPr lang="it-IT" dirty="0" smtClean="0"/>
+              <a:t> on node.js</a:t>
+            </a:r>
+          </a:p>
+          <a:p>
+            <a:r>
+              <a:rPr lang="it-IT" dirty="0" smtClean="0">
+                <a:hlinkClick r:id="rId2"/>
+              </a:rPr>
+              <a:t>http://pong4.eu-gb.mybluemix.net</a:t>
+            </a:r>
+            <a:endParaRPr lang="it-IT" dirty="0" smtClean="0"/>
+          </a:p>
+          <a:p>
+            <a:r>
+              <a:rPr lang="it-IT" dirty="0">
+                <a:hlinkClick r:id="rId3"/>
+              </a:rPr>
+              <a:t>https://github.com/Lotti/codemotion2015</a:t>
+            </a:r>
+            <a:endParaRPr lang="it-IT" dirty="0"/>
           </a:p>
         </p:txBody>
       </p:sp>
     </p:spTree>
     <p:extLst>
       <p:ext uri="{BB962C8B-B14F-4D97-AF65-F5344CB8AC3E}">
-        <p14:creationId xmlns:p14="http://schemas.microsoft.com/office/powerpoint/2010/main" val="1738221474"/>
+        <p14:creationId xmlns:p14="http://schemas.microsoft.com/office/powerpoint/2010/main" val="3035390101"/>
       </p:ext>
     </p:extLst>
   </p:cSld>
@@ -7914,8 +8851,8 @@
           <a:lstStyle/>
           <a:p>
             <a:r>
-              <a:rPr lang="it-IT" smtClean="0"/>
-              <a:t>Socket.io: Client example</a:t>
+              <a:rPr lang="it-IT" dirty="0" smtClean="0"/>
+              <a:t>Pong4 (3)</a:t>
             </a:r>
             <a:endParaRPr lang="it-IT" dirty="0"/>
           </a:p>
@@ -7923,1112 +8860,175 @@
       </p:sp>
       <p:sp>
         <p:nvSpPr>
-          <p:cNvPr id="5" name="Rectangle 1"/>
+          <p:cNvPr id="3" name="Segnaposto contenuto 2"/>
           <p:cNvSpPr>
-            <a:spLocks noGrp="1" noChangeArrowheads="1"/>
+            <a:spLocks noGrp="1"/>
           </p:cNvSpPr>
           <p:nvPr>
             <p:ph sz="quarter" idx="10"/>
           </p:nvPr>
         </p:nvSpPr>
-        <p:spPr bwMode="auto">
-          <a:xfrm>
-            <a:off x="628650" y="2299231"/>
-            <a:ext cx="7417415" cy="3170099"/>
-          </a:xfrm>
-          <a:prstGeom prst="rect">
-            <a:avLst/>
-          </a:prstGeom>
-          <a:noFill/>
-          <a:ln>
-            <a:noFill/>
-          </a:ln>
-          <a:effectLst/>
-        </p:spPr>
+        <p:spPr/>
         <p:txBody>
-          <a:bodyPr vert="horz" wrap="none" lIns="91440" tIns="45720" rIns="91440" bIns="45720" numCol="1" anchor="ctr" anchorCtr="0" compatLnSpc="1">
-            <a:prstTxWarp prst="textNoShape">
-              <a:avLst/>
-            </a:prstTxWarp>
-            <a:spAutoFit/>
-          </a:bodyPr>
+          <a:bodyPr/>
           <a:lstStyle/>
           <a:p>
-            <a:pPr marL="0" marR="0" lvl="0" indent="0" algn="l" defTabSz="914400" rtl="0" eaLnBrk="0" fontAlgn="base" latinLnBrk="0" hangingPunct="0">
-              <a:lnSpc>
-                <a:spcPct val="100000"/>
-              </a:lnSpc>
-              <a:spcBef>
-                <a:spcPct val="0"/>
-              </a:spcBef>
-              <a:spcAft>
-                <a:spcPct val="0"/>
-              </a:spcAft>
-              <a:buClrTx/>
-              <a:buSzTx/>
-              <a:buFontTx/>
-              <a:buNone/>
-              <a:tabLst/>
-            </a:pPr>
-            <a:r>
-              <a:rPr kumimoji="0" lang="it-IT" altLang="it-IT" sz="2000" b="0" i="0" u="none" strike="noStrike" cap="none" normalizeH="0" baseline="0" dirty="0" smtClean="0">
-                <a:ln>
-                  <a:noFill/>
-                </a:ln>
-                <a:solidFill>
-                  <a:srgbClr val="F8F8F2"/>
-                </a:solidFill>
-                <a:effectLst/>
-                <a:latin typeface="Courier New" panose="02070309020205020404" pitchFamily="49" charset="0"/>
-                <a:cs typeface="Courier New" panose="02070309020205020404" pitchFamily="49" charset="0"/>
-              </a:rPr>
-              <a:t>&lt;</a:t>
-            </a:r>
-            <a:r>
-              <a:rPr kumimoji="0" lang="it-IT" altLang="it-IT" sz="2000" b="1" i="0" u="none" strike="noStrike" cap="none" normalizeH="0" baseline="0" dirty="0" smtClean="0">
-                <a:ln>
-                  <a:noFill/>
-                </a:ln>
-                <a:solidFill>
-                  <a:srgbClr val="E3E3FF"/>
-                </a:solidFill>
-                <a:effectLst/>
-                <a:latin typeface="Courier New" panose="02070309020205020404" pitchFamily="49" charset="0"/>
-                <a:cs typeface="Courier New" panose="02070309020205020404" pitchFamily="49" charset="0"/>
-              </a:rPr>
-              <a:t>script </a:t>
-            </a:r>
-            <a:r>
-              <a:rPr kumimoji="0" lang="it-IT" altLang="it-IT" sz="2000" b="0" i="0" u="none" strike="noStrike" cap="none" normalizeH="0" baseline="0" dirty="0" err="1" smtClean="0">
-                <a:ln>
-                  <a:noFill/>
-                </a:ln>
-                <a:solidFill>
-                  <a:srgbClr val="A6E22E"/>
-                </a:solidFill>
-                <a:effectLst/>
-                <a:latin typeface="Courier New" panose="02070309020205020404" pitchFamily="49" charset="0"/>
-                <a:cs typeface="Courier New" panose="02070309020205020404" pitchFamily="49" charset="0"/>
-              </a:rPr>
-              <a:t>src</a:t>
-            </a:r>
-            <a:r>
-              <a:rPr kumimoji="0" lang="it-IT" altLang="it-IT" sz="2000" b="0" i="0" u="none" strike="noStrike" cap="none" normalizeH="0" baseline="0" dirty="0" smtClean="0">
-                <a:ln>
-                  <a:noFill/>
-                </a:ln>
-                <a:solidFill>
-                  <a:srgbClr val="A6E22E"/>
-                </a:solidFill>
-                <a:effectLst/>
-                <a:latin typeface="Courier New" panose="02070309020205020404" pitchFamily="49" charset="0"/>
-                <a:cs typeface="Courier New" panose="02070309020205020404" pitchFamily="49" charset="0"/>
-              </a:rPr>
-              <a:t>=</a:t>
-            </a:r>
-            <a:r>
-              <a:rPr kumimoji="0" lang="it-IT" altLang="it-IT" sz="2000" b="1" i="0" u="none" strike="noStrike" cap="none" normalizeH="0" baseline="0" dirty="0" smtClean="0">
-                <a:ln>
-                  <a:noFill/>
-                </a:ln>
-                <a:solidFill>
-                  <a:srgbClr val="E6DB74"/>
-                </a:solidFill>
-                <a:effectLst/>
-                <a:latin typeface="Courier New" panose="02070309020205020404" pitchFamily="49" charset="0"/>
-                <a:cs typeface="Courier New" panose="02070309020205020404" pitchFamily="49" charset="0"/>
-              </a:rPr>
-              <a:t>"/</a:t>
-            </a:r>
-            <a:r>
-              <a:rPr kumimoji="0" lang="it-IT" altLang="it-IT" sz="2000" b="1" i="0" u="none" strike="noStrike" cap="none" normalizeH="0" baseline="0" dirty="0" err="1" smtClean="0">
-                <a:ln>
-                  <a:noFill/>
-                </a:ln>
-                <a:solidFill>
-                  <a:srgbClr val="E6DB74"/>
-                </a:solidFill>
-                <a:effectLst/>
-                <a:latin typeface="Courier New" panose="02070309020205020404" pitchFamily="49" charset="0"/>
-                <a:cs typeface="Courier New" panose="02070309020205020404" pitchFamily="49" charset="0"/>
-              </a:rPr>
-              <a:t>socket.io</a:t>
-            </a:r>
-            <a:r>
-              <a:rPr kumimoji="0" lang="it-IT" altLang="it-IT" sz="2000" b="1" i="0" u="none" strike="noStrike" cap="none" normalizeH="0" baseline="0" dirty="0" smtClean="0">
-                <a:ln>
-                  <a:noFill/>
-                </a:ln>
-                <a:solidFill>
-                  <a:srgbClr val="E6DB74"/>
-                </a:solidFill>
-                <a:effectLst/>
-                <a:latin typeface="Courier New" panose="02070309020205020404" pitchFamily="49" charset="0"/>
-                <a:cs typeface="Courier New" panose="02070309020205020404" pitchFamily="49" charset="0"/>
-              </a:rPr>
-              <a:t>/socket.io.js"</a:t>
-            </a:r>
-            <a:r>
-              <a:rPr kumimoji="0" lang="it-IT" altLang="it-IT" sz="2000" b="0" i="0" u="none" strike="noStrike" cap="none" normalizeH="0" baseline="0" dirty="0" smtClean="0">
-                <a:ln>
-                  <a:noFill/>
-                </a:ln>
-                <a:solidFill>
-                  <a:srgbClr val="F8F8F2"/>
-                </a:solidFill>
-                <a:effectLst/>
-                <a:latin typeface="Courier New" panose="02070309020205020404" pitchFamily="49" charset="0"/>
-                <a:cs typeface="Courier New" panose="02070309020205020404" pitchFamily="49" charset="0"/>
-              </a:rPr>
-              <a:t>&gt;&lt;/</a:t>
-            </a:r>
-            <a:r>
-              <a:rPr kumimoji="0" lang="it-IT" altLang="it-IT" sz="2000" b="1" i="0" u="none" strike="noStrike" cap="none" normalizeH="0" baseline="0" dirty="0" smtClean="0">
-                <a:ln>
-                  <a:noFill/>
-                </a:ln>
-                <a:solidFill>
-                  <a:srgbClr val="E3E3FF"/>
-                </a:solidFill>
-                <a:effectLst/>
-                <a:latin typeface="Courier New" panose="02070309020205020404" pitchFamily="49" charset="0"/>
-                <a:cs typeface="Courier New" panose="02070309020205020404" pitchFamily="49" charset="0"/>
-              </a:rPr>
-              <a:t>script</a:t>
-            </a:r>
-            <a:r>
-              <a:rPr kumimoji="0" lang="it-IT" altLang="it-IT" sz="2000" b="0" i="0" u="none" strike="noStrike" cap="none" normalizeH="0" baseline="0" dirty="0" smtClean="0">
-                <a:ln>
-                  <a:noFill/>
-                </a:ln>
-                <a:solidFill>
-                  <a:srgbClr val="F8F8F2"/>
-                </a:solidFill>
-                <a:effectLst/>
-                <a:latin typeface="Courier New" panose="02070309020205020404" pitchFamily="49" charset="0"/>
-                <a:cs typeface="Courier New" panose="02070309020205020404" pitchFamily="49" charset="0"/>
-              </a:rPr>
-              <a:t>&gt;</a:t>
-            </a:r>
-            <a:br>
-              <a:rPr kumimoji="0" lang="it-IT" altLang="it-IT" sz="2000" b="0" i="0" u="none" strike="noStrike" cap="none" normalizeH="0" baseline="0" dirty="0" smtClean="0">
-                <a:ln>
-                  <a:noFill/>
-                </a:ln>
-                <a:solidFill>
-                  <a:srgbClr val="F8F8F2"/>
-                </a:solidFill>
-                <a:effectLst/>
-                <a:latin typeface="Courier New" panose="02070309020205020404" pitchFamily="49" charset="0"/>
-                <a:cs typeface="Courier New" panose="02070309020205020404" pitchFamily="49" charset="0"/>
-              </a:rPr>
-            </a:br>
-            <a:r>
-              <a:rPr kumimoji="0" lang="it-IT" altLang="it-IT" sz="2000" b="0" i="0" u="none" strike="noStrike" cap="none" normalizeH="0" baseline="0" dirty="0" smtClean="0">
-                <a:ln>
-                  <a:noFill/>
-                </a:ln>
-                <a:solidFill>
-                  <a:srgbClr val="F8F8F2"/>
-                </a:solidFill>
-                <a:effectLst/>
-                <a:latin typeface="Courier New" panose="02070309020205020404" pitchFamily="49" charset="0"/>
-                <a:cs typeface="Courier New" panose="02070309020205020404" pitchFamily="49" charset="0"/>
-              </a:rPr>
-              <a:t>&lt;</a:t>
-            </a:r>
-            <a:r>
-              <a:rPr kumimoji="0" lang="it-IT" altLang="it-IT" sz="2000" b="1" i="0" u="none" strike="noStrike" cap="none" normalizeH="0" baseline="0" dirty="0" smtClean="0">
-                <a:ln>
-                  <a:noFill/>
-                </a:ln>
-                <a:solidFill>
-                  <a:srgbClr val="E3E3FF"/>
-                </a:solidFill>
-                <a:effectLst/>
-                <a:latin typeface="Courier New" panose="02070309020205020404" pitchFamily="49" charset="0"/>
-                <a:cs typeface="Courier New" panose="02070309020205020404" pitchFamily="49" charset="0"/>
-              </a:rPr>
-              <a:t>script</a:t>
-            </a:r>
-            <a:r>
-              <a:rPr kumimoji="0" lang="it-IT" altLang="it-IT" sz="2000" b="0" i="0" u="none" strike="noStrike" cap="none" normalizeH="0" baseline="0" dirty="0" smtClean="0">
-                <a:ln>
-                  <a:noFill/>
-                </a:ln>
-                <a:solidFill>
-                  <a:srgbClr val="F8F8F2"/>
-                </a:solidFill>
-                <a:effectLst/>
-                <a:latin typeface="Courier New" panose="02070309020205020404" pitchFamily="49" charset="0"/>
-                <a:cs typeface="Courier New" panose="02070309020205020404" pitchFamily="49" charset="0"/>
-              </a:rPr>
-              <a:t>&gt;</a:t>
-            </a:r>
-            <a:br>
-              <a:rPr kumimoji="0" lang="it-IT" altLang="it-IT" sz="2000" b="0" i="0" u="none" strike="noStrike" cap="none" normalizeH="0" baseline="0" dirty="0" smtClean="0">
-                <a:ln>
-                  <a:noFill/>
-                </a:ln>
-                <a:solidFill>
-                  <a:srgbClr val="F8F8F2"/>
-                </a:solidFill>
-                <a:effectLst/>
-                <a:latin typeface="Courier New" panose="02070309020205020404" pitchFamily="49" charset="0"/>
-                <a:cs typeface="Courier New" panose="02070309020205020404" pitchFamily="49" charset="0"/>
-              </a:rPr>
-            </a:br>
-            <a:r>
-              <a:rPr kumimoji="0" lang="it-IT" altLang="it-IT" sz="2000" b="0" i="0" u="none" strike="noStrike" cap="none" normalizeH="0" baseline="0" dirty="0" smtClean="0">
-                <a:ln>
-                  <a:noFill/>
-                </a:ln>
-                <a:solidFill>
-                  <a:srgbClr val="F8F8F2"/>
-                </a:solidFill>
-                <a:effectLst/>
-                <a:latin typeface="Courier New" panose="02070309020205020404" pitchFamily="49" charset="0"/>
-                <a:cs typeface="Courier New" panose="02070309020205020404" pitchFamily="49" charset="0"/>
-              </a:rPr>
-              <a:t>    </a:t>
-            </a:r>
-            <a:r>
-              <a:rPr kumimoji="0" lang="it-IT" altLang="it-IT" sz="2000" b="0" i="0" u="none" strike="noStrike" cap="none" normalizeH="0" baseline="0" dirty="0" err="1" smtClean="0">
-                <a:ln>
-                  <a:noFill/>
-                </a:ln>
-                <a:solidFill>
-                  <a:srgbClr val="F92672"/>
-                </a:solidFill>
-                <a:effectLst/>
-                <a:latin typeface="Courier New" panose="02070309020205020404" pitchFamily="49" charset="0"/>
-                <a:cs typeface="Courier New" panose="02070309020205020404" pitchFamily="49" charset="0"/>
-              </a:rPr>
-              <a:t>var</a:t>
-            </a:r>
-            <a:r>
-              <a:rPr kumimoji="0" lang="it-IT" altLang="it-IT" sz="2000" b="0" i="0" u="none" strike="noStrike" cap="none" normalizeH="0" baseline="0" dirty="0" smtClean="0">
-                <a:ln>
-                  <a:noFill/>
-                </a:ln>
-                <a:solidFill>
-                  <a:srgbClr val="F92672"/>
-                </a:solidFill>
-                <a:effectLst/>
-                <a:latin typeface="Courier New" panose="02070309020205020404" pitchFamily="49" charset="0"/>
-                <a:cs typeface="Courier New" panose="02070309020205020404" pitchFamily="49" charset="0"/>
-              </a:rPr>
+            <a:r>
+              <a:rPr lang="it-IT" dirty="0" err="1" smtClean="0"/>
+              <a:t>Hybrid</a:t>
+            </a:r>
+            <a:r>
+              <a:rPr lang="it-IT" dirty="0" smtClean="0"/>
               <a:t> </a:t>
             </a:r>
             <a:r>
-              <a:rPr kumimoji="0" lang="it-IT" altLang="it-IT" sz="2000" b="0" i="1" u="none" strike="noStrike" cap="none" normalizeH="0" baseline="0" dirty="0" err="1" smtClean="0">
-                <a:ln>
-                  <a:noFill/>
-                </a:ln>
-                <a:solidFill>
-                  <a:srgbClr val="F8F8F2"/>
-                </a:solidFill>
-                <a:effectLst/>
-                <a:latin typeface="Courier New" panose="02070309020205020404" pitchFamily="49" charset="0"/>
-                <a:cs typeface="Courier New" panose="02070309020205020404" pitchFamily="49" charset="0"/>
-              </a:rPr>
-              <a:t>socket</a:t>
-            </a:r>
-            <a:r>
-              <a:rPr kumimoji="0" lang="it-IT" altLang="it-IT" sz="2000" b="0" i="1" u="none" strike="noStrike" cap="none" normalizeH="0" baseline="0" dirty="0" smtClean="0">
-                <a:ln>
-                  <a:noFill/>
-                </a:ln>
-                <a:solidFill>
-                  <a:srgbClr val="F8F8F2"/>
-                </a:solidFill>
-                <a:effectLst/>
-                <a:latin typeface="Courier New" panose="02070309020205020404" pitchFamily="49" charset="0"/>
-                <a:cs typeface="Courier New" panose="02070309020205020404" pitchFamily="49" charset="0"/>
-              </a:rPr>
-              <a:t> </a:t>
-            </a:r>
-            <a:r>
-              <a:rPr kumimoji="0" lang="it-IT" altLang="it-IT" sz="2000" b="0" i="0" u="none" strike="noStrike" cap="none" normalizeH="0" baseline="0" dirty="0" smtClean="0">
-                <a:ln>
-                  <a:noFill/>
-                </a:ln>
-                <a:solidFill>
-                  <a:srgbClr val="F92672"/>
-                </a:solidFill>
-                <a:effectLst/>
-                <a:latin typeface="Courier New" panose="02070309020205020404" pitchFamily="49" charset="0"/>
-                <a:cs typeface="Courier New" panose="02070309020205020404" pitchFamily="49" charset="0"/>
-              </a:rPr>
-              <a:t>= </a:t>
-            </a:r>
-            <a:r>
-              <a:rPr kumimoji="0" lang="it-IT" altLang="it-IT" sz="2000" b="0" i="1" u="none" strike="noStrike" cap="none" normalizeH="0" baseline="0" dirty="0" smtClean="0">
-                <a:ln>
-                  <a:noFill/>
-                </a:ln>
-                <a:solidFill>
-                  <a:srgbClr val="F8F8F2"/>
-                </a:solidFill>
-                <a:effectLst/>
-                <a:latin typeface="Courier New" panose="02070309020205020404" pitchFamily="49" charset="0"/>
-                <a:cs typeface="Courier New" panose="02070309020205020404" pitchFamily="49" charset="0"/>
-              </a:rPr>
-              <a:t>io</a:t>
-            </a:r>
-            <a:r>
-              <a:rPr kumimoji="0" lang="it-IT" altLang="it-IT" sz="2000" b="0" i="0" u="none" strike="noStrike" cap="none" normalizeH="0" baseline="0" dirty="0" smtClean="0">
-                <a:ln>
-                  <a:noFill/>
-                </a:ln>
-                <a:solidFill>
-                  <a:srgbClr val="F8F8F2"/>
-                </a:solidFill>
-                <a:effectLst/>
-                <a:latin typeface="Courier New" panose="02070309020205020404" pitchFamily="49" charset="0"/>
-                <a:cs typeface="Courier New" panose="02070309020205020404" pitchFamily="49" charset="0"/>
-              </a:rPr>
-              <a:t>()</a:t>
-            </a:r>
-            <a:r>
-              <a:rPr kumimoji="0" lang="it-IT" altLang="it-IT" sz="2000" b="0" i="0" u="none" strike="noStrike" cap="none" normalizeH="0" baseline="0" dirty="0" smtClean="0">
-                <a:ln>
-                  <a:noFill/>
-                </a:ln>
-                <a:solidFill>
-                  <a:srgbClr val="CC7832"/>
-                </a:solidFill>
-                <a:effectLst/>
-                <a:latin typeface="Courier New" panose="02070309020205020404" pitchFamily="49" charset="0"/>
-                <a:cs typeface="Courier New" panose="02070309020205020404" pitchFamily="49" charset="0"/>
-              </a:rPr>
-              <a:t>;</a:t>
-            </a:r>
-            <a:br>
-              <a:rPr kumimoji="0" lang="it-IT" altLang="it-IT" sz="2000" b="0" i="0" u="none" strike="noStrike" cap="none" normalizeH="0" baseline="0" dirty="0" smtClean="0">
-                <a:ln>
-                  <a:noFill/>
-                </a:ln>
-                <a:solidFill>
-                  <a:srgbClr val="CC7832"/>
-                </a:solidFill>
-                <a:effectLst/>
-                <a:latin typeface="Courier New" panose="02070309020205020404" pitchFamily="49" charset="0"/>
-                <a:cs typeface="Courier New" panose="02070309020205020404" pitchFamily="49" charset="0"/>
-              </a:rPr>
-            </a:br>
-            <a:r>
-              <a:rPr kumimoji="0" lang="it-IT" altLang="it-IT" sz="2000" b="0" i="0" u="none" strike="noStrike" cap="none" normalizeH="0" baseline="0" dirty="0" smtClean="0">
-                <a:ln>
-                  <a:noFill/>
-                </a:ln>
-                <a:solidFill>
-                  <a:srgbClr val="CC7832"/>
-                </a:solidFill>
-                <a:effectLst/>
-                <a:latin typeface="Courier New" panose="02070309020205020404" pitchFamily="49" charset="0"/>
-                <a:cs typeface="Courier New" panose="02070309020205020404" pitchFamily="49" charset="0"/>
-              </a:rPr>
-              <a:t>    </a:t>
-            </a:r>
-            <a:r>
-              <a:rPr kumimoji="0" lang="it-IT" altLang="it-IT" sz="2000" b="0" i="1" u="none" strike="noStrike" cap="none" normalizeH="0" baseline="0" dirty="0" err="1" smtClean="0">
-                <a:ln>
-                  <a:noFill/>
-                </a:ln>
-                <a:solidFill>
-                  <a:srgbClr val="F8F8F2"/>
-                </a:solidFill>
-                <a:effectLst/>
-                <a:latin typeface="Courier New" panose="02070309020205020404" pitchFamily="49" charset="0"/>
-                <a:cs typeface="Courier New" panose="02070309020205020404" pitchFamily="49" charset="0"/>
-              </a:rPr>
-              <a:t>socket</a:t>
-            </a:r>
-            <a:r>
-              <a:rPr kumimoji="0" lang="it-IT" altLang="it-IT" sz="2000" b="0" i="0" u="none" strike="noStrike" cap="none" normalizeH="0" baseline="0" dirty="0" err="1" smtClean="0">
-                <a:ln>
-                  <a:noFill/>
-                </a:ln>
-                <a:solidFill>
-                  <a:srgbClr val="F8F8F2"/>
-                </a:solidFill>
-                <a:effectLst/>
-                <a:latin typeface="Courier New" panose="02070309020205020404" pitchFamily="49" charset="0"/>
-                <a:cs typeface="Courier New" panose="02070309020205020404" pitchFamily="49" charset="0"/>
-              </a:rPr>
-              <a:t>.</a:t>
-            </a:r>
-            <a:r>
-              <a:rPr kumimoji="0" lang="it-IT" altLang="it-IT" sz="2000" b="0" i="0" u="none" strike="noStrike" cap="none" normalizeH="0" baseline="0" dirty="0" err="1" smtClean="0">
-                <a:ln>
-                  <a:noFill/>
-                </a:ln>
-                <a:solidFill>
-                  <a:srgbClr val="979748"/>
-                </a:solidFill>
-                <a:effectLst/>
-                <a:latin typeface="Courier New" panose="02070309020205020404" pitchFamily="49" charset="0"/>
-                <a:cs typeface="Courier New" panose="02070309020205020404" pitchFamily="49" charset="0"/>
-              </a:rPr>
-              <a:t>on</a:t>
-            </a:r>
-            <a:r>
-              <a:rPr kumimoji="0" lang="it-IT" altLang="it-IT" sz="2000" b="0" i="0" u="none" strike="noStrike" cap="none" normalizeH="0" baseline="0" dirty="0" smtClean="0">
-                <a:ln>
-                  <a:noFill/>
-                </a:ln>
-                <a:solidFill>
-                  <a:srgbClr val="F8F8F2"/>
-                </a:solidFill>
-                <a:effectLst/>
-                <a:latin typeface="Courier New" panose="02070309020205020404" pitchFamily="49" charset="0"/>
-                <a:cs typeface="Courier New" panose="02070309020205020404" pitchFamily="49" charset="0"/>
-              </a:rPr>
-              <a:t>(</a:t>
-            </a:r>
-            <a:r>
-              <a:rPr kumimoji="0" lang="it-IT" altLang="it-IT" sz="2000" b="0" i="0" u="none" strike="noStrike" cap="none" normalizeH="0" baseline="0" dirty="0" smtClean="0">
-                <a:ln>
-                  <a:noFill/>
-                </a:ln>
-                <a:solidFill>
-                  <a:srgbClr val="E6DB74"/>
-                </a:solidFill>
-                <a:effectLst/>
-                <a:latin typeface="Courier New" panose="02070309020205020404" pitchFamily="49" charset="0"/>
-                <a:cs typeface="Courier New" panose="02070309020205020404" pitchFamily="49" charset="0"/>
-              </a:rPr>
-              <a:t>'</a:t>
-            </a:r>
-            <a:r>
-              <a:rPr kumimoji="0" lang="it-IT" altLang="it-IT" sz="2000" b="0" i="0" u="none" strike="noStrike" cap="none" normalizeH="0" baseline="0" dirty="0" err="1" smtClean="0">
-                <a:ln>
-                  <a:noFill/>
-                </a:ln>
-                <a:solidFill>
-                  <a:srgbClr val="E6DB74"/>
-                </a:solidFill>
-                <a:effectLst/>
-                <a:latin typeface="Courier New" panose="02070309020205020404" pitchFamily="49" charset="0"/>
-                <a:cs typeface="Courier New" panose="02070309020205020404" pitchFamily="49" charset="0"/>
-              </a:rPr>
-              <a:t>pong</a:t>
-            </a:r>
-            <a:r>
-              <a:rPr kumimoji="0" lang="it-IT" altLang="it-IT" sz="2000" b="0" i="0" u="none" strike="noStrike" cap="none" normalizeH="0" baseline="0" dirty="0" smtClean="0">
-                <a:ln>
-                  <a:noFill/>
-                </a:ln>
-                <a:solidFill>
-                  <a:srgbClr val="E6DB74"/>
-                </a:solidFill>
-                <a:effectLst/>
-                <a:latin typeface="Courier New" panose="02070309020205020404" pitchFamily="49" charset="0"/>
-                <a:cs typeface="Courier New" panose="02070309020205020404" pitchFamily="49" charset="0"/>
-              </a:rPr>
-              <a:t>'</a:t>
-            </a:r>
-            <a:r>
-              <a:rPr kumimoji="0" lang="it-IT" altLang="it-IT" sz="2000" b="0" i="0" u="none" strike="noStrike" cap="none" normalizeH="0" baseline="0" dirty="0" smtClean="0">
-                <a:ln>
-                  <a:noFill/>
-                </a:ln>
-                <a:solidFill>
-                  <a:srgbClr val="CC7832"/>
-                </a:solidFill>
-                <a:effectLst/>
-                <a:latin typeface="Courier New" panose="02070309020205020404" pitchFamily="49" charset="0"/>
-                <a:cs typeface="Courier New" panose="02070309020205020404" pitchFamily="49" charset="0"/>
-              </a:rPr>
-              <a:t>, </a:t>
-            </a:r>
-            <a:r>
-              <a:rPr kumimoji="0" lang="it-IT" altLang="it-IT" sz="2000" b="0" i="0" u="none" strike="noStrike" cap="none" normalizeH="0" baseline="0" dirty="0" err="1" smtClean="0">
-                <a:ln>
-                  <a:noFill/>
-                </a:ln>
-                <a:solidFill>
-                  <a:srgbClr val="F92672"/>
-                </a:solidFill>
-                <a:effectLst/>
-                <a:latin typeface="Courier New" panose="02070309020205020404" pitchFamily="49" charset="0"/>
-                <a:cs typeface="Courier New" panose="02070309020205020404" pitchFamily="49" charset="0"/>
-              </a:rPr>
-              <a:t>function</a:t>
-            </a:r>
-            <a:r>
-              <a:rPr kumimoji="0" lang="it-IT" altLang="it-IT" sz="2000" b="0" i="0" u="none" strike="noStrike" cap="none" normalizeH="0" baseline="0" dirty="0" smtClean="0">
-                <a:ln>
-                  <a:noFill/>
-                </a:ln>
-                <a:solidFill>
-                  <a:srgbClr val="F8F8F2"/>
-                </a:solidFill>
-                <a:effectLst/>
-                <a:latin typeface="Courier New" panose="02070309020205020404" pitchFamily="49" charset="0"/>
-                <a:cs typeface="Courier New" panose="02070309020205020404" pitchFamily="49" charset="0"/>
-              </a:rPr>
-              <a:t>(</a:t>
-            </a:r>
-            <a:r>
-              <a:rPr kumimoji="0" lang="it-IT" altLang="it-IT" sz="2000" b="0" i="1" u="none" strike="noStrike" cap="none" normalizeH="0" baseline="0" dirty="0" smtClean="0">
-                <a:ln>
-                  <a:noFill/>
-                </a:ln>
-                <a:solidFill>
-                  <a:srgbClr val="FD971F"/>
-                </a:solidFill>
-                <a:effectLst/>
-                <a:latin typeface="Courier New" panose="02070309020205020404" pitchFamily="49" charset="0"/>
-                <a:cs typeface="Courier New" panose="02070309020205020404" pitchFamily="49" charset="0"/>
-              </a:rPr>
-              <a:t>data</a:t>
-            </a:r>
-            <a:r>
-              <a:rPr kumimoji="0" lang="it-IT" altLang="it-IT" sz="2000" b="0" i="0" u="none" strike="noStrike" cap="none" normalizeH="0" baseline="0" dirty="0" smtClean="0">
-                <a:ln>
-                  <a:noFill/>
-                </a:ln>
-                <a:solidFill>
-                  <a:srgbClr val="F8F8F2"/>
-                </a:solidFill>
-                <a:effectLst/>
-                <a:latin typeface="Courier New" panose="02070309020205020404" pitchFamily="49" charset="0"/>
-                <a:cs typeface="Courier New" panose="02070309020205020404" pitchFamily="49" charset="0"/>
-              </a:rPr>
-              <a:t>) {</a:t>
-            </a:r>
+              <a:rPr lang="it-IT" dirty="0" err="1" smtClean="0"/>
+              <a:t>paradigm</a:t>
+            </a:r>
+            <a:endParaRPr lang="it-IT" dirty="0" smtClean="0"/>
           </a:p>
           <a:p>
-            <a:pPr marL="0" lvl="0" indent="0" defTabSz="914400">
-              <a:spcBef>
-                <a:spcPct val="0"/>
-              </a:spcBef>
-              <a:buClrTx/>
-              <a:buSzTx/>
-              <a:buNone/>
-            </a:pPr>
-            <a:r>
-              <a:rPr lang="it-IT" altLang="it-IT" sz="2000" b="1" dirty="0" smtClean="0">
-                <a:latin typeface="Courier New" panose="02070309020205020404" pitchFamily="49" charset="0"/>
-                <a:cs typeface="Courier New" panose="02070309020205020404" pitchFamily="49" charset="0"/>
-              </a:rPr>
-              <a:t>	  //</a:t>
-            </a:r>
-            <a:r>
-              <a:rPr lang="it-IT" altLang="it-IT" sz="2000" b="1" dirty="0">
-                <a:latin typeface="Courier New" panose="02070309020205020404" pitchFamily="49" charset="0"/>
-                <a:cs typeface="Courier New" panose="02070309020205020404" pitchFamily="49" charset="0"/>
-              </a:rPr>
-              <a:t>do </a:t>
-            </a:r>
-            <a:r>
-              <a:rPr lang="it-IT" altLang="it-IT" sz="2000" b="1" dirty="0" err="1">
-                <a:latin typeface="Courier New" panose="02070309020205020404" pitchFamily="49" charset="0"/>
-                <a:cs typeface="Courier New" panose="02070309020205020404" pitchFamily="49" charset="0"/>
-              </a:rPr>
-              <a:t>something</a:t>
-            </a:r>
-            <a:r>
-              <a:rPr lang="it-IT" altLang="it-IT" sz="2000" b="1" dirty="0">
-                <a:latin typeface="Courier New" panose="02070309020205020404" pitchFamily="49" charset="0"/>
-                <a:cs typeface="Courier New" panose="02070309020205020404" pitchFamily="49" charset="0"/>
-              </a:rPr>
-              <a:t> with </a:t>
-            </a:r>
-            <a:r>
-              <a:rPr lang="it-IT" altLang="it-IT" sz="2000" b="1" dirty="0" err="1">
-                <a:latin typeface="Courier New" panose="02070309020205020404" pitchFamily="49" charset="0"/>
-                <a:cs typeface="Courier New" panose="02070309020205020404" pitchFamily="49" charset="0"/>
-              </a:rPr>
-              <a:t>received</a:t>
-            </a:r>
-            <a:r>
-              <a:rPr lang="it-IT" altLang="it-IT" sz="2000" b="1" dirty="0">
-                <a:latin typeface="Courier New" panose="02070309020205020404" pitchFamily="49" charset="0"/>
-                <a:cs typeface="Courier New" panose="02070309020205020404" pitchFamily="49" charset="0"/>
-              </a:rPr>
-              <a:t> </a:t>
-            </a:r>
-            <a:r>
-              <a:rPr lang="it-IT" altLang="it-IT" sz="2000" b="1" dirty="0" smtClean="0">
-                <a:latin typeface="Courier New" panose="02070309020205020404" pitchFamily="49" charset="0"/>
-                <a:cs typeface="Courier New" panose="02070309020205020404" pitchFamily="49" charset="0"/>
-              </a:rPr>
-              <a:t>data</a:t>
-            </a:r>
+            <a:pPr lvl="1"/>
+            <a:r>
+              <a:rPr lang="it-IT" dirty="0" smtClean="0"/>
+              <a:t>Server</a:t>
+            </a:r>
+            <a:endParaRPr lang="it-IT" dirty="0"/>
           </a:p>
           <a:p>
-            <a:pPr marL="0" lvl="0" indent="0" defTabSz="914400">
-              <a:spcBef>
-                <a:spcPct val="0"/>
-              </a:spcBef>
-              <a:buClrTx/>
-              <a:buSzTx/>
-              <a:buNone/>
-            </a:pPr>
-            <a:r>
-              <a:rPr kumimoji="0" lang="it-IT" altLang="it-IT" sz="2000" b="0" i="0" u="none" strike="noStrike" cap="none" normalizeH="0" baseline="0" dirty="0" smtClean="0">
-                <a:ln>
-                  <a:noFill/>
-                </a:ln>
-                <a:solidFill>
-                  <a:srgbClr val="F8F8F2"/>
-                </a:solidFill>
-                <a:effectLst/>
-                <a:latin typeface="Courier New" panose="02070309020205020404" pitchFamily="49" charset="0"/>
-                <a:cs typeface="Courier New" panose="02070309020205020404" pitchFamily="49" charset="0"/>
-              </a:rPr>
-              <a:t/>
-            </a:r>
-            <a:br>
-              <a:rPr kumimoji="0" lang="it-IT" altLang="it-IT" sz="2000" b="0" i="0" u="none" strike="noStrike" cap="none" normalizeH="0" baseline="0" dirty="0" smtClean="0">
-                <a:ln>
-                  <a:noFill/>
-                </a:ln>
-                <a:solidFill>
-                  <a:srgbClr val="F8F8F2"/>
-                </a:solidFill>
-                <a:effectLst/>
-                <a:latin typeface="Courier New" panose="02070309020205020404" pitchFamily="49" charset="0"/>
-                <a:cs typeface="Courier New" panose="02070309020205020404" pitchFamily="49" charset="0"/>
-              </a:rPr>
-            </a:br>
-            <a:r>
-              <a:rPr kumimoji="0" lang="it-IT" altLang="it-IT" sz="2000" b="0" i="0" u="none" strike="noStrike" cap="none" normalizeH="0" baseline="0" dirty="0" smtClean="0">
-                <a:ln>
-                  <a:noFill/>
-                </a:ln>
-                <a:solidFill>
-                  <a:srgbClr val="F8F8F2"/>
-                </a:solidFill>
-                <a:effectLst/>
-                <a:latin typeface="Courier New" panose="02070309020205020404" pitchFamily="49" charset="0"/>
-                <a:cs typeface="Courier New" panose="02070309020205020404" pitchFamily="49" charset="0"/>
-              </a:rPr>
-              <a:t>        console.</a:t>
-            </a:r>
-            <a:r>
-              <a:rPr kumimoji="0" lang="it-IT" altLang="it-IT" sz="2000" b="0" i="0" u="none" strike="noStrike" cap="none" normalizeH="0" baseline="0" dirty="0" smtClean="0">
-                <a:ln>
-                  <a:noFill/>
-                </a:ln>
-                <a:solidFill>
-                  <a:srgbClr val="979748"/>
-                </a:solidFill>
-                <a:effectLst/>
-                <a:latin typeface="Courier New" panose="02070309020205020404" pitchFamily="49" charset="0"/>
-                <a:cs typeface="Courier New" panose="02070309020205020404" pitchFamily="49" charset="0"/>
-              </a:rPr>
-              <a:t>log</a:t>
-            </a:r>
-            <a:r>
-              <a:rPr kumimoji="0" lang="it-IT" altLang="it-IT" sz="2000" b="0" i="0" u="none" strike="noStrike" cap="none" normalizeH="0" baseline="0" dirty="0" smtClean="0">
-                <a:ln>
-                  <a:noFill/>
-                </a:ln>
-                <a:solidFill>
-                  <a:srgbClr val="F8F8F2"/>
-                </a:solidFill>
-                <a:effectLst/>
-                <a:latin typeface="Courier New" panose="02070309020205020404" pitchFamily="49" charset="0"/>
-                <a:cs typeface="Courier New" panose="02070309020205020404" pitchFamily="49" charset="0"/>
-              </a:rPr>
-              <a:t>(</a:t>
-            </a:r>
-            <a:r>
-              <a:rPr kumimoji="0" lang="it-IT" altLang="it-IT" sz="2000" b="0" i="1" u="none" strike="noStrike" cap="none" normalizeH="0" baseline="0" dirty="0" smtClean="0">
-                <a:ln>
-                  <a:noFill/>
-                </a:ln>
-                <a:solidFill>
-                  <a:srgbClr val="FD971F"/>
-                </a:solidFill>
-                <a:effectLst/>
-                <a:latin typeface="Courier New" panose="02070309020205020404" pitchFamily="49" charset="0"/>
-                <a:cs typeface="Courier New" panose="02070309020205020404" pitchFamily="49" charset="0"/>
-              </a:rPr>
-              <a:t>data</a:t>
-            </a:r>
-            <a:r>
-              <a:rPr kumimoji="0" lang="it-IT" altLang="it-IT" sz="2000" b="0" i="0" u="none" strike="noStrike" cap="none" normalizeH="0" baseline="0" dirty="0" smtClean="0">
-                <a:ln>
-                  <a:noFill/>
-                </a:ln>
-                <a:solidFill>
-                  <a:srgbClr val="F8F8F2"/>
-                </a:solidFill>
-                <a:effectLst/>
-                <a:latin typeface="Courier New" panose="02070309020205020404" pitchFamily="49" charset="0"/>
-                <a:cs typeface="Courier New" panose="02070309020205020404" pitchFamily="49" charset="0"/>
-              </a:rPr>
-              <a:t>)</a:t>
-            </a:r>
-            <a:r>
-              <a:rPr kumimoji="0" lang="it-IT" altLang="it-IT" sz="2000" b="0" i="0" u="none" strike="noStrike" cap="none" normalizeH="0" baseline="0" dirty="0" smtClean="0">
-                <a:ln>
-                  <a:noFill/>
-                </a:ln>
-                <a:solidFill>
-                  <a:srgbClr val="CC7832"/>
-                </a:solidFill>
-                <a:effectLst/>
-                <a:latin typeface="Courier New" panose="02070309020205020404" pitchFamily="49" charset="0"/>
-                <a:cs typeface="Courier New" panose="02070309020205020404" pitchFamily="49" charset="0"/>
-              </a:rPr>
-              <a:t>;</a:t>
-            </a:r>
-            <a:br>
-              <a:rPr kumimoji="0" lang="it-IT" altLang="it-IT" sz="2000" b="0" i="0" u="none" strike="noStrike" cap="none" normalizeH="0" baseline="0" dirty="0" smtClean="0">
-                <a:ln>
-                  <a:noFill/>
-                </a:ln>
-                <a:solidFill>
-                  <a:srgbClr val="CC7832"/>
-                </a:solidFill>
-                <a:effectLst/>
-                <a:latin typeface="Courier New" panose="02070309020205020404" pitchFamily="49" charset="0"/>
-                <a:cs typeface="Courier New" panose="02070309020205020404" pitchFamily="49" charset="0"/>
-              </a:rPr>
-            </a:br>
-            <a:r>
-              <a:rPr kumimoji="0" lang="it-IT" altLang="it-IT" sz="2000" b="0" i="0" u="none" strike="noStrike" cap="none" normalizeH="0" baseline="0" dirty="0" smtClean="0">
-                <a:ln>
-                  <a:noFill/>
-                </a:ln>
-                <a:solidFill>
-                  <a:srgbClr val="CC7832"/>
-                </a:solidFill>
-                <a:effectLst/>
-                <a:latin typeface="Courier New" panose="02070309020205020404" pitchFamily="49" charset="0"/>
-                <a:cs typeface="Courier New" panose="02070309020205020404" pitchFamily="49" charset="0"/>
-              </a:rPr>
-              <a:t>    </a:t>
-            </a:r>
-            <a:r>
-              <a:rPr kumimoji="0" lang="it-IT" altLang="it-IT" sz="2000" b="0" i="0" u="none" strike="noStrike" cap="none" normalizeH="0" baseline="0" dirty="0" smtClean="0">
-                <a:ln>
-                  <a:noFill/>
-                </a:ln>
-                <a:solidFill>
-                  <a:srgbClr val="F8F8F2"/>
-                </a:solidFill>
-                <a:effectLst/>
-                <a:latin typeface="Courier New" panose="02070309020205020404" pitchFamily="49" charset="0"/>
-                <a:cs typeface="Courier New" panose="02070309020205020404" pitchFamily="49" charset="0"/>
-              </a:rPr>
-              <a:t>})</a:t>
-            </a:r>
-            <a:r>
-              <a:rPr kumimoji="0" lang="it-IT" altLang="it-IT" sz="2000" b="0" i="0" u="none" strike="noStrike" cap="none" normalizeH="0" baseline="0" dirty="0" smtClean="0">
-                <a:ln>
-                  <a:noFill/>
-                </a:ln>
-                <a:solidFill>
-                  <a:srgbClr val="CC7832"/>
-                </a:solidFill>
-                <a:effectLst/>
-                <a:latin typeface="Courier New" panose="02070309020205020404" pitchFamily="49" charset="0"/>
-                <a:cs typeface="Courier New" panose="02070309020205020404" pitchFamily="49" charset="0"/>
-              </a:rPr>
-              <a:t>;</a:t>
-            </a:r>
-            <a:br>
-              <a:rPr kumimoji="0" lang="it-IT" altLang="it-IT" sz="2000" b="0" i="0" u="none" strike="noStrike" cap="none" normalizeH="0" baseline="0" dirty="0" smtClean="0">
-                <a:ln>
-                  <a:noFill/>
-                </a:ln>
-                <a:solidFill>
-                  <a:srgbClr val="CC7832"/>
-                </a:solidFill>
-                <a:effectLst/>
-                <a:latin typeface="Courier New" panose="02070309020205020404" pitchFamily="49" charset="0"/>
-                <a:cs typeface="Courier New" panose="02070309020205020404" pitchFamily="49" charset="0"/>
-              </a:rPr>
-            </a:br>
-            <a:r>
-              <a:rPr kumimoji="0" lang="it-IT" altLang="it-IT" sz="2000" b="0" i="0" u="none" strike="noStrike" cap="none" normalizeH="0" baseline="0" dirty="0" smtClean="0">
-                <a:ln>
-                  <a:noFill/>
-                </a:ln>
-                <a:solidFill>
-                  <a:srgbClr val="CC7832"/>
-                </a:solidFill>
-                <a:effectLst/>
-                <a:latin typeface="Courier New" panose="02070309020205020404" pitchFamily="49" charset="0"/>
-                <a:cs typeface="Courier New" panose="02070309020205020404" pitchFamily="49" charset="0"/>
-              </a:rPr>
-              <a:t>    </a:t>
-            </a:r>
-            <a:r>
-              <a:rPr kumimoji="0" lang="it-IT" altLang="it-IT" sz="2000" b="0" i="1" u="none" strike="noStrike" cap="none" normalizeH="0" baseline="0" dirty="0" err="1" smtClean="0">
-                <a:ln>
-                  <a:noFill/>
-                </a:ln>
-                <a:solidFill>
-                  <a:srgbClr val="F8F8F2"/>
-                </a:solidFill>
-                <a:effectLst/>
-                <a:latin typeface="Courier New" panose="02070309020205020404" pitchFamily="49" charset="0"/>
-                <a:cs typeface="Courier New" panose="02070309020205020404" pitchFamily="49" charset="0"/>
-              </a:rPr>
-              <a:t>socket</a:t>
-            </a:r>
-            <a:r>
-              <a:rPr kumimoji="0" lang="it-IT" altLang="it-IT" sz="2000" b="0" i="0" u="none" strike="noStrike" cap="none" normalizeH="0" baseline="0" dirty="0" err="1" smtClean="0">
-                <a:ln>
-                  <a:noFill/>
-                </a:ln>
-                <a:solidFill>
-                  <a:srgbClr val="F8F8F2"/>
-                </a:solidFill>
-                <a:effectLst/>
-                <a:latin typeface="Courier New" panose="02070309020205020404" pitchFamily="49" charset="0"/>
-                <a:cs typeface="Courier New" panose="02070309020205020404" pitchFamily="49" charset="0"/>
-              </a:rPr>
-              <a:t>.</a:t>
-            </a:r>
-            <a:r>
-              <a:rPr kumimoji="0" lang="it-IT" altLang="it-IT" sz="2000" b="0" i="0" u="none" strike="noStrike" cap="none" normalizeH="0" baseline="0" dirty="0" err="1" smtClean="0">
-                <a:ln>
-                  <a:noFill/>
-                </a:ln>
-                <a:solidFill>
-                  <a:srgbClr val="979748"/>
-                </a:solidFill>
-                <a:effectLst/>
-                <a:latin typeface="Courier New" panose="02070309020205020404" pitchFamily="49" charset="0"/>
-                <a:cs typeface="Courier New" panose="02070309020205020404" pitchFamily="49" charset="0"/>
-              </a:rPr>
-              <a:t>emit</a:t>
-            </a:r>
-            <a:r>
-              <a:rPr kumimoji="0" lang="it-IT" altLang="it-IT" sz="2000" b="0" i="0" u="none" strike="noStrike" cap="none" normalizeH="0" baseline="0" dirty="0" smtClean="0">
-                <a:ln>
-                  <a:noFill/>
-                </a:ln>
-                <a:solidFill>
-                  <a:srgbClr val="F8F8F2"/>
-                </a:solidFill>
-                <a:effectLst/>
-                <a:latin typeface="Courier New" panose="02070309020205020404" pitchFamily="49" charset="0"/>
-                <a:cs typeface="Courier New" panose="02070309020205020404" pitchFamily="49" charset="0"/>
-              </a:rPr>
-              <a:t>(</a:t>
-            </a:r>
-            <a:r>
-              <a:rPr kumimoji="0" lang="it-IT" altLang="it-IT" sz="2000" b="0" i="0" u="none" strike="noStrike" cap="none" normalizeH="0" baseline="0" dirty="0" smtClean="0">
-                <a:ln>
-                  <a:noFill/>
-                </a:ln>
-                <a:solidFill>
-                  <a:srgbClr val="E6DB74"/>
-                </a:solidFill>
-                <a:effectLst/>
-                <a:latin typeface="Courier New" panose="02070309020205020404" pitchFamily="49" charset="0"/>
-                <a:cs typeface="Courier New" panose="02070309020205020404" pitchFamily="49" charset="0"/>
-              </a:rPr>
-              <a:t>'</a:t>
-            </a:r>
-            <a:r>
-              <a:rPr kumimoji="0" lang="it-IT" altLang="it-IT" sz="2000" b="0" i="0" u="none" strike="noStrike" cap="none" normalizeH="0" baseline="0" dirty="0" err="1" smtClean="0">
-                <a:ln>
-                  <a:noFill/>
-                </a:ln>
-                <a:solidFill>
-                  <a:srgbClr val="E6DB74"/>
-                </a:solidFill>
-                <a:effectLst/>
-                <a:latin typeface="Courier New" panose="02070309020205020404" pitchFamily="49" charset="0"/>
-                <a:cs typeface="Courier New" panose="02070309020205020404" pitchFamily="49" charset="0"/>
-              </a:rPr>
-              <a:t>ping</a:t>
-            </a:r>
-            <a:r>
-              <a:rPr kumimoji="0" lang="it-IT" altLang="it-IT" sz="2000" b="0" i="0" u="none" strike="noStrike" cap="none" normalizeH="0" baseline="0" dirty="0" smtClean="0">
-                <a:ln>
-                  <a:noFill/>
-                </a:ln>
-                <a:solidFill>
-                  <a:srgbClr val="E6DB74"/>
-                </a:solidFill>
-                <a:effectLst/>
-                <a:latin typeface="Courier New" panose="02070309020205020404" pitchFamily="49" charset="0"/>
-                <a:cs typeface="Courier New" panose="02070309020205020404" pitchFamily="49" charset="0"/>
-              </a:rPr>
-              <a:t>'</a:t>
-            </a:r>
-            <a:r>
-              <a:rPr kumimoji="0" lang="it-IT" altLang="it-IT" sz="2000" b="0" i="0" u="none" strike="noStrike" cap="none" normalizeH="0" baseline="0" dirty="0" smtClean="0">
-                <a:ln>
-                  <a:noFill/>
-                </a:ln>
-                <a:solidFill>
-                  <a:srgbClr val="CC7832"/>
-                </a:solidFill>
-                <a:effectLst/>
-                <a:latin typeface="Courier New" panose="02070309020205020404" pitchFamily="49" charset="0"/>
-                <a:cs typeface="Courier New" panose="02070309020205020404" pitchFamily="49" charset="0"/>
-              </a:rPr>
-              <a:t>, </a:t>
-            </a:r>
-            <a:r>
-              <a:rPr kumimoji="0" lang="it-IT" altLang="it-IT" sz="2000" b="0" i="0" u="none" strike="noStrike" cap="none" normalizeH="0" baseline="0" dirty="0" smtClean="0">
-                <a:ln>
-                  <a:noFill/>
-                </a:ln>
-                <a:solidFill>
-                  <a:srgbClr val="F8F8F2"/>
-                </a:solidFill>
-                <a:effectLst/>
-                <a:latin typeface="Courier New" panose="02070309020205020404" pitchFamily="49" charset="0"/>
-                <a:cs typeface="Courier New" panose="02070309020205020404" pitchFamily="49" charset="0"/>
-              </a:rPr>
-              <a:t>{ </a:t>
-            </a:r>
-            <a:r>
-              <a:rPr kumimoji="0" lang="it-IT" altLang="it-IT" sz="2000" b="0" i="0" u="none" strike="noStrike" cap="none" normalizeH="0" baseline="0" dirty="0" err="1" smtClean="0">
-                <a:ln>
-                  <a:noFill/>
-                </a:ln>
-                <a:solidFill>
-                  <a:srgbClr val="F8F8F2"/>
-                </a:solidFill>
-                <a:effectLst/>
-                <a:latin typeface="Courier New" panose="02070309020205020404" pitchFamily="49" charset="0"/>
-                <a:cs typeface="Courier New" panose="02070309020205020404" pitchFamily="49" charset="0"/>
-              </a:rPr>
-              <a:t>user</a:t>
-            </a:r>
-            <a:r>
-              <a:rPr kumimoji="0" lang="it-IT" altLang="it-IT" sz="2000" b="0" i="0" u="none" strike="noStrike" cap="none" normalizeH="0" baseline="0" dirty="0" smtClean="0">
-                <a:ln>
-                  <a:noFill/>
-                </a:ln>
-                <a:solidFill>
-                  <a:srgbClr val="F92672"/>
-                </a:solidFill>
-                <a:effectLst/>
-                <a:latin typeface="Courier New" panose="02070309020205020404" pitchFamily="49" charset="0"/>
-                <a:cs typeface="Courier New" panose="02070309020205020404" pitchFamily="49" charset="0"/>
-              </a:rPr>
-              <a:t>: </a:t>
-            </a:r>
-            <a:r>
-              <a:rPr kumimoji="0" lang="it-IT" altLang="it-IT" sz="2000" b="0" i="0" u="none" strike="noStrike" cap="none" normalizeH="0" baseline="0" dirty="0" smtClean="0">
-                <a:ln>
-                  <a:noFill/>
-                </a:ln>
-                <a:solidFill>
-                  <a:srgbClr val="E6DB74"/>
-                </a:solidFill>
-                <a:effectLst/>
-                <a:latin typeface="Courier New" panose="02070309020205020404" pitchFamily="49" charset="0"/>
-                <a:cs typeface="Courier New" panose="02070309020205020404" pitchFamily="49" charset="0"/>
-              </a:rPr>
-              <a:t>"Lotti" </a:t>
-            </a:r>
-            <a:r>
-              <a:rPr kumimoji="0" lang="it-IT" altLang="it-IT" sz="2000" b="0" i="0" u="none" strike="noStrike" cap="none" normalizeH="0" baseline="0" dirty="0" smtClean="0">
-                <a:ln>
-                  <a:noFill/>
-                </a:ln>
-                <a:solidFill>
-                  <a:srgbClr val="F8F8F2"/>
-                </a:solidFill>
-                <a:effectLst/>
-                <a:latin typeface="Courier New" panose="02070309020205020404" pitchFamily="49" charset="0"/>
-                <a:cs typeface="Courier New" panose="02070309020205020404" pitchFamily="49" charset="0"/>
-              </a:rPr>
-              <a:t>})</a:t>
-            </a:r>
-            <a:r>
-              <a:rPr kumimoji="0" lang="it-IT" altLang="it-IT" sz="2000" b="0" i="0" u="none" strike="noStrike" cap="none" normalizeH="0" baseline="0" dirty="0" smtClean="0">
-                <a:ln>
-                  <a:noFill/>
-                </a:ln>
-                <a:solidFill>
-                  <a:srgbClr val="CC7832"/>
-                </a:solidFill>
-                <a:effectLst/>
-                <a:latin typeface="Courier New" panose="02070309020205020404" pitchFamily="49" charset="0"/>
-                <a:cs typeface="Courier New" panose="02070309020205020404" pitchFamily="49" charset="0"/>
-              </a:rPr>
-              <a:t>;</a:t>
-            </a:r>
-            <a:br>
-              <a:rPr kumimoji="0" lang="it-IT" altLang="it-IT" sz="2000" b="0" i="0" u="none" strike="noStrike" cap="none" normalizeH="0" baseline="0" dirty="0" smtClean="0">
-                <a:ln>
-                  <a:noFill/>
-                </a:ln>
-                <a:solidFill>
-                  <a:srgbClr val="CC7832"/>
-                </a:solidFill>
-                <a:effectLst/>
-                <a:latin typeface="Courier New" panose="02070309020205020404" pitchFamily="49" charset="0"/>
-                <a:cs typeface="Courier New" panose="02070309020205020404" pitchFamily="49" charset="0"/>
-              </a:rPr>
-            </a:br>
-            <a:r>
-              <a:rPr kumimoji="0" lang="it-IT" altLang="it-IT" sz="2000" b="0" i="0" u="none" strike="noStrike" cap="none" normalizeH="0" baseline="0" dirty="0" smtClean="0">
-                <a:ln>
-                  <a:noFill/>
-                </a:ln>
-                <a:solidFill>
-                  <a:srgbClr val="F8F8F2"/>
-                </a:solidFill>
-                <a:effectLst/>
-                <a:latin typeface="Courier New" panose="02070309020205020404" pitchFamily="49" charset="0"/>
-                <a:cs typeface="Courier New" panose="02070309020205020404" pitchFamily="49" charset="0"/>
-              </a:rPr>
-              <a:t>&lt;/</a:t>
-            </a:r>
-            <a:r>
-              <a:rPr kumimoji="0" lang="it-IT" altLang="it-IT" sz="2000" b="1" i="0" u="none" strike="noStrike" cap="none" normalizeH="0" baseline="0" dirty="0" smtClean="0">
-                <a:ln>
-                  <a:noFill/>
-                </a:ln>
-                <a:solidFill>
-                  <a:srgbClr val="E3E3FF"/>
-                </a:solidFill>
-                <a:effectLst/>
-                <a:latin typeface="Courier New" panose="02070309020205020404" pitchFamily="49" charset="0"/>
-                <a:cs typeface="Courier New" panose="02070309020205020404" pitchFamily="49" charset="0"/>
-              </a:rPr>
-              <a:t>script</a:t>
-            </a:r>
-            <a:r>
-              <a:rPr kumimoji="0" lang="it-IT" altLang="it-IT" sz="2000" b="0" i="0" u="none" strike="noStrike" cap="none" normalizeH="0" baseline="0" dirty="0" smtClean="0">
-                <a:ln>
-                  <a:noFill/>
-                </a:ln>
-                <a:solidFill>
-                  <a:srgbClr val="F8F8F2"/>
-                </a:solidFill>
-                <a:effectLst/>
-                <a:latin typeface="Courier New" panose="02070309020205020404" pitchFamily="49" charset="0"/>
-                <a:cs typeface="Courier New" panose="02070309020205020404" pitchFamily="49" charset="0"/>
-              </a:rPr>
-              <a:t>&gt;</a:t>
-            </a:r>
-            <a:endParaRPr kumimoji="0" lang="it-IT" altLang="it-IT" sz="3200" b="0" i="0" u="none" strike="noStrike" cap="none" normalizeH="0" baseline="0" dirty="0" smtClean="0">
-              <a:ln>
-                <a:noFill/>
-              </a:ln>
-              <a:solidFill>
-                <a:schemeClr val="tx1"/>
-              </a:solidFill>
-              <a:effectLst/>
-              <a:latin typeface="Arial" panose="020B0604020202020204" pitchFamily="34" charset="0"/>
-            </a:endParaRPr>
+            <a:pPr lvl="2"/>
+            <a:r>
+              <a:rPr lang="it-IT" dirty="0" err="1" smtClean="0"/>
+              <a:t>Forwards</a:t>
+            </a:r>
+            <a:r>
+              <a:rPr lang="it-IT" dirty="0" smtClean="0"/>
+              <a:t> </a:t>
+            </a:r>
+            <a:r>
+              <a:rPr lang="it-IT" dirty="0" err="1" smtClean="0"/>
+              <a:t>events</a:t>
+            </a:r>
+            <a:r>
+              <a:rPr lang="it-IT" dirty="0" smtClean="0"/>
+              <a:t> and data </a:t>
+            </a:r>
+            <a:r>
+              <a:rPr lang="it-IT" dirty="0" err="1" smtClean="0"/>
+              <a:t>between</a:t>
+            </a:r>
+            <a:r>
+              <a:rPr lang="it-IT" dirty="0" smtClean="0"/>
+              <a:t> clients</a:t>
+            </a:r>
+          </a:p>
+          <a:p>
+            <a:pPr lvl="1"/>
+            <a:r>
+              <a:rPr lang="it-IT" dirty="0" err="1" smtClean="0"/>
+              <a:t>Fat</a:t>
+            </a:r>
+            <a:r>
+              <a:rPr lang="it-IT" dirty="0" smtClean="0"/>
+              <a:t> client (</a:t>
+            </a:r>
+            <a:r>
+              <a:rPr lang="it-IT" dirty="0" err="1" smtClean="0"/>
+              <a:t>host</a:t>
+            </a:r>
+            <a:r>
+              <a:rPr lang="it-IT" dirty="0" smtClean="0"/>
+              <a:t>): Game manager</a:t>
+            </a:r>
+          </a:p>
+          <a:p>
+            <a:pPr lvl="2"/>
+            <a:r>
+              <a:rPr lang="it-IT" dirty="0" smtClean="0"/>
+              <a:t>Player </a:t>
+            </a:r>
+            <a:r>
+              <a:rPr lang="it-IT" dirty="0" err="1" smtClean="0"/>
+              <a:t>movements</a:t>
+            </a:r>
+            <a:endParaRPr lang="it-IT" dirty="0" smtClean="0"/>
+          </a:p>
+          <a:p>
+            <a:pPr lvl="2"/>
+            <a:r>
+              <a:rPr lang="it-IT" dirty="0" err="1" smtClean="0"/>
+              <a:t>Checks</a:t>
+            </a:r>
+            <a:r>
+              <a:rPr lang="it-IT" dirty="0" smtClean="0"/>
+              <a:t> </a:t>
+            </a:r>
+            <a:r>
+              <a:rPr lang="it-IT" dirty="0" err="1" smtClean="0"/>
+              <a:t>collisions</a:t>
+            </a:r>
+            <a:endParaRPr lang="it-IT" dirty="0" smtClean="0"/>
+          </a:p>
+          <a:p>
+            <a:pPr lvl="2"/>
+            <a:r>
+              <a:rPr lang="it-IT" dirty="0" err="1" smtClean="0"/>
+              <a:t>Keeps</a:t>
+            </a:r>
+            <a:r>
+              <a:rPr lang="it-IT" dirty="0" smtClean="0"/>
+              <a:t> </a:t>
+            </a:r>
+            <a:r>
+              <a:rPr lang="it-IT" dirty="0" err="1" smtClean="0"/>
+              <a:t>scores</a:t>
+            </a:r>
+            <a:endParaRPr lang="it-IT" dirty="0" smtClean="0"/>
+          </a:p>
+          <a:p>
+            <a:pPr lvl="2"/>
+            <a:r>
+              <a:rPr lang="it-IT" dirty="0" smtClean="0"/>
+              <a:t>Starts and </a:t>
+            </a:r>
+            <a:r>
+              <a:rPr lang="it-IT" dirty="0" err="1" smtClean="0"/>
+              <a:t>ends</a:t>
+            </a:r>
+            <a:r>
+              <a:rPr lang="it-IT" dirty="0" smtClean="0"/>
+              <a:t> a game</a:t>
+            </a:r>
+          </a:p>
+          <a:p>
+            <a:pPr lvl="1"/>
+            <a:r>
+              <a:rPr lang="it-IT" dirty="0" err="1" smtClean="0"/>
+              <a:t>Thin</a:t>
+            </a:r>
+            <a:r>
+              <a:rPr lang="it-IT" dirty="0" smtClean="0"/>
+              <a:t> client</a:t>
+            </a:r>
+          </a:p>
+          <a:p>
+            <a:pPr lvl="2"/>
+            <a:r>
+              <a:rPr lang="it-IT" dirty="0" smtClean="0"/>
+              <a:t>Player </a:t>
+            </a:r>
+            <a:r>
+              <a:rPr lang="it-IT" dirty="0" err="1" smtClean="0"/>
+              <a:t>movements</a:t>
+            </a:r>
+            <a:endParaRPr lang="it-IT" dirty="0" smtClean="0"/>
           </a:p>
         </p:txBody>
       </p:sp>
     </p:spTree>
     <p:extLst>
       <p:ext uri="{BB962C8B-B14F-4D97-AF65-F5344CB8AC3E}">
-        <p14:creationId xmlns:p14="http://schemas.microsoft.com/office/powerpoint/2010/main" val="673698968"/>
+        <p14:creationId xmlns:p14="http://schemas.microsoft.com/office/powerpoint/2010/main" val="381489603"/>
       </p:ext>
     </p:extLst>
   </p:cSld>

--- a/slides/slides.pptx
+++ b/slides/slides.pptx
@@ -2622,7 +2622,23 @@
           <a:p>
             <a:r>
               <a:rPr lang="en-US" dirty="0"/>
-              <a:t>Suitable for not persistent game world (fps, racing)</a:t>
+              <a:t>Suitable for </a:t>
+            </a:r>
+            <a:r>
+              <a:rPr lang="en-US" dirty="0" smtClean="0"/>
+              <a:t>games with not </a:t>
+            </a:r>
+            <a:r>
+              <a:rPr lang="en-US" dirty="0"/>
+              <a:t>persistent </a:t>
+            </a:r>
+            <a:r>
+              <a:rPr lang="en-US" dirty="0" smtClean="0"/>
+              <a:t>world </a:t>
+            </a:r>
+            <a:r>
+              <a:rPr lang="en-US" dirty="0"/>
+              <a:t>(fps, racing)</a:t>
             </a:r>
           </a:p>
           <a:p>
@@ -23190,46 +23206,63 @@
           <a:lstStyle/>
           <a:p>
             <a:r>
+              <a:rPr lang="en-US" dirty="0" smtClean="0"/>
+              <a:t>Server </a:t>
+            </a:r>
+            <a:r>
               <a:rPr lang="en-US" dirty="0"/>
-              <a:t>Most used architecture</a:t>
+              <a:t>is now a cluster of computer</a:t>
             </a:r>
           </a:p>
           <a:p>
             <a:r>
               <a:rPr lang="en-US" dirty="0" smtClean="0"/>
-              <a:t>“Server” </a:t>
+              <a:t>Client </a:t>
             </a:r>
             <a:r>
               <a:rPr lang="en-US" dirty="0"/>
-              <a:t>is now a cluster of computer</a:t>
+              <a:t>can be thin or </a:t>
+            </a:r>
+            <a:r>
+              <a:rPr lang="en-US" dirty="0" smtClean="0"/>
+              <a:t>fat</a:t>
             </a:r>
           </a:p>
           <a:p>
             <a:r>
               <a:rPr lang="en-US" dirty="0"/>
-              <a:t>“Client” can be </a:t>
-            </a:r>
-            <a:r>
-              <a:rPr lang="en-US" i="1" dirty="0"/>
-              <a:t>thin</a:t>
+              <a:t>Suitable for games with </a:t>
+            </a:r>
+            <a:r>
+              <a:rPr lang="en-US" dirty="0" smtClean="0"/>
+              <a:t>persistent </a:t>
             </a:r>
             <a:r>
               <a:rPr lang="en-US" dirty="0"/>
-              <a:t> or </a:t>
-            </a:r>
-            <a:r>
-              <a:rPr lang="en-US" i="1" dirty="0"/>
-              <a:t>fat</a:t>
-            </a:r>
+              <a:t>world </a:t>
+            </a:r>
+            <a:r>
+              <a:rPr lang="en-US" dirty="0" smtClean="0"/>
+              <a:t>(</a:t>
+            </a:r>
+            <a:r>
+              <a:rPr lang="en-US" dirty="0" err="1" smtClean="0"/>
+              <a:t>mmorpg</a:t>
+            </a:r>
+            <a:r>
+              <a:rPr lang="en-US" dirty="0" smtClean="0"/>
+              <a:t>)</a:t>
+            </a:r>
+            <a:endParaRPr lang="en-US" i="1" dirty="0"/>
           </a:p>
           <a:p>
             <a:r>
-              <a:rPr lang="en-US" i="1" u="sng" dirty="0"/>
-              <a:t>Easy</a:t>
+              <a:rPr lang="en-US" dirty="0" smtClean="0"/>
+              <a:t>“Easy” </a:t>
             </a:r>
             <a:r>
               <a:rPr lang="en-US" dirty="0"/>
-              <a:t> to develop, hard to maintain, high </a:t>
+              <a:t>to develop, hard to maintain, high </a:t>
             </a:r>
             <a:r>
               <a:rPr lang="en-US" dirty="0" smtClean="0"/>

--- a/slides/slides.pptx
+++ b/slides/slides.pptx
@@ -2615,21 +2615,61 @@
           <a:lstStyle/>
           <a:p>
             <a:r>
+              <a:rPr lang="en-US" dirty="0" smtClean="0"/>
+              <a:t>Suitable </a:t>
+            </a:r>
+            <a:r>
               <a:rPr lang="en-US" dirty="0"/>
-              <a:t>Distributed logic and data</a:t>
+              <a:t>for not persistent game </a:t>
+            </a:r>
+            <a:r>
+              <a:rPr lang="en-US" dirty="0" smtClean="0"/>
+              <a:t>(</a:t>
+            </a:r>
+            <a:r>
+              <a:rPr lang="en-US" dirty="0"/>
+              <a:t>fps, racing</a:t>
+            </a:r>
+            <a:r>
+              <a:rPr lang="en-US" dirty="0" smtClean="0"/>
+              <a:t>)</a:t>
             </a:r>
           </a:p>
           <a:p>
             <a:r>
+              <a:rPr lang="en-US" dirty="0" smtClean="0"/>
+              <a:t>Easy to </a:t>
+            </a:r>
+            <a:r>
               <a:rPr lang="en-US" dirty="0"/>
-              <a:t>Suitable for not persistent game world (fps, racing)</a:t>
+              <a:t>maintain, low </a:t>
+            </a:r>
+            <a:r>
+              <a:rPr lang="en-US" dirty="0" smtClean="0"/>
+              <a:t>costs</a:t>
             </a:r>
           </a:p>
           <a:p>
             <a:r>
-              <a:rPr lang="en-US" dirty="0"/>
-              <a:t>Hard to develop, easy to maintain, low costs</a:t>
-            </a:r>
+              <a:rPr lang="en-US" dirty="0" smtClean="0"/>
+              <a:t>Is it really used? </a:t>
+            </a:r>
+          </a:p>
+          <a:p>
+            <a:pPr lvl="1"/>
+            <a:r>
+              <a:rPr lang="en-US" dirty="0" smtClean="0"/>
+              <a:t>Cheating, </a:t>
+            </a:r>
+            <a:r>
+              <a:rPr lang="en-US" dirty="0" err="1" smtClean="0"/>
+              <a:t>Modding</a:t>
+            </a:r>
+            <a:r>
+              <a:rPr lang="en-US" dirty="0" smtClean="0"/>
+              <a:t>, Pirates, Business</a:t>
+            </a:r>
+            <a:endParaRPr lang="en-US" dirty="0"/>
           </a:p>
           <a:p>
             <a:pPr marL="0" indent="0">
@@ -2745,9 +2785,10 @@
           <a:lstStyle/>
           <a:p>
             <a:r>
-              <a:rPr lang="en-US" dirty="0"/>
-              <a:t>Best of both worlds?</a:t>
-            </a:r>
+              <a:rPr lang="en-US" dirty="0" smtClean="0"/>
+              <a:t>Most used!</a:t>
+            </a:r>
+            <a:endParaRPr lang="en-US" dirty="0"/>
           </a:p>
           <a:p>
             <a:r>
@@ -23190,50 +23231,40 @@
           <a:lstStyle/>
           <a:p>
             <a:r>
-              <a:rPr lang="en-US" dirty="0"/>
-              <a:t>Most used architecture</a:t>
+              <a:rPr lang="en-US" dirty="0" smtClean="0"/>
+              <a:t>Suitable for persistent game (</a:t>
+            </a:r>
+            <a:r>
+              <a:rPr lang="en-US" dirty="0" err="1" smtClean="0"/>
+              <a:t>mmorpg</a:t>
+            </a:r>
+            <a:r>
+              <a:rPr lang="en-US" dirty="0" smtClean="0"/>
+              <a:t>)</a:t>
             </a:r>
           </a:p>
           <a:p>
             <a:r>
               <a:rPr lang="en-US" dirty="0" smtClean="0"/>
-              <a:t>“Server” </a:t>
+              <a:t>H</a:t>
+            </a:r>
+            <a:r>
+              <a:rPr lang="en-US" dirty="0" smtClean="0"/>
+              <a:t>ard </a:t>
             </a:r>
             <a:r>
               <a:rPr lang="en-US" dirty="0"/>
-              <a:t>is now a cluster of computer</a:t>
+              <a:t>to maintain, high </a:t>
+            </a:r>
+            <a:r>
+              <a:rPr lang="en-US" dirty="0" smtClean="0"/>
+              <a:t>costs</a:t>
             </a:r>
           </a:p>
           <a:p>
             <a:r>
-              <a:rPr lang="en-US" dirty="0"/>
-              <a:t>“Client” can be </a:t>
-            </a:r>
-            <a:r>
-              <a:rPr lang="en-US" i="1" dirty="0"/>
-              <a:t>thin</a:t>
-            </a:r>
-            <a:r>
-              <a:rPr lang="en-US" dirty="0"/>
-              <a:t> or </a:t>
-            </a:r>
-            <a:r>
-              <a:rPr lang="en-US" i="1" dirty="0"/>
-              <a:t>fat</a:t>
-            </a:r>
-          </a:p>
-          <a:p>
-            <a:r>
-              <a:rPr lang="en-US" i="1" u="sng" dirty="0"/>
-              <a:t>Easy</a:t>
-            </a:r>
-            <a:r>
-              <a:rPr lang="en-US" dirty="0"/>
-              <a:t> to develop, hard to maintain, high </a:t>
-            </a:r>
-            <a:r>
               <a:rPr lang="en-US" dirty="0" smtClean="0"/>
-              <a:t>costs</a:t>
+              <a:t>Lineage 2, World of Warcraft</a:t>
             </a:r>
             <a:endParaRPr lang="en-US" dirty="0"/>
           </a:p>

--- a/slides/slides.pptx
+++ b/slides/slides.pptx
@@ -2792,26 +2792,15 @@
           </a:p>
           <a:p>
             <a:r>
-              <a:rPr lang="en-US" dirty="0"/>
-              <a:t>Easy to use in some aspect (matchmaking)</a:t>
-            </a:r>
+              <a:rPr lang="en-US" dirty="0" smtClean="0"/>
+              <a:t>Server duties: matchmaking, world data, …</a:t>
+            </a:r>
+            <a:endParaRPr lang="en-US" dirty="0"/>
           </a:p>
           <a:p>
             <a:r>
-              <a:rPr lang="en-US" dirty="0"/>
-              <a:t>Hard to use in some </a:t>
-            </a:r>
-            <a:r>
               <a:rPr lang="en-US" dirty="0" smtClean="0"/>
-              <a:t>aspect </a:t>
-            </a:r>
-            <a:r>
-              <a:rPr lang="en-US" dirty="0"/>
-              <a:t>(world consistency</a:t>
-            </a:r>
-            <a:r>
-              <a:rPr lang="en-US" dirty="0" smtClean="0"/>
-              <a:t>)</a:t>
+              <a:t>Client duties: assets sharing, </a:t>
             </a:r>
             <a:endParaRPr lang="en-US" dirty="0"/>
           </a:p>
@@ -23246,11 +23235,7 @@
           <a:p>
             <a:r>
               <a:rPr lang="en-US" dirty="0" smtClean="0"/>
-              <a:t>H</a:t>
-            </a:r>
-            <a:r>
-              <a:rPr lang="en-US" dirty="0" smtClean="0"/>
-              <a:t>ard </a:t>
+              <a:t>Hard </a:t>
             </a:r>
             <a:r>
               <a:rPr lang="en-US" dirty="0"/>

--- a/slides/slides.pptx
+++ b/slides/slides.pptx
@@ -2620,20 +2620,13 @@
             </a:r>
             <a:r>
               <a:rPr lang="en-US" dirty="0"/>
-              <a:t>for not persistent game </a:t>
+              <a:t>for </a:t>
             </a:r>
             <a:r>
               <a:rPr lang="en-US" dirty="0" smtClean="0"/>
-              <a:t>(</a:t>
-            </a:r>
-            <a:r>
-              <a:rPr lang="en-US" dirty="0"/>
-              <a:t>fps, racing</a:t>
-            </a:r>
-            <a:r>
-              <a:rPr lang="en-US" dirty="0" smtClean="0"/>
-              <a:t>)</a:t>
-            </a:r>
+              <a:t>games that don’t evolve over time</a:t>
+            </a:r>
+            <a:endParaRPr lang="en-US" dirty="0" smtClean="0"/>
           </a:p>
           <a:p>
             <a:r>
@@ -2800,7 +2793,23 @@
           <a:p>
             <a:r>
               <a:rPr lang="en-US" dirty="0" smtClean="0"/>
-              <a:t>Client duties: assets sharing, </a:t>
+              <a:t>Client duties: assets </a:t>
+            </a:r>
+            <a:r>
+              <a:rPr lang="en-US" dirty="0" smtClean="0"/>
+              <a:t>sharing</a:t>
+            </a:r>
+            <a:r>
+              <a:rPr lang="en-US" dirty="0" smtClean="0"/>
+              <a:t>, </a:t>
+            </a:r>
+            <a:r>
+              <a:rPr lang="en-US" dirty="0" err="1" smtClean="0"/>
+              <a:t>voip</a:t>
+            </a:r>
+            <a:r>
+              <a:rPr lang="en-US" dirty="0" smtClean="0"/>
+              <a:t>, …</a:t>
             </a:r>
             <a:endParaRPr lang="en-US" dirty="0"/>
           </a:p>
@@ -3321,14 +3330,6 @@
             <a:r>
               <a:rPr lang="it-IT" sz="2400" dirty="0" err="1" smtClean="0"/>
               <a:t>Request-Response</a:t>
-            </a:r>
-            <a:r>
-              <a:rPr lang="it-IT" sz="2400" dirty="0" smtClean="0"/>
-              <a:t> </a:t>
-            </a:r>
-            <a:r>
-              <a:rPr lang="it-IT" sz="2400" dirty="0" err="1" smtClean="0"/>
-              <a:t>message</a:t>
             </a:r>
             <a:r>
               <a:rPr lang="it-IT" sz="2400" dirty="0" smtClean="0"/>
@@ -23221,16 +23222,17 @@
           <a:p>
             <a:r>
               <a:rPr lang="en-US" dirty="0" smtClean="0"/>
-              <a:t>Suitable for persistent game (</a:t>
-            </a:r>
-            <a:r>
-              <a:rPr lang="en-US" dirty="0" err="1" smtClean="0"/>
-              <a:t>mmorpg</a:t>
+              <a:t>Suitable for </a:t>
             </a:r>
             <a:r>
               <a:rPr lang="en-US" dirty="0" smtClean="0"/>
-              <a:t>)</a:t>
-            </a:r>
+              <a:t>games that evolve </a:t>
+            </a:r>
+            <a:r>
+              <a:rPr lang="en-US" dirty="0" smtClean="0"/>
+              <a:t>over time</a:t>
+            </a:r>
+            <a:endParaRPr lang="en-US" dirty="0" smtClean="0"/>
           </a:p>
           <a:p>
             <a:r>

--- a/slides/slides.pptx
+++ b/slides/slides.pptx
@@ -2626,7 +2626,6 @@
               <a:rPr lang="en-US" dirty="0" smtClean="0"/>
               <a:t>games that don’t evolve over time</a:t>
             </a:r>
-            <a:endParaRPr lang="en-US" dirty="0" smtClean="0"/>
           </a:p>
           <a:p>
             <a:r>
@@ -2793,15 +2792,7 @@
           <a:p>
             <a:r>
               <a:rPr lang="en-US" dirty="0" smtClean="0"/>
-              <a:t>Client duties: assets </a:t>
-            </a:r>
-            <a:r>
-              <a:rPr lang="en-US" dirty="0" smtClean="0"/>
-              <a:t>sharing</a:t>
-            </a:r>
-            <a:r>
-              <a:rPr lang="en-US" dirty="0" smtClean="0"/>
-              <a:t>, </a:t>
+              <a:t>Client duties: assets sharing, </a:t>
             </a:r>
             <a:r>
               <a:rPr lang="en-US" dirty="0" err="1" smtClean="0"/>
@@ -9051,6 +9042,26 @@
             <a:r>
               <a:rPr lang="it-IT" dirty="0" err="1" smtClean="0"/>
               <a:t>movements</a:t>
+            </a:r>
+            <a:endParaRPr lang="it-IT" dirty="0" smtClean="0"/>
+          </a:p>
+          <a:p>
+            <a:pPr lvl="2"/>
+            <a:r>
+              <a:rPr lang="it-IT" dirty="0" smtClean="0"/>
+              <a:t>Can be </a:t>
+            </a:r>
+            <a:r>
+              <a:rPr lang="it-IT" dirty="0" err="1" smtClean="0"/>
+              <a:t>promoted</a:t>
+            </a:r>
+            <a:r>
+              <a:rPr lang="it-IT" dirty="0" smtClean="0"/>
+              <a:t> to </a:t>
+            </a:r>
+            <a:r>
+              <a:rPr lang="it-IT" dirty="0" err="1" smtClean="0"/>
+              <a:t>host</a:t>
             </a:r>
             <a:endParaRPr lang="it-IT" dirty="0" smtClean="0"/>
           </a:p>
@@ -23222,17 +23233,8 @@
           <a:p>
             <a:r>
               <a:rPr lang="en-US" dirty="0" smtClean="0"/>
-              <a:t>Suitable for </a:t>
-            </a:r>
-            <a:r>
-              <a:rPr lang="en-US" dirty="0" smtClean="0"/>
-              <a:t>games that evolve </a:t>
-            </a:r>
-            <a:r>
-              <a:rPr lang="en-US" dirty="0" smtClean="0"/>
-              <a:t>over time</a:t>
-            </a:r>
-            <a:endParaRPr lang="en-US" dirty="0" smtClean="0"/>
+              <a:t>Suitable for games that evolve over time</a:t>
+            </a:r>
           </a:p>
           <a:p>
             <a:r>

--- a/slides/slides.pptx
+++ b/slides/slides.pptx
@@ -2784,15 +2784,23 @@
           </a:p>
           <a:p>
             <a:r>
+              <a:rPr lang="en-US" smtClean="0"/>
+              <a:t>Client-Server </a:t>
+            </a:r>
+            <a:r>
               <a:rPr lang="en-US" dirty="0" smtClean="0"/>
-              <a:t>Server duties: matchmaking, world data, …</a:t>
+              <a:t>duties: matchmaking, world data, …</a:t>
             </a:r>
             <a:endParaRPr lang="en-US" dirty="0"/>
           </a:p>
           <a:p>
             <a:r>
               <a:rPr lang="en-US" dirty="0" smtClean="0"/>
-              <a:t>Client duties: assets sharing, </a:t>
+              <a:t>P2P duties: </a:t>
+            </a:r>
+            <a:r>
+              <a:rPr lang="en-US" dirty="0" smtClean="0"/>
+              <a:t>assets sharing, </a:t>
             </a:r>
             <a:r>
               <a:rPr lang="en-US" dirty="0" err="1" smtClean="0"/>

--- a/slides/slides.pptx
+++ b/slides/slides.pptx
@@ -2796,11 +2796,7 @@
           <a:p>
             <a:r>
               <a:rPr lang="en-US" dirty="0" smtClean="0"/>
-              <a:t>P2P duties: </a:t>
-            </a:r>
-            <a:r>
-              <a:rPr lang="en-US" dirty="0" smtClean="0"/>
-              <a:t>assets sharing, </a:t>
+              <a:t>P2P duties: assets sharing, </a:t>
             </a:r>
             <a:r>
               <a:rPr lang="en-US" dirty="0" err="1" smtClean="0"/>
@@ -15439,7 +15435,7 @@
                 <a:latin typeface="Lucida Console" panose="020B0609040504020204" pitchFamily="49" charset="0"/>
                 <a:cs typeface="Courier New" panose="02070309020205020404" pitchFamily="49" charset="0"/>
               </a:rPr>
-              <a:t>body</a:t>
+              <a:t>position</a:t>
             </a:r>
             <a:r>
               <a:rPr kumimoji="0" lang="it-IT" altLang="it-IT" sz="1600" b="0" i="0" u="none" strike="noStrike" cap="none" normalizeH="0" baseline="0" dirty="0" err="1" smtClean="0">
@@ -15634,7 +15630,7 @@
                 <a:latin typeface="Lucida Console" panose="020B0609040504020204" pitchFamily="49" charset="0"/>
                 <a:cs typeface="Courier New" panose="02070309020205020404" pitchFamily="49" charset="0"/>
               </a:rPr>
-              <a:t>body</a:t>
+              <a:t>position</a:t>
             </a:r>
             <a:r>
               <a:rPr kumimoji="0" lang="it-IT" altLang="it-IT" sz="1600" b="0" i="0" u="none" strike="noStrike" cap="none" normalizeH="0" baseline="0" dirty="0" err="1" smtClean="0">
@@ -16463,7 +16459,7 @@
                 <a:latin typeface="Lucida Console" panose="020B0609040504020204" pitchFamily="49" charset="0"/>
                 <a:cs typeface="Courier New" panose="02070309020205020404" pitchFamily="49" charset="0"/>
               </a:rPr>
-              <a:t>body</a:t>
+              <a:t>position</a:t>
             </a:r>
             <a:r>
               <a:rPr kumimoji="0" lang="it-IT" altLang="it-IT" sz="1600" b="0" i="0" u="none" strike="noStrike" cap="none" normalizeH="0" baseline="0" dirty="0" err="1" smtClean="0">
@@ -16810,7 +16806,7 @@
                 <a:latin typeface="Lucida Console" panose="020B0609040504020204" pitchFamily="49" charset="0"/>
                 <a:cs typeface="Courier New" panose="02070309020205020404" pitchFamily="49" charset="0"/>
               </a:rPr>
-              <a:t>body</a:t>
+              <a:t>position</a:t>
             </a:r>
             <a:r>
               <a:rPr kumimoji="0" lang="it-IT" altLang="it-IT" sz="1600" b="0" i="0" u="none" strike="noStrike" cap="none" normalizeH="0" baseline="0" dirty="0" err="1" smtClean="0">
@@ -17248,7 +17244,7 @@
         <p:spPr>
           <a:xfrm>
             <a:off x="686485" y="3717032"/>
-            <a:ext cx="7557923" cy="2448272"/>
+            <a:ext cx="8133987" cy="2448272"/>
           </a:xfrm>
           <a:prstGeom prst="rect">
             <a:avLst/>

--- a/slides/slides.pptx
+++ b/slides/slides.pptx
@@ -4278,6 +4278,25 @@
           <a:p>
             <a:r>
               <a:rPr lang="it-IT" dirty="0"/>
+              <a:t>Works </a:t>
+            </a:r>
+            <a:r>
+              <a:rPr lang="it-IT" dirty="0" err="1"/>
+              <a:t>as</a:t>
+            </a:r>
+            <a:r>
+              <a:rPr lang="it-IT" dirty="0"/>
+              <a:t> an upgrade of standard HTTP </a:t>
+            </a:r>
+            <a:r>
+              <a:rPr lang="it-IT" dirty="0" smtClean="0"/>
+              <a:t>connection</a:t>
+            </a:r>
+            <a:endParaRPr lang="it-IT" dirty="0" smtClean="0"/>
+          </a:p>
+          <a:p>
+            <a:r>
+              <a:rPr lang="it-IT" dirty="0" smtClean="0"/>
               <a:t>Full-duplex </a:t>
             </a:r>
             <a:r>
@@ -4291,24 +4310,6 @@
             <a:r>
               <a:rPr lang="it-IT" dirty="0"/>
               <a:t>over a single TCP connection</a:t>
-            </a:r>
-          </a:p>
-          <a:p>
-            <a:r>
-              <a:rPr lang="it-IT" dirty="0"/>
-              <a:t>Works </a:t>
-            </a:r>
-            <a:r>
-              <a:rPr lang="it-IT" dirty="0" err="1"/>
-              <a:t>as</a:t>
-            </a:r>
-            <a:r>
-              <a:rPr lang="it-IT" dirty="0"/>
-              <a:t> an upgrade of standard HTTP </a:t>
-            </a:r>
-            <a:r>
-              <a:rPr lang="it-IT" dirty="0" smtClean="0"/>
-              <a:t>connection</a:t>
             </a:r>
           </a:p>
           <a:p>
